--- a/PROJECT/Abgabe/TINF20C_Präsentation_Semester4_Team_4.pptx
+++ b/PROJECT/Abgabe/TINF20C_Präsentation_Semester4_Team_4.pptx
@@ -5,7 +5,7 @@
     <p:sldMasterId id="2147483648" r:id="rId1"/>
   </p:sldMasterIdLst>
   <p:notesMasterIdLst>
-    <p:notesMasterId r:id="rId21"/>
+    <p:notesMasterId r:id="rId20"/>
   </p:notesMasterIdLst>
   <p:sldIdLst>
     <p:sldId id="256" r:id="rId2"/>
@@ -18,15 +18,14 @@
     <p:sldId id="281" r:id="rId9"/>
     <p:sldId id="272" r:id="rId10"/>
     <p:sldId id="276" r:id="rId11"/>
-    <p:sldId id="273" r:id="rId12"/>
-    <p:sldId id="277" r:id="rId13"/>
-    <p:sldId id="263" r:id="rId14"/>
-    <p:sldId id="262" r:id="rId15"/>
+    <p:sldId id="277" r:id="rId12"/>
+    <p:sldId id="263" r:id="rId13"/>
+    <p:sldId id="262" r:id="rId14"/>
+    <p:sldId id="283" r:id="rId15"/>
     <p:sldId id="264" r:id="rId16"/>
     <p:sldId id="267" r:id="rId17"/>
     <p:sldId id="282" r:id="rId18"/>
     <p:sldId id="268" r:id="rId19"/>
-    <p:sldId id="259" r:id="rId20"/>
   </p:sldIdLst>
   <p:sldSz cx="12192000" cy="6858000"/>
   <p:notesSz cx="6858000" cy="9144000"/>
@@ -145,215 +144,3225 @@
 </p:cmAuthorLst>
 </file>
 
+<file path=ppt/revisionInfo.xml><?xml version="1.0" encoding="utf-8"?>
+<p1510:revInfo xmlns:a="http://schemas.openxmlformats.org/drawingml/2006/main" xmlns:r="http://schemas.openxmlformats.org/officeDocument/2006/relationships" xmlns:p1510="http://schemas.microsoft.com/office/powerpoint/2015/10/main">
+  <p1510:revLst>
+    <p1510:client id="{45ACEE99-466E-4A56-BB8A-88779F9863B8}" v="1" dt="2022-05-11T18:36:49.860"/>
+    <p1510:client id="{77B75BB7-7822-4AAC-BF4F-AB70BD85F32A}" v="32" dt="2022-05-11T19:03:01.835"/>
+  </p1510:revLst>
+</p1510:revInfo>
+</file>
+
 <file path=ppt/changesInfos/changesInfo1.xml><?xml version="1.0" encoding="utf-8"?>
 <pc:chgInfo xmlns:a="http://schemas.openxmlformats.org/drawingml/2006/main" xmlns:r="http://schemas.openxmlformats.org/officeDocument/2006/relationships" xmlns:ac="http://schemas.microsoft.com/office/drawing/2013/main/command" xmlns:pc="http://schemas.microsoft.com/office/powerpoint/2013/main/command">
   <pc:docChgLst>
-    <pc:chgData name="Esenwein Benjamin (inf20074)" userId="7720cf97-c6ae-4bac-a435-f995da81a4ba" providerId="ADAL" clId="{4B3FC24A-C8D7-44B9-BB96-BC8F7E8116A2}"/>
+    <pc:chgData name="Plaschko Yannis (inf20093)" userId="S::inf20093@lehre.dhbw-stuttgart.de::f4d33fb3-2c8f-4127-90f7-f67e7a622ff7" providerId="AD" clId="Web-{2AF36117-4B39-B7BA-84FC-13AC891CBBB2}"/>
     <pc:docChg chg="modSld">
-      <pc:chgData name="Esenwein Benjamin (inf20074)" userId="7720cf97-c6ae-4bac-a435-f995da81a4ba" providerId="ADAL" clId="{4B3FC24A-C8D7-44B9-BB96-BC8F7E8116A2}" dt="2022-05-06T09:57:07.826" v="10" actId="20577"/>
+      <pc:chgData name="Plaschko Yannis (inf20093)" userId="S::inf20093@lehre.dhbw-stuttgart.de::f4d33fb3-2c8f-4127-90f7-f67e7a622ff7" providerId="AD" clId="Web-{2AF36117-4B39-B7BA-84FC-13AC891CBBB2}" dt="2022-05-09T13:15:38.396" v="424" actId="20577"/>
+      <pc:docMkLst>
+        <pc:docMk/>
+      </pc:docMkLst>
+      <pc:sldChg chg="modSp">
+        <pc:chgData name="Plaschko Yannis (inf20093)" userId="S::inf20093@lehre.dhbw-stuttgart.de::f4d33fb3-2c8f-4127-90f7-f67e7a622ff7" providerId="AD" clId="Web-{2AF36117-4B39-B7BA-84FC-13AC891CBBB2}" dt="2022-05-09T12:06:55.291" v="3" actId="20577"/>
+        <pc:sldMkLst>
+          <pc:docMk/>
+          <pc:sldMk cId="2505959144" sldId="256"/>
+        </pc:sldMkLst>
+        <pc:spChg chg="mod">
+          <ac:chgData name="Plaschko Yannis (inf20093)" userId="S::inf20093@lehre.dhbw-stuttgart.de::f4d33fb3-2c8f-4127-90f7-f67e7a622ff7" providerId="AD" clId="Web-{2AF36117-4B39-B7BA-84FC-13AC891CBBB2}" dt="2022-05-09T12:06:55.291" v="3" actId="20577"/>
+          <ac:spMkLst>
+            <pc:docMk/>
+            <pc:sldMk cId="2505959144" sldId="256"/>
+            <ac:spMk id="2" creationId="{FEA21FFC-A6C3-4E95-94C4-C1E4C4F6F8D3}"/>
+          </ac:spMkLst>
+        </pc:spChg>
+      </pc:sldChg>
+      <pc:sldChg chg="modSp modNotes">
+        <pc:chgData name="Plaschko Yannis (inf20093)" userId="S::inf20093@lehre.dhbw-stuttgart.de::f4d33fb3-2c8f-4127-90f7-f67e7a622ff7" providerId="AD" clId="Web-{2AF36117-4B39-B7BA-84FC-13AC891CBBB2}" dt="2022-05-09T13:15:21.708" v="419" actId="20577"/>
+        <pc:sldMkLst>
+          <pc:docMk/>
+          <pc:sldMk cId="4147236091" sldId="262"/>
+        </pc:sldMkLst>
+        <pc:spChg chg="mod">
+          <ac:chgData name="Plaschko Yannis (inf20093)" userId="S::inf20093@lehre.dhbw-stuttgart.de::f4d33fb3-2c8f-4127-90f7-f67e7a622ff7" providerId="AD" clId="Web-{2AF36117-4B39-B7BA-84FC-13AC891CBBB2}" dt="2022-05-09T13:15:21.708" v="419" actId="20577"/>
+          <ac:spMkLst>
+            <pc:docMk/>
+            <pc:sldMk cId="4147236091" sldId="262"/>
+            <ac:spMk id="16" creationId="{12363D4A-CAB6-4CBB-9AD8-9EF204BD3C15}"/>
+          </ac:spMkLst>
+        </pc:spChg>
+      </pc:sldChg>
+      <pc:sldChg chg="modSp">
+        <pc:chgData name="Plaschko Yannis (inf20093)" userId="S::inf20093@lehre.dhbw-stuttgart.de::f4d33fb3-2c8f-4127-90f7-f67e7a622ff7" providerId="AD" clId="Web-{2AF36117-4B39-B7BA-84FC-13AC891CBBB2}" dt="2022-05-09T13:15:15.255" v="418" actId="20577"/>
+        <pc:sldMkLst>
+          <pc:docMk/>
+          <pc:sldMk cId="3942132956" sldId="263"/>
+        </pc:sldMkLst>
+        <pc:spChg chg="mod">
+          <ac:chgData name="Plaschko Yannis (inf20093)" userId="S::inf20093@lehre.dhbw-stuttgart.de::f4d33fb3-2c8f-4127-90f7-f67e7a622ff7" providerId="AD" clId="Web-{2AF36117-4B39-B7BA-84FC-13AC891CBBB2}" dt="2022-05-09T13:15:15.255" v="418" actId="20577"/>
+          <ac:spMkLst>
+            <pc:docMk/>
+            <pc:sldMk cId="3942132956" sldId="263"/>
+            <ac:spMk id="14" creationId="{8380E80B-C7B9-41FF-A254-76BDCDFFB7C4}"/>
+          </ac:spMkLst>
+        </pc:spChg>
+      </pc:sldChg>
+      <pc:sldChg chg="addSp delSp modSp modNotes">
+        <pc:chgData name="Plaschko Yannis (inf20093)" userId="S::inf20093@lehre.dhbw-stuttgart.de::f4d33fb3-2c8f-4127-90f7-f67e7a622ff7" providerId="AD" clId="Web-{2AF36117-4B39-B7BA-84FC-13AC891CBBB2}" dt="2022-05-09T13:15:33.740" v="422" actId="20577"/>
+        <pc:sldMkLst>
+          <pc:docMk/>
+          <pc:sldMk cId="3108174479" sldId="264"/>
+        </pc:sldMkLst>
+        <pc:spChg chg="add del mod">
+          <ac:chgData name="Plaschko Yannis (inf20093)" userId="S::inf20093@lehre.dhbw-stuttgart.de::f4d33fb3-2c8f-4127-90f7-f67e7a622ff7" providerId="AD" clId="Web-{2AF36117-4B39-B7BA-84FC-13AC891CBBB2}" dt="2022-05-09T13:15:33.740" v="422" actId="20577"/>
+          <ac:spMkLst>
+            <pc:docMk/>
+            <pc:sldMk cId="3108174479" sldId="264"/>
+            <ac:spMk id="9" creationId="{ADA79FBD-3096-4E28-AB98-7B2BD912675D}"/>
+          </ac:spMkLst>
+        </pc:spChg>
+      </pc:sldChg>
+      <pc:sldChg chg="modSp">
+        <pc:chgData name="Plaschko Yannis (inf20093)" userId="S::inf20093@lehre.dhbw-stuttgart.de::f4d33fb3-2c8f-4127-90f7-f67e7a622ff7" providerId="AD" clId="Web-{2AF36117-4B39-B7BA-84FC-13AC891CBBB2}" dt="2022-05-09T13:15:38.396" v="424" actId="20577"/>
+        <pc:sldMkLst>
+          <pc:docMk/>
+          <pc:sldMk cId="3111845278" sldId="267"/>
+        </pc:sldMkLst>
+        <pc:spChg chg="mod">
+          <ac:chgData name="Plaschko Yannis (inf20093)" userId="S::inf20093@lehre.dhbw-stuttgart.de::f4d33fb3-2c8f-4127-90f7-f67e7a622ff7" providerId="AD" clId="Web-{2AF36117-4B39-B7BA-84FC-13AC891CBBB2}" dt="2022-05-09T13:15:38.396" v="424" actId="20577"/>
+          <ac:spMkLst>
+            <pc:docMk/>
+            <pc:sldMk cId="3111845278" sldId="267"/>
+            <ac:spMk id="9" creationId="{B7EAAD7A-D146-4D4A-AF76-1BF183A9ACC3}"/>
+          </ac:spMkLst>
+        </pc:spChg>
+      </pc:sldChg>
+      <pc:sldChg chg="modSp">
+        <pc:chgData name="Plaschko Yannis (inf20093)" userId="S::inf20093@lehre.dhbw-stuttgart.de::f4d33fb3-2c8f-4127-90f7-f67e7a622ff7" providerId="AD" clId="Web-{2AF36117-4B39-B7BA-84FC-13AC891CBBB2}" dt="2022-05-09T12:18:18.809" v="8" actId="14100"/>
+        <pc:sldMkLst>
+          <pc:docMk/>
+          <pc:sldMk cId="2321171521" sldId="273"/>
+        </pc:sldMkLst>
+        <pc:spChg chg="mod">
+          <ac:chgData name="Plaschko Yannis (inf20093)" userId="S::inf20093@lehre.dhbw-stuttgart.de::f4d33fb3-2c8f-4127-90f7-f67e7a622ff7" providerId="AD" clId="Web-{2AF36117-4B39-B7BA-84FC-13AC891CBBB2}" dt="2022-05-09T12:18:18.809" v="8" actId="14100"/>
+          <ac:spMkLst>
+            <pc:docMk/>
+            <pc:sldMk cId="2321171521" sldId="273"/>
+            <ac:spMk id="34" creationId="{2EAA6503-B614-452E-865F-8F28FAD17DC3}"/>
+          </ac:spMkLst>
+        </pc:spChg>
+      </pc:sldChg>
+      <pc:sldChg chg="modSp">
+        <pc:chgData name="Plaschko Yannis (inf20093)" userId="S::inf20093@lehre.dhbw-stuttgart.de::f4d33fb3-2c8f-4127-90f7-f67e7a622ff7" providerId="AD" clId="Web-{2AF36117-4B39-B7BA-84FC-13AC891CBBB2}" dt="2022-05-09T13:15:08.802" v="417" actId="20577"/>
+        <pc:sldMkLst>
+          <pc:docMk/>
+          <pc:sldMk cId="2104648763" sldId="277"/>
+        </pc:sldMkLst>
+        <pc:spChg chg="mod">
+          <ac:chgData name="Plaschko Yannis (inf20093)" userId="S::inf20093@lehre.dhbw-stuttgart.de::f4d33fb3-2c8f-4127-90f7-f67e7a622ff7" providerId="AD" clId="Web-{2AF36117-4B39-B7BA-84FC-13AC891CBBB2}" dt="2022-05-09T13:15:08.802" v="417" actId="20577"/>
+          <ac:spMkLst>
+            <pc:docMk/>
+            <pc:sldMk cId="2104648763" sldId="277"/>
+            <ac:spMk id="34" creationId="{2EAA6503-B614-452E-865F-8F28FAD17DC3}"/>
+          </ac:spMkLst>
+        </pc:spChg>
+      </pc:sldChg>
+      <pc:sldChg chg="modSp">
+        <pc:chgData name="Plaschko Yannis (inf20093)" userId="S::inf20093@lehre.dhbw-stuttgart.de::f4d33fb3-2c8f-4127-90f7-f67e7a622ff7" providerId="AD" clId="Web-{2AF36117-4B39-B7BA-84FC-13AC891CBBB2}" dt="2022-05-09T12:18:58.716" v="20" actId="20577"/>
+        <pc:sldMkLst>
+          <pc:docMk/>
+          <pc:sldMk cId="3642239420" sldId="282"/>
+        </pc:sldMkLst>
+        <pc:spChg chg="mod">
+          <ac:chgData name="Plaschko Yannis (inf20093)" userId="S::inf20093@lehre.dhbw-stuttgart.de::f4d33fb3-2c8f-4127-90f7-f67e7a622ff7" providerId="AD" clId="Web-{2AF36117-4B39-B7BA-84FC-13AC891CBBB2}" dt="2022-05-09T12:18:58.716" v="20" actId="20577"/>
+          <ac:spMkLst>
+            <pc:docMk/>
+            <pc:sldMk cId="3642239420" sldId="282"/>
+            <ac:spMk id="9" creationId="{B7EAAD7A-D146-4D4A-AF76-1BF183A9ACC3}"/>
+          </ac:spMkLst>
+        </pc:spChg>
+      </pc:sldChg>
+      <pc:sldChg chg="modSp modNotes">
+        <pc:chgData name="Plaschko Yannis (inf20093)" userId="S::inf20093@lehre.dhbw-stuttgart.de::f4d33fb3-2c8f-4127-90f7-f67e7a622ff7" providerId="AD" clId="Web-{2AF36117-4B39-B7BA-84FC-13AC891CBBB2}" dt="2022-05-09T13:15:28.802" v="420" actId="20577"/>
+        <pc:sldMkLst>
+          <pc:docMk/>
+          <pc:sldMk cId="165153229" sldId="283"/>
+        </pc:sldMkLst>
+        <pc:spChg chg="mod">
+          <ac:chgData name="Plaschko Yannis (inf20093)" userId="S::inf20093@lehre.dhbw-stuttgart.de::f4d33fb3-2c8f-4127-90f7-f67e7a622ff7" providerId="AD" clId="Web-{2AF36117-4B39-B7BA-84FC-13AC891CBBB2}" dt="2022-05-09T13:15:28.802" v="420" actId="20577"/>
+          <ac:spMkLst>
+            <pc:docMk/>
+            <pc:sldMk cId="165153229" sldId="283"/>
+            <ac:spMk id="16" creationId="{12363D4A-CAB6-4CBB-9AD8-9EF204BD3C15}"/>
+          </ac:spMkLst>
+        </pc:spChg>
+      </pc:sldChg>
+    </pc:docChg>
+  </pc:docChgLst>
+  <pc:docChgLst>
+    <pc:chgData name="Esenwein Benjamin (inf20074)" userId="7720cf97-c6ae-4bac-a435-f995da81a4ba" providerId="ADAL" clId="{C010483D-60BC-418A-BCA3-6A1F85EBD2EA}"/>
+    <pc:docChg chg="undo custSel addSld delSld modSld sldOrd">
+      <pc:chgData name="Esenwein Benjamin (inf20074)" userId="7720cf97-c6ae-4bac-a435-f995da81a4ba" providerId="ADAL" clId="{C010483D-60BC-418A-BCA3-6A1F85EBD2EA}" dt="2022-05-09T14:12:59.519" v="9130" actId="20577"/>
+      <pc:docMkLst>
+        <pc:docMk/>
+      </pc:docMkLst>
+      <pc:sldChg chg="modSp mod modNotesTx">
+        <pc:chgData name="Esenwein Benjamin (inf20074)" userId="7720cf97-c6ae-4bac-a435-f995da81a4ba" providerId="ADAL" clId="{C010483D-60BC-418A-BCA3-6A1F85EBD2EA}" dt="2022-05-09T13:25:59.089" v="9078" actId="20577"/>
+        <pc:sldMkLst>
+          <pc:docMk/>
+          <pc:sldMk cId="2505959144" sldId="256"/>
+        </pc:sldMkLst>
+        <pc:spChg chg="mod">
+          <ac:chgData name="Esenwein Benjamin (inf20074)" userId="7720cf97-c6ae-4bac-a435-f995da81a4ba" providerId="ADAL" clId="{C010483D-60BC-418A-BCA3-6A1F85EBD2EA}" dt="2022-04-29T14:39:17.314" v="7" actId="20577"/>
+          <ac:spMkLst>
+            <pc:docMk/>
+            <pc:sldMk cId="2505959144" sldId="256"/>
+            <ac:spMk id="3" creationId="{EA356760-99B3-4061-95B7-F0DFCD7C51E9}"/>
+          </ac:spMkLst>
+        </pc:spChg>
+      </pc:sldChg>
+      <pc:sldChg chg="addSp delSp modSp mod modNotesTx">
+        <pc:chgData name="Esenwein Benjamin (inf20074)" userId="7720cf97-c6ae-4bac-a435-f995da81a4ba" providerId="ADAL" clId="{C010483D-60BC-418A-BCA3-6A1F85EBD2EA}" dt="2022-05-09T13:12:52.239" v="8991"/>
+        <pc:sldMkLst>
+          <pc:docMk/>
+          <pc:sldMk cId="1575568240" sldId="257"/>
+        </pc:sldMkLst>
+        <pc:spChg chg="mod">
+          <ac:chgData name="Esenwein Benjamin (inf20074)" userId="7720cf97-c6ae-4bac-a435-f995da81a4ba" providerId="ADAL" clId="{C010483D-60BC-418A-BCA3-6A1F85EBD2EA}" dt="2022-05-06T09:25:03.948" v="1758" actId="20577"/>
+          <ac:spMkLst>
+            <pc:docMk/>
+            <pc:sldMk cId="1575568240" sldId="257"/>
+            <ac:spMk id="3" creationId="{DF539375-44E3-4147-BAE7-6E5166F80167}"/>
+          </ac:spMkLst>
+        </pc:spChg>
+        <pc:spChg chg="add mod">
+          <ac:chgData name="Esenwein Benjamin (inf20074)" userId="7720cf97-c6ae-4bac-a435-f995da81a4ba" providerId="ADAL" clId="{C010483D-60BC-418A-BCA3-6A1F85EBD2EA}" dt="2022-05-09T13:12:52.239" v="8991"/>
+          <ac:spMkLst>
+            <pc:docMk/>
+            <pc:sldMk cId="1575568240" sldId="257"/>
+            <ac:spMk id="7" creationId="{547C3DBD-88F4-F89D-52FE-25DED5E283CF}"/>
+          </ac:spMkLst>
+        </pc:spChg>
+        <pc:spChg chg="del">
+          <ac:chgData name="Esenwein Benjamin (inf20074)" userId="7720cf97-c6ae-4bac-a435-f995da81a4ba" providerId="ADAL" clId="{C010483D-60BC-418A-BCA3-6A1F85EBD2EA}" dt="2022-05-06T09:21:22.359" v="1717" actId="478"/>
+          <ac:spMkLst>
+            <pc:docMk/>
+            <pc:sldMk cId="1575568240" sldId="257"/>
+            <ac:spMk id="8" creationId="{49CE44EA-F4B1-4B54-B01D-7F853505004E}"/>
+          </ac:spMkLst>
+        </pc:spChg>
+        <pc:spChg chg="del">
+          <ac:chgData name="Esenwein Benjamin (inf20074)" userId="7720cf97-c6ae-4bac-a435-f995da81a4ba" providerId="ADAL" clId="{C010483D-60BC-418A-BCA3-6A1F85EBD2EA}" dt="2022-05-06T09:21:22.359" v="1717" actId="478"/>
+          <ac:spMkLst>
+            <pc:docMk/>
+            <pc:sldMk cId="1575568240" sldId="257"/>
+            <ac:spMk id="10" creationId="{2659683F-E70E-4B0C-905D-50AB01167893}"/>
+          </ac:spMkLst>
+        </pc:spChg>
+        <pc:spChg chg="del">
+          <ac:chgData name="Esenwein Benjamin (inf20074)" userId="7720cf97-c6ae-4bac-a435-f995da81a4ba" providerId="ADAL" clId="{C010483D-60BC-418A-BCA3-6A1F85EBD2EA}" dt="2022-05-06T09:21:22.359" v="1717" actId="478"/>
+          <ac:spMkLst>
+            <pc:docMk/>
+            <pc:sldMk cId="1575568240" sldId="257"/>
+            <ac:spMk id="11" creationId="{FE8486AE-0B22-4A2F-AAEB-A9E9777DF897}"/>
+          </ac:spMkLst>
+        </pc:spChg>
+        <pc:spChg chg="del">
+          <ac:chgData name="Esenwein Benjamin (inf20074)" userId="7720cf97-c6ae-4bac-a435-f995da81a4ba" providerId="ADAL" clId="{C010483D-60BC-418A-BCA3-6A1F85EBD2EA}" dt="2022-05-06T09:21:22.359" v="1717" actId="478"/>
+          <ac:spMkLst>
+            <pc:docMk/>
+            <pc:sldMk cId="1575568240" sldId="257"/>
+            <ac:spMk id="12" creationId="{A3E9974F-677D-43C4-ABD5-206FDCE7833B}"/>
+          </ac:spMkLst>
+        </pc:spChg>
+        <pc:spChg chg="del">
+          <ac:chgData name="Esenwein Benjamin (inf20074)" userId="7720cf97-c6ae-4bac-a435-f995da81a4ba" providerId="ADAL" clId="{C010483D-60BC-418A-BCA3-6A1F85EBD2EA}" dt="2022-05-06T09:21:22.359" v="1717" actId="478"/>
+          <ac:spMkLst>
+            <pc:docMk/>
+            <pc:sldMk cId="1575568240" sldId="257"/>
+            <ac:spMk id="13" creationId="{2CE22E48-7F81-4358-BE5F-61F07F2111F8}"/>
+          </ac:spMkLst>
+        </pc:spChg>
+        <pc:spChg chg="del">
+          <ac:chgData name="Esenwein Benjamin (inf20074)" userId="7720cf97-c6ae-4bac-a435-f995da81a4ba" providerId="ADAL" clId="{C010483D-60BC-418A-BCA3-6A1F85EBD2EA}" dt="2022-05-06T09:21:22.359" v="1717" actId="478"/>
+          <ac:spMkLst>
+            <pc:docMk/>
+            <pc:sldMk cId="1575568240" sldId="257"/>
+            <ac:spMk id="14" creationId="{9235CBCA-E9D4-45C1-8DFE-2A5CD2761BA8}"/>
+          </ac:spMkLst>
+        </pc:spChg>
+        <pc:spChg chg="del">
+          <ac:chgData name="Esenwein Benjamin (inf20074)" userId="7720cf97-c6ae-4bac-a435-f995da81a4ba" providerId="ADAL" clId="{C010483D-60BC-418A-BCA3-6A1F85EBD2EA}" dt="2022-05-06T09:21:22.359" v="1717" actId="478"/>
+          <ac:spMkLst>
+            <pc:docMk/>
+            <pc:sldMk cId="1575568240" sldId="257"/>
+            <ac:spMk id="15" creationId="{07A668D7-1DA3-45CA-9217-9E0ADBF4AA4D}"/>
+          </ac:spMkLst>
+        </pc:spChg>
+        <pc:spChg chg="del">
+          <ac:chgData name="Esenwein Benjamin (inf20074)" userId="7720cf97-c6ae-4bac-a435-f995da81a4ba" providerId="ADAL" clId="{C010483D-60BC-418A-BCA3-6A1F85EBD2EA}" dt="2022-05-06T09:21:22.359" v="1717" actId="478"/>
+          <ac:spMkLst>
+            <pc:docMk/>
+            <pc:sldMk cId="1575568240" sldId="257"/>
+            <ac:spMk id="16" creationId="{D3F36C19-9615-4DEA-94E5-5C44F53D0942}"/>
+          </ac:spMkLst>
+        </pc:spChg>
+        <pc:spChg chg="del">
+          <ac:chgData name="Esenwein Benjamin (inf20074)" userId="7720cf97-c6ae-4bac-a435-f995da81a4ba" providerId="ADAL" clId="{C010483D-60BC-418A-BCA3-6A1F85EBD2EA}" dt="2022-05-06T09:21:22.359" v="1717" actId="478"/>
+          <ac:spMkLst>
+            <pc:docMk/>
+            <pc:sldMk cId="1575568240" sldId="257"/>
+            <ac:spMk id="17" creationId="{B2D777E6-BD25-4B35-9FAA-989F9B8468DC}"/>
+          </ac:spMkLst>
+        </pc:spChg>
+        <pc:spChg chg="del">
+          <ac:chgData name="Esenwein Benjamin (inf20074)" userId="7720cf97-c6ae-4bac-a435-f995da81a4ba" providerId="ADAL" clId="{C010483D-60BC-418A-BCA3-6A1F85EBD2EA}" dt="2022-05-06T09:21:22.359" v="1717" actId="478"/>
+          <ac:spMkLst>
+            <pc:docMk/>
+            <pc:sldMk cId="1575568240" sldId="257"/>
+            <ac:spMk id="18" creationId="{27FD9119-6CC2-49A2-8AA8-7817F2AC84BD}"/>
+          </ac:spMkLst>
+        </pc:spChg>
+      </pc:sldChg>
+      <pc:sldChg chg="addSp delSp modSp mod modNotesTx">
+        <pc:chgData name="Esenwein Benjamin (inf20074)" userId="7720cf97-c6ae-4bac-a435-f995da81a4ba" providerId="ADAL" clId="{C010483D-60BC-418A-BCA3-6A1F85EBD2EA}" dt="2022-05-09T13:30:56.408" v="9079" actId="20577"/>
+        <pc:sldMkLst>
+          <pc:docMk/>
+          <pc:sldMk cId="719139584" sldId="258"/>
+        </pc:sldMkLst>
+        <pc:spChg chg="add mod">
+          <ac:chgData name="Esenwein Benjamin (inf20074)" userId="7720cf97-c6ae-4bac-a435-f995da81a4ba" providerId="ADAL" clId="{C010483D-60BC-418A-BCA3-6A1F85EBD2EA}" dt="2022-05-09T13:12:30.473" v="8990" actId="1038"/>
+          <ac:spMkLst>
+            <pc:docMk/>
+            <pc:sldMk cId="719139584" sldId="258"/>
+            <ac:spMk id="7" creationId="{B101FD60-7954-8617-4028-D523C3F99221}"/>
+          </ac:spMkLst>
+        </pc:spChg>
+        <pc:spChg chg="add mod">
+          <ac:chgData name="Esenwein Benjamin (inf20074)" userId="7720cf97-c6ae-4bac-a435-f995da81a4ba" providerId="ADAL" clId="{C010483D-60BC-418A-BCA3-6A1F85EBD2EA}" dt="2022-05-09T13:24:36.324" v="9066" actId="1076"/>
+          <ac:spMkLst>
+            <pc:docMk/>
+            <pc:sldMk cId="719139584" sldId="258"/>
+            <ac:spMk id="8" creationId="{D2AAE30E-638D-BF7C-0B77-4D2C88B01E28}"/>
+          </ac:spMkLst>
+        </pc:spChg>
+        <pc:spChg chg="del">
+          <ac:chgData name="Esenwein Benjamin (inf20074)" userId="7720cf97-c6ae-4bac-a435-f995da81a4ba" providerId="ADAL" clId="{C010483D-60BC-418A-BCA3-6A1F85EBD2EA}" dt="2022-05-06T09:21:16.831" v="1716" actId="478"/>
+          <ac:spMkLst>
+            <pc:docMk/>
+            <pc:sldMk cId="719139584" sldId="258"/>
+            <ac:spMk id="9" creationId="{BEC9ECC9-4211-476A-81B4-8185174D826A}"/>
+          </ac:spMkLst>
+        </pc:spChg>
+        <pc:spChg chg="del">
+          <ac:chgData name="Esenwein Benjamin (inf20074)" userId="7720cf97-c6ae-4bac-a435-f995da81a4ba" providerId="ADAL" clId="{C010483D-60BC-418A-BCA3-6A1F85EBD2EA}" dt="2022-05-06T09:21:16.831" v="1716" actId="478"/>
+          <ac:spMkLst>
+            <pc:docMk/>
+            <pc:sldMk cId="719139584" sldId="258"/>
+            <ac:spMk id="10" creationId="{9BC203D4-27A5-498F-BD18-FA5D28D9870B}"/>
+          </ac:spMkLst>
+        </pc:spChg>
+        <pc:spChg chg="del">
+          <ac:chgData name="Esenwein Benjamin (inf20074)" userId="7720cf97-c6ae-4bac-a435-f995da81a4ba" providerId="ADAL" clId="{C010483D-60BC-418A-BCA3-6A1F85EBD2EA}" dt="2022-05-06T09:21:16.831" v="1716" actId="478"/>
+          <ac:spMkLst>
+            <pc:docMk/>
+            <pc:sldMk cId="719139584" sldId="258"/>
+            <ac:spMk id="11" creationId="{C592ABF4-CEDC-4628-9F7B-83CCA72E3EEE}"/>
+          </ac:spMkLst>
+        </pc:spChg>
+        <pc:spChg chg="del">
+          <ac:chgData name="Esenwein Benjamin (inf20074)" userId="7720cf97-c6ae-4bac-a435-f995da81a4ba" providerId="ADAL" clId="{C010483D-60BC-418A-BCA3-6A1F85EBD2EA}" dt="2022-05-06T09:21:16.831" v="1716" actId="478"/>
+          <ac:spMkLst>
+            <pc:docMk/>
+            <pc:sldMk cId="719139584" sldId="258"/>
+            <ac:spMk id="12" creationId="{0939BD5A-5FE2-444A-ACF8-D050C8E064BC}"/>
+          </ac:spMkLst>
+        </pc:spChg>
+        <pc:spChg chg="del">
+          <ac:chgData name="Esenwein Benjamin (inf20074)" userId="7720cf97-c6ae-4bac-a435-f995da81a4ba" providerId="ADAL" clId="{C010483D-60BC-418A-BCA3-6A1F85EBD2EA}" dt="2022-05-06T09:21:16.831" v="1716" actId="478"/>
+          <ac:spMkLst>
+            <pc:docMk/>
+            <pc:sldMk cId="719139584" sldId="258"/>
+            <ac:spMk id="13" creationId="{DD63B2AE-C1B5-4451-B3C5-8543168935BF}"/>
+          </ac:spMkLst>
+        </pc:spChg>
+        <pc:spChg chg="del">
+          <ac:chgData name="Esenwein Benjamin (inf20074)" userId="7720cf97-c6ae-4bac-a435-f995da81a4ba" providerId="ADAL" clId="{C010483D-60BC-418A-BCA3-6A1F85EBD2EA}" dt="2022-05-06T09:21:16.831" v="1716" actId="478"/>
+          <ac:spMkLst>
+            <pc:docMk/>
+            <pc:sldMk cId="719139584" sldId="258"/>
+            <ac:spMk id="14" creationId="{578BD130-2B86-452B-A497-7F6322A84756}"/>
+          </ac:spMkLst>
+        </pc:spChg>
+        <pc:spChg chg="del">
+          <ac:chgData name="Esenwein Benjamin (inf20074)" userId="7720cf97-c6ae-4bac-a435-f995da81a4ba" providerId="ADAL" clId="{C010483D-60BC-418A-BCA3-6A1F85EBD2EA}" dt="2022-05-06T09:21:16.831" v="1716" actId="478"/>
+          <ac:spMkLst>
+            <pc:docMk/>
+            <pc:sldMk cId="719139584" sldId="258"/>
+            <ac:spMk id="15" creationId="{1DD9A950-E8F2-4681-B140-33159C406AAB}"/>
+          </ac:spMkLst>
+        </pc:spChg>
+        <pc:spChg chg="del">
+          <ac:chgData name="Esenwein Benjamin (inf20074)" userId="7720cf97-c6ae-4bac-a435-f995da81a4ba" providerId="ADAL" clId="{C010483D-60BC-418A-BCA3-6A1F85EBD2EA}" dt="2022-05-06T09:21:16.831" v="1716" actId="478"/>
+          <ac:spMkLst>
+            <pc:docMk/>
+            <pc:sldMk cId="719139584" sldId="258"/>
+            <ac:spMk id="17" creationId="{101D8872-045F-4854-98A2-E0CA3B940FE3}"/>
+          </ac:spMkLst>
+        </pc:spChg>
+        <pc:spChg chg="del">
+          <ac:chgData name="Esenwein Benjamin (inf20074)" userId="7720cf97-c6ae-4bac-a435-f995da81a4ba" providerId="ADAL" clId="{C010483D-60BC-418A-BCA3-6A1F85EBD2EA}" dt="2022-05-06T09:21:16.831" v="1716" actId="478"/>
+          <ac:spMkLst>
+            <pc:docMk/>
+            <pc:sldMk cId="719139584" sldId="258"/>
+            <ac:spMk id="18" creationId="{78F100DB-A976-49DE-A569-2E98ADDC27E3}"/>
+          </ac:spMkLst>
+        </pc:spChg>
+        <pc:spChg chg="del">
+          <ac:chgData name="Esenwein Benjamin (inf20074)" userId="7720cf97-c6ae-4bac-a435-f995da81a4ba" providerId="ADAL" clId="{C010483D-60BC-418A-BCA3-6A1F85EBD2EA}" dt="2022-05-06T09:21:16.831" v="1716" actId="478"/>
+          <ac:spMkLst>
+            <pc:docMk/>
+            <pc:sldMk cId="719139584" sldId="258"/>
+            <ac:spMk id="19" creationId="{90691A9C-183C-4D16-A251-02B94D6CCBD1}"/>
+          </ac:spMkLst>
+        </pc:spChg>
+        <pc:spChg chg="del">
+          <ac:chgData name="Esenwein Benjamin (inf20074)" userId="7720cf97-c6ae-4bac-a435-f995da81a4ba" providerId="ADAL" clId="{C010483D-60BC-418A-BCA3-6A1F85EBD2EA}" dt="2022-05-06T09:21:16.831" v="1716" actId="478"/>
+          <ac:spMkLst>
+            <pc:docMk/>
+            <pc:sldMk cId="719139584" sldId="258"/>
+            <ac:spMk id="20" creationId="{91D2FAC1-CE8B-4738-9296-4CB614522BC7}"/>
+          </ac:spMkLst>
+        </pc:spChg>
+        <pc:graphicFrameChg chg="mod modGraphic">
+          <ac:chgData name="Esenwein Benjamin (inf20074)" userId="7720cf97-c6ae-4bac-a435-f995da81a4ba" providerId="ADAL" clId="{C010483D-60BC-418A-BCA3-6A1F85EBD2EA}" dt="2022-05-06T08:05:04.783" v="860" actId="3626"/>
+          <ac:graphicFrameMkLst>
+            <pc:docMk/>
+            <pc:sldMk cId="719139584" sldId="258"/>
+            <ac:graphicFrameMk id="4" creationId="{A368CB9D-E35A-44A3-927D-593C6BE5804F}"/>
+          </ac:graphicFrameMkLst>
+        </pc:graphicFrameChg>
+      </pc:sldChg>
+      <pc:sldChg chg="mod ord modShow">
+        <pc:chgData name="Esenwein Benjamin (inf20074)" userId="7720cf97-c6ae-4bac-a435-f995da81a4ba" providerId="ADAL" clId="{C010483D-60BC-418A-BCA3-6A1F85EBD2EA}" dt="2022-05-06T09:22:32.033" v="1727"/>
+        <pc:sldMkLst>
+          <pc:docMk/>
+          <pc:sldMk cId="452856955" sldId="259"/>
+        </pc:sldMkLst>
+      </pc:sldChg>
+      <pc:sldChg chg="addSp delSp modSp mod modNotesTx">
+        <pc:chgData name="Esenwein Benjamin (inf20074)" userId="7720cf97-c6ae-4bac-a435-f995da81a4ba" providerId="ADAL" clId="{C010483D-60BC-418A-BCA3-6A1F85EBD2EA}" dt="2022-05-09T13:13:03.905" v="9001"/>
+        <pc:sldMkLst>
+          <pc:docMk/>
+          <pc:sldMk cId="4147236091" sldId="262"/>
+        </pc:sldMkLst>
+        <pc:spChg chg="mod">
+          <ac:chgData name="Esenwein Benjamin (inf20074)" userId="7720cf97-c6ae-4bac-a435-f995da81a4ba" providerId="ADAL" clId="{C010483D-60BC-418A-BCA3-6A1F85EBD2EA}" dt="2022-05-06T09:01:28.347" v="968" actId="20577"/>
+          <ac:spMkLst>
+            <pc:docMk/>
+            <pc:sldMk cId="4147236091" sldId="262"/>
+            <ac:spMk id="2" creationId="{1747C8D8-D661-4E78-B917-32AB748623DB}"/>
+          </ac:spMkLst>
+        </pc:spChg>
+        <pc:spChg chg="add mod">
+          <ac:chgData name="Esenwein Benjamin (inf20074)" userId="7720cf97-c6ae-4bac-a435-f995da81a4ba" providerId="ADAL" clId="{C010483D-60BC-418A-BCA3-6A1F85EBD2EA}" dt="2022-05-06T09:01:10.330" v="948" actId="478"/>
+          <ac:spMkLst>
+            <pc:docMk/>
+            <pc:sldMk cId="4147236091" sldId="262"/>
+            <ac:spMk id="5" creationId="{7A0777AF-A178-3FDE-D69E-ADE3275EE46B}"/>
+          </ac:spMkLst>
+        </pc:spChg>
+        <pc:spChg chg="add mod">
+          <ac:chgData name="Esenwein Benjamin (inf20074)" userId="7720cf97-c6ae-4bac-a435-f995da81a4ba" providerId="ADAL" clId="{C010483D-60BC-418A-BCA3-6A1F85EBD2EA}" dt="2022-05-09T13:13:03.905" v="9001"/>
+          <ac:spMkLst>
+            <pc:docMk/>
+            <pc:sldMk cId="4147236091" sldId="262"/>
+            <ac:spMk id="7" creationId="{1D255F4E-2CE7-7A52-7E6E-8E308F4E704E}"/>
+          </ac:spMkLst>
+        </pc:spChg>
+        <pc:spChg chg="del">
+          <ac:chgData name="Esenwein Benjamin (inf20074)" userId="7720cf97-c6ae-4bac-a435-f995da81a4ba" providerId="ADAL" clId="{C010483D-60BC-418A-BCA3-6A1F85EBD2EA}" dt="2022-05-06T09:01:10.330" v="948" actId="478"/>
+          <ac:spMkLst>
+            <pc:docMk/>
+            <pc:sldMk cId="4147236091" sldId="262"/>
+            <ac:spMk id="12" creationId="{87AD0200-DD05-49D8-A458-EA41761A8DE1}"/>
+          </ac:spMkLst>
+        </pc:spChg>
+        <pc:spChg chg="mod">
+          <ac:chgData name="Esenwein Benjamin (inf20074)" userId="7720cf97-c6ae-4bac-a435-f995da81a4ba" providerId="ADAL" clId="{C010483D-60BC-418A-BCA3-6A1F85EBD2EA}" dt="2022-05-06T09:42:02.714" v="2105" actId="14100"/>
+          <ac:spMkLst>
+            <pc:docMk/>
+            <pc:sldMk cId="4147236091" sldId="262"/>
+            <ac:spMk id="16" creationId="{12363D4A-CAB6-4CBB-9AD8-9EF204BD3C15}"/>
+          </ac:spMkLst>
+        </pc:spChg>
+        <pc:graphicFrameChg chg="del">
+          <ac:chgData name="Esenwein Benjamin (inf20074)" userId="7720cf97-c6ae-4bac-a435-f995da81a4ba" providerId="ADAL" clId="{C010483D-60BC-418A-BCA3-6A1F85EBD2EA}" dt="2022-05-06T09:01:10.330" v="948" actId="478"/>
+          <ac:graphicFrameMkLst>
+            <pc:docMk/>
+            <pc:sldMk cId="4147236091" sldId="262"/>
+            <ac:graphicFrameMk id="13" creationId="{86E52FFC-05E8-46A6-B4A1-33E2B7A7C8B4}"/>
+          </ac:graphicFrameMkLst>
+        </pc:graphicFrameChg>
+        <pc:picChg chg="del">
+          <ac:chgData name="Esenwein Benjamin (inf20074)" userId="7720cf97-c6ae-4bac-a435-f995da81a4ba" providerId="ADAL" clId="{C010483D-60BC-418A-BCA3-6A1F85EBD2EA}" dt="2022-05-06T09:01:10.330" v="948" actId="478"/>
+          <ac:picMkLst>
+            <pc:docMk/>
+            <pc:sldMk cId="4147236091" sldId="262"/>
+            <ac:picMk id="9" creationId="{C75CF267-E927-4BB0-BA73-A7F230D085F1}"/>
+          </ac:picMkLst>
+        </pc:picChg>
+        <pc:picChg chg="del">
+          <ac:chgData name="Esenwein Benjamin (inf20074)" userId="7720cf97-c6ae-4bac-a435-f995da81a4ba" providerId="ADAL" clId="{C010483D-60BC-418A-BCA3-6A1F85EBD2EA}" dt="2022-05-06T09:01:10.330" v="948" actId="478"/>
+          <ac:picMkLst>
+            <pc:docMk/>
+            <pc:sldMk cId="4147236091" sldId="262"/>
+            <ac:picMk id="11" creationId="{A9ED0D2B-E1E9-433D-A571-67069977AB7B}"/>
+          </ac:picMkLst>
+        </pc:picChg>
+      </pc:sldChg>
+      <pc:sldChg chg="addSp delSp modSp mod ord modNotesTx">
+        <pc:chgData name="Esenwein Benjamin (inf20074)" userId="7720cf97-c6ae-4bac-a435-f995da81a4ba" providerId="ADAL" clId="{C010483D-60BC-418A-BCA3-6A1F85EBD2EA}" dt="2022-05-09T14:11:36.090" v="9114" actId="20577"/>
+        <pc:sldMkLst>
+          <pc:docMk/>
+          <pc:sldMk cId="3942132956" sldId="263"/>
+        </pc:sldMkLst>
+        <pc:spChg chg="mod">
+          <ac:chgData name="Esenwein Benjamin (inf20074)" userId="7720cf97-c6ae-4bac-a435-f995da81a4ba" providerId="ADAL" clId="{C010483D-60BC-418A-BCA3-6A1F85EBD2EA}" dt="2022-05-06T09:25:17.625" v="1779" actId="20577"/>
+          <ac:spMkLst>
+            <pc:docMk/>
+            <pc:sldMk cId="3942132956" sldId="263"/>
+            <ac:spMk id="2" creationId="{DA9BDA2B-56A2-491C-9E03-6C9A0F6F509F}"/>
+          </ac:spMkLst>
+        </pc:spChg>
+        <pc:spChg chg="del mod">
+          <ac:chgData name="Esenwein Benjamin (inf20074)" userId="7720cf97-c6ae-4bac-a435-f995da81a4ba" providerId="ADAL" clId="{C010483D-60BC-418A-BCA3-6A1F85EBD2EA}" dt="2022-05-06T09:25:27.591" v="1781" actId="478"/>
+          <ac:spMkLst>
+            <pc:docMk/>
+            <pc:sldMk cId="3942132956" sldId="263"/>
+            <ac:spMk id="3" creationId="{8ECD18E5-590E-4C0D-B1EF-55B4404B39CD}"/>
+          </ac:spMkLst>
+        </pc:spChg>
+        <pc:spChg chg="add mod">
+          <ac:chgData name="Esenwein Benjamin (inf20074)" userId="7720cf97-c6ae-4bac-a435-f995da81a4ba" providerId="ADAL" clId="{C010483D-60BC-418A-BCA3-6A1F85EBD2EA}" dt="2022-05-06T09:28:45.495" v="1837" actId="164"/>
+          <ac:spMkLst>
+            <pc:docMk/>
+            <pc:sldMk cId="3942132956" sldId="263"/>
+            <ac:spMk id="6" creationId="{26A101C3-6236-8BA4-6E58-5FB84A880796}"/>
+          </ac:spMkLst>
+        </pc:spChg>
+        <pc:spChg chg="mod">
+          <ac:chgData name="Esenwein Benjamin (inf20074)" userId="7720cf97-c6ae-4bac-a435-f995da81a4ba" providerId="ADAL" clId="{C010483D-60BC-418A-BCA3-6A1F85EBD2EA}" dt="2022-05-06T09:44:04.108" v="2140" actId="20577"/>
+          <ac:spMkLst>
+            <pc:docMk/>
+            <pc:sldMk cId="3942132956" sldId="263"/>
+            <ac:spMk id="7" creationId="{FC78B868-2DAB-42D6-8796-474CB0AE7293}"/>
+          </ac:spMkLst>
+        </pc:spChg>
+        <pc:spChg chg="mod">
+          <ac:chgData name="Esenwein Benjamin (inf20074)" userId="7720cf97-c6ae-4bac-a435-f995da81a4ba" providerId="ADAL" clId="{C010483D-60BC-418A-BCA3-6A1F85EBD2EA}" dt="2022-05-06T09:41:43.590" v="2101" actId="14100"/>
+          <ac:spMkLst>
+            <pc:docMk/>
+            <pc:sldMk cId="3942132956" sldId="263"/>
+            <ac:spMk id="14" creationId="{8380E80B-C7B9-41FF-A254-76BDCDFFB7C4}"/>
+          </ac:spMkLst>
+        </pc:spChg>
+        <pc:spChg chg="add mod">
+          <ac:chgData name="Esenwein Benjamin (inf20074)" userId="7720cf97-c6ae-4bac-a435-f995da81a4ba" providerId="ADAL" clId="{C010483D-60BC-418A-BCA3-6A1F85EBD2EA}" dt="2022-05-09T13:16:53.034" v="9024" actId="404"/>
+          <ac:spMkLst>
+            <pc:docMk/>
+            <pc:sldMk cId="3942132956" sldId="263"/>
+            <ac:spMk id="17" creationId="{494170F8-96C7-2559-C2EB-043153DD042D}"/>
+          </ac:spMkLst>
+        </pc:spChg>
+        <pc:spChg chg="add mod">
+          <ac:chgData name="Esenwein Benjamin (inf20074)" userId="7720cf97-c6ae-4bac-a435-f995da81a4ba" providerId="ADAL" clId="{C010483D-60BC-418A-BCA3-6A1F85EBD2EA}" dt="2022-05-06T09:28:37.203" v="1836" actId="164"/>
+          <ac:spMkLst>
+            <pc:docMk/>
+            <pc:sldMk cId="3942132956" sldId="263"/>
+            <ac:spMk id="20" creationId="{D9F8DAAB-5F34-0845-2C22-4D4A8F906EDD}"/>
+          </ac:spMkLst>
+        </pc:spChg>
+        <pc:spChg chg="add mod">
+          <ac:chgData name="Esenwein Benjamin (inf20074)" userId="7720cf97-c6ae-4bac-a435-f995da81a4ba" providerId="ADAL" clId="{C010483D-60BC-418A-BCA3-6A1F85EBD2EA}" dt="2022-05-09T13:13:02.508" v="9000"/>
+          <ac:spMkLst>
+            <pc:docMk/>
+            <pc:sldMk cId="3942132956" sldId="263"/>
+            <ac:spMk id="22" creationId="{8AC06CFC-476A-431E-1D7D-BEDF8AD8E661}"/>
+          </ac:spMkLst>
+        </pc:spChg>
+        <pc:grpChg chg="add mod">
+          <ac:chgData name="Esenwein Benjamin (inf20074)" userId="7720cf97-c6ae-4bac-a435-f995da81a4ba" providerId="ADAL" clId="{C010483D-60BC-418A-BCA3-6A1F85EBD2EA}" dt="2022-05-06T09:28:57.503" v="1839" actId="1076"/>
+          <ac:grpSpMkLst>
+            <pc:docMk/>
+            <pc:sldMk cId="3942132956" sldId="263"/>
+            <ac:grpSpMk id="19" creationId="{34EAB275-5219-B58D-133B-3507ED96D75A}"/>
+          </ac:grpSpMkLst>
+        </pc:grpChg>
+        <pc:grpChg chg="add mod">
+          <ac:chgData name="Esenwein Benjamin (inf20074)" userId="7720cf97-c6ae-4bac-a435-f995da81a4ba" providerId="ADAL" clId="{C010483D-60BC-418A-BCA3-6A1F85EBD2EA}" dt="2022-05-06T09:29:01.200" v="1840" actId="1076"/>
+          <ac:grpSpMkLst>
+            <pc:docMk/>
+            <pc:sldMk cId="3942132956" sldId="263"/>
+            <ac:grpSpMk id="21" creationId="{0E3464DC-800E-0107-6EA0-CD60F8C40726}"/>
+          </ac:grpSpMkLst>
+        </pc:grpChg>
+        <pc:picChg chg="add del">
+          <ac:chgData name="Esenwein Benjamin (inf20074)" userId="7720cf97-c6ae-4bac-a435-f995da81a4ba" providerId="ADAL" clId="{C010483D-60BC-418A-BCA3-6A1F85EBD2EA}" dt="2022-05-06T09:27:21.979" v="1810" actId="478"/>
+          <ac:picMkLst>
+            <pc:docMk/>
+            <pc:sldMk cId="3942132956" sldId="263"/>
+            <ac:picMk id="8" creationId="{2C22DC6C-B2A3-787C-2B42-6B0B2D7DCA62}"/>
+          </ac:picMkLst>
+        </pc:picChg>
+        <pc:picChg chg="add mod">
+          <ac:chgData name="Esenwein Benjamin (inf20074)" userId="7720cf97-c6ae-4bac-a435-f995da81a4ba" providerId="ADAL" clId="{C010483D-60BC-418A-BCA3-6A1F85EBD2EA}" dt="2022-05-09T13:16:08.133" v="9020" actId="1076"/>
+          <ac:picMkLst>
+            <pc:docMk/>
+            <pc:sldMk cId="3942132956" sldId="263"/>
+            <ac:picMk id="8" creationId="{45B2FA95-9644-DF5A-5622-020C432B0379}"/>
+          </ac:picMkLst>
+        </pc:picChg>
+        <pc:picChg chg="del mod">
+          <ac:chgData name="Esenwein Benjamin (inf20074)" userId="7720cf97-c6ae-4bac-a435-f995da81a4ba" providerId="ADAL" clId="{C010483D-60BC-418A-BCA3-6A1F85EBD2EA}" dt="2022-05-09T13:15:34.892" v="9009" actId="478"/>
+          <ac:picMkLst>
+            <pc:docMk/>
+            <pc:sldMk cId="3942132956" sldId="263"/>
+            <ac:picMk id="9" creationId="{AA1634B9-D634-4C9B-A8EA-8EAADF776B20}"/>
+          </ac:picMkLst>
+        </pc:picChg>
+        <pc:picChg chg="mod">
+          <ac:chgData name="Esenwein Benjamin (inf20074)" userId="7720cf97-c6ae-4bac-a435-f995da81a4ba" providerId="ADAL" clId="{C010483D-60BC-418A-BCA3-6A1F85EBD2EA}" dt="2022-05-06T09:28:37.203" v="1836" actId="164"/>
+          <ac:picMkLst>
+            <pc:docMk/>
+            <pc:sldMk cId="3942132956" sldId="263"/>
+            <ac:picMk id="10" creationId="{5E607E01-D6E5-413B-B7FB-B23E944BF295}"/>
+          </ac:picMkLst>
+        </pc:picChg>
+        <pc:picChg chg="mod">
+          <ac:chgData name="Esenwein Benjamin (inf20074)" userId="7720cf97-c6ae-4bac-a435-f995da81a4ba" providerId="ADAL" clId="{C010483D-60BC-418A-BCA3-6A1F85EBD2EA}" dt="2022-05-06T09:28:45.495" v="1837" actId="164"/>
+          <ac:picMkLst>
+            <pc:docMk/>
+            <pc:sldMk cId="3942132956" sldId="263"/>
+            <ac:picMk id="12" creationId="{8FBA7D60-6CC6-40A9-926E-775EAA84B231}"/>
+          </ac:picMkLst>
+        </pc:picChg>
+        <pc:picChg chg="add mod">
+          <ac:chgData name="Esenwein Benjamin (inf20074)" userId="7720cf97-c6ae-4bac-a435-f995da81a4ba" providerId="ADAL" clId="{C010483D-60BC-418A-BCA3-6A1F85EBD2EA}" dt="2022-05-06T09:29:06.237" v="1842" actId="1076"/>
+          <ac:picMkLst>
+            <pc:docMk/>
+            <pc:sldMk cId="3942132956" sldId="263"/>
+            <ac:picMk id="18" creationId="{5DA8DC25-82B6-4D9C-015B-96D14881ADA3}"/>
+          </ac:picMkLst>
+        </pc:picChg>
+        <pc:picChg chg="mod">
+          <ac:chgData name="Esenwein Benjamin (inf20074)" userId="7720cf97-c6ae-4bac-a435-f995da81a4ba" providerId="ADAL" clId="{C010483D-60BC-418A-BCA3-6A1F85EBD2EA}" dt="2022-05-06T09:29:03.905" v="1841" actId="1076"/>
+          <ac:picMkLst>
+            <pc:docMk/>
+            <pc:sldMk cId="3942132956" sldId="263"/>
+            <ac:picMk id="1026" creationId="{C2E1D524-5056-4A41-BAC7-0E98E5E375D4}"/>
+          </ac:picMkLst>
+        </pc:picChg>
+      </pc:sldChg>
+      <pc:sldChg chg="addSp delSp modSp mod modNotesTx">
+        <pc:chgData name="Esenwein Benjamin (inf20074)" userId="7720cf97-c6ae-4bac-a435-f995da81a4ba" providerId="ADAL" clId="{C010483D-60BC-418A-BCA3-6A1F85EBD2EA}" dt="2022-05-09T13:13:05.746" v="9003"/>
+        <pc:sldMkLst>
+          <pc:docMk/>
+          <pc:sldMk cId="3108174479" sldId="264"/>
+        </pc:sldMkLst>
+        <pc:spChg chg="mod">
+          <ac:chgData name="Esenwein Benjamin (inf20074)" userId="7720cf97-c6ae-4bac-a435-f995da81a4ba" providerId="ADAL" clId="{C010483D-60BC-418A-BCA3-6A1F85EBD2EA}" dt="2022-05-06T09:02:23.871" v="997" actId="20577"/>
+          <ac:spMkLst>
+            <pc:docMk/>
+            <pc:sldMk cId="3108174479" sldId="264"/>
+            <ac:spMk id="2" creationId="{098C8E74-948A-4D59-9E4F-8E3EE0B24F04}"/>
+          </ac:spMkLst>
+        </pc:spChg>
+        <pc:spChg chg="add mod">
+          <ac:chgData name="Esenwein Benjamin (inf20074)" userId="7720cf97-c6ae-4bac-a435-f995da81a4ba" providerId="ADAL" clId="{C010483D-60BC-418A-BCA3-6A1F85EBD2EA}" dt="2022-05-06T09:03:16.932" v="1059"/>
+          <ac:spMkLst>
+            <pc:docMk/>
+            <pc:sldMk cId="3108174479" sldId="264"/>
+            <ac:spMk id="5" creationId="{15BE68AF-C0B5-FF02-2953-71974A7B6126}"/>
+          </ac:spMkLst>
+        </pc:spChg>
+        <pc:spChg chg="add mod">
+          <ac:chgData name="Esenwein Benjamin (inf20074)" userId="7720cf97-c6ae-4bac-a435-f995da81a4ba" providerId="ADAL" clId="{C010483D-60BC-418A-BCA3-6A1F85EBD2EA}" dt="2022-05-09T13:13:05.746" v="9003"/>
+          <ac:spMkLst>
+            <pc:docMk/>
+            <pc:sldMk cId="3108174479" sldId="264"/>
+            <ac:spMk id="8" creationId="{CB355358-CDE6-B251-676C-CC275F327344}"/>
+          </ac:spMkLst>
+        </pc:spChg>
+        <pc:spChg chg="del">
+          <ac:chgData name="Esenwein Benjamin (inf20074)" userId="7720cf97-c6ae-4bac-a435-f995da81a4ba" providerId="ADAL" clId="{C010483D-60BC-418A-BCA3-6A1F85EBD2EA}" dt="2022-05-06T09:22:08.655" v="1724" actId="478"/>
+          <ac:spMkLst>
+            <pc:docMk/>
+            <pc:sldMk cId="3108174479" sldId="264"/>
+            <ac:spMk id="8" creationId="{DE20D7D9-ADD6-46E6-94A2-F5082BE29DC5}"/>
+          </ac:spMkLst>
+        </pc:spChg>
+        <pc:spChg chg="mod">
+          <ac:chgData name="Esenwein Benjamin (inf20074)" userId="7720cf97-c6ae-4bac-a435-f995da81a4ba" providerId="ADAL" clId="{C010483D-60BC-418A-BCA3-6A1F85EBD2EA}" dt="2022-05-06T09:42:07.537" v="2107" actId="20577"/>
+          <ac:spMkLst>
+            <pc:docMk/>
+            <pc:sldMk cId="3108174479" sldId="264"/>
+            <ac:spMk id="9" creationId="{ADA79FBD-3096-4E28-AB98-7B2BD912675D}"/>
+          </ac:spMkLst>
+        </pc:spChg>
+        <pc:spChg chg="del">
+          <ac:chgData name="Esenwein Benjamin (inf20074)" userId="7720cf97-c6ae-4bac-a435-f995da81a4ba" providerId="ADAL" clId="{C010483D-60BC-418A-BCA3-6A1F85EBD2EA}" dt="2022-05-06T09:22:08.655" v="1724" actId="478"/>
+          <ac:spMkLst>
+            <pc:docMk/>
+            <pc:sldMk cId="3108174479" sldId="264"/>
+            <ac:spMk id="10" creationId="{9AC20EBF-5404-49CB-AA24-598A015B3747}"/>
+          </ac:spMkLst>
+        </pc:spChg>
+        <pc:picChg chg="del">
+          <ac:chgData name="Esenwein Benjamin (inf20074)" userId="7720cf97-c6ae-4bac-a435-f995da81a4ba" providerId="ADAL" clId="{C010483D-60BC-418A-BCA3-6A1F85EBD2EA}" dt="2022-05-06T09:02:00.822" v="969" actId="478"/>
+          <ac:picMkLst>
+            <pc:docMk/>
+            <pc:sldMk cId="3108174479" sldId="264"/>
+            <ac:picMk id="7" creationId="{A9E99026-33F4-4AA7-BE43-9FCB7BB779AA}"/>
+          </ac:picMkLst>
+        </pc:picChg>
+        <pc:picChg chg="add mod">
+          <ac:chgData name="Esenwein Benjamin (inf20074)" userId="7720cf97-c6ae-4bac-a435-f995da81a4ba" providerId="ADAL" clId="{C010483D-60BC-418A-BCA3-6A1F85EBD2EA}" dt="2022-05-06T09:03:19.421" v="1060"/>
+          <ac:picMkLst>
+            <pc:docMk/>
+            <pc:sldMk cId="3108174479" sldId="264"/>
+            <ac:picMk id="11" creationId="{F674A010-6528-70A1-E3F4-725A9CA40C50}"/>
+          </ac:picMkLst>
+        </pc:picChg>
+      </pc:sldChg>
+      <pc:sldChg chg="del">
+        <pc:chgData name="Esenwein Benjamin (inf20074)" userId="7720cf97-c6ae-4bac-a435-f995da81a4ba" providerId="ADAL" clId="{C010483D-60BC-418A-BCA3-6A1F85EBD2EA}" dt="2022-05-06T09:22:38.704" v="1728" actId="47"/>
+        <pc:sldMkLst>
+          <pc:docMk/>
+          <pc:sldMk cId="943001127" sldId="265"/>
+        </pc:sldMkLst>
+      </pc:sldChg>
+      <pc:sldChg chg="addSp delSp modSp mod modNotesTx">
+        <pc:chgData name="Esenwein Benjamin (inf20074)" userId="7720cf97-c6ae-4bac-a435-f995da81a4ba" providerId="ADAL" clId="{C010483D-60BC-418A-BCA3-6A1F85EBD2EA}" dt="2022-05-09T14:12:59.519" v="9130" actId="20577"/>
+        <pc:sldMkLst>
+          <pc:docMk/>
+          <pc:sldMk cId="3111845278" sldId="267"/>
+        </pc:sldMkLst>
+        <pc:spChg chg="mod">
+          <ac:chgData name="Esenwein Benjamin (inf20074)" userId="7720cf97-c6ae-4bac-a435-f995da81a4ba" providerId="ADAL" clId="{C010483D-60BC-418A-BCA3-6A1F85EBD2EA}" dt="2022-05-06T09:03:28.374" v="1071" actId="20577"/>
+          <ac:spMkLst>
+            <pc:docMk/>
+            <pc:sldMk cId="3111845278" sldId="267"/>
+            <ac:spMk id="2" creationId="{D7130879-2349-44F2-9B21-A942E12F574C}"/>
+          </ac:spMkLst>
+        </pc:spChg>
+        <pc:spChg chg="mod">
+          <ac:chgData name="Esenwein Benjamin (inf20074)" userId="7720cf97-c6ae-4bac-a435-f995da81a4ba" providerId="ADAL" clId="{C010483D-60BC-418A-BCA3-6A1F85EBD2EA}" dt="2022-05-09T14:12:59.519" v="9130" actId="20577"/>
+          <ac:spMkLst>
+            <pc:docMk/>
+            <pc:sldMk cId="3111845278" sldId="267"/>
+            <ac:spMk id="3" creationId="{A160F1B4-1AA9-4CEB-BFE1-686D0FA4E1B5}"/>
+          </ac:spMkLst>
+        </pc:spChg>
+        <pc:spChg chg="add del mod">
+          <ac:chgData name="Esenwein Benjamin (inf20074)" userId="7720cf97-c6ae-4bac-a435-f995da81a4ba" providerId="ADAL" clId="{C010483D-60BC-418A-BCA3-6A1F85EBD2EA}" dt="2022-05-06T09:08:06.166" v="1088" actId="478"/>
+          <ac:spMkLst>
+            <pc:docMk/>
+            <pc:sldMk cId="3111845278" sldId="267"/>
+            <ac:spMk id="5" creationId="{676B07F2-55A0-B240-C829-F84239B0E48C}"/>
+          </ac:spMkLst>
+        </pc:spChg>
+        <pc:spChg chg="add mod">
+          <ac:chgData name="Esenwein Benjamin (inf20074)" userId="7720cf97-c6ae-4bac-a435-f995da81a4ba" providerId="ADAL" clId="{C010483D-60BC-418A-BCA3-6A1F85EBD2EA}" dt="2022-05-09T13:13:06.886" v="9004"/>
+          <ac:spMkLst>
+            <pc:docMk/>
+            <pc:sldMk cId="3111845278" sldId="267"/>
+            <ac:spMk id="8" creationId="{E1280B48-0AB3-6A4F-0941-6BCBEA5BAAD2}"/>
+          </ac:spMkLst>
+        </pc:spChg>
+        <pc:spChg chg="mod">
+          <ac:chgData name="Esenwein Benjamin (inf20074)" userId="7720cf97-c6ae-4bac-a435-f995da81a4ba" providerId="ADAL" clId="{C010483D-60BC-418A-BCA3-6A1F85EBD2EA}" dt="2022-05-06T09:42:13.164" v="2109" actId="20577"/>
+          <ac:spMkLst>
+            <pc:docMk/>
+            <pc:sldMk cId="3111845278" sldId="267"/>
+            <ac:spMk id="9" creationId="{B7EAAD7A-D146-4D4A-AF76-1BF183A9ACC3}"/>
+          </ac:spMkLst>
+        </pc:spChg>
+        <pc:picChg chg="del">
+          <ac:chgData name="Esenwein Benjamin (inf20074)" userId="7720cf97-c6ae-4bac-a435-f995da81a4ba" providerId="ADAL" clId="{C010483D-60BC-418A-BCA3-6A1F85EBD2EA}" dt="2022-05-06T09:03:21.914" v="1061" actId="478"/>
+          <ac:picMkLst>
+            <pc:docMk/>
+            <pc:sldMk cId="3111845278" sldId="267"/>
+            <ac:picMk id="8" creationId="{E3CAA7F0-A921-49C7-8D0C-768B1F5592CD}"/>
+          </ac:picMkLst>
+        </pc:picChg>
+      </pc:sldChg>
+      <pc:sldChg chg="modSp mod modNotesTx">
+        <pc:chgData name="Esenwein Benjamin (inf20074)" userId="7720cf97-c6ae-4bac-a435-f995da81a4ba" providerId="ADAL" clId="{C010483D-60BC-418A-BCA3-6A1F85EBD2EA}" dt="2022-05-09T13:10:29.220" v="8979" actId="20577"/>
+        <pc:sldMkLst>
+          <pc:docMk/>
+          <pc:sldMk cId="408674404" sldId="268"/>
+        </pc:sldMkLst>
+        <pc:spChg chg="mod">
+          <ac:chgData name="Esenwein Benjamin (inf20074)" userId="7720cf97-c6ae-4bac-a435-f995da81a4ba" providerId="ADAL" clId="{C010483D-60BC-418A-BCA3-6A1F85EBD2EA}" dt="2022-04-29T14:43:08.848" v="8"/>
+          <ac:spMkLst>
+            <pc:docMk/>
+            <pc:sldMk cId="408674404" sldId="268"/>
+            <ac:spMk id="3" creationId="{EA356760-99B3-4061-95B7-F0DFCD7C51E9}"/>
+          </ac:spMkLst>
+        </pc:spChg>
+      </pc:sldChg>
+      <pc:sldChg chg="modSp del mod modShow">
+        <pc:chgData name="Esenwein Benjamin (inf20074)" userId="7720cf97-c6ae-4bac-a435-f995da81a4ba" providerId="ADAL" clId="{C010483D-60BC-418A-BCA3-6A1F85EBD2EA}" dt="2022-05-06T09:22:18.856" v="1725" actId="2696"/>
+        <pc:sldMkLst>
+          <pc:docMk/>
+          <pc:sldMk cId="4239830214" sldId="271"/>
+        </pc:sldMkLst>
+        <pc:graphicFrameChg chg="mod">
+          <ac:chgData name="Esenwein Benjamin (inf20074)" userId="7720cf97-c6ae-4bac-a435-f995da81a4ba" providerId="ADAL" clId="{C010483D-60BC-418A-BCA3-6A1F85EBD2EA}" dt="2022-05-04T15:04:41.408" v="197" actId="20577"/>
+          <ac:graphicFrameMkLst>
+            <pc:docMk/>
+            <pc:sldMk cId="4239830214" sldId="271"/>
+            <ac:graphicFrameMk id="7" creationId="{8F3C9722-F46A-4C89-8618-92AE70556025}"/>
+          </ac:graphicFrameMkLst>
+        </pc:graphicFrameChg>
+      </pc:sldChg>
+      <pc:sldChg chg="addSp delSp modSp mod">
+        <pc:chgData name="Esenwein Benjamin (inf20074)" userId="7720cf97-c6ae-4bac-a435-f995da81a4ba" providerId="ADAL" clId="{C010483D-60BC-418A-BCA3-6A1F85EBD2EA}" dt="2022-05-09T13:12:59.841" v="8997"/>
+        <pc:sldMkLst>
+          <pc:docMk/>
+          <pc:sldMk cId="1256033996" sldId="272"/>
+        </pc:sldMkLst>
+        <pc:spChg chg="del">
+          <ac:chgData name="Esenwein Benjamin (inf20074)" userId="7720cf97-c6ae-4bac-a435-f995da81a4ba" providerId="ADAL" clId="{C010483D-60BC-418A-BCA3-6A1F85EBD2EA}" dt="2022-05-06T09:21:52.124" v="1723" actId="478"/>
+          <ac:spMkLst>
+            <pc:docMk/>
+            <pc:sldMk cId="1256033996" sldId="272"/>
+            <ac:spMk id="7" creationId="{AA5EE8F0-FC60-4D7F-86F3-7A49C737DDED}"/>
+          </ac:spMkLst>
+        </pc:spChg>
+        <pc:spChg chg="add mod">
+          <ac:chgData name="Esenwein Benjamin (inf20074)" userId="7720cf97-c6ae-4bac-a435-f995da81a4ba" providerId="ADAL" clId="{C010483D-60BC-418A-BCA3-6A1F85EBD2EA}" dt="2022-05-09T13:12:59.841" v="8997"/>
+          <ac:spMkLst>
+            <pc:docMk/>
+            <pc:sldMk cId="1256033996" sldId="272"/>
+            <ac:spMk id="7" creationId="{E8DD321E-9693-EA9C-4861-DD525239D550}"/>
+          </ac:spMkLst>
+        </pc:spChg>
+        <pc:spChg chg="del">
+          <ac:chgData name="Esenwein Benjamin (inf20074)" userId="7720cf97-c6ae-4bac-a435-f995da81a4ba" providerId="ADAL" clId="{C010483D-60BC-418A-BCA3-6A1F85EBD2EA}" dt="2022-05-06T09:21:52.124" v="1723" actId="478"/>
+          <ac:spMkLst>
+            <pc:docMk/>
+            <pc:sldMk cId="1256033996" sldId="272"/>
+            <ac:spMk id="10" creationId="{E69DD1C9-2B33-4DCC-B4D3-77F14063339E}"/>
+          </ac:spMkLst>
+        </pc:spChg>
+        <pc:spChg chg="del">
+          <ac:chgData name="Esenwein Benjamin (inf20074)" userId="7720cf97-c6ae-4bac-a435-f995da81a4ba" providerId="ADAL" clId="{C010483D-60BC-418A-BCA3-6A1F85EBD2EA}" dt="2022-05-06T09:21:52.124" v="1723" actId="478"/>
+          <ac:spMkLst>
+            <pc:docMk/>
+            <pc:sldMk cId="1256033996" sldId="272"/>
+            <ac:spMk id="11" creationId="{786167EF-794B-41F1-B090-CCD6CD4EA0F0}"/>
+          </ac:spMkLst>
+        </pc:spChg>
+        <pc:spChg chg="del">
+          <ac:chgData name="Esenwein Benjamin (inf20074)" userId="7720cf97-c6ae-4bac-a435-f995da81a4ba" providerId="ADAL" clId="{C010483D-60BC-418A-BCA3-6A1F85EBD2EA}" dt="2022-05-06T09:21:52.124" v="1723" actId="478"/>
+          <ac:spMkLst>
+            <pc:docMk/>
+            <pc:sldMk cId="1256033996" sldId="272"/>
+            <ac:spMk id="12" creationId="{4881C562-1A3C-44F7-A83C-4A8A676C8599}"/>
+          </ac:spMkLst>
+        </pc:spChg>
+        <pc:spChg chg="del">
+          <ac:chgData name="Esenwein Benjamin (inf20074)" userId="7720cf97-c6ae-4bac-a435-f995da81a4ba" providerId="ADAL" clId="{C010483D-60BC-418A-BCA3-6A1F85EBD2EA}" dt="2022-05-06T09:21:52.124" v="1723" actId="478"/>
+          <ac:spMkLst>
+            <pc:docMk/>
+            <pc:sldMk cId="1256033996" sldId="272"/>
+            <ac:spMk id="13" creationId="{5EB17F7C-757F-444B-A280-3E5862DE5F37}"/>
+          </ac:spMkLst>
+        </pc:spChg>
+        <pc:spChg chg="del">
+          <ac:chgData name="Esenwein Benjamin (inf20074)" userId="7720cf97-c6ae-4bac-a435-f995da81a4ba" providerId="ADAL" clId="{C010483D-60BC-418A-BCA3-6A1F85EBD2EA}" dt="2022-05-06T09:21:52.124" v="1723" actId="478"/>
+          <ac:spMkLst>
+            <pc:docMk/>
+            <pc:sldMk cId="1256033996" sldId="272"/>
+            <ac:spMk id="14" creationId="{2C2C7C17-2BB7-45AA-849B-7D2A3E4A0427}"/>
+          </ac:spMkLst>
+        </pc:spChg>
+        <pc:spChg chg="mod">
+          <ac:chgData name="Esenwein Benjamin (inf20074)" userId="7720cf97-c6ae-4bac-a435-f995da81a4ba" providerId="ADAL" clId="{C010483D-60BC-418A-BCA3-6A1F85EBD2EA}" dt="2022-05-06T09:41:19.305" v="2091" actId="20577"/>
+          <ac:spMkLst>
+            <pc:docMk/>
+            <pc:sldMk cId="1256033996" sldId="272"/>
+            <ac:spMk id="15" creationId="{50892EB0-0956-4B5B-807D-921735153831}"/>
+          </ac:spMkLst>
+        </pc:spChg>
+      </pc:sldChg>
+      <pc:sldChg chg="add del ord">
+        <pc:chgData name="Esenwein Benjamin (inf20074)" userId="7720cf97-c6ae-4bac-a435-f995da81a4ba" providerId="ADAL" clId="{C010483D-60BC-418A-BCA3-6A1F85EBD2EA}" dt="2022-05-06T09:22:55.496" v="1733"/>
+        <pc:sldMkLst>
+          <pc:docMk/>
+          <pc:sldMk cId="2321171521" sldId="273"/>
+        </pc:sldMkLst>
+      </pc:sldChg>
+      <pc:sldChg chg="addSp delSp modSp del mod modShow">
+        <pc:chgData name="Esenwein Benjamin (inf20074)" userId="7720cf97-c6ae-4bac-a435-f995da81a4ba" providerId="ADAL" clId="{C010483D-60BC-418A-BCA3-6A1F85EBD2EA}" dt="2022-05-06T09:22:41.770" v="1729" actId="47"/>
+        <pc:sldMkLst>
+          <pc:docMk/>
+          <pc:sldMk cId="4064143564" sldId="274"/>
+        </pc:sldMkLst>
+        <pc:spChg chg="add mod">
+          <ac:chgData name="Esenwein Benjamin (inf20074)" userId="7720cf97-c6ae-4bac-a435-f995da81a4ba" providerId="ADAL" clId="{C010483D-60BC-418A-BCA3-6A1F85EBD2EA}" dt="2022-05-04T15:43:10.503" v="809" actId="1038"/>
+          <ac:spMkLst>
+            <pc:docMk/>
+            <pc:sldMk cId="4064143564" sldId="274"/>
+            <ac:spMk id="6" creationId="{141B0027-A499-739B-82A9-A5793A19A18F}"/>
+          </ac:spMkLst>
+        </pc:spChg>
+        <pc:spChg chg="mod">
+          <ac:chgData name="Esenwein Benjamin (inf20074)" userId="7720cf97-c6ae-4bac-a435-f995da81a4ba" providerId="ADAL" clId="{C010483D-60BC-418A-BCA3-6A1F85EBD2EA}" dt="2022-05-04T15:42:40.065" v="787" actId="1076"/>
+          <ac:spMkLst>
+            <pc:docMk/>
+            <pc:sldMk cId="4064143564" sldId="274"/>
+            <ac:spMk id="18" creationId="{14FCC5EB-6E84-40F7-85F9-89A7EB345E16}"/>
+          </ac:spMkLst>
+        </pc:spChg>
+        <pc:spChg chg="add mod">
+          <ac:chgData name="Esenwein Benjamin (inf20074)" userId="7720cf97-c6ae-4bac-a435-f995da81a4ba" providerId="ADAL" clId="{C010483D-60BC-418A-BCA3-6A1F85EBD2EA}" dt="2022-05-04T15:42:59.331" v="792" actId="1037"/>
+          <ac:spMkLst>
+            <pc:docMk/>
+            <pc:sldMk cId="4064143564" sldId="274"/>
+            <ac:spMk id="32" creationId="{49882013-076F-ED97-E8AA-AE7AC7914239}"/>
+          </ac:spMkLst>
+        </pc:spChg>
+        <pc:spChg chg="add del mod">
+          <ac:chgData name="Esenwein Benjamin (inf20074)" userId="7720cf97-c6ae-4bac-a435-f995da81a4ba" providerId="ADAL" clId="{C010483D-60BC-418A-BCA3-6A1F85EBD2EA}" dt="2022-05-04T15:36:36.924" v="733" actId="478"/>
+          <ac:spMkLst>
+            <pc:docMk/>
+            <pc:sldMk cId="4064143564" sldId="274"/>
+            <ac:spMk id="34" creationId="{CCFCC154-02B8-BAA2-ACD5-5D1F8E0AA2FB}"/>
+          </ac:spMkLst>
+        </pc:spChg>
+        <pc:spChg chg="add mod">
+          <ac:chgData name="Esenwein Benjamin (inf20074)" userId="7720cf97-c6ae-4bac-a435-f995da81a4ba" providerId="ADAL" clId="{C010483D-60BC-418A-BCA3-6A1F85EBD2EA}" dt="2022-05-04T15:38:47.671" v="772" actId="1036"/>
+          <ac:spMkLst>
+            <pc:docMk/>
+            <pc:sldMk cId="4064143564" sldId="274"/>
+            <ac:spMk id="35" creationId="{BCA55338-11FD-F365-4FD5-B2C7E63DD38A}"/>
+          </ac:spMkLst>
+        </pc:spChg>
+        <pc:spChg chg="add mod">
+          <ac:chgData name="Esenwein Benjamin (inf20074)" userId="7720cf97-c6ae-4bac-a435-f995da81a4ba" providerId="ADAL" clId="{C010483D-60BC-418A-BCA3-6A1F85EBD2EA}" dt="2022-05-04T15:38:26.382" v="770" actId="1036"/>
+          <ac:spMkLst>
+            <pc:docMk/>
+            <pc:sldMk cId="4064143564" sldId="274"/>
+            <ac:spMk id="36" creationId="{9D806C20-7BEB-5BD9-C612-91F3D7CEBD8A}"/>
+          </ac:spMkLst>
+        </pc:spChg>
+        <pc:picChg chg="mod">
+          <ac:chgData name="Esenwein Benjamin (inf20074)" userId="7720cf97-c6ae-4bac-a435-f995da81a4ba" providerId="ADAL" clId="{C010483D-60BC-418A-BCA3-6A1F85EBD2EA}" dt="2022-05-04T15:43:24.194" v="810" actId="1076"/>
+          <ac:picMkLst>
+            <pc:docMk/>
+            <pc:sldMk cId="4064143564" sldId="274"/>
+            <ac:picMk id="9" creationId="{1B52F9BE-19CF-4E19-8409-44D0A9AC220C}"/>
+          </ac:picMkLst>
+        </pc:picChg>
+        <pc:picChg chg="mod">
+          <ac:chgData name="Esenwein Benjamin (inf20074)" userId="7720cf97-c6ae-4bac-a435-f995da81a4ba" providerId="ADAL" clId="{C010483D-60BC-418A-BCA3-6A1F85EBD2EA}" dt="2022-05-04T15:34:01.877" v="699" actId="1076"/>
+          <ac:picMkLst>
+            <pc:docMk/>
+            <pc:sldMk cId="4064143564" sldId="274"/>
+            <ac:picMk id="28" creationId="{CFFA21A8-69E6-48E9-8557-91ED33C9AB8A}"/>
+          </ac:picMkLst>
+        </pc:picChg>
+        <pc:cxnChg chg="mod">
+          <ac:chgData name="Esenwein Benjamin (inf20074)" userId="7720cf97-c6ae-4bac-a435-f995da81a4ba" providerId="ADAL" clId="{C010483D-60BC-418A-BCA3-6A1F85EBD2EA}" dt="2022-05-04T15:42:40.065" v="787" actId="1076"/>
+          <ac:cxnSpMkLst>
+            <pc:docMk/>
+            <pc:sldMk cId="4064143564" sldId="274"/>
+            <ac:cxnSpMk id="21" creationId="{15E7D1D0-E3E7-4A61-A076-3D40F9EAFB17}"/>
+          </ac:cxnSpMkLst>
+        </pc:cxnChg>
+        <pc:cxnChg chg="mod">
+          <ac:chgData name="Esenwein Benjamin (inf20074)" userId="7720cf97-c6ae-4bac-a435-f995da81a4ba" providerId="ADAL" clId="{C010483D-60BC-418A-BCA3-6A1F85EBD2EA}" dt="2022-05-04T15:33:42.441" v="696" actId="1076"/>
+          <ac:cxnSpMkLst>
+            <pc:docMk/>
+            <pc:sldMk cId="4064143564" sldId="274"/>
+            <ac:cxnSpMk id="22" creationId="{62F8220F-80C6-4E72-B2C5-80FBA93C6E2A}"/>
+          </ac:cxnSpMkLst>
+        </pc:cxnChg>
+        <pc:cxnChg chg="add mod">
+          <ac:chgData name="Esenwein Benjamin (inf20074)" userId="7720cf97-c6ae-4bac-a435-f995da81a4ba" providerId="ADAL" clId="{C010483D-60BC-418A-BCA3-6A1F85EBD2EA}" dt="2022-05-04T15:42:53.185" v="788" actId="14100"/>
+          <ac:cxnSpMkLst>
+            <pc:docMk/>
+            <pc:sldMk cId="4064143564" sldId="274"/>
+            <ac:cxnSpMk id="29" creationId="{5B231BBF-39A8-D82F-BAFF-24260BAE1D73}"/>
+          </ac:cxnSpMkLst>
+        </pc:cxnChg>
+      </pc:sldChg>
+      <pc:sldChg chg="addSp delSp modSp mod modNotesTx">
+        <pc:chgData name="Esenwein Benjamin (inf20074)" userId="7720cf97-c6ae-4bac-a435-f995da81a4ba" providerId="ADAL" clId="{C010483D-60BC-418A-BCA3-6A1F85EBD2EA}" dt="2022-05-09T13:12:55.472" v="8993"/>
+        <pc:sldMkLst>
+          <pc:docMk/>
+          <pc:sldMk cId="3906682851" sldId="275"/>
+        </pc:sldMkLst>
+        <pc:spChg chg="mod">
+          <ac:chgData name="Esenwein Benjamin (inf20074)" userId="7720cf97-c6ae-4bac-a435-f995da81a4ba" providerId="ADAL" clId="{C010483D-60BC-418A-BCA3-6A1F85EBD2EA}" dt="2022-05-06T08:06:06.200" v="881" actId="20577"/>
+          <ac:spMkLst>
+            <pc:docMk/>
+            <pc:sldMk cId="3906682851" sldId="275"/>
+            <ac:spMk id="2" creationId="{41BEF49C-9A74-47E5-BEA8-0F56E53ACD27}"/>
+          </ac:spMkLst>
+        </pc:spChg>
+        <pc:spChg chg="del mod">
+          <ac:chgData name="Esenwein Benjamin (inf20074)" userId="7720cf97-c6ae-4bac-a435-f995da81a4ba" providerId="ADAL" clId="{C010483D-60BC-418A-BCA3-6A1F85EBD2EA}" dt="2022-05-06T08:05:30.421" v="861" actId="21"/>
+          <ac:spMkLst>
+            <pc:docMk/>
+            <pc:sldMk cId="3906682851" sldId="275"/>
+            <ac:spMk id="3" creationId="{BC18DBFF-01AE-421A-9F18-50499284929B}"/>
+          </ac:spMkLst>
+        </pc:spChg>
+        <pc:spChg chg="add del mod">
+          <ac:chgData name="Esenwein Benjamin (inf20074)" userId="7720cf97-c6ae-4bac-a435-f995da81a4ba" providerId="ADAL" clId="{C010483D-60BC-418A-BCA3-6A1F85EBD2EA}" dt="2022-05-06T08:05:58.494" v="866" actId="478"/>
+          <ac:spMkLst>
+            <pc:docMk/>
+            <pc:sldMk cId="3906682851" sldId="275"/>
+            <ac:spMk id="6" creationId="{DF4A74F2-F934-426B-A48E-2A1327DA25F6}"/>
+          </ac:spMkLst>
+        </pc:spChg>
+        <pc:spChg chg="add mod">
+          <ac:chgData name="Esenwein Benjamin (inf20074)" userId="7720cf97-c6ae-4bac-a435-f995da81a4ba" providerId="ADAL" clId="{C010483D-60BC-418A-BCA3-6A1F85EBD2EA}" dt="2022-05-09T13:12:55.472" v="8993"/>
+          <ac:spMkLst>
+            <pc:docMk/>
+            <pc:sldMk cId="3906682851" sldId="275"/>
+            <ac:spMk id="8" creationId="{897F5192-41FF-FFD4-7564-FC8A1A561E47}"/>
+          </ac:spMkLst>
+        </pc:spChg>
+        <pc:spChg chg="del">
+          <ac:chgData name="Esenwein Benjamin (inf20074)" userId="7720cf97-c6ae-4bac-a435-f995da81a4ba" providerId="ADAL" clId="{C010483D-60BC-418A-BCA3-6A1F85EBD2EA}" dt="2022-05-06T09:21:32.104" v="1719" actId="478"/>
+          <ac:spMkLst>
+            <pc:docMk/>
+            <pc:sldMk cId="3906682851" sldId="275"/>
+            <ac:spMk id="17" creationId="{E6E5A29A-75DA-40A7-9FF3-18AE87E100B5}"/>
+          </ac:spMkLst>
+        </pc:spChg>
+        <pc:spChg chg="del">
+          <ac:chgData name="Esenwein Benjamin (inf20074)" userId="7720cf97-c6ae-4bac-a435-f995da81a4ba" providerId="ADAL" clId="{C010483D-60BC-418A-BCA3-6A1F85EBD2EA}" dt="2022-05-06T09:21:32.104" v="1719" actId="478"/>
+          <ac:spMkLst>
+            <pc:docMk/>
+            <pc:sldMk cId="3906682851" sldId="275"/>
+            <ac:spMk id="25" creationId="{23F06576-B842-4374-AA79-71D1BE837003}"/>
+          </ac:spMkLst>
+        </pc:spChg>
+        <pc:spChg chg="del">
+          <ac:chgData name="Esenwein Benjamin (inf20074)" userId="7720cf97-c6ae-4bac-a435-f995da81a4ba" providerId="ADAL" clId="{C010483D-60BC-418A-BCA3-6A1F85EBD2EA}" dt="2022-05-06T09:21:32.104" v="1719" actId="478"/>
+          <ac:spMkLst>
+            <pc:docMk/>
+            <pc:sldMk cId="3906682851" sldId="275"/>
+            <ac:spMk id="26" creationId="{F2B79D3E-7830-48CE-9FAA-564ED3B2E51D}"/>
+          </ac:spMkLst>
+        </pc:spChg>
+        <pc:spChg chg="del">
+          <ac:chgData name="Esenwein Benjamin (inf20074)" userId="7720cf97-c6ae-4bac-a435-f995da81a4ba" providerId="ADAL" clId="{C010483D-60BC-418A-BCA3-6A1F85EBD2EA}" dt="2022-05-06T09:21:32.104" v="1719" actId="478"/>
+          <ac:spMkLst>
+            <pc:docMk/>
+            <pc:sldMk cId="3906682851" sldId="275"/>
+            <ac:spMk id="27" creationId="{D6B9F240-DA94-4F81-86C5-79DB5752BFA7}"/>
+          </ac:spMkLst>
+        </pc:spChg>
+        <pc:spChg chg="del">
+          <ac:chgData name="Esenwein Benjamin (inf20074)" userId="7720cf97-c6ae-4bac-a435-f995da81a4ba" providerId="ADAL" clId="{C010483D-60BC-418A-BCA3-6A1F85EBD2EA}" dt="2022-05-06T09:21:32.104" v="1719" actId="478"/>
+          <ac:spMkLst>
+            <pc:docMk/>
+            <pc:sldMk cId="3906682851" sldId="275"/>
+            <ac:spMk id="28" creationId="{D3FA81CC-9F07-45C8-9344-9369B58B01CF}"/>
+          </ac:spMkLst>
+        </pc:spChg>
+        <pc:spChg chg="del">
+          <ac:chgData name="Esenwein Benjamin (inf20074)" userId="7720cf97-c6ae-4bac-a435-f995da81a4ba" providerId="ADAL" clId="{C010483D-60BC-418A-BCA3-6A1F85EBD2EA}" dt="2022-05-06T09:21:32.104" v="1719" actId="478"/>
+          <ac:spMkLst>
+            <pc:docMk/>
+            <pc:sldMk cId="3906682851" sldId="275"/>
+            <ac:spMk id="29" creationId="{E92F2DA4-5AEB-4D5B-9968-94A4CEFDB893}"/>
+          </ac:spMkLst>
+        </pc:spChg>
+        <pc:spChg chg="del">
+          <ac:chgData name="Esenwein Benjamin (inf20074)" userId="7720cf97-c6ae-4bac-a435-f995da81a4ba" providerId="ADAL" clId="{C010483D-60BC-418A-BCA3-6A1F85EBD2EA}" dt="2022-05-06T09:21:32.104" v="1719" actId="478"/>
+          <ac:spMkLst>
+            <pc:docMk/>
+            <pc:sldMk cId="3906682851" sldId="275"/>
+            <ac:spMk id="30" creationId="{4E218B74-5243-415B-9655-E58BE56AEFC7}"/>
+          </ac:spMkLst>
+        </pc:spChg>
+        <pc:spChg chg="del">
+          <ac:chgData name="Esenwein Benjamin (inf20074)" userId="7720cf97-c6ae-4bac-a435-f995da81a4ba" providerId="ADAL" clId="{C010483D-60BC-418A-BCA3-6A1F85EBD2EA}" dt="2022-05-06T09:21:32.104" v="1719" actId="478"/>
+          <ac:spMkLst>
+            <pc:docMk/>
+            <pc:sldMk cId="3906682851" sldId="275"/>
+            <ac:spMk id="31" creationId="{19D9E93B-98EB-420F-9357-38A238F52743}"/>
+          </ac:spMkLst>
+        </pc:spChg>
+        <pc:spChg chg="add mod">
+          <ac:chgData name="Esenwein Benjamin (inf20074)" userId="7720cf97-c6ae-4bac-a435-f995da81a4ba" providerId="ADAL" clId="{C010483D-60BC-418A-BCA3-6A1F85EBD2EA}" dt="2022-05-06T08:05:58.869" v="867"/>
+          <ac:spMkLst>
+            <pc:docMk/>
+            <pc:sldMk cId="3906682851" sldId="275"/>
+            <ac:spMk id="35" creationId="{B98E4440-3252-7FB7-0787-04D32F0488E1}"/>
+          </ac:spMkLst>
+        </pc:spChg>
+        <pc:graphicFrameChg chg="add mod">
+          <ac:chgData name="Esenwein Benjamin (inf20074)" userId="7720cf97-c6ae-4bac-a435-f995da81a4ba" providerId="ADAL" clId="{C010483D-60BC-418A-BCA3-6A1F85EBD2EA}" dt="2022-05-06T08:05:58.869" v="867"/>
+          <ac:graphicFrameMkLst>
+            <pc:docMk/>
+            <pc:sldMk cId="3906682851" sldId="275"/>
+            <ac:graphicFrameMk id="24" creationId="{E72A703E-01C1-E617-C6E0-0D18545B6045}"/>
+          </ac:graphicFrameMkLst>
+        </pc:graphicFrameChg>
+        <pc:picChg chg="add del mod">
+          <ac:chgData name="Esenwein Benjamin (inf20074)" userId="7720cf97-c6ae-4bac-a435-f995da81a4ba" providerId="ADAL" clId="{C010483D-60BC-418A-BCA3-6A1F85EBD2EA}" dt="2022-05-04T15:21:06.117" v="563" actId="478"/>
+          <ac:picMkLst>
+            <pc:docMk/>
+            <pc:sldMk cId="3906682851" sldId="275"/>
+            <ac:picMk id="6" creationId="{BA80565D-A7AD-87B7-5120-060540284A8E}"/>
+          </ac:picMkLst>
+        </pc:picChg>
+        <pc:picChg chg="add del mod">
+          <ac:chgData name="Esenwein Benjamin (inf20074)" userId="7720cf97-c6ae-4bac-a435-f995da81a4ba" providerId="ADAL" clId="{C010483D-60BC-418A-BCA3-6A1F85EBD2EA}" dt="2022-05-04T15:21:07.105" v="564" actId="478"/>
+          <ac:picMkLst>
+            <pc:docMk/>
+            <pc:sldMk cId="3906682851" sldId="275"/>
+            <ac:picMk id="9" creationId="{7BD0705F-8E47-5B0F-D598-959A279AE164}"/>
+          </ac:picMkLst>
+        </pc:picChg>
+        <pc:picChg chg="add del mod">
+          <ac:chgData name="Esenwein Benjamin (inf20074)" userId="7720cf97-c6ae-4bac-a435-f995da81a4ba" providerId="ADAL" clId="{C010483D-60BC-418A-BCA3-6A1F85EBD2EA}" dt="2022-05-06T08:05:30.421" v="861" actId="21"/>
+          <ac:picMkLst>
+            <pc:docMk/>
+            <pc:sldMk cId="3906682851" sldId="275"/>
+            <ac:picMk id="12" creationId="{AAD097C6-574B-E3A7-F56C-D049D984F37F}"/>
+          </ac:picMkLst>
+        </pc:picChg>
+        <pc:picChg chg="add del mod">
+          <ac:chgData name="Esenwein Benjamin (inf20074)" userId="7720cf97-c6ae-4bac-a435-f995da81a4ba" providerId="ADAL" clId="{C010483D-60BC-418A-BCA3-6A1F85EBD2EA}" dt="2022-05-06T08:05:30.421" v="861" actId="21"/>
+          <ac:picMkLst>
+            <pc:docMk/>
+            <pc:sldMk cId="3906682851" sldId="275"/>
+            <ac:picMk id="14" creationId="{5D19CC2E-5F38-05D0-FF6C-B641D9895162}"/>
+          </ac:picMkLst>
+        </pc:picChg>
+        <pc:picChg chg="add del mod modCrop">
+          <ac:chgData name="Esenwein Benjamin (inf20074)" userId="7720cf97-c6ae-4bac-a435-f995da81a4ba" providerId="ADAL" clId="{C010483D-60BC-418A-BCA3-6A1F85EBD2EA}" dt="2022-05-06T08:05:30.421" v="861" actId="21"/>
+          <ac:picMkLst>
+            <pc:docMk/>
+            <pc:sldMk cId="3906682851" sldId="275"/>
+            <ac:picMk id="33" creationId="{4EB0DD32-9C7F-7BE7-F872-4DA8E5FFF42C}"/>
+          </ac:picMkLst>
+        </pc:picChg>
+        <pc:picChg chg="add del mod">
+          <ac:chgData name="Esenwein Benjamin (inf20074)" userId="7720cf97-c6ae-4bac-a435-f995da81a4ba" providerId="ADAL" clId="{C010483D-60BC-418A-BCA3-6A1F85EBD2EA}" dt="2022-05-06T08:05:30.421" v="861" actId="21"/>
+          <ac:picMkLst>
+            <pc:docMk/>
+            <pc:sldMk cId="3906682851" sldId="275"/>
+            <ac:picMk id="34" creationId="{455BB65E-01F4-AF97-B6AA-757D06C748BD}"/>
+          </ac:picMkLst>
+        </pc:picChg>
+        <pc:cxnChg chg="add del mod">
+          <ac:chgData name="Esenwein Benjamin (inf20074)" userId="7720cf97-c6ae-4bac-a435-f995da81a4ba" providerId="ADAL" clId="{C010483D-60BC-418A-BCA3-6A1F85EBD2EA}" dt="2022-05-06T08:05:30.421" v="861" actId="21"/>
+          <ac:cxnSpMkLst>
+            <pc:docMk/>
+            <pc:sldMk cId="3906682851" sldId="275"/>
+            <ac:cxnSpMk id="36" creationId="{2BEC0E9A-915B-85BC-7F0A-8688CCC63C4A}"/>
+          </ac:cxnSpMkLst>
+        </pc:cxnChg>
+        <pc:cxnChg chg="add del mod">
+          <ac:chgData name="Esenwein Benjamin (inf20074)" userId="7720cf97-c6ae-4bac-a435-f995da81a4ba" providerId="ADAL" clId="{C010483D-60BC-418A-BCA3-6A1F85EBD2EA}" dt="2022-05-06T08:05:30.421" v="861" actId="21"/>
+          <ac:cxnSpMkLst>
+            <pc:docMk/>
+            <pc:sldMk cId="3906682851" sldId="275"/>
+            <ac:cxnSpMk id="38" creationId="{D984BDD5-AA21-55E4-A4A4-DBE2D5D6E2AF}"/>
+          </ac:cxnSpMkLst>
+        </pc:cxnChg>
+        <pc:cxnChg chg="add del mod">
+          <ac:chgData name="Esenwein Benjamin (inf20074)" userId="7720cf97-c6ae-4bac-a435-f995da81a4ba" providerId="ADAL" clId="{C010483D-60BC-418A-BCA3-6A1F85EBD2EA}" dt="2022-05-06T08:05:30.421" v="861" actId="21"/>
+          <ac:cxnSpMkLst>
+            <pc:docMk/>
+            <pc:sldMk cId="3906682851" sldId="275"/>
+            <ac:cxnSpMk id="40" creationId="{FB2252EB-A3CE-5780-EFA3-C567FE299522}"/>
+          </ac:cxnSpMkLst>
+        </pc:cxnChg>
+      </pc:sldChg>
+      <pc:sldChg chg="addSp modSp mod modNotesTx">
+        <pc:chgData name="Esenwein Benjamin (inf20074)" userId="7720cf97-c6ae-4bac-a435-f995da81a4ba" providerId="ADAL" clId="{C010483D-60BC-418A-BCA3-6A1F85EBD2EA}" dt="2022-05-09T13:13:00.501" v="8998"/>
+        <pc:sldMkLst>
+          <pc:docMk/>
+          <pc:sldMk cId="2378724020" sldId="276"/>
+        </pc:sldMkLst>
+        <pc:spChg chg="mod">
+          <ac:chgData name="Esenwein Benjamin (inf20074)" userId="7720cf97-c6ae-4bac-a435-f995da81a4ba" providerId="ADAL" clId="{C010483D-60BC-418A-BCA3-6A1F85EBD2EA}" dt="2022-05-06T09:41:23.436" v="2093" actId="20577"/>
+          <ac:spMkLst>
+            <pc:docMk/>
+            <pc:sldMk cId="2378724020" sldId="276"/>
+            <ac:spMk id="15" creationId="{50892EB0-0956-4B5B-807D-921735153831}"/>
+          </ac:spMkLst>
+        </pc:spChg>
+        <pc:spChg chg="add mod">
+          <ac:chgData name="Esenwein Benjamin (inf20074)" userId="7720cf97-c6ae-4bac-a435-f995da81a4ba" providerId="ADAL" clId="{C010483D-60BC-418A-BCA3-6A1F85EBD2EA}" dt="2022-05-09T13:13:00.501" v="8998"/>
+          <ac:spMkLst>
+            <pc:docMk/>
+            <pc:sldMk cId="2378724020" sldId="276"/>
+            <ac:spMk id="36" creationId="{4C798D80-A283-97FF-8EAA-E80B5823FAD7}"/>
+          </ac:spMkLst>
+        </pc:spChg>
+      </pc:sldChg>
+      <pc:sldChg chg="addSp modSp mod modNotesTx">
+        <pc:chgData name="Esenwein Benjamin (inf20074)" userId="7720cf97-c6ae-4bac-a435-f995da81a4ba" providerId="ADAL" clId="{C010483D-60BC-418A-BCA3-6A1F85EBD2EA}" dt="2022-05-09T13:13:01.787" v="8999"/>
+        <pc:sldMkLst>
+          <pc:docMk/>
+          <pc:sldMk cId="2104648763" sldId="277"/>
+        </pc:sldMkLst>
+        <pc:spChg chg="add mod">
+          <ac:chgData name="Esenwein Benjamin (inf20074)" userId="7720cf97-c6ae-4bac-a435-f995da81a4ba" providerId="ADAL" clId="{C010483D-60BC-418A-BCA3-6A1F85EBD2EA}" dt="2022-05-09T13:13:01.787" v="8999"/>
+          <ac:spMkLst>
+            <pc:docMk/>
+            <pc:sldMk cId="2104648763" sldId="277"/>
+            <ac:spMk id="7" creationId="{27DEBCB1-7284-D60D-1194-1E90B25BE383}"/>
+          </ac:spMkLst>
+        </pc:spChg>
+        <pc:spChg chg="mod">
+          <ac:chgData name="Esenwein Benjamin (inf20074)" userId="7720cf97-c6ae-4bac-a435-f995da81a4ba" providerId="ADAL" clId="{C010483D-60BC-418A-BCA3-6A1F85EBD2EA}" dt="2022-05-06T09:41:32.193" v="2097" actId="14100"/>
+          <ac:spMkLst>
+            <pc:docMk/>
+            <pc:sldMk cId="2104648763" sldId="277"/>
+            <ac:spMk id="34" creationId="{2EAA6503-B614-452E-865F-8F28FAD17DC3}"/>
+          </ac:spMkLst>
+        </pc:spChg>
+      </pc:sldChg>
+      <pc:sldChg chg="addSp delSp modSp add mod modNotesTx">
+        <pc:chgData name="Esenwein Benjamin (inf20074)" userId="7720cf97-c6ae-4bac-a435-f995da81a4ba" providerId="ADAL" clId="{C010483D-60BC-418A-BCA3-6A1F85EBD2EA}" dt="2022-05-09T13:12:57.517" v="8995"/>
+        <pc:sldMkLst>
+          <pc:docMk/>
+          <pc:sldMk cId="393263840" sldId="278"/>
+        </pc:sldMkLst>
+        <pc:spChg chg="mod">
+          <ac:chgData name="Esenwein Benjamin (inf20074)" userId="7720cf97-c6ae-4bac-a435-f995da81a4ba" providerId="ADAL" clId="{C010483D-60BC-418A-BCA3-6A1F85EBD2EA}" dt="2022-05-04T16:12:19.017" v="838" actId="20577"/>
+          <ac:spMkLst>
+            <pc:docMk/>
+            <pc:sldMk cId="393263840" sldId="278"/>
+            <ac:spMk id="2" creationId="{1848D95F-1980-426E-9C4C-B2B524762F9F}"/>
+          </ac:spMkLst>
+        </pc:spChg>
+        <pc:spChg chg="del">
+          <ac:chgData name="Esenwein Benjamin (inf20074)" userId="7720cf97-c6ae-4bac-a435-f995da81a4ba" providerId="ADAL" clId="{C010483D-60BC-418A-BCA3-6A1F85EBD2EA}" dt="2022-05-04T16:11:38.772" v="816" actId="478"/>
+          <ac:spMkLst>
+            <pc:docMk/>
+            <pc:sldMk cId="393263840" sldId="278"/>
+            <ac:spMk id="6" creationId="{141B0027-A499-739B-82A9-A5793A19A18F}"/>
+          </ac:spMkLst>
+        </pc:spChg>
+        <pc:spChg chg="del">
+          <ac:chgData name="Esenwein Benjamin (inf20074)" userId="7720cf97-c6ae-4bac-a435-f995da81a4ba" providerId="ADAL" clId="{C010483D-60BC-418A-BCA3-6A1F85EBD2EA}" dt="2022-05-06T09:21:42.635" v="1721" actId="478"/>
+          <ac:spMkLst>
+            <pc:docMk/>
+            <pc:sldMk cId="393263840" sldId="278"/>
+            <ac:spMk id="8" creationId="{5B764A9E-1860-4FBF-82A5-AEB3615DCD65}"/>
+          </ac:spMkLst>
+        </pc:spChg>
+        <pc:spChg chg="add mod">
+          <ac:chgData name="Esenwein Benjamin (inf20074)" userId="7720cf97-c6ae-4bac-a435-f995da81a4ba" providerId="ADAL" clId="{C010483D-60BC-418A-BCA3-6A1F85EBD2EA}" dt="2022-05-09T13:12:57.517" v="8995"/>
+          <ac:spMkLst>
+            <pc:docMk/>
+            <pc:sldMk cId="393263840" sldId="278"/>
+            <ac:spMk id="8" creationId="{758580C5-0172-17C4-2123-ED3C99E636AF}"/>
+          </ac:spMkLst>
+        </pc:spChg>
+        <pc:spChg chg="del">
+          <ac:chgData name="Esenwein Benjamin (inf20074)" userId="7720cf97-c6ae-4bac-a435-f995da81a4ba" providerId="ADAL" clId="{C010483D-60BC-418A-BCA3-6A1F85EBD2EA}" dt="2022-05-06T09:21:42.635" v="1721" actId="478"/>
+          <ac:spMkLst>
+            <pc:docMk/>
+            <pc:sldMk cId="393263840" sldId="278"/>
+            <ac:spMk id="10" creationId="{CD099C78-05A7-4EFB-82BF-A6FD90D072D6}"/>
+          </ac:spMkLst>
+        </pc:spChg>
+        <pc:spChg chg="del">
+          <ac:chgData name="Esenwein Benjamin (inf20074)" userId="7720cf97-c6ae-4bac-a435-f995da81a4ba" providerId="ADAL" clId="{C010483D-60BC-418A-BCA3-6A1F85EBD2EA}" dt="2022-05-06T09:21:42.635" v="1721" actId="478"/>
+          <ac:spMkLst>
+            <pc:docMk/>
+            <pc:sldMk cId="393263840" sldId="278"/>
+            <ac:spMk id="11" creationId="{7F7B855E-308E-4C8C-A8AE-AAE79BAAC72C}"/>
+          </ac:spMkLst>
+        </pc:spChg>
+        <pc:spChg chg="del">
+          <ac:chgData name="Esenwein Benjamin (inf20074)" userId="7720cf97-c6ae-4bac-a435-f995da81a4ba" providerId="ADAL" clId="{C010483D-60BC-418A-BCA3-6A1F85EBD2EA}" dt="2022-05-06T09:21:42.635" v="1721" actId="478"/>
+          <ac:spMkLst>
+            <pc:docMk/>
+            <pc:sldMk cId="393263840" sldId="278"/>
+            <ac:spMk id="13" creationId="{1EB5949F-77BF-4A2C-8224-50FACB1A6AC6}"/>
+          </ac:spMkLst>
+        </pc:spChg>
+        <pc:spChg chg="del">
+          <ac:chgData name="Esenwein Benjamin (inf20074)" userId="7720cf97-c6ae-4bac-a435-f995da81a4ba" providerId="ADAL" clId="{C010483D-60BC-418A-BCA3-6A1F85EBD2EA}" dt="2022-05-06T09:21:42.635" v="1721" actId="478"/>
+          <ac:spMkLst>
+            <pc:docMk/>
+            <pc:sldMk cId="393263840" sldId="278"/>
+            <ac:spMk id="14" creationId="{8C6FBB95-9612-4C9E-803E-D7C034AE8133}"/>
+          </ac:spMkLst>
+        </pc:spChg>
+        <pc:spChg chg="del">
+          <ac:chgData name="Esenwein Benjamin (inf20074)" userId="7720cf97-c6ae-4bac-a435-f995da81a4ba" providerId="ADAL" clId="{C010483D-60BC-418A-BCA3-6A1F85EBD2EA}" dt="2022-05-06T09:21:42.635" v="1721" actId="478"/>
+          <ac:spMkLst>
+            <pc:docMk/>
+            <pc:sldMk cId="393263840" sldId="278"/>
+            <ac:spMk id="15" creationId="{B11C4652-3554-4227-A056-000CBC867DB1}"/>
+          </ac:spMkLst>
+        </pc:spChg>
+        <pc:spChg chg="del">
+          <ac:chgData name="Esenwein Benjamin (inf20074)" userId="7720cf97-c6ae-4bac-a435-f995da81a4ba" providerId="ADAL" clId="{C010483D-60BC-418A-BCA3-6A1F85EBD2EA}" dt="2022-05-06T09:21:42.635" v="1721" actId="478"/>
+          <ac:spMkLst>
+            <pc:docMk/>
+            <pc:sldMk cId="393263840" sldId="278"/>
+            <ac:spMk id="16" creationId="{7376AA6A-6198-41B8-9A31-B74F35A58511}"/>
+          </ac:spMkLst>
+        </pc:spChg>
+        <pc:spChg chg="mod">
+          <ac:chgData name="Esenwein Benjamin (inf20074)" userId="7720cf97-c6ae-4bac-a435-f995da81a4ba" providerId="ADAL" clId="{C010483D-60BC-418A-BCA3-6A1F85EBD2EA}" dt="2022-05-06T09:41:08.194" v="2087" actId="20577"/>
+          <ac:spMkLst>
+            <pc:docMk/>
+            <pc:sldMk cId="393263840" sldId="278"/>
+            <ac:spMk id="17" creationId="{60A174DC-6910-4C61-83ED-35D3EE9EE679}"/>
+          </ac:spMkLst>
+        </pc:spChg>
+        <pc:spChg chg="del">
+          <ac:chgData name="Esenwein Benjamin (inf20074)" userId="7720cf97-c6ae-4bac-a435-f995da81a4ba" providerId="ADAL" clId="{C010483D-60BC-418A-BCA3-6A1F85EBD2EA}" dt="2022-05-04T16:11:38.772" v="816" actId="478"/>
+          <ac:spMkLst>
+            <pc:docMk/>
+            <pc:sldMk cId="393263840" sldId="278"/>
+            <ac:spMk id="18" creationId="{14FCC5EB-6E84-40F7-85F9-89A7EB345E16}"/>
+          </ac:spMkLst>
+        </pc:spChg>
+        <pc:spChg chg="del">
+          <ac:chgData name="Esenwein Benjamin (inf20074)" userId="7720cf97-c6ae-4bac-a435-f995da81a4ba" providerId="ADAL" clId="{C010483D-60BC-418A-BCA3-6A1F85EBD2EA}" dt="2022-05-04T16:11:38.772" v="816" actId="478"/>
+          <ac:spMkLst>
+            <pc:docMk/>
+            <pc:sldMk cId="393263840" sldId="278"/>
+            <ac:spMk id="19" creationId="{C8EC3EB2-8074-411E-8567-FBACDD10A994}"/>
+          </ac:spMkLst>
+        </pc:spChg>
+        <pc:spChg chg="del">
+          <ac:chgData name="Esenwein Benjamin (inf20074)" userId="7720cf97-c6ae-4bac-a435-f995da81a4ba" providerId="ADAL" clId="{C010483D-60BC-418A-BCA3-6A1F85EBD2EA}" dt="2022-05-04T16:11:38.772" v="816" actId="478"/>
+          <ac:spMkLst>
+            <pc:docMk/>
+            <pc:sldMk cId="393263840" sldId="278"/>
+            <ac:spMk id="20" creationId="{9748CD91-246F-4AAF-BF57-A355114465F5}"/>
+          </ac:spMkLst>
+        </pc:spChg>
+        <pc:spChg chg="add del">
+          <ac:chgData name="Esenwein Benjamin (inf20074)" userId="7720cf97-c6ae-4bac-a435-f995da81a4ba" providerId="ADAL" clId="{C010483D-60BC-418A-BCA3-6A1F85EBD2EA}" dt="2022-05-04T16:11:45.180" v="819" actId="22"/>
+          <ac:spMkLst>
+            <pc:docMk/>
+            <pc:sldMk cId="393263840" sldId="278"/>
+            <ac:spMk id="30" creationId="{50A86340-C7F4-E51B-773A-E3DBA5734DD8}"/>
+          </ac:spMkLst>
+        </pc:spChg>
+        <pc:spChg chg="del">
+          <ac:chgData name="Esenwein Benjamin (inf20074)" userId="7720cf97-c6ae-4bac-a435-f995da81a4ba" providerId="ADAL" clId="{C010483D-60BC-418A-BCA3-6A1F85EBD2EA}" dt="2022-05-04T16:11:38.772" v="816" actId="478"/>
+          <ac:spMkLst>
+            <pc:docMk/>
+            <pc:sldMk cId="393263840" sldId="278"/>
+            <ac:spMk id="32" creationId="{49882013-076F-ED97-E8AA-AE7AC7914239}"/>
+          </ac:spMkLst>
+        </pc:spChg>
+        <pc:spChg chg="del">
+          <ac:chgData name="Esenwein Benjamin (inf20074)" userId="7720cf97-c6ae-4bac-a435-f995da81a4ba" providerId="ADAL" clId="{C010483D-60BC-418A-BCA3-6A1F85EBD2EA}" dt="2022-05-04T16:11:38.772" v="816" actId="478"/>
+          <ac:spMkLst>
+            <pc:docMk/>
+            <pc:sldMk cId="393263840" sldId="278"/>
+            <ac:spMk id="35" creationId="{BCA55338-11FD-F365-4FD5-B2C7E63DD38A}"/>
+          </ac:spMkLst>
+        </pc:spChg>
+        <pc:spChg chg="del">
+          <ac:chgData name="Esenwein Benjamin (inf20074)" userId="7720cf97-c6ae-4bac-a435-f995da81a4ba" providerId="ADAL" clId="{C010483D-60BC-418A-BCA3-6A1F85EBD2EA}" dt="2022-05-04T16:11:38.772" v="816" actId="478"/>
+          <ac:spMkLst>
+            <pc:docMk/>
+            <pc:sldMk cId="393263840" sldId="278"/>
+            <ac:spMk id="36" creationId="{9D806C20-7BEB-5BD9-C612-91F3D7CEBD8A}"/>
+          </ac:spMkLst>
+        </pc:spChg>
+        <pc:picChg chg="del">
+          <ac:chgData name="Esenwein Benjamin (inf20074)" userId="7720cf97-c6ae-4bac-a435-f995da81a4ba" providerId="ADAL" clId="{C010483D-60BC-418A-BCA3-6A1F85EBD2EA}" dt="2022-05-04T16:11:38.772" v="816" actId="478"/>
+          <ac:picMkLst>
+            <pc:docMk/>
+            <pc:sldMk cId="393263840" sldId="278"/>
+            <ac:picMk id="9" creationId="{1B52F9BE-19CF-4E19-8409-44D0A9AC220C}"/>
+          </ac:picMkLst>
+        </pc:picChg>
+        <pc:picChg chg="add del mod">
+          <ac:chgData name="Esenwein Benjamin (inf20074)" userId="7720cf97-c6ae-4bac-a435-f995da81a4ba" providerId="ADAL" clId="{C010483D-60BC-418A-BCA3-6A1F85EBD2EA}" dt="2022-05-04T16:13:49.597" v="843" actId="478"/>
+          <ac:picMkLst>
+            <pc:docMk/>
+            <pc:sldMk cId="393263840" sldId="278"/>
+            <ac:picMk id="12" creationId="{A24D9A98-73DF-9640-607A-DB3A70B265B1}"/>
+          </ac:picMkLst>
+        </pc:picChg>
+        <pc:picChg chg="add del mod">
+          <ac:chgData name="Esenwein Benjamin (inf20074)" userId="7720cf97-c6ae-4bac-a435-f995da81a4ba" providerId="ADAL" clId="{C010483D-60BC-418A-BCA3-6A1F85EBD2EA}" dt="2022-05-04T16:15:41.144" v="849" actId="478"/>
+          <ac:picMkLst>
+            <pc:docMk/>
+            <pc:sldMk cId="393263840" sldId="278"/>
+            <ac:picMk id="25" creationId="{375FC2CA-7E30-325B-152C-C4D80EB82B8E}"/>
+          </ac:picMkLst>
+        </pc:picChg>
+        <pc:picChg chg="del">
+          <ac:chgData name="Esenwein Benjamin (inf20074)" userId="7720cf97-c6ae-4bac-a435-f995da81a4ba" providerId="ADAL" clId="{C010483D-60BC-418A-BCA3-6A1F85EBD2EA}" dt="2022-05-04T16:11:40.651" v="817" actId="478"/>
+          <ac:picMkLst>
+            <pc:docMk/>
+            <pc:sldMk cId="393263840" sldId="278"/>
+            <ac:picMk id="26" creationId="{70CE5B13-DB37-4A40-861A-B13E092D1838}"/>
+          </ac:picMkLst>
+        </pc:picChg>
+        <pc:picChg chg="add del mod">
+          <ac:chgData name="Esenwein Benjamin (inf20074)" userId="7720cf97-c6ae-4bac-a435-f995da81a4ba" providerId="ADAL" clId="{C010483D-60BC-418A-BCA3-6A1F85EBD2EA}" dt="2022-05-04T16:02:06.040" v="815"/>
+          <ac:picMkLst>
+            <pc:docMk/>
+            <pc:sldMk cId="393263840" sldId="278"/>
+            <ac:picMk id="27" creationId="{2276C8BD-576E-F5E7-DE28-5FDCE62765D1}"/>
+          </ac:picMkLst>
+        </pc:picChg>
+        <pc:picChg chg="del">
+          <ac:chgData name="Esenwein Benjamin (inf20074)" userId="7720cf97-c6ae-4bac-a435-f995da81a4ba" providerId="ADAL" clId="{C010483D-60BC-418A-BCA3-6A1F85EBD2EA}" dt="2022-05-04T16:11:38.772" v="816" actId="478"/>
+          <ac:picMkLst>
+            <pc:docMk/>
+            <pc:sldMk cId="393263840" sldId="278"/>
+            <ac:picMk id="28" creationId="{CFFA21A8-69E6-48E9-8557-91ED33C9AB8A}"/>
+          </ac:picMkLst>
+        </pc:picChg>
+        <pc:picChg chg="add mod">
+          <ac:chgData name="Esenwein Benjamin (inf20074)" userId="7720cf97-c6ae-4bac-a435-f995da81a4ba" providerId="ADAL" clId="{C010483D-60BC-418A-BCA3-6A1F85EBD2EA}" dt="2022-05-06T08:13:03.435" v="931" actId="14826"/>
+          <ac:picMkLst>
+            <pc:docMk/>
+            <pc:sldMk cId="393263840" sldId="278"/>
+            <ac:picMk id="33" creationId="{DA851B9E-6190-9C64-D8AF-06F1BA75DF92}"/>
+          </ac:picMkLst>
+        </pc:picChg>
+        <pc:cxnChg chg="del mod">
+          <ac:chgData name="Esenwein Benjamin (inf20074)" userId="7720cf97-c6ae-4bac-a435-f995da81a4ba" providerId="ADAL" clId="{C010483D-60BC-418A-BCA3-6A1F85EBD2EA}" dt="2022-05-04T16:11:38.772" v="816" actId="478"/>
+          <ac:cxnSpMkLst>
+            <pc:docMk/>
+            <pc:sldMk cId="393263840" sldId="278"/>
+            <ac:cxnSpMk id="21" creationId="{15E7D1D0-E3E7-4A61-A076-3D40F9EAFB17}"/>
+          </ac:cxnSpMkLst>
+        </pc:cxnChg>
+        <pc:cxnChg chg="del">
+          <ac:chgData name="Esenwein Benjamin (inf20074)" userId="7720cf97-c6ae-4bac-a435-f995da81a4ba" providerId="ADAL" clId="{C010483D-60BC-418A-BCA3-6A1F85EBD2EA}" dt="2022-05-04T16:11:38.772" v="816" actId="478"/>
+          <ac:cxnSpMkLst>
+            <pc:docMk/>
+            <pc:sldMk cId="393263840" sldId="278"/>
+            <ac:cxnSpMk id="22" creationId="{62F8220F-80C6-4E72-B2C5-80FBA93C6E2A}"/>
+          </ac:cxnSpMkLst>
+        </pc:cxnChg>
+        <pc:cxnChg chg="del">
+          <ac:chgData name="Esenwein Benjamin (inf20074)" userId="7720cf97-c6ae-4bac-a435-f995da81a4ba" providerId="ADAL" clId="{C010483D-60BC-418A-BCA3-6A1F85EBD2EA}" dt="2022-05-04T16:11:38.772" v="816" actId="478"/>
+          <ac:cxnSpMkLst>
+            <pc:docMk/>
+            <pc:sldMk cId="393263840" sldId="278"/>
+            <ac:cxnSpMk id="23" creationId="{825BB289-1100-4EE1-9ACF-5EC5FF6DC2BF}"/>
+          </ac:cxnSpMkLst>
+        </pc:cxnChg>
+        <pc:cxnChg chg="del mod">
+          <ac:chgData name="Esenwein Benjamin (inf20074)" userId="7720cf97-c6ae-4bac-a435-f995da81a4ba" providerId="ADAL" clId="{C010483D-60BC-418A-BCA3-6A1F85EBD2EA}" dt="2022-05-04T16:11:38.772" v="816" actId="478"/>
+          <ac:cxnSpMkLst>
+            <pc:docMk/>
+            <pc:sldMk cId="393263840" sldId="278"/>
+            <ac:cxnSpMk id="29" creationId="{5B231BBF-39A8-D82F-BAFF-24260BAE1D73}"/>
+          </ac:cxnSpMkLst>
+        </pc:cxnChg>
+      </pc:sldChg>
+      <pc:sldChg chg="addSp delSp modSp add mod modAnim modNotesTx">
+        <pc:chgData name="Esenwein Benjamin (inf20074)" userId="7720cf97-c6ae-4bac-a435-f995da81a4ba" providerId="ADAL" clId="{C010483D-60BC-418A-BCA3-6A1F85EBD2EA}" dt="2022-05-09T13:21:51.542" v="9058"/>
+        <pc:sldMkLst>
+          <pc:docMk/>
+          <pc:sldMk cId="2648086358" sldId="279"/>
+        </pc:sldMkLst>
+        <pc:spChg chg="mod">
+          <ac:chgData name="Esenwein Benjamin (inf20074)" userId="7720cf97-c6ae-4bac-a435-f995da81a4ba" providerId="ADAL" clId="{C010483D-60BC-418A-BCA3-6A1F85EBD2EA}" dt="2022-05-06T08:06:19.762" v="902" actId="20577"/>
+          <ac:spMkLst>
+            <pc:docMk/>
+            <pc:sldMk cId="2648086358" sldId="279"/>
+            <ac:spMk id="2" creationId="{A0A64D99-EE90-4A04-BD26-4BA773F38F9F}"/>
+          </ac:spMkLst>
+        </pc:spChg>
+        <pc:spChg chg="del">
+          <ac:chgData name="Esenwein Benjamin (inf20074)" userId="7720cf97-c6ae-4bac-a435-f995da81a4ba" providerId="ADAL" clId="{C010483D-60BC-418A-BCA3-6A1F85EBD2EA}" dt="2022-05-06T08:05:41.977" v="863" actId="478"/>
+          <ac:spMkLst>
+            <pc:docMk/>
+            <pc:sldMk cId="2648086358" sldId="279"/>
+            <ac:spMk id="4" creationId="{715BBC7D-9FBF-4837-A895-6981C3B9692B}"/>
+          </ac:spMkLst>
+        </pc:spChg>
+        <pc:spChg chg="add del mod">
+          <ac:chgData name="Esenwein Benjamin (inf20074)" userId="7720cf97-c6ae-4bac-a435-f995da81a4ba" providerId="ADAL" clId="{C010483D-60BC-418A-BCA3-6A1F85EBD2EA}" dt="2022-05-06T08:05:44.858" v="864" actId="478"/>
+          <ac:spMkLst>
+            <pc:docMk/>
+            <pc:sldMk cId="2648086358" sldId="279"/>
+            <ac:spMk id="6" creationId="{380465A8-D6AF-6F4C-5DB6-6982751A41DD}"/>
+          </ac:spMkLst>
+        </pc:spChg>
+        <pc:spChg chg="del">
+          <ac:chgData name="Esenwein Benjamin (inf20074)" userId="7720cf97-c6ae-4bac-a435-f995da81a4ba" providerId="ADAL" clId="{C010483D-60BC-418A-BCA3-6A1F85EBD2EA}" dt="2022-05-06T09:21:27.688" v="1718" actId="478"/>
+          <ac:spMkLst>
+            <pc:docMk/>
+            <pc:sldMk cId="2648086358" sldId="279"/>
+            <ac:spMk id="9" creationId="{8D690BA4-A659-42B1-8FD6-E6020B72838E}"/>
+          </ac:spMkLst>
+        </pc:spChg>
+        <pc:spChg chg="del">
+          <ac:chgData name="Esenwein Benjamin (inf20074)" userId="7720cf97-c6ae-4bac-a435-f995da81a4ba" providerId="ADAL" clId="{C010483D-60BC-418A-BCA3-6A1F85EBD2EA}" dt="2022-05-06T09:21:27.688" v="1718" actId="478"/>
+          <ac:spMkLst>
+            <pc:docMk/>
+            <pc:sldMk cId="2648086358" sldId="279"/>
+            <ac:spMk id="11" creationId="{F5164AF3-C6B2-4BEF-B378-BD3DA4E9ED17}"/>
+          </ac:spMkLst>
+        </pc:spChg>
+        <pc:spChg chg="del">
+          <ac:chgData name="Esenwein Benjamin (inf20074)" userId="7720cf97-c6ae-4bac-a435-f995da81a4ba" providerId="ADAL" clId="{C010483D-60BC-418A-BCA3-6A1F85EBD2EA}" dt="2022-05-06T09:21:27.688" v="1718" actId="478"/>
+          <ac:spMkLst>
+            <pc:docMk/>
+            <pc:sldMk cId="2648086358" sldId="279"/>
+            <ac:spMk id="12" creationId="{35436D9A-BF09-486E-ACF5-9949DDBF1CE8}"/>
+          </ac:spMkLst>
+        </pc:spChg>
+        <pc:spChg chg="del">
+          <ac:chgData name="Esenwein Benjamin (inf20074)" userId="7720cf97-c6ae-4bac-a435-f995da81a4ba" providerId="ADAL" clId="{C010483D-60BC-418A-BCA3-6A1F85EBD2EA}" dt="2022-05-06T09:21:27.688" v="1718" actId="478"/>
+          <ac:spMkLst>
+            <pc:docMk/>
+            <pc:sldMk cId="2648086358" sldId="279"/>
+            <ac:spMk id="13" creationId="{C5AFFF4A-B4E2-406A-85AC-113D32FC1F06}"/>
+          </ac:spMkLst>
+        </pc:spChg>
+        <pc:spChg chg="del">
+          <ac:chgData name="Esenwein Benjamin (inf20074)" userId="7720cf97-c6ae-4bac-a435-f995da81a4ba" providerId="ADAL" clId="{C010483D-60BC-418A-BCA3-6A1F85EBD2EA}" dt="2022-05-06T09:21:27.688" v="1718" actId="478"/>
+          <ac:spMkLst>
+            <pc:docMk/>
+            <pc:sldMk cId="2648086358" sldId="279"/>
+            <ac:spMk id="14" creationId="{649358AC-9FA9-4204-9584-3E3C202353FF}"/>
+          </ac:spMkLst>
+        </pc:spChg>
+        <pc:spChg chg="add mod">
+          <ac:chgData name="Esenwein Benjamin (inf20074)" userId="7720cf97-c6ae-4bac-a435-f995da81a4ba" providerId="ADAL" clId="{C010483D-60BC-418A-BCA3-6A1F85EBD2EA}" dt="2022-05-09T13:12:54.501" v="8992"/>
+          <ac:spMkLst>
+            <pc:docMk/>
+            <pc:sldMk cId="2648086358" sldId="279"/>
+            <ac:spMk id="14" creationId="{66E6F976-359F-9ECE-CE53-A1E1DDD369BD}"/>
+          </ac:spMkLst>
+        </pc:spChg>
+        <pc:spChg chg="del">
+          <ac:chgData name="Esenwein Benjamin (inf20074)" userId="7720cf97-c6ae-4bac-a435-f995da81a4ba" providerId="ADAL" clId="{C010483D-60BC-418A-BCA3-6A1F85EBD2EA}" dt="2022-05-06T09:21:27.688" v="1718" actId="478"/>
+          <ac:spMkLst>
+            <pc:docMk/>
+            <pc:sldMk cId="2648086358" sldId="279"/>
+            <ac:spMk id="15" creationId="{6C5E2977-923D-465F-B12A-725EC970800C}"/>
+          </ac:spMkLst>
+        </pc:spChg>
+        <pc:spChg chg="del">
+          <ac:chgData name="Esenwein Benjamin (inf20074)" userId="7720cf97-c6ae-4bac-a435-f995da81a4ba" providerId="ADAL" clId="{C010483D-60BC-418A-BCA3-6A1F85EBD2EA}" dt="2022-05-06T09:21:27.688" v="1718" actId="478"/>
+          <ac:spMkLst>
+            <pc:docMk/>
+            <pc:sldMk cId="2648086358" sldId="279"/>
+            <ac:spMk id="16" creationId="{33FFEEB0-D889-4A73-B5AC-08DA523D1CC0}"/>
+          </ac:spMkLst>
+        </pc:spChg>
+        <pc:spChg chg="del">
+          <ac:chgData name="Esenwein Benjamin (inf20074)" userId="7720cf97-c6ae-4bac-a435-f995da81a4ba" providerId="ADAL" clId="{C010483D-60BC-418A-BCA3-6A1F85EBD2EA}" dt="2022-05-06T09:21:27.688" v="1718" actId="478"/>
+          <ac:spMkLst>
+            <pc:docMk/>
+            <pc:sldMk cId="2648086358" sldId="279"/>
+            <ac:spMk id="17" creationId="{C50C0AC1-851B-433F-B965-6C77E7F63904}"/>
+          </ac:spMkLst>
+        </pc:spChg>
+        <pc:spChg chg="del">
+          <ac:chgData name="Esenwein Benjamin (inf20074)" userId="7720cf97-c6ae-4bac-a435-f995da81a4ba" providerId="ADAL" clId="{C010483D-60BC-418A-BCA3-6A1F85EBD2EA}" dt="2022-05-06T09:21:27.688" v="1718" actId="478"/>
+          <ac:spMkLst>
+            <pc:docMk/>
+            <pc:sldMk cId="2648086358" sldId="279"/>
+            <ac:spMk id="18" creationId="{EBC11378-34FA-4165-825A-AD6ADF1E4845}"/>
+          </ac:spMkLst>
+        </pc:spChg>
+        <pc:spChg chg="add mod">
+          <ac:chgData name="Esenwein Benjamin (inf20074)" userId="7720cf97-c6ae-4bac-a435-f995da81a4ba" providerId="ADAL" clId="{C010483D-60BC-418A-BCA3-6A1F85EBD2EA}" dt="2022-05-06T08:05:45.275" v="865"/>
+          <ac:spMkLst>
+            <pc:docMk/>
+            <pc:sldMk cId="2648086358" sldId="279"/>
+            <ac:spMk id="20" creationId="{1E5A665E-6A79-0FE8-81E5-D5ADB4243333}"/>
+          </ac:spMkLst>
+        </pc:spChg>
+        <pc:graphicFrameChg chg="del">
+          <ac:chgData name="Esenwein Benjamin (inf20074)" userId="7720cf97-c6ae-4bac-a435-f995da81a4ba" providerId="ADAL" clId="{C010483D-60BC-418A-BCA3-6A1F85EBD2EA}" dt="2022-05-06T08:05:41.977" v="863" actId="478"/>
+          <ac:graphicFrameMkLst>
+            <pc:docMk/>
+            <pc:sldMk cId="2648086358" sldId="279"/>
+            <ac:graphicFrameMk id="7" creationId="{8F3C9722-F46A-4C89-8618-92AE70556025}"/>
+          </ac:graphicFrameMkLst>
+        </pc:graphicFrameChg>
+        <pc:picChg chg="add mod">
+          <ac:chgData name="Esenwein Benjamin (inf20074)" userId="7720cf97-c6ae-4bac-a435-f995da81a4ba" providerId="ADAL" clId="{C010483D-60BC-418A-BCA3-6A1F85EBD2EA}" dt="2022-05-06T08:05:45.275" v="865"/>
+          <ac:picMkLst>
+            <pc:docMk/>
+            <pc:sldMk cId="2648086358" sldId="279"/>
+            <ac:picMk id="21" creationId="{6EBC86AA-642A-7916-1017-2E4000B926E7}"/>
+          </ac:picMkLst>
+        </pc:picChg>
+        <pc:picChg chg="add mod">
+          <ac:chgData name="Esenwein Benjamin (inf20074)" userId="7720cf97-c6ae-4bac-a435-f995da81a4ba" providerId="ADAL" clId="{C010483D-60BC-418A-BCA3-6A1F85EBD2EA}" dt="2022-05-06T08:05:45.275" v="865"/>
+          <ac:picMkLst>
+            <pc:docMk/>
+            <pc:sldMk cId="2648086358" sldId="279"/>
+            <ac:picMk id="22" creationId="{EB382922-2A0D-ADB1-CF8F-CF72337B4EEE}"/>
+          </ac:picMkLst>
+        </pc:picChg>
+        <pc:picChg chg="add mod">
+          <ac:chgData name="Esenwein Benjamin (inf20074)" userId="7720cf97-c6ae-4bac-a435-f995da81a4ba" providerId="ADAL" clId="{C010483D-60BC-418A-BCA3-6A1F85EBD2EA}" dt="2022-05-06T08:05:45.275" v="865"/>
+          <ac:picMkLst>
+            <pc:docMk/>
+            <pc:sldMk cId="2648086358" sldId="279"/>
+            <ac:picMk id="23" creationId="{835D5A61-A1CF-D563-E474-99AD9FAA0162}"/>
+          </ac:picMkLst>
+        </pc:picChg>
+        <pc:picChg chg="add mod">
+          <ac:chgData name="Esenwein Benjamin (inf20074)" userId="7720cf97-c6ae-4bac-a435-f995da81a4ba" providerId="ADAL" clId="{C010483D-60BC-418A-BCA3-6A1F85EBD2EA}" dt="2022-05-06T08:05:45.275" v="865"/>
+          <ac:picMkLst>
+            <pc:docMk/>
+            <pc:sldMk cId="2648086358" sldId="279"/>
+            <ac:picMk id="24" creationId="{D2EE299F-FF3C-FD1C-4D8B-3CDCA40D05DD}"/>
+          </ac:picMkLst>
+        </pc:picChg>
+        <pc:cxnChg chg="add mod">
+          <ac:chgData name="Esenwein Benjamin (inf20074)" userId="7720cf97-c6ae-4bac-a435-f995da81a4ba" providerId="ADAL" clId="{C010483D-60BC-418A-BCA3-6A1F85EBD2EA}" dt="2022-05-06T08:05:45.275" v="865"/>
+          <ac:cxnSpMkLst>
+            <pc:docMk/>
+            <pc:sldMk cId="2648086358" sldId="279"/>
+            <ac:cxnSpMk id="25" creationId="{C25DCC90-51C2-E254-DF2C-F3DD177C69EB}"/>
+          </ac:cxnSpMkLst>
+        </pc:cxnChg>
+        <pc:cxnChg chg="add mod">
+          <ac:chgData name="Esenwein Benjamin (inf20074)" userId="7720cf97-c6ae-4bac-a435-f995da81a4ba" providerId="ADAL" clId="{C010483D-60BC-418A-BCA3-6A1F85EBD2EA}" dt="2022-05-06T08:05:45.275" v="865"/>
+          <ac:cxnSpMkLst>
+            <pc:docMk/>
+            <pc:sldMk cId="2648086358" sldId="279"/>
+            <ac:cxnSpMk id="26" creationId="{A0BF6BF8-0B18-3DA8-2255-95FDB8276851}"/>
+          </ac:cxnSpMkLst>
+        </pc:cxnChg>
+        <pc:cxnChg chg="add mod">
+          <ac:chgData name="Esenwein Benjamin (inf20074)" userId="7720cf97-c6ae-4bac-a435-f995da81a4ba" providerId="ADAL" clId="{C010483D-60BC-418A-BCA3-6A1F85EBD2EA}" dt="2022-05-06T08:05:45.275" v="865"/>
+          <ac:cxnSpMkLst>
+            <pc:docMk/>
+            <pc:sldMk cId="2648086358" sldId="279"/>
+            <ac:cxnSpMk id="27" creationId="{3C9B35DB-6C36-9ACD-4B56-063A91560C9D}"/>
+          </ac:cxnSpMkLst>
+        </pc:cxnChg>
+      </pc:sldChg>
+      <pc:sldChg chg="addSp delSp modSp add mod modNotesTx">
+        <pc:chgData name="Esenwein Benjamin (inf20074)" userId="7720cf97-c6ae-4bac-a435-f995da81a4ba" providerId="ADAL" clId="{C010483D-60BC-418A-BCA3-6A1F85EBD2EA}" dt="2022-05-09T13:12:56.531" v="8994"/>
+        <pc:sldMkLst>
+          <pc:docMk/>
+          <pc:sldMk cId="614259539" sldId="280"/>
+        </pc:sldMkLst>
+        <pc:spChg chg="del">
+          <ac:chgData name="Esenwein Benjamin (inf20074)" userId="7720cf97-c6ae-4bac-a435-f995da81a4ba" providerId="ADAL" clId="{C010483D-60BC-418A-BCA3-6A1F85EBD2EA}" dt="2022-05-06T08:29:12.175" v="934" actId="478"/>
+          <ac:spMkLst>
+            <pc:docMk/>
+            <pc:sldMk cId="614259539" sldId="280"/>
+            <ac:spMk id="6" creationId="{141B0027-A499-739B-82A9-A5793A19A18F}"/>
+          </ac:spMkLst>
+        </pc:spChg>
+        <pc:spChg chg="add mod">
+          <ac:chgData name="Esenwein Benjamin (inf20074)" userId="7720cf97-c6ae-4bac-a435-f995da81a4ba" providerId="ADAL" clId="{C010483D-60BC-418A-BCA3-6A1F85EBD2EA}" dt="2022-05-09T13:12:56.531" v="8994"/>
+          <ac:spMkLst>
+            <pc:docMk/>
+            <pc:sldMk cId="614259539" sldId="280"/>
+            <ac:spMk id="8" creationId="{15E8FB8A-84A4-84A9-2DB7-AD4922201AFF}"/>
+          </ac:spMkLst>
+        </pc:spChg>
+        <pc:spChg chg="del">
+          <ac:chgData name="Esenwein Benjamin (inf20074)" userId="7720cf97-c6ae-4bac-a435-f995da81a4ba" providerId="ADAL" clId="{C010483D-60BC-418A-BCA3-6A1F85EBD2EA}" dt="2022-05-06T09:21:38.006" v="1720" actId="478"/>
+          <ac:spMkLst>
+            <pc:docMk/>
+            <pc:sldMk cId="614259539" sldId="280"/>
+            <ac:spMk id="8" creationId="{5B764A9E-1860-4FBF-82A5-AEB3615DCD65}"/>
+          </ac:spMkLst>
+        </pc:spChg>
+        <pc:spChg chg="del">
+          <ac:chgData name="Esenwein Benjamin (inf20074)" userId="7720cf97-c6ae-4bac-a435-f995da81a4ba" providerId="ADAL" clId="{C010483D-60BC-418A-BCA3-6A1F85EBD2EA}" dt="2022-05-06T09:21:38.006" v="1720" actId="478"/>
+          <ac:spMkLst>
+            <pc:docMk/>
+            <pc:sldMk cId="614259539" sldId="280"/>
+            <ac:spMk id="10" creationId="{CD099C78-05A7-4EFB-82BF-A6FD90D072D6}"/>
+          </ac:spMkLst>
+        </pc:spChg>
+        <pc:spChg chg="del">
+          <ac:chgData name="Esenwein Benjamin (inf20074)" userId="7720cf97-c6ae-4bac-a435-f995da81a4ba" providerId="ADAL" clId="{C010483D-60BC-418A-BCA3-6A1F85EBD2EA}" dt="2022-05-06T09:21:38.006" v="1720" actId="478"/>
+          <ac:spMkLst>
+            <pc:docMk/>
+            <pc:sldMk cId="614259539" sldId="280"/>
+            <ac:spMk id="11" creationId="{7F7B855E-308E-4C8C-A8AE-AAE79BAAC72C}"/>
+          </ac:spMkLst>
+        </pc:spChg>
+        <pc:spChg chg="del">
+          <ac:chgData name="Esenwein Benjamin (inf20074)" userId="7720cf97-c6ae-4bac-a435-f995da81a4ba" providerId="ADAL" clId="{C010483D-60BC-418A-BCA3-6A1F85EBD2EA}" dt="2022-05-06T09:21:38.006" v="1720" actId="478"/>
+          <ac:spMkLst>
+            <pc:docMk/>
+            <pc:sldMk cId="614259539" sldId="280"/>
+            <ac:spMk id="13" creationId="{1EB5949F-77BF-4A2C-8224-50FACB1A6AC6}"/>
+          </ac:spMkLst>
+        </pc:spChg>
+        <pc:spChg chg="del">
+          <ac:chgData name="Esenwein Benjamin (inf20074)" userId="7720cf97-c6ae-4bac-a435-f995da81a4ba" providerId="ADAL" clId="{C010483D-60BC-418A-BCA3-6A1F85EBD2EA}" dt="2022-05-06T09:21:38.006" v="1720" actId="478"/>
+          <ac:spMkLst>
+            <pc:docMk/>
+            <pc:sldMk cId="614259539" sldId="280"/>
+            <ac:spMk id="14" creationId="{8C6FBB95-9612-4C9E-803E-D7C034AE8133}"/>
+          </ac:spMkLst>
+        </pc:spChg>
+        <pc:spChg chg="del">
+          <ac:chgData name="Esenwein Benjamin (inf20074)" userId="7720cf97-c6ae-4bac-a435-f995da81a4ba" providerId="ADAL" clId="{C010483D-60BC-418A-BCA3-6A1F85EBD2EA}" dt="2022-05-06T09:21:38.006" v="1720" actId="478"/>
+          <ac:spMkLst>
+            <pc:docMk/>
+            <pc:sldMk cId="614259539" sldId="280"/>
+            <ac:spMk id="15" creationId="{B11C4652-3554-4227-A056-000CBC867DB1}"/>
+          </ac:spMkLst>
+        </pc:spChg>
+        <pc:spChg chg="del">
+          <ac:chgData name="Esenwein Benjamin (inf20074)" userId="7720cf97-c6ae-4bac-a435-f995da81a4ba" providerId="ADAL" clId="{C010483D-60BC-418A-BCA3-6A1F85EBD2EA}" dt="2022-05-06T09:21:38.006" v="1720" actId="478"/>
+          <ac:spMkLst>
+            <pc:docMk/>
+            <pc:sldMk cId="614259539" sldId="280"/>
+            <ac:spMk id="16" creationId="{7376AA6A-6198-41B8-9A31-B74F35A58511}"/>
+          </ac:spMkLst>
+        </pc:spChg>
+        <pc:spChg chg="del">
+          <ac:chgData name="Esenwein Benjamin (inf20074)" userId="7720cf97-c6ae-4bac-a435-f995da81a4ba" providerId="ADAL" clId="{C010483D-60BC-418A-BCA3-6A1F85EBD2EA}" dt="2022-05-06T08:29:12.175" v="934" actId="478"/>
+          <ac:spMkLst>
+            <pc:docMk/>
+            <pc:sldMk cId="614259539" sldId="280"/>
+            <ac:spMk id="18" creationId="{14FCC5EB-6E84-40F7-85F9-89A7EB345E16}"/>
+          </ac:spMkLst>
+        </pc:spChg>
+        <pc:spChg chg="del">
+          <ac:chgData name="Esenwein Benjamin (inf20074)" userId="7720cf97-c6ae-4bac-a435-f995da81a4ba" providerId="ADAL" clId="{C010483D-60BC-418A-BCA3-6A1F85EBD2EA}" dt="2022-05-06T08:29:12.175" v="934" actId="478"/>
+          <ac:spMkLst>
+            <pc:docMk/>
+            <pc:sldMk cId="614259539" sldId="280"/>
+            <ac:spMk id="19" creationId="{C8EC3EB2-8074-411E-8567-FBACDD10A994}"/>
+          </ac:spMkLst>
+        </pc:spChg>
+        <pc:spChg chg="del">
+          <ac:chgData name="Esenwein Benjamin (inf20074)" userId="7720cf97-c6ae-4bac-a435-f995da81a4ba" providerId="ADAL" clId="{C010483D-60BC-418A-BCA3-6A1F85EBD2EA}" dt="2022-05-06T08:29:12.175" v="934" actId="478"/>
+          <ac:spMkLst>
+            <pc:docMk/>
+            <pc:sldMk cId="614259539" sldId="280"/>
+            <ac:spMk id="20" creationId="{9748CD91-246F-4AAF-BF57-A355114465F5}"/>
+          </ac:spMkLst>
+        </pc:spChg>
+        <pc:spChg chg="del">
+          <ac:chgData name="Esenwein Benjamin (inf20074)" userId="7720cf97-c6ae-4bac-a435-f995da81a4ba" providerId="ADAL" clId="{C010483D-60BC-418A-BCA3-6A1F85EBD2EA}" dt="2022-05-06T08:29:12.175" v="934" actId="478"/>
+          <ac:spMkLst>
+            <pc:docMk/>
+            <pc:sldMk cId="614259539" sldId="280"/>
+            <ac:spMk id="32" creationId="{49882013-076F-ED97-E8AA-AE7AC7914239}"/>
+          </ac:spMkLst>
+        </pc:spChg>
+        <pc:spChg chg="del">
+          <ac:chgData name="Esenwein Benjamin (inf20074)" userId="7720cf97-c6ae-4bac-a435-f995da81a4ba" providerId="ADAL" clId="{C010483D-60BC-418A-BCA3-6A1F85EBD2EA}" dt="2022-05-06T08:29:12.175" v="934" actId="478"/>
+          <ac:spMkLst>
+            <pc:docMk/>
+            <pc:sldMk cId="614259539" sldId="280"/>
+            <ac:spMk id="35" creationId="{BCA55338-11FD-F365-4FD5-B2C7E63DD38A}"/>
+          </ac:spMkLst>
+        </pc:spChg>
+        <pc:spChg chg="del">
+          <ac:chgData name="Esenwein Benjamin (inf20074)" userId="7720cf97-c6ae-4bac-a435-f995da81a4ba" providerId="ADAL" clId="{C010483D-60BC-418A-BCA3-6A1F85EBD2EA}" dt="2022-05-06T08:29:12.175" v="934" actId="478"/>
+          <ac:spMkLst>
+            <pc:docMk/>
+            <pc:sldMk cId="614259539" sldId="280"/>
+            <ac:spMk id="36" creationId="{9D806C20-7BEB-5BD9-C612-91F3D7CEBD8A}"/>
+          </ac:spMkLst>
+        </pc:spChg>
+        <pc:picChg chg="add mod">
+          <ac:chgData name="Esenwein Benjamin (inf20074)" userId="7720cf97-c6ae-4bac-a435-f995da81a4ba" providerId="ADAL" clId="{C010483D-60BC-418A-BCA3-6A1F85EBD2EA}" dt="2022-05-06T08:29:25.858" v="941" actId="1076"/>
+          <ac:picMkLst>
+            <pc:docMk/>
+            <pc:sldMk cId="614259539" sldId="280"/>
+            <ac:picMk id="5" creationId="{511A81EF-85CD-0B4E-8FAF-5920536E5CAF}"/>
+          </ac:picMkLst>
+        </pc:picChg>
+        <pc:picChg chg="del">
+          <ac:chgData name="Esenwein Benjamin (inf20074)" userId="7720cf97-c6ae-4bac-a435-f995da81a4ba" providerId="ADAL" clId="{C010483D-60BC-418A-BCA3-6A1F85EBD2EA}" dt="2022-05-06T08:29:12.175" v="934" actId="478"/>
+          <ac:picMkLst>
+            <pc:docMk/>
+            <pc:sldMk cId="614259539" sldId="280"/>
+            <ac:picMk id="9" creationId="{1B52F9BE-19CF-4E19-8409-44D0A9AC220C}"/>
+          </ac:picMkLst>
+        </pc:picChg>
+        <pc:picChg chg="del">
+          <ac:chgData name="Esenwein Benjamin (inf20074)" userId="7720cf97-c6ae-4bac-a435-f995da81a4ba" providerId="ADAL" clId="{C010483D-60BC-418A-BCA3-6A1F85EBD2EA}" dt="2022-05-06T08:29:13.599" v="935" actId="478"/>
+          <ac:picMkLst>
+            <pc:docMk/>
+            <pc:sldMk cId="614259539" sldId="280"/>
+            <ac:picMk id="26" creationId="{70CE5B13-DB37-4A40-861A-B13E092D1838}"/>
+          </ac:picMkLst>
+        </pc:picChg>
+        <pc:picChg chg="del">
+          <ac:chgData name="Esenwein Benjamin (inf20074)" userId="7720cf97-c6ae-4bac-a435-f995da81a4ba" providerId="ADAL" clId="{C010483D-60BC-418A-BCA3-6A1F85EBD2EA}" dt="2022-05-06T08:29:12.175" v="934" actId="478"/>
+          <ac:picMkLst>
+            <pc:docMk/>
+            <pc:sldMk cId="614259539" sldId="280"/>
+            <ac:picMk id="28" creationId="{CFFA21A8-69E6-48E9-8557-91ED33C9AB8A}"/>
+          </ac:picMkLst>
+        </pc:picChg>
+        <pc:cxnChg chg="del mod">
+          <ac:chgData name="Esenwein Benjamin (inf20074)" userId="7720cf97-c6ae-4bac-a435-f995da81a4ba" providerId="ADAL" clId="{C010483D-60BC-418A-BCA3-6A1F85EBD2EA}" dt="2022-05-06T08:29:12.175" v="934" actId="478"/>
+          <ac:cxnSpMkLst>
+            <pc:docMk/>
+            <pc:sldMk cId="614259539" sldId="280"/>
+            <ac:cxnSpMk id="21" creationId="{15E7D1D0-E3E7-4A61-A076-3D40F9EAFB17}"/>
+          </ac:cxnSpMkLst>
+        </pc:cxnChg>
+        <pc:cxnChg chg="del">
+          <ac:chgData name="Esenwein Benjamin (inf20074)" userId="7720cf97-c6ae-4bac-a435-f995da81a4ba" providerId="ADAL" clId="{C010483D-60BC-418A-BCA3-6A1F85EBD2EA}" dt="2022-05-06T08:29:12.175" v="934" actId="478"/>
+          <ac:cxnSpMkLst>
+            <pc:docMk/>
+            <pc:sldMk cId="614259539" sldId="280"/>
+            <ac:cxnSpMk id="22" creationId="{62F8220F-80C6-4E72-B2C5-80FBA93C6E2A}"/>
+          </ac:cxnSpMkLst>
+        </pc:cxnChg>
+        <pc:cxnChg chg="del">
+          <ac:chgData name="Esenwein Benjamin (inf20074)" userId="7720cf97-c6ae-4bac-a435-f995da81a4ba" providerId="ADAL" clId="{C010483D-60BC-418A-BCA3-6A1F85EBD2EA}" dt="2022-05-06T08:29:12.175" v="934" actId="478"/>
+          <ac:cxnSpMkLst>
+            <pc:docMk/>
+            <pc:sldMk cId="614259539" sldId="280"/>
+            <ac:cxnSpMk id="23" creationId="{825BB289-1100-4EE1-9ACF-5EC5FF6DC2BF}"/>
+          </ac:cxnSpMkLst>
+        </pc:cxnChg>
+        <pc:cxnChg chg="del mod">
+          <ac:chgData name="Esenwein Benjamin (inf20074)" userId="7720cf97-c6ae-4bac-a435-f995da81a4ba" providerId="ADAL" clId="{C010483D-60BC-418A-BCA3-6A1F85EBD2EA}" dt="2022-05-06T08:29:12.175" v="934" actId="478"/>
+          <ac:cxnSpMkLst>
+            <pc:docMk/>
+            <pc:sldMk cId="614259539" sldId="280"/>
+            <ac:cxnSpMk id="29" creationId="{5B231BBF-39A8-D82F-BAFF-24260BAE1D73}"/>
+          </ac:cxnSpMkLst>
+        </pc:cxnChg>
+      </pc:sldChg>
+      <pc:sldChg chg="addSp delSp modSp add mod modNotesTx">
+        <pc:chgData name="Esenwein Benjamin (inf20074)" userId="7720cf97-c6ae-4bac-a435-f995da81a4ba" providerId="ADAL" clId="{C010483D-60BC-418A-BCA3-6A1F85EBD2EA}" dt="2022-05-09T13:12:58.542" v="8996"/>
+        <pc:sldMkLst>
+          <pc:docMk/>
+          <pc:sldMk cId="1574959243" sldId="281"/>
+        </pc:sldMkLst>
+        <pc:spChg chg="add mod">
+          <ac:chgData name="Esenwein Benjamin (inf20074)" userId="7720cf97-c6ae-4bac-a435-f995da81a4ba" providerId="ADAL" clId="{C010483D-60BC-418A-BCA3-6A1F85EBD2EA}" dt="2022-05-06T09:34:13.693" v="2085" actId="20577"/>
+          <ac:spMkLst>
+            <pc:docMk/>
+            <pc:sldMk cId="1574959243" sldId="281"/>
+            <ac:spMk id="6" creationId="{D0009224-A145-AC54-2B1B-7342FC63B30A}"/>
+          </ac:spMkLst>
+        </pc:spChg>
+        <pc:spChg chg="del">
+          <ac:chgData name="Esenwein Benjamin (inf20074)" userId="7720cf97-c6ae-4bac-a435-f995da81a4ba" providerId="ADAL" clId="{C010483D-60BC-418A-BCA3-6A1F85EBD2EA}" dt="2022-05-06T09:21:47.171" v="1722" actId="478"/>
+          <ac:spMkLst>
+            <pc:docMk/>
+            <pc:sldMk cId="1574959243" sldId="281"/>
+            <ac:spMk id="8" creationId="{5B764A9E-1860-4FBF-82A5-AEB3615DCD65}"/>
+          </ac:spMkLst>
+        </pc:spChg>
+        <pc:spChg chg="add mod">
+          <ac:chgData name="Esenwein Benjamin (inf20074)" userId="7720cf97-c6ae-4bac-a435-f995da81a4ba" providerId="ADAL" clId="{C010483D-60BC-418A-BCA3-6A1F85EBD2EA}" dt="2022-05-09T13:12:58.542" v="8996"/>
+          <ac:spMkLst>
+            <pc:docMk/>
+            <pc:sldMk cId="1574959243" sldId="281"/>
+            <ac:spMk id="8" creationId="{AE57E93B-166D-6902-DFEF-7EE9261644A3}"/>
+          </ac:spMkLst>
+        </pc:spChg>
+        <pc:spChg chg="del">
+          <ac:chgData name="Esenwein Benjamin (inf20074)" userId="7720cf97-c6ae-4bac-a435-f995da81a4ba" providerId="ADAL" clId="{C010483D-60BC-418A-BCA3-6A1F85EBD2EA}" dt="2022-05-06T09:21:47.171" v="1722" actId="478"/>
+          <ac:spMkLst>
+            <pc:docMk/>
+            <pc:sldMk cId="1574959243" sldId="281"/>
+            <ac:spMk id="10" creationId="{CD099C78-05A7-4EFB-82BF-A6FD90D072D6}"/>
+          </ac:spMkLst>
+        </pc:spChg>
+        <pc:spChg chg="del">
+          <ac:chgData name="Esenwein Benjamin (inf20074)" userId="7720cf97-c6ae-4bac-a435-f995da81a4ba" providerId="ADAL" clId="{C010483D-60BC-418A-BCA3-6A1F85EBD2EA}" dt="2022-05-06T09:21:47.171" v="1722" actId="478"/>
+          <ac:spMkLst>
+            <pc:docMk/>
+            <pc:sldMk cId="1574959243" sldId="281"/>
+            <ac:spMk id="11" creationId="{7F7B855E-308E-4C8C-A8AE-AAE79BAAC72C}"/>
+          </ac:spMkLst>
+        </pc:spChg>
+        <pc:spChg chg="del">
+          <ac:chgData name="Esenwein Benjamin (inf20074)" userId="7720cf97-c6ae-4bac-a435-f995da81a4ba" providerId="ADAL" clId="{C010483D-60BC-418A-BCA3-6A1F85EBD2EA}" dt="2022-05-06T09:21:47.171" v="1722" actId="478"/>
+          <ac:spMkLst>
+            <pc:docMk/>
+            <pc:sldMk cId="1574959243" sldId="281"/>
+            <ac:spMk id="13" creationId="{1EB5949F-77BF-4A2C-8224-50FACB1A6AC6}"/>
+          </ac:spMkLst>
+        </pc:spChg>
+        <pc:spChg chg="del">
+          <ac:chgData name="Esenwein Benjamin (inf20074)" userId="7720cf97-c6ae-4bac-a435-f995da81a4ba" providerId="ADAL" clId="{C010483D-60BC-418A-BCA3-6A1F85EBD2EA}" dt="2022-05-06T09:21:47.171" v="1722" actId="478"/>
+          <ac:spMkLst>
+            <pc:docMk/>
+            <pc:sldMk cId="1574959243" sldId="281"/>
+            <ac:spMk id="14" creationId="{8C6FBB95-9612-4C9E-803E-D7C034AE8133}"/>
+          </ac:spMkLst>
+        </pc:spChg>
+        <pc:spChg chg="del">
+          <ac:chgData name="Esenwein Benjamin (inf20074)" userId="7720cf97-c6ae-4bac-a435-f995da81a4ba" providerId="ADAL" clId="{C010483D-60BC-418A-BCA3-6A1F85EBD2EA}" dt="2022-05-06T09:21:47.171" v="1722" actId="478"/>
+          <ac:spMkLst>
+            <pc:docMk/>
+            <pc:sldMk cId="1574959243" sldId="281"/>
+            <ac:spMk id="15" creationId="{B11C4652-3554-4227-A056-000CBC867DB1}"/>
+          </ac:spMkLst>
+        </pc:spChg>
+        <pc:spChg chg="del">
+          <ac:chgData name="Esenwein Benjamin (inf20074)" userId="7720cf97-c6ae-4bac-a435-f995da81a4ba" providerId="ADAL" clId="{C010483D-60BC-418A-BCA3-6A1F85EBD2EA}" dt="2022-05-06T09:21:47.171" v="1722" actId="478"/>
+          <ac:spMkLst>
+            <pc:docMk/>
+            <pc:sldMk cId="1574959243" sldId="281"/>
+            <ac:spMk id="16" creationId="{7376AA6A-6198-41B8-9A31-B74F35A58511}"/>
+          </ac:spMkLst>
+        </pc:spChg>
+        <pc:spChg chg="mod">
+          <ac:chgData name="Esenwein Benjamin (inf20074)" userId="7720cf97-c6ae-4bac-a435-f995da81a4ba" providerId="ADAL" clId="{C010483D-60BC-418A-BCA3-6A1F85EBD2EA}" dt="2022-05-06T09:41:13.071" v="2089" actId="20577"/>
+          <ac:spMkLst>
+            <pc:docMk/>
+            <pc:sldMk cId="1574959243" sldId="281"/>
+            <ac:spMk id="17" creationId="{60A174DC-6910-4C61-83ED-35D3EE9EE679}"/>
+          </ac:spMkLst>
+        </pc:spChg>
+        <pc:picChg chg="add mod">
+          <ac:chgData name="Esenwein Benjamin (inf20074)" userId="7720cf97-c6ae-4bac-a435-f995da81a4ba" providerId="ADAL" clId="{C010483D-60BC-418A-BCA3-6A1F85EBD2EA}" dt="2022-05-06T08:50:11.245" v="947" actId="1076"/>
+          <ac:picMkLst>
+            <pc:docMk/>
+            <pc:sldMk cId="1574959243" sldId="281"/>
+            <ac:picMk id="5" creationId="{E2BCD433-5A19-D853-B58F-0DFB157AA6B6}"/>
+          </ac:picMkLst>
+        </pc:picChg>
+        <pc:picChg chg="del">
+          <ac:chgData name="Esenwein Benjamin (inf20074)" userId="7720cf97-c6ae-4bac-a435-f995da81a4ba" providerId="ADAL" clId="{C010483D-60BC-418A-BCA3-6A1F85EBD2EA}" dt="2022-05-06T08:49:54.184" v="943" actId="478"/>
+          <ac:picMkLst>
+            <pc:docMk/>
+            <pc:sldMk cId="1574959243" sldId="281"/>
+            <ac:picMk id="33" creationId="{DA851B9E-6190-9C64-D8AF-06F1BA75DF92}"/>
+          </ac:picMkLst>
+        </pc:picChg>
+      </pc:sldChg>
+      <pc:sldChg chg="addSp delSp modSp add mod modNotesTx">
+        <pc:chgData name="Esenwein Benjamin (inf20074)" userId="7720cf97-c6ae-4bac-a435-f995da81a4ba" providerId="ADAL" clId="{C010483D-60BC-418A-BCA3-6A1F85EBD2EA}" dt="2022-05-09T13:25:02.126" v="9070" actId="1076"/>
+        <pc:sldMkLst>
+          <pc:docMk/>
+          <pc:sldMk cId="3642239420" sldId="282"/>
+        </pc:sldMkLst>
+        <pc:spChg chg="mod">
+          <ac:chgData name="Esenwein Benjamin (inf20074)" userId="7720cf97-c6ae-4bac-a435-f995da81a4ba" providerId="ADAL" clId="{C010483D-60BC-418A-BCA3-6A1F85EBD2EA}" dt="2022-05-06T09:08:56.505" v="1094" actId="20577"/>
+          <ac:spMkLst>
+            <pc:docMk/>
+            <pc:sldMk cId="3642239420" sldId="282"/>
+            <ac:spMk id="2" creationId="{D7130879-2349-44F2-9B21-A942E12F574C}"/>
+          </ac:spMkLst>
+        </pc:spChg>
+        <pc:spChg chg="del mod">
+          <ac:chgData name="Esenwein Benjamin (inf20074)" userId="7720cf97-c6ae-4bac-a435-f995da81a4ba" providerId="ADAL" clId="{C010483D-60BC-418A-BCA3-6A1F85EBD2EA}" dt="2022-05-06T09:09:48.367" v="1099" actId="1032"/>
+          <ac:spMkLst>
+            <pc:docMk/>
+            <pc:sldMk cId="3642239420" sldId="282"/>
+            <ac:spMk id="3" creationId="{A160F1B4-1AA9-4CEB-BFE1-686D0FA4E1B5}"/>
+          </ac:spMkLst>
+        </pc:spChg>
+        <pc:spChg chg="add mod">
+          <ac:chgData name="Esenwein Benjamin (inf20074)" userId="7720cf97-c6ae-4bac-a435-f995da81a4ba" providerId="ADAL" clId="{C010483D-60BC-418A-BCA3-6A1F85EBD2EA}" dt="2022-05-09T13:13:08.341" v="9005"/>
+          <ac:spMkLst>
+            <pc:docMk/>
+            <pc:sldMk cId="3642239420" sldId="282"/>
+            <ac:spMk id="8" creationId="{4993B63E-3231-AAC3-1DC1-963FDA71442C}"/>
+          </ac:spMkLst>
+        </pc:spChg>
+        <pc:spChg chg="mod">
+          <ac:chgData name="Esenwein Benjamin (inf20074)" userId="7720cf97-c6ae-4bac-a435-f995da81a4ba" providerId="ADAL" clId="{C010483D-60BC-418A-BCA3-6A1F85EBD2EA}" dt="2022-05-06T09:42:18.869" v="2111" actId="20577"/>
+          <ac:spMkLst>
+            <pc:docMk/>
+            <pc:sldMk cId="3642239420" sldId="282"/>
+            <ac:spMk id="9" creationId="{B7EAAD7A-D146-4D4A-AF76-1BF183A9ACC3}"/>
+          </ac:spMkLst>
+        </pc:spChg>
+        <pc:spChg chg="add del mod">
+          <ac:chgData name="Esenwein Benjamin (inf20074)" userId="7720cf97-c6ae-4bac-a435-f995da81a4ba" providerId="ADAL" clId="{C010483D-60BC-418A-BCA3-6A1F85EBD2EA}" dt="2022-05-09T13:23:52.300" v="9061" actId="478"/>
+          <ac:spMkLst>
+            <pc:docMk/>
+            <pc:sldMk cId="3642239420" sldId="282"/>
+            <ac:spMk id="10" creationId="{7A1D1E01-7D35-8D93-8F95-C87D95F95EED}"/>
+          </ac:spMkLst>
+        </pc:spChg>
+        <pc:spChg chg="add del mod">
+          <ac:chgData name="Esenwein Benjamin (inf20074)" userId="7720cf97-c6ae-4bac-a435-f995da81a4ba" providerId="ADAL" clId="{C010483D-60BC-418A-BCA3-6A1F85EBD2EA}" dt="2022-05-09T13:24:46.397" v="9068" actId="478"/>
+          <ac:spMkLst>
+            <pc:docMk/>
+            <pc:sldMk cId="3642239420" sldId="282"/>
+            <ac:spMk id="11" creationId="{DBFB8978-C551-2E22-631B-0CA2F7E11A9D}"/>
+          </ac:spMkLst>
+        </pc:spChg>
+        <pc:spChg chg="add mod">
+          <ac:chgData name="Esenwein Benjamin (inf20074)" userId="7720cf97-c6ae-4bac-a435-f995da81a4ba" providerId="ADAL" clId="{C010483D-60BC-418A-BCA3-6A1F85EBD2EA}" dt="2022-05-09T13:25:02.126" v="9070" actId="1076"/>
+          <ac:spMkLst>
+            <pc:docMk/>
+            <pc:sldMk cId="3642239420" sldId="282"/>
+            <ac:spMk id="12" creationId="{239C9921-30D4-C5BA-59B8-DDC93DF5712A}"/>
+          </ac:spMkLst>
+        </pc:spChg>
+        <pc:graphicFrameChg chg="add mod modGraphic">
+          <ac:chgData name="Esenwein Benjamin (inf20074)" userId="7720cf97-c6ae-4bac-a435-f995da81a4ba" providerId="ADAL" clId="{C010483D-60BC-418A-BCA3-6A1F85EBD2EA}" dt="2022-05-06T09:13:40.889" v="1311" actId="207"/>
+          <ac:graphicFrameMkLst>
+            <pc:docMk/>
+            <pc:sldMk cId="3642239420" sldId="282"/>
+            <ac:graphicFrameMk id="5" creationId="{C53CD7C0-CED3-BF0A-AEC4-A8A8D44CAE97}"/>
+          </ac:graphicFrameMkLst>
+        </pc:graphicFrameChg>
+      </pc:sldChg>
+      <pc:sldChg chg="addSp modSp modNotesTx">
+        <pc:chgData name="Esenwein Benjamin (inf20074)" userId="7720cf97-c6ae-4bac-a435-f995da81a4ba" providerId="ADAL" clId="{C010483D-60BC-418A-BCA3-6A1F85EBD2EA}" dt="2022-05-09T13:13:04.579" v="9002"/>
+        <pc:sldMkLst>
+          <pc:docMk/>
+          <pc:sldMk cId="165153229" sldId="283"/>
+        </pc:sldMkLst>
+        <pc:spChg chg="add mod">
+          <ac:chgData name="Esenwein Benjamin (inf20074)" userId="7720cf97-c6ae-4bac-a435-f995da81a4ba" providerId="ADAL" clId="{C010483D-60BC-418A-BCA3-6A1F85EBD2EA}" dt="2022-05-09T13:13:04.579" v="9002"/>
+          <ac:spMkLst>
+            <pc:docMk/>
+            <pc:sldMk cId="165153229" sldId="283"/>
+            <ac:spMk id="13" creationId="{FFC48C0D-E4F1-8212-8D49-F86F5886DF45}"/>
+          </ac:spMkLst>
+        </pc:spChg>
+      </pc:sldChg>
+    </pc:docChg>
+  </pc:docChgLst>
+  <pc:docChgLst>
+    <pc:chgData name="Plaschko Yannis (inf20093)" userId="S::inf20093@lehre.dhbw-stuttgart.de::f4d33fb3-2c8f-4127-90f7-f67e7a622ff7" providerId="AD" clId="Web-{2E079C23-D097-A176-1A23-0A7B8CFB2DD9}"/>
+    <pc:docChg chg="modSld">
+      <pc:chgData name="Plaschko Yannis (inf20093)" userId="S::inf20093@lehre.dhbw-stuttgart.de::f4d33fb3-2c8f-4127-90f7-f67e7a622ff7" providerId="AD" clId="Web-{2E079C23-D097-A176-1A23-0A7B8CFB2DD9}" dt="2022-05-06T09:40:17.076" v="618"/>
+      <pc:docMkLst>
+        <pc:docMk/>
+      </pc:docMkLst>
+      <pc:sldChg chg="addSp delSp modSp modNotes">
+        <pc:chgData name="Plaschko Yannis (inf20093)" userId="S::inf20093@lehre.dhbw-stuttgart.de::f4d33fb3-2c8f-4127-90f7-f67e7a622ff7" providerId="AD" clId="Web-{2E079C23-D097-A176-1A23-0A7B8CFB2DD9}" dt="2022-05-06T09:40:17.076" v="618"/>
+        <pc:sldMkLst>
+          <pc:docMk/>
+          <pc:sldMk cId="4147236091" sldId="262"/>
+        </pc:sldMkLst>
+        <pc:spChg chg="add del">
+          <ac:chgData name="Plaschko Yannis (inf20093)" userId="S::inf20093@lehre.dhbw-stuttgart.de::f4d33fb3-2c8f-4127-90f7-f67e7a622ff7" providerId="AD" clId="Web-{2E079C23-D097-A176-1A23-0A7B8CFB2DD9}" dt="2022-05-06T09:04:04.546" v="77"/>
+          <ac:spMkLst>
+            <pc:docMk/>
+            <pc:sldMk cId="4147236091" sldId="262"/>
+            <ac:spMk id="3" creationId="{921DF704-2D7D-1F5D-5C2F-B8BD06D6F00A}"/>
+          </ac:spMkLst>
+        </pc:spChg>
+        <pc:spChg chg="mod">
+          <ac:chgData name="Plaschko Yannis (inf20093)" userId="S::inf20093@lehre.dhbw-stuttgart.de::f4d33fb3-2c8f-4127-90f7-f67e7a622ff7" providerId="AD" clId="Web-{2E079C23-D097-A176-1A23-0A7B8CFB2DD9}" dt="2022-05-06T09:12:45.623" v="189" actId="20577"/>
+          <ac:spMkLst>
+            <pc:docMk/>
+            <pc:sldMk cId="4147236091" sldId="262"/>
+            <ac:spMk id="5" creationId="{7A0777AF-A178-3FDE-D69E-ADE3275EE46B}"/>
+          </ac:spMkLst>
+        </pc:spChg>
+        <pc:spChg chg="del">
+          <ac:chgData name="Plaschko Yannis (inf20093)" userId="S::inf20093@lehre.dhbw-stuttgart.de::f4d33fb3-2c8f-4127-90f7-f67e7a622ff7" providerId="AD" clId="Web-{2E079C23-D097-A176-1A23-0A7B8CFB2DD9}" dt="2022-05-06T09:21:30.388" v="193"/>
+          <ac:spMkLst>
+            <pc:docMk/>
+            <pc:sldMk cId="4147236091" sldId="262"/>
+            <ac:spMk id="15" creationId="{209566E8-9D98-465B-BE0F-01BCCF75D1EA}"/>
+          </ac:spMkLst>
+        </pc:spChg>
+        <pc:spChg chg="del">
+          <ac:chgData name="Plaschko Yannis (inf20093)" userId="S::inf20093@lehre.dhbw-stuttgart.de::f4d33fb3-2c8f-4127-90f7-f67e7a622ff7" providerId="AD" clId="Web-{2E079C23-D097-A176-1A23-0A7B8CFB2DD9}" dt="2022-05-06T09:21:34.545" v="196"/>
+          <ac:spMkLst>
+            <pc:docMk/>
+            <pc:sldMk cId="4147236091" sldId="262"/>
+            <ac:spMk id="17" creationId="{4CFD39F8-4CBB-4EE4-8478-BADE98CF2E40}"/>
+          </ac:spMkLst>
+        </pc:spChg>
+        <pc:spChg chg="del">
+          <ac:chgData name="Plaschko Yannis (inf20093)" userId="S::inf20093@lehre.dhbw-stuttgart.de::f4d33fb3-2c8f-4127-90f7-f67e7a622ff7" providerId="AD" clId="Web-{2E079C23-D097-A176-1A23-0A7B8CFB2DD9}" dt="2022-05-06T09:21:34.529" v="195"/>
+          <ac:spMkLst>
+            <pc:docMk/>
+            <pc:sldMk cId="4147236091" sldId="262"/>
+            <ac:spMk id="18" creationId="{65F52A42-A9AF-4503-8AF2-4EC1BBF45A1B}"/>
+          </ac:spMkLst>
+        </pc:spChg>
+        <pc:spChg chg="del">
+          <ac:chgData name="Plaschko Yannis (inf20093)" userId="S::inf20093@lehre.dhbw-stuttgart.de::f4d33fb3-2c8f-4127-90f7-f67e7a622ff7" providerId="AD" clId="Web-{2E079C23-D097-A176-1A23-0A7B8CFB2DD9}" dt="2022-05-06T09:21:34.529" v="194"/>
+          <ac:spMkLst>
+            <pc:docMk/>
+            <pc:sldMk cId="4147236091" sldId="262"/>
+            <ac:spMk id="20" creationId="{CDFA100E-A128-4646-A86D-500F8424EF60}"/>
+          </ac:spMkLst>
+        </pc:spChg>
+      </pc:sldChg>
+      <pc:sldChg chg="delSp">
+        <pc:chgData name="Plaschko Yannis (inf20093)" userId="S::inf20093@lehre.dhbw-stuttgart.de::f4d33fb3-2c8f-4127-90f7-f67e7a622ff7" providerId="AD" clId="Web-{2E079C23-D097-A176-1A23-0A7B8CFB2DD9}" dt="2022-05-06T09:21:24.560" v="192"/>
+        <pc:sldMkLst>
+          <pc:docMk/>
+          <pc:sldMk cId="3942132956" sldId="263"/>
+        </pc:sldMkLst>
+        <pc:spChg chg="del">
+          <ac:chgData name="Plaschko Yannis (inf20093)" userId="S::inf20093@lehre.dhbw-stuttgart.de::f4d33fb3-2c8f-4127-90f7-f67e7a622ff7" providerId="AD" clId="Web-{2E079C23-D097-A176-1A23-0A7B8CFB2DD9}" dt="2022-05-06T09:21:21.966" v="191"/>
+          <ac:spMkLst>
+            <pc:docMk/>
+            <pc:sldMk cId="3942132956" sldId="263"/>
+            <ac:spMk id="13" creationId="{510F2CD5-8D4D-4B3E-A766-46C21EBB3180}"/>
+          </ac:spMkLst>
+        </pc:spChg>
+        <pc:spChg chg="del">
+          <ac:chgData name="Plaschko Yannis (inf20093)" userId="S::inf20093@lehre.dhbw-stuttgart.de::f4d33fb3-2c8f-4127-90f7-f67e7a622ff7" providerId="AD" clId="Web-{2E079C23-D097-A176-1A23-0A7B8CFB2DD9}" dt="2022-05-06T09:21:24.560" v="192"/>
+          <ac:spMkLst>
+            <pc:docMk/>
+            <pc:sldMk cId="3942132956" sldId="263"/>
+            <ac:spMk id="15" creationId="{E349ECFE-6CEA-4AB3-9828-2FBEEFC29540}"/>
+          </ac:spMkLst>
+        </pc:spChg>
+        <pc:spChg chg="del">
+          <ac:chgData name="Plaschko Yannis (inf20093)" userId="S::inf20093@lehre.dhbw-stuttgart.de::f4d33fb3-2c8f-4127-90f7-f67e7a622ff7" providerId="AD" clId="Web-{2E079C23-D097-A176-1A23-0A7B8CFB2DD9}" dt="2022-05-06T09:21:20.263" v="190"/>
+          <ac:spMkLst>
+            <pc:docMk/>
+            <pc:sldMk cId="3942132956" sldId="263"/>
+            <ac:spMk id="16" creationId="{CCDE6B28-49C9-4EFD-B8A1-4ACBED39E3FC}"/>
+          </ac:spMkLst>
+        </pc:spChg>
+      </pc:sldChg>
+      <pc:sldChg chg="delSp">
+        <pc:chgData name="Plaschko Yannis (inf20093)" userId="S::inf20093@lehre.dhbw-stuttgart.de::f4d33fb3-2c8f-4127-90f7-f67e7a622ff7" providerId="AD" clId="Web-{2E079C23-D097-A176-1A23-0A7B8CFB2DD9}" dt="2022-05-06T09:22:03.811" v="216"/>
+        <pc:sldMkLst>
+          <pc:docMk/>
+          <pc:sldMk cId="3111845278" sldId="267"/>
+        </pc:sldMkLst>
+        <pc:spChg chg="del">
+          <ac:chgData name="Plaschko Yannis (inf20093)" userId="S::inf20093@lehre.dhbw-stuttgart.de::f4d33fb3-2c8f-4127-90f7-f67e7a622ff7" providerId="AD" clId="Web-{2E079C23-D097-A176-1A23-0A7B8CFB2DD9}" dt="2022-05-06T09:22:03.811" v="215"/>
+          <ac:spMkLst>
+            <pc:docMk/>
+            <pc:sldMk cId="3111845278" sldId="267"/>
+            <ac:spMk id="12" creationId="{715D1EF5-4E95-4320-B597-5C70A266DEA2}"/>
+          </ac:spMkLst>
+        </pc:spChg>
+        <pc:spChg chg="del">
+          <ac:chgData name="Plaschko Yannis (inf20093)" userId="S::inf20093@lehre.dhbw-stuttgart.de::f4d33fb3-2c8f-4127-90f7-f67e7a622ff7" providerId="AD" clId="Web-{2E079C23-D097-A176-1A23-0A7B8CFB2DD9}" dt="2022-05-06T09:22:03.811" v="216"/>
+          <ac:spMkLst>
+            <pc:docMk/>
+            <pc:sldMk cId="3111845278" sldId="267"/>
+            <ac:spMk id="19" creationId="{4833E1EC-80B5-44CE-BC19-C048774253D5}"/>
+          </ac:spMkLst>
+        </pc:spChg>
+      </pc:sldChg>
+      <pc:sldChg chg="delSp">
+        <pc:chgData name="Plaschko Yannis (inf20093)" userId="S::inf20093@lehre.dhbw-stuttgart.de::f4d33fb3-2c8f-4127-90f7-f67e7a622ff7" providerId="AD" clId="Web-{2E079C23-D097-A176-1A23-0A7B8CFB2DD9}" dt="2022-05-06T09:21:40.904" v="201"/>
+        <pc:sldMkLst>
+          <pc:docMk/>
+          <pc:sldMk cId="2321171521" sldId="273"/>
+        </pc:sldMkLst>
+        <pc:spChg chg="del">
+          <ac:chgData name="Plaschko Yannis (inf20093)" userId="S::inf20093@lehre.dhbw-stuttgart.de::f4d33fb3-2c8f-4127-90f7-f67e7a622ff7" providerId="AD" clId="Web-{2E079C23-D097-A176-1A23-0A7B8CFB2DD9}" dt="2022-05-06T09:21:40.889" v="197"/>
+          <ac:spMkLst>
+            <pc:docMk/>
+            <pc:sldMk cId="2321171521" sldId="273"/>
+            <ac:spMk id="28" creationId="{8F02DE3A-7630-45A1-AA53-B3F96052A8C4}"/>
+          </ac:spMkLst>
+        </pc:spChg>
+        <pc:spChg chg="del">
+          <ac:chgData name="Plaschko Yannis (inf20093)" userId="S::inf20093@lehre.dhbw-stuttgart.de::f4d33fb3-2c8f-4127-90f7-f67e7a622ff7" providerId="AD" clId="Web-{2E079C23-D097-A176-1A23-0A7B8CFB2DD9}" dt="2022-05-06T09:21:40.904" v="201"/>
+          <ac:spMkLst>
+            <pc:docMk/>
+            <pc:sldMk cId="2321171521" sldId="273"/>
+            <ac:spMk id="30" creationId="{DBE68B4A-A9D1-4E0A-A22A-AE958825147D}"/>
+          </ac:spMkLst>
+        </pc:spChg>
+        <pc:spChg chg="del">
+          <ac:chgData name="Plaschko Yannis (inf20093)" userId="S::inf20093@lehre.dhbw-stuttgart.de::f4d33fb3-2c8f-4127-90f7-f67e7a622ff7" providerId="AD" clId="Web-{2E079C23-D097-A176-1A23-0A7B8CFB2DD9}" dt="2022-05-06T09:21:40.904" v="200"/>
+          <ac:spMkLst>
+            <pc:docMk/>
+            <pc:sldMk cId="2321171521" sldId="273"/>
+            <ac:spMk id="31" creationId="{3F4A46D4-675F-4FA3-A15E-340C6B6519AB}"/>
+          </ac:spMkLst>
+        </pc:spChg>
+        <pc:spChg chg="del">
+          <ac:chgData name="Plaschko Yannis (inf20093)" userId="S::inf20093@lehre.dhbw-stuttgart.de::f4d33fb3-2c8f-4127-90f7-f67e7a622ff7" providerId="AD" clId="Web-{2E079C23-D097-A176-1A23-0A7B8CFB2DD9}" dt="2022-05-06T09:21:40.904" v="199"/>
+          <ac:spMkLst>
+            <pc:docMk/>
+            <pc:sldMk cId="2321171521" sldId="273"/>
+            <ac:spMk id="32" creationId="{7737097B-5D95-4F57-B602-C1B2B0EF19C8}"/>
+          </ac:spMkLst>
+        </pc:spChg>
+        <pc:spChg chg="del">
+          <ac:chgData name="Plaschko Yannis (inf20093)" userId="S::inf20093@lehre.dhbw-stuttgart.de::f4d33fb3-2c8f-4127-90f7-f67e7a622ff7" providerId="AD" clId="Web-{2E079C23-D097-A176-1A23-0A7B8CFB2DD9}" dt="2022-05-06T09:21:40.889" v="198"/>
+          <ac:spMkLst>
+            <pc:docMk/>
+            <pc:sldMk cId="2321171521" sldId="273"/>
+            <ac:spMk id="33" creationId="{12954FAD-D7FA-41A7-BF61-2E34BCA604C8}"/>
+          </ac:spMkLst>
+        </pc:spChg>
+      </pc:sldChg>
+      <pc:sldChg chg="delSp">
+        <pc:chgData name="Plaschko Yannis (inf20093)" userId="S::inf20093@lehre.dhbw-stuttgart.de::f4d33fb3-2c8f-4127-90f7-f67e7a622ff7" providerId="AD" clId="Web-{2E079C23-D097-A176-1A23-0A7B8CFB2DD9}" dt="2022-05-06T09:21:49.389" v="212"/>
+        <pc:sldMkLst>
+          <pc:docMk/>
+          <pc:sldMk cId="2378724020" sldId="276"/>
+        </pc:sldMkLst>
+        <pc:spChg chg="del">
+          <ac:chgData name="Plaschko Yannis (inf20093)" userId="S::inf20093@lehre.dhbw-stuttgart.de::f4d33fb3-2c8f-4127-90f7-f67e7a622ff7" providerId="AD" clId="Web-{2E079C23-D097-A176-1A23-0A7B8CFB2DD9}" dt="2022-05-06T09:21:49.389" v="207"/>
+          <ac:spMkLst>
+            <pc:docMk/>
+            <pc:sldMk cId="2378724020" sldId="276"/>
+            <ac:spMk id="7" creationId="{AA5EE8F0-FC60-4D7F-86F3-7A49C737DDED}"/>
+          </ac:spMkLst>
+        </pc:spChg>
+        <pc:spChg chg="del">
+          <ac:chgData name="Plaschko Yannis (inf20093)" userId="S::inf20093@lehre.dhbw-stuttgart.de::f4d33fb3-2c8f-4127-90f7-f67e7a622ff7" providerId="AD" clId="Web-{2E079C23-D097-A176-1A23-0A7B8CFB2DD9}" dt="2022-05-06T09:21:49.389" v="212"/>
+          <ac:spMkLst>
+            <pc:docMk/>
+            <pc:sldMk cId="2378724020" sldId="276"/>
+            <ac:spMk id="10" creationId="{E69DD1C9-2B33-4DCC-B4D3-77F14063339E}"/>
+          </ac:spMkLst>
+        </pc:spChg>
+        <pc:spChg chg="del">
+          <ac:chgData name="Plaschko Yannis (inf20093)" userId="S::inf20093@lehre.dhbw-stuttgart.de::f4d33fb3-2c8f-4127-90f7-f67e7a622ff7" providerId="AD" clId="Web-{2E079C23-D097-A176-1A23-0A7B8CFB2DD9}" dt="2022-05-06T09:21:49.389" v="211"/>
+          <ac:spMkLst>
+            <pc:docMk/>
+            <pc:sldMk cId="2378724020" sldId="276"/>
+            <ac:spMk id="11" creationId="{786167EF-794B-41F1-B090-CCD6CD4EA0F0}"/>
+          </ac:spMkLst>
+        </pc:spChg>
+        <pc:spChg chg="del">
+          <ac:chgData name="Plaschko Yannis (inf20093)" userId="S::inf20093@lehre.dhbw-stuttgart.de::f4d33fb3-2c8f-4127-90f7-f67e7a622ff7" providerId="AD" clId="Web-{2E079C23-D097-A176-1A23-0A7B8CFB2DD9}" dt="2022-05-06T09:21:49.389" v="210"/>
+          <ac:spMkLst>
+            <pc:docMk/>
+            <pc:sldMk cId="2378724020" sldId="276"/>
+            <ac:spMk id="12" creationId="{4881C562-1A3C-44F7-A83C-4A8A676C8599}"/>
+          </ac:spMkLst>
+        </pc:spChg>
+        <pc:spChg chg="del">
+          <ac:chgData name="Plaschko Yannis (inf20093)" userId="S::inf20093@lehre.dhbw-stuttgart.de::f4d33fb3-2c8f-4127-90f7-f67e7a622ff7" providerId="AD" clId="Web-{2E079C23-D097-A176-1A23-0A7B8CFB2DD9}" dt="2022-05-06T09:21:49.389" v="209"/>
+          <ac:spMkLst>
+            <pc:docMk/>
+            <pc:sldMk cId="2378724020" sldId="276"/>
+            <ac:spMk id="13" creationId="{5EB17F7C-757F-444B-A280-3E5862DE5F37}"/>
+          </ac:spMkLst>
+        </pc:spChg>
+        <pc:spChg chg="del">
+          <ac:chgData name="Plaschko Yannis (inf20093)" userId="S::inf20093@lehre.dhbw-stuttgart.de::f4d33fb3-2c8f-4127-90f7-f67e7a622ff7" providerId="AD" clId="Web-{2E079C23-D097-A176-1A23-0A7B8CFB2DD9}" dt="2022-05-06T09:21:49.389" v="208"/>
+          <ac:spMkLst>
+            <pc:docMk/>
+            <pc:sldMk cId="2378724020" sldId="276"/>
+            <ac:spMk id="14" creationId="{2C2C7C17-2BB7-45AA-849B-7D2A3E4A0427}"/>
+          </ac:spMkLst>
+        </pc:spChg>
+      </pc:sldChg>
+      <pc:sldChg chg="delSp">
+        <pc:chgData name="Plaschko Yannis (inf20093)" userId="S::inf20093@lehre.dhbw-stuttgart.de::f4d33fb3-2c8f-4127-90f7-f67e7a622ff7" providerId="AD" clId="Web-{2E079C23-D097-A176-1A23-0A7B8CFB2DD9}" dt="2022-05-06T09:21:44.764" v="206"/>
+        <pc:sldMkLst>
+          <pc:docMk/>
+          <pc:sldMk cId="2104648763" sldId="277"/>
+        </pc:sldMkLst>
+        <pc:spChg chg="del">
+          <ac:chgData name="Plaschko Yannis (inf20093)" userId="S::inf20093@lehre.dhbw-stuttgart.de::f4d33fb3-2c8f-4127-90f7-f67e7a622ff7" providerId="AD" clId="Web-{2E079C23-D097-A176-1A23-0A7B8CFB2DD9}" dt="2022-05-06T09:21:44.764" v="202"/>
+          <ac:spMkLst>
+            <pc:docMk/>
+            <pc:sldMk cId="2104648763" sldId="277"/>
+            <ac:spMk id="28" creationId="{8F02DE3A-7630-45A1-AA53-B3F96052A8C4}"/>
+          </ac:spMkLst>
+        </pc:spChg>
+        <pc:spChg chg="del">
+          <ac:chgData name="Plaschko Yannis (inf20093)" userId="S::inf20093@lehre.dhbw-stuttgart.de::f4d33fb3-2c8f-4127-90f7-f67e7a622ff7" providerId="AD" clId="Web-{2E079C23-D097-A176-1A23-0A7B8CFB2DD9}" dt="2022-05-06T09:21:44.764" v="206"/>
+          <ac:spMkLst>
+            <pc:docMk/>
+            <pc:sldMk cId="2104648763" sldId="277"/>
+            <ac:spMk id="30" creationId="{DBE68B4A-A9D1-4E0A-A22A-AE958825147D}"/>
+          </ac:spMkLst>
+        </pc:spChg>
+        <pc:spChg chg="del">
+          <ac:chgData name="Plaschko Yannis (inf20093)" userId="S::inf20093@lehre.dhbw-stuttgart.de::f4d33fb3-2c8f-4127-90f7-f67e7a622ff7" providerId="AD" clId="Web-{2E079C23-D097-A176-1A23-0A7B8CFB2DD9}" dt="2022-05-06T09:21:44.764" v="205"/>
+          <ac:spMkLst>
+            <pc:docMk/>
+            <pc:sldMk cId="2104648763" sldId="277"/>
+            <ac:spMk id="31" creationId="{3F4A46D4-675F-4FA3-A15E-340C6B6519AB}"/>
+          </ac:spMkLst>
+        </pc:spChg>
+        <pc:spChg chg="del">
+          <ac:chgData name="Plaschko Yannis (inf20093)" userId="S::inf20093@lehre.dhbw-stuttgart.de::f4d33fb3-2c8f-4127-90f7-f67e7a622ff7" providerId="AD" clId="Web-{2E079C23-D097-A176-1A23-0A7B8CFB2DD9}" dt="2022-05-06T09:21:44.764" v="204"/>
+          <ac:spMkLst>
+            <pc:docMk/>
+            <pc:sldMk cId="2104648763" sldId="277"/>
+            <ac:spMk id="32" creationId="{7737097B-5D95-4F57-B602-C1B2B0EF19C8}"/>
+          </ac:spMkLst>
+        </pc:spChg>
+        <pc:spChg chg="del">
+          <ac:chgData name="Plaschko Yannis (inf20093)" userId="S::inf20093@lehre.dhbw-stuttgart.de::f4d33fb3-2c8f-4127-90f7-f67e7a622ff7" providerId="AD" clId="Web-{2E079C23-D097-A176-1A23-0A7B8CFB2DD9}" dt="2022-05-06T09:21:44.764" v="203"/>
+          <ac:spMkLst>
+            <pc:docMk/>
+            <pc:sldMk cId="2104648763" sldId="277"/>
+            <ac:spMk id="33" creationId="{12954FAD-D7FA-41A7-BF61-2E34BCA604C8}"/>
+          </ac:spMkLst>
+        </pc:spChg>
+      </pc:sldChg>
+      <pc:sldChg chg="delSp">
+        <pc:chgData name="Plaschko Yannis (inf20093)" userId="S::inf20093@lehre.dhbw-stuttgart.de::f4d33fb3-2c8f-4127-90f7-f67e7a622ff7" providerId="AD" clId="Web-{2E079C23-D097-A176-1A23-0A7B8CFB2DD9}" dt="2022-05-06T09:22:01.217" v="214"/>
+        <pc:sldMkLst>
+          <pc:docMk/>
+          <pc:sldMk cId="3642239420" sldId="282"/>
+        </pc:sldMkLst>
+        <pc:spChg chg="del">
+          <ac:chgData name="Plaschko Yannis (inf20093)" userId="S::inf20093@lehre.dhbw-stuttgart.de::f4d33fb3-2c8f-4127-90f7-f67e7a622ff7" providerId="AD" clId="Web-{2E079C23-D097-A176-1A23-0A7B8CFB2DD9}" dt="2022-05-06T09:22:01.217" v="213"/>
+          <ac:spMkLst>
+            <pc:docMk/>
+            <pc:sldMk cId="3642239420" sldId="282"/>
+            <ac:spMk id="12" creationId="{715D1EF5-4E95-4320-B597-5C70A266DEA2}"/>
+          </ac:spMkLst>
+        </pc:spChg>
+        <pc:spChg chg="del">
+          <ac:chgData name="Plaschko Yannis (inf20093)" userId="S::inf20093@lehre.dhbw-stuttgart.de::f4d33fb3-2c8f-4127-90f7-f67e7a622ff7" providerId="AD" clId="Web-{2E079C23-D097-A176-1A23-0A7B8CFB2DD9}" dt="2022-05-06T09:22:01.217" v="214"/>
+          <ac:spMkLst>
+            <pc:docMk/>
+            <pc:sldMk cId="3642239420" sldId="282"/>
+            <ac:spMk id="19" creationId="{4833E1EC-80B5-44CE-BC19-C048774253D5}"/>
+          </ac:spMkLst>
+        </pc:spChg>
+      </pc:sldChg>
+    </pc:docChg>
+  </pc:docChgLst>
+  <pc:docChgLst>
+    <pc:chgData name="Benjamin Esenwein" userId="7720cf97-c6ae-4bac-a435-f995da81a4ba" providerId="ADAL" clId="{2B7C4747-E09D-9B4C-A129-252B7E70EAE5}"/>
+    <pc:docChg chg="modSld">
+      <pc:chgData name="Benjamin Esenwein" userId="7720cf97-c6ae-4bac-a435-f995da81a4ba" providerId="ADAL" clId="{2B7C4747-E09D-9B4C-A129-252B7E70EAE5}" dt="2022-05-11T10:22:31.306" v="206" actId="20577"/>
       <pc:docMkLst>
         <pc:docMk/>
       </pc:docMkLst>
       <pc:sldChg chg="modNotesTx">
-        <pc:chgData name="Esenwein Benjamin (inf20074)" userId="7720cf97-c6ae-4bac-a435-f995da81a4ba" providerId="ADAL" clId="{4B3FC24A-C8D7-44B9-BB96-BC8F7E8116A2}" dt="2022-05-06T09:56:34.310" v="1" actId="20577"/>
+        <pc:chgData name="Benjamin Esenwein" userId="7720cf97-c6ae-4bac-a435-f995da81a4ba" providerId="ADAL" clId="{2B7C4747-E09D-9B4C-A129-252B7E70EAE5}" dt="2022-05-11T10:22:31.306" v="206" actId="20577"/>
+        <pc:sldMkLst>
+          <pc:docMk/>
+          <pc:sldMk cId="3642239420" sldId="282"/>
+        </pc:sldMkLst>
+      </pc:sldChg>
+    </pc:docChg>
+  </pc:docChgLst>
+  <pc:docChgLst>
+    <pc:chgData name="Meier Maximilian (inf20084)" userId="18929341-7633-4fcc-b461-3886afb7e358" providerId="ADAL" clId="{45ACEE99-466E-4A56-BB8A-88779F9863B8}"/>
+    <pc:docChg chg="custSel modSld">
+      <pc:chgData name="Meier Maximilian (inf20084)" userId="18929341-7633-4fcc-b461-3886afb7e358" providerId="ADAL" clId="{45ACEE99-466E-4A56-BB8A-88779F9863B8}" dt="2022-05-11T18:36:49.861" v="2304" actId="113"/>
+      <pc:docMkLst>
+        <pc:docMk/>
+      </pc:docMkLst>
+      <pc:sldChg chg="modNotesTx">
+        <pc:chgData name="Meier Maximilian (inf20084)" userId="18929341-7633-4fcc-b461-3886afb7e358" providerId="ADAL" clId="{45ACEE99-466E-4A56-BB8A-88779F9863B8}" dt="2022-05-09T13:02:39.382" v="2287" actId="20577"/>
+        <pc:sldMkLst>
+          <pc:docMk/>
+          <pc:sldMk cId="1256033996" sldId="272"/>
+        </pc:sldMkLst>
+      </pc:sldChg>
+      <pc:sldChg chg="modNotesTx">
+        <pc:chgData name="Meier Maximilian (inf20084)" userId="18929341-7633-4fcc-b461-3886afb7e358" providerId="ADAL" clId="{45ACEE99-466E-4A56-BB8A-88779F9863B8}" dt="2022-05-09T13:02:46.633" v="2298" actId="20577"/>
+        <pc:sldMkLst>
+          <pc:docMk/>
+          <pc:sldMk cId="2378724020" sldId="276"/>
+        </pc:sldMkLst>
+      </pc:sldChg>
+      <pc:sldChg chg="modNotesTx">
+        <pc:chgData name="Meier Maximilian (inf20084)" userId="18929341-7633-4fcc-b461-3886afb7e358" providerId="ADAL" clId="{45ACEE99-466E-4A56-BB8A-88779F9863B8}" dt="2022-05-09T12:54:56.833" v="2221" actId="20577"/>
+        <pc:sldMkLst>
+          <pc:docMk/>
+          <pc:sldMk cId="2104648763" sldId="277"/>
+        </pc:sldMkLst>
+      </pc:sldChg>
+      <pc:sldChg chg="modNotesTx">
+        <pc:chgData name="Meier Maximilian (inf20084)" userId="18929341-7633-4fcc-b461-3886afb7e358" providerId="ADAL" clId="{45ACEE99-466E-4A56-BB8A-88779F9863B8}" dt="2022-05-09T13:02:21.605" v="2269" actId="113"/>
+        <pc:sldMkLst>
+          <pc:docMk/>
+          <pc:sldMk cId="393263840" sldId="278"/>
+        </pc:sldMkLst>
+      </pc:sldChg>
+      <pc:sldChg chg="modNotesTx">
+        <pc:chgData name="Meier Maximilian (inf20084)" userId="18929341-7633-4fcc-b461-3886afb7e358" providerId="ADAL" clId="{45ACEE99-466E-4A56-BB8A-88779F9863B8}" dt="2022-05-11T18:36:49.861" v="2304" actId="113"/>
+        <pc:sldMkLst>
+          <pc:docMk/>
+          <pc:sldMk cId="614259539" sldId="280"/>
+        </pc:sldMkLst>
+      </pc:sldChg>
+      <pc:sldChg chg="modNotesTx">
+        <pc:chgData name="Meier Maximilian (inf20084)" userId="18929341-7633-4fcc-b461-3886afb7e358" providerId="ADAL" clId="{45ACEE99-466E-4A56-BB8A-88779F9863B8}" dt="2022-05-09T13:02:27.485" v="2271" actId="20577"/>
+        <pc:sldMkLst>
+          <pc:docMk/>
+          <pc:sldMk cId="1574959243" sldId="281"/>
+        </pc:sldMkLst>
+      </pc:sldChg>
+      <pc:sldChg chg="modSp mod">
+        <pc:chgData name="Meier Maximilian (inf20084)" userId="18929341-7633-4fcc-b461-3886afb7e358" providerId="ADAL" clId="{45ACEE99-466E-4A56-BB8A-88779F9863B8}" dt="2022-05-09T12:27:57.084" v="418" actId="20577"/>
+        <pc:sldMkLst>
+          <pc:docMk/>
+          <pc:sldMk cId="2628852825" sldId="284"/>
+        </pc:sldMkLst>
+        <pc:spChg chg="mod">
+          <ac:chgData name="Meier Maximilian (inf20084)" userId="18929341-7633-4fcc-b461-3886afb7e358" providerId="ADAL" clId="{45ACEE99-466E-4A56-BB8A-88779F9863B8}" dt="2022-05-09T12:27:57.084" v="418" actId="20577"/>
+          <ac:spMkLst>
+            <pc:docMk/>
+            <pc:sldMk cId="2628852825" sldId="284"/>
+            <ac:spMk id="2" creationId="{D7130879-2349-44F2-9B21-A942E12F574C}"/>
+          </ac:spMkLst>
+        </pc:spChg>
+        <pc:spChg chg="mod">
+          <ac:chgData name="Meier Maximilian (inf20084)" userId="18929341-7633-4fcc-b461-3886afb7e358" providerId="ADAL" clId="{45ACEE99-466E-4A56-BB8A-88779F9863B8}" dt="2022-05-09T12:26:48.617" v="402" actId="20577"/>
+          <ac:spMkLst>
+            <pc:docMk/>
+            <pc:sldMk cId="2628852825" sldId="284"/>
+            <ac:spMk id="5" creationId="{C4D08AD4-79F3-4FD8-931D-6EE0272372F0}"/>
+          </ac:spMkLst>
+        </pc:spChg>
+      </pc:sldChg>
+    </pc:docChg>
+  </pc:docChgLst>
+  <pc:docChgLst>
+    <pc:chgData name="Meier Maximilian (inf20084)" userId="18929341-7633-4fcc-b461-3886afb7e358" providerId="ADAL" clId="{77B75BB7-7822-4AAC-BF4F-AB70BD85F32A}"/>
+    <pc:docChg chg="undo custSel addSld delSld modSld">
+      <pc:chgData name="Meier Maximilian (inf20084)" userId="18929341-7633-4fcc-b461-3886afb7e358" providerId="ADAL" clId="{77B75BB7-7822-4AAC-BF4F-AB70BD85F32A}" dt="2022-05-11T19:03:01.835" v="34" actId="20577"/>
+      <pc:docMkLst>
+        <pc:docMk/>
+      </pc:docMkLst>
+      <pc:sldChg chg="modNotesTx">
+        <pc:chgData name="Meier Maximilian (inf20084)" userId="18929341-7633-4fcc-b461-3886afb7e358" providerId="ADAL" clId="{77B75BB7-7822-4AAC-BF4F-AB70BD85F32A}" dt="2022-05-11T19:03:01.835" v="34" actId="20577"/>
+        <pc:sldMkLst>
+          <pc:docMk/>
+          <pc:sldMk cId="2505959144" sldId="256"/>
+        </pc:sldMkLst>
+      </pc:sldChg>
+      <pc:sldChg chg="modNotesTx">
+        <pc:chgData name="Meier Maximilian (inf20084)" userId="18929341-7633-4fcc-b461-3886afb7e358" providerId="ADAL" clId="{77B75BB7-7822-4AAC-BF4F-AB70BD85F32A}" dt="2022-05-11T19:01:54.942" v="11" actId="20577"/>
         <pc:sldMkLst>
           <pc:docMk/>
           <pc:sldMk cId="1575568240" sldId="257"/>
         </pc:sldMkLst>
       </pc:sldChg>
-      <pc:sldChg chg="modNotesTx">
-        <pc:chgData name="Esenwein Benjamin (inf20074)" userId="7720cf97-c6ae-4bac-a435-f995da81a4ba" providerId="ADAL" clId="{4B3FC24A-C8D7-44B9-BB96-BC8F7E8116A2}" dt="2022-05-06T09:56:32.111" v="0" actId="20577"/>
+      <pc:sldChg chg="delCm modNotesTx">
+        <pc:chgData name="Meier Maximilian (inf20084)" userId="18929341-7633-4fcc-b461-3886afb7e358" providerId="ADAL" clId="{77B75BB7-7822-4AAC-BF4F-AB70BD85F32A}" dt="2022-05-11T19:01:52.527" v="10" actId="20577"/>
         <pc:sldMkLst>
           <pc:docMk/>
           <pc:sldMk cId="719139584" sldId="258"/>
         </pc:sldMkLst>
       </pc:sldChg>
-      <pc:sldChg chg="modNotesTx">
-        <pc:chgData name="Esenwein Benjamin (inf20074)" userId="7720cf97-c6ae-4bac-a435-f995da81a4ba" providerId="ADAL" clId="{4B3FC24A-C8D7-44B9-BB96-BC8F7E8116A2}" dt="2022-05-06T09:57:07.826" v="10" actId="20577"/>
+      <pc:sldChg chg="del">
+        <pc:chgData name="Meier Maximilian (inf20084)" userId="18929341-7633-4fcc-b461-3886afb7e358" providerId="ADAL" clId="{77B75BB7-7822-4AAC-BF4F-AB70BD85F32A}" dt="2022-05-11T18:57:16.788" v="0" actId="2696"/>
         <pc:sldMkLst>
           <pc:docMk/>
           <pc:sldMk cId="452856955" sldId="259"/>
         </pc:sldMkLst>
       </pc:sldChg>
-      <pc:sldChg chg="modNotesTx">
-        <pc:chgData name="Esenwein Benjamin (inf20074)" userId="7720cf97-c6ae-4bac-a435-f995da81a4ba" providerId="ADAL" clId="{4B3FC24A-C8D7-44B9-BB96-BC8F7E8116A2}" dt="2022-05-06T09:56:58.896" v="9" actId="20577"/>
+      <pc:sldChg chg="delCm modNotesTx">
+        <pc:chgData name="Meier Maximilian (inf20084)" userId="18929341-7633-4fcc-b461-3886afb7e358" providerId="ADAL" clId="{77B75BB7-7822-4AAC-BF4F-AB70BD85F32A}" dt="2022-05-11T19:02:41.448" v="28" actId="20577"/>
         <pc:sldMkLst>
           <pc:docMk/>
           <pc:sldMk cId="4147236091" sldId="262"/>
         </pc:sldMkLst>
       </pc:sldChg>
-      <pc:sldChg chg="modNotesTx">
-        <pc:chgData name="Esenwein Benjamin (inf20074)" userId="7720cf97-c6ae-4bac-a435-f995da81a4ba" providerId="ADAL" clId="{4B3FC24A-C8D7-44B9-BB96-BC8F7E8116A2}" dt="2022-05-06T09:56:56.648" v="8" actId="20577"/>
+      <pc:sldChg chg="delCm modNotesTx">
+        <pc:chgData name="Meier Maximilian (inf20084)" userId="18929341-7633-4fcc-b461-3886afb7e358" providerId="ADAL" clId="{77B75BB7-7822-4AAC-BF4F-AB70BD85F32A}" dt="2022-05-11T19:02:38.797" v="27" actId="20577"/>
         <pc:sldMkLst>
           <pc:docMk/>
           <pc:sldMk cId="3942132956" sldId="263"/>
         </pc:sldMkLst>
       </pc:sldChg>
       <pc:sldChg chg="modNotesTx">
-        <pc:chgData name="Esenwein Benjamin (inf20074)" userId="7720cf97-c6ae-4bac-a435-f995da81a4ba" providerId="ADAL" clId="{4B3FC24A-C8D7-44B9-BB96-BC8F7E8116A2}" dt="2022-05-06T09:56:45.074" v="4" actId="20577"/>
+        <pc:chgData name="Meier Maximilian (inf20084)" userId="18929341-7633-4fcc-b461-3886afb7e358" providerId="ADAL" clId="{77B75BB7-7822-4AAC-BF4F-AB70BD85F32A}" dt="2022-05-11T19:02:46.060" v="30" actId="20577"/>
+        <pc:sldMkLst>
+          <pc:docMk/>
+          <pc:sldMk cId="3108174479" sldId="264"/>
+        </pc:sldMkLst>
+      </pc:sldChg>
+      <pc:sldChg chg="modNotesTx">
+        <pc:chgData name="Meier Maximilian (inf20084)" userId="18929341-7633-4fcc-b461-3886afb7e358" providerId="ADAL" clId="{77B75BB7-7822-4AAC-BF4F-AB70BD85F32A}" dt="2022-05-11T19:02:47.798" v="31" actId="20577"/>
+        <pc:sldMkLst>
+          <pc:docMk/>
+          <pc:sldMk cId="3111845278" sldId="267"/>
+        </pc:sldMkLst>
+      </pc:sldChg>
+      <pc:sldChg chg="modNotesTx">
+        <pc:chgData name="Meier Maximilian (inf20084)" userId="18929341-7633-4fcc-b461-3886afb7e358" providerId="ADAL" clId="{77B75BB7-7822-4AAC-BF4F-AB70BD85F32A}" dt="2022-05-11T19:02:53.166" v="33" actId="20577"/>
+        <pc:sldMkLst>
+          <pc:docMk/>
+          <pc:sldMk cId="408674404" sldId="268"/>
+        </pc:sldMkLst>
+      </pc:sldChg>
+      <pc:sldChg chg="delCm modNotesTx">
+        <pc:chgData name="Meier Maximilian (inf20084)" userId="18929341-7633-4fcc-b461-3886afb7e358" providerId="ADAL" clId="{77B75BB7-7822-4AAC-BF4F-AB70BD85F32A}" dt="2022-05-11T19:02:26.272" v="23" actId="20577"/>
         <pc:sldMkLst>
           <pc:docMk/>
           <pc:sldMk cId="1256033996" sldId="272"/>
         </pc:sldMkLst>
       </pc:sldChg>
-      <pc:sldChg chg="modNotesTx">
-        <pc:chgData name="Esenwein Benjamin (inf20074)" userId="7720cf97-c6ae-4bac-a435-f995da81a4ba" providerId="ADAL" clId="{4B3FC24A-C8D7-44B9-BB96-BC8F7E8116A2}" dt="2022-05-06T09:56:50.680" v="6" actId="20577"/>
+      <pc:sldChg chg="del">
+        <pc:chgData name="Meier Maximilian (inf20084)" userId="18929341-7633-4fcc-b461-3886afb7e358" providerId="ADAL" clId="{77B75BB7-7822-4AAC-BF4F-AB70BD85F32A}" dt="2022-05-11T18:57:21.631" v="2" actId="2696"/>
         <pc:sldMkLst>
           <pc:docMk/>
           <pc:sldMk cId="2321171521" sldId="273"/>
         </pc:sldMkLst>
       </pc:sldChg>
       <pc:sldChg chg="modNotesTx">
-        <pc:chgData name="Esenwein Benjamin (inf20074)" userId="7720cf97-c6ae-4bac-a435-f995da81a4ba" providerId="ADAL" clId="{4B3FC24A-C8D7-44B9-BB96-BC8F7E8116A2}" dt="2022-05-06T09:56:39.255" v="3" actId="20577"/>
+        <pc:chgData name="Meier Maximilian (inf20084)" userId="18929341-7633-4fcc-b461-3886afb7e358" providerId="ADAL" clId="{77B75BB7-7822-4AAC-BF4F-AB70BD85F32A}" dt="2022-05-11T19:02:07.066" v="15" actId="20577"/>
         <pc:sldMkLst>
           <pc:docMk/>
           <pc:sldMk cId="3906682851" sldId="275"/>
         </pc:sldMkLst>
       </pc:sldChg>
       <pc:sldChg chg="modNotesTx">
-        <pc:chgData name="Esenwein Benjamin (inf20074)" userId="7720cf97-c6ae-4bac-a435-f995da81a4ba" providerId="ADAL" clId="{4B3FC24A-C8D7-44B9-BB96-BC8F7E8116A2}" dt="2022-05-06T09:56:47.740" v="5" actId="20577"/>
+        <pc:chgData name="Meier Maximilian (inf20084)" userId="18929341-7633-4fcc-b461-3886afb7e358" providerId="ADAL" clId="{77B75BB7-7822-4AAC-BF4F-AB70BD85F32A}" dt="2022-05-11T19:02:30.547" v="24" actId="20577"/>
         <pc:sldMkLst>
           <pc:docMk/>
           <pc:sldMk cId="2378724020" sldId="276"/>
         </pc:sldMkLst>
       </pc:sldChg>
       <pc:sldChg chg="modNotesTx">
-        <pc:chgData name="Esenwein Benjamin (inf20074)" userId="7720cf97-c6ae-4bac-a435-f995da81a4ba" providerId="ADAL" clId="{4B3FC24A-C8D7-44B9-BB96-BC8F7E8116A2}" dt="2022-05-06T09:56:53.095" v="7" actId="20577"/>
+        <pc:chgData name="Meier Maximilian (inf20084)" userId="18929341-7633-4fcc-b461-3886afb7e358" providerId="ADAL" clId="{77B75BB7-7822-4AAC-BF4F-AB70BD85F32A}" dt="2022-05-11T19:02:36.284" v="26" actId="20577"/>
         <pc:sldMkLst>
           <pc:docMk/>
           <pc:sldMk cId="2104648763" sldId="277"/>
         </pc:sldMkLst>
       </pc:sldChg>
+      <pc:sldChg chg="add del modNotesTx">
+        <pc:chgData name="Meier Maximilian (inf20084)" userId="18929341-7633-4fcc-b461-3886afb7e358" providerId="ADAL" clId="{77B75BB7-7822-4AAC-BF4F-AB70BD85F32A}" dt="2022-05-11T19:02:19.526" v="21" actId="5793"/>
+        <pc:sldMkLst>
+          <pc:docMk/>
+          <pc:sldMk cId="393263840" sldId="278"/>
+        </pc:sldMkLst>
+      </pc:sldChg>
       <pc:sldChg chg="modNotesTx">
-        <pc:chgData name="Esenwein Benjamin (inf20074)" userId="7720cf97-c6ae-4bac-a435-f995da81a4ba" providerId="ADAL" clId="{4B3FC24A-C8D7-44B9-BB96-BC8F7E8116A2}" dt="2022-05-06T09:56:36.855" v="2" actId="20577"/>
+        <pc:chgData name="Meier Maximilian (inf20084)" userId="18929341-7633-4fcc-b461-3886afb7e358" providerId="ADAL" clId="{77B75BB7-7822-4AAC-BF4F-AB70BD85F32A}" dt="2022-05-11T19:01:57.996" v="12" actId="20577"/>
         <pc:sldMkLst>
           <pc:docMk/>
           <pc:sldMk cId="2648086358" sldId="279"/>
         </pc:sldMkLst>
       </pc:sldChg>
+      <pc:sldChg chg="modNotesTx">
+        <pc:chgData name="Meier Maximilian (inf20084)" userId="18929341-7633-4fcc-b461-3886afb7e358" providerId="ADAL" clId="{77B75BB7-7822-4AAC-BF4F-AB70BD85F32A}" dt="2022-05-11T19:02:09.992" v="16" actId="20577"/>
+        <pc:sldMkLst>
+          <pc:docMk/>
+          <pc:sldMk cId="614259539" sldId="280"/>
+        </pc:sldMkLst>
+      </pc:sldChg>
+      <pc:sldChg chg="modNotesTx">
+        <pc:chgData name="Meier Maximilian (inf20084)" userId="18929341-7633-4fcc-b461-3886afb7e358" providerId="ADAL" clId="{77B75BB7-7822-4AAC-BF4F-AB70BD85F32A}" dt="2022-05-11T19:02:23.574" v="22" actId="20577"/>
+        <pc:sldMkLst>
+          <pc:docMk/>
+          <pc:sldMk cId="1574959243" sldId="281"/>
+        </pc:sldMkLst>
+      </pc:sldChg>
+      <pc:sldChg chg="modNotesTx">
+        <pc:chgData name="Meier Maximilian (inf20084)" userId="18929341-7633-4fcc-b461-3886afb7e358" providerId="ADAL" clId="{77B75BB7-7822-4AAC-BF4F-AB70BD85F32A}" dt="2022-05-11T19:02:50.748" v="32" actId="20577"/>
+        <pc:sldMkLst>
+          <pc:docMk/>
+          <pc:sldMk cId="3642239420" sldId="282"/>
+        </pc:sldMkLst>
+      </pc:sldChg>
+      <pc:sldChg chg="modNotesTx">
+        <pc:chgData name="Meier Maximilian (inf20084)" userId="18929341-7633-4fcc-b461-3886afb7e358" providerId="ADAL" clId="{77B75BB7-7822-4AAC-BF4F-AB70BD85F32A}" dt="2022-05-11T19:02:43.874" v="29" actId="20577"/>
+        <pc:sldMkLst>
+          <pc:docMk/>
+          <pc:sldMk cId="165153229" sldId="283"/>
+        </pc:sldMkLst>
+      </pc:sldChg>
+      <pc:sldChg chg="del">
+        <pc:chgData name="Meier Maximilian (inf20084)" userId="18929341-7633-4fcc-b461-3886afb7e358" providerId="ADAL" clId="{77B75BB7-7822-4AAC-BF4F-AB70BD85F32A}" dt="2022-05-11T18:57:19.003" v="1" actId="2696"/>
+        <pc:sldMkLst>
+          <pc:docMk/>
+          <pc:sldMk cId="2628852825" sldId="284"/>
+        </pc:sldMkLst>
+      </pc:sldChg>
+    </pc:docChg>
+  </pc:docChgLst>
+  <pc:docChgLst>
+    <pc:chgData name="Lucas Kaczynski" userId="708919b4-25d7-44a9-b300-2323f832514c" providerId="ADAL" clId="{AF9CAFC3-B7B0-462A-8080-455BF6740E08}"/>
+    <pc:docChg chg="undo custSel addSld modSld sldOrd">
+      <pc:chgData name="Lucas Kaczynski" userId="708919b4-25d7-44a9-b300-2323f832514c" providerId="ADAL" clId="{AF9CAFC3-B7B0-462A-8080-455BF6740E08}" dt="2022-05-09T14:07:47.732" v="1452" actId="207"/>
+      <pc:docMkLst>
+        <pc:docMk/>
+      </pc:docMkLst>
+      <pc:sldChg chg="modSp mod">
+        <pc:chgData name="Lucas Kaczynski" userId="708919b4-25d7-44a9-b300-2323f832514c" providerId="ADAL" clId="{AF9CAFC3-B7B0-462A-8080-455BF6740E08}" dt="2022-05-09T12:20:35.301" v="557" actId="14100"/>
+        <pc:sldMkLst>
+          <pc:docMk/>
+          <pc:sldMk cId="2505959144" sldId="256"/>
+        </pc:sldMkLst>
+        <pc:spChg chg="mod">
+          <ac:chgData name="Lucas Kaczynski" userId="708919b4-25d7-44a9-b300-2323f832514c" providerId="ADAL" clId="{AF9CAFC3-B7B0-462A-8080-455BF6740E08}" dt="2022-05-09T12:20:35.301" v="557" actId="14100"/>
+          <ac:spMkLst>
+            <pc:docMk/>
+            <pc:sldMk cId="2505959144" sldId="256"/>
+            <ac:spMk id="2" creationId="{FEA21FFC-A6C3-4E95-94C4-C1E4C4F6F8D3}"/>
+          </ac:spMkLst>
+        </pc:spChg>
+      </pc:sldChg>
+      <pc:sldChg chg="modSp mod">
+        <pc:chgData name="Lucas Kaczynski" userId="708919b4-25d7-44a9-b300-2323f832514c" providerId="ADAL" clId="{AF9CAFC3-B7B0-462A-8080-455BF6740E08}" dt="2022-05-09T12:19:47.453" v="550" actId="20577"/>
+        <pc:sldMkLst>
+          <pc:docMk/>
+          <pc:sldMk cId="1575568240" sldId="257"/>
+        </pc:sldMkLst>
+        <pc:spChg chg="mod">
+          <ac:chgData name="Lucas Kaczynski" userId="708919b4-25d7-44a9-b300-2323f832514c" providerId="ADAL" clId="{AF9CAFC3-B7B0-462A-8080-455BF6740E08}" dt="2022-05-09T12:19:47.453" v="550" actId="20577"/>
+          <ac:spMkLst>
+            <pc:docMk/>
+            <pc:sldMk cId="1575568240" sldId="257"/>
+            <ac:spMk id="3" creationId="{DF539375-44E3-4147-BAE7-6E5166F80167}"/>
+          </ac:spMkLst>
+        </pc:spChg>
+      </pc:sldChg>
+      <pc:sldChg chg="addSp delSp modSp mod modNotesTx">
+        <pc:chgData name="Lucas Kaczynski" userId="708919b4-25d7-44a9-b300-2323f832514c" providerId="ADAL" clId="{AF9CAFC3-B7B0-462A-8080-455BF6740E08}" dt="2022-05-09T14:07:47.732" v="1452" actId="207"/>
+        <pc:sldMkLst>
+          <pc:docMk/>
+          <pc:sldMk cId="3942132956" sldId="263"/>
+        </pc:sldMkLst>
+        <pc:spChg chg="mod">
+          <ac:chgData name="Lucas Kaczynski" userId="708919b4-25d7-44a9-b300-2323f832514c" providerId="ADAL" clId="{AF9CAFC3-B7B0-462A-8080-455BF6740E08}" dt="2022-05-09T12:43:01.329" v="1439" actId="20577"/>
+          <ac:spMkLst>
+            <pc:docMk/>
+            <pc:sldMk cId="3942132956" sldId="263"/>
+            <ac:spMk id="7" creationId="{FC78B868-2DAB-42D6-8796-474CB0AE7293}"/>
+          </ac:spMkLst>
+        </pc:spChg>
+        <pc:picChg chg="add del mod">
+          <ac:chgData name="Lucas Kaczynski" userId="708919b4-25d7-44a9-b300-2323f832514c" providerId="ADAL" clId="{AF9CAFC3-B7B0-462A-8080-455BF6740E08}" dt="2022-05-09T12:44:16.585" v="1443" actId="478"/>
+          <ac:picMkLst>
+            <pc:docMk/>
+            <pc:sldMk cId="3942132956" sldId="263"/>
+            <ac:picMk id="5" creationId="{72BE7B61-7859-458C-AF56-9A5791F62AA4}"/>
+          </ac:picMkLst>
+        </pc:picChg>
+        <pc:picChg chg="add mod">
+          <ac:chgData name="Lucas Kaczynski" userId="708919b4-25d7-44a9-b300-2323f832514c" providerId="ADAL" clId="{AF9CAFC3-B7B0-462A-8080-455BF6740E08}" dt="2022-05-09T12:44:49.397" v="1448" actId="1076"/>
+          <ac:picMkLst>
+            <pc:docMk/>
+            <pc:sldMk cId="3942132956" sldId="263"/>
+            <ac:picMk id="9" creationId="{AA1634B9-D634-4C9B-A8EA-8EAADF776B20}"/>
+          </ac:picMkLst>
+        </pc:picChg>
+      </pc:sldChg>
+      <pc:sldChg chg="mod modShow">
+        <pc:chgData name="Lucas Kaczynski" userId="708919b4-25d7-44a9-b300-2323f832514c" providerId="ADAL" clId="{AF9CAFC3-B7B0-462A-8080-455BF6740E08}" dt="2022-05-04T15:06:29.718" v="61" actId="729"/>
+        <pc:sldMkLst>
+          <pc:docMk/>
+          <pc:sldMk cId="943001127" sldId="265"/>
+        </pc:sldMkLst>
+      </pc:sldChg>
+      <pc:sldChg chg="mod modShow">
+        <pc:chgData name="Lucas Kaczynski" userId="708919b4-25d7-44a9-b300-2323f832514c" providerId="ADAL" clId="{AF9CAFC3-B7B0-462A-8080-455BF6740E08}" dt="2022-05-04T15:13:53.768" v="123" actId="729"/>
+        <pc:sldMkLst>
+          <pc:docMk/>
+          <pc:sldMk cId="2321171521" sldId="273"/>
+        </pc:sldMkLst>
+      </pc:sldChg>
+      <pc:sldChg chg="addSp delSp modSp add mod ord">
+        <pc:chgData name="Lucas Kaczynski" userId="708919b4-25d7-44a9-b300-2323f832514c" providerId="ADAL" clId="{AF9CAFC3-B7B0-462A-8080-455BF6740E08}" dt="2022-05-04T15:17:18.025" v="136" actId="1076"/>
+        <pc:sldMkLst>
+          <pc:docMk/>
+          <pc:sldMk cId="4064143564" sldId="274"/>
+        </pc:sldMkLst>
+        <pc:spChg chg="add del">
+          <ac:chgData name="Lucas Kaczynski" userId="708919b4-25d7-44a9-b300-2323f832514c" providerId="ADAL" clId="{AF9CAFC3-B7B0-462A-8080-455BF6740E08}" dt="2022-05-04T15:11:33.538" v="110" actId="11529"/>
+          <ac:spMkLst>
+            <pc:docMk/>
+            <pc:sldMk cId="4064143564" sldId="274"/>
+            <ac:spMk id="3" creationId="{4A8C1FE0-334A-4395-B4C6-DDEF987F9D57}"/>
+          </ac:spMkLst>
+        </pc:spChg>
+        <pc:spChg chg="add mod">
+          <ac:chgData name="Lucas Kaczynski" userId="708919b4-25d7-44a9-b300-2323f832514c" providerId="ADAL" clId="{AF9CAFC3-B7B0-462A-8080-455BF6740E08}" dt="2022-05-04T15:04:31.115" v="10" actId="207"/>
+          <ac:spMkLst>
+            <pc:docMk/>
+            <pc:sldMk cId="4064143564" sldId="274"/>
+            <ac:spMk id="18" creationId="{14FCC5EB-6E84-40F7-85F9-89A7EB345E16}"/>
+          </ac:spMkLst>
+        </pc:spChg>
+        <pc:spChg chg="add mod">
+          <ac:chgData name="Lucas Kaczynski" userId="708919b4-25d7-44a9-b300-2323f832514c" providerId="ADAL" clId="{AF9CAFC3-B7B0-462A-8080-455BF6740E08}" dt="2022-05-04T15:04:14.431" v="6" actId="207"/>
+          <ac:spMkLst>
+            <pc:docMk/>
+            <pc:sldMk cId="4064143564" sldId="274"/>
+            <ac:spMk id="19" creationId="{C8EC3EB2-8074-411E-8567-FBACDD10A994}"/>
+          </ac:spMkLst>
+        </pc:spChg>
+        <pc:spChg chg="add mod">
+          <ac:chgData name="Lucas Kaczynski" userId="708919b4-25d7-44a9-b300-2323f832514c" providerId="ADAL" clId="{AF9CAFC3-B7B0-462A-8080-455BF6740E08}" dt="2022-05-04T15:04:28.150" v="9" actId="207"/>
+          <ac:spMkLst>
+            <pc:docMk/>
+            <pc:sldMk cId="4064143564" sldId="274"/>
+            <ac:spMk id="20" creationId="{9748CD91-246F-4AAF-BF57-A355114465F5}"/>
+          </ac:spMkLst>
+        </pc:spChg>
+        <pc:spChg chg="add del mod">
+          <ac:chgData name="Lucas Kaczynski" userId="708919b4-25d7-44a9-b300-2323f832514c" providerId="ADAL" clId="{AF9CAFC3-B7B0-462A-8080-455BF6740E08}" dt="2022-05-04T15:16:29.857" v="130" actId="478"/>
+          <ac:spMkLst>
+            <pc:docMk/>
+            <pc:sldMk cId="4064143564" sldId="274"/>
+            <ac:spMk id="24" creationId="{9037C0D7-7CB4-4911-BD56-CC481CB388CE}"/>
+          </ac:spMkLst>
+        </pc:spChg>
+        <pc:picChg chg="del">
+          <ac:chgData name="Lucas Kaczynski" userId="708919b4-25d7-44a9-b300-2323f832514c" providerId="ADAL" clId="{AF9CAFC3-B7B0-462A-8080-455BF6740E08}" dt="2022-05-04T14:48:18.335" v="1" actId="478"/>
+          <ac:picMkLst>
+            <pc:docMk/>
+            <pc:sldMk cId="4064143564" sldId="274"/>
+            <ac:picMk id="5" creationId="{498ADD88-7C60-4287-8469-ED9DD450D546}"/>
+          </ac:picMkLst>
+        </pc:picChg>
+        <pc:picChg chg="add mod">
+          <ac:chgData name="Lucas Kaczynski" userId="708919b4-25d7-44a9-b300-2323f832514c" providerId="ADAL" clId="{AF9CAFC3-B7B0-462A-8080-455BF6740E08}" dt="2022-05-04T15:16:19.242" v="127" actId="1076"/>
+          <ac:picMkLst>
+            <pc:docMk/>
+            <pc:sldMk cId="4064143564" sldId="274"/>
+            <ac:picMk id="9" creationId="{1B52F9BE-19CF-4E19-8409-44D0A9AC220C}"/>
+          </ac:picMkLst>
+        </pc:picChg>
+        <pc:picChg chg="del">
+          <ac:chgData name="Lucas Kaczynski" userId="708919b4-25d7-44a9-b300-2323f832514c" providerId="ADAL" clId="{AF9CAFC3-B7B0-462A-8080-455BF6740E08}" dt="2022-05-04T15:03:57.620" v="2" actId="478"/>
+          <ac:picMkLst>
+            <pc:docMk/>
+            <pc:sldMk cId="4064143564" sldId="274"/>
+            <ac:picMk id="12" creationId="{B5EC90F6-2066-4874-9F3A-A56A104413C9}"/>
+          </ac:picMkLst>
+        </pc:picChg>
+        <pc:picChg chg="add mod">
+          <ac:chgData name="Lucas Kaczynski" userId="708919b4-25d7-44a9-b300-2323f832514c" providerId="ADAL" clId="{AF9CAFC3-B7B0-462A-8080-455BF6740E08}" dt="2022-05-04T15:17:12.885" v="135" actId="1076"/>
+          <ac:picMkLst>
+            <pc:docMk/>
+            <pc:sldMk cId="4064143564" sldId="274"/>
+            <ac:picMk id="26" creationId="{70CE5B13-DB37-4A40-861A-B13E092D1838}"/>
+          </ac:picMkLst>
+        </pc:picChg>
+        <pc:picChg chg="add mod">
+          <ac:chgData name="Lucas Kaczynski" userId="708919b4-25d7-44a9-b300-2323f832514c" providerId="ADAL" clId="{AF9CAFC3-B7B0-462A-8080-455BF6740E08}" dt="2022-05-04T15:17:18.025" v="136" actId="1076"/>
+          <ac:picMkLst>
+            <pc:docMk/>
+            <pc:sldMk cId="4064143564" sldId="274"/>
+            <ac:picMk id="28" creationId="{CFFA21A8-69E6-48E9-8557-91ED33C9AB8A}"/>
+          </ac:picMkLst>
+        </pc:picChg>
+        <pc:cxnChg chg="add mod">
+          <ac:chgData name="Lucas Kaczynski" userId="708919b4-25d7-44a9-b300-2323f832514c" providerId="ADAL" clId="{AF9CAFC3-B7B0-462A-8080-455BF6740E08}" dt="2022-05-04T15:11:18.667" v="108" actId="692"/>
+          <ac:cxnSpMkLst>
+            <pc:docMk/>
+            <pc:sldMk cId="4064143564" sldId="274"/>
+            <ac:cxnSpMk id="21" creationId="{15E7D1D0-E3E7-4A61-A076-3D40F9EAFB17}"/>
+          </ac:cxnSpMkLst>
+        </pc:cxnChg>
+        <pc:cxnChg chg="add mod">
+          <ac:chgData name="Lucas Kaczynski" userId="708919b4-25d7-44a9-b300-2323f832514c" providerId="ADAL" clId="{AF9CAFC3-B7B0-462A-8080-455BF6740E08}" dt="2022-05-04T15:05:01.562" v="46" actId="692"/>
+          <ac:cxnSpMkLst>
+            <pc:docMk/>
+            <pc:sldMk cId="4064143564" sldId="274"/>
+            <ac:cxnSpMk id="22" creationId="{62F8220F-80C6-4E72-B2C5-80FBA93C6E2A}"/>
+          </ac:cxnSpMkLst>
+        </pc:cxnChg>
+        <pc:cxnChg chg="add mod">
+          <ac:chgData name="Lucas Kaczynski" userId="708919b4-25d7-44a9-b300-2323f832514c" providerId="ADAL" clId="{AF9CAFC3-B7B0-462A-8080-455BF6740E08}" dt="2022-05-04T15:04:57.806" v="45" actId="692"/>
+          <ac:cxnSpMkLst>
+            <pc:docMk/>
+            <pc:sldMk cId="4064143564" sldId="274"/>
+            <ac:cxnSpMk id="23" creationId="{825BB289-1100-4EE1-9ACF-5EC5FF6DC2BF}"/>
+          </ac:cxnSpMkLst>
+        </pc:cxnChg>
+      </pc:sldChg>
+      <pc:sldChg chg="addSp delSp modSp add mod ord modShow">
+        <pc:chgData name="Lucas Kaczynski" userId="708919b4-25d7-44a9-b300-2323f832514c" providerId="ADAL" clId="{AF9CAFC3-B7B0-462A-8080-455BF6740E08}" dt="2022-05-04T15:07:14.021" v="75"/>
+        <pc:sldMkLst>
+          <pc:docMk/>
+          <pc:sldMk cId="3906682851" sldId="275"/>
+        </pc:sldMkLst>
+        <pc:spChg chg="mod">
+          <ac:chgData name="Lucas Kaczynski" userId="708919b4-25d7-44a9-b300-2323f832514c" providerId="ADAL" clId="{AF9CAFC3-B7B0-462A-8080-455BF6740E08}" dt="2022-05-04T15:07:09.916" v="73" actId="20577"/>
+          <ac:spMkLst>
+            <pc:docMk/>
+            <pc:sldMk cId="3906682851" sldId="275"/>
+            <ac:spMk id="2" creationId="{41BEF49C-9A74-47E5-BEA8-0F56E53ACD27}"/>
+          </ac:spMkLst>
+        </pc:spChg>
+        <pc:spChg chg="add mod ord">
+          <ac:chgData name="Lucas Kaczynski" userId="708919b4-25d7-44a9-b300-2323f832514c" providerId="ADAL" clId="{AF9CAFC3-B7B0-462A-8080-455BF6740E08}" dt="2022-05-04T15:06:12.536" v="55" actId="167"/>
+          <ac:spMkLst>
+            <pc:docMk/>
+            <pc:sldMk cId="3906682851" sldId="275"/>
+            <ac:spMk id="3" creationId="{BC18DBFF-01AE-421A-9F18-50499284929B}"/>
+          </ac:spMkLst>
+        </pc:spChg>
+        <pc:spChg chg="del mod">
+          <ac:chgData name="Lucas Kaczynski" userId="708919b4-25d7-44a9-b300-2323f832514c" providerId="ADAL" clId="{AF9CAFC3-B7B0-462A-8080-455BF6740E08}" dt="2022-05-04T15:06:17.537" v="58" actId="478"/>
+          <ac:spMkLst>
+            <pc:docMk/>
+            <pc:sldMk cId="3906682851" sldId="275"/>
+            <ac:spMk id="7" creationId="{9BA4BE39-D5CC-4407-B8B9-8C17DDB719B4}"/>
+          </ac:spMkLst>
+        </pc:spChg>
+        <pc:spChg chg="del">
+          <ac:chgData name="Lucas Kaczynski" userId="708919b4-25d7-44a9-b300-2323f832514c" providerId="ADAL" clId="{AF9CAFC3-B7B0-462A-8080-455BF6740E08}" dt="2022-05-04T15:06:20.847" v="60" actId="478"/>
+          <ac:spMkLst>
+            <pc:docMk/>
+            <pc:sldMk cId="3906682851" sldId="275"/>
+            <ac:spMk id="11" creationId="{8C0CABCE-9729-4340-BE4A-358949FD759E}"/>
+          </ac:spMkLst>
+        </pc:spChg>
+        <pc:spChg chg="del">
+          <ac:chgData name="Lucas Kaczynski" userId="708919b4-25d7-44a9-b300-2323f832514c" providerId="ADAL" clId="{AF9CAFC3-B7B0-462A-8080-455BF6740E08}" dt="2022-05-04T15:06:19.425" v="59" actId="478"/>
+          <ac:spMkLst>
+            <pc:docMk/>
+            <pc:sldMk cId="3906682851" sldId="275"/>
+            <ac:spMk id="19" creationId="{92F382EB-2698-4AE3-8689-76B65CE3AAFD}"/>
+          </ac:spMkLst>
+        </pc:spChg>
+        <pc:spChg chg="del">
+          <ac:chgData name="Lucas Kaczynski" userId="708919b4-25d7-44a9-b300-2323f832514c" providerId="ADAL" clId="{AF9CAFC3-B7B0-462A-8080-455BF6740E08}" dt="2022-05-04T15:06:03.644" v="54" actId="478"/>
+          <ac:spMkLst>
+            <pc:docMk/>
+            <pc:sldMk cId="3906682851" sldId="275"/>
+            <ac:spMk id="23" creationId="{17004FF8-7BBD-478D-A1EC-664852512FB2}"/>
+          </ac:spMkLst>
+        </pc:spChg>
+        <pc:grpChg chg="del">
+          <ac:chgData name="Lucas Kaczynski" userId="708919b4-25d7-44a9-b300-2323f832514c" providerId="ADAL" clId="{AF9CAFC3-B7B0-462A-8080-455BF6740E08}" dt="2022-05-04T15:06:13.798" v="56" actId="478"/>
+          <ac:grpSpMkLst>
+            <pc:docMk/>
+            <pc:sldMk cId="3906682851" sldId="275"/>
+            <ac:grpSpMk id="24" creationId="{E43CD1C5-71EC-4B1C-BB00-55F5529E774E}"/>
+          </ac:grpSpMkLst>
+        </pc:grpChg>
+        <pc:picChg chg="del">
+          <ac:chgData name="Lucas Kaczynski" userId="708919b4-25d7-44a9-b300-2323f832514c" providerId="ADAL" clId="{AF9CAFC3-B7B0-462A-8080-455BF6740E08}" dt="2022-05-04T15:05:55.783" v="53" actId="478"/>
+          <ac:picMkLst>
+            <pc:docMk/>
+            <pc:sldMk cId="3906682851" sldId="275"/>
+            <ac:picMk id="1026" creationId="{A6B07CCD-D2CC-42B8-93BA-AB79E27EC9E7}"/>
+          </ac:picMkLst>
+        </pc:picChg>
+      </pc:sldChg>
+      <pc:sldChg chg="addSp delSp modSp add mod modNotesTx">
+        <pc:chgData name="Lucas Kaczynski" userId="708919b4-25d7-44a9-b300-2323f832514c" providerId="ADAL" clId="{AF9CAFC3-B7B0-462A-8080-455BF6740E08}" dt="2022-05-09T12:38:49.714" v="1422" actId="20577"/>
+        <pc:sldMkLst>
+          <pc:docMk/>
+          <pc:sldMk cId="2378724020" sldId="276"/>
+        </pc:sldMkLst>
+        <pc:spChg chg="mod">
+          <ac:chgData name="Lucas Kaczynski" userId="708919b4-25d7-44a9-b300-2323f832514c" providerId="ADAL" clId="{AF9CAFC3-B7B0-462A-8080-455BF6740E08}" dt="2022-05-04T15:13:29.789" v="115" actId="1076"/>
+          <ac:spMkLst>
+            <pc:docMk/>
+            <pc:sldMk cId="2378724020" sldId="276"/>
+            <ac:spMk id="2" creationId="{6A6CFDC0-5DE2-410C-961A-B89176639397}"/>
+          </ac:spMkLst>
+        </pc:spChg>
+        <pc:spChg chg="add mod">
+          <ac:chgData name="Lucas Kaczynski" userId="708919b4-25d7-44a9-b300-2323f832514c" providerId="ADAL" clId="{AF9CAFC3-B7B0-462A-8080-455BF6740E08}" dt="2022-05-04T15:13:42.749" v="121"/>
+          <ac:spMkLst>
+            <pc:docMk/>
+            <pc:sldMk cId="2378724020" sldId="276"/>
+            <ac:spMk id="16" creationId="{6E195DF1-1F99-4CFF-AB9E-D6C2759A4202}"/>
+          </ac:spMkLst>
+        </pc:spChg>
+        <pc:spChg chg="mod">
+          <ac:chgData name="Lucas Kaczynski" userId="708919b4-25d7-44a9-b300-2323f832514c" providerId="ADAL" clId="{AF9CAFC3-B7B0-462A-8080-455BF6740E08}" dt="2022-05-04T15:13:42.749" v="121"/>
+          <ac:spMkLst>
+            <pc:docMk/>
+            <pc:sldMk cId="2378724020" sldId="276"/>
+            <ac:spMk id="18" creationId="{9CA323E3-F4D0-4DBD-B645-56A12127229A}"/>
+          </ac:spMkLst>
+        </pc:spChg>
+        <pc:spChg chg="mod">
+          <ac:chgData name="Lucas Kaczynski" userId="708919b4-25d7-44a9-b300-2323f832514c" providerId="ADAL" clId="{AF9CAFC3-B7B0-462A-8080-455BF6740E08}" dt="2022-05-04T15:13:42.749" v="121"/>
+          <ac:spMkLst>
+            <pc:docMk/>
+            <pc:sldMk cId="2378724020" sldId="276"/>
+            <ac:spMk id="19" creationId="{2513FB95-A2EE-4773-90E3-A36208D39790}"/>
+          </ac:spMkLst>
+        </pc:spChg>
+        <pc:spChg chg="add mod">
+          <ac:chgData name="Lucas Kaczynski" userId="708919b4-25d7-44a9-b300-2323f832514c" providerId="ADAL" clId="{AF9CAFC3-B7B0-462A-8080-455BF6740E08}" dt="2022-05-04T15:13:42.749" v="121"/>
+          <ac:spMkLst>
+            <pc:docMk/>
+            <pc:sldMk cId="2378724020" sldId="276"/>
+            <ac:spMk id="20" creationId="{0D8727F7-9A6F-4112-9DB5-546098A25595}"/>
+          </ac:spMkLst>
+        </pc:spChg>
+        <pc:spChg chg="mod">
+          <ac:chgData name="Lucas Kaczynski" userId="708919b4-25d7-44a9-b300-2323f832514c" providerId="ADAL" clId="{AF9CAFC3-B7B0-462A-8080-455BF6740E08}" dt="2022-05-04T15:13:42.749" v="121"/>
+          <ac:spMkLst>
+            <pc:docMk/>
+            <pc:sldMk cId="2378724020" sldId="276"/>
+            <ac:spMk id="22" creationId="{438E4974-5BAB-4461-BA59-FB76678032F7}"/>
+          </ac:spMkLst>
+        </pc:spChg>
+        <pc:spChg chg="mod">
+          <ac:chgData name="Lucas Kaczynski" userId="708919b4-25d7-44a9-b300-2323f832514c" providerId="ADAL" clId="{AF9CAFC3-B7B0-462A-8080-455BF6740E08}" dt="2022-05-04T15:13:42.749" v="121"/>
+          <ac:spMkLst>
+            <pc:docMk/>
+            <pc:sldMk cId="2378724020" sldId="276"/>
+            <ac:spMk id="23" creationId="{85C14738-2035-4A08-ACEE-235B761419C0}"/>
+          </ac:spMkLst>
+        </pc:spChg>
+        <pc:spChg chg="add mod">
+          <ac:chgData name="Lucas Kaczynski" userId="708919b4-25d7-44a9-b300-2323f832514c" providerId="ADAL" clId="{AF9CAFC3-B7B0-462A-8080-455BF6740E08}" dt="2022-05-04T15:13:42.749" v="121"/>
+          <ac:spMkLst>
+            <pc:docMk/>
+            <pc:sldMk cId="2378724020" sldId="276"/>
+            <ac:spMk id="24" creationId="{42F9A34E-9F52-4A05-BE12-3F1B7CB51226}"/>
+          </ac:spMkLst>
+        </pc:spChg>
+        <pc:spChg chg="mod">
+          <ac:chgData name="Lucas Kaczynski" userId="708919b4-25d7-44a9-b300-2323f832514c" providerId="ADAL" clId="{AF9CAFC3-B7B0-462A-8080-455BF6740E08}" dt="2022-05-04T15:13:42.749" v="121"/>
+          <ac:spMkLst>
+            <pc:docMk/>
+            <pc:sldMk cId="2378724020" sldId="276"/>
+            <ac:spMk id="26" creationId="{40B7B2B4-E520-4977-BE88-C78420F65946}"/>
+          </ac:spMkLst>
+        </pc:spChg>
+        <pc:spChg chg="mod">
+          <ac:chgData name="Lucas Kaczynski" userId="708919b4-25d7-44a9-b300-2323f832514c" providerId="ADAL" clId="{AF9CAFC3-B7B0-462A-8080-455BF6740E08}" dt="2022-05-04T15:13:42.749" v="121"/>
+          <ac:spMkLst>
+            <pc:docMk/>
+            <pc:sldMk cId="2378724020" sldId="276"/>
+            <ac:spMk id="27" creationId="{AD5D2F99-4098-4BCE-BE03-E09D4D73F936}"/>
+          </ac:spMkLst>
+        </pc:spChg>
+        <pc:spChg chg="add mod">
+          <ac:chgData name="Lucas Kaczynski" userId="708919b4-25d7-44a9-b300-2323f832514c" providerId="ADAL" clId="{AF9CAFC3-B7B0-462A-8080-455BF6740E08}" dt="2022-05-04T15:13:42.749" v="121"/>
+          <ac:spMkLst>
+            <pc:docMk/>
+            <pc:sldMk cId="2378724020" sldId="276"/>
+            <ac:spMk id="28" creationId="{EB9CCD2F-C7A3-4ED6-A830-1005D8987844}"/>
+          </ac:spMkLst>
+        </pc:spChg>
+        <pc:spChg chg="mod">
+          <ac:chgData name="Lucas Kaczynski" userId="708919b4-25d7-44a9-b300-2323f832514c" providerId="ADAL" clId="{AF9CAFC3-B7B0-462A-8080-455BF6740E08}" dt="2022-05-04T15:13:42.749" v="121"/>
+          <ac:spMkLst>
+            <pc:docMk/>
+            <pc:sldMk cId="2378724020" sldId="276"/>
+            <ac:spMk id="30" creationId="{1B278218-DF43-4558-8805-9DAFBEABE4B6}"/>
+          </ac:spMkLst>
+        </pc:spChg>
+        <pc:spChg chg="mod">
+          <ac:chgData name="Lucas Kaczynski" userId="708919b4-25d7-44a9-b300-2323f832514c" providerId="ADAL" clId="{AF9CAFC3-B7B0-462A-8080-455BF6740E08}" dt="2022-05-04T15:28:17.990" v="209" actId="400"/>
+          <ac:spMkLst>
+            <pc:docMk/>
+            <pc:sldMk cId="2378724020" sldId="276"/>
+            <ac:spMk id="31" creationId="{FC555DFB-CBBC-41CC-BCE2-449F5DC86508}"/>
+          </ac:spMkLst>
+        </pc:spChg>
+        <pc:spChg chg="add mod">
+          <ac:chgData name="Lucas Kaczynski" userId="708919b4-25d7-44a9-b300-2323f832514c" providerId="ADAL" clId="{AF9CAFC3-B7B0-462A-8080-455BF6740E08}" dt="2022-05-04T15:13:42.749" v="121"/>
+          <ac:spMkLst>
+            <pc:docMk/>
+            <pc:sldMk cId="2378724020" sldId="276"/>
+            <ac:spMk id="32" creationId="{CAF54C21-1801-4B7D-8619-499781B88714}"/>
+          </ac:spMkLst>
+        </pc:spChg>
+        <pc:spChg chg="mod">
+          <ac:chgData name="Lucas Kaczynski" userId="708919b4-25d7-44a9-b300-2323f832514c" providerId="ADAL" clId="{AF9CAFC3-B7B0-462A-8080-455BF6740E08}" dt="2022-05-04T15:13:42.749" v="121"/>
+          <ac:spMkLst>
+            <pc:docMk/>
+            <pc:sldMk cId="2378724020" sldId="276"/>
+            <ac:spMk id="34" creationId="{8E4389AF-1602-4F7B-BB5A-68B949739C15}"/>
+          </ac:spMkLst>
+        </pc:spChg>
+        <pc:spChg chg="mod">
+          <ac:chgData name="Lucas Kaczynski" userId="708919b4-25d7-44a9-b300-2323f832514c" providerId="ADAL" clId="{AF9CAFC3-B7B0-462A-8080-455BF6740E08}" dt="2022-05-04T15:13:42.749" v="121"/>
+          <ac:spMkLst>
+            <pc:docMk/>
+            <pc:sldMk cId="2378724020" sldId="276"/>
+            <ac:spMk id="35" creationId="{EEA17FF5-6DAF-424D-AF42-820761329F6C}"/>
+          </ac:spMkLst>
+        </pc:spChg>
+        <pc:grpChg chg="add mod">
+          <ac:chgData name="Lucas Kaczynski" userId="708919b4-25d7-44a9-b300-2323f832514c" providerId="ADAL" clId="{AF9CAFC3-B7B0-462A-8080-455BF6740E08}" dt="2022-05-04T15:13:42.749" v="121"/>
+          <ac:grpSpMkLst>
+            <pc:docMk/>
+            <pc:sldMk cId="2378724020" sldId="276"/>
+            <ac:grpSpMk id="17" creationId="{04956F6E-43BD-4198-AAC4-BE2DC7D24382}"/>
+          </ac:grpSpMkLst>
+        </pc:grpChg>
+        <pc:grpChg chg="add mod">
+          <ac:chgData name="Lucas Kaczynski" userId="708919b4-25d7-44a9-b300-2323f832514c" providerId="ADAL" clId="{AF9CAFC3-B7B0-462A-8080-455BF6740E08}" dt="2022-05-04T15:13:42.749" v="121"/>
+          <ac:grpSpMkLst>
+            <pc:docMk/>
+            <pc:sldMk cId="2378724020" sldId="276"/>
+            <ac:grpSpMk id="21" creationId="{8508D922-3896-4B52-802A-E13816AB1F08}"/>
+          </ac:grpSpMkLst>
+        </pc:grpChg>
+        <pc:grpChg chg="add mod">
+          <ac:chgData name="Lucas Kaczynski" userId="708919b4-25d7-44a9-b300-2323f832514c" providerId="ADAL" clId="{AF9CAFC3-B7B0-462A-8080-455BF6740E08}" dt="2022-05-04T15:13:42.749" v="121"/>
+          <ac:grpSpMkLst>
+            <pc:docMk/>
+            <pc:sldMk cId="2378724020" sldId="276"/>
+            <ac:grpSpMk id="25" creationId="{03D501B9-A30E-4CA5-8499-0AE9D841BBE3}"/>
+          </ac:grpSpMkLst>
+        </pc:grpChg>
+        <pc:grpChg chg="add mod">
+          <ac:chgData name="Lucas Kaczynski" userId="708919b4-25d7-44a9-b300-2323f832514c" providerId="ADAL" clId="{AF9CAFC3-B7B0-462A-8080-455BF6740E08}" dt="2022-05-04T15:13:42.749" v="121"/>
+          <ac:grpSpMkLst>
+            <pc:docMk/>
+            <pc:sldMk cId="2378724020" sldId="276"/>
+            <ac:grpSpMk id="29" creationId="{F5A21062-3B4F-4A6E-B730-C505A4D796CD}"/>
+          </ac:grpSpMkLst>
+        </pc:grpChg>
+        <pc:grpChg chg="add mod">
+          <ac:chgData name="Lucas Kaczynski" userId="708919b4-25d7-44a9-b300-2323f832514c" providerId="ADAL" clId="{AF9CAFC3-B7B0-462A-8080-455BF6740E08}" dt="2022-05-04T15:13:42.749" v="121"/>
+          <ac:grpSpMkLst>
+            <pc:docMk/>
+            <pc:sldMk cId="2378724020" sldId="276"/>
+            <ac:grpSpMk id="33" creationId="{9475E9A8-E1F2-495A-BF03-B7C7F4DC431B}"/>
+          </ac:grpSpMkLst>
+        </pc:grpChg>
+        <pc:graphicFrameChg chg="del mod">
+          <ac:chgData name="Lucas Kaczynski" userId="708919b4-25d7-44a9-b300-2323f832514c" providerId="ADAL" clId="{AF9CAFC3-B7B0-462A-8080-455BF6740E08}" dt="2022-05-04T15:13:41.396" v="120" actId="478"/>
+          <ac:graphicFrameMkLst>
+            <pc:docMk/>
+            <pc:sldMk cId="2378724020" sldId="276"/>
+            <ac:graphicFrameMk id="9" creationId="{60A33CBF-DE16-4C1D-BF35-F06D1970B5CF}"/>
+          </ac:graphicFrameMkLst>
+        </pc:graphicFrameChg>
+      </pc:sldChg>
+      <pc:sldChg chg="addSp delSp modSp add mod ord modNotesTx">
+        <pc:chgData name="Lucas Kaczynski" userId="708919b4-25d7-44a9-b300-2323f832514c" providerId="ADAL" clId="{AF9CAFC3-B7B0-462A-8080-455BF6740E08}" dt="2022-05-09T12:36:43.813" v="1253" actId="20577"/>
+        <pc:sldMkLst>
+          <pc:docMk/>
+          <pc:sldMk cId="2104648763" sldId="277"/>
+        </pc:sldMkLst>
+        <pc:spChg chg="mod">
+          <ac:chgData name="Lucas Kaczynski" userId="708919b4-25d7-44a9-b300-2323f832514c" providerId="ADAL" clId="{AF9CAFC3-B7B0-462A-8080-455BF6740E08}" dt="2022-05-04T15:20:02.455" v="142" actId="20577"/>
+          <ac:spMkLst>
+            <pc:docMk/>
+            <pc:sldMk cId="2104648763" sldId="277"/>
+            <ac:spMk id="2" creationId="{6A6CFDC0-5DE2-410C-961A-B89176639397}"/>
+          </ac:spMkLst>
+        </pc:spChg>
+        <pc:spChg chg="del">
+          <ac:chgData name="Lucas Kaczynski" userId="708919b4-25d7-44a9-b300-2323f832514c" providerId="ADAL" clId="{AF9CAFC3-B7B0-462A-8080-455BF6740E08}" dt="2022-05-04T15:35:08.591" v="300" actId="478"/>
+          <ac:spMkLst>
+            <pc:docMk/>
+            <pc:sldMk cId="2104648763" sldId="277"/>
+            <ac:spMk id="7" creationId="{780377B8-6937-4A10-B113-37BF87377B97}"/>
+          </ac:spMkLst>
+        </pc:spChg>
+        <pc:spChg chg="del">
+          <ac:chgData name="Lucas Kaczynski" userId="708919b4-25d7-44a9-b300-2323f832514c" providerId="ADAL" clId="{AF9CAFC3-B7B0-462A-8080-455BF6740E08}" dt="2022-05-04T15:35:08.591" v="300" actId="478"/>
+          <ac:spMkLst>
+            <pc:docMk/>
+            <pc:sldMk cId="2104648763" sldId="277"/>
+            <ac:spMk id="9" creationId="{BA806A11-12F3-448A-9F3D-64B2FAD844AA}"/>
+          </ac:spMkLst>
+        </pc:spChg>
+        <pc:spChg chg="del">
+          <ac:chgData name="Lucas Kaczynski" userId="708919b4-25d7-44a9-b300-2323f832514c" providerId="ADAL" clId="{AF9CAFC3-B7B0-462A-8080-455BF6740E08}" dt="2022-05-04T15:35:08.591" v="300" actId="478"/>
+          <ac:spMkLst>
+            <pc:docMk/>
+            <pc:sldMk cId="2104648763" sldId="277"/>
+            <ac:spMk id="12" creationId="{DB74E022-5806-4D04-8E85-16364B4EE69F}"/>
+          </ac:spMkLst>
+        </pc:spChg>
+        <pc:spChg chg="del">
+          <ac:chgData name="Lucas Kaczynski" userId="708919b4-25d7-44a9-b300-2323f832514c" providerId="ADAL" clId="{AF9CAFC3-B7B0-462A-8080-455BF6740E08}" dt="2022-05-04T15:35:08.591" v="300" actId="478"/>
+          <ac:spMkLst>
+            <pc:docMk/>
+            <pc:sldMk cId="2104648763" sldId="277"/>
+            <ac:spMk id="14" creationId="{953223C7-ED6C-4A32-BD42-B38D3E43D205}"/>
+          </ac:spMkLst>
+        </pc:spChg>
+        <pc:spChg chg="mod">
+          <ac:chgData name="Lucas Kaczynski" userId="708919b4-25d7-44a9-b300-2323f832514c" providerId="ADAL" clId="{AF9CAFC3-B7B0-462A-8080-455BF6740E08}" dt="2022-05-04T15:23:49.528" v="173" actId="20577"/>
+          <ac:spMkLst>
+            <pc:docMk/>
+            <pc:sldMk cId="2104648763" sldId="277"/>
+            <ac:spMk id="19" creationId="{25D5378C-F897-4741-942B-6E04FA679BCD}"/>
+          </ac:spMkLst>
+        </pc:spChg>
+        <pc:spChg chg="mod">
+          <ac:chgData name="Lucas Kaczynski" userId="708919b4-25d7-44a9-b300-2323f832514c" providerId="ADAL" clId="{AF9CAFC3-B7B0-462A-8080-455BF6740E08}" dt="2022-05-04T15:23:43.344" v="162" actId="20577"/>
+          <ac:spMkLst>
+            <pc:docMk/>
+            <pc:sldMk cId="2104648763" sldId="277"/>
+            <ac:spMk id="21" creationId="{00E9A149-4714-4353-BB5C-B910CBF08A43}"/>
+          </ac:spMkLst>
+        </pc:spChg>
+        <pc:spChg chg="mod">
+          <ac:chgData name="Lucas Kaczynski" userId="708919b4-25d7-44a9-b300-2323f832514c" providerId="ADAL" clId="{AF9CAFC3-B7B0-462A-8080-455BF6740E08}" dt="2022-05-04T15:23:37.446" v="153" actId="20577"/>
+          <ac:spMkLst>
+            <pc:docMk/>
+            <pc:sldMk cId="2104648763" sldId="277"/>
+            <ac:spMk id="23" creationId="{1BB51F13-25F7-4E04-AECF-AC39A158E874}"/>
+          </ac:spMkLst>
+        </pc:spChg>
+        <pc:spChg chg="del">
+          <ac:chgData name="Lucas Kaczynski" userId="708919b4-25d7-44a9-b300-2323f832514c" providerId="ADAL" clId="{AF9CAFC3-B7B0-462A-8080-455BF6740E08}" dt="2022-05-04T15:35:08.591" v="300" actId="478"/>
+          <ac:spMkLst>
+            <pc:docMk/>
+            <pc:sldMk cId="2104648763" sldId="277"/>
+            <ac:spMk id="24" creationId="{0F2FB9E3-12BE-4772-A03C-D38F3829E8D5}"/>
+          </ac:spMkLst>
+        </pc:spChg>
+        <pc:grpChg chg="del">
+          <ac:chgData name="Lucas Kaczynski" userId="708919b4-25d7-44a9-b300-2323f832514c" providerId="ADAL" clId="{AF9CAFC3-B7B0-462A-8080-455BF6740E08}" dt="2022-05-04T15:35:08.591" v="300" actId="478"/>
+          <ac:grpSpMkLst>
+            <pc:docMk/>
+            <pc:sldMk cId="2104648763" sldId="277"/>
+            <ac:grpSpMk id="8" creationId="{14C7D399-98CD-4188-92D8-D858A7DF117A}"/>
+          </ac:grpSpMkLst>
+        </pc:grpChg>
+        <pc:grpChg chg="del">
+          <ac:chgData name="Lucas Kaczynski" userId="708919b4-25d7-44a9-b300-2323f832514c" providerId="ADAL" clId="{AF9CAFC3-B7B0-462A-8080-455BF6740E08}" dt="2022-05-04T15:35:08.591" v="300" actId="478"/>
+          <ac:grpSpMkLst>
+            <pc:docMk/>
+            <pc:sldMk cId="2104648763" sldId="277"/>
+            <ac:grpSpMk id="11" creationId="{418262F6-8B29-4DB7-A900-300D5A9F3662}"/>
+          </ac:grpSpMkLst>
+        </pc:grpChg>
+        <pc:grpChg chg="del">
+          <ac:chgData name="Lucas Kaczynski" userId="708919b4-25d7-44a9-b300-2323f832514c" providerId="ADAL" clId="{AF9CAFC3-B7B0-462A-8080-455BF6740E08}" dt="2022-05-04T15:35:08.591" v="300" actId="478"/>
+          <ac:grpSpMkLst>
+            <pc:docMk/>
+            <pc:sldMk cId="2104648763" sldId="277"/>
+            <ac:grpSpMk id="13" creationId="{E74FBD9F-C169-4D83-BFCD-D9CFE733F23D}"/>
+          </ac:grpSpMkLst>
+        </pc:grpChg>
+        <pc:grpChg chg="del">
+          <ac:chgData name="Lucas Kaczynski" userId="708919b4-25d7-44a9-b300-2323f832514c" providerId="ADAL" clId="{AF9CAFC3-B7B0-462A-8080-455BF6740E08}" dt="2022-05-04T15:35:08.591" v="300" actId="478"/>
+          <ac:grpSpMkLst>
+            <pc:docMk/>
+            <pc:sldMk cId="2104648763" sldId="277"/>
+            <ac:grpSpMk id="15" creationId="{655402DF-B7E3-4030-AD0C-810234406D04}"/>
+          </ac:grpSpMkLst>
+        </pc:grpChg>
+        <pc:grpChg chg="del">
+          <ac:chgData name="Lucas Kaczynski" userId="708919b4-25d7-44a9-b300-2323f832514c" providerId="ADAL" clId="{AF9CAFC3-B7B0-462A-8080-455BF6740E08}" dt="2022-05-04T15:35:08.591" v="300" actId="478"/>
+          <ac:grpSpMkLst>
+            <pc:docMk/>
+            <pc:sldMk cId="2104648763" sldId="277"/>
+            <ac:grpSpMk id="25" creationId="{3F11B13D-445B-4BE0-BF9C-1C83EBA1D1F1}"/>
+          </ac:grpSpMkLst>
+        </pc:grpChg>
+        <pc:graphicFrameChg chg="add mod">
+          <ac:chgData name="Lucas Kaczynski" userId="708919b4-25d7-44a9-b300-2323f832514c" providerId="ADAL" clId="{AF9CAFC3-B7B0-462A-8080-455BF6740E08}" dt="2022-05-04T15:35:59.585" v="377" actId="20577"/>
+          <ac:graphicFrameMkLst>
+            <pc:docMk/>
+            <pc:sldMk cId="2104648763" sldId="277"/>
+            <ac:graphicFrameMk id="35" creationId="{E8B4E82C-C82A-49C1-882C-A1FE5480A492}"/>
+          </ac:graphicFrameMkLst>
+        </pc:graphicFrameChg>
+      </pc:sldChg>
+      <pc:sldChg chg="modSp mod">
+        <pc:chgData name="Lucas Kaczynski" userId="708919b4-25d7-44a9-b300-2323f832514c" providerId="ADAL" clId="{AF9CAFC3-B7B0-462A-8080-455BF6740E08}" dt="2022-05-06T09:41:53.421" v="405" actId="1076"/>
+        <pc:sldMkLst>
+          <pc:docMk/>
+          <pc:sldMk cId="614259539" sldId="280"/>
+        </pc:sldMkLst>
+        <pc:picChg chg="mod">
+          <ac:chgData name="Lucas Kaczynski" userId="708919b4-25d7-44a9-b300-2323f832514c" providerId="ADAL" clId="{AF9CAFC3-B7B0-462A-8080-455BF6740E08}" dt="2022-05-06T09:41:53.421" v="405" actId="1076"/>
+          <ac:picMkLst>
+            <pc:docMk/>
+            <pc:sldMk cId="614259539" sldId="280"/>
+            <ac:picMk id="5" creationId="{511A81EF-85CD-0B4E-8FAF-5920536E5CAF}"/>
+          </ac:picMkLst>
+        </pc:picChg>
+      </pc:sldChg>
+      <pc:sldChg chg="addSp delSp modSp add mod">
+        <pc:chgData name="Lucas Kaczynski" userId="708919b4-25d7-44a9-b300-2323f832514c" providerId="ADAL" clId="{AF9CAFC3-B7B0-462A-8080-455BF6740E08}" dt="2022-05-09T12:55:45.455" v="1451" actId="208"/>
+        <pc:sldMkLst>
+          <pc:docMk/>
+          <pc:sldMk cId="165153229" sldId="283"/>
+        </pc:sldMkLst>
+        <pc:spChg chg="mod">
+          <ac:chgData name="Lucas Kaczynski" userId="708919b4-25d7-44a9-b300-2323f832514c" providerId="ADAL" clId="{AF9CAFC3-B7B0-462A-8080-455BF6740E08}" dt="2022-05-09T12:08:28.031" v="466" actId="20577"/>
+          <ac:spMkLst>
+            <pc:docMk/>
+            <pc:sldMk cId="165153229" sldId="283"/>
+            <ac:spMk id="2" creationId="{1747C8D8-D661-4E78-B917-32AB748623DB}"/>
+          </ac:spMkLst>
+        </pc:spChg>
+        <pc:spChg chg="del mod">
+          <ac:chgData name="Lucas Kaczynski" userId="708919b4-25d7-44a9-b300-2323f832514c" providerId="ADAL" clId="{AF9CAFC3-B7B0-462A-8080-455BF6740E08}" dt="2022-05-09T12:11:21.813" v="468" actId="478"/>
+          <ac:spMkLst>
+            <pc:docMk/>
+            <pc:sldMk cId="165153229" sldId="283"/>
+            <ac:spMk id="5" creationId="{7A0777AF-A178-3FDE-D69E-ADE3275EE46B}"/>
+          </ac:spMkLst>
+        </pc:spChg>
+        <pc:spChg chg="add mod">
+          <ac:chgData name="Lucas Kaczynski" userId="708919b4-25d7-44a9-b300-2323f832514c" providerId="ADAL" clId="{AF9CAFC3-B7B0-462A-8080-455BF6740E08}" dt="2022-05-09T12:55:34.950" v="1449" actId="208"/>
+          <ac:spMkLst>
+            <pc:docMk/>
+            <pc:sldMk cId="165153229" sldId="283"/>
+            <ac:spMk id="9" creationId="{BFF6EB97-D69B-40C5-8390-9D94D55745FB}"/>
+          </ac:spMkLst>
+        </pc:spChg>
+        <pc:spChg chg="add mod">
+          <ac:chgData name="Lucas Kaczynski" userId="708919b4-25d7-44a9-b300-2323f832514c" providerId="ADAL" clId="{AF9CAFC3-B7B0-462A-8080-455BF6740E08}" dt="2022-05-09T12:55:45.455" v="1451" actId="208"/>
+          <ac:spMkLst>
+            <pc:docMk/>
+            <pc:sldMk cId="165153229" sldId="283"/>
+            <ac:spMk id="12" creationId="{10FFF9C8-FBA3-4220-8F2E-7418A091BC2F}"/>
+          </ac:spMkLst>
+        </pc:spChg>
+        <pc:picChg chg="add mod">
+          <ac:chgData name="Lucas Kaczynski" userId="708919b4-25d7-44a9-b300-2323f832514c" providerId="ADAL" clId="{AF9CAFC3-B7B0-462A-8080-455BF6740E08}" dt="2022-05-09T12:14:27.697" v="493" actId="1076"/>
+          <ac:picMkLst>
+            <pc:docMk/>
+            <pc:sldMk cId="165153229" sldId="283"/>
+            <ac:picMk id="6" creationId="{9AE34761-553D-49B6-9695-840386D0394B}"/>
+          </ac:picMkLst>
+        </pc:picChg>
+        <pc:picChg chg="add mod">
+          <ac:chgData name="Lucas Kaczynski" userId="708919b4-25d7-44a9-b300-2323f832514c" providerId="ADAL" clId="{AF9CAFC3-B7B0-462A-8080-455BF6740E08}" dt="2022-05-09T12:14:27.697" v="493" actId="1076"/>
+          <ac:picMkLst>
+            <pc:docMk/>
+            <pc:sldMk cId="165153229" sldId="283"/>
+            <ac:picMk id="8" creationId="{6FB05487-710D-4271-BB0D-090372EE2971}"/>
+          </ac:picMkLst>
+        </pc:picChg>
+        <pc:cxnChg chg="add mod">
+          <ac:chgData name="Lucas Kaczynski" userId="708919b4-25d7-44a9-b300-2323f832514c" providerId="ADAL" clId="{AF9CAFC3-B7B0-462A-8080-455BF6740E08}" dt="2022-05-09T12:55:41.510" v="1450" actId="208"/>
+          <ac:cxnSpMkLst>
+            <pc:docMk/>
+            <pc:sldMk cId="165153229" sldId="283"/>
+            <ac:cxnSpMk id="11" creationId="{606026FA-5649-4D46-9964-60A624606487}"/>
+          </ac:cxnSpMkLst>
+        </pc:cxnChg>
+      </pc:sldChg>
+      <pc:sldChg chg="addSp delSp modSp add mod modShow">
+        <pc:chgData name="Lucas Kaczynski" userId="708919b4-25d7-44a9-b300-2323f832514c" providerId="ADAL" clId="{AF9CAFC3-B7B0-462A-8080-455BF6740E08}" dt="2022-05-09T12:21:11.525" v="582" actId="20577"/>
+        <pc:sldMkLst>
+          <pc:docMk/>
+          <pc:sldMk cId="2628852825" sldId="284"/>
+        </pc:sldMkLst>
+        <pc:spChg chg="mod">
+          <ac:chgData name="Lucas Kaczynski" userId="708919b4-25d7-44a9-b300-2323f832514c" providerId="ADAL" clId="{AF9CAFC3-B7B0-462A-8080-455BF6740E08}" dt="2022-05-09T12:20:55.756" v="568" actId="20577"/>
+          <ac:spMkLst>
+            <pc:docMk/>
+            <pc:sldMk cId="2628852825" sldId="284"/>
+            <ac:spMk id="2" creationId="{D7130879-2349-44F2-9B21-A942E12F574C}"/>
+          </ac:spMkLst>
+        </pc:spChg>
+        <pc:spChg chg="del mod">
+          <ac:chgData name="Lucas Kaczynski" userId="708919b4-25d7-44a9-b300-2323f832514c" providerId="ADAL" clId="{AF9CAFC3-B7B0-462A-8080-455BF6740E08}" dt="2022-05-09T12:21:01.048" v="570" actId="478"/>
+          <ac:spMkLst>
+            <pc:docMk/>
+            <pc:sldMk cId="2628852825" sldId="284"/>
+            <ac:spMk id="3" creationId="{A160F1B4-1AA9-4CEB-BFE1-686D0FA4E1B5}"/>
+          </ac:spMkLst>
+        </pc:spChg>
+        <pc:spChg chg="add mod">
+          <ac:chgData name="Lucas Kaczynski" userId="708919b4-25d7-44a9-b300-2323f832514c" providerId="ADAL" clId="{AF9CAFC3-B7B0-462A-8080-455BF6740E08}" dt="2022-05-09T12:21:11.525" v="582" actId="20577"/>
+          <ac:spMkLst>
+            <pc:docMk/>
+            <pc:sldMk cId="2628852825" sldId="284"/>
+            <ac:spMk id="5" creationId="{C4D08AD4-79F3-4FD8-931D-6EE0272372F0}"/>
+          </ac:spMkLst>
+        </pc:spChg>
+      </pc:sldChg>
     </pc:docChg>
   </pc:docChgLst>
 </pc:chgInfo>
-</file>
-
-<file path=ppt/comments/comment1.xml><?xml version="1.0" encoding="utf-8"?>
-<p:cmLst xmlns:a="http://schemas.openxmlformats.org/drawingml/2006/main" xmlns:r="http://schemas.openxmlformats.org/officeDocument/2006/relationships" xmlns:p="http://schemas.openxmlformats.org/presentationml/2006/main">
-  <p:cm authorId="1" dt="2021-11-12T10:29:11.466" idx="2">
-    <p:pos x="10" y="10"/>
-    <p:text>Bilder</p:text>
-    <p:extLst>
-      <p:ext uri="{C676402C-5697-4E1C-873F-D02D1690AC5C}">
-        <p15:threadingInfo xmlns:p15="http://schemas.microsoft.com/office/powerpoint/2012/main" timeZoneBias="-60"/>
-      </p:ext>
-    </p:extLst>
-  </p:cm>
-</p:cmLst>
-</file>
-
-<file path=ppt/comments/comment2.xml><?xml version="1.0" encoding="utf-8"?>
-<p:cmLst xmlns:a="http://schemas.openxmlformats.org/drawingml/2006/main" xmlns:r="http://schemas.openxmlformats.org/officeDocument/2006/relationships" xmlns:p="http://schemas.openxmlformats.org/presentationml/2006/main">
-  <p:cm authorId="1" dt="2021-11-12T10:31:40.013" idx="9">
-    <p:pos x="10" y="10"/>
-    <p:text>Wording /F10/ Modularisierung der base64 Funktion</p:text>
-    <p:extLst>
-      <p:ext uri="{C676402C-5697-4E1C-873F-D02D1690AC5C}">
-        <p15:threadingInfo xmlns:p15="http://schemas.microsoft.com/office/powerpoint/2012/main" timeZoneBias="-60"/>
-      </p:ext>
-    </p:extLst>
-  </p:cm>
-  <p:cm authorId="1" dt="2021-11-12T10:32:11.923" idx="10">
-    <p:pos x="106" y="106"/>
-    <p:text>Implementierung des Testserver am Anfang (Timeline)</p:text>
-    <p:extLst>
-      <p:ext uri="{C676402C-5697-4E1C-873F-D02D1690AC5C}">
-        <p15:threadingInfo xmlns:p15="http://schemas.microsoft.com/office/powerpoint/2012/main" timeZoneBias="-60"/>
-      </p:ext>
-    </p:extLst>
-  </p:cm>
-</p:cmLst>
-</file>
-
-<file path=ppt/comments/comment3.xml><?xml version="1.0" encoding="utf-8"?>
-<p:cmLst xmlns:a="http://schemas.openxmlformats.org/drawingml/2006/main" xmlns:r="http://schemas.openxmlformats.org/officeDocument/2006/relationships" xmlns:p="http://schemas.openxmlformats.org/presentationml/2006/main">
-  <p:cm authorId="1" dt="2021-11-12T10:32:47.712" idx="11">
-    <p:pos x="10" y="10"/>
-    <p:text>Nicht Funktionale Anforderungen ist ungleich Optionale Anforderungen</p:text>
-    <p:extLst>
-      <p:ext uri="{C676402C-5697-4E1C-873F-D02D1690AC5C}">
-        <p15:threadingInfo xmlns:p15="http://schemas.microsoft.com/office/powerpoint/2012/main" timeZoneBias="-60"/>
-      </p:ext>
-    </p:extLst>
-  </p:cm>
-</p:cmLst>
-</file>
-
-<file path=ppt/comments/comment4.xml><?xml version="1.0" encoding="utf-8"?>
-<p:cmLst xmlns:a="http://schemas.openxmlformats.org/drawingml/2006/main" xmlns:r="http://schemas.openxmlformats.org/officeDocument/2006/relationships" xmlns:p="http://schemas.openxmlformats.org/presentationml/2006/main">
-  <p:cm authorId="1" dt="2021-11-12T10:34:01.007" idx="15">
-    <p:pos x="10" y="10"/>
-    <p:text>Reihenfolge wegen Demoserver sollte Teil von Punkt 2 sein</p:text>
-    <p:extLst>
-      <p:ext uri="{C676402C-5697-4E1C-873F-D02D1690AC5C}">
-        <p15:threadingInfo xmlns:p15="http://schemas.microsoft.com/office/powerpoint/2012/main" timeZoneBias="-60"/>
-      </p:ext>
-    </p:extLst>
-  </p:cm>
-  <p:cm authorId="1" dt="2021-11-12T10:34:34.235" idx="16">
-    <p:pos x="106" y="106"/>
-    <p:text>Demoserver: "Eigentlich ganz Simpel"</p:text>
-    <p:extLst>
-      <p:ext uri="{C676402C-5697-4E1C-873F-D02D1690AC5C}">
-        <p15:threadingInfo xmlns:p15="http://schemas.microsoft.com/office/powerpoint/2012/main" timeZoneBias="-60"/>
-      </p:ext>
-    </p:extLst>
-  </p:cm>
-</p:cmLst>
-</file>
-
-<file path=ppt/comments/comment5.xml><?xml version="1.0" encoding="utf-8"?>
-<p:cmLst xmlns:a="http://schemas.openxmlformats.org/drawingml/2006/main" xmlns:r="http://schemas.openxmlformats.org/officeDocument/2006/relationships" xmlns:p="http://schemas.openxmlformats.org/presentationml/2006/main">
-  <p:cm authorId="1" dt="2021-11-12T10:33:08.123" idx="12">
-    <p:pos x="10" y="10"/>
-    <p:text>Sponsor suchen</p:text>
-    <p:extLst>
-      <p:ext uri="{C676402C-5697-4E1C-873F-D02D1690AC5C}">
-        <p15:threadingInfo xmlns:p15="http://schemas.microsoft.com/office/powerpoint/2012/main" timeZoneBias="-60"/>
-      </p:ext>
-    </p:extLst>
-  </p:cm>
-  <p:cm authorId="1" dt="2021-11-12T10:33:26.472" idx="14">
-    <p:pos x="106" y="106"/>
-    <p:text>Typische Freelancer Stundensätze</p:text>
-    <p:extLst>
-      <p:ext uri="{C676402C-5697-4E1C-873F-D02D1690AC5C}">
-        <p15:threadingInfo xmlns:p15="http://schemas.microsoft.com/office/powerpoint/2012/main" timeZoneBias="-60"/>
-      </p:ext>
-    </p:extLst>
-  </p:cm>
-</p:cmLst>
-</file>
-
-<file path=ppt/comments/comment6.xml><?xml version="1.0" encoding="utf-8"?>
-<p:cmLst xmlns:a="http://schemas.openxmlformats.org/drawingml/2006/main" xmlns:r="http://schemas.openxmlformats.org/officeDocument/2006/relationships" xmlns:p="http://schemas.openxmlformats.org/presentationml/2006/main">
-  <p:cm authorId="1" dt="2021-11-12T10:29:27.835" idx="3">
-    <p:pos x="10" y="10"/>
-    <p:text>link auf Hauptseite von lwIP</p:text>
-    <p:extLst>
-      <p:ext uri="{C676402C-5697-4E1C-873F-D02D1690AC5C}">
-        <p15:threadingInfo xmlns:p15="http://schemas.microsoft.com/office/powerpoint/2012/main" timeZoneBias="-60"/>
-      </p:ext>
-    </p:extLst>
-  </p:cm>
-  <p:cm authorId="1" dt="2021-11-12T10:30:26.061" idx="6">
-    <p:pos x="106" y="106"/>
-    <p:text>roter pfeil auf http darum geht es</p:text>
-    <p:extLst>
-      <p:ext uri="{C676402C-5697-4E1C-873F-D02D1690AC5C}">
-        <p15:threadingInfo xmlns:p15="http://schemas.microsoft.com/office/powerpoint/2012/main" timeZoneBias="-60"/>
-      </p:ext>
-    </p:extLst>
-  </p:cm>
-</p:cmLst>
 </file>
 
 <file path=ppt/diagrams/colors1.xml><?xml version="1.0" encoding="utf-8"?>
@@ -4584,18 +7593,13 @@
         <a:lstStyle/>
         <a:p>
           <a:r>
-            <a:rPr lang="de-DE" dirty="0" err="1"/>
+            <a:rPr lang="de-DE" err="1"/>
             <a:t>Lessons</a:t>
           </a:r>
           <a:r>
-            <a:rPr lang="de-DE" dirty="0"/>
-            <a:t> </a:t>
+            <a:rPr lang="de-DE"/>
+            <a:t> Learned</a:t>
           </a:r>
-          <a:r>
-            <a:rPr lang="de-DE" dirty="0" err="1"/>
-            <a:t>Learned</a:t>
-          </a:r>
-          <a:endParaRPr lang="de-DE" dirty="0"/>
         </a:p>
       </dgm:t>
     </dgm:pt>
@@ -4633,7 +7637,7 @@
         <a:lstStyle/>
         <a:p>
           <a:r>
-            <a:rPr lang="de-DE" dirty="0"/>
+            <a:rPr lang="de-DE"/>
             <a:t>Motivation nicht verlieren</a:t>
           </a:r>
         </a:p>
@@ -4679,7 +7683,7 @@
         <a:lstStyle/>
         <a:p>
           <a:r>
-            <a:rPr lang="de-DE" dirty="0"/>
+            <a:rPr lang="de-DE"/>
             <a:t>Kleinteiligere Aufgabenpakete</a:t>
           </a:r>
         </a:p>
@@ -4725,7 +7729,7 @@
         <a:lstStyle/>
         <a:p>
           <a:r>
-            <a:rPr lang="de-DE" dirty="0"/>
+            <a:rPr lang="de-DE"/>
             <a:t>Auftraggeber nach jedem Meeting Protokoll zukommen lassen</a:t>
           </a:r>
         </a:p>
@@ -4771,13 +7775,13 @@
         <a:lstStyle/>
         <a:p>
           <a:r>
-            <a:rPr lang="de-DE" dirty="0"/>
+            <a:rPr lang="de-DE"/>
             <a:t>Regelmäßigere Rücksprache mit Auftraggeber</a:t>
           </a:r>
         </a:p>
       </dgm:t>
     </dgm:pt>
-    <dgm:pt modelId="{88EAEA77-00F6-4055-B470-08FE83468149}" type="parTrans" cxnId="{53EAD023-19A3-421A-B700-1AD2B460F0EE}">
+    <dgm:pt modelId="{88EAEA77-00F6-4055-B470-08FE83468149}" type="parTrans" cxnId="{BEAE93B7-0B5C-4939-AC71-AB01445D2920}">
       <dgm:prSet/>
       <dgm:spPr>
         <a:solidFill>
@@ -4794,7 +7798,7 @@
         </a:p>
       </dgm:t>
     </dgm:pt>
-    <dgm:pt modelId="{038820F3-02DC-4BC0-B964-DF88EBF3E3F8}" type="sibTrans" cxnId="{53EAD023-19A3-421A-B700-1AD2B460F0EE}">
+    <dgm:pt modelId="{038820F3-02DC-4BC0-B964-DF88EBF3E3F8}" type="sibTrans" cxnId="{BEAE93B7-0B5C-4939-AC71-AB01445D2920}">
       <dgm:prSet/>
       <dgm:spPr/>
       <dgm:t>
@@ -4871,17 +7875,17 @@
   </dgm:ptLst>
   <dgm:cxnLst>
     <dgm:cxn modelId="{30519902-2C48-4FAE-8616-810F369BB705}" srcId="{63FC6490-5E4B-49CC-B430-23272EFD8234}" destId="{6ADE2A56-602D-4849-88AA-C974F3F0D946}" srcOrd="1" destOrd="0" parTransId="{5807F1B1-B4AA-4C10-B42D-C23DDF23AE5F}" sibTransId="{4D6EC937-C244-4761-97B7-6D3660F5EA55}"/>
-    <dgm:cxn modelId="{53EAD023-19A3-421A-B700-1AD2B460F0EE}" srcId="{63FC6490-5E4B-49CC-B430-23272EFD8234}" destId="{95F2755F-2EBA-4617-85F5-0354F1B22235}" srcOrd="3" destOrd="0" parTransId="{88EAEA77-00F6-4055-B470-08FE83468149}" sibTransId="{038820F3-02DC-4BC0-B964-DF88EBF3E3F8}"/>
+    <dgm:cxn modelId="{6C73186B-B657-453F-A7FC-314A2B47BBF1}" type="presOf" srcId="{88EAEA77-00F6-4055-B470-08FE83468149}" destId="{7D17C13E-0EDB-4D75-8F94-6F51E93B9A9D}" srcOrd="0" destOrd="0" presId="urn:microsoft.com/office/officeart/2005/8/layout/radial4"/>
+    <dgm:cxn modelId="{75E6F754-FA1B-44AD-AB42-F751D91E6F1C}" type="presOf" srcId="{95F2755F-2EBA-4617-85F5-0354F1B22235}" destId="{37DD2F54-9B0D-439D-A026-23B4799EA96D}" srcOrd="0" destOrd="0" presId="urn:microsoft.com/office/officeart/2005/8/layout/radial4"/>
     <dgm:cxn modelId="{7B741776-8D66-4C63-8502-330E164D23B3}" type="presOf" srcId="{63FC6490-5E4B-49CC-B430-23272EFD8234}" destId="{68467153-86A8-4E52-89B9-D910449B2CE5}" srcOrd="0" destOrd="0" presId="urn:microsoft.com/office/officeart/2005/8/layout/radial4"/>
     <dgm:cxn modelId="{6B728E76-A858-4102-A283-A344CD308D02}" srcId="{97BB45A4-39B8-46B0-98DA-328B5495E1DF}" destId="{63FC6490-5E4B-49CC-B430-23272EFD8234}" srcOrd="0" destOrd="0" parTransId="{CD3F68DA-196E-4BFF-8ED3-152EC0AAF052}" sibTransId="{738D3D3F-0EB7-491B-B4C8-648470408D4F}"/>
     <dgm:cxn modelId="{4ECDAF57-AA02-4D9E-BFC3-841F11534F6B}" type="presOf" srcId="{5419F624-05C2-48D1-BE1E-CE68F389424F}" destId="{83FD5A00-3B11-4171-9CCA-734AD126D28C}" srcOrd="0" destOrd="0" presId="urn:microsoft.com/office/officeart/2005/8/layout/radial4"/>
-    <dgm:cxn modelId="{06AE1E81-11C8-4A5E-8B64-BB28B5AD52E2}" type="presOf" srcId="{95F2755F-2EBA-4617-85F5-0354F1B22235}" destId="{37DD2F54-9B0D-439D-A026-23B4799EA96D}" srcOrd="0" destOrd="0" presId="urn:microsoft.com/office/officeart/2005/8/layout/radial4"/>
     <dgm:cxn modelId="{E69FE089-1973-4D08-84AC-D6A49C5C5E32}" type="presOf" srcId="{00E6195A-9EF6-4EED-A0AA-A1F6BBD6F1DD}" destId="{E54EBC8F-58F8-4D0A-8C1D-A8C2A508B490}" srcOrd="0" destOrd="0" presId="urn:microsoft.com/office/officeart/2005/8/layout/radial4"/>
     <dgm:cxn modelId="{45E5A58A-F53E-4335-9CF9-4A91BEC467CA}" type="presOf" srcId="{2FA04A33-96CF-4B71-9813-09E8DDADE762}" destId="{B4654B6D-8B7A-45EC-8403-ABCD10428CED}" srcOrd="0" destOrd="0" presId="urn:microsoft.com/office/officeart/2005/8/layout/radial4"/>
     <dgm:cxn modelId="{809340A7-F523-4577-9E31-80ED4E120617}" type="presOf" srcId="{1A6D1808-532B-4C4E-BDD2-98E1F4C7E279}" destId="{CAC74F4C-46CC-4E87-9771-1BF41BAB4D2C}" srcOrd="0" destOrd="0" presId="urn:microsoft.com/office/officeart/2005/8/layout/radial4"/>
     <dgm:cxn modelId="{A8EFB0A9-F3C9-40C3-9949-32FEE07118F6}" srcId="{63FC6490-5E4B-49CC-B430-23272EFD8234}" destId="{1A6D1808-532B-4C4E-BDD2-98E1F4C7E279}" srcOrd="2" destOrd="0" parTransId="{5419F624-05C2-48D1-BE1E-CE68F389424F}" sibTransId="{F7AA02B3-BA60-4437-BABA-E4F2A607583D}"/>
+    <dgm:cxn modelId="{BEAE93B7-0B5C-4939-AC71-AB01445D2920}" srcId="{63FC6490-5E4B-49CC-B430-23272EFD8234}" destId="{95F2755F-2EBA-4617-85F5-0354F1B22235}" srcOrd="3" destOrd="0" parTransId="{88EAEA77-00F6-4055-B470-08FE83468149}" sibTransId="{038820F3-02DC-4BC0-B964-DF88EBF3E3F8}"/>
     <dgm:cxn modelId="{A7B9ACB7-2217-400F-96D4-695E1C34A404}" type="presOf" srcId="{6ADE2A56-602D-4849-88AA-C974F3F0D946}" destId="{D95C8961-41EA-4F73-8F24-1749310EB464}" srcOrd="0" destOrd="0" presId="urn:microsoft.com/office/officeart/2005/8/layout/radial4"/>
-    <dgm:cxn modelId="{182C43D8-800C-4A8C-8409-8EF5D2C94A9D}" type="presOf" srcId="{88EAEA77-00F6-4055-B470-08FE83468149}" destId="{7D17C13E-0EDB-4D75-8F94-6F51E93B9A9D}" srcOrd="0" destOrd="0" presId="urn:microsoft.com/office/officeart/2005/8/layout/radial4"/>
     <dgm:cxn modelId="{C594FFED-98E0-48FD-BBC8-DB5633F1EBBA}" type="presOf" srcId="{97BB45A4-39B8-46B0-98DA-328B5495E1DF}" destId="{74F63534-673D-4A09-B12D-7D49E178240C}" srcOrd="0" destOrd="0" presId="urn:microsoft.com/office/officeart/2005/8/layout/radial4"/>
     <dgm:cxn modelId="{86BC1EEF-07B8-480A-8D9F-C557A620D703}" srcId="{63FC6490-5E4B-49CC-B430-23272EFD8234}" destId="{00E6195A-9EF6-4EED-A0AA-A1F6BBD6F1DD}" srcOrd="0" destOrd="0" parTransId="{2FA04A33-96CF-4B71-9813-09E8DDADE762}" sibTransId="{D4EFFE7C-F5FB-4CF0-80F0-68C293682147}"/>
     <dgm:cxn modelId="{2EA352FF-EAD9-402B-A6C9-5D3655D34183}" type="presOf" srcId="{5807F1B1-B4AA-4C10-B42D-C23DDF23AE5F}" destId="{FAD0A5FF-CA99-4F18-9A91-A65E6D0F6539}" srcOrd="0" destOrd="0" presId="urn:microsoft.com/office/officeart/2005/8/layout/radial4"/>
@@ -4892,8 +7896,8 @@
     <dgm:cxn modelId="{ED5B5344-DDD9-4969-B09A-A8F9DEDC81C2}" type="presParOf" srcId="{74F63534-673D-4A09-B12D-7D49E178240C}" destId="{D95C8961-41EA-4F73-8F24-1749310EB464}" srcOrd="4" destOrd="0" presId="urn:microsoft.com/office/officeart/2005/8/layout/radial4"/>
     <dgm:cxn modelId="{2916F7F8-451C-42C3-B21B-03B2213B99F6}" type="presParOf" srcId="{74F63534-673D-4A09-B12D-7D49E178240C}" destId="{83FD5A00-3B11-4171-9CCA-734AD126D28C}" srcOrd="5" destOrd="0" presId="urn:microsoft.com/office/officeart/2005/8/layout/radial4"/>
     <dgm:cxn modelId="{159ECFF8-6A4A-4FE9-BF2F-1E119B1960E4}" type="presParOf" srcId="{74F63534-673D-4A09-B12D-7D49E178240C}" destId="{CAC74F4C-46CC-4E87-9771-1BF41BAB4D2C}" srcOrd="6" destOrd="0" presId="urn:microsoft.com/office/officeart/2005/8/layout/radial4"/>
-    <dgm:cxn modelId="{C052BE6D-4D60-418A-8908-8FD791E26E52}" type="presParOf" srcId="{74F63534-673D-4A09-B12D-7D49E178240C}" destId="{7D17C13E-0EDB-4D75-8F94-6F51E93B9A9D}" srcOrd="7" destOrd="0" presId="urn:microsoft.com/office/officeart/2005/8/layout/radial4"/>
-    <dgm:cxn modelId="{1489984D-A069-44AA-9B6A-558C12BC2D2B}" type="presParOf" srcId="{74F63534-673D-4A09-B12D-7D49E178240C}" destId="{37DD2F54-9B0D-439D-A026-23B4799EA96D}" srcOrd="8" destOrd="0" presId="urn:microsoft.com/office/officeart/2005/8/layout/radial4"/>
+    <dgm:cxn modelId="{5C492DBE-0D7A-4834-8FB4-F5566E812AAA}" type="presParOf" srcId="{74F63534-673D-4A09-B12D-7D49E178240C}" destId="{7D17C13E-0EDB-4D75-8F94-6F51E93B9A9D}" srcOrd="7" destOrd="0" presId="urn:microsoft.com/office/officeart/2005/8/layout/radial4"/>
+    <dgm:cxn modelId="{CCCA7CA3-BC5D-4525-B435-99084C37630C}" type="presParOf" srcId="{74F63534-673D-4A09-B12D-7D49E178240C}" destId="{37DD2F54-9B0D-439D-A026-23B4799EA96D}" srcOrd="8" destOrd="0" presId="urn:microsoft.com/office/officeart/2005/8/layout/radial4"/>
   </dgm:cxnLst>
   <dgm:bg/>
   <dgm:whole/>
@@ -6378,18 +9382,13 @@
             <a:buNone/>
           </a:pPr>
           <a:r>
-            <a:rPr lang="de-DE" sz="3400" kern="1200" dirty="0" err="1"/>
+            <a:rPr lang="de-DE" sz="3400" kern="1200" err="1"/>
             <a:t>Lessons</a:t>
           </a:r>
           <a:r>
-            <a:rPr lang="de-DE" sz="3400" kern="1200" dirty="0"/>
-            <a:t> </a:t>
+            <a:rPr lang="de-DE" sz="3400" kern="1200"/>
+            <a:t> Learned</a:t>
           </a:r>
-          <a:r>
-            <a:rPr lang="de-DE" sz="3400" kern="1200" dirty="0" err="1"/>
-            <a:t>Learned</a:t>
-          </a:r>
-          <a:endParaRPr lang="de-DE" sz="3400" kern="1200" dirty="0"/>
         </a:p>
       </dsp:txBody>
       <dsp:txXfrm>
@@ -6503,7 +9502,7 @@
             <a:buNone/>
           </a:pPr>
           <a:r>
-            <a:rPr lang="de-DE" sz="2000" kern="1200" dirty="0"/>
+            <a:rPr lang="de-DE" sz="2000" kern="1200"/>
             <a:t>Motivation nicht verlieren</a:t>
           </a:r>
         </a:p>
@@ -6619,7 +9618,7 @@
             <a:buNone/>
           </a:pPr>
           <a:r>
-            <a:rPr lang="de-DE" sz="2000" kern="1200" dirty="0"/>
+            <a:rPr lang="de-DE" sz="2000" kern="1200"/>
             <a:t>Kleinteiligere Aufgabenpakete</a:t>
           </a:r>
         </a:p>
@@ -6735,7 +9734,7 @@
             <a:buNone/>
           </a:pPr>
           <a:r>
-            <a:rPr lang="de-DE" sz="2000" kern="1200" dirty="0"/>
+            <a:rPr lang="de-DE" sz="2000" kern="1200"/>
             <a:t>Auftraggeber nach jedem Meeting Protokoll zukommen lassen</a:t>
           </a:r>
         </a:p>
@@ -6851,7 +9850,7 @@
             <a:buNone/>
           </a:pPr>
           <a:r>
-            <a:rPr lang="de-DE" sz="2000" kern="1200" dirty="0"/>
+            <a:rPr lang="de-DE" sz="2000" kern="1200"/>
             <a:t>Regelmäßigere Rücksprache mit Auftraggeber</a:t>
           </a:r>
         </a:p>
@@ -12087,7 +15086,7 @@
           <a:p>
             <a:fld id="{70B9A339-94E4-4615-AD4D-B38FA65957D7}" type="datetimeFigureOut">
               <a:rPr lang="de-DE" smtClean="0"/>
-              <a:t>06.05.2022</a:t>
+              <a:t>11.05.2022</a:t>
             </a:fld>
             <a:endParaRPr lang="de-DE"/>
           </a:p>
@@ -12482,7 +15481,7 @@
           <a:bodyPr/>
           <a:lstStyle/>
           <a:p>
-            <a:pPr marL="0" lvl="0" indent="0" algn="l">
+            <a:pPr marL="0" lvl="0" indent="0" algn="just">
               <a:spcBef>
                 <a:spcPts val="1200"/>
               </a:spcBef>
@@ -12636,7 +15635,7 @@
     </p:spTree>
     <p:extLst>
       <p:ext uri="{BB962C8B-B14F-4D97-AF65-F5344CB8AC3E}">
-        <p14:creationId xmlns:p14="http://schemas.microsoft.com/office/powerpoint/2010/main" val="226260722"/>
+        <p14:creationId xmlns:p14="http://schemas.microsoft.com/office/powerpoint/2010/main" val="3856901072"/>
       </p:ext>
     </p:extLst>
   </p:cSld>
@@ -12647,110 +15646,6 @@
 </file>
 
 <file path=ppt/notesSlides/notesSlide12.xml><?xml version="1.0" encoding="utf-8"?>
-<p:notes xmlns:a="http://schemas.openxmlformats.org/drawingml/2006/main" xmlns:r="http://schemas.openxmlformats.org/officeDocument/2006/relationships" xmlns:p="http://schemas.openxmlformats.org/presentationml/2006/main">
-  <p:cSld>
-    <p:spTree>
-      <p:nvGrpSpPr>
-        <p:cNvPr id="1" name=""/>
-        <p:cNvGrpSpPr/>
-        <p:nvPr/>
-      </p:nvGrpSpPr>
-      <p:grpSpPr>
-        <a:xfrm>
-          <a:off x="0" y="0"/>
-          <a:ext cx="0" cy="0"/>
-          <a:chOff x="0" y="0"/>
-          <a:chExt cx="0" cy="0"/>
-        </a:xfrm>
-      </p:grpSpPr>
-      <p:sp>
-        <p:nvSpPr>
-          <p:cNvPr id="2" name="Folienbildplatzhalter 1"/>
-          <p:cNvSpPr>
-            <a:spLocks noGrp="1" noRot="1" noChangeAspect="1"/>
-          </p:cNvSpPr>
-          <p:nvPr>
-            <p:ph type="sldImg"/>
-          </p:nvPr>
-        </p:nvSpPr>
-        <p:spPr/>
-      </p:sp>
-      <p:sp>
-        <p:nvSpPr>
-          <p:cNvPr id="3" name="Notizenplatzhalter 2"/>
-          <p:cNvSpPr>
-            <a:spLocks noGrp="1"/>
-          </p:cNvSpPr>
-          <p:nvPr>
-            <p:ph type="body" idx="1"/>
-          </p:nvPr>
-        </p:nvSpPr>
-        <p:spPr/>
-        <p:txBody>
-          <a:bodyPr/>
-          <a:lstStyle/>
-          <a:p>
-            <a:pPr marL="0" lvl="0" indent="0" algn="just">
-              <a:spcBef>
-                <a:spcPts val="1200"/>
-              </a:spcBef>
-              <a:spcAft>
-                <a:spcPts val="600"/>
-              </a:spcAft>
-              <a:buSzPts val="1200"/>
-              <a:buFont typeface="+mj-lt"/>
-              <a:buNone/>
-              <a:tabLst>
-                <a:tab pos="431800" algn="l"/>
-                <a:tab pos="540385" algn="l"/>
-                <a:tab pos="571500" algn="l"/>
-              </a:tabLst>
-            </a:pPr>
-            <a:endParaRPr lang="de-DE" sz="1400" b="0" dirty="0">
-              <a:effectLst/>
-              <a:latin typeface="Verdana" panose="020B0604030504040204" pitchFamily="34" charset="0"/>
-              <a:cs typeface="Symbol" panose="05050102010706020507" pitchFamily="18" charset="2"/>
-            </a:endParaRPr>
-          </a:p>
-        </p:txBody>
-      </p:sp>
-      <p:sp>
-        <p:nvSpPr>
-          <p:cNvPr id="4" name="Foliennummernplatzhalter 3"/>
-          <p:cNvSpPr>
-            <a:spLocks noGrp="1"/>
-          </p:cNvSpPr>
-          <p:nvPr>
-            <p:ph type="sldNum" sz="quarter" idx="5"/>
-          </p:nvPr>
-        </p:nvSpPr>
-        <p:spPr/>
-        <p:txBody>
-          <a:bodyPr/>
-          <a:lstStyle/>
-          <a:p>
-            <a:fld id="{098C85B6-32DF-4EE2-B408-03269F24A19A}" type="slidenum">
-              <a:rPr lang="de-DE" smtClean="0"/>
-              <a:t>12</a:t>
-            </a:fld>
-            <a:endParaRPr lang="de-DE"/>
-          </a:p>
-        </p:txBody>
-      </p:sp>
-    </p:spTree>
-    <p:extLst>
-      <p:ext uri="{BB962C8B-B14F-4D97-AF65-F5344CB8AC3E}">
-        <p14:creationId xmlns:p14="http://schemas.microsoft.com/office/powerpoint/2010/main" val="3856901072"/>
-      </p:ext>
-    </p:extLst>
-  </p:cSld>
-  <p:clrMapOvr>
-    <a:masterClrMapping/>
-  </p:clrMapOvr>
-</p:notes>
-</file>
-
-<file path=ppt/notesSlides/notesSlide13.xml><?xml version="1.0" encoding="utf-8"?>
 <p:notes xmlns:a="http://schemas.openxmlformats.org/drawingml/2006/main" xmlns:r="http://schemas.openxmlformats.org/officeDocument/2006/relationships" xmlns:p="http://schemas.openxmlformats.org/presentationml/2006/main">
   <p:cSld>
     <p:spTree>
@@ -12820,6 +15715,93 @@
           <a:p>
             <a:fld id="{098C85B6-32DF-4EE2-B408-03269F24A19A}" type="slidenum">
               <a:rPr lang="de-DE" smtClean="0"/>
+              <a:t>12</a:t>
+            </a:fld>
+            <a:endParaRPr lang="de-DE"/>
+          </a:p>
+        </p:txBody>
+      </p:sp>
+    </p:spTree>
+    <p:extLst>
+      <p:ext uri="{BB962C8B-B14F-4D97-AF65-F5344CB8AC3E}">
+        <p14:creationId xmlns:p14="http://schemas.microsoft.com/office/powerpoint/2010/main" val="1482774608"/>
+      </p:ext>
+    </p:extLst>
+  </p:cSld>
+  <p:clrMapOvr>
+    <a:masterClrMapping/>
+  </p:clrMapOvr>
+</p:notes>
+</file>
+
+<file path=ppt/notesSlides/notesSlide13.xml><?xml version="1.0" encoding="utf-8"?>
+<p:notes xmlns:a="http://schemas.openxmlformats.org/drawingml/2006/main" xmlns:r="http://schemas.openxmlformats.org/officeDocument/2006/relationships" xmlns:p="http://schemas.openxmlformats.org/presentationml/2006/main">
+  <p:cSld>
+    <p:spTree>
+      <p:nvGrpSpPr>
+        <p:cNvPr id="1" name=""/>
+        <p:cNvGrpSpPr/>
+        <p:nvPr/>
+      </p:nvGrpSpPr>
+      <p:grpSpPr>
+        <a:xfrm>
+          <a:off x="0" y="0"/>
+          <a:ext cx="0" cy="0"/>
+          <a:chOff x="0" y="0"/>
+          <a:chExt cx="0" cy="0"/>
+        </a:xfrm>
+      </p:grpSpPr>
+      <p:sp>
+        <p:nvSpPr>
+          <p:cNvPr id="2" name="Folienbildplatzhalter 1"/>
+          <p:cNvSpPr>
+            <a:spLocks noGrp="1" noRot="1" noChangeAspect="1"/>
+          </p:cNvSpPr>
+          <p:nvPr>
+            <p:ph type="sldImg"/>
+          </p:nvPr>
+        </p:nvSpPr>
+        <p:spPr/>
+      </p:sp>
+      <p:sp>
+        <p:nvSpPr>
+          <p:cNvPr id="3" name="Notizenplatzhalter 2"/>
+          <p:cNvSpPr>
+            <a:spLocks noGrp="1"/>
+          </p:cNvSpPr>
+          <p:nvPr>
+            <p:ph type="body" idx="1"/>
+          </p:nvPr>
+        </p:nvSpPr>
+        <p:spPr/>
+        <p:txBody>
+          <a:bodyPr/>
+          <a:lstStyle/>
+          <a:p>
+            <a:endParaRPr lang="de-DE" dirty="0">
+              <a:ea typeface="Calibri"/>
+              <a:cs typeface="Calibri"/>
+            </a:endParaRPr>
+          </a:p>
+        </p:txBody>
+      </p:sp>
+      <p:sp>
+        <p:nvSpPr>
+          <p:cNvPr id="4" name="Foliennummernplatzhalter 3"/>
+          <p:cNvSpPr>
+            <a:spLocks noGrp="1"/>
+          </p:cNvSpPr>
+          <p:nvPr>
+            <p:ph type="sldNum" sz="quarter" idx="5"/>
+          </p:nvPr>
+        </p:nvSpPr>
+        <p:spPr/>
+        <p:txBody>
+          <a:bodyPr/>
+          <a:lstStyle/>
+          <a:p>
+            <a:fld id="{098C85B6-32DF-4EE2-B408-03269F24A19A}" type="slidenum">
+              <a:rPr lang="de-DE" smtClean="0"/>
               <a:t>13</a:t>
             </a:fld>
             <a:endParaRPr lang="de-DE"/>
@@ -12829,7 +15811,7 @@
     </p:spTree>
     <p:extLst>
       <p:ext uri="{BB962C8B-B14F-4D97-AF65-F5344CB8AC3E}">
-        <p14:creationId xmlns:p14="http://schemas.microsoft.com/office/powerpoint/2010/main" val="1482774608"/>
+        <p14:creationId xmlns:p14="http://schemas.microsoft.com/office/powerpoint/2010/main" val="1969499695"/>
       </p:ext>
     </p:extLst>
   </p:cSld>
@@ -12916,7 +15898,7 @@
     </p:spTree>
     <p:extLst>
       <p:ext uri="{BB962C8B-B14F-4D97-AF65-F5344CB8AC3E}">
-        <p14:creationId xmlns:p14="http://schemas.microsoft.com/office/powerpoint/2010/main" val="1969499695"/>
+        <p14:creationId xmlns:p14="http://schemas.microsoft.com/office/powerpoint/2010/main" val="970666943"/>
       </p:ext>
     </p:extLst>
   </p:cSld>
@@ -12970,7 +15952,10 @@
           <a:bodyPr/>
           <a:lstStyle/>
           <a:p>
-            <a:endParaRPr lang="de-DE" dirty="0"/>
+            <a:endParaRPr lang="de-DE" dirty="0">
+              <a:ea typeface="Calibri"/>
+              <a:cs typeface="Calibri"/>
+            </a:endParaRPr>
           </a:p>
         </p:txBody>
       </p:sp>
@@ -13138,6 +16123,10 @@
           <a:bodyPr/>
           <a:lstStyle/>
           <a:p>
+            <a:pPr marL="0" indent="0">
+              <a:buFont typeface="Arial" panose="020B0604020202020204" pitchFamily="34" charset="0"/>
+              <a:buNone/>
+            </a:pPr>
             <a:endParaRPr lang="de-DE" dirty="0"/>
           </a:p>
         </p:txBody>
@@ -13253,98 +16242,6 @@
     <p:extLst>
       <p:ext uri="{BB962C8B-B14F-4D97-AF65-F5344CB8AC3E}">
         <p14:creationId xmlns:p14="http://schemas.microsoft.com/office/powerpoint/2010/main" val="680048075"/>
-      </p:ext>
-    </p:extLst>
-  </p:cSld>
-  <p:clrMapOvr>
-    <a:masterClrMapping/>
-  </p:clrMapOvr>
-</p:notes>
-</file>
-
-<file path=ppt/notesSlides/notesSlide19.xml><?xml version="1.0" encoding="utf-8"?>
-<p:notes xmlns:a="http://schemas.openxmlformats.org/drawingml/2006/main" xmlns:r="http://schemas.openxmlformats.org/officeDocument/2006/relationships" xmlns:p="http://schemas.openxmlformats.org/presentationml/2006/main">
-  <p:cSld>
-    <p:spTree>
-      <p:nvGrpSpPr>
-        <p:cNvPr id="1" name=""/>
-        <p:cNvGrpSpPr/>
-        <p:nvPr/>
-      </p:nvGrpSpPr>
-      <p:grpSpPr>
-        <a:xfrm>
-          <a:off x="0" y="0"/>
-          <a:ext cx="0" cy="0"/>
-          <a:chOff x="0" y="0"/>
-          <a:chExt cx="0" cy="0"/>
-        </a:xfrm>
-      </p:grpSpPr>
-      <p:sp>
-        <p:nvSpPr>
-          <p:cNvPr id="2" name="Folienbildplatzhalter 1"/>
-          <p:cNvSpPr>
-            <a:spLocks noGrp="1" noRot="1" noChangeAspect="1"/>
-          </p:cNvSpPr>
-          <p:nvPr>
-            <p:ph type="sldImg"/>
-          </p:nvPr>
-        </p:nvSpPr>
-        <p:spPr/>
-      </p:sp>
-      <p:sp>
-        <p:nvSpPr>
-          <p:cNvPr id="3" name="Notizenplatzhalter 2"/>
-          <p:cNvSpPr>
-            <a:spLocks noGrp="1"/>
-          </p:cNvSpPr>
-          <p:nvPr>
-            <p:ph type="body" idx="1"/>
-          </p:nvPr>
-        </p:nvSpPr>
-        <p:spPr/>
-        <p:txBody>
-          <a:bodyPr/>
-          <a:lstStyle/>
-          <a:p>
-            <a:pPr algn="just"/>
-            <a:endParaRPr lang="de-DE" sz="1800" dirty="0">
-              <a:solidFill>
-                <a:srgbClr val="000000"/>
-              </a:solidFill>
-              <a:effectLst/>
-              <a:latin typeface="Calibri" panose="020F0502020204030204" pitchFamily="34" charset="0"/>
-              <a:ea typeface="Times New Roman" panose="02020603050405020304" pitchFamily="18" charset="0"/>
-            </a:endParaRPr>
-          </a:p>
-        </p:txBody>
-      </p:sp>
-      <p:sp>
-        <p:nvSpPr>
-          <p:cNvPr id="4" name="Foliennummernplatzhalter 3"/>
-          <p:cNvSpPr>
-            <a:spLocks noGrp="1"/>
-          </p:cNvSpPr>
-          <p:nvPr>
-            <p:ph type="sldNum" sz="quarter" idx="5"/>
-          </p:nvPr>
-        </p:nvSpPr>
-        <p:spPr/>
-        <p:txBody>
-          <a:bodyPr/>
-          <a:lstStyle/>
-          <a:p>
-            <a:fld id="{098C85B6-32DF-4EE2-B408-03269F24A19A}" type="slidenum">
-              <a:rPr lang="de-DE" smtClean="0"/>
-              <a:t>19</a:t>
-            </a:fld>
-            <a:endParaRPr lang="de-DE"/>
-          </a:p>
-        </p:txBody>
-      </p:sp>
-    </p:spTree>
-    <p:extLst>
-      <p:ext uri="{BB962C8B-B14F-4D97-AF65-F5344CB8AC3E}">
-        <p14:creationId xmlns:p14="http://schemas.microsoft.com/office/powerpoint/2010/main" val="1799381096"/>
       </p:ext>
     </p:extLst>
   </p:cSld>
@@ -13570,7 +16467,7 @@
           <a:bodyPr/>
           <a:lstStyle/>
           <a:p>
-            <a:endParaRPr lang="en-US" b="0" i="0" dirty="0">
+            <a:endParaRPr lang="de-DE" b="0" i="0" noProof="0" dirty="0">
               <a:effectLst/>
             </a:endParaRPr>
           </a:p>
@@ -13656,6 +16553,10 @@
           <a:bodyPr/>
           <a:lstStyle/>
           <a:p>
+            <a:pPr marL="0" indent="0">
+              <a:buFont typeface="Arial" panose="020B0604020202020204" pitchFamily="34" charset="0"/>
+              <a:buNone/>
+            </a:pPr>
             <a:endParaRPr lang="en-US" sz="1800" b="0" i="0" dirty="0">
               <a:effectLst/>
             </a:endParaRPr>
@@ -13742,7 +16643,11 @@
           <a:bodyPr/>
           <a:lstStyle/>
           <a:p>
-            <a:endParaRPr lang="en-US" sz="1800" dirty="0">
+            <a:pPr marL="0" indent="0">
+              <a:buFont typeface="Arial" panose="020B0604020202020204" pitchFamily="34" charset="0"/>
+              <a:buNone/>
+            </a:pPr>
+            <a:endParaRPr lang="de-DE" sz="1800" noProof="0" dirty="0">
               <a:effectLst/>
               <a:latin typeface="Calibri" panose="020F0502020204030204" pitchFamily="34" charset="0"/>
               <a:ea typeface="Times New Roman" panose="02020603050405020304" pitchFamily="18" charset="0"/>
@@ -13831,7 +16736,11 @@
           <a:bodyPr/>
           <a:lstStyle/>
           <a:p>
-            <a:endParaRPr lang="en-US" sz="1800" dirty="0">
+            <a:pPr marL="0" indent="0">
+              <a:buFont typeface="Arial" panose="020B0604020202020204" pitchFamily="34" charset="0"/>
+              <a:buNone/>
+            </a:pPr>
+            <a:endParaRPr lang="de-DE" sz="1800" noProof="0" dirty="0">
               <a:effectLst/>
               <a:latin typeface="Calibri" panose="020F0502020204030204" pitchFamily="34" charset="0"/>
               <a:ea typeface="Times New Roman" panose="02020603050405020304" pitchFamily="18" charset="0"/>
@@ -13920,7 +16829,7 @@
           <a:bodyPr/>
           <a:lstStyle/>
           <a:p>
-            <a:endParaRPr lang="en-US" sz="1800" dirty="0">
+            <a:endParaRPr lang="de-DE" sz="1800" noProof="0" dirty="0">
               <a:effectLst/>
               <a:latin typeface="Calibri" panose="020F0502020204030204" pitchFamily="34" charset="0"/>
               <a:ea typeface="Times New Roman" panose="02020603050405020304" pitchFamily="18" charset="0"/>
@@ -14216,7 +17125,7 @@
           <a:p>
             <a:fld id="{DAE98948-80CE-43AE-99C2-97A06E8A32E8}" type="datetimeFigureOut">
               <a:rPr lang="de-DE" smtClean="0"/>
-              <a:t>06.05.2022</a:t>
+              <a:t>11.05.2022</a:t>
             </a:fld>
             <a:endParaRPr lang="de-DE"/>
           </a:p>
@@ -14426,7 +17335,7 @@
           <a:p>
             <a:fld id="{DAE98948-80CE-43AE-99C2-97A06E8A32E8}" type="datetimeFigureOut">
               <a:rPr lang="de-DE" smtClean="0"/>
-              <a:t>06.05.2022</a:t>
+              <a:t>11.05.2022</a:t>
             </a:fld>
             <a:endParaRPr lang="de-DE"/>
           </a:p>
@@ -14646,7 +17555,7 @@
           <a:p>
             <a:fld id="{DAE98948-80CE-43AE-99C2-97A06E8A32E8}" type="datetimeFigureOut">
               <a:rPr lang="de-DE" smtClean="0"/>
-              <a:t>06.05.2022</a:t>
+              <a:t>11.05.2022</a:t>
             </a:fld>
             <a:endParaRPr lang="de-DE"/>
           </a:p>
@@ -14856,7 +17765,7 @@
           <a:p>
             <a:fld id="{DAE98948-80CE-43AE-99C2-97A06E8A32E8}" type="datetimeFigureOut">
               <a:rPr lang="de-DE" smtClean="0"/>
-              <a:t>06.05.2022</a:t>
+              <a:t>11.05.2022</a:t>
             </a:fld>
             <a:endParaRPr lang="de-DE"/>
           </a:p>
@@ -15143,7 +18052,7 @@
           <a:p>
             <a:fld id="{DAE98948-80CE-43AE-99C2-97A06E8A32E8}" type="datetimeFigureOut">
               <a:rPr lang="de-DE" smtClean="0"/>
-              <a:t>06.05.2022</a:t>
+              <a:t>11.05.2022</a:t>
             </a:fld>
             <a:endParaRPr lang="de-DE"/>
           </a:p>
@@ -15420,7 +18329,7 @@
           <a:p>
             <a:fld id="{DAE98948-80CE-43AE-99C2-97A06E8A32E8}" type="datetimeFigureOut">
               <a:rPr lang="de-DE" smtClean="0"/>
-              <a:t>06.05.2022</a:t>
+              <a:t>11.05.2022</a:t>
             </a:fld>
             <a:endParaRPr lang="de-DE"/>
           </a:p>
@@ -15844,7 +18753,7 @@
           <a:p>
             <a:fld id="{DAE98948-80CE-43AE-99C2-97A06E8A32E8}" type="datetimeFigureOut">
               <a:rPr lang="de-DE" smtClean="0"/>
-              <a:t>06.05.2022</a:t>
+              <a:t>11.05.2022</a:t>
             </a:fld>
             <a:endParaRPr lang="de-DE"/>
           </a:p>
@@ -15997,7 +18906,7 @@
           <a:p>
             <a:fld id="{DAE98948-80CE-43AE-99C2-97A06E8A32E8}" type="datetimeFigureOut">
               <a:rPr lang="de-DE" smtClean="0"/>
-              <a:t>06.05.2022</a:t>
+              <a:t>11.05.2022</a:t>
             </a:fld>
             <a:endParaRPr lang="de-DE"/>
           </a:p>
@@ -16122,7 +19031,7 @@
           <a:p>
             <a:fld id="{DAE98948-80CE-43AE-99C2-97A06E8A32E8}" type="datetimeFigureOut">
               <a:rPr lang="de-DE" smtClean="0"/>
-              <a:t>06.05.2022</a:t>
+              <a:t>11.05.2022</a:t>
             </a:fld>
             <a:endParaRPr lang="de-DE"/>
           </a:p>
@@ -16445,7 +19354,7 @@
           <a:p>
             <a:fld id="{DAE98948-80CE-43AE-99C2-97A06E8A32E8}" type="datetimeFigureOut">
               <a:rPr lang="de-DE" smtClean="0"/>
-              <a:t>06.05.2022</a:t>
+              <a:t>11.05.2022</a:t>
             </a:fld>
             <a:endParaRPr lang="de-DE"/>
           </a:p>
@@ -16745,7 +19654,7 @@
           <a:p>
             <a:fld id="{DAE98948-80CE-43AE-99C2-97A06E8A32E8}" type="datetimeFigureOut">
               <a:rPr lang="de-DE" smtClean="0"/>
-              <a:t>06.05.2022</a:t>
+              <a:t>11.05.2022</a:t>
             </a:fld>
             <a:endParaRPr lang="de-DE"/>
           </a:p>
@@ -16998,7 +19907,7 @@
           <a:p>
             <a:fld id="{DAE98948-80CE-43AE-99C2-97A06E8A32E8}" type="datetimeFigureOut">
               <a:rPr lang="de-DE" smtClean="0"/>
-              <a:t>06.05.2022</a:t>
+              <a:t>11.05.2022</a:t>
             </a:fld>
             <a:endParaRPr lang="de-DE"/>
           </a:p>
@@ -17514,7 +20423,7 @@
         <p:spPr>
           <a:xfrm>
             <a:off x="7534655" y="993913"/>
-            <a:ext cx="4013877" cy="4021637"/>
+            <a:ext cx="4254071" cy="4021637"/>
           </a:xfrm>
         </p:spPr>
         <p:txBody>
@@ -17526,7 +20435,7 @@
             <a:pPr algn="l"/>
             <a:r>
               <a:rPr lang="de-DE" sz="6200" err="1"/>
-              <a:t>Websockets</a:t>
+              <a:t>WebSocket's</a:t>
             </a:r>
             <a:r>
               <a:rPr lang="de-DE" sz="6200"/>
@@ -18405,7 +21314,7 @@
           <a:lstStyle/>
           <a:p>
             <a:r>
-              <a:rPr lang="de-DE" dirty="0"/>
+              <a:rPr lang="de-DE"/>
               <a:t>9</a:t>
             </a:r>
           </a:p>
@@ -19377,6 +22286,58 @@
           </p:txBody>
         </p:sp>
       </p:grpSp>
+      <p:sp>
+        <p:nvSpPr>
+          <p:cNvPr id="36" name="Ellipse 35">
+            <a:extLst>
+              <a:ext uri="{FF2B5EF4-FFF2-40B4-BE49-F238E27FC236}">
+                <a16:creationId xmlns:a16="http://schemas.microsoft.com/office/drawing/2014/main" id="{4C798D80-A283-97FF-8EAA-E80B5823FAD7}"/>
+              </a:ext>
+            </a:extLst>
+          </p:cNvPr>
+          <p:cNvSpPr/>
+          <p:nvPr/>
+        </p:nvSpPr>
+        <p:spPr>
+          <a:xfrm>
+            <a:off x="169986" y="790610"/>
+            <a:ext cx="468000" cy="468000"/>
+          </a:xfrm>
+          <a:prstGeom prst="ellipse">
+            <a:avLst/>
+          </a:prstGeom>
+          <a:solidFill>
+            <a:srgbClr val="ED7D31"/>
+          </a:solidFill>
+          <a:ln>
+            <a:noFill/>
+          </a:ln>
+        </p:spPr>
+        <p:style>
+          <a:lnRef idx="2">
+            <a:schemeClr val="accent1">
+              <a:shade val="50000"/>
+            </a:schemeClr>
+          </a:lnRef>
+          <a:fillRef idx="1">
+            <a:schemeClr val="accent1"/>
+          </a:fillRef>
+          <a:effectRef idx="0">
+            <a:schemeClr val="accent1"/>
+          </a:effectRef>
+          <a:fontRef idx="minor">
+            <a:schemeClr val="lt1"/>
+          </a:fontRef>
+        </p:style>
+        <p:txBody>
+          <a:bodyPr rtlCol="0" anchor="ctr"/>
+          <a:lstStyle/>
+          <a:p>
+            <a:pPr algn="ctr"/>
+            <a:endParaRPr lang="de-DE"/>
+          </a:p>
+        </p:txBody>
+      </p:sp>
     </p:spTree>
     <p:extLst>
       <p:ext uri="{BB962C8B-B14F-4D97-AF65-F5344CB8AC3E}">
@@ -19387,13 +22348,13 @@
   <p:clrMapOvr>
     <a:masterClrMapping/>
   </p:clrMapOvr>
-  <mc:AlternateContent xmlns:mc="http://schemas.openxmlformats.org/markup-compatibility/2006">
-    <mc:Choice xmlns:p159="http://schemas.microsoft.com/office/powerpoint/2015/09/main" Requires="p159">
+  <mc:AlternateContent xmlns:mc="http://schemas.openxmlformats.org/markup-compatibility/2006" xmlns:p159="http://schemas.microsoft.com/office/powerpoint/2015/09/main">
+    <mc:Choice Requires="p159">
       <p:transition xmlns:p14="http://schemas.microsoft.com/office/powerpoint/2010/main" spd="slow" p14:dur="2000">
         <p159:morph option="byObject"/>
       </p:transition>
     </mc:Choice>
-    <mc:Fallback>
+    <mc:Fallback xmlns="">
       <p:transition spd="slow">
         <p:fade/>
       </p:transition>
@@ -19403,1165 +22364,6 @@
 </file>
 
 <file path=ppt/slides/slide11.xml><?xml version="1.0" encoding="utf-8"?>
-<p:sld xmlns:a="http://schemas.openxmlformats.org/drawingml/2006/main" xmlns:r="http://schemas.openxmlformats.org/officeDocument/2006/relationships" xmlns:p="http://schemas.openxmlformats.org/presentationml/2006/main" show="0">
-  <p:cSld>
-    <p:spTree>
-      <p:nvGrpSpPr>
-        <p:cNvPr id="1" name=""/>
-        <p:cNvGrpSpPr/>
-        <p:nvPr/>
-      </p:nvGrpSpPr>
-      <p:grpSpPr>
-        <a:xfrm>
-          <a:off x="0" y="0"/>
-          <a:ext cx="0" cy="0"/>
-          <a:chOff x="0" y="0"/>
-          <a:chExt cx="0" cy="0"/>
-        </a:xfrm>
-      </p:grpSpPr>
-      <p:sp>
-        <p:nvSpPr>
-          <p:cNvPr id="2" name="Titel 1">
-            <a:extLst>
-              <a:ext uri="{FF2B5EF4-FFF2-40B4-BE49-F238E27FC236}">
-                <a16:creationId xmlns:a16="http://schemas.microsoft.com/office/drawing/2014/main" id="{6A6CFDC0-5DE2-410C-961A-B89176639397}"/>
-              </a:ext>
-            </a:extLst>
-          </p:cNvPr>
-          <p:cNvSpPr>
-            <a:spLocks noGrp="1"/>
-          </p:cNvSpPr>
-          <p:nvPr>
-            <p:ph type="title"/>
-          </p:nvPr>
-        </p:nvSpPr>
-        <p:spPr>
-          <a:xfrm>
-            <a:off x="838200" y="365125"/>
-            <a:ext cx="10601960" cy="1325563"/>
-          </a:xfrm>
-        </p:spPr>
-        <p:txBody>
-          <a:bodyPr>
-            <a:noAutofit/>
-          </a:bodyPr>
-          <a:lstStyle/>
-          <a:p>
-            <a:r>
-              <a:rPr lang="de-DE" sz="5200" b="1"/>
-              <a:t>NICHTFUNKTIONALE ANFORDERUNGEN</a:t>
-            </a:r>
-          </a:p>
-        </p:txBody>
-      </p:sp>
-      <p:sp>
-        <p:nvSpPr>
-          <p:cNvPr id="4" name="Textfeld 3">
-            <a:extLst>
-              <a:ext uri="{FF2B5EF4-FFF2-40B4-BE49-F238E27FC236}">
-                <a16:creationId xmlns:a16="http://schemas.microsoft.com/office/drawing/2014/main" id="{56001663-622C-4C67-88DB-B8EC87D385FB}"/>
-              </a:ext>
-            </a:extLst>
-          </p:cNvPr>
-          <p:cNvSpPr txBox="1"/>
-          <p:nvPr/>
-        </p:nvSpPr>
-        <p:spPr>
-          <a:xfrm>
-            <a:off x="11335355" y="6488668"/>
-            <a:ext cx="856645" cy="369332"/>
-          </a:xfrm>
-          <a:prstGeom prst="rect">
-            <a:avLst/>
-          </a:prstGeom>
-          <a:noFill/>
-        </p:spPr>
-        <p:txBody>
-          <a:bodyPr wrap="none" rtlCol="0">
-            <a:spAutoFit/>
-          </a:bodyPr>
-          <a:lstStyle/>
-          <a:p>
-            <a:r>
-              <a:rPr lang="de-DE">
-                <a:solidFill>
-                  <a:schemeClr val="bg1">
-                    <a:lumMod val="50000"/>
-                  </a:schemeClr>
-                </a:solidFill>
-              </a:rPr>
-              <a:t>Team 4</a:t>
-            </a:r>
-          </a:p>
-        </p:txBody>
-      </p:sp>
-      <p:cxnSp>
-        <p:nvCxnSpPr>
-          <p:cNvPr id="6" name="Gerader Verbinder 5">
-            <a:extLst>
-              <a:ext uri="{FF2B5EF4-FFF2-40B4-BE49-F238E27FC236}">
-                <a16:creationId xmlns:a16="http://schemas.microsoft.com/office/drawing/2014/main" id="{6E25CDE1-697B-4F40-9BC5-079FB0A625C9}"/>
-              </a:ext>
-            </a:extLst>
-          </p:cNvPr>
-          <p:cNvCxnSpPr>
-            <a:cxnSpLocks/>
-          </p:cNvCxnSpPr>
-          <p:nvPr/>
-        </p:nvCxnSpPr>
-        <p:spPr>
-          <a:xfrm flipV="1">
-            <a:off x="838199" y="545090"/>
-            <a:ext cx="0" cy="900000"/>
-          </a:xfrm>
-          <a:prstGeom prst="line">
-            <a:avLst/>
-          </a:prstGeom>
-          <a:ln w="38100" cap="rnd">
-            <a:solidFill>
-              <a:srgbClr val="ED7D31"/>
-            </a:solidFill>
-          </a:ln>
-        </p:spPr>
-        <p:style>
-          <a:lnRef idx="1">
-            <a:schemeClr val="accent1"/>
-          </a:lnRef>
-          <a:fillRef idx="0">
-            <a:schemeClr val="accent1"/>
-          </a:fillRef>
-          <a:effectRef idx="0">
-            <a:schemeClr val="accent1"/>
-          </a:effectRef>
-          <a:fontRef idx="minor">
-            <a:schemeClr val="tx1"/>
-          </a:fontRef>
-        </p:style>
-      </p:cxnSp>
-      <p:sp>
-        <p:nvSpPr>
-          <p:cNvPr id="7" name="Rectangle 6">
-            <a:extLst>
-              <a:ext uri="{FF2B5EF4-FFF2-40B4-BE49-F238E27FC236}">
-                <a16:creationId xmlns:a16="http://schemas.microsoft.com/office/drawing/2014/main" id="{780377B8-6937-4A10-B113-37BF87377B97}"/>
-              </a:ext>
-            </a:extLst>
-          </p:cNvPr>
-          <p:cNvSpPr/>
-          <p:nvPr/>
-        </p:nvSpPr>
-        <p:spPr>
-          <a:xfrm>
-            <a:off x="838199" y="2163450"/>
-            <a:ext cx="9270000" cy="450001"/>
-          </a:xfrm>
-          <a:prstGeom prst="rect">
-            <a:avLst/>
-          </a:prstGeom>
-          <a:ln w="19050">
-            <a:solidFill>
-              <a:schemeClr val="accent2"/>
-            </a:solidFill>
-          </a:ln>
-        </p:spPr>
-        <p:style>
-          <a:lnRef idx="2">
-            <a:scrgbClr r="0" g="0" b="0"/>
-          </a:lnRef>
-          <a:fillRef idx="1">
-            <a:schemeClr val="lt1">
-              <a:alpha val="90000"/>
-              <a:hueOff val="0"/>
-              <a:satOff val="0"/>
-              <a:lumOff val="0"/>
-              <a:alphaOff val="0"/>
-            </a:schemeClr>
-          </a:fillRef>
-          <a:effectRef idx="0">
-            <a:schemeClr val="lt1">
-              <a:alpha val="90000"/>
-              <a:hueOff val="0"/>
-              <a:satOff val="0"/>
-              <a:lumOff val="0"/>
-              <a:alphaOff val="0"/>
-            </a:schemeClr>
-          </a:effectRef>
-          <a:fontRef idx="minor">
-            <a:schemeClr val="dk1">
-              <a:hueOff val="0"/>
-              <a:satOff val="0"/>
-              <a:lumOff val="0"/>
-              <a:alphaOff val="0"/>
-            </a:schemeClr>
-          </a:fontRef>
-        </p:style>
-      </p:sp>
-      <p:grpSp>
-        <p:nvGrpSpPr>
-          <p:cNvPr id="8" name="Group 7">
-            <a:extLst>
-              <a:ext uri="{FF2B5EF4-FFF2-40B4-BE49-F238E27FC236}">
-                <a16:creationId xmlns:a16="http://schemas.microsoft.com/office/drawing/2014/main" id="{14C7D399-98CD-4188-92D8-D858A7DF117A}"/>
-              </a:ext>
-            </a:extLst>
-          </p:cNvPr>
-          <p:cNvGrpSpPr/>
-          <p:nvPr/>
-        </p:nvGrpSpPr>
-        <p:grpSpPr>
-          <a:xfrm>
-            <a:off x="1301699" y="1840476"/>
-            <a:ext cx="7005600" cy="529200"/>
-            <a:chOff x="463500" y="960576"/>
-            <a:chExt cx="6489000" cy="678960"/>
-          </a:xfrm>
-        </p:grpSpPr>
-        <p:sp>
-          <p:nvSpPr>
-            <p:cNvPr id="22" name="Rectangle: Rounded Corners 21">
-              <a:extLst>
-                <a:ext uri="{FF2B5EF4-FFF2-40B4-BE49-F238E27FC236}">
-                  <a16:creationId xmlns:a16="http://schemas.microsoft.com/office/drawing/2014/main" id="{CB05061E-4470-45FD-8DBA-B178A8E11FA5}"/>
-                </a:ext>
-              </a:extLst>
-            </p:cNvPr>
-            <p:cNvSpPr/>
-            <p:nvPr/>
-          </p:nvSpPr>
-          <p:spPr>
-            <a:xfrm>
-              <a:off x="463500" y="960576"/>
-              <a:ext cx="6489000" cy="678960"/>
-            </a:xfrm>
-            <a:prstGeom prst="roundRect">
-              <a:avLst/>
-            </a:prstGeom>
-            <a:solidFill>
-              <a:schemeClr val="bg1"/>
-            </a:solidFill>
-            <a:ln w="38100">
-              <a:solidFill>
-                <a:schemeClr val="accent2"/>
-              </a:solidFill>
-            </a:ln>
-          </p:spPr>
-          <p:style>
-            <a:lnRef idx="2">
-              <a:scrgbClr r="0" g="0" b="0"/>
-            </a:lnRef>
-            <a:fillRef idx="1">
-              <a:scrgbClr r="0" g="0" b="0"/>
-            </a:fillRef>
-            <a:effectRef idx="0">
-              <a:schemeClr val="accent1">
-                <a:hueOff val="0"/>
-                <a:satOff val="0"/>
-                <a:lumOff val="0"/>
-                <a:alphaOff val="0"/>
-              </a:schemeClr>
-            </a:effectRef>
-            <a:fontRef idx="minor">
-              <a:schemeClr val="lt1"/>
-            </a:fontRef>
-          </p:style>
-        </p:sp>
-        <p:sp>
-          <p:nvSpPr>
-            <p:cNvPr id="23" name="Rectangle: Rounded Corners 5">
-              <a:extLst>
-                <a:ext uri="{FF2B5EF4-FFF2-40B4-BE49-F238E27FC236}">
-                  <a16:creationId xmlns:a16="http://schemas.microsoft.com/office/drawing/2014/main" id="{1BB51F13-25F7-4E04-AECF-AC39A158E874}"/>
-                </a:ext>
-              </a:extLst>
-            </p:cNvPr>
-            <p:cNvSpPr txBox="1"/>
-            <p:nvPr/>
-          </p:nvSpPr>
-          <p:spPr>
-            <a:xfrm>
-              <a:off x="496644" y="993720"/>
-              <a:ext cx="6422712" cy="612672"/>
-            </a:xfrm>
-            <a:prstGeom prst="rect">
-              <a:avLst/>
-            </a:prstGeom>
-          </p:spPr>
-          <p:style>
-            <a:lnRef idx="0">
-              <a:scrgbClr r="0" g="0" b="0"/>
-            </a:lnRef>
-            <a:fillRef idx="0">
-              <a:scrgbClr r="0" g="0" b="0"/>
-            </a:fillRef>
-            <a:effectRef idx="0">
-              <a:scrgbClr r="0" g="0" b="0"/>
-            </a:effectRef>
-            <a:fontRef idx="minor">
-              <a:schemeClr val="lt1"/>
-            </a:fontRef>
-          </p:style>
-          <p:txBody>
-            <a:bodyPr spcFirstLastPara="0" vert="horz" wrap="square" lIns="245269" tIns="0" rIns="245269" bIns="0" numCol="1" spcCol="1270" anchor="ctr" anchorCtr="0">
-              <a:noAutofit/>
-            </a:bodyPr>
-            <a:lstStyle/>
-            <a:p>
-              <a:pPr lvl="0"/>
-              <a:r>
-                <a:rPr lang="de-DE" sz="1400">
-                  <a:solidFill>
-                    <a:schemeClr val="tx1"/>
-                  </a:solidFill>
-                </a:rPr>
-                <a:t>/NF10/   Zusätzlich geschriebener Code sollte bei einem Minimum gehalten werden</a:t>
-              </a:r>
-            </a:p>
-          </p:txBody>
-        </p:sp>
-      </p:grpSp>
-      <p:sp>
-        <p:nvSpPr>
-          <p:cNvPr id="9" name="Rectangle 8">
-            <a:extLst>
-              <a:ext uri="{FF2B5EF4-FFF2-40B4-BE49-F238E27FC236}">
-                <a16:creationId xmlns:a16="http://schemas.microsoft.com/office/drawing/2014/main" id="{BA806A11-12F3-448A-9F3D-64B2FAD844AA}"/>
-              </a:ext>
-            </a:extLst>
-          </p:cNvPr>
-          <p:cNvSpPr/>
-          <p:nvPr/>
-        </p:nvSpPr>
-        <p:spPr>
-          <a:xfrm>
-            <a:off x="838199" y="3077132"/>
-            <a:ext cx="9270000" cy="450001"/>
-          </a:xfrm>
-          <a:prstGeom prst="rect">
-            <a:avLst/>
-          </a:prstGeom>
-          <a:ln w="19050">
-            <a:solidFill>
-              <a:schemeClr val="accent2"/>
-            </a:solidFill>
-          </a:ln>
-        </p:spPr>
-        <p:style>
-          <a:lnRef idx="2">
-            <a:scrgbClr r="0" g="0" b="0"/>
-          </a:lnRef>
-          <a:fillRef idx="1">
-            <a:schemeClr val="lt1">
-              <a:alpha val="90000"/>
-              <a:hueOff val="0"/>
-              <a:satOff val="0"/>
-              <a:lumOff val="0"/>
-              <a:alphaOff val="0"/>
-            </a:schemeClr>
-          </a:fillRef>
-          <a:effectRef idx="0">
-            <a:schemeClr val="lt1">
-              <a:alpha val="90000"/>
-              <a:hueOff val="0"/>
-              <a:satOff val="0"/>
-              <a:lumOff val="0"/>
-              <a:alphaOff val="0"/>
-            </a:schemeClr>
-          </a:effectRef>
-          <a:fontRef idx="minor">
-            <a:schemeClr val="dk1">
-              <a:hueOff val="0"/>
-              <a:satOff val="0"/>
-              <a:lumOff val="0"/>
-              <a:alphaOff val="0"/>
-            </a:schemeClr>
-          </a:fontRef>
-        </p:style>
-      </p:sp>
-      <p:grpSp>
-        <p:nvGrpSpPr>
-          <p:cNvPr id="11" name="Group 10">
-            <a:extLst>
-              <a:ext uri="{FF2B5EF4-FFF2-40B4-BE49-F238E27FC236}">
-                <a16:creationId xmlns:a16="http://schemas.microsoft.com/office/drawing/2014/main" id="{418262F6-8B29-4DB7-A900-300D5A9F3662}"/>
-              </a:ext>
-            </a:extLst>
-          </p:cNvPr>
-          <p:cNvGrpSpPr/>
-          <p:nvPr/>
-        </p:nvGrpSpPr>
-        <p:grpSpPr>
-          <a:xfrm>
-            <a:off x="1287010" y="2737652"/>
-            <a:ext cx="7005600" cy="529200"/>
-            <a:chOff x="448811" y="1857752"/>
-            <a:chExt cx="6489000" cy="678960"/>
-          </a:xfrm>
-        </p:grpSpPr>
-        <p:sp>
-          <p:nvSpPr>
-            <p:cNvPr id="20" name="Rectangle: Rounded Corners 19">
-              <a:extLst>
-                <a:ext uri="{FF2B5EF4-FFF2-40B4-BE49-F238E27FC236}">
-                  <a16:creationId xmlns:a16="http://schemas.microsoft.com/office/drawing/2014/main" id="{9532341A-36E8-4B48-98CB-3AC1A7F805AD}"/>
-                </a:ext>
-              </a:extLst>
-            </p:cNvPr>
-            <p:cNvSpPr/>
-            <p:nvPr/>
-          </p:nvSpPr>
-          <p:spPr>
-            <a:xfrm>
-              <a:off x="448811" y="1857752"/>
-              <a:ext cx="6489000" cy="678960"/>
-            </a:xfrm>
-            <a:prstGeom prst="roundRect">
-              <a:avLst/>
-            </a:prstGeom>
-            <a:solidFill>
-              <a:schemeClr val="bg1"/>
-            </a:solidFill>
-            <a:ln w="38100">
-              <a:solidFill>
-                <a:schemeClr val="accent2"/>
-              </a:solidFill>
-            </a:ln>
-          </p:spPr>
-          <p:style>
-            <a:lnRef idx="2">
-              <a:scrgbClr r="0" g="0" b="0"/>
-            </a:lnRef>
-            <a:fillRef idx="1">
-              <a:scrgbClr r="0" g="0" b="0"/>
-            </a:fillRef>
-            <a:effectRef idx="0">
-              <a:schemeClr val="accent1">
-                <a:hueOff val="0"/>
-                <a:satOff val="0"/>
-                <a:lumOff val="0"/>
-                <a:alphaOff val="0"/>
-              </a:schemeClr>
-            </a:effectRef>
-            <a:fontRef idx="minor">
-              <a:schemeClr val="lt1"/>
-            </a:fontRef>
-          </p:style>
-        </p:sp>
-        <p:sp>
-          <p:nvSpPr>
-            <p:cNvPr id="21" name="Rectangle: Rounded Corners 8">
-              <a:extLst>
-                <a:ext uri="{FF2B5EF4-FFF2-40B4-BE49-F238E27FC236}">
-                  <a16:creationId xmlns:a16="http://schemas.microsoft.com/office/drawing/2014/main" id="{00E9A149-4714-4353-BB5C-B910CBF08A43}"/>
-                </a:ext>
-              </a:extLst>
-            </p:cNvPr>
-            <p:cNvSpPr txBox="1"/>
-            <p:nvPr/>
-          </p:nvSpPr>
-          <p:spPr>
-            <a:xfrm>
-              <a:off x="481955" y="1890896"/>
-              <a:ext cx="6422712" cy="612672"/>
-            </a:xfrm>
-            <a:prstGeom prst="rect">
-              <a:avLst/>
-            </a:prstGeom>
-          </p:spPr>
-          <p:style>
-            <a:lnRef idx="0">
-              <a:scrgbClr r="0" g="0" b="0"/>
-            </a:lnRef>
-            <a:fillRef idx="0">
-              <a:scrgbClr r="0" g="0" b="0"/>
-            </a:fillRef>
-            <a:effectRef idx="0">
-              <a:scrgbClr r="0" g="0" b="0"/>
-            </a:effectRef>
-            <a:fontRef idx="minor">
-              <a:schemeClr val="lt1"/>
-            </a:fontRef>
-          </p:style>
-          <p:txBody>
-            <a:bodyPr spcFirstLastPara="0" vert="horz" wrap="square" lIns="245269" tIns="0" rIns="245269" bIns="0" numCol="1" spcCol="1270" anchor="ctr" anchorCtr="0">
-              <a:noAutofit/>
-            </a:bodyPr>
-            <a:lstStyle/>
-            <a:p>
-              <a:pPr lvl="0"/>
-              <a:r>
-                <a:rPr lang="de-DE" sz="1400">
-                  <a:solidFill>
-                    <a:schemeClr val="tx1"/>
-                  </a:solidFill>
-                </a:rPr>
-                <a:t>/NF20/   Effizienter Code</a:t>
-              </a:r>
-            </a:p>
-          </p:txBody>
-        </p:sp>
-      </p:grpSp>
-      <p:sp>
-        <p:nvSpPr>
-          <p:cNvPr id="12" name="Rectangle 11">
-            <a:extLst>
-              <a:ext uri="{FF2B5EF4-FFF2-40B4-BE49-F238E27FC236}">
-                <a16:creationId xmlns:a16="http://schemas.microsoft.com/office/drawing/2014/main" id="{DB74E022-5806-4D04-8E85-16364B4EE69F}"/>
-              </a:ext>
-            </a:extLst>
-          </p:cNvPr>
-          <p:cNvSpPr/>
-          <p:nvPr/>
-        </p:nvSpPr>
-        <p:spPr>
-          <a:xfrm>
-            <a:off x="838199" y="3990813"/>
-            <a:ext cx="9270000" cy="450001"/>
-          </a:xfrm>
-          <a:prstGeom prst="rect">
-            <a:avLst/>
-          </a:prstGeom>
-          <a:ln w="19050">
-            <a:solidFill>
-              <a:schemeClr val="accent2"/>
-            </a:solidFill>
-          </a:ln>
-        </p:spPr>
-        <p:style>
-          <a:lnRef idx="2">
-            <a:scrgbClr r="0" g="0" b="0"/>
-          </a:lnRef>
-          <a:fillRef idx="1">
-            <a:schemeClr val="lt1">
-              <a:alpha val="90000"/>
-              <a:hueOff val="0"/>
-              <a:satOff val="0"/>
-              <a:lumOff val="0"/>
-              <a:alphaOff val="0"/>
-            </a:schemeClr>
-          </a:fillRef>
-          <a:effectRef idx="0">
-            <a:schemeClr val="lt1">
-              <a:alpha val="90000"/>
-              <a:hueOff val="0"/>
-              <a:satOff val="0"/>
-              <a:lumOff val="0"/>
-              <a:alphaOff val="0"/>
-            </a:schemeClr>
-          </a:effectRef>
-          <a:fontRef idx="minor">
-            <a:schemeClr val="dk1">
-              <a:hueOff val="0"/>
-              <a:satOff val="0"/>
-              <a:lumOff val="0"/>
-              <a:alphaOff val="0"/>
-            </a:schemeClr>
-          </a:fontRef>
-        </p:style>
-      </p:sp>
-      <p:grpSp>
-        <p:nvGrpSpPr>
-          <p:cNvPr id="13" name="Group 12">
-            <a:extLst>
-              <a:ext uri="{FF2B5EF4-FFF2-40B4-BE49-F238E27FC236}">
-                <a16:creationId xmlns:a16="http://schemas.microsoft.com/office/drawing/2014/main" id="{E74FBD9F-C169-4D83-BFCD-D9CFE733F23D}"/>
-              </a:ext>
-            </a:extLst>
-          </p:cNvPr>
-          <p:cNvGrpSpPr/>
-          <p:nvPr/>
-        </p:nvGrpSpPr>
-        <p:grpSpPr>
-          <a:xfrm>
-            <a:off x="1287010" y="3666175"/>
-            <a:ext cx="7005600" cy="529200"/>
-            <a:chOff x="448811" y="2786275"/>
-            <a:chExt cx="6489000" cy="678960"/>
-          </a:xfrm>
-        </p:grpSpPr>
-        <p:sp>
-          <p:nvSpPr>
-            <p:cNvPr id="18" name="Rectangle: Rounded Corners 17">
-              <a:extLst>
-                <a:ext uri="{FF2B5EF4-FFF2-40B4-BE49-F238E27FC236}">
-                  <a16:creationId xmlns:a16="http://schemas.microsoft.com/office/drawing/2014/main" id="{5D9E1BA4-2EDE-4AAB-9CF7-AD446675F8B2}"/>
-                </a:ext>
-              </a:extLst>
-            </p:cNvPr>
-            <p:cNvSpPr/>
-            <p:nvPr/>
-          </p:nvSpPr>
-          <p:spPr>
-            <a:xfrm>
-              <a:off x="448811" y="2786275"/>
-              <a:ext cx="6489000" cy="678960"/>
-            </a:xfrm>
-            <a:prstGeom prst="roundRect">
-              <a:avLst/>
-            </a:prstGeom>
-            <a:solidFill>
-              <a:schemeClr val="bg1"/>
-            </a:solidFill>
-            <a:ln w="38100">
-              <a:solidFill>
-                <a:srgbClr val="ED7D31"/>
-              </a:solidFill>
-            </a:ln>
-          </p:spPr>
-          <p:style>
-            <a:lnRef idx="2">
-              <a:scrgbClr r="0" g="0" b="0"/>
-            </a:lnRef>
-            <a:fillRef idx="1">
-              <a:scrgbClr r="0" g="0" b="0"/>
-            </a:fillRef>
-            <a:effectRef idx="0">
-              <a:schemeClr val="accent1">
-                <a:hueOff val="0"/>
-                <a:satOff val="0"/>
-                <a:lumOff val="0"/>
-                <a:alphaOff val="0"/>
-              </a:schemeClr>
-            </a:effectRef>
-            <a:fontRef idx="minor">
-              <a:schemeClr val="lt1"/>
-            </a:fontRef>
-          </p:style>
-        </p:sp>
-        <p:sp>
-          <p:nvSpPr>
-            <p:cNvPr id="19" name="Rectangle: Rounded Corners 11">
-              <a:extLst>
-                <a:ext uri="{FF2B5EF4-FFF2-40B4-BE49-F238E27FC236}">
-                  <a16:creationId xmlns:a16="http://schemas.microsoft.com/office/drawing/2014/main" id="{25D5378C-F897-4741-942B-6E04FA679BCD}"/>
-                </a:ext>
-              </a:extLst>
-            </p:cNvPr>
-            <p:cNvSpPr txBox="1"/>
-            <p:nvPr/>
-          </p:nvSpPr>
-          <p:spPr>
-            <a:xfrm>
-              <a:off x="481955" y="2819419"/>
-              <a:ext cx="6422712" cy="612672"/>
-            </a:xfrm>
-            <a:prstGeom prst="rect">
-              <a:avLst/>
-            </a:prstGeom>
-          </p:spPr>
-          <p:style>
-            <a:lnRef idx="0">
-              <a:scrgbClr r="0" g="0" b="0"/>
-            </a:lnRef>
-            <a:fillRef idx="0">
-              <a:scrgbClr r="0" g="0" b="0"/>
-            </a:fillRef>
-            <a:effectRef idx="0">
-              <a:scrgbClr r="0" g="0" b="0"/>
-            </a:effectRef>
-            <a:fontRef idx="minor">
-              <a:schemeClr val="lt1"/>
-            </a:fontRef>
-          </p:style>
-          <p:txBody>
-            <a:bodyPr spcFirstLastPara="0" vert="horz" wrap="square" lIns="245269" tIns="0" rIns="245269" bIns="0" numCol="1" spcCol="1270" anchor="ctr" anchorCtr="0">
-              <a:noAutofit/>
-            </a:bodyPr>
-            <a:lstStyle/>
-            <a:p>
-              <a:pPr lvl="0"/>
-              <a:r>
-                <a:rPr lang="de-DE" sz="1400">
-                  <a:solidFill>
-                    <a:schemeClr val="tx1"/>
-                  </a:solidFill>
-                </a:rPr>
-                <a:t>/NF30/   Intuitive GUI für Test-Client</a:t>
-              </a:r>
-            </a:p>
-          </p:txBody>
-        </p:sp>
-      </p:grpSp>
-      <p:sp>
-        <p:nvSpPr>
-          <p:cNvPr id="14" name="Rectangle 13">
-            <a:extLst>
-              <a:ext uri="{FF2B5EF4-FFF2-40B4-BE49-F238E27FC236}">
-                <a16:creationId xmlns:a16="http://schemas.microsoft.com/office/drawing/2014/main" id="{953223C7-ED6C-4A32-BD42-B38D3E43D205}"/>
-              </a:ext>
-            </a:extLst>
-          </p:cNvPr>
-          <p:cNvSpPr/>
-          <p:nvPr/>
-        </p:nvSpPr>
-        <p:spPr>
-          <a:xfrm>
-            <a:off x="838199" y="4904494"/>
-            <a:ext cx="9270000" cy="450001"/>
-          </a:xfrm>
-          <a:prstGeom prst="rect">
-            <a:avLst/>
-          </a:prstGeom>
-          <a:ln w="19050">
-            <a:solidFill>
-              <a:schemeClr val="accent2"/>
-            </a:solidFill>
-          </a:ln>
-        </p:spPr>
-        <p:style>
-          <a:lnRef idx="2">
-            <a:scrgbClr r="0" g="0" b="0"/>
-          </a:lnRef>
-          <a:fillRef idx="1">
-            <a:schemeClr val="lt1">
-              <a:alpha val="90000"/>
-              <a:hueOff val="0"/>
-              <a:satOff val="0"/>
-              <a:lumOff val="0"/>
-              <a:alphaOff val="0"/>
-            </a:schemeClr>
-          </a:fillRef>
-          <a:effectRef idx="0">
-            <a:schemeClr val="lt1">
-              <a:alpha val="90000"/>
-              <a:hueOff val="0"/>
-              <a:satOff val="0"/>
-              <a:lumOff val="0"/>
-              <a:alphaOff val="0"/>
-            </a:schemeClr>
-          </a:effectRef>
-          <a:fontRef idx="minor">
-            <a:schemeClr val="dk1">
-              <a:hueOff val="0"/>
-              <a:satOff val="0"/>
-              <a:lumOff val="0"/>
-              <a:alphaOff val="0"/>
-            </a:schemeClr>
-          </a:fontRef>
-        </p:style>
-      </p:sp>
-      <p:grpSp>
-        <p:nvGrpSpPr>
-          <p:cNvPr id="15" name="Group 14">
-            <a:extLst>
-              <a:ext uri="{FF2B5EF4-FFF2-40B4-BE49-F238E27FC236}">
-                <a16:creationId xmlns:a16="http://schemas.microsoft.com/office/drawing/2014/main" id="{655402DF-B7E3-4030-AD0C-810234406D04}"/>
-              </a:ext>
-            </a:extLst>
-          </p:cNvPr>
-          <p:cNvGrpSpPr/>
-          <p:nvPr/>
-        </p:nvGrpSpPr>
-        <p:grpSpPr>
-          <a:xfrm>
-            <a:off x="1301699" y="4565014"/>
-            <a:ext cx="7005600" cy="529200"/>
-            <a:chOff x="463500" y="3685114"/>
-            <a:chExt cx="6489000" cy="678960"/>
-          </a:xfrm>
-        </p:grpSpPr>
-        <p:sp>
-          <p:nvSpPr>
-            <p:cNvPr id="16" name="Rectangle: Rounded Corners 15">
-              <a:extLst>
-                <a:ext uri="{FF2B5EF4-FFF2-40B4-BE49-F238E27FC236}">
-                  <a16:creationId xmlns:a16="http://schemas.microsoft.com/office/drawing/2014/main" id="{BCFC777F-4958-4B14-9822-F1258377C393}"/>
-                </a:ext>
-              </a:extLst>
-            </p:cNvPr>
-            <p:cNvSpPr/>
-            <p:nvPr/>
-          </p:nvSpPr>
-          <p:spPr>
-            <a:xfrm>
-              <a:off x="463500" y="3685114"/>
-              <a:ext cx="6489000" cy="678960"/>
-            </a:xfrm>
-            <a:prstGeom prst="roundRect">
-              <a:avLst/>
-            </a:prstGeom>
-            <a:solidFill>
-              <a:schemeClr val="bg1"/>
-            </a:solidFill>
-            <a:ln w="38100">
-              <a:solidFill>
-                <a:schemeClr val="accent2"/>
-              </a:solidFill>
-            </a:ln>
-          </p:spPr>
-          <p:style>
-            <a:lnRef idx="2">
-              <a:scrgbClr r="0" g="0" b="0"/>
-            </a:lnRef>
-            <a:fillRef idx="1">
-              <a:scrgbClr r="0" g="0" b="0"/>
-            </a:fillRef>
-            <a:effectRef idx="0">
-              <a:schemeClr val="accent1">
-                <a:hueOff val="0"/>
-                <a:satOff val="0"/>
-                <a:lumOff val="0"/>
-                <a:alphaOff val="0"/>
-              </a:schemeClr>
-            </a:effectRef>
-            <a:fontRef idx="minor">
-              <a:schemeClr val="lt1"/>
-            </a:fontRef>
-          </p:style>
-        </p:sp>
-        <p:sp>
-          <p:nvSpPr>
-            <p:cNvPr id="17" name="Rectangle: Rounded Corners 14">
-              <a:extLst>
-                <a:ext uri="{FF2B5EF4-FFF2-40B4-BE49-F238E27FC236}">
-                  <a16:creationId xmlns:a16="http://schemas.microsoft.com/office/drawing/2014/main" id="{20D11541-F398-49FF-97C0-4CAAE3FBCFAD}"/>
-                </a:ext>
-              </a:extLst>
-            </p:cNvPr>
-            <p:cNvSpPr txBox="1"/>
-            <p:nvPr/>
-          </p:nvSpPr>
-          <p:spPr>
-            <a:xfrm>
-              <a:off x="496644" y="3718258"/>
-              <a:ext cx="6422712" cy="612672"/>
-            </a:xfrm>
-            <a:prstGeom prst="rect">
-              <a:avLst/>
-            </a:prstGeom>
-          </p:spPr>
-          <p:style>
-            <a:lnRef idx="0">
-              <a:scrgbClr r="0" g="0" b="0"/>
-            </a:lnRef>
-            <a:fillRef idx="0">
-              <a:scrgbClr r="0" g="0" b="0"/>
-            </a:fillRef>
-            <a:effectRef idx="0">
-              <a:scrgbClr r="0" g="0" b="0"/>
-            </a:effectRef>
-            <a:fontRef idx="minor">
-              <a:schemeClr val="lt1"/>
-            </a:fontRef>
-          </p:style>
-          <p:txBody>
-            <a:bodyPr spcFirstLastPara="0" vert="horz" wrap="square" lIns="245269" tIns="0" rIns="245269" bIns="0" numCol="1" spcCol="1270" anchor="ctr" anchorCtr="0">
-              <a:noAutofit/>
-            </a:bodyPr>
-            <a:lstStyle/>
-            <a:p>
-              <a:pPr lvl="0"/>
-              <a:r>
-                <a:rPr lang="de-DE" sz="1400">
-                  <a:solidFill>
-                    <a:schemeClr val="tx1"/>
-                  </a:solidFill>
-                </a:rPr>
-                <a:t>/NF40/   Bestehen des </a:t>
-              </a:r>
-              <a:r>
-                <a:rPr lang="de-DE" sz="1400" err="1">
-                  <a:solidFill>
-                    <a:schemeClr val="tx1"/>
-                  </a:solidFill>
-                </a:rPr>
-                <a:t>Approval</a:t>
-              </a:r>
-              <a:r>
-                <a:rPr lang="de-DE" sz="1400">
-                  <a:solidFill>
-                    <a:schemeClr val="tx1"/>
-                  </a:solidFill>
-                </a:rPr>
-                <a:t> </a:t>
-              </a:r>
-              <a:r>
-                <a:rPr lang="de-DE" sz="1400" err="1">
-                  <a:solidFill>
-                    <a:schemeClr val="tx1"/>
-                  </a:solidFill>
-                </a:rPr>
-                <a:t>Process</a:t>
-              </a:r>
-              <a:endParaRPr lang="de-DE" sz="1400">
-                <a:solidFill>
-                  <a:schemeClr val="tx1"/>
-                </a:solidFill>
-              </a:endParaRPr>
-            </a:p>
-          </p:txBody>
-        </p:sp>
-      </p:grpSp>
-      <p:sp>
-        <p:nvSpPr>
-          <p:cNvPr id="24" name="Rectangle 23">
-            <a:extLst>
-              <a:ext uri="{FF2B5EF4-FFF2-40B4-BE49-F238E27FC236}">
-                <a16:creationId xmlns:a16="http://schemas.microsoft.com/office/drawing/2014/main" id="{0F2FB9E3-12BE-4772-A03C-D38F3829E8D5}"/>
-              </a:ext>
-            </a:extLst>
-          </p:cNvPr>
-          <p:cNvSpPr/>
-          <p:nvPr/>
-        </p:nvSpPr>
-        <p:spPr>
-          <a:xfrm>
-            <a:off x="838199" y="5818175"/>
-            <a:ext cx="9270000" cy="450001"/>
-          </a:xfrm>
-          <a:prstGeom prst="rect">
-            <a:avLst/>
-          </a:prstGeom>
-          <a:ln w="19050">
-            <a:solidFill>
-              <a:schemeClr val="accent2"/>
-            </a:solidFill>
-          </a:ln>
-        </p:spPr>
-        <p:style>
-          <a:lnRef idx="2">
-            <a:scrgbClr r="0" g="0" b="0"/>
-          </a:lnRef>
-          <a:fillRef idx="1">
-            <a:schemeClr val="lt1">
-              <a:alpha val="90000"/>
-              <a:hueOff val="0"/>
-              <a:satOff val="0"/>
-              <a:lumOff val="0"/>
-              <a:alphaOff val="0"/>
-            </a:schemeClr>
-          </a:fillRef>
-          <a:effectRef idx="0">
-            <a:schemeClr val="lt1">
-              <a:alpha val="90000"/>
-              <a:hueOff val="0"/>
-              <a:satOff val="0"/>
-              <a:lumOff val="0"/>
-              <a:alphaOff val="0"/>
-            </a:schemeClr>
-          </a:effectRef>
-          <a:fontRef idx="minor">
-            <a:schemeClr val="dk1">
-              <a:hueOff val="0"/>
-              <a:satOff val="0"/>
-              <a:lumOff val="0"/>
-              <a:alphaOff val="0"/>
-            </a:schemeClr>
-          </a:fontRef>
-        </p:style>
-      </p:sp>
-      <p:grpSp>
-        <p:nvGrpSpPr>
-          <p:cNvPr id="25" name="Group 24">
-            <a:extLst>
-              <a:ext uri="{FF2B5EF4-FFF2-40B4-BE49-F238E27FC236}">
-                <a16:creationId xmlns:a16="http://schemas.microsoft.com/office/drawing/2014/main" id="{3F11B13D-445B-4BE0-BF9C-1C83EBA1D1F1}"/>
-              </a:ext>
-            </a:extLst>
-          </p:cNvPr>
-          <p:cNvGrpSpPr/>
-          <p:nvPr/>
-        </p:nvGrpSpPr>
-        <p:grpSpPr>
-          <a:xfrm>
-            <a:off x="1301699" y="5478695"/>
-            <a:ext cx="7005600" cy="529200"/>
-            <a:chOff x="463500" y="3685114"/>
-            <a:chExt cx="6489000" cy="678960"/>
-          </a:xfrm>
-        </p:grpSpPr>
-        <p:sp>
-          <p:nvSpPr>
-            <p:cNvPr id="26" name="Rectangle: Rounded Corners 25">
-              <a:extLst>
-                <a:ext uri="{FF2B5EF4-FFF2-40B4-BE49-F238E27FC236}">
-                  <a16:creationId xmlns:a16="http://schemas.microsoft.com/office/drawing/2014/main" id="{38D4877B-9ED9-42B4-81CE-56FBF44FB187}"/>
-                </a:ext>
-              </a:extLst>
-            </p:cNvPr>
-            <p:cNvSpPr/>
-            <p:nvPr/>
-          </p:nvSpPr>
-          <p:spPr>
-            <a:xfrm>
-              <a:off x="463500" y="3685114"/>
-              <a:ext cx="6489000" cy="678960"/>
-            </a:xfrm>
-            <a:prstGeom prst="roundRect">
-              <a:avLst/>
-            </a:prstGeom>
-            <a:solidFill>
-              <a:schemeClr val="bg1"/>
-            </a:solidFill>
-            <a:ln w="38100">
-              <a:solidFill>
-                <a:schemeClr val="accent2"/>
-              </a:solidFill>
-            </a:ln>
-          </p:spPr>
-          <p:style>
-            <a:lnRef idx="2">
-              <a:scrgbClr r="0" g="0" b="0"/>
-            </a:lnRef>
-            <a:fillRef idx="1">
-              <a:scrgbClr r="0" g="0" b="0"/>
-            </a:fillRef>
-            <a:effectRef idx="0">
-              <a:schemeClr val="accent1">
-                <a:hueOff val="0"/>
-                <a:satOff val="0"/>
-                <a:lumOff val="0"/>
-                <a:alphaOff val="0"/>
-              </a:schemeClr>
-            </a:effectRef>
-            <a:fontRef idx="minor">
-              <a:schemeClr val="lt1"/>
-            </a:fontRef>
-          </p:style>
-        </p:sp>
-        <p:sp>
-          <p:nvSpPr>
-            <p:cNvPr id="27" name="Rectangle: Rounded Corners 14">
-              <a:extLst>
-                <a:ext uri="{FF2B5EF4-FFF2-40B4-BE49-F238E27FC236}">
-                  <a16:creationId xmlns:a16="http://schemas.microsoft.com/office/drawing/2014/main" id="{DC222731-7028-4167-B872-8A6E127EF1D7}"/>
-                </a:ext>
-              </a:extLst>
-            </p:cNvPr>
-            <p:cNvSpPr txBox="1"/>
-            <p:nvPr/>
-          </p:nvSpPr>
-          <p:spPr>
-            <a:xfrm>
-              <a:off x="496644" y="3718258"/>
-              <a:ext cx="6422712" cy="612672"/>
-            </a:xfrm>
-            <a:prstGeom prst="rect">
-              <a:avLst/>
-            </a:prstGeom>
-          </p:spPr>
-          <p:style>
-            <a:lnRef idx="0">
-              <a:scrgbClr r="0" g="0" b="0"/>
-            </a:lnRef>
-            <a:fillRef idx="0">
-              <a:scrgbClr r="0" g="0" b="0"/>
-            </a:fillRef>
-            <a:effectRef idx="0">
-              <a:scrgbClr r="0" g="0" b="0"/>
-            </a:effectRef>
-            <a:fontRef idx="minor">
-              <a:schemeClr val="lt1"/>
-            </a:fontRef>
-          </p:style>
-          <p:txBody>
-            <a:bodyPr spcFirstLastPara="0" vert="horz" wrap="square" lIns="245269" tIns="0" rIns="245269" bIns="0" numCol="1" spcCol="1270" anchor="ctr" anchorCtr="0">
-              <a:noAutofit/>
-            </a:bodyPr>
-            <a:lstStyle/>
-            <a:p>
-              <a:pPr lvl="0"/>
-              <a:r>
-                <a:rPr lang="de-DE" sz="1400">
-                  <a:solidFill>
-                    <a:schemeClr val="tx1"/>
-                  </a:solidFill>
-                </a:rPr>
-                <a:t>/NF50/   </a:t>
-              </a:r>
-              <a:r>
-                <a:rPr lang="de-DE" sz="1400" err="1">
-                  <a:solidFill>
-                    <a:schemeClr val="tx1"/>
-                  </a:solidFill>
-                </a:rPr>
-                <a:t>Executable</a:t>
-              </a:r>
-              <a:r>
-                <a:rPr lang="de-DE" sz="1400">
-                  <a:solidFill>
-                    <a:schemeClr val="tx1"/>
-                  </a:solidFill>
-                </a:rPr>
-                <a:t> </a:t>
-              </a:r>
-              <a:r>
-                <a:rPr lang="de-DE" sz="1400" err="1">
-                  <a:solidFill>
-                    <a:schemeClr val="tx1"/>
-                  </a:solidFill>
-                </a:rPr>
-                <a:t>Program</a:t>
-              </a:r>
-              <a:endParaRPr lang="de-DE" sz="1400">
-                <a:solidFill>
-                  <a:schemeClr val="tx1"/>
-                </a:solidFill>
-              </a:endParaRPr>
-            </a:p>
-          </p:txBody>
-        </p:sp>
-      </p:grpSp>
-      <p:sp>
-        <p:nvSpPr>
-          <p:cNvPr id="34" name="Textfeld 33">
-            <a:extLst>
-              <a:ext uri="{FF2B5EF4-FFF2-40B4-BE49-F238E27FC236}">
-                <a16:creationId xmlns:a16="http://schemas.microsoft.com/office/drawing/2014/main" id="{2EAA6503-B614-452E-865F-8F28FAD17DC3}"/>
-              </a:ext>
-            </a:extLst>
-          </p:cNvPr>
-          <p:cNvSpPr txBox="1"/>
-          <p:nvPr/>
-        </p:nvSpPr>
-        <p:spPr>
-          <a:xfrm>
-            <a:off x="11890314" y="-636"/>
-            <a:ext cx="301686" cy="369332"/>
-          </a:xfrm>
-          <a:prstGeom prst="rect">
-            <a:avLst/>
-          </a:prstGeom>
-          <a:noFill/>
-        </p:spPr>
-        <p:txBody>
-          <a:bodyPr wrap="square" rtlCol="0">
-            <a:spAutoFit/>
-          </a:bodyPr>
-          <a:lstStyle/>
-          <a:p>
-            <a:r>
-              <a:rPr lang="de-DE"/>
-              <a:t>7</a:t>
-            </a:r>
-          </a:p>
-        </p:txBody>
-      </p:sp>
-    </p:spTree>
-    <p:extLst>
-      <p:ext uri="{BB962C8B-B14F-4D97-AF65-F5344CB8AC3E}">
-        <p14:creationId xmlns:p14="http://schemas.microsoft.com/office/powerpoint/2010/main" val="2321171521"/>
-      </p:ext>
-    </p:extLst>
-  </p:cSld>
-  <p:clrMapOvr>
-    <a:masterClrMapping/>
-  </p:clrMapOvr>
-  <mc:AlternateContent xmlns:mc="http://schemas.openxmlformats.org/markup-compatibility/2006">
-    <mc:Choice xmlns:p159="http://schemas.microsoft.com/office/powerpoint/2015/09/main" Requires="p159">
-      <p:transition xmlns:p14="http://schemas.microsoft.com/office/powerpoint/2010/main" spd="slow" p14:dur="2000">
-        <p159:morph option="byObject"/>
-      </p:transition>
-    </mc:Choice>
-    <mc:Fallback>
-      <p:transition spd="slow">
-        <p:fade/>
-      </p:transition>
-    </mc:Fallback>
-  </mc:AlternateContent>
-</p:sld>
-</file>
-
-<file path=ppt/slides/slide12.xml><?xml version="1.0" encoding="utf-8"?>
 <p:sld xmlns:a="http://schemas.openxmlformats.org/drawingml/2006/main" xmlns:r="http://schemas.openxmlformats.org/officeDocument/2006/relationships" xmlns:p="http://schemas.openxmlformats.org/presentationml/2006/main">
   <p:cSld>
     <p:spTree>
@@ -20720,13 +22522,13 @@
           <a:noFill/>
         </p:spPr>
         <p:txBody>
-          <a:bodyPr wrap="square" rtlCol="0">
+          <a:bodyPr wrap="square" lIns="91440" tIns="45720" rIns="91440" bIns="45720" rtlCol="0" anchor="t">
             <a:spAutoFit/>
           </a:bodyPr>
           <a:lstStyle/>
           <a:p>
             <a:r>
-              <a:rPr lang="de-DE" dirty="0"/>
+              <a:rPr lang="de-DE"/>
               <a:t>10</a:t>
             </a:r>
           </a:p>
@@ -20760,6 +22562,58 @@
           </a:graphicData>
         </a:graphic>
       </p:graphicFrame>
+      <p:sp>
+        <p:nvSpPr>
+          <p:cNvPr id="7" name="Ellipse 6">
+            <a:extLst>
+              <a:ext uri="{FF2B5EF4-FFF2-40B4-BE49-F238E27FC236}">
+                <a16:creationId xmlns:a16="http://schemas.microsoft.com/office/drawing/2014/main" id="{27DEBCB1-7284-D60D-1194-1E90B25BE383}"/>
+              </a:ext>
+            </a:extLst>
+          </p:cNvPr>
+          <p:cNvSpPr/>
+          <p:nvPr/>
+        </p:nvSpPr>
+        <p:spPr>
+          <a:xfrm>
+            <a:off x="169986" y="790610"/>
+            <a:ext cx="468000" cy="468000"/>
+          </a:xfrm>
+          <a:prstGeom prst="ellipse">
+            <a:avLst/>
+          </a:prstGeom>
+          <a:solidFill>
+            <a:srgbClr val="ED7D31"/>
+          </a:solidFill>
+          <a:ln>
+            <a:noFill/>
+          </a:ln>
+        </p:spPr>
+        <p:style>
+          <a:lnRef idx="2">
+            <a:schemeClr val="accent1">
+              <a:shade val="50000"/>
+            </a:schemeClr>
+          </a:lnRef>
+          <a:fillRef idx="1">
+            <a:schemeClr val="accent1"/>
+          </a:fillRef>
+          <a:effectRef idx="0">
+            <a:schemeClr val="accent1"/>
+          </a:effectRef>
+          <a:fontRef idx="minor">
+            <a:schemeClr val="lt1"/>
+          </a:fontRef>
+        </p:style>
+        <p:txBody>
+          <a:bodyPr rtlCol="0" anchor="ctr"/>
+          <a:lstStyle/>
+          <a:p>
+            <a:pPr algn="ctr"/>
+            <a:endParaRPr lang="de-DE"/>
+          </a:p>
+        </p:txBody>
+      </p:sp>
     </p:spTree>
     <p:extLst>
       <p:ext uri="{BB962C8B-B14F-4D97-AF65-F5344CB8AC3E}">
@@ -20770,13 +22624,13 @@
   <p:clrMapOvr>
     <a:masterClrMapping/>
   </p:clrMapOvr>
-  <mc:AlternateContent xmlns:mc="http://schemas.openxmlformats.org/markup-compatibility/2006">
-    <mc:Choice xmlns:p159="http://schemas.microsoft.com/office/powerpoint/2015/09/main" Requires="p159">
+  <mc:AlternateContent xmlns:mc="http://schemas.openxmlformats.org/markup-compatibility/2006" xmlns:p159="http://schemas.microsoft.com/office/powerpoint/2015/09/main">
+    <mc:Choice Requires="p159">
       <p:transition xmlns:p14="http://schemas.microsoft.com/office/powerpoint/2010/main" spd="slow" p14:dur="2000">
         <p159:morph option="byObject"/>
       </p:transition>
     </mc:Choice>
-    <mc:Fallback>
+    <mc:Fallback xmlns="">
       <p:transition spd="slow">
         <p:fade/>
       </p:transition>
@@ -20785,7 +22639,7 @@
 </p:sld>
 </file>
 
-<file path=ppt/slides/slide13.xml><?xml version="1.0" encoding="utf-8"?>
+<file path=ppt/slides/slide12.xml><?xml version="1.0" encoding="utf-8"?>
 <p:sld xmlns:a="http://schemas.openxmlformats.org/drawingml/2006/main" xmlns:r="http://schemas.openxmlformats.org/officeDocument/2006/relationships" xmlns:p="http://schemas.openxmlformats.org/presentationml/2006/main">
   <p:cSld>
     <p:spTree>
@@ -20824,7 +22678,7 @@
           <a:lstStyle/>
           <a:p>
             <a:r>
-              <a:rPr lang="de-DE" sz="5400" b="1" dirty="0"/>
+              <a:rPr lang="de-DE" sz="5400" b="1"/>
               <a:t>Entwicklungsprozess</a:t>
             </a:r>
           </a:p>
@@ -21064,7 +22918,7 @@
           </a:lstStyle>
           <a:p>
             <a:r>
-              <a:rPr lang="de-DE" dirty="0">
+              <a:rPr lang="de-DE">
                 <a:cs typeface="Calibri"/>
               </a:rPr>
               <a:t>Visual Studio 2022</a:t>
@@ -21072,7 +22926,7 @@
           </a:p>
           <a:p>
             <a:r>
-              <a:rPr lang="de-DE" dirty="0">
+              <a:rPr lang="de-DE">
                 <a:cs typeface="Calibri"/>
               </a:rPr>
               <a:t>WIN SDK 10.0</a:t>
@@ -21080,7 +22934,7 @@
           </a:p>
           <a:p>
             <a:r>
-              <a:rPr lang="de-DE" dirty="0">
+              <a:rPr lang="de-DE">
                 <a:cs typeface="Calibri"/>
               </a:rPr>
               <a:t>Analyse &amp; Einarbeitung Patch#9525</a:t>
@@ -21088,7 +22942,7 @@
           </a:p>
           <a:p>
             <a:r>
-              <a:rPr lang="de-DE" dirty="0">
+              <a:rPr lang="de-DE">
                 <a:cs typeface="Calibri"/>
               </a:rPr>
               <a:t>Debugging</a:t>
@@ -21096,19 +22950,19 @@
           </a:p>
           <a:p>
             <a:r>
-              <a:rPr lang="de-DE" dirty="0">
+              <a:rPr lang="de-DE">
                 <a:cs typeface="Calibri"/>
               </a:rPr>
               <a:t>Alternative </a:t>
             </a:r>
             <a:r>
-              <a:rPr lang="de-DE" dirty="0" err="1">
+              <a:rPr lang="de-DE" err="1">
                 <a:cs typeface="Calibri"/>
               </a:rPr>
               <a:t>WebSocket</a:t>
             </a:r>
             <a:r>
-              <a:rPr lang="de-DE" dirty="0">
+              <a:rPr lang="de-DE">
                 <a:cs typeface="Calibri"/>
               </a:rPr>
               <a:t> Server</a:t>
@@ -21229,13 +23083,13 @@
           <a:noFill/>
         </p:spPr>
         <p:txBody>
-          <a:bodyPr wrap="square" rtlCol="0">
+          <a:bodyPr wrap="square" lIns="91440" tIns="45720" rIns="91440" bIns="45720" rtlCol="0" anchor="t">
             <a:spAutoFit/>
           </a:bodyPr>
           <a:lstStyle/>
           <a:p>
             <a:r>
-              <a:rPr lang="de-DE" dirty="0"/>
+              <a:rPr lang="de-DE"/>
               <a:t>11</a:t>
             </a:r>
           </a:p>
@@ -21256,7 +23110,7 @@
         <p:spPr>
           <a:xfrm>
             <a:off x="110378" y="5850901"/>
-            <a:ext cx="9240591" cy="955967"/>
+            <a:ext cx="9240591" cy="1008033"/>
           </a:xfrm>
           <a:prstGeom prst="rect">
             <a:avLst/>
@@ -21273,12 +23127,12 @@
               <a:buNone/>
             </a:pPr>
             <a:r>
-              <a:rPr lang="de-DE" sz="1050" dirty="0">
+              <a:rPr lang="de-DE" sz="1050">
                 <a:cs typeface="Calibri"/>
               </a:rPr>
               <a:t>Bildquellen: </a:t>
             </a:r>
-            <a:endParaRPr lang="de-DE" sz="1050" dirty="0">
+            <a:endParaRPr lang="de-DE" sz="1050">
               <a:ea typeface="+mn-lt"/>
               <a:cs typeface="+mn-lt"/>
             </a:endParaRPr>
@@ -21291,14 +23145,14 @@
               <a:buNone/>
             </a:pPr>
             <a:r>
-              <a:rPr lang="de-DE" sz="1050" dirty="0">
+              <a:rPr lang="de-DE" sz="900">
                 <a:ea typeface="+mn-lt"/>
                 <a:cs typeface="+mn-lt"/>
                 <a:hlinkClick r:id="rId4"/>
               </a:rPr>
               <a:t>https://logos.fandom.com/wiki/Microsoft_Visual_Studio#2021.E2.80.93present</a:t>
             </a:r>
-            <a:endParaRPr lang="de-DE" sz="1050" dirty="0">
+            <a:endParaRPr lang="de-DE" sz="900">
               <a:ea typeface="+mn-lt"/>
               <a:cs typeface="+mn-lt"/>
             </a:endParaRPr>
@@ -21311,7 +23165,7 @@
               <a:buNone/>
             </a:pPr>
             <a:r>
-              <a:rPr lang="de-DE" sz="1050" dirty="0">
+              <a:rPr lang="de-DE" sz="900">
                 <a:ea typeface="+mn-lt"/>
                 <a:cs typeface="+mn-lt"/>
                 <a:hlinkClick r:id="rId5"/>
@@ -21319,13 +23173,13 @@
               <a:t>https://cmake.org/</a:t>
             </a:r>
             <a:br>
-              <a:rPr lang="de-DE" sz="1050" dirty="0">
+              <a:rPr lang="de-DE" sz="900">
                 <a:ea typeface="+mn-lt"/>
                 <a:cs typeface="+mn-lt"/>
               </a:rPr>
             </a:br>
             <a:r>
-              <a:rPr lang="de-DE" sz="1050" dirty="0">
+              <a:rPr lang="de-DE" sz="900">
                 <a:ea typeface="+mn-lt"/>
                 <a:cs typeface="+mn-lt"/>
                 <a:hlinkClick r:id="rId6"/>
@@ -21333,7 +23187,7 @@
               <a:t>https://www.winpcap.org/docs/docs_412/html/</a:t>
             </a:r>
             <a:r>
-              <a:rPr lang="de-DE" sz="1050" dirty="0">
+              <a:rPr lang="de-DE" sz="900">
                 <a:ea typeface="+mn-lt"/>
                 <a:cs typeface="+mn-lt"/>
               </a:rPr>
@@ -21348,18 +23202,27 @@
               <a:buNone/>
             </a:pPr>
             <a:r>
-              <a:rPr lang="en-US" sz="1050" dirty="0" err="1">
+              <a:rPr lang="en-US" sz="900" err="1">
                 <a:hlinkClick r:id="rId7"/>
               </a:rPr>
               <a:t>Npcap</a:t>
             </a:r>
             <a:r>
-              <a:rPr lang="en-US" sz="1050" dirty="0">
+              <a:rPr lang="en-US" sz="900">
                 <a:hlinkClick r:id="rId7"/>
               </a:rPr>
               <a:t>: Windows Packet Capture Library &amp; Driver</a:t>
             </a:r>
-            <a:endParaRPr lang="de-DE" sz="1050" dirty="0">
+            <a:br>
+              <a:rPr lang="en-US" sz="900"/>
+            </a:br>
+            <a:r>
+              <a:rPr lang="en-US" sz="900">
+                <a:hlinkClick r:id="rId8"/>
+              </a:rPr>
+              <a:t>libwebsockets.org lightweight and flexible C networking library</a:t>
+            </a:r>
+            <a:endParaRPr lang="de-DE" sz="900">
               <a:cs typeface="Calibri" panose="020F0502020204030204"/>
             </a:endParaRPr>
           </a:p>
@@ -21400,7 +23263,7 @@
             <p:nvPr/>
           </p:nvPicPr>
           <p:blipFill>
-            <a:blip r:embed="rId8"/>
+            <a:blip r:embed="rId9"/>
             <a:stretch>
               <a:fillRect/>
             </a:stretch>
@@ -21445,10 +23308,10 @@
             <a:p>
               <a:pPr algn="ctr"/>
               <a:r>
-                <a:rPr lang="de-DE" dirty="0" err="1"/>
+                <a:rPr lang="de-DE" err="1"/>
                 <a:t>CMake</a:t>
               </a:r>
-              <a:endParaRPr lang="de-DE" dirty="0"/>
+              <a:endParaRPr lang="de-DE"/>
             </a:p>
           </p:txBody>
         </p:sp>
@@ -21468,7 +23331,7 @@
           <p:nvPr/>
         </p:nvPicPr>
         <p:blipFill>
-          <a:blip r:embed="rId9"/>
+          <a:blip r:embed="rId10"/>
           <a:stretch>
             <a:fillRect/>
           </a:stretch>
@@ -21518,7 +23381,7 @@
             <p:nvPr/>
           </p:nvPicPr>
           <p:blipFill>
-            <a:blip r:embed="rId10"/>
+            <a:blip r:embed="rId11"/>
             <a:stretch>
               <a:fillRect/>
             </a:stretch>
@@ -21563,13 +23426,106 @@
             <a:p>
               <a:pPr algn="ctr"/>
               <a:r>
-                <a:rPr lang="de-DE" dirty="0"/>
+                <a:rPr lang="de-DE"/>
                 <a:t>Visual Studio</a:t>
               </a:r>
             </a:p>
           </p:txBody>
         </p:sp>
       </p:grpSp>
+      <p:sp>
+        <p:nvSpPr>
+          <p:cNvPr id="22" name="Ellipse 21">
+            <a:extLst>
+              <a:ext uri="{FF2B5EF4-FFF2-40B4-BE49-F238E27FC236}">
+                <a16:creationId xmlns:a16="http://schemas.microsoft.com/office/drawing/2014/main" id="{8AC06CFC-476A-431E-1D7D-BEDF8AD8E661}"/>
+              </a:ext>
+            </a:extLst>
+          </p:cNvPr>
+          <p:cNvSpPr/>
+          <p:nvPr/>
+        </p:nvSpPr>
+        <p:spPr>
+          <a:xfrm>
+            <a:off x="169986" y="790610"/>
+            <a:ext cx="468000" cy="468000"/>
+          </a:xfrm>
+          <a:prstGeom prst="ellipse">
+            <a:avLst/>
+          </a:prstGeom>
+          <a:solidFill>
+            <a:srgbClr val="ED7D31"/>
+          </a:solidFill>
+          <a:ln>
+            <a:noFill/>
+          </a:ln>
+        </p:spPr>
+        <p:style>
+          <a:lnRef idx="2">
+            <a:schemeClr val="accent1">
+              <a:shade val="50000"/>
+            </a:schemeClr>
+          </a:lnRef>
+          <a:fillRef idx="1">
+            <a:schemeClr val="accent1"/>
+          </a:fillRef>
+          <a:effectRef idx="0">
+            <a:schemeClr val="accent1"/>
+          </a:effectRef>
+          <a:fontRef idx="minor">
+            <a:schemeClr val="lt1"/>
+          </a:fontRef>
+        </p:style>
+        <p:txBody>
+          <a:bodyPr rtlCol="0" anchor="ctr"/>
+          <a:lstStyle/>
+          <a:p>
+            <a:pPr algn="ctr"/>
+            <a:endParaRPr lang="de-DE"/>
+          </a:p>
+        </p:txBody>
+      </p:sp>
+      <p:pic>
+        <p:nvPicPr>
+          <p:cNvPr id="8" name="Grafik 7">
+            <a:extLst>
+              <a:ext uri="{FF2B5EF4-FFF2-40B4-BE49-F238E27FC236}">
+                <a16:creationId xmlns:a16="http://schemas.microsoft.com/office/drawing/2014/main" id="{45B2FA95-9644-DF5A-5622-020C432B0379}"/>
+              </a:ext>
+            </a:extLst>
+          </p:cNvPr>
+          <p:cNvPicPr>
+            <a:picLocks noChangeAspect="1"/>
+          </p:cNvPicPr>
+          <p:nvPr/>
+        </p:nvPicPr>
+        <p:blipFill>
+          <a:blip r:embed="rId12">
+            <a:clrChange>
+              <a:clrFrom>
+                <a:srgbClr val="FFFFF8"/>
+              </a:clrFrom>
+              <a:clrTo>
+                <a:srgbClr val="FFFFF8">
+                  <a:alpha val="0"/>
+                </a:srgbClr>
+              </a:clrTo>
+            </a:clrChange>
+          </a:blip>
+          <a:stretch>
+            <a:fillRect/>
+          </a:stretch>
+        </p:blipFill>
+        <p:spPr>
+          <a:xfrm>
+            <a:off x="1516004" y="4540348"/>
+            <a:ext cx="3867132" cy="408418"/>
+          </a:xfrm>
+          <a:prstGeom prst="rect">
+            <a:avLst/>
+          </a:prstGeom>
+        </p:spPr>
+      </p:pic>
     </p:spTree>
     <p:extLst>
       <p:ext uri="{BB962C8B-B14F-4D97-AF65-F5344CB8AC3E}">
@@ -21580,13 +23536,13 @@
   <p:clrMapOvr>
     <a:masterClrMapping/>
   </p:clrMapOvr>
-  <mc:AlternateContent xmlns:mc="http://schemas.openxmlformats.org/markup-compatibility/2006">
-    <mc:Choice xmlns:p159="http://schemas.microsoft.com/office/powerpoint/2015/09/main" Requires="p159">
+  <mc:AlternateContent xmlns:mc="http://schemas.openxmlformats.org/markup-compatibility/2006" xmlns:p159="http://schemas.microsoft.com/office/powerpoint/2015/09/main">
+    <mc:Choice Requires="p159">
       <p:transition xmlns:p14="http://schemas.microsoft.com/office/powerpoint/2010/main" spd="slow" p14:dur="2000">
         <p159:morph option="byObject"/>
       </p:transition>
     </mc:Choice>
-    <mc:Fallback>
+    <mc:Fallback xmlns="">
       <p:transition spd="slow">
         <p:fade/>
       </p:transition>
@@ -21595,7 +23551,7 @@
 </p:sld>
 </file>
 
-<file path=ppt/slides/slide14.xml><?xml version="1.0" encoding="utf-8"?>
+<file path=ppt/slides/slide13.xml><?xml version="1.0" encoding="utf-8"?>
 <p:sld xmlns:a="http://schemas.openxmlformats.org/drawingml/2006/main" xmlns:r="http://schemas.openxmlformats.org/officeDocument/2006/relationships" xmlns:p="http://schemas.openxmlformats.org/presentationml/2006/main">
   <p:cSld>
     <p:spTree>
@@ -21634,7 +23590,7 @@
           <a:lstStyle/>
           <a:p>
             <a:r>
-              <a:rPr lang="de-DE" sz="5400" b="1" dirty="0"/>
+              <a:rPr lang="de-DE" sz="5400" b="1"/>
               <a:t>VORGEHEN BEIM TESTEN</a:t>
             </a:r>
           </a:p>
@@ -21747,13 +23703,13 @@
           <a:noFill/>
         </p:spPr>
         <p:txBody>
-          <a:bodyPr wrap="square" rtlCol="0">
+          <a:bodyPr wrap="square" lIns="91440" tIns="45720" rIns="91440" bIns="45720" rtlCol="0" anchor="t">
             <a:spAutoFit/>
           </a:bodyPr>
           <a:lstStyle/>
           <a:p>
             <a:r>
-              <a:rPr lang="de-DE" dirty="0"/>
+              <a:rPr lang="de-DE"/>
               <a:t>12</a:t>
             </a:r>
           </a:p>
@@ -21783,14 +23739,14 @@
           <a:lstStyle/>
           <a:p>
             <a:r>
-              <a:rPr lang="de-DE" dirty="0" err="1">
+              <a:rPr lang="de-DE" err="1">
                 <a:ea typeface="Calibri"/>
                 <a:cs typeface="Calibri"/>
               </a:rPr>
               <a:t>LwIP</a:t>
             </a:r>
             <a:r>
-              <a:rPr lang="de-DE" dirty="0">
+              <a:rPr lang="de-DE">
                 <a:ea typeface="Calibri"/>
                 <a:cs typeface="Calibri"/>
               </a:rPr>
@@ -21800,54 +23756,54 @@
           <a:p>
             <a:pPr lvl="1"/>
             <a:r>
-              <a:rPr lang="de-DE" dirty="0">
+              <a:rPr lang="de-DE">
                 <a:ea typeface="+mn-lt"/>
                 <a:cs typeface="+mn-lt"/>
               </a:rPr>
               <a:t>Kein White-Box-</a:t>
             </a:r>
             <a:r>
-              <a:rPr lang="de-DE" dirty="0" err="1">
+              <a:rPr lang="de-DE" err="1">
                 <a:ea typeface="+mn-lt"/>
                 <a:cs typeface="+mn-lt"/>
               </a:rPr>
               <a:t>Testing</a:t>
             </a:r>
             <a:r>
-              <a:rPr lang="de-DE" dirty="0">
+              <a:rPr lang="de-DE">
                 <a:ea typeface="+mn-lt"/>
                 <a:cs typeface="+mn-lt"/>
               </a:rPr>
               <a:t> nicht möglich</a:t>
             </a:r>
-            <a:endParaRPr lang="de-DE" dirty="0">
+            <a:endParaRPr lang="de-DE">
               <a:ea typeface="Calibri"/>
               <a:cs typeface="Calibri"/>
             </a:endParaRPr>
           </a:p>
           <a:p>
             <a:r>
-              <a:rPr lang="de-DE" dirty="0">
+              <a:rPr lang="de-DE">
                 <a:ea typeface="Calibri"/>
                 <a:cs typeface="Calibri"/>
               </a:rPr>
               <a:t>Black-Box-</a:t>
             </a:r>
             <a:r>
-              <a:rPr lang="de-DE" dirty="0" err="1">
+              <a:rPr lang="de-DE" err="1">
                 <a:ea typeface="Calibri"/>
                 <a:cs typeface="Calibri"/>
               </a:rPr>
               <a:t>Testing</a:t>
             </a:r>
-            <a:endParaRPr lang="de-DE" dirty="0">
+            <a:endParaRPr lang="de-DE">
               <a:ea typeface="Calibri"/>
               <a:cs typeface="Calibri"/>
             </a:endParaRPr>
           </a:p>
           <a:p>
             <a:r>
-              <a:rPr lang="de-DE" dirty="0">
+              <a:rPr lang="de-DE">
                 <a:ea typeface="Calibri"/>
                 <a:cs typeface="Calibri"/>
               </a:rPr>
@@ -21856,7 +23812,7 @@
           </a:p>
           <a:p>
             <a:r>
-              <a:rPr lang="de-DE" dirty="0">
+              <a:rPr lang="de-DE">
                 <a:ea typeface="Calibri"/>
                 <a:cs typeface="Calibri"/>
               </a:rPr>
@@ -21865,7 +23821,7 @@
           </a:p>
           <a:p>
             <a:r>
-              <a:rPr lang="de-DE" dirty="0">
+              <a:rPr lang="de-DE">
                 <a:ea typeface="Calibri"/>
                 <a:cs typeface="Calibri"/>
               </a:rPr>
@@ -21875,7 +23831,7 @@
           <a:p>
             <a:pPr lvl="1"/>
             <a:r>
-              <a:rPr lang="de-DE" dirty="0">
+              <a:rPr lang="de-DE">
                 <a:ea typeface="Calibri"/>
                 <a:cs typeface="Calibri"/>
               </a:rPr>
@@ -21885,12 +23841,64 @@
           <a:p>
             <a:pPr lvl="1"/>
             <a:r>
-              <a:rPr lang="de-DE" dirty="0">
+              <a:rPr lang="de-DE">
                 <a:ea typeface="Calibri"/>
                 <a:cs typeface="Calibri"/>
               </a:rPr>
               <a:t>Erzeugen und Zerstören von Verbindungen</a:t>
             </a:r>
+          </a:p>
+        </p:txBody>
+      </p:sp>
+      <p:sp>
+        <p:nvSpPr>
+          <p:cNvPr id="7" name="Ellipse 6">
+            <a:extLst>
+              <a:ext uri="{FF2B5EF4-FFF2-40B4-BE49-F238E27FC236}">
+                <a16:creationId xmlns:a16="http://schemas.microsoft.com/office/drawing/2014/main" id="{1D255F4E-2CE7-7A52-7E6E-8E308F4E704E}"/>
+              </a:ext>
+            </a:extLst>
+          </p:cNvPr>
+          <p:cNvSpPr/>
+          <p:nvPr/>
+        </p:nvSpPr>
+        <p:spPr>
+          <a:xfrm>
+            <a:off x="169986" y="790610"/>
+            <a:ext cx="468000" cy="468000"/>
+          </a:xfrm>
+          <a:prstGeom prst="ellipse">
+            <a:avLst/>
+          </a:prstGeom>
+          <a:solidFill>
+            <a:srgbClr val="ED7D31"/>
+          </a:solidFill>
+          <a:ln>
+            <a:noFill/>
+          </a:ln>
+        </p:spPr>
+        <p:style>
+          <a:lnRef idx="2">
+            <a:schemeClr val="accent1">
+              <a:shade val="50000"/>
+            </a:schemeClr>
+          </a:lnRef>
+          <a:fillRef idx="1">
+            <a:schemeClr val="accent1"/>
+          </a:fillRef>
+          <a:effectRef idx="0">
+            <a:schemeClr val="accent1"/>
+          </a:effectRef>
+          <a:fontRef idx="minor">
+            <a:schemeClr val="lt1"/>
+          </a:fontRef>
+        </p:style>
+        <p:txBody>
+          <a:bodyPr rtlCol="0" anchor="ctr"/>
+          <a:lstStyle/>
+          <a:p>
+            <a:pPr algn="ctr"/>
+            <a:endParaRPr lang="de-DE"/>
           </a:p>
         </p:txBody>
       </p:sp>
@@ -21904,13 +23912,462 @@
   <p:clrMapOvr>
     <a:masterClrMapping/>
   </p:clrMapOvr>
-  <mc:AlternateContent xmlns:mc="http://schemas.openxmlformats.org/markup-compatibility/2006">
-    <mc:Choice xmlns:p159="http://schemas.microsoft.com/office/powerpoint/2015/09/main" Requires="p159">
+  <mc:AlternateContent xmlns:mc="http://schemas.openxmlformats.org/markup-compatibility/2006" xmlns:p159="http://schemas.microsoft.com/office/powerpoint/2015/09/main">
+    <mc:Choice Requires="p159">
       <p:transition xmlns:p14="http://schemas.microsoft.com/office/powerpoint/2010/main" spd="slow" p14:dur="2000">
         <p159:morph option="byObject"/>
       </p:transition>
     </mc:Choice>
-    <mc:Fallback>
+    <mc:Fallback xmlns="">
+      <p:transition spd="slow">
+        <p:fade/>
+      </p:transition>
+    </mc:Fallback>
+  </mc:AlternateContent>
+</p:sld>
+</file>
+
+<file path=ppt/slides/slide14.xml><?xml version="1.0" encoding="utf-8"?>
+<p:sld xmlns:a="http://schemas.openxmlformats.org/drawingml/2006/main" xmlns:r="http://schemas.openxmlformats.org/officeDocument/2006/relationships" xmlns:p="http://schemas.openxmlformats.org/presentationml/2006/main">
+  <p:cSld>
+    <p:spTree>
+      <p:nvGrpSpPr>
+        <p:cNvPr id="1" name=""/>
+        <p:cNvGrpSpPr/>
+        <p:nvPr/>
+      </p:nvGrpSpPr>
+      <p:grpSpPr>
+        <a:xfrm>
+          <a:off x="0" y="0"/>
+          <a:ext cx="0" cy="0"/>
+          <a:chOff x="0" y="0"/>
+          <a:chExt cx="0" cy="0"/>
+        </a:xfrm>
+      </p:grpSpPr>
+      <p:sp>
+        <p:nvSpPr>
+          <p:cNvPr id="2" name="Titel 1">
+            <a:extLst>
+              <a:ext uri="{FF2B5EF4-FFF2-40B4-BE49-F238E27FC236}">
+                <a16:creationId xmlns:a16="http://schemas.microsoft.com/office/drawing/2014/main" id="{1747C8D8-D661-4E78-B917-32AB748623DB}"/>
+              </a:ext>
+            </a:extLst>
+          </p:cNvPr>
+          <p:cNvSpPr>
+            <a:spLocks noGrp="1"/>
+          </p:cNvSpPr>
+          <p:nvPr>
+            <p:ph type="title"/>
+          </p:nvPr>
+        </p:nvSpPr>
+        <p:spPr/>
+        <p:txBody>
+          <a:bodyPr/>
+          <a:lstStyle/>
+          <a:p>
+            <a:r>
+              <a:rPr lang="de-DE" sz="5400" b="1"/>
+              <a:t>Testplan</a:t>
+            </a:r>
+          </a:p>
+        </p:txBody>
+      </p:sp>
+      <p:sp>
+        <p:nvSpPr>
+          <p:cNvPr id="4" name="Textfeld 3">
+            <a:extLst>
+              <a:ext uri="{FF2B5EF4-FFF2-40B4-BE49-F238E27FC236}">
+                <a16:creationId xmlns:a16="http://schemas.microsoft.com/office/drawing/2014/main" id="{9F3249F3-F807-49E4-B25C-F8E254374BE1}"/>
+              </a:ext>
+            </a:extLst>
+          </p:cNvPr>
+          <p:cNvSpPr txBox="1"/>
+          <p:nvPr/>
+        </p:nvSpPr>
+        <p:spPr>
+          <a:xfrm>
+            <a:off x="11335355" y="6488668"/>
+            <a:ext cx="856645" cy="369332"/>
+          </a:xfrm>
+          <a:prstGeom prst="rect">
+            <a:avLst/>
+          </a:prstGeom>
+          <a:noFill/>
+        </p:spPr>
+        <p:txBody>
+          <a:bodyPr wrap="none" rtlCol="0">
+            <a:spAutoFit/>
+          </a:bodyPr>
+          <a:lstStyle/>
+          <a:p>
+            <a:r>
+              <a:rPr lang="de-DE">
+                <a:solidFill>
+                  <a:schemeClr val="bg1">
+                    <a:lumMod val="50000"/>
+                  </a:schemeClr>
+                </a:solidFill>
+              </a:rPr>
+              <a:t>Team 4</a:t>
+            </a:r>
+          </a:p>
+        </p:txBody>
+      </p:sp>
+      <p:cxnSp>
+        <p:nvCxnSpPr>
+          <p:cNvPr id="14" name="Gerader Verbinder 13">
+            <a:extLst>
+              <a:ext uri="{FF2B5EF4-FFF2-40B4-BE49-F238E27FC236}">
+                <a16:creationId xmlns:a16="http://schemas.microsoft.com/office/drawing/2014/main" id="{41B0F850-8A23-4255-9729-22A00430A6F6}"/>
+              </a:ext>
+            </a:extLst>
+          </p:cNvPr>
+          <p:cNvCxnSpPr>
+            <a:cxnSpLocks/>
+          </p:cNvCxnSpPr>
+          <p:nvPr/>
+        </p:nvCxnSpPr>
+        <p:spPr>
+          <a:xfrm flipV="1">
+            <a:off x="838199" y="545090"/>
+            <a:ext cx="0" cy="900000"/>
+          </a:xfrm>
+          <a:prstGeom prst="line">
+            <a:avLst/>
+          </a:prstGeom>
+          <a:ln w="38100" cap="rnd">
+            <a:solidFill>
+              <a:srgbClr val="ED7D31"/>
+            </a:solidFill>
+          </a:ln>
+        </p:spPr>
+        <p:style>
+          <a:lnRef idx="1">
+            <a:schemeClr val="accent1"/>
+          </a:lnRef>
+          <a:fillRef idx="0">
+            <a:schemeClr val="accent1"/>
+          </a:fillRef>
+          <a:effectRef idx="0">
+            <a:schemeClr val="accent1"/>
+          </a:effectRef>
+          <a:fontRef idx="minor">
+            <a:schemeClr val="tx1"/>
+          </a:fontRef>
+        </p:style>
+      </p:cxnSp>
+      <p:sp>
+        <p:nvSpPr>
+          <p:cNvPr id="16" name="Textfeld 15">
+            <a:extLst>
+              <a:ext uri="{FF2B5EF4-FFF2-40B4-BE49-F238E27FC236}">
+                <a16:creationId xmlns:a16="http://schemas.microsoft.com/office/drawing/2014/main" id="{12363D4A-CAB6-4CBB-9AD8-9EF204BD3C15}"/>
+              </a:ext>
+            </a:extLst>
+          </p:cNvPr>
+          <p:cNvSpPr txBox="1"/>
+          <p:nvPr/>
+        </p:nvSpPr>
+        <p:spPr>
+          <a:xfrm>
+            <a:off x="11758411" y="-636"/>
+            <a:ext cx="433589" cy="369332"/>
+          </a:xfrm>
+          <a:prstGeom prst="rect">
+            <a:avLst/>
+          </a:prstGeom>
+          <a:noFill/>
+        </p:spPr>
+        <p:txBody>
+          <a:bodyPr wrap="square" lIns="91440" tIns="45720" rIns="91440" bIns="45720" rtlCol="0" anchor="t">
+            <a:spAutoFit/>
+          </a:bodyPr>
+          <a:lstStyle/>
+          <a:p>
+            <a:r>
+              <a:rPr lang="de-DE"/>
+              <a:t>13</a:t>
+            </a:r>
+          </a:p>
+        </p:txBody>
+      </p:sp>
+      <p:pic>
+        <p:nvPicPr>
+          <p:cNvPr id="6" name="Grafik 5">
+            <a:extLst>
+              <a:ext uri="{FF2B5EF4-FFF2-40B4-BE49-F238E27FC236}">
+                <a16:creationId xmlns:a16="http://schemas.microsoft.com/office/drawing/2014/main" id="{9AE34761-553D-49B6-9695-840386D0394B}"/>
+              </a:ext>
+            </a:extLst>
+          </p:cNvPr>
+          <p:cNvPicPr>
+            <a:picLocks noChangeAspect="1"/>
+          </p:cNvPicPr>
+          <p:nvPr/>
+        </p:nvPicPr>
+        <p:blipFill>
+          <a:blip r:embed="rId3"/>
+          <a:stretch>
+            <a:fillRect/>
+          </a:stretch>
+        </p:blipFill>
+        <p:spPr>
+          <a:xfrm>
+            <a:off x="298972" y="2591948"/>
+            <a:ext cx="5797028" cy="1674104"/>
+          </a:xfrm>
+          <a:prstGeom prst="rect">
+            <a:avLst/>
+          </a:prstGeom>
+        </p:spPr>
+      </p:pic>
+      <p:pic>
+        <p:nvPicPr>
+          <p:cNvPr id="8" name="Grafik 7">
+            <a:extLst>
+              <a:ext uri="{FF2B5EF4-FFF2-40B4-BE49-F238E27FC236}">
+                <a16:creationId xmlns:a16="http://schemas.microsoft.com/office/drawing/2014/main" id="{6FB05487-710D-4271-BB0D-090372EE2971}"/>
+              </a:ext>
+            </a:extLst>
+          </p:cNvPr>
+          <p:cNvPicPr>
+            <a:picLocks noChangeAspect="1"/>
+          </p:cNvPicPr>
+          <p:nvPr/>
+        </p:nvPicPr>
+        <p:blipFill>
+          <a:blip r:embed="rId4"/>
+          <a:stretch>
+            <a:fillRect/>
+          </a:stretch>
+        </p:blipFill>
+        <p:spPr>
+          <a:xfrm>
+            <a:off x="6359935" y="1318070"/>
+            <a:ext cx="5506021" cy="5056210"/>
+          </a:xfrm>
+          <a:prstGeom prst="rect">
+            <a:avLst/>
+          </a:prstGeom>
+        </p:spPr>
+      </p:pic>
+      <p:sp>
+        <p:nvSpPr>
+          <p:cNvPr id="9" name="Rechteck 8">
+            <a:extLst>
+              <a:ext uri="{FF2B5EF4-FFF2-40B4-BE49-F238E27FC236}">
+                <a16:creationId xmlns:a16="http://schemas.microsoft.com/office/drawing/2014/main" id="{BFF6EB97-D69B-40C5-8390-9D94D55745FB}"/>
+              </a:ext>
+            </a:extLst>
+          </p:cNvPr>
+          <p:cNvSpPr/>
+          <p:nvPr/>
+        </p:nvSpPr>
+        <p:spPr>
+          <a:xfrm>
+            <a:off x="298972" y="3151163"/>
+            <a:ext cx="5797028" cy="548640"/>
+          </a:xfrm>
+          <a:prstGeom prst="rect">
+            <a:avLst/>
+          </a:prstGeom>
+          <a:noFill/>
+          <a:ln w="57150">
+            <a:solidFill>
+              <a:srgbClr val="ED7D31"/>
+            </a:solidFill>
+          </a:ln>
+        </p:spPr>
+        <p:style>
+          <a:lnRef idx="2">
+            <a:schemeClr val="accent1">
+              <a:shade val="50000"/>
+            </a:schemeClr>
+          </a:lnRef>
+          <a:fillRef idx="1">
+            <a:schemeClr val="accent1"/>
+          </a:fillRef>
+          <a:effectRef idx="0">
+            <a:schemeClr val="accent1"/>
+          </a:effectRef>
+          <a:fontRef idx="minor">
+            <a:schemeClr val="lt1"/>
+          </a:fontRef>
+        </p:style>
+        <p:txBody>
+          <a:bodyPr rtlCol="0" anchor="ctr"/>
+          <a:lstStyle/>
+          <a:p>
+            <a:pPr algn="ctr"/>
+            <a:endParaRPr lang="de-DE"/>
+          </a:p>
+        </p:txBody>
+      </p:sp>
+      <p:sp>
+        <p:nvSpPr>
+          <p:cNvPr id="12" name="Rechteck 11">
+            <a:extLst>
+              <a:ext uri="{FF2B5EF4-FFF2-40B4-BE49-F238E27FC236}">
+                <a16:creationId xmlns:a16="http://schemas.microsoft.com/office/drawing/2014/main" id="{10FFF9C8-FBA3-4220-8F2E-7418A091BC2F}"/>
+              </a:ext>
+            </a:extLst>
+          </p:cNvPr>
+          <p:cNvSpPr/>
+          <p:nvPr/>
+        </p:nvSpPr>
+        <p:spPr>
+          <a:xfrm>
+            <a:off x="6359935" y="1287590"/>
+            <a:ext cx="5502420" cy="5086690"/>
+          </a:xfrm>
+          <a:prstGeom prst="rect">
+            <a:avLst/>
+          </a:prstGeom>
+          <a:noFill/>
+          <a:ln w="57150">
+            <a:solidFill>
+              <a:srgbClr val="ED7D31"/>
+            </a:solidFill>
+          </a:ln>
+        </p:spPr>
+        <p:style>
+          <a:lnRef idx="2">
+            <a:schemeClr val="accent1">
+              <a:shade val="50000"/>
+            </a:schemeClr>
+          </a:lnRef>
+          <a:fillRef idx="1">
+            <a:schemeClr val="accent1"/>
+          </a:fillRef>
+          <a:effectRef idx="0">
+            <a:schemeClr val="accent1"/>
+          </a:effectRef>
+          <a:fontRef idx="minor">
+            <a:schemeClr val="lt1"/>
+          </a:fontRef>
+        </p:style>
+        <p:txBody>
+          <a:bodyPr rtlCol="0" anchor="ctr"/>
+          <a:lstStyle/>
+          <a:p>
+            <a:pPr algn="ctr"/>
+            <a:endParaRPr lang="de-DE"/>
+          </a:p>
+        </p:txBody>
+      </p:sp>
+      <p:cxnSp>
+        <p:nvCxnSpPr>
+          <p:cNvPr id="11" name="Gerade Verbindung mit Pfeil 10">
+            <a:extLst>
+              <a:ext uri="{FF2B5EF4-FFF2-40B4-BE49-F238E27FC236}">
+                <a16:creationId xmlns:a16="http://schemas.microsoft.com/office/drawing/2014/main" id="{606026FA-5649-4D46-9964-60A624606487}"/>
+              </a:ext>
+            </a:extLst>
+          </p:cNvPr>
+          <p:cNvCxnSpPr>
+            <a:stCxn id="9" idx="3"/>
+          </p:cNvCxnSpPr>
+          <p:nvPr/>
+        </p:nvCxnSpPr>
+        <p:spPr>
+          <a:xfrm>
+            <a:off x="6096000" y="3425483"/>
+            <a:ext cx="263935" cy="3517"/>
+          </a:xfrm>
+          <a:prstGeom prst="straightConnector1">
+            <a:avLst/>
+          </a:prstGeom>
+          <a:ln w="57150">
+            <a:solidFill>
+              <a:srgbClr val="ED7D31"/>
+            </a:solidFill>
+            <a:tailEnd type="triangle"/>
+          </a:ln>
+        </p:spPr>
+        <p:style>
+          <a:lnRef idx="1">
+            <a:schemeClr val="accent1"/>
+          </a:lnRef>
+          <a:fillRef idx="0">
+            <a:schemeClr val="accent1"/>
+          </a:fillRef>
+          <a:effectRef idx="0">
+            <a:schemeClr val="accent1"/>
+          </a:effectRef>
+          <a:fontRef idx="minor">
+            <a:schemeClr val="tx1"/>
+          </a:fontRef>
+        </p:style>
+      </p:cxnSp>
+      <p:sp>
+        <p:nvSpPr>
+          <p:cNvPr id="13" name="Ellipse 12">
+            <a:extLst>
+              <a:ext uri="{FF2B5EF4-FFF2-40B4-BE49-F238E27FC236}">
+                <a16:creationId xmlns:a16="http://schemas.microsoft.com/office/drawing/2014/main" id="{FFC48C0D-E4F1-8212-8D49-F86F5886DF45}"/>
+              </a:ext>
+            </a:extLst>
+          </p:cNvPr>
+          <p:cNvSpPr/>
+          <p:nvPr/>
+        </p:nvSpPr>
+        <p:spPr>
+          <a:xfrm>
+            <a:off x="169986" y="790610"/>
+            <a:ext cx="468000" cy="468000"/>
+          </a:xfrm>
+          <a:prstGeom prst="ellipse">
+            <a:avLst/>
+          </a:prstGeom>
+          <a:solidFill>
+            <a:srgbClr val="ED7D31"/>
+          </a:solidFill>
+          <a:ln>
+            <a:noFill/>
+          </a:ln>
+        </p:spPr>
+        <p:style>
+          <a:lnRef idx="2">
+            <a:schemeClr val="accent1">
+              <a:shade val="50000"/>
+            </a:schemeClr>
+          </a:lnRef>
+          <a:fillRef idx="1">
+            <a:schemeClr val="accent1"/>
+          </a:fillRef>
+          <a:effectRef idx="0">
+            <a:schemeClr val="accent1"/>
+          </a:effectRef>
+          <a:fontRef idx="minor">
+            <a:schemeClr val="lt1"/>
+          </a:fontRef>
+        </p:style>
+        <p:txBody>
+          <a:bodyPr rtlCol="0" anchor="ctr"/>
+          <a:lstStyle/>
+          <a:p>
+            <a:pPr algn="ctr"/>
+            <a:endParaRPr lang="de-DE"/>
+          </a:p>
+        </p:txBody>
+      </p:sp>
+    </p:spTree>
+    <p:extLst>
+      <p:ext uri="{BB962C8B-B14F-4D97-AF65-F5344CB8AC3E}">
+        <p14:creationId xmlns:p14="http://schemas.microsoft.com/office/powerpoint/2010/main" val="165153229"/>
+      </p:ext>
+    </p:extLst>
+  </p:cSld>
+  <p:clrMapOvr>
+    <a:masterClrMapping/>
+  </p:clrMapOvr>
+  <mc:AlternateContent xmlns:mc="http://schemas.openxmlformats.org/markup-compatibility/2006" xmlns:p159="http://schemas.microsoft.com/office/powerpoint/2015/09/main">
+    <mc:Choice Requires="p159">
+      <p:transition xmlns:p14="http://schemas.microsoft.com/office/powerpoint/2010/main" spd="slow" p14:dur="2000">
+        <p159:morph option="byObject"/>
+      </p:transition>
+    </mc:Choice>
+    <mc:Fallback xmlns="">
       <p:transition spd="slow">
         <p:fade/>
       </p:transition>
@@ -21958,7 +24415,7 @@
           <a:lstStyle/>
           <a:p>
             <a:r>
-              <a:rPr lang="de-DE" sz="5400" b="1" dirty="0"/>
+              <a:rPr lang="de-DE" sz="5400" b="1"/>
               <a:t>RÜCKBLICK AUF PROTOTYP</a:t>
             </a:r>
           </a:p>
@@ -22071,14 +24528,14 @@
           <a:noFill/>
         </p:spPr>
         <p:txBody>
-          <a:bodyPr wrap="square" rtlCol="0">
+          <a:bodyPr wrap="square" lIns="91440" tIns="45720" rIns="91440" bIns="45720" rtlCol="0" anchor="t">
             <a:spAutoFit/>
           </a:bodyPr>
           <a:lstStyle/>
           <a:p>
             <a:r>
-              <a:rPr lang="de-DE" dirty="0"/>
-              <a:t>13</a:t>
+              <a:rPr lang="de-DE"/>
+              <a:t>14</a:t>
             </a:r>
           </a:p>
         </p:txBody>
@@ -22105,19 +24562,19 @@
           <a:lstStyle/>
           <a:p>
             <a:r>
-              <a:rPr lang="de-DE" dirty="0">
+              <a:rPr lang="de-DE">
                 <a:sym typeface="Wingdings" panose="05000000000000000000" pitchFamily="2" charset="2"/>
               </a:rPr>
               <a:t>Rückmeldung der </a:t>
             </a:r>
             <a:r>
-              <a:rPr lang="de-DE" dirty="0" err="1">
+              <a:rPr lang="de-DE" err="1">
                 <a:sym typeface="Wingdings" panose="05000000000000000000" pitchFamily="2" charset="2"/>
               </a:rPr>
               <a:t>lwIP</a:t>
             </a:r>
             <a:r>
-              <a:rPr lang="de-DE" dirty="0">
+              <a:rPr lang="de-DE">
                 <a:sym typeface="Wingdings" panose="05000000000000000000" pitchFamily="2" charset="2"/>
               </a:rPr>
               <a:t>-Community stand aus</a:t>
@@ -22125,7 +24582,7 @@
           </a:p>
           <a:p>
             <a:r>
-              <a:rPr lang="de-DE" dirty="0">
+              <a:rPr lang="de-DE">
                 <a:sym typeface="Wingdings" panose="05000000000000000000" pitchFamily="2" charset="2"/>
               </a:rPr>
               <a:t>Code-Abhängigkeits-Fehler</a:t>
@@ -22135,10 +24592,10 @@
             <a:pPr marL="0" indent="0">
               <a:buNone/>
             </a:pPr>
-            <a:endParaRPr lang="de-DE" dirty="0"/>
+            <a:endParaRPr lang="de-DE"/>
           </a:p>
           <a:p>
-            <a:endParaRPr lang="de-DE" dirty="0"/>
+            <a:endParaRPr lang="de-DE"/>
           </a:p>
         </p:txBody>
       </p:sp>
@@ -22184,6 +24641,58 @@
           </a:prstGeom>
         </p:spPr>
       </p:pic>
+      <p:sp>
+        <p:nvSpPr>
+          <p:cNvPr id="8" name="Ellipse 7">
+            <a:extLst>
+              <a:ext uri="{FF2B5EF4-FFF2-40B4-BE49-F238E27FC236}">
+                <a16:creationId xmlns:a16="http://schemas.microsoft.com/office/drawing/2014/main" id="{CB355358-CDE6-B251-676C-CC275F327344}"/>
+              </a:ext>
+            </a:extLst>
+          </p:cNvPr>
+          <p:cNvSpPr/>
+          <p:nvPr/>
+        </p:nvSpPr>
+        <p:spPr>
+          <a:xfrm>
+            <a:off x="169986" y="790610"/>
+            <a:ext cx="468000" cy="468000"/>
+          </a:xfrm>
+          <a:prstGeom prst="ellipse">
+            <a:avLst/>
+          </a:prstGeom>
+          <a:solidFill>
+            <a:srgbClr val="ED7D31"/>
+          </a:solidFill>
+          <a:ln>
+            <a:noFill/>
+          </a:ln>
+        </p:spPr>
+        <p:style>
+          <a:lnRef idx="2">
+            <a:schemeClr val="accent1">
+              <a:shade val="50000"/>
+            </a:schemeClr>
+          </a:lnRef>
+          <a:fillRef idx="1">
+            <a:schemeClr val="accent1"/>
+          </a:fillRef>
+          <a:effectRef idx="0">
+            <a:schemeClr val="accent1"/>
+          </a:effectRef>
+          <a:fontRef idx="minor">
+            <a:schemeClr val="lt1"/>
+          </a:fontRef>
+        </p:style>
+        <p:txBody>
+          <a:bodyPr rtlCol="0" anchor="ctr"/>
+          <a:lstStyle/>
+          <a:p>
+            <a:pPr algn="ctr"/>
+            <a:endParaRPr lang="de-DE"/>
+          </a:p>
+        </p:txBody>
+      </p:sp>
     </p:spTree>
     <p:extLst>
       <p:ext uri="{BB962C8B-B14F-4D97-AF65-F5344CB8AC3E}">
@@ -22250,7 +24759,7 @@
           <a:lstStyle/>
           <a:p>
             <a:r>
-              <a:rPr lang="de-DE" sz="5400" b="1" dirty="0"/>
+              <a:rPr lang="de-DE" sz="5400" b="1"/>
               <a:t>LIVE-DEMO</a:t>
             </a:r>
           </a:p>
@@ -22281,12 +24790,36 @@
               <a:buNone/>
             </a:pPr>
             <a:r>
-              <a:rPr lang="de-DE" dirty="0">
+              <a:rPr lang="de-DE">
                 <a:hlinkClick r:id="rId3" action="ppaction://hlinkfile"/>
               </a:rPr>
               <a:t>Anwendung öffnen</a:t>
             </a:r>
-            <a:endParaRPr lang="de-DE" dirty="0"/>
+            <a:endParaRPr lang="de-DE"/>
+          </a:p>
+          <a:p>
+            <a:pPr marL="0" indent="0" algn="ctr">
+              <a:buNone/>
+            </a:pPr>
+            <a:endParaRPr lang="de-DE"/>
+          </a:p>
+          <a:p>
+            <a:pPr marL="0" indent="0" algn="ctr">
+              <a:buNone/>
+            </a:pPr>
+            <a:r>
+              <a:rPr lang="de-DE">
+                <a:hlinkClick r:id="rId4"/>
+              </a:rPr>
+              <a:t>JSON </a:t>
+            </a:r>
+            <a:r>
+              <a:rPr lang="de-DE" err="1">
+                <a:hlinkClick r:id="rId4"/>
+              </a:rPr>
+              <a:t>Validator</a:t>
+            </a:r>
+            <a:endParaRPr lang="de-DE"/>
           </a:p>
         </p:txBody>
       </p:sp>
@@ -22397,15 +24930,67 @@
           <a:noFill/>
         </p:spPr>
         <p:txBody>
-          <a:bodyPr wrap="square" rtlCol="0">
+          <a:bodyPr wrap="square" lIns="91440" tIns="45720" rIns="91440" bIns="45720" rtlCol="0" anchor="t">
             <a:spAutoFit/>
           </a:bodyPr>
           <a:lstStyle/>
           <a:p>
             <a:r>
-              <a:rPr lang="de-DE" dirty="0"/>
-              <a:t>14</a:t>
+              <a:rPr lang="de-DE"/>
+              <a:t>15</a:t>
             </a:r>
+          </a:p>
+        </p:txBody>
+      </p:sp>
+      <p:sp>
+        <p:nvSpPr>
+          <p:cNvPr id="8" name="Ellipse 7">
+            <a:extLst>
+              <a:ext uri="{FF2B5EF4-FFF2-40B4-BE49-F238E27FC236}">
+                <a16:creationId xmlns:a16="http://schemas.microsoft.com/office/drawing/2014/main" id="{E1280B48-0AB3-6A4F-0941-6BCBEA5BAAD2}"/>
+              </a:ext>
+            </a:extLst>
+          </p:cNvPr>
+          <p:cNvSpPr/>
+          <p:nvPr/>
+        </p:nvSpPr>
+        <p:spPr>
+          <a:xfrm>
+            <a:off x="169986" y="790610"/>
+            <a:ext cx="468000" cy="468000"/>
+          </a:xfrm>
+          <a:prstGeom prst="ellipse">
+            <a:avLst/>
+          </a:prstGeom>
+          <a:solidFill>
+            <a:srgbClr val="ED7D31"/>
+          </a:solidFill>
+          <a:ln>
+            <a:noFill/>
+          </a:ln>
+        </p:spPr>
+        <p:style>
+          <a:lnRef idx="2">
+            <a:schemeClr val="accent1">
+              <a:shade val="50000"/>
+            </a:schemeClr>
+          </a:lnRef>
+          <a:fillRef idx="1">
+            <a:schemeClr val="accent1"/>
+          </a:fillRef>
+          <a:effectRef idx="0">
+            <a:schemeClr val="accent1"/>
+          </a:effectRef>
+          <a:fontRef idx="minor">
+            <a:schemeClr val="lt1"/>
+          </a:fontRef>
+        </p:style>
+        <p:txBody>
+          <a:bodyPr rtlCol="0" anchor="ctr"/>
+          <a:lstStyle/>
+          <a:p>
+            <a:pPr algn="ctr"/>
+            <a:endParaRPr lang="de-DE"/>
           </a:p>
         </p:txBody>
       </p:sp>
@@ -22419,13 +25004,13 @@
   <p:clrMapOvr>
     <a:masterClrMapping/>
   </p:clrMapOvr>
-  <mc:AlternateContent xmlns:mc="http://schemas.openxmlformats.org/markup-compatibility/2006">
-    <mc:Choice xmlns:p159="http://schemas.microsoft.com/office/powerpoint/2015/09/main" Requires="p159">
+  <mc:AlternateContent xmlns:mc="http://schemas.openxmlformats.org/markup-compatibility/2006" xmlns:p159="http://schemas.microsoft.com/office/powerpoint/2015/09/main">
+    <mc:Choice Requires="p159">
       <p:transition xmlns:p14="http://schemas.microsoft.com/office/powerpoint/2010/main" spd="slow" p14:dur="2000">
         <p159:morph option="byObject"/>
       </p:transition>
     </mc:Choice>
-    <mc:Fallback>
+    <mc:Fallback xmlns="">
       <p:transition spd="slow">
         <p:fade/>
       </p:transition>
@@ -22475,7 +25060,7 @@
           <a:lstStyle/>
           <a:p>
             <a:r>
-              <a:rPr lang="de-DE" sz="5400" b="1" dirty="0"/>
+              <a:rPr lang="de-DE" sz="5400" b="1"/>
               <a:t>FAZIT</a:t>
             </a:r>
           </a:p>
@@ -22619,15 +25204,119 @@
           <a:noFill/>
         </p:spPr>
         <p:txBody>
-          <a:bodyPr wrap="square" rtlCol="0">
+          <a:bodyPr wrap="square" lIns="91440" tIns="45720" rIns="91440" bIns="45720" rtlCol="0" anchor="t">
             <a:spAutoFit/>
           </a:bodyPr>
           <a:lstStyle/>
           <a:p>
             <a:r>
-              <a:rPr lang="de-DE" dirty="0"/>
-              <a:t>15</a:t>
+              <a:rPr lang="de-DE"/>
+              <a:t>17</a:t>
             </a:r>
+          </a:p>
+        </p:txBody>
+      </p:sp>
+      <p:sp>
+        <p:nvSpPr>
+          <p:cNvPr id="8" name="Ellipse 7">
+            <a:extLst>
+              <a:ext uri="{FF2B5EF4-FFF2-40B4-BE49-F238E27FC236}">
+                <a16:creationId xmlns:a16="http://schemas.microsoft.com/office/drawing/2014/main" id="{4993B63E-3231-AAC3-1DC1-963FDA71442C}"/>
+              </a:ext>
+            </a:extLst>
+          </p:cNvPr>
+          <p:cNvSpPr/>
+          <p:nvPr/>
+        </p:nvSpPr>
+        <p:spPr>
+          <a:xfrm>
+            <a:off x="169986" y="790610"/>
+            <a:ext cx="468000" cy="468000"/>
+          </a:xfrm>
+          <a:prstGeom prst="ellipse">
+            <a:avLst/>
+          </a:prstGeom>
+          <a:solidFill>
+            <a:srgbClr val="ED7D31"/>
+          </a:solidFill>
+          <a:ln>
+            <a:noFill/>
+          </a:ln>
+        </p:spPr>
+        <p:style>
+          <a:lnRef idx="2">
+            <a:schemeClr val="accent1">
+              <a:shade val="50000"/>
+            </a:schemeClr>
+          </a:lnRef>
+          <a:fillRef idx="1">
+            <a:schemeClr val="accent1"/>
+          </a:fillRef>
+          <a:effectRef idx="0">
+            <a:schemeClr val="accent1"/>
+          </a:effectRef>
+          <a:fontRef idx="minor">
+            <a:schemeClr val="lt1"/>
+          </a:fontRef>
+        </p:style>
+        <p:txBody>
+          <a:bodyPr rtlCol="0" anchor="ctr"/>
+          <a:lstStyle/>
+          <a:p>
+            <a:pPr algn="ctr"/>
+            <a:endParaRPr lang="de-DE"/>
+          </a:p>
+        </p:txBody>
+      </p:sp>
+      <p:sp>
+        <p:nvSpPr>
+          <p:cNvPr id="12" name="Ellipse 11">
+            <a:extLst>
+              <a:ext uri="{FF2B5EF4-FFF2-40B4-BE49-F238E27FC236}">
+                <a16:creationId xmlns:a16="http://schemas.microsoft.com/office/drawing/2014/main" id="{239C9921-30D4-C5BA-59B8-DDC93DF5712A}"/>
+              </a:ext>
+            </a:extLst>
+          </p:cNvPr>
+          <p:cNvSpPr/>
+          <p:nvPr/>
+        </p:nvSpPr>
+        <p:spPr>
+          <a:xfrm>
+            <a:off x="221105" y="812210"/>
+            <a:ext cx="365761" cy="365760"/>
+          </a:xfrm>
+          <a:prstGeom prst="ellipse">
+            <a:avLst/>
+          </a:prstGeom>
+          <a:solidFill>
+            <a:srgbClr val="ED7D31"/>
+          </a:solidFill>
+          <a:ln>
+            <a:noFill/>
+          </a:ln>
+        </p:spPr>
+        <p:style>
+          <a:lnRef idx="2">
+            <a:schemeClr val="accent1">
+              <a:shade val="50000"/>
+            </a:schemeClr>
+          </a:lnRef>
+          <a:fillRef idx="1">
+            <a:schemeClr val="accent1"/>
+          </a:fillRef>
+          <a:effectRef idx="0">
+            <a:schemeClr val="accent1"/>
+          </a:effectRef>
+          <a:fontRef idx="minor">
+            <a:schemeClr val="lt1"/>
+          </a:fontRef>
+        </p:style>
+        <p:txBody>
+          <a:bodyPr rtlCol="0" anchor="ctr"/>
+          <a:lstStyle/>
+          <a:p>
+            <a:pPr algn="ctr"/>
+            <a:endParaRPr lang="de-DE"/>
           </a:p>
         </p:txBody>
       </p:sp>
@@ -22641,13 +25330,13 @@
   <p:clrMapOvr>
     <a:masterClrMapping/>
   </p:clrMapOvr>
-  <mc:AlternateContent xmlns:mc="http://schemas.openxmlformats.org/markup-compatibility/2006">
-    <mc:Choice xmlns:p159="http://schemas.microsoft.com/office/powerpoint/2015/09/main" Requires="p159">
+  <mc:AlternateContent xmlns:mc="http://schemas.openxmlformats.org/markup-compatibility/2006" xmlns:p159="http://schemas.microsoft.com/office/powerpoint/2015/09/main">
+    <mc:Choice Requires="p159">
       <p:transition xmlns:p14="http://schemas.microsoft.com/office/powerpoint/2010/main" spd="slow" p14:dur="2000">
         <p159:morph option="byObject"/>
       </p:transition>
     </mc:Choice>
-    <mc:Fallback>
+    <mc:Fallback xmlns="">
       <p:transition spd="slow">
         <p:fade/>
       </p:transition>
@@ -23491,1056 +26180,6 @@
 </p:sld>
 </file>
 
-<file path=ppt/slides/slide19.xml><?xml version="1.0" encoding="utf-8"?>
-<p:sld xmlns:a="http://schemas.openxmlformats.org/drawingml/2006/main" xmlns:r="http://schemas.openxmlformats.org/officeDocument/2006/relationships" xmlns:p="http://schemas.openxmlformats.org/presentationml/2006/main" show="0">
-  <p:cSld>
-    <p:spTree>
-      <p:nvGrpSpPr>
-        <p:cNvPr id="1" name=""/>
-        <p:cNvGrpSpPr/>
-        <p:nvPr/>
-      </p:nvGrpSpPr>
-      <p:grpSpPr>
-        <a:xfrm>
-          <a:off x="0" y="0"/>
-          <a:ext cx="0" cy="0"/>
-          <a:chOff x="0" y="0"/>
-          <a:chExt cx="0" cy="0"/>
-        </a:xfrm>
-      </p:grpSpPr>
-      <p:sp>
-        <p:nvSpPr>
-          <p:cNvPr id="2" name="Titel 1">
-            <a:extLst>
-              <a:ext uri="{FF2B5EF4-FFF2-40B4-BE49-F238E27FC236}">
-                <a16:creationId xmlns:a16="http://schemas.microsoft.com/office/drawing/2014/main" id="{41BEF49C-9A74-47E5-BEA8-0F56E53ACD27}"/>
-              </a:ext>
-            </a:extLst>
-          </p:cNvPr>
-          <p:cNvSpPr>
-            <a:spLocks noGrp="1"/>
-          </p:cNvSpPr>
-          <p:nvPr>
-            <p:ph type="title"/>
-          </p:nvPr>
-        </p:nvSpPr>
-        <p:spPr>
-          <a:xfrm>
-            <a:off x="838200" y="365125"/>
-            <a:ext cx="10515600" cy="1325563"/>
-          </a:xfrm>
-        </p:spPr>
-        <p:txBody>
-          <a:bodyPr/>
-          <a:lstStyle/>
-          <a:p>
-            <a:r>
-              <a:rPr lang="de-DE" sz="5400" b="1"/>
-              <a:t>WEBSOCKETS IM LWIP HTTP SERVER </a:t>
-            </a:r>
-          </a:p>
-        </p:txBody>
-      </p:sp>
-      <p:sp>
-        <p:nvSpPr>
-          <p:cNvPr id="4" name="Textfeld 3">
-            <a:extLst>
-              <a:ext uri="{FF2B5EF4-FFF2-40B4-BE49-F238E27FC236}">
-                <a16:creationId xmlns:a16="http://schemas.microsoft.com/office/drawing/2014/main" id="{EFBBD174-C394-4AA1-9756-7422815033CF}"/>
-              </a:ext>
-            </a:extLst>
-          </p:cNvPr>
-          <p:cNvSpPr txBox="1"/>
-          <p:nvPr/>
-        </p:nvSpPr>
-        <p:spPr>
-          <a:xfrm>
-            <a:off x="11335355" y="6488668"/>
-            <a:ext cx="856645" cy="369332"/>
-          </a:xfrm>
-          <a:prstGeom prst="rect">
-            <a:avLst/>
-          </a:prstGeom>
-          <a:noFill/>
-        </p:spPr>
-        <p:txBody>
-          <a:bodyPr wrap="none" rtlCol="0">
-            <a:spAutoFit/>
-          </a:bodyPr>
-          <a:lstStyle/>
-          <a:p>
-            <a:r>
-              <a:rPr lang="de-DE">
-                <a:solidFill>
-                  <a:schemeClr val="bg1">
-                    <a:lumMod val="50000"/>
-                  </a:schemeClr>
-                </a:solidFill>
-              </a:rPr>
-              <a:t>Team 4</a:t>
-            </a:r>
-          </a:p>
-        </p:txBody>
-      </p:sp>
-      <p:pic>
-        <p:nvPicPr>
-          <p:cNvPr id="1026" name="Picture 2">
-            <a:extLst>
-              <a:ext uri="{FF2B5EF4-FFF2-40B4-BE49-F238E27FC236}">
-                <a16:creationId xmlns:a16="http://schemas.microsoft.com/office/drawing/2014/main" id="{A6B07CCD-D2CC-42B8-93BA-AB79E27EC9E7}"/>
-              </a:ext>
-            </a:extLst>
-          </p:cNvPr>
-          <p:cNvPicPr>
-            <a:picLocks noGrp="1" noChangeAspect="1" noChangeArrowheads="1"/>
-          </p:cNvPicPr>
-          <p:nvPr>
-            <p:ph idx="1"/>
-          </p:nvPr>
-        </p:nvPicPr>
-        <p:blipFill>
-          <a:blip r:embed="rId3">
-            <a:extLst>
-              <a:ext uri="{28A0092B-C50C-407E-A947-70E740481C1C}">
-                <a14:useLocalDpi xmlns:a14="http://schemas.microsoft.com/office/drawing/2010/main" val="0"/>
-              </a:ext>
-            </a:extLst>
-          </a:blip>
-          <a:srcRect/>
-          <a:stretch>
-            <a:fillRect/>
-          </a:stretch>
-        </p:blipFill>
-        <p:spPr bwMode="auto">
-          <a:xfrm>
-            <a:off x="838200" y="1690688"/>
-            <a:ext cx="4968655" cy="4351338"/>
-          </a:xfrm>
-          <a:prstGeom prst="rect">
-            <a:avLst/>
-          </a:prstGeom>
-          <a:noFill/>
-          <a:extLst>
-            <a:ext uri="{909E8E84-426E-40DD-AFC4-6F175D3DCCD1}">
-              <a14:hiddenFill xmlns:a14="http://schemas.microsoft.com/office/drawing/2010/main">
-                <a:solidFill>
-                  <a:srgbClr val="FFFFFF"/>
-                </a:solidFill>
-              </a14:hiddenFill>
-            </a:ext>
-          </a:extLst>
-        </p:spPr>
-      </p:pic>
-      <p:sp>
-        <p:nvSpPr>
-          <p:cNvPr id="7" name="Textfeld 6">
-            <a:extLst>
-              <a:ext uri="{FF2B5EF4-FFF2-40B4-BE49-F238E27FC236}">
-                <a16:creationId xmlns:a16="http://schemas.microsoft.com/office/drawing/2014/main" id="{9BA4BE39-D5CC-4407-B8B9-8C17DDB719B4}"/>
-              </a:ext>
-            </a:extLst>
-          </p:cNvPr>
-          <p:cNvSpPr txBox="1"/>
-          <p:nvPr/>
-        </p:nvSpPr>
-        <p:spPr>
-          <a:xfrm>
-            <a:off x="838200" y="5964637"/>
-            <a:ext cx="4968655" cy="230832"/>
-          </a:xfrm>
-          <a:prstGeom prst="rect">
-            <a:avLst/>
-          </a:prstGeom>
-          <a:noFill/>
-        </p:spPr>
-        <p:txBody>
-          <a:bodyPr wrap="square">
-            <a:spAutoFit/>
-          </a:bodyPr>
-          <a:lstStyle/>
-          <a:p>
-            <a:r>
-              <a:rPr lang="de-DE" altLang="zh-CN" sz="900" err="1">
-                <a:hlinkClick r:id="rId4"/>
-              </a:rPr>
-              <a:t>LwIP</a:t>
-            </a:r>
-            <a:r>
-              <a:rPr lang="zh-CN" altLang="de-DE" sz="900">
-                <a:hlinkClick r:id="rId4"/>
-              </a:rPr>
-              <a:t>协议栈粗解 </a:t>
-            </a:r>
-            <a:r>
-              <a:rPr lang="de-DE" altLang="zh-CN" sz="900">
-                <a:hlinkClick r:id="rId4"/>
-              </a:rPr>
-              <a:t>- </a:t>
-            </a:r>
-            <a:r>
-              <a:rPr lang="zh-CN" altLang="de-DE" sz="900">
-                <a:hlinkClick r:id="rId4"/>
-              </a:rPr>
-              <a:t>知乎 </a:t>
-            </a:r>
-            <a:r>
-              <a:rPr lang="de-DE" altLang="zh-CN" sz="900">
-                <a:hlinkClick r:id="rId4"/>
-              </a:rPr>
-              <a:t>(zhihu.com)</a:t>
-            </a:r>
-            <a:endParaRPr lang="de-DE" sz="900"/>
-          </a:p>
-        </p:txBody>
-      </p:sp>
-      <p:sp>
-        <p:nvSpPr>
-          <p:cNvPr id="11" name="Textfeld 10">
-            <a:extLst>
-              <a:ext uri="{FF2B5EF4-FFF2-40B4-BE49-F238E27FC236}">
-                <a16:creationId xmlns:a16="http://schemas.microsoft.com/office/drawing/2014/main" id="{8C0CABCE-9729-4340-BE4A-358949FD759E}"/>
-              </a:ext>
-            </a:extLst>
-          </p:cNvPr>
-          <p:cNvSpPr txBox="1"/>
-          <p:nvPr/>
-        </p:nvSpPr>
-        <p:spPr>
-          <a:xfrm>
-            <a:off x="7040286" y="5964637"/>
-            <a:ext cx="3162691" cy="230832"/>
-          </a:xfrm>
-          <a:prstGeom prst="rect">
-            <a:avLst/>
-          </a:prstGeom>
-          <a:noFill/>
-        </p:spPr>
-        <p:txBody>
-          <a:bodyPr wrap="square">
-            <a:spAutoFit/>
-          </a:bodyPr>
-          <a:lstStyle/>
-          <a:p>
-            <a:r>
-              <a:rPr lang="de-DE" sz="900">
-                <a:hlinkClick r:id="rId5"/>
-              </a:rPr>
-              <a:t>Intel | Rechenzentrumslösungen, IoT und PC-Innovation</a:t>
-            </a:r>
-            <a:endParaRPr lang="de-DE" sz="900"/>
-          </a:p>
-        </p:txBody>
-      </p:sp>
-      <p:sp>
-        <p:nvSpPr>
-          <p:cNvPr id="19" name="Textfeld 18">
-            <a:extLst>
-              <a:ext uri="{FF2B5EF4-FFF2-40B4-BE49-F238E27FC236}">
-                <a16:creationId xmlns:a16="http://schemas.microsoft.com/office/drawing/2014/main" id="{92F382EB-2698-4AE3-8689-76B65CE3AAFD}"/>
-              </a:ext>
-            </a:extLst>
-          </p:cNvPr>
-          <p:cNvSpPr txBox="1"/>
-          <p:nvPr/>
-        </p:nvSpPr>
-        <p:spPr>
-          <a:xfrm>
-            <a:off x="7040285" y="6098776"/>
-            <a:ext cx="3162691" cy="230832"/>
-          </a:xfrm>
-          <a:prstGeom prst="rect">
-            <a:avLst/>
-          </a:prstGeom>
-          <a:noFill/>
-        </p:spPr>
-        <p:txBody>
-          <a:bodyPr wrap="square">
-            <a:spAutoFit/>
-          </a:bodyPr>
-          <a:lstStyle/>
-          <a:p>
-            <a:r>
-              <a:rPr lang="de-DE" sz="900" err="1">
-                <a:hlinkClick r:id="rId6"/>
-              </a:rPr>
-              <a:t>Xilinx</a:t>
-            </a:r>
-            <a:r>
-              <a:rPr lang="de-DE" sz="900">
-                <a:hlinkClick r:id="rId6"/>
-              </a:rPr>
-              <a:t> - </a:t>
-            </a:r>
-            <a:r>
-              <a:rPr lang="de-DE" sz="900" err="1">
-                <a:hlinkClick r:id="rId6"/>
-              </a:rPr>
-              <a:t>Adaptable</a:t>
-            </a:r>
-            <a:r>
-              <a:rPr lang="de-DE" sz="900">
-                <a:hlinkClick r:id="rId6"/>
-              </a:rPr>
-              <a:t>. Intelligent.</a:t>
-            </a:r>
-            <a:endParaRPr lang="de-DE" sz="900"/>
-          </a:p>
-        </p:txBody>
-      </p:sp>
-      <p:grpSp>
-        <p:nvGrpSpPr>
-          <p:cNvPr id="24" name="Gruppieren 23">
-            <a:extLst>
-              <a:ext uri="{FF2B5EF4-FFF2-40B4-BE49-F238E27FC236}">
-                <a16:creationId xmlns:a16="http://schemas.microsoft.com/office/drawing/2014/main" id="{E43CD1C5-71EC-4B1C-BB00-55F5529E774E}"/>
-              </a:ext>
-            </a:extLst>
-          </p:cNvPr>
-          <p:cNvGrpSpPr>
-            <a:grpSpLocks noChangeAspect="1"/>
-          </p:cNvGrpSpPr>
-          <p:nvPr/>
-        </p:nvGrpSpPr>
-        <p:grpSpPr>
-          <a:xfrm>
-            <a:off x="7536043" y="2408568"/>
-            <a:ext cx="2222418" cy="2915578"/>
-            <a:chOff x="6282280" y="3284612"/>
-            <a:chExt cx="2324392" cy="3049357"/>
-          </a:xfrm>
-        </p:grpSpPr>
-        <p:sp>
-          <p:nvSpPr>
-            <p:cNvPr id="22" name="Rechteck: abgerundete Ecken 21">
-              <a:extLst>
-                <a:ext uri="{FF2B5EF4-FFF2-40B4-BE49-F238E27FC236}">
-                  <a16:creationId xmlns:a16="http://schemas.microsoft.com/office/drawing/2014/main" id="{99B19DE3-4C92-477E-9B0A-2347C02709CC}"/>
-                </a:ext>
-              </a:extLst>
-            </p:cNvPr>
-            <p:cNvSpPr/>
-            <p:nvPr/>
-          </p:nvSpPr>
-          <p:spPr>
-            <a:xfrm>
-              <a:off x="6282280" y="3284612"/>
-              <a:ext cx="2324392" cy="3049357"/>
-            </a:xfrm>
-            <a:prstGeom prst="roundRect">
-              <a:avLst/>
-            </a:prstGeom>
-            <a:solidFill>
-              <a:schemeClr val="bg1">
-                <a:lumMod val="75000"/>
-              </a:schemeClr>
-            </a:solidFill>
-            <a:ln>
-              <a:solidFill>
-                <a:srgbClr val="ED7D31"/>
-              </a:solidFill>
-            </a:ln>
-          </p:spPr>
-          <p:style>
-            <a:lnRef idx="2">
-              <a:schemeClr val="accent1">
-                <a:shade val="50000"/>
-              </a:schemeClr>
-            </a:lnRef>
-            <a:fillRef idx="1">
-              <a:schemeClr val="accent1"/>
-            </a:fillRef>
-            <a:effectRef idx="0">
-              <a:schemeClr val="accent1"/>
-            </a:effectRef>
-            <a:fontRef idx="minor">
-              <a:schemeClr val="lt1"/>
-            </a:fontRef>
-          </p:style>
-          <p:txBody>
-            <a:bodyPr rtlCol="0" anchor="ctr"/>
-            <a:lstStyle/>
-            <a:p>
-              <a:pPr algn="ctr"/>
-              <a:endParaRPr lang="de-DE"/>
-            </a:p>
-          </p:txBody>
-        </p:sp>
-        <p:pic>
-          <p:nvPicPr>
-            <p:cNvPr id="15" name="Grafik 14">
-              <a:extLst>
-                <a:ext uri="{FF2B5EF4-FFF2-40B4-BE49-F238E27FC236}">
-                  <a16:creationId xmlns:a16="http://schemas.microsoft.com/office/drawing/2014/main" id="{71614E73-266E-4E12-98E5-0C22AEC230D0}"/>
-                </a:ext>
-              </a:extLst>
-            </p:cNvPr>
-            <p:cNvPicPr>
-              <a:picLocks noChangeAspect="1"/>
-            </p:cNvPicPr>
-            <p:nvPr/>
-          </p:nvPicPr>
-          <p:blipFill>
-            <a:blip r:embed="rId7"/>
-            <a:stretch>
-              <a:fillRect/>
-            </a:stretch>
-          </p:blipFill>
-          <p:spPr>
-            <a:xfrm>
-              <a:off x="6507639" y="5594620"/>
-              <a:ext cx="1988957" cy="384531"/>
-            </a:xfrm>
-            <a:prstGeom prst="rect">
-              <a:avLst/>
-            </a:prstGeom>
-          </p:spPr>
-        </p:pic>
-        <p:pic>
-          <p:nvPicPr>
-            <p:cNvPr id="18" name="Grafik 17">
-              <a:extLst>
-                <a:ext uri="{FF2B5EF4-FFF2-40B4-BE49-F238E27FC236}">
-                  <a16:creationId xmlns:a16="http://schemas.microsoft.com/office/drawing/2014/main" id="{AB65A386-85B3-4A4C-B2F1-388A8E1512F6}"/>
-                </a:ext>
-              </a:extLst>
-            </p:cNvPr>
-            <p:cNvPicPr>
-              <a:picLocks noChangeAspect="1"/>
-            </p:cNvPicPr>
-            <p:nvPr/>
-          </p:nvPicPr>
-          <p:blipFill>
-            <a:blip r:embed="rId8"/>
-            <a:stretch>
-              <a:fillRect/>
-            </a:stretch>
-          </p:blipFill>
-          <p:spPr>
-            <a:xfrm>
-              <a:off x="6541618" y="3594626"/>
-              <a:ext cx="1787064" cy="702912"/>
-            </a:xfrm>
-            <a:prstGeom prst="rect">
-              <a:avLst/>
-            </a:prstGeom>
-          </p:spPr>
-        </p:pic>
-        <p:pic>
-          <p:nvPicPr>
-            <p:cNvPr id="20" name="Grafik 19">
-              <a:extLst>
-                <a:ext uri="{FF2B5EF4-FFF2-40B4-BE49-F238E27FC236}">
-                  <a16:creationId xmlns:a16="http://schemas.microsoft.com/office/drawing/2014/main" id="{7F320540-572A-43E9-979A-D0D7287D4DD1}"/>
-                </a:ext>
-              </a:extLst>
-            </p:cNvPr>
-            <p:cNvPicPr>
-              <a:picLocks noChangeAspect="1"/>
-            </p:cNvPicPr>
-            <p:nvPr/>
-          </p:nvPicPr>
-          <p:blipFill>
-            <a:blip r:embed="rId9"/>
-            <a:stretch>
-              <a:fillRect/>
-            </a:stretch>
-          </p:blipFill>
-          <p:spPr>
-            <a:xfrm>
-              <a:off x="6491976" y="4569841"/>
-              <a:ext cx="1905000" cy="752475"/>
-            </a:xfrm>
-            <a:prstGeom prst="rect">
-              <a:avLst/>
-            </a:prstGeom>
-          </p:spPr>
-        </p:pic>
-      </p:grpSp>
-      <p:sp>
-        <p:nvSpPr>
-          <p:cNvPr id="23" name="Textfeld 22">
-            <a:extLst>
-              <a:ext uri="{FF2B5EF4-FFF2-40B4-BE49-F238E27FC236}">
-                <a16:creationId xmlns:a16="http://schemas.microsoft.com/office/drawing/2014/main" id="{17004FF8-7BBD-478D-A1EC-664852512FB2}"/>
-              </a:ext>
-            </a:extLst>
-          </p:cNvPr>
-          <p:cNvSpPr txBox="1"/>
-          <p:nvPr/>
-        </p:nvSpPr>
-        <p:spPr>
-          <a:xfrm>
-            <a:off x="7040285" y="6248740"/>
-            <a:ext cx="3162691" cy="230832"/>
-          </a:xfrm>
-          <a:prstGeom prst="rect">
-            <a:avLst/>
-          </a:prstGeom>
-          <a:noFill/>
-        </p:spPr>
-        <p:txBody>
-          <a:bodyPr wrap="square">
-            <a:spAutoFit/>
-          </a:bodyPr>
-          <a:lstStyle/>
-          <a:p>
-            <a:r>
-              <a:rPr lang="en-US" sz="900">
-                <a:hlinkClick r:id="rId10"/>
-              </a:rPr>
-              <a:t>Mixed-signal and digital signal processing ICs | Analog Devices</a:t>
-            </a:r>
-            <a:endParaRPr lang="de-DE" sz="900"/>
-          </a:p>
-        </p:txBody>
-      </p:sp>
-      <p:cxnSp>
-        <p:nvCxnSpPr>
-          <p:cNvPr id="16" name="Gerader Verbinder 15">
-            <a:extLst>
-              <a:ext uri="{FF2B5EF4-FFF2-40B4-BE49-F238E27FC236}">
-                <a16:creationId xmlns:a16="http://schemas.microsoft.com/office/drawing/2014/main" id="{07BD3071-2943-427C-A101-4CA434609CDA}"/>
-              </a:ext>
-            </a:extLst>
-          </p:cNvPr>
-          <p:cNvCxnSpPr>
-            <a:cxnSpLocks/>
-          </p:cNvCxnSpPr>
-          <p:nvPr/>
-        </p:nvCxnSpPr>
-        <p:spPr>
-          <a:xfrm flipV="1">
-            <a:off x="838199" y="545090"/>
-            <a:ext cx="0" cy="900000"/>
-          </a:xfrm>
-          <a:prstGeom prst="line">
-            <a:avLst/>
-          </a:prstGeom>
-          <a:ln w="38100" cap="rnd">
-            <a:solidFill>
-              <a:srgbClr val="ED7D31"/>
-            </a:solidFill>
-          </a:ln>
-        </p:spPr>
-        <p:style>
-          <a:lnRef idx="1">
-            <a:schemeClr val="accent1"/>
-          </a:lnRef>
-          <a:fillRef idx="0">
-            <a:schemeClr val="accent1"/>
-          </a:fillRef>
-          <a:effectRef idx="0">
-            <a:schemeClr val="accent1"/>
-          </a:effectRef>
-          <a:fontRef idx="minor">
-            <a:schemeClr val="tx1"/>
-          </a:fontRef>
-        </p:style>
-      </p:cxnSp>
-      <p:sp>
-        <p:nvSpPr>
-          <p:cNvPr id="25" name="Ellipse 11">
-            <a:extLst>
-              <a:ext uri="{FF2B5EF4-FFF2-40B4-BE49-F238E27FC236}">
-                <a16:creationId xmlns:a16="http://schemas.microsoft.com/office/drawing/2014/main" id="{23F06576-B842-4374-AA79-71D1BE837003}"/>
-              </a:ext>
-            </a:extLst>
-          </p:cNvPr>
-          <p:cNvSpPr/>
-          <p:nvPr/>
-        </p:nvSpPr>
-        <p:spPr>
-          <a:xfrm>
-            <a:off x="147455" y="4089600"/>
-            <a:ext cx="468000" cy="468000"/>
-          </a:xfrm>
-          <a:prstGeom prst="ellipse">
-            <a:avLst/>
-          </a:prstGeom>
-          <a:noFill/>
-          <a:ln w="19050">
-            <a:solidFill>
-              <a:schemeClr val="bg1">
-                <a:lumMod val="75000"/>
-              </a:schemeClr>
-            </a:solidFill>
-          </a:ln>
-        </p:spPr>
-        <p:style>
-          <a:lnRef idx="2">
-            <a:schemeClr val="accent1">
-              <a:shade val="50000"/>
-            </a:schemeClr>
-          </a:lnRef>
-          <a:fillRef idx="1">
-            <a:schemeClr val="accent1"/>
-          </a:fillRef>
-          <a:effectRef idx="0">
-            <a:schemeClr val="accent1"/>
-          </a:effectRef>
-          <a:fontRef idx="minor">
-            <a:schemeClr val="lt1"/>
-          </a:fontRef>
-        </p:style>
-        <p:txBody>
-          <a:bodyPr rtlCol="0" anchor="ctr"/>
-          <a:lstStyle/>
-          <a:p>
-            <a:pPr algn="ctr"/>
-            <a:endParaRPr lang="de-DE"/>
-          </a:p>
-        </p:txBody>
-      </p:sp>
-      <p:sp>
-        <p:nvSpPr>
-          <p:cNvPr id="26" name="Ellipse 11">
-            <a:extLst>
-              <a:ext uri="{FF2B5EF4-FFF2-40B4-BE49-F238E27FC236}">
-                <a16:creationId xmlns:a16="http://schemas.microsoft.com/office/drawing/2014/main" id="{F2B79D3E-7830-48CE-9FAA-564ED3B2E51D}"/>
-              </a:ext>
-            </a:extLst>
-          </p:cNvPr>
-          <p:cNvSpPr/>
-          <p:nvPr/>
-        </p:nvSpPr>
-        <p:spPr>
-          <a:xfrm>
-            <a:off x="146350" y="3729600"/>
-            <a:ext cx="468000" cy="468000"/>
-          </a:xfrm>
-          <a:prstGeom prst="ellipse">
-            <a:avLst/>
-          </a:prstGeom>
-          <a:solidFill>
-            <a:schemeClr val="bg1"/>
-          </a:solidFill>
-          <a:ln w="19050">
-            <a:solidFill>
-              <a:schemeClr val="bg1">
-                <a:lumMod val="75000"/>
-              </a:schemeClr>
-            </a:solidFill>
-          </a:ln>
-        </p:spPr>
-        <p:style>
-          <a:lnRef idx="2">
-            <a:schemeClr val="accent1">
-              <a:shade val="50000"/>
-            </a:schemeClr>
-          </a:lnRef>
-          <a:fillRef idx="1">
-            <a:schemeClr val="accent1"/>
-          </a:fillRef>
-          <a:effectRef idx="0">
-            <a:schemeClr val="accent1"/>
-          </a:effectRef>
-          <a:fontRef idx="minor">
-            <a:schemeClr val="lt1"/>
-          </a:fontRef>
-        </p:style>
-        <p:txBody>
-          <a:bodyPr rtlCol="0" anchor="ctr"/>
-          <a:lstStyle/>
-          <a:p>
-            <a:pPr algn="ctr"/>
-            <a:endParaRPr lang="de-DE"/>
-          </a:p>
-        </p:txBody>
-      </p:sp>
-      <p:sp>
-        <p:nvSpPr>
-          <p:cNvPr id="27" name="Ellipse 11">
-            <a:extLst>
-              <a:ext uri="{FF2B5EF4-FFF2-40B4-BE49-F238E27FC236}">
-                <a16:creationId xmlns:a16="http://schemas.microsoft.com/office/drawing/2014/main" id="{D6B9F240-DA94-4F81-86C5-79DB5752BFA7}"/>
-              </a:ext>
-            </a:extLst>
-          </p:cNvPr>
-          <p:cNvSpPr/>
-          <p:nvPr/>
-        </p:nvSpPr>
-        <p:spPr>
-          <a:xfrm>
-            <a:off x="146350" y="3369600"/>
-            <a:ext cx="468000" cy="468000"/>
-          </a:xfrm>
-          <a:prstGeom prst="ellipse">
-            <a:avLst/>
-          </a:prstGeom>
-          <a:solidFill>
-            <a:schemeClr val="bg1"/>
-          </a:solidFill>
-          <a:ln w="19050">
-            <a:solidFill>
-              <a:schemeClr val="bg1">
-                <a:lumMod val="75000"/>
-              </a:schemeClr>
-            </a:solidFill>
-          </a:ln>
-        </p:spPr>
-        <p:style>
-          <a:lnRef idx="2">
-            <a:schemeClr val="accent1">
-              <a:shade val="50000"/>
-            </a:schemeClr>
-          </a:lnRef>
-          <a:fillRef idx="1">
-            <a:schemeClr val="accent1"/>
-          </a:fillRef>
-          <a:effectRef idx="0">
-            <a:schemeClr val="accent1"/>
-          </a:effectRef>
-          <a:fontRef idx="minor">
-            <a:schemeClr val="lt1"/>
-          </a:fontRef>
-        </p:style>
-        <p:txBody>
-          <a:bodyPr rtlCol="0" anchor="ctr"/>
-          <a:lstStyle/>
-          <a:p>
-            <a:pPr algn="ctr"/>
-            <a:endParaRPr lang="de-DE"/>
-          </a:p>
-        </p:txBody>
-      </p:sp>
-      <p:sp>
-        <p:nvSpPr>
-          <p:cNvPr id="28" name="Ellipse 11">
-            <a:extLst>
-              <a:ext uri="{FF2B5EF4-FFF2-40B4-BE49-F238E27FC236}">
-                <a16:creationId xmlns:a16="http://schemas.microsoft.com/office/drawing/2014/main" id="{D3FA81CC-9F07-45C8-9344-9369B58B01CF}"/>
-              </a:ext>
-            </a:extLst>
-          </p:cNvPr>
-          <p:cNvSpPr/>
-          <p:nvPr/>
-        </p:nvSpPr>
-        <p:spPr>
-          <a:xfrm>
-            <a:off x="146350" y="3009600"/>
-            <a:ext cx="468000" cy="468000"/>
-          </a:xfrm>
-          <a:prstGeom prst="ellipse">
-            <a:avLst/>
-          </a:prstGeom>
-          <a:solidFill>
-            <a:schemeClr val="bg1"/>
-          </a:solidFill>
-          <a:ln w="19050">
-            <a:solidFill>
-              <a:schemeClr val="bg1">
-                <a:lumMod val="75000"/>
-              </a:schemeClr>
-            </a:solidFill>
-          </a:ln>
-        </p:spPr>
-        <p:style>
-          <a:lnRef idx="2">
-            <a:schemeClr val="accent1">
-              <a:shade val="50000"/>
-            </a:schemeClr>
-          </a:lnRef>
-          <a:fillRef idx="1">
-            <a:schemeClr val="accent1"/>
-          </a:fillRef>
-          <a:effectRef idx="0">
-            <a:schemeClr val="accent1"/>
-          </a:effectRef>
-          <a:fontRef idx="minor">
-            <a:schemeClr val="lt1"/>
-          </a:fontRef>
-        </p:style>
-        <p:txBody>
-          <a:bodyPr rtlCol="0" anchor="ctr"/>
-          <a:lstStyle/>
-          <a:p>
-            <a:pPr algn="ctr"/>
-            <a:endParaRPr lang="de-DE"/>
-          </a:p>
-        </p:txBody>
-      </p:sp>
-      <p:sp>
-        <p:nvSpPr>
-          <p:cNvPr id="29" name="Ellipse 11">
-            <a:extLst>
-              <a:ext uri="{FF2B5EF4-FFF2-40B4-BE49-F238E27FC236}">
-                <a16:creationId xmlns:a16="http://schemas.microsoft.com/office/drawing/2014/main" id="{E92F2DA4-5AEB-4D5B-9968-94A4CEFDB893}"/>
-              </a:ext>
-            </a:extLst>
-          </p:cNvPr>
-          <p:cNvSpPr/>
-          <p:nvPr/>
-        </p:nvSpPr>
-        <p:spPr>
-          <a:xfrm>
-            <a:off x="147600" y="2649600"/>
-            <a:ext cx="468000" cy="468000"/>
-          </a:xfrm>
-          <a:prstGeom prst="ellipse">
-            <a:avLst/>
-          </a:prstGeom>
-          <a:solidFill>
-            <a:schemeClr val="bg1"/>
-          </a:solidFill>
-          <a:ln w="19050">
-            <a:solidFill>
-              <a:schemeClr val="bg1">
-                <a:lumMod val="75000"/>
-              </a:schemeClr>
-            </a:solidFill>
-          </a:ln>
-        </p:spPr>
-        <p:style>
-          <a:lnRef idx="2">
-            <a:schemeClr val="accent1">
-              <a:shade val="50000"/>
-            </a:schemeClr>
-          </a:lnRef>
-          <a:fillRef idx="1">
-            <a:schemeClr val="accent1"/>
-          </a:fillRef>
-          <a:effectRef idx="0">
-            <a:schemeClr val="accent1"/>
-          </a:effectRef>
-          <a:fontRef idx="minor">
-            <a:schemeClr val="lt1"/>
-          </a:fontRef>
-        </p:style>
-        <p:txBody>
-          <a:bodyPr rtlCol="0" anchor="ctr"/>
-          <a:lstStyle/>
-          <a:p>
-            <a:pPr algn="ctr"/>
-            <a:endParaRPr lang="de-DE"/>
-          </a:p>
-        </p:txBody>
-      </p:sp>
-      <p:sp>
-        <p:nvSpPr>
-          <p:cNvPr id="30" name="Ellipse 11">
-            <a:extLst>
-              <a:ext uri="{FF2B5EF4-FFF2-40B4-BE49-F238E27FC236}">
-                <a16:creationId xmlns:a16="http://schemas.microsoft.com/office/drawing/2014/main" id="{4E218B74-5243-415B-9655-E58BE56AEFC7}"/>
-              </a:ext>
-            </a:extLst>
-          </p:cNvPr>
-          <p:cNvSpPr/>
-          <p:nvPr/>
-        </p:nvSpPr>
-        <p:spPr>
-          <a:xfrm>
-            <a:off x="147600" y="2289600"/>
-            <a:ext cx="468000" cy="468000"/>
-          </a:xfrm>
-          <a:prstGeom prst="ellipse">
-            <a:avLst/>
-          </a:prstGeom>
-          <a:solidFill>
-            <a:schemeClr val="bg1"/>
-          </a:solidFill>
-          <a:ln w="19050">
-            <a:solidFill>
-              <a:schemeClr val="bg1">
-                <a:lumMod val="75000"/>
-              </a:schemeClr>
-            </a:solidFill>
-          </a:ln>
-        </p:spPr>
-        <p:style>
-          <a:lnRef idx="2">
-            <a:schemeClr val="accent1">
-              <a:shade val="50000"/>
-            </a:schemeClr>
-          </a:lnRef>
-          <a:fillRef idx="1">
-            <a:schemeClr val="accent1"/>
-          </a:fillRef>
-          <a:effectRef idx="0">
-            <a:schemeClr val="accent1"/>
-          </a:effectRef>
-          <a:fontRef idx="minor">
-            <a:schemeClr val="lt1"/>
-          </a:fontRef>
-        </p:style>
-        <p:txBody>
-          <a:bodyPr rtlCol="0" anchor="ctr"/>
-          <a:lstStyle/>
-          <a:p>
-            <a:pPr algn="ctr"/>
-            <a:endParaRPr lang="de-DE"/>
-          </a:p>
-        </p:txBody>
-      </p:sp>
-      <p:sp>
-        <p:nvSpPr>
-          <p:cNvPr id="31" name="Ellipse 11">
-            <a:extLst>
-              <a:ext uri="{FF2B5EF4-FFF2-40B4-BE49-F238E27FC236}">
-                <a16:creationId xmlns:a16="http://schemas.microsoft.com/office/drawing/2014/main" id="{19D9E93B-98EB-420F-9357-38A238F52743}"/>
-              </a:ext>
-            </a:extLst>
-          </p:cNvPr>
-          <p:cNvSpPr/>
-          <p:nvPr/>
-        </p:nvSpPr>
-        <p:spPr>
-          <a:xfrm>
-            <a:off x="147600" y="1927991"/>
-            <a:ext cx="468000" cy="468000"/>
-          </a:xfrm>
-          <a:prstGeom prst="ellipse">
-            <a:avLst/>
-          </a:prstGeom>
-          <a:solidFill>
-            <a:schemeClr val="bg1"/>
-          </a:solidFill>
-          <a:ln w="19050">
-            <a:solidFill>
-              <a:schemeClr val="bg1">
-                <a:lumMod val="75000"/>
-              </a:schemeClr>
-            </a:solidFill>
-          </a:ln>
-        </p:spPr>
-        <p:style>
-          <a:lnRef idx="2">
-            <a:schemeClr val="accent1">
-              <a:shade val="50000"/>
-            </a:schemeClr>
-          </a:lnRef>
-          <a:fillRef idx="1">
-            <a:schemeClr val="accent1"/>
-          </a:fillRef>
-          <a:effectRef idx="0">
-            <a:schemeClr val="accent1"/>
-          </a:effectRef>
-          <a:fontRef idx="minor">
-            <a:schemeClr val="lt1"/>
-          </a:fontRef>
-        </p:style>
-        <p:txBody>
-          <a:bodyPr rtlCol="0" anchor="ctr"/>
-          <a:lstStyle/>
-          <a:p>
-            <a:pPr algn="ctr"/>
-            <a:endParaRPr lang="de-DE"/>
-          </a:p>
-        </p:txBody>
-      </p:sp>
-      <p:sp>
-        <p:nvSpPr>
-          <p:cNvPr id="17" name="Ellipse 16">
-            <a:extLst>
-              <a:ext uri="{FF2B5EF4-FFF2-40B4-BE49-F238E27FC236}">
-                <a16:creationId xmlns:a16="http://schemas.microsoft.com/office/drawing/2014/main" id="{E6E5A29A-75DA-40A7-9FF3-18AE87E100B5}"/>
-              </a:ext>
-            </a:extLst>
-          </p:cNvPr>
-          <p:cNvSpPr/>
-          <p:nvPr/>
-        </p:nvSpPr>
-        <p:spPr>
-          <a:xfrm>
-            <a:off x="148560" y="1569600"/>
-            <a:ext cx="468000" cy="468000"/>
-          </a:xfrm>
-          <a:prstGeom prst="ellipse">
-            <a:avLst/>
-          </a:prstGeom>
-          <a:solidFill>
-            <a:srgbClr val="ED7D31"/>
-          </a:solidFill>
-          <a:ln w="19050">
-            <a:solidFill>
-              <a:srgbClr val="ED7D31"/>
-            </a:solidFill>
-          </a:ln>
-        </p:spPr>
-        <p:style>
-          <a:lnRef idx="2">
-            <a:schemeClr val="accent1">
-              <a:shade val="50000"/>
-            </a:schemeClr>
-          </a:lnRef>
-          <a:fillRef idx="1">
-            <a:schemeClr val="accent1"/>
-          </a:fillRef>
-          <a:effectRef idx="0">
-            <a:schemeClr val="accent1"/>
-          </a:effectRef>
-          <a:fontRef idx="minor">
-            <a:schemeClr val="lt1"/>
-          </a:fontRef>
-        </p:style>
-        <p:txBody>
-          <a:bodyPr rtlCol="0" anchor="ctr"/>
-          <a:lstStyle/>
-          <a:p>
-            <a:pPr algn="ctr"/>
-            <a:endParaRPr lang="de-DE"/>
-          </a:p>
-        </p:txBody>
-      </p:sp>
-      <p:sp>
-        <p:nvSpPr>
-          <p:cNvPr id="32" name="Textfeld 31">
-            <a:extLst>
-              <a:ext uri="{FF2B5EF4-FFF2-40B4-BE49-F238E27FC236}">
-                <a16:creationId xmlns:a16="http://schemas.microsoft.com/office/drawing/2014/main" id="{E11E32AB-E8A8-4377-8E2E-A7D50AA8F206}"/>
-              </a:ext>
-            </a:extLst>
-          </p:cNvPr>
-          <p:cNvSpPr txBox="1"/>
-          <p:nvPr/>
-        </p:nvSpPr>
-        <p:spPr>
-          <a:xfrm>
-            <a:off x="11890314" y="-636"/>
-            <a:ext cx="301686" cy="369332"/>
-          </a:xfrm>
-          <a:prstGeom prst="rect">
-            <a:avLst/>
-          </a:prstGeom>
-          <a:noFill/>
-        </p:spPr>
-        <p:txBody>
-          <a:bodyPr wrap="square" rtlCol="0">
-            <a:spAutoFit/>
-          </a:bodyPr>
-          <a:lstStyle/>
-          <a:p>
-            <a:r>
-              <a:rPr lang="de-DE"/>
-              <a:t>4</a:t>
-            </a:r>
-          </a:p>
-        </p:txBody>
-      </p:sp>
-    </p:spTree>
-    <p:extLst>
-      <p:ext uri="{BB962C8B-B14F-4D97-AF65-F5344CB8AC3E}">
-        <p14:creationId xmlns:p14="http://schemas.microsoft.com/office/powerpoint/2010/main" val="452856955"/>
-      </p:ext>
-    </p:extLst>
-  </p:cSld>
-  <p:clrMapOvr>
-    <a:masterClrMapping/>
-  </p:clrMapOvr>
-  <mc:AlternateContent xmlns:mc="http://schemas.openxmlformats.org/markup-compatibility/2006" xmlns:p159="http://schemas.microsoft.com/office/powerpoint/2015/09/main">
-    <mc:Choice Requires="p159">
-      <p:transition xmlns:p14="http://schemas.microsoft.com/office/powerpoint/2010/main" spd="slow" p14:dur="2000">
-        <p159:morph option="byObject"/>
-      </p:transition>
-    </mc:Choice>
-    <mc:Fallback xmlns="">
-      <p:transition spd="slow">
-        <p:fade/>
-      </p:transition>
-    </mc:Fallback>
-  </mc:AlternateContent>
-</p:sld>
-</file>
-
 <file path=ppt/slides/slide2.xml><?xml version="1.0" encoding="utf-8"?>
 <p:sld xmlns:a="http://schemas.openxmlformats.org/drawingml/2006/main" xmlns:r="http://schemas.openxmlformats.org/officeDocument/2006/relationships" xmlns:p="http://schemas.openxmlformats.org/presentationml/2006/main">
   <p:cSld>
@@ -24595,7 +26234,7 @@
           <a:lstStyle/>
           <a:p>
             <a:r>
-              <a:rPr lang="en-US" sz="5400" b="1" kern="1200">
+              <a:rPr lang="en-US" sz="5400" b="1" kern="1200" dirty="0">
                 <a:solidFill>
                   <a:schemeClr val="tx1"/>
                 </a:solidFill>
@@ -24774,7 +26413,7 @@
                     <a:lstStyle/>
                     <a:p>
                       <a:r>
-                        <a:rPr lang="de-DE" sz="1800" b="1" dirty="0"/>
+                        <a:rPr lang="de-DE" sz="1800" b="1"/>
                         <a:t>inf20147@lehre.dhbw-stuttgart.de</a:t>
                       </a:r>
                     </a:p>
@@ -24971,14 +26610,14 @@
                     <a:lstStyle/>
                     <a:p>
                       <a:r>
-                        <a:rPr lang="de-DE" sz="1800" b="0" dirty="0"/>
+                        <a:rPr lang="de-DE" sz="1800" b="0"/>
                         <a:t>Laura </a:t>
                       </a:r>
                       <a:r>
-                        <a:rPr lang="de-DE" sz="1800" b="0" dirty="0" err="1"/>
+                        <a:rPr lang="de-DE" sz="1800" b="0" err="1"/>
                         <a:t>Reeken</a:t>
                       </a:r>
-                      <a:endParaRPr lang="de-DE" sz="1800" b="0" dirty="0"/>
+                      <a:endParaRPr lang="de-DE" sz="1800" b="0"/>
                     </a:p>
                   </a:txBody>
                   <a:tcPr marL="90999" marR="90999" marT="45499" marB="45499" anchor="ctr"/>
@@ -25002,7 +26641,7 @@
                     <a:lstStyle/>
                     <a:p>
                       <a:r>
-                        <a:rPr lang="de-DE" sz="1800" b="0" dirty="0"/>
+                        <a:rPr lang="de-DE" sz="1800" b="0"/>
                         <a:t>Projektleiterin</a:t>
                       </a:r>
                     </a:p>
@@ -25015,7 +26654,7 @@
                     <a:lstStyle/>
                     <a:p>
                       <a:r>
-                        <a:rPr lang="de-DE" sz="1800" b="0" dirty="0"/>
+                        <a:rPr lang="de-DE" sz="1800" b="0"/>
                         <a:t>inf20051@lehre.dhbw-stuttgart.de</a:t>
                       </a:r>
                     </a:p>
@@ -25035,7 +26674,7 @@
                     <a:lstStyle/>
                     <a:p>
                       <a:r>
-                        <a:rPr lang="de-DE" sz="1800" b="0" dirty="0"/>
+                        <a:rPr lang="de-DE" sz="1800" b="0"/>
                         <a:t>Isabel Schwalm</a:t>
                       </a:r>
                     </a:p>
@@ -25210,6 +26849,110 @@
           </a:p>
         </p:txBody>
       </p:sp>
+      <p:sp>
+        <p:nvSpPr>
+          <p:cNvPr id="7" name="Ellipse 6">
+            <a:extLst>
+              <a:ext uri="{FF2B5EF4-FFF2-40B4-BE49-F238E27FC236}">
+                <a16:creationId xmlns:a16="http://schemas.microsoft.com/office/drawing/2014/main" id="{B101FD60-7954-8617-4028-D523C3F99221}"/>
+              </a:ext>
+            </a:extLst>
+          </p:cNvPr>
+          <p:cNvSpPr/>
+          <p:nvPr/>
+        </p:nvSpPr>
+        <p:spPr>
+          <a:xfrm>
+            <a:off x="169986" y="790610"/>
+            <a:ext cx="468000" cy="468000"/>
+          </a:xfrm>
+          <a:prstGeom prst="ellipse">
+            <a:avLst/>
+          </a:prstGeom>
+          <a:solidFill>
+            <a:srgbClr val="ED7D31"/>
+          </a:solidFill>
+          <a:ln>
+            <a:noFill/>
+          </a:ln>
+        </p:spPr>
+        <p:style>
+          <a:lnRef idx="2">
+            <a:schemeClr val="accent1">
+              <a:shade val="50000"/>
+            </a:schemeClr>
+          </a:lnRef>
+          <a:fillRef idx="1">
+            <a:schemeClr val="accent1"/>
+          </a:fillRef>
+          <a:effectRef idx="0">
+            <a:schemeClr val="accent1"/>
+          </a:effectRef>
+          <a:fontRef idx="minor">
+            <a:schemeClr val="lt1"/>
+          </a:fontRef>
+        </p:style>
+        <p:txBody>
+          <a:bodyPr rtlCol="0" anchor="ctr"/>
+          <a:lstStyle/>
+          <a:p>
+            <a:pPr algn="ctr"/>
+            <a:endParaRPr lang="de-DE"/>
+          </a:p>
+        </p:txBody>
+      </p:sp>
+      <p:sp>
+        <p:nvSpPr>
+          <p:cNvPr id="8" name="Ellipse 7">
+            <a:extLst>
+              <a:ext uri="{FF2B5EF4-FFF2-40B4-BE49-F238E27FC236}">
+                <a16:creationId xmlns:a16="http://schemas.microsoft.com/office/drawing/2014/main" id="{D2AAE30E-638D-BF7C-0B77-4D2C88B01E28}"/>
+              </a:ext>
+            </a:extLst>
+          </p:cNvPr>
+          <p:cNvSpPr/>
+          <p:nvPr/>
+        </p:nvSpPr>
+        <p:spPr>
+          <a:xfrm>
+            <a:off x="221105" y="841730"/>
+            <a:ext cx="365761" cy="365760"/>
+          </a:xfrm>
+          <a:prstGeom prst="ellipse">
+            <a:avLst/>
+          </a:prstGeom>
+          <a:solidFill>
+            <a:srgbClr val="ED7D31"/>
+          </a:solidFill>
+          <a:ln>
+            <a:noFill/>
+          </a:ln>
+        </p:spPr>
+        <p:style>
+          <a:lnRef idx="2">
+            <a:schemeClr val="accent1">
+              <a:shade val="50000"/>
+            </a:schemeClr>
+          </a:lnRef>
+          <a:fillRef idx="1">
+            <a:schemeClr val="accent1"/>
+          </a:fillRef>
+          <a:effectRef idx="0">
+            <a:schemeClr val="accent1"/>
+          </a:effectRef>
+          <a:fontRef idx="minor">
+            <a:schemeClr val="lt1"/>
+          </a:fontRef>
+        </p:style>
+        <p:txBody>
+          <a:bodyPr rtlCol="0" anchor="ctr"/>
+          <a:lstStyle/>
+          <a:p>
+            <a:pPr algn="ctr"/>
+            <a:endParaRPr lang="de-DE"/>
+          </a:p>
+        </p:txBody>
+      </p:sp>
     </p:spTree>
     <p:extLst>
       <p:ext uri="{BB962C8B-B14F-4D97-AF65-F5344CB8AC3E}">
@@ -25220,13 +26963,13 @@
   <p:clrMapOvr>
     <a:masterClrMapping/>
   </p:clrMapOvr>
-  <mc:AlternateContent xmlns:mc="http://schemas.openxmlformats.org/markup-compatibility/2006">
-    <mc:Choice xmlns:p159="http://schemas.microsoft.com/office/powerpoint/2015/09/main" Requires="p159">
+  <mc:AlternateContent xmlns:mc="http://schemas.openxmlformats.org/markup-compatibility/2006" xmlns:p159="http://schemas.microsoft.com/office/powerpoint/2015/09/main">
+    <mc:Choice Requires="p159">
       <p:transition xmlns:p14="http://schemas.microsoft.com/office/powerpoint/2010/main" spd="slow" p14:dur="2000">
         <p159:morph option="byObject"/>
       </p:transition>
     </mc:Choice>
-    <mc:Fallback>
+    <mc:Fallback xmlns="">
       <p:transition spd="slow">
         <p:fade/>
       </p:transition>
@@ -25301,32 +27044,32 @@
         <p:spPr/>
         <p:txBody>
           <a:bodyPr>
-            <a:normAutofit lnSpcReduction="10000"/>
+            <a:normAutofit fontScale="92500" lnSpcReduction="20000"/>
           </a:bodyPr>
           <a:lstStyle/>
           <a:p>
             <a:r>
-              <a:rPr lang="de-DE" dirty="0"/>
+              <a:rPr lang="de-DE"/>
               <a:t>Was ist </a:t>
             </a:r>
             <a:r>
-              <a:rPr lang="de-DE" dirty="0" err="1"/>
+              <a:rPr lang="de-DE" err="1"/>
               <a:t>lwIP</a:t>
             </a:r>
             <a:r>
-              <a:rPr lang="de-DE" dirty="0"/>
+              <a:rPr lang="de-DE"/>
               <a:t>?</a:t>
             </a:r>
           </a:p>
           <a:p>
             <a:r>
-              <a:rPr lang="de-DE" dirty="0"/>
+              <a:rPr lang="de-DE"/>
               <a:t>Master Use Case</a:t>
             </a:r>
           </a:p>
           <a:p>
             <a:r>
-              <a:rPr lang="de-DE" dirty="0"/>
+              <a:rPr lang="de-DE"/>
               <a:t>Systemarchitektur &amp; Produktübersicht</a:t>
             </a:r>
           </a:p>
@@ -25338,31 +27081,37 @@
           </a:p>
           <a:p>
             <a:r>
-              <a:rPr lang="de-DE" dirty="0"/>
+              <a:rPr lang="de-DE"/>
               <a:t>Module</a:t>
             </a:r>
           </a:p>
           <a:p>
             <a:r>
-              <a:rPr lang="de-DE" dirty="0"/>
+              <a:rPr lang="de-DE"/>
               <a:t>Entwicklungsprozess</a:t>
             </a:r>
           </a:p>
           <a:p>
             <a:r>
-              <a:rPr lang="de-DE" dirty="0"/>
-              <a:t>Vorgehensweise beim Testen</a:t>
+              <a:rPr lang="de-DE"/>
+              <a:t>Vorgehen beim Testen</a:t>
             </a:r>
           </a:p>
           <a:p>
             <a:r>
-              <a:rPr lang="de-DE" dirty="0"/>
+              <a:rPr lang="de-DE"/>
+              <a:t>Testplan</a:t>
+            </a:r>
+          </a:p>
+          <a:p>
+            <a:r>
+              <a:rPr lang="de-DE"/>
               <a:t>Rückblick Prototyp &amp; Live Demo</a:t>
             </a:r>
           </a:p>
           <a:p>
             <a:r>
-              <a:rPr lang="de-DE" dirty="0"/>
+              <a:rPr lang="de-DE"/>
               <a:t>Fazit / Ausblick</a:t>
             </a:r>
           </a:p>
@@ -25487,6 +27236,58 @@
           </a:p>
         </p:txBody>
       </p:sp>
+      <p:sp>
+        <p:nvSpPr>
+          <p:cNvPr id="7" name="Ellipse 6">
+            <a:extLst>
+              <a:ext uri="{FF2B5EF4-FFF2-40B4-BE49-F238E27FC236}">
+                <a16:creationId xmlns:a16="http://schemas.microsoft.com/office/drawing/2014/main" id="{547C3DBD-88F4-F89D-52FE-25DED5E283CF}"/>
+              </a:ext>
+            </a:extLst>
+          </p:cNvPr>
+          <p:cNvSpPr/>
+          <p:nvPr/>
+        </p:nvSpPr>
+        <p:spPr>
+          <a:xfrm>
+            <a:off x="169986" y="790610"/>
+            <a:ext cx="468000" cy="468000"/>
+          </a:xfrm>
+          <a:prstGeom prst="ellipse">
+            <a:avLst/>
+          </a:prstGeom>
+          <a:solidFill>
+            <a:srgbClr val="ED7D31"/>
+          </a:solidFill>
+          <a:ln>
+            <a:noFill/>
+          </a:ln>
+        </p:spPr>
+        <p:style>
+          <a:lnRef idx="2">
+            <a:schemeClr val="accent1">
+              <a:shade val="50000"/>
+            </a:schemeClr>
+          </a:lnRef>
+          <a:fillRef idx="1">
+            <a:schemeClr val="accent1"/>
+          </a:fillRef>
+          <a:effectRef idx="0">
+            <a:schemeClr val="accent1"/>
+          </a:effectRef>
+          <a:fontRef idx="minor">
+            <a:schemeClr val="lt1"/>
+          </a:fontRef>
+        </p:style>
+        <p:txBody>
+          <a:bodyPr rtlCol="0" anchor="ctr"/>
+          <a:lstStyle/>
+          <a:p>
+            <a:pPr algn="ctr"/>
+            <a:endParaRPr lang="de-DE"/>
+          </a:p>
+        </p:txBody>
+      </p:sp>
     </p:spTree>
     <p:extLst>
       <p:ext uri="{BB962C8B-B14F-4D97-AF65-F5344CB8AC3E}">
@@ -25497,13 +27298,13 @@
   <p:clrMapOvr>
     <a:masterClrMapping/>
   </p:clrMapOvr>
-  <mc:AlternateContent xmlns:mc="http://schemas.openxmlformats.org/markup-compatibility/2006">
-    <mc:Choice xmlns:p159="http://schemas.microsoft.com/office/powerpoint/2015/09/main" Requires="p159">
+  <mc:AlternateContent xmlns:mc="http://schemas.openxmlformats.org/markup-compatibility/2006" xmlns:p159="http://schemas.microsoft.com/office/powerpoint/2015/09/main">
+    <mc:Choice Requires="p159">
       <p:transition xmlns:p14="http://schemas.microsoft.com/office/powerpoint/2010/main" spd="slow" p14:dur="2000">
         <p159:morph option="byObject"/>
       </p:transition>
     </mc:Choice>
-    <mc:Fallback>
+    <mc:Fallback xmlns="">
       <p:transition spd="slow">
         <p:fade/>
       </p:transition>
@@ -25553,18 +27354,18 @@
           <a:lstStyle/>
           <a:p>
             <a:r>
-              <a:rPr lang="de-DE" sz="5400" b="1" dirty="0"/>
+              <a:rPr lang="de-DE" sz="5400" b="1"/>
               <a:t>Was ist </a:t>
             </a:r>
             <a:r>
-              <a:rPr lang="de-DE" sz="5400" b="1" dirty="0" err="1"/>
+              <a:rPr lang="de-DE" sz="5400" b="1" err="1"/>
               <a:t>lwIP</a:t>
             </a:r>
             <a:r>
-              <a:rPr lang="de-DE" sz="5400" b="1" dirty="0"/>
+              <a:rPr lang="de-DE" sz="5400" b="1"/>
               <a:t>?</a:t>
             </a:r>
-            <a:endParaRPr lang="en-US" sz="5400" b="1" dirty="0"/>
+            <a:endParaRPr lang="en-US" sz="5400" b="1"/>
           </a:p>
         </p:txBody>
       </p:sp>
@@ -25714,34 +27515,34 @@
           <a:lstStyle/>
           <a:p>
             <a:r>
-              <a:rPr lang="de-DE" dirty="0"/>
+              <a:rPr lang="de-DE"/>
               <a:t>kleine unabhängige Implementierung des TCP/IP-Protokolls</a:t>
             </a:r>
           </a:p>
           <a:p>
             <a:r>
-              <a:rPr lang="de-DE" dirty="0"/>
+              <a:rPr lang="de-DE"/>
               <a:t>Zielsetzung</a:t>
             </a:r>
           </a:p>
           <a:p>
             <a:pPr lvl="1"/>
             <a:r>
-              <a:rPr lang="de-DE" dirty="0"/>
+              <a:rPr lang="de-DE"/>
               <a:t>Reduzierung des Ressourcenverbrauchs</a:t>
             </a:r>
           </a:p>
           <a:p>
             <a:pPr lvl="1"/>
             <a:r>
-              <a:rPr lang="de-DE" dirty="0"/>
+              <a:rPr lang="de-DE"/>
               <a:t>Gleichzeitige Bereitstellung eines </a:t>
             </a:r>
             <a:br>
-              <a:rPr lang="de-DE" dirty="0"/>
+              <a:rPr lang="de-DE"/>
             </a:br>
             <a:r>
-              <a:rPr lang="de-DE" dirty="0"/>
+              <a:rPr lang="de-DE"/>
               <a:t>vollwertigen TCP/IP-Protokolls</a:t>
             </a:r>
           </a:p>
@@ -25749,7 +27550,7 @@
             <a:pPr marL="457200" lvl="1" indent="0">
               <a:buNone/>
             </a:pPr>
-            <a:endParaRPr lang="de-DE" dirty="0"/>
+            <a:endParaRPr lang="de-DE"/>
           </a:p>
           <a:p>
             <a:pPr>
@@ -25757,7 +27558,7 @@
               <a:buChar char="à"/>
             </a:pPr>
             <a:r>
-              <a:rPr lang="de-DE" dirty="0">
+              <a:rPr lang="de-DE">
                 <a:sym typeface="Wingdings" panose="05000000000000000000" pitchFamily="2" charset="2"/>
               </a:rPr>
               <a:t> Geeignet für Embedded Systems</a:t>
@@ -25769,12 +27570,12 @@
               <a:buChar char="à"/>
             </a:pPr>
             <a:r>
-              <a:rPr lang="de-DE" dirty="0">
+              <a:rPr lang="de-DE">
                 <a:sym typeface="Wingdings" panose="05000000000000000000" pitchFamily="2" charset="2"/>
               </a:rPr>
               <a:t> Lauffähig auf mehreren Betriebssystemen</a:t>
             </a:r>
-            <a:endParaRPr lang="de-DE" dirty="0"/>
+            <a:endParaRPr lang="de-DE"/>
           </a:p>
         </p:txBody>
       </p:sp>
@@ -26051,6 +27852,58 @@
           </a:fontRef>
         </p:style>
       </p:cxnSp>
+      <p:sp>
+        <p:nvSpPr>
+          <p:cNvPr id="14" name="Ellipse 13">
+            <a:extLst>
+              <a:ext uri="{FF2B5EF4-FFF2-40B4-BE49-F238E27FC236}">
+                <a16:creationId xmlns:a16="http://schemas.microsoft.com/office/drawing/2014/main" id="{66E6F976-359F-9ECE-CE53-A1E1DDD369BD}"/>
+              </a:ext>
+            </a:extLst>
+          </p:cNvPr>
+          <p:cNvSpPr/>
+          <p:nvPr/>
+        </p:nvSpPr>
+        <p:spPr>
+          <a:xfrm>
+            <a:off x="169986" y="790610"/>
+            <a:ext cx="468000" cy="468000"/>
+          </a:xfrm>
+          <a:prstGeom prst="ellipse">
+            <a:avLst/>
+          </a:prstGeom>
+          <a:solidFill>
+            <a:srgbClr val="ED7D31"/>
+          </a:solidFill>
+          <a:ln>
+            <a:noFill/>
+          </a:ln>
+        </p:spPr>
+        <p:style>
+          <a:lnRef idx="2">
+            <a:schemeClr val="accent1">
+              <a:shade val="50000"/>
+            </a:schemeClr>
+          </a:lnRef>
+          <a:fillRef idx="1">
+            <a:schemeClr val="accent1"/>
+          </a:fillRef>
+          <a:effectRef idx="0">
+            <a:schemeClr val="accent1"/>
+          </a:effectRef>
+          <a:fontRef idx="minor">
+            <a:schemeClr val="lt1"/>
+          </a:fontRef>
+        </p:style>
+        <p:txBody>
+          <a:bodyPr rtlCol="0" anchor="ctr"/>
+          <a:lstStyle/>
+          <a:p>
+            <a:pPr algn="ctr"/>
+            <a:endParaRPr lang="de-DE"/>
+          </a:p>
+        </p:txBody>
+      </p:sp>
     </p:spTree>
     <p:extLst>
       <p:ext uri="{BB962C8B-B14F-4D97-AF65-F5344CB8AC3E}">
@@ -26061,18 +27914,279 @@
   <p:clrMapOvr>
     <a:masterClrMapping/>
   </p:clrMapOvr>
-  <mc:AlternateContent xmlns:mc="http://schemas.openxmlformats.org/markup-compatibility/2006">
-    <mc:Choice xmlns:p159="http://schemas.microsoft.com/office/powerpoint/2015/09/main" Requires="p159">
+  <mc:AlternateContent xmlns:mc="http://schemas.openxmlformats.org/markup-compatibility/2006" xmlns:p159="http://schemas.microsoft.com/office/powerpoint/2015/09/main">
+    <mc:Choice Requires="p159">
       <p:transition xmlns:p14="http://schemas.microsoft.com/office/powerpoint/2010/main" spd="slow" p14:dur="2000">
         <p159:morph option="byObject"/>
       </p:transition>
     </mc:Choice>
-    <mc:Fallback>
+    <mc:Fallback xmlns="">
       <p:transition spd="slow">
         <p:fade/>
       </p:transition>
     </mc:Fallback>
   </mc:AlternateContent>
+  <p:timing>
+    <p:tnLst>
+      <p:par>
+        <p:cTn id="1" dur="indefinite" restart="never" nodeType="tmRoot">
+          <p:childTnLst>
+            <p:seq concurrent="1" nextAc="seek">
+              <p:cTn id="2" dur="indefinite" nodeType="mainSeq">
+                <p:childTnLst>
+                  <p:par>
+                    <p:cTn id="3" fill="hold">
+                      <p:stCondLst>
+                        <p:cond delay="indefinite"/>
+                        <p:cond evt="onBegin" delay="0">
+                          <p:tn val="2"/>
+                        </p:cond>
+                      </p:stCondLst>
+                      <p:childTnLst>
+                        <p:par>
+                          <p:cTn id="4" fill="hold">
+                            <p:stCondLst>
+                              <p:cond delay="0"/>
+                            </p:stCondLst>
+                            <p:childTnLst>
+                              <p:par>
+                                <p:cTn id="5" presetID="22" presetClass="entr" presetSubtype="2" fill="hold" nodeType="afterEffect">
+                                  <p:stCondLst>
+                                    <p:cond delay="0"/>
+                                  </p:stCondLst>
+                                  <p:childTnLst>
+                                    <p:set>
+                                      <p:cBhvr>
+                                        <p:cTn id="6" dur="1" fill="hold">
+                                          <p:stCondLst>
+                                            <p:cond delay="0"/>
+                                          </p:stCondLst>
+                                        </p:cTn>
+                                        <p:tgtEl>
+                                          <p:spTgt spid="21"/>
+                                        </p:tgtEl>
+                                        <p:attrNameLst>
+                                          <p:attrName>style.visibility</p:attrName>
+                                        </p:attrNameLst>
+                                      </p:cBhvr>
+                                      <p:to>
+                                        <p:strVal val="visible"/>
+                                      </p:to>
+                                    </p:set>
+                                    <p:animEffect transition="in" filter="wipe(right)">
+                                      <p:cBhvr>
+                                        <p:cTn id="7" dur="1000"/>
+                                        <p:tgtEl>
+                                          <p:spTgt spid="21"/>
+                                        </p:tgtEl>
+                                      </p:cBhvr>
+                                    </p:animEffect>
+                                  </p:childTnLst>
+                                </p:cTn>
+                              </p:par>
+                              <p:par>
+                                <p:cTn id="8" presetID="22" presetClass="entr" presetSubtype="2" fill="hold" nodeType="withEffect">
+                                  <p:stCondLst>
+                                    <p:cond delay="0"/>
+                                  </p:stCondLst>
+                                  <p:childTnLst>
+                                    <p:set>
+                                      <p:cBhvr>
+                                        <p:cTn id="9" dur="1" fill="hold">
+                                          <p:stCondLst>
+                                            <p:cond delay="0"/>
+                                          </p:stCondLst>
+                                        </p:cTn>
+                                        <p:tgtEl>
+                                          <p:spTgt spid="27"/>
+                                        </p:tgtEl>
+                                        <p:attrNameLst>
+                                          <p:attrName>style.visibility</p:attrName>
+                                        </p:attrNameLst>
+                                      </p:cBhvr>
+                                      <p:to>
+                                        <p:strVal val="visible"/>
+                                      </p:to>
+                                    </p:set>
+                                    <p:animEffect transition="in" filter="wipe(right)">
+                                      <p:cBhvr>
+                                        <p:cTn id="10" dur="500"/>
+                                        <p:tgtEl>
+                                          <p:spTgt spid="27"/>
+                                        </p:tgtEl>
+                                      </p:cBhvr>
+                                    </p:animEffect>
+                                  </p:childTnLst>
+                                </p:cTn>
+                              </p:par>
+                              <p:par>
+                                <p:cTn id="11" presetID="22" presetClass="entr" presetSubtype="4" fill="hold" nodeType="withEffect">
+                                  <p:stCondLst>
+                                    <p:cond delay="400"/>
+                                  </p:stCondLst>
+                                  <p:childTnLst>
+                                    <p:set>
+                                      <p:cBhvr>
+                                        <p:cTn id="12" dur="1" fill="hold">
+                                          <p:stCondLst>
+                                            <p:cond delay="0"/>
+                                          </p:stCondLst>
+                                        </p:cTn>
+                                        <p:tgtEl>
+                                          <p:spTgt spid="23"/>
+                                        </p:tgtEl>
+                                        <p:attrNameLst>
+                                          <p:attrName>style.visibility</p:attrName>
+                                        </p:attrNameLst>
+                                      </p:cBhvr>
+                                      <p:to>
+                                        <p:strVal val="visible"/>
+                                      </p:to>
+                                    </p:set>
+                                    <p:animEffect transition="in" filter="wipe(down)">
+                                      <p:cBhvr>
+                                        <p:cTn id="13" dur="1000"/>
+                                        <p:tgtEl>
+                                          <p:spTgt spid="23"/>
+                                        </p:tgtEl>
+                                      </p:cBhvr>
+                                    </p:animEffect>
+                                  </p:childTnLst>
+                                </p:cTn>
+                              </p:par>
+                              <p:par>
+                                <p:cTn id="14" presetID="22" presetClass="entr" presetSubtype="4" fill="hold" nodeType="withEffect">
+                                  <p:stCondLst>
+                                    <p:cond delay="400"/>
+                                  </p:stCondLst>
+                                  <p:childTnLst>
+                                    <p:set>
+                                      <p:cBhvr>
+                                        <p:cTn id="15" dur="1" fill="hold">
+                                          <p:stCondLst>
+                                            <p:cond delay="0"/>
+                                          </p:stCondLst>
+                                        </p:cTn>
+                                        <p:tgtEl>
+                                          <p:spTgt spid="26"/>
+                                        </p:tgtEl>
+                                        <p:attrNameLst>
+                                          <p:attrName>style.visibility</p:attrName>
+                                        </p:attrNameLst>
+                                      </p:cBhvr>
+                                      <p:to>
+                                        <p:strVal val="visible"/>
+                                      </p:to>
+                                    </p:set>
+                                    <p:animEffect transition="in" filter="wipe(down)">
+                                      <p:cBhvr>
+                                        <p:cTn id="16" dur="1000"/>
+                                        <p:tgtEl>
+                                          <p:spTgt spid="26"/>
+                                        </p:tgtEl>
+                                      </p:cBhvr>
+                                    </p:animEffect>
+                                  </p:childTnLst>
+                                </p:cTn>
+                              </p:par>
+                              <p:par>
+                                <p:cTn id="17" presetID="22" presetClass="entr" presetSubtype="4" fill="hold" nodeType="withEffect">
+                                  <p:stCondLst>
+                                    <p:cond delay="400"/>
+                                  </p:stCondLst>
+                                  <p:childTnLst>
+                                    <p:set>
+                                      <p:cBhvr>
+                                        <p:cTn id="18" dur="1" fill="hold">
+                                          <p:stCondLst>
+                                            <p:cond delay="0"/>
+                                          </p:stCondLst>
+                                        </p:cTn>
+                                        <p:tgtEl>
+                                          <p:spTgt spid="22"/>
+                                        </p:tgtEl>
+                                        <p:attrNameLst>
+                                          <p:attrName>style.visibility</p:attrName>
+                                        </p:attrNameLst>
+                                      </p:cBhvr>
+                                      <p:to>
+                                        <p:strVal val="visible"/>
+                                      </p:to>
+                                    </p:set>
+                                    <p:animEffect transition="in" filter="wipe(down)">
+                                      <p:cBhvr>
+                                        <p:cTn id="19" dur="1000"/>
+                                        <p:tgtEl>
+                                          <p:spTgt spid="22"/>
+                                        </p:tgtEl>
+                                      </p:cBhvr>
+                                    </p:animEffect>
+                                  </p:childTnLst>
+                                </p:cTn>
+                              </p:par>
+                              <p:par>
+                                <p:cTn id="20" presetID="22" presetClass="entr" presetSubtype="4" fill="hold" nodeType="withEffect">
+                                  <p:stCondLst>
+                                    <p:cond delay="400"/>
+                                  </p:stCondLst>
+                                  <p:childTnLst>
+                                    <p:set>
+                                      <p:cBhvr>
+                                        <p:cTn id="21" dur="1" fill="hold">
+                                          <p:stCondLst>
+                                            <p:cond delay="0"/>
+                                          </p:stCondLst>
+                                        </p:cTn>
+                                        <p:tgtEl>
+                                          <p:spTgt spid="25"/>
+                                        </p:tgtEl>
+                                        <p:attrNameLst>
+                                          <p:attrName>style.visibility</p:attrName>
+                                        </p:attrNameLst>
+                                      </p:cBhvr>
+                                      <p:to>
+                                        <p:strVal val="visible"/>
+                                      </p:to>
+                                    </p:set>
+                                    <p:animEffect transition="in" filter="wipe(down)">
+                                      <p:cBhvr>
+                                        <p:cTn id="22" dur="1000"/>
+                                        <p:tgtEl>
+                                          <p:spTgt spid="25"/>
+                                        </p:tgtEl>
+                                      </p:cBhvr>
+                                    </p:animEffect>
+                                  </p:childTnLst>
+                                </p:cTn>
+                              </p:par>
+                            </p:childTnLst>
+                          </p:cTn>
+                        </p:par>
+                      </p:childTnLst>
+                    </p:cTn>
+                  </p:par>
+                </p:childTnLst>
+              </p:cTn>
+              <p:prevCondLst>
+                <p:cond evt="onPrev" delay="0">
+                  <p:tgtEl>
+                    <p:sldTgt/>
+                  </p:tgtEl>
+                </p:cond>
+              </p:prevCondLst>
+              <p:nextCondLst>
+                <p:cond evt="onNext" delay="0">
+                  <p:tgtEl>
+                    <p:sldTgt/>
+                  </p:tgtEl>
+                </p:cond>
+              </p:nextCondLst>
+            </p:seq>
+          </p:childTnLst>
+        </p:cTn>
+      </p:par>
+    </p:tnLst>
+  </p:timing>
 </p:sld>
 </file>
 
@@ -26120,7 +28234,7 @@
           <a:lstStyle/>
           <a:p>
             <a:r>
-              <a:rPr lang="de-DE" sz="5400" b="1" dirty="0"/>
+              <a:rPr lang="de-DE" sz="5400" b="1"/>
               <a:t>MASTER USECASE</a:t>
             </a:r>
           </a:p>
@@ -26355,6 +28469,58 @@
           </a:p>
         </p:txBody>
       </p:sp>
+      <p:sp>
+        <p:nvSpPr>
+          <p:cNvPr id="8" name="Ellipse 7">
+            <a:extLst>
+              <a:ext uri="{FF2B5EF4-FFF2-40B4-BE49-F238E27FC236}">
+                <a16:creationId xmlns:a16="http://schemas.microsoft.com/office/drawing/2014/main" id="{897F5192-41FF-FFD4-7564-FC8A1A561E47}"/>
+              </a:ext>
+            </a:extLst>
+          </p:cNvPr>
+          <p:cNvSpPr/>
+          <p:nvPr/>
+        </p:nvSpPr>
+        <p:spPr>
+          <a:xfrm>
+            <a:off x="169986" y="790610"/>
+            <a:ext cx="468000" cy="468000"/>
+          </a:xfrm>
+          <a:prstGeom prst="ellipse">
+            <a:avLst/>
+          </a:prstGeom>
+          <a:solidFill>
+            <a:srgbClr val="ED7D31"/>
+          </a:solidFill>
+          <a:ln>
+            <a:noFill/>
+          </a:ln>
+        </p:spPr>
+        <p:style>
+          <a:lnRef idx="2">
+            <a:schemeClr val="accent1">
+              <a:shade val="50000"/>
+            </a:schemeClr>
+          </a:lnRef>
+          <a:fillRef idx="1">
+            <a:schemeClr val="accent1"/>
+          </a:fillRef>
+          <a:effectRef idx="0">
+            <a:schemeClr val="accent1"/>
+          </a:effectRef>
+          <a:fontRef idx="minor">
+            <a:schemeClr val="lt1"/>
+          </a:fontRef>
+        </p:style>
+        <p:txBody>
+          <a:bodyPr rtlCol="0" anchor="ctr"/>
+          <a:lstStyle/>
+          <a:p>
+            <a:pPr algn="ctr"/>
+            <a:endParaRPr lang="de-DE"/>
+          </a:p>
+        </p:txBody>
+      </p:sp>
     </p:spTree>
     <p:extLst>
       <p:ext uri="{BB962C8B-B14F-4D97-AF65-F5344CB8AC3E}">
@@ -26580,6 +28746,58 @@
           </a:prstGeom>
         </p:spPr>
       </p:pic>
+      <p:sp>
+        <p:nvSpPr>
+          <p:cNvPr id="8" name="Ellipse 7">
+            <a:extLst>
+              <a:ext uri="{FF2B5EF4-FFF2-40B4-BE49-F238E27FC236}">
+                <a16:creationId xmlns:a16="http://schemas.microsoft.com/office/drawing/2014/main" id="{15E8FB8A-84A4-84A9-2DB7-AD4922201AFF}"/>
+              </a:ext>
+            </a:extLst>
+          </p:cNvPr>
+          <p:cNvSpPr/>
+          <p:nvPr/>
+        </p:nvSpPr>
+        <p:spPr>
+          <a:xfrm>
+            <a:off x="169986" y="790610"/>
+            <a:ext cx="468000" cy="468000"/>
+          </a:xfrm>
+          <a:prstGeom prst="ellipse">
+            <a:avLst/>
+          </a:prstGeom>
+          <a:solidFill>
+            <a:srgbClr val="ED7D31"/>
+          </a:solidFill>
+          <a:ln>
+            <a:noFill/>
+          </a:ln>
+        </p:spPr>
+        <p:style>
+          <a:lnRef idx="2">
+            <a:schemeClr val="accent1">
+              <a:shade val="50000"/>
+            </a:schemeClr>
+          </a:lnRef>
+          <a:fillRef idx="1">
+            <a:schemeClr val="accent1"/>
+          </a:fillRef>
+          <a:effectRef idx="0">
+            <a:schemeClr val="accent1"/>
+          </a:effectRef>
+          <a:fontRef idx="minor">
+            <a:schemeClr val="lt1"/>
+          </a:fontRef>
+        </p:style>
+        <p:txBody>
+          <a:bodyPr rtlCol="0" anchor="ctr"/>
+          <a:lstStyle/>
+          <a:p>
+            <a:pPr algn="ctr"/>
+            <a:endParaRPr lang="de-DE"/>
+          </a:p>
+        </p:txBody>
+      </p:sp>
     </p:spTree>
     <p:extLst>
       <p:ext uri="{BB962C8B-B14F-4D97-AF65-F5344CB8AC3E}">
@@ -26590,13 +28808,13 @@
   <p:clrMapOvr>
     <a:masterClrMapping/>
   </p:clrMapOvr>
-  <mc:AlternateContent xmlns:mc="http://schemas.openxmlformats.org/markup-compatibility/2006">
-    <mc:Choice xmlns:p159="http://schemas.microsoft.com/office/powerpoint/2015/09/main" Requires="p159">
+  <mc:AlternateContent xmlns:mc="http://schemas.openxmlformats.org/markup-compatibility/2006" xmlns:p159="http://schemas.microsoft.com/office/powerpoint/2015/09/main">
+    <mc:Choice Requires="p159">
       <p:transition xmlns:p14="http://schemas.microsoft.com/office/powerpoint/2010/main" spd="slow" p14:dur="2000">
         <p159:morph option="byObject"/>
       </p:transition>
     </mc:Choice>
-    <mc:Fallback>
+    <mc:Fallback xmlns="">
       <p:transition spd="slow">
         <p:fade/>
       </p:transition>
@@ -26763,7 +28981,7 @@
           <a:lstStyle/>
           <a:p>
             <a:r>
-              <a:rPr lang="de-DE" dirty="0"/>
+              <a:rPr lang="de-DE"/>
               <a:t>6</a:t>
             </a:r>
           </a:p>
@@ -26804,6 +29022,58 @@
           </a:prstGeom>
         </p:spPr>
       </p:pic>
+      <p:sp>
+        <p:nvSpPr>
+          <p:cNvPr id="8" name="Ellipse 7">
+            <a:extLst>
+              <a:ext uri="{FF2B5EF4-FFF2-40B4-BE49-F238E27FC236}">
+                <a16:creationId xmlns:a16="http://schemas.microsoft.com/office/drawing/2014/main" id="{758580C5-0172-17C4-2123-ED3C99E636AF}"/>
+              </a:ext>
+            </a:extLst>
+          </p:cNvPr>
+          <p:cNvSpPr/>
+          <p:nvPr/>
+        </p:nvSpPr>
+        <p:spPr>
+          <a:xfrm>
+            <a:off x="169986" y="790610"/>
+            <a:ext cx="468000" cy="468000"/>
+          </a:xfrm>
+          <a:prstGeom prst="ellipse">
+            <a:avLst/>
+          </a:prstGeom>
+          <a:solidFill>
+            <a:srgbClr val="ED7D31"/>
+          </a:solidFill>
+          <a:ln>
+            <a:noFill/>
+          </a:ln>
+        </p:spPr>
+        <p:style>
+          <a:lnRef idx="2">
+            <a:schemeClr val="accent1">
+              <a:shade val="50000"/>
+            </a:schemeClr>
+          </a:lnRef>
+          <a:fillRef idx="1">
+            <a:schemeClr val="accent1"/>
+          </a:fillRef>
+          <a:effectRef idx="0">
+            <a:schemeClr val="accent1"/>
+          </a:effectRef>
+          <a:fontRef idx="minor">
+            <a:schemeClr val="lt1"/>
+          </a:fontRef>
+        </p:style>
+        <p:txBody>
+          <a:bodyPr rtlCol="0" anchor="ctr"/>
+          <a:lstStyle/>
+          <a:p>
+            <a:pPr algn="ctr"/>
+            <a:endParaRPr lang="de-DE"/>
+          </a:p>
+        </p:txBody>
+      </p:sp>
     </p:spTree>
     <p:extLst>
       <p:ext uri="{BB962C8B-B14F-4D97-AF65-F5344CB8AC3E}">
@@ -26987,7 +29257,7 @@
           <a:lstStyle/>
           <a:p>
             <a:r>
-              <a:rPr lang="de-DE" dirty="0"/>
+              <a:rPr lang="de-DE"/>
               <a:t>7</a:t>
             </a:r>
           </a:p>
@@ -27059,9 +29329,61 @@
           <a:p>
             <a:pPr algn="ctr"/>
             <a:r>
-              <a:rPr lang="de-DE" dirty="0"/>
+              <a:rPr lang="de-DE"/>
               <a:t>Verteilungsdiagramm</a:t>
             </a:r>
+          </a:p>
+        </p:txBody>
+      </p:sp>
+      <p:sp>
+        <p:nvSpPr>
+          <p:cNvPr id="8" name="Ellipse 7">
+            <a:extLst>
+              <a:ext uri="{FF2B5EF4-FFF2-40B4-BE49-F238E27FC236}">
+                <a16:creationId xmlns:a16="http://schemas.microsoft.com/office/drawing/2014/main" id="{AE57E93B-166D-6902-DFEF-7EE9261644A3}"/>
+              </a:ext>
+            </a:extLst>
+          </p:cNvPr>
+          <p:cNvSpPr/>
+          <p:nvPr/>
+        </p:nvSpPr>
+        <p:spPr>
+          <a:xfrm>
+            <a:off x="169986" y="790610"/>
+            <a:ext cx="468000" cy="468000"/>
+          </a:xfrm>
+          <a:prstGeom prst="ellipse">
+            <a:avLst/>
+          </a:prstGeom>
+          <a:solidFill>
+            <a:srgbClr val="ED7D31"/>
+          </a:solidFill>
+          <a:ln>
+            <a:noFill/>
+          </a:ln>
+        </p:spPr>
+        <p:style>
+          <a:lnRef idx="2">
+            <a:schemeClr val="accent1">
+              <a:shade val="50000"/>
+            </a:schemeClr>
+          </a:lnRef>
+          <a:fillRef idx="1">
+            <a:schemeClr val="accent1"/>
+          </a:fillRef>
+          <a:effectRef idx="0">
+            <a:schemeClr val="accent1"/>
+          </a:effectRef>
+          <a:fontRef idx="minor">
+            <a:schemeClr val="lt1"/>
+          </a:fontRef>
+        </p:style>
+        <p:txBody>
+          <a:bodyPr rtlCol="0" anchor="ctr"/>
+          <a:lstStyle/>
+          <a:p>
+            <a:pPr algn="ctr"/>
+            <a:endParaRPr lang="de-DE"/>
           </a:p>
         </p:txBody>
       </p:sp>
@@ -27075,13 +29397,13 @@
   <p:clrMapOvr>
     <a:masterClrMapping/>
   </p:clrMapOvr>
-  <mc:AlternateContent xmlns:mc="http://schemas.openxmlformats.org/markup-compatibility/2006">
-    <mc:Choice xmlns:p159="http://schemas.microsoft.com/office/powerpoint/2015/09/main" Requires="p159">
+  <mc:AlternateContent xmlns:mc="http://schemas.openxmlformats.org/markup-compatibility/2006" xmlns:p159="http://schemas.microsoft.com/office/powerpoint/2015/09/main">
+    <mc:Choice Requires="p159">
       <p:transition xmlns:p14="http://schemas.microsoft.com/office/powerpoint/2010/main" spd="slow" p14:dur="2000">
         <p159:morph option="byObject"/>
       </p:transition>
     </mc:Choice>
-    <mc:Fallback>
+    <mc:Fallback xmlns="">
       <p:transition spd="slow">
         <p:fade/>
       </p:transition>
@@ -27276,9 +29598,61 @@
           <a:lstStyle/>
           <a:p>
             <a:r>
-              <a:rPr lang="de-DE" dirty="0"/>
+              <a:rPr lang="de-DE"/>
               <a:t>8</a:t>
             </a:r>
+          </a:p>
+        </p:txBody>
+      </p:sp>
+      <p:sp>
+        <p:nvSpPr>
+          <p:cNvPr id="7" name="Ellipse 6">
+            <a:extLst>
+              <a:ext uri="{FF2B5EF4-FFF2-40B4-BE49-F238E27FC236}">
+                <a16:creationId xmlns:a16="http://schemas.microsoft.com/office/drawing/2014/main" id="{E8DD321E-9693-EA9C-4861-DD525239D550}"/>
+              </a:ext>
+            </a:extLst>
+          </p:cNvPr>
+          <p:cNvSpPr/>
+          <p:nvPr/>
+        </p:nvSpPr>
+        <p:spPr>
+          <a:xfrm>
+            <a:off x="169986" y="790610"/>
+            <a:ext cx="468000" cy="468000"/>
+          </a:xfrm>
+          <a:prstGeom prst="ellipse">
+            <a:avLst/>
+          </a:prstGeom>
+          <a:solidFill>
+            <a:srgbClr val="ED7D31"/>
+          </a:solidFill>
+          <a:ln>
+            <a:noFill/>
+          </a:ln>
+        </p:spPr>
+        <p:style>
+          <a:lnRef idx="2">
+            <a:schemeClr val="accent1">
+              <a:shade val="50000"/>
+            </a:schemeClr>
+          </a:lnRef>
+          <a:fillRef idx="1">
+            <a:schemeClr val="accent1"/>
+          </a:fillRef>
+          <a:effectRef idx="0">
+            <a:schemeClr val="accent1"/>
+          </a:effectRef>
+          <a:fontRef idx="minor">
+            <a:schemeClr val="lt1"/>
+          </a:fontRef>
+        </p:style>
+        <p:txBody>
+          <a:bodyPr rtlCol="0" anchor="ctr"/>
+          <a:lstStyle/>
+          <a:p>
+            <a:pPr algn="ctr"/>
+            <a:endParaRPr lang="de-DE"/>
           </a:p>
         </p:txBody>
       </p:sp>

--- a/PROJECT/Abgabe/TINF20C_Präsentation_Semester4_Team_4.pptx
+++ b/PROJECT/Abgabe/TINF20C_Präsentation_Semester4_Team_4.pptx
@@ -5,7 +5,7 @@
     <p:sldMasterId id="2147483648" r:id="rId1"/>
   </p:sldMasterIdLst>
   <p:notesMasterIdLst>
-    <p:notesMasterId r:id="rId20"/>
+    <p:notesMasterId r:id="rId23"/>
   </p:notesMasterIdLst>
   <p:sldIdLst>
     <p:sldId id="256" r:id="rId2"/>
@@ -18,14 +18,17 @@
     <p:sldId id="281" r:id="rId9"/>
     <p:sldId id="272" r:id="rId10"/>
     <p:sldId id="276" r:id="rId11"/>
-    <p:sldId id="277" r:id="rId12"/>
-    <p:sldId id="263" r:id="rId13"/>
-    <p:sldId id="262" r:id="rId14"/>
-    <p:sldId id="283" r:id="rId15"/>
-    <p:sldId id="264" r:id="rId16"/>
-    <p:sldId id="267" r:id="rId17"/>
-    <p:sldId id="282" r:id="rId18"/>
-    <p:sldId id="268" r:id="rId19"/>
+    <p:sldId id="273" r:id="rId12"/>
+    <p:sldId id="277" r:id="rId13"/>
+    <p:sldId id="263" r:id="rId14"/>
+    <p:sldId id="262" r:id="rId15"/>
+    <p:sldId id="283" r:id="rId16"/>
+    <p:sldId id="264" r:id="rId17"/>
+    <p:sldId id="267" r:id="rId18"/>
+    <p:sldId id="284" r:id="rId19"/>
+    <p:sldId id="282" r:id="rId20"/>
+    <p:sldId id="268" r:id="rId21"/>
+    <p:sldId id="259" r:id="rId22"/>
   </p:sldIdLst>
   <p:sldSz cx="12192000" cy="6858000"/>
   <p:notesSz cx="6858000" cy="9144000"/>
@@ -144,2532 +147,157 @@
 </p:cmAuthorLst>
 </file>
 
-<file path=ppt/revisionInfo.xml><?xml version="1.0" encoding="utf-8"?>
-<p1510:revInfo xmlns:a="http://schemas.openxmlformats.org/drawingml/2006/main" xmlns:r="http://schemas.openxmlformats.org/officeDocument/2006/relationships" xmlns:p1510="http://schemas.microsoft.com/office/powerpoint/2015/10/main">
-  <p1510:revLst>
-    <p1510:client id="{45ACEE99-466E-4A56-BB8A-88779F9863B8}" v="1" dt="2022-05-11T18:36:49.860"/>
-    <p1510:client id="{77B75BB7-7822-4AAC-BF4F-AB70BD85F32A}" v="32" dt="2022-05-11T19:03:01.835"/>
-  </p1510:revLst>
-</p1510:revInfo>
-</file>
-
 <file path=ppt/changesInfos/changesInfo1.xml><?xml version="1.0" encoding="utf-8"?>
 <pc:chgInfo xmlns:a="http://schemas.openxmlformats.org/drawingml/2006/main" xmlns:r="http://schemas.openxmlformats.org/officeDocument/2006/relationships" xmlns:ac="http://schemas.microsoft.com/office/drawing/2013/main/command" xmlns:pc="http://schemas.microsoft.com/office/powerpoint/2013/main/command">
   <pc:docChgLst>
-    <pc:chgData name="Plaschko Yannis (inf20093)" userId="S::inf20093@lehre.dhbw-stuttgart.de::f4d33fb3-2c8f-4127-90f7-f67e7a622ff7" providerId="AD" clId="Web-{2AF36117-4B39-B7BA-84FC-13AC891CBBB2}"/>
+    <pc:chgData name="Esenwein Benjamin (inf20074)" userId="7720cf97-c6ae-4bac-a435-f995da81a4ba" providerId="ADAL" clId="{45329EE9-6700-46EC-9065-79240C04B1DC}"/>
     <pc:docChg chg="modSld">
-      <pc:chgData name="Plaschko Yannis (inf20093)" userId="S::inf20093@lehre.dhbw-stuttgart.de::f4d33fb3-2c8f-4127-90f7-f67e7a622ff7" providerId="AD" clId="Web-{2AF36117-4B39-B7BA-84FC-13AC891CBBB2}" dt="2022-05-09T13:15:38.396" v="424" actId="20577"/>
+      <pc:chgData name="Esenwein Benjamin (inf20074)" userId="7720cf97-c6ae-4bac-a435-f995da81a4ba" providerId="ADAL" clId="{45329EE9-6700-46EC-9065-79240C04B1DC}" dt="2022-05-12T18:13:50.757" v="20" actId="20577"/>
       <pc:docMkLst>
         <pc:docMk/>
       </pc:docMkLst>
-      <pc:sldChg chg="modSp">
-        <pc:chgData name="Plaschko Yannis (inf20093)" userId="S::inf20093@lehre.dhbw-stuttgart.de::f4d33fb3-2c8f-4127-90f7-f67e7a622ff7" providerId="AD" clId="Web-{2AF36117-4B39-B7BA-84FC-13AC891CBBB2}" dt="2022-05-09T12:06:55.291" v="3" actId="20577"/>
+      <pc:sldChg chg="modNotesTx">
+        <pc:chgData name="Esenwein Benjamin (inf20074)" userId="7720cf97-c6ae-4bac-a435-f995da81a4ba" providerId="ADAL" clId="{45329EE9-6700-46EC-9065-79240C04B1DC}" dt="2022-05-12T18:13:50.757" v="20" actId="20577"/>
         <pc:sldMkLst>
           <pc:docMk/>
           <pc:sldMk cId="2505959144" sldId="256"/>
         </pc:sldMkLst>
-        <pc:spChg chg="mod">
-          <ac:chgData name="Plaschko Yannis (inf20093)" userId="S::inf20093@lehre.dhbw-stuttgart.de::f4d33fb3-2c8f-4127-90f7-f67e7a622ff7" providerId="AD" clId="Web-{2AF36117-4B39-B7BA-84FC-13AC891CBBB2}" dt="2022-05-09T12:06:55.291" v="3" actId="20577"/>
-          <ac:spMkLst>
-            <pc:docMk/>
-            <pc:sldMk cId="2505959144" sldId="256"/>
-            <ac:spMk id="2" creationId="{FEA21FFC-A6C3-4E95-94C4-C1E4C4F6F8D3}"/>
-          </ac:spMkLst>
-        </pc:spChg>
       </pc:sldChg>
-      <pc:sldChg chg="modSp modNotes">
-        <pc:chgData name="Plaschko Yannis (inf20093)" userId="S::inf20093@lehre.dhbw-stuttgart.de::f4d33fb3-2c8f-4127-90f7-f67e7a622ff7" providerId="AD" clId="Web-{2AF36117-4B39-B7BA-84FC-13AC891CBBB2}" dt="2022-05-09T13:15:21.708" v="419" actId="20577"/>
-        <pc:sldMkLst>
-          <pc:docMk/>
-          <pc:sldMk cId="4147236091" sldId="262"/>
-        </pc:sldMkLst>
-        <pc:spChg chg="mod">
-          <ac:chgData name="Plaschko Yannis (inf20093)" userId="S::inf20093@lehre.dhbw-stuttgart.de::f4d33fb3-2c8f-4127-90f7-f67e7a622ff7" providerId="AD" clId="Web-{2AF36117-4B39-B7BA-84FC-13AC891CBBB2}" dt="2022-05-09T13:15:21.708" v="419" actId="20577"/>
-          <ac:spMkLst>
-            <pc:docMk/>
-            <pc:sldMk cId="4147236091" sldId="262"/>
-            <ac:spMk id="16" creationId="{12363D4A-CAB6-4CBB-9AD8-9EF204BD3C15}"/>
-          </ac:spMkLst>
-        </pc:spChg>
-      </pc:sldChg>
-      <pc:sldChg chg="modSp">
-        <pc:chgData name="Plaschko Yannis (inf20093)" userId="S::inf20093@lehre.dhbw-stuttgart.de::f4d33fb3-2c8f-4127-90f7-f67e7a622ff7" providerId="AD" clId="Web-{2AF36117-4B39-B7BA-84FC-13AC891CBBB2}" dt="2022-05-09T13:15:15.255" v="418" actId="20577"/>
-        <pc:sldMkLst>
-          <pc:docMk/>
-          <pc:sldMk cId="3942132956" sldId="263"/>
-        </pc:sldMkLst>
-        <pc:spChg chg="mod">
-          <ac:chgData name="Plaschko Yannis (inf20093)" userId="S::inf20093@lehre.dhbw-stuttgart.de::f4d33fb3-2c8f-4127-90f7-f67e7a622ff7" providerId="AD" clId="Web-{2AF36117-4B39-B7BA-84FC-13AC891CBBB2}" dt="2022-05-09T13:15:15.255" v="418" actId="20577"/>
-          <ac:spMkLst>
-            <pc:docMk/>
-            <pc:sldMk cId="3942132956" sldId="263"/>
-            <ac:spMk id="14" creationId="{8380E80B-C7B9-41FF-A254-76BDCDFFB7C4}"/>
-          </ac:spMkLst>
-        </pc:spChg>
-      </pc:sldChg>
-      <pc:sldChg chg="addSp delSp modSp modNotes">
-        <pc:chgData name="Plaschko Yannis (inf20093)" userId="S::inf20093@lehre.dhbw-stuttgart.de::f4d33fb3-2c8f-4127-90f7-f67e7a622ff7" providerId="AD" clId="Web-{2AF36117-4B39-B7BA-84FC-13AC891CBBB2}" dt="2022-05-09T13:15:33.740" v="422" actId="20577"/>
-        <pc:sldMkLst>
-          <pc:docMk/>
-          <pc:sldMk cId="3108174479" sldId="264"/>
-        </pc:sldMkLst>
-        <pc:spChg chg="add del mod">
-          <ac:chgData name="Plaschko Yannis (inf20093)" userId="S::inf20093@lehre.dhbw-stuttgart.de::f4d33fb3-2c8f-4127-90f7-f67e7a622ff7" providerId="AD" clId="Web-{2AF36117-4B39-B7BA-84FC-13AC891CBBB2}" dt="2022-05-09T13:15:33.740" v="422" actId="20577"/>
-          <ac:spMkLst>
-            <pc:docMk/>
-            <pc:sldMk cId="3108174479" sldId="264"/>
-            <ac:spMk id="9" creationId="{ADA79FBD-3096-4E28-AB98-7B2BD912675D}"/>
-          </ac:spMkLst>
-        </pc:spChg>
-      </pc:sldChg>
-      <pc:sldChg chg="modSp">
-        <pc:chgData name="Plaschko Yannis (inf20093)" userId="S::inf20093@lehre.dhbw-stuttgart.de::f4d33fb3-2c8f-4127-90f7-f67e7a622ff7" providerId="AD" clId="Web-{2AF36117-4B39-B7BA-84FC-13AC891CBBB2}" dt="2022-05-09T13:15:38.396" v="424" actId="20577"/>
-        <pc:sldMkLst>
-          <pc:docMk/>
-          <pc:sldMk cId="3111845278" sldId="267"/>
-        </pc:sldMkLst>
-        <pc:spChg chg="mod">
-          <ac:chgData name="Plaschko Yannis (inf20093)" userId="S::inf20093@lehre.dhbw-stuttgart.de::f4d33fb3-2c8f-4127-90f7-f67e7a622ff7" providerId="AD" clId="Web-{2AF36117-4B39-B7BA-84FC-13AC891CBBB2}" dt="2022-05-09T13:15:38.396" v="424" actId="20577"/>
-          <ac:spMkLst>
-            <pc:docMk/>
-            <pc:sldMk cId="3111845278" sldId="267"/>
-            <ac:spMk id="9" creationId="{B7EAAD7A-D146-4D4A-AF76-1BF183A9ACC3}"/>
-          </ac:spMkLst>
-        </pc:spChg>
-      </pc:sldChg>
-      <pc:sldChg chg="modSp">
-        <pc:chgData name="Plaschko Yannis (inf20093)" userId="S::inf20093@lehre.dhbw-stuttgart.de::f4d33fb3-2c8f-4127-90f7-f67e7a622ff7" providerId="AD" clId="Web-{2AF36117-4B39-B7BA-84FC-13AC891CBBB2}" dt="2022-05-09T12:18:18.809" v="8" actId="14100"/>
-        <pc:sldMkLst>
-          <pc:docMk/>
-          <pc:sldMk cId="2321171521" sldId="273"/>
-        </pc:sldMkLst>
-        <pc:spChg chg="mod">
-          <ac:chgData name="Plaschko Yannis (inf20093)" userId="S::inf20093@lehre.dhbw-stuttgart.de::f4d33fb3-2c8f-4127-90f7-f67e7a622ff7" providerId="AD" clId="Web-{2AF36117-4B39-B7BA-84FC-13AC891CBBB2}" dt="2022-05-09T12:18:18.809" v="8" actId="14100"/>
-          <ac:spMkLst>
-            <pc:docMk/>
-            <pc:sldMk cId="2321171521" sldId="273"/>
-            <ac:spMk id="34" creationId="{2EAA6503-B614-452E-865F-8F28FAD17DC3}"/>
-          </ac:spMkLst>
-        </pc:spChg>
-      </pc:sldChg>
-      <pc:sldChg chg="modSp">
-        <pc:chgData name="Plaschko Yannis (inf20093)" userId="S::inf20093@lehre.dhbw-stuttgart.de::f4d33fb3-2c8f-4127-90f7-f67e7a622ff7" providerId="AD" clId="Web-{2AF36117-4B39-B7BA-84FC-13AC891CBBB2}" dt="2022-05-09T13:15:08.802" v="417" actId="20577"/>
-        <pc:sldMkLst>
-          <pc:docMk/>
-          <pc:sldMk cId="2104648763" sldId="277"/>
-        </pc:sldMkLst>
-        <pc:spChg chg="mod">
-          <ac:chgData name="Plaschko Yannis (inf20093)" userId="S::inf20093@lehre.dhbw-stuttgart.de::f4d33fb3-2c8f-4127-90f7-f67e7a622ff7" providerId="AD" clId="Web-{2AF36117-4B39-B7BA-84FC-13AC891CBBB2}" dt="2022-05-09T13:15:08.802" v="417" actId="20577"/>
-          <ac:spMkLst>
-            <pc:docMk/>
-            <pc:sldMk cId="2104648763" sldId="277"/>
-            <ac:spMk id="34" creationId="{2EAA6503-B614-452E-865F-8F28FAD17DC3}"/>
-          </ac:spMkLst>
-        </pc:spChg>
-      </pc:sldChg>
-      <pc:sldChg chg="modSp">
-        <pc:chgData name="Plaschko Yannis (inf20093)" userId="S::inf20093@lehre.dhbw-stuttgart.de::f4d33fb3-2c8f-4127-90f7-f67e7a622ff7" providerId="AD" clId="Web-{2AF36117-4B39-B7BA-84FC-13AC891CBBB2}" dt="2022-05-09T12:18:58.716" v="20" actId="20577"/>
-        <pc:sldMkLst>
-          <pc:docMk/>
-          <pc:sldMk cId="3642239420" sldId="282"/>
-        </pc:sldMkLst>
-        <pc:spChg chg="mod">
-          <ac:chgData name="Plaschko Yannis (inf20093)" userId="S::inf20093@lehre.dhbw-stuttgart.de::f4d33fb3-2c8f-4127-90f7-f67e7a622ff7" providerId="AD" clId="Web-{2AF36117-4B39-B7BA-84FC-13AC891CBBB2}" dt="2022-05-09T12:18:58.716" v="20" actId="20577"/>
-          <ac:spMkLst>
-            <pc:docMk/>
-            <pc:sldMk cId="3642239420" sldId="282"/>
-            <ac:spMk id="9" creationId="{B7EAAD7A-D146-4D4A-AF76-1BF183A9ACC3}"/>
-          </ac:spMkLst>
-        </pc:spChg>
-      </pc:sldChg>
-      <pc:sldChg chg="modSp modNotes">
-        <pc:chgData name="Plaschko Yannis (inf20093)" userId="S::inf20093@lehre.dhbw-stuttgart.de::f4d33fb3-2c8f-4127-90f7-f67e7a622ff7" providerId="AD" clId="Web-{2AF36117-4B39-B7BA-84FC-13AC891CBBB2}" dt="2022-05-09T13:15:28.802" v="420" actId="20577"/>
-        <pc:sldMkLst>
-          <pc:docMk/>
-          <pc:sldMk cId="165153229" sldId="283"/>
-        </pc:sldMkLst>
-        <pc:spChg chg="mod">
-          <ac:chgData name="Plaschko Yannis (inf20093)" userId="S::inf20093@lehre.dhbw-stuttgart.de::f4d33fb3-2c8f-4127-90f7-f67e7a622ff7" providerId="AD" clId="Web-{2AF36117-4B39-B7BA-84FC-13AC891CBBB2}" dt="2022-05-09T13:15:28.802" v="420" actId="20577"/>
-          <ac:spMkLst>
-            <pc:docMk/>
-            <pc:sldMk cId="165153229" sldId="283"/>
-            <ac:spMk id="16" creationId="{12363D4A-CAB6-4CBB-9AD8-9EF204BD3C15}"/>
-          </ac:spMkLst>
-        </pc:spChg>
-      </pc:sldChg>
-    </pc:docChg>
-  </pc:docChgLst>
-  <pc:docChgLst>
-    <pc:chgData name="Esenwein Benjamin (inf20074)" userId="7720cf97-c6ae-4bac-a435-f995da81a4ba" providerId="ADAL" clId="{C010483D-60BC-418A-BCA3-6A1F85EBD2EA}"/>
-    <pc:docChg chg="undo custSel addSld delSld modSld sldOrd">
-      <pc:chgData name="Esenwein Benjamin (inf20074)" userId="7720cf97-c6ae-4bac-a435-f995da81a4ba" providerId="ADAL" clId="{C010483D-60BC-418A-BCA3-6A1F85EBD2EA}" dt="2022-05-09T14:12:59.519" v="9130" actId="20577"/>
-      <pc:docMkLst>
-        <pc:docMk/>
-      </pc:docMkLst>
-      <pc:sldChg chg="modSp mod modNotesTx">
-        <pc:chgData name="Esenwein Benjamin (inf20074)" userId="7720cf97-c6ae-4bac-a435-f995da81a4ba" providerId="ADAL" clId="{C010483D-60BC-418A-BCA3-6A1F85EBD2EA}" dt="2022-05-09T13:25:59.089" v="9078" actId="20577"/>
-        <pc:sldMkLst>
-          <pc:docMk/>
-          <pc:sldMk cId="2505959144" sldId="256"/>
-        </pc:sldMkLst>
-        <pc:spChg chg="mod">
-          <ac:chgData name="Esenwein Benjamin (inf20074)" userId="7720cf97-c6ae-4bac-a435-f995da81a4ba" providerId="ADAL" clId="{C010483D-60BC-418A-BCA3-6A1F85EBD2EA}" dt="2022-04-29T14:39:17.314" v="7" actId="20577"/>
-          <ac:spMkLst>
-            <pc:docMk/>
-            <pc:sldMk cId="2505959144" sldId="256"/>
-            <ac:spMk id="3" creationId="{EA356760-99B3-4061-95B7-F0DFCD7C51E9}"/>
-          </ac:spMkLst>
-        </pc:spChg>
-      </pc:sldChg>
-      <pc:sldChg chg="addSp delSp modSp mod modNotesTx">
-        <pc:chgData name="Esenwein Benjamin (inf20074)" userId="7720cf97-c6ae-4bac-a435-f995da81a4ba" providerId="ADAL" clId="{C010483D-60BC-418A-BCA3-6A1F85EBD2EA}" dt="2022-05-09T13:12:52.239" v="8991"/>
+      <pc:sldChg chg="modNotesTx">
+        <pc:chgData name="Esenwein Benjamin (inf20074)" userId="7720cf97-c6ae-4bac-a435-f995da81a4ba" providerId="ADAL" clId="{45329EE9-6700-46EC-9065-79240C04B1DC}" dt="2022-05-12T18:13:46.348" v="18" actId="20577"/>
         <pc:sldMkLst>
           <pc:docMk/>
           <pc:sldMk cId="1575568240" sldId="257"/>
         </pc:sldMkLst>
-        <pc:spChg chg="mod">
-          <ac:chgData name="Esenwein Benjamin (inf20074)" userId="7720cf97-c6ae-4bac-a435-f995da81a4ba" providerId="ADAL" clId="{C010483D-60BC-418A-BCA3-6A1F85EBD2EA}" dt="2022-05-06T09:25:03.948" v="1758" actId="20577"/>
-          <ac:spMkLst>
-            <pc:docMk/>
-            <pc:sldMk cId="1575568240" sldId="257"/>
-            <ac:spMk id="3" creationId="{DF539375-44E3-4147-BAE7-6E5166F80167}"/>
-          </ac:spMkLst>
-        </pc:spChg>
-        <pc:spChg chg="add mod">
-          <ac:chgData name="Esenwein Benjamin (inf20074)" userId="7720cf97-c6ae-4bac-a435-f995da81a4ba" providerId="ADAL" clId="{C010483D-60BC-418A-BCA3-6A1F85EBD2EA}" dt="2022-05-09T13:12:52.239" v="8991"/>
-          <ac:spMkLst>
-            <pc:docMk/>
-            <pc:sldMk cId="1575568240" sldId="257"/>
-            <ac:spMk id="7" creationId="{547C3DBD-88F4-F89D-52FE-25DED5E283CF}"/>
-          </ac:spMkLst>
-        </pc:spChg>
-        <pc:spChg chg="del">
-          <ac:chgData name="Esenwein Benjamin (inf20074)" userId="7720cf97-c6ae-4bac-a435-f995da81a4ba" providerId="ADAL" clId="{C010483D-60BC-418A-BCA3-6A1F85EBD2EA}" dt="2022-05-06T09:21:22.359" v="1717" actId="478"/>
-          <ac:spMkLst>
-            <pc:docMk/>
-            <pc:sldMk cId="1575568240" sldId="257"/>
-            <ac:spMk id="8" creationId="{49CE44EA-F4B1-4B54-B01D-7F853505004E}"/>
-          </ac:spMkLst>
-        </pc:spChg>
-        <pc:spChg chg="del">
-          <ac:chgData name="Esenwein Benjamin (inf20074)" userId="7720cf97-c6ae-4bac-a435-f995da81a4ba" providerId="ADAL" clId="{C010483D-60BC-418A-BCA3-6A1F85EBD2EA}" dt="2022-05-06T09:21:22.359" v="1717" actId="478"/>
-          <ac:spMkLst>
-            <pc:docMk/>
-            <pc:sldMk cId="1575568240" sldId="257"/>
-            <ac:spMk id="10" creationId="{2659683F-E70E-4B0C-905D-50AB01167893}"/>
-          </ac:spMkLst>
-        </pc:spChg>
-        <pc:spChg chg="del">
-          <ac:chgData name="Esenwein Benjamin (inf20074)" userId="7720cf97-c6ae-4bac-a435-f995da81a4ba" providerId="ADAL" clId="{C010483D-60BC-418A-BCA3-6A1F85EBD2EA}" dt="2022-05-06T09:21:22.359" v="1717" actId="478"/>
-          <ac:spMkLst>
-            <pc:docMk/>
-            <pc:sldMk cId="1575568240" sldId="257"/>
-            <ac:spMk id="11" creationId="{FE8486AE-0B22-4A2F-AAEB-A9E9777DF897}"/>
-          </ac:spMkLst>
-        </pc:spChg>
-        <pc:spChg chg="del">
-          <ac:chgData name="Esenwein Benjamin (inf20074)" userId="7720cf97-c6ae-4bac-a435-f995da81a4ba" providerId="ADAL" clId="{C010483D-60BC-418A-BCA3-6A1F85EBD2EA}" dt="2022-05-06T09:21:22.359" v="1717" actId="478"/>
-          <ac:spMkLst>
-            <pc:docMk/>
-            <pc:sldMk cId="1575568240" sldId="257"/>
-            <ac:spMk id="12" creationId="{A3E9974F-677D-43C4-ABD5-206FDCE7833B}"/>
-          </ac:spMkLst>
-        </pc:spChg>
-        <pc:spChg chg="del">
-          <ac:chgData name="Esenwein Benjamin (inf20074)" userId="7720cf97-c6ae-4bac-a435-f995da81a4ba" providerId="ADAL" clId="{C010483D-60BC-418A-BCA3-6A1F85EBD2EA}" dt="2022-05-06T09:21:22.359" v="1717" actId="478"/>
-          <ac:spMkLst>
-            <pc:docMk/>
-            <pc:sldMk cId="1575568240" sldId="257"/>
-            <ac:spMk id="13" creationId="{2CE22E48-7F81-4358-BE5F-61F07F2111F8}"/>
-          </ac:spMkLst>
-        </pc:spChg>
-        <pc:spChg chg="del">
-          <ac:chgData name="Esenwein Benjamin (inf20074)" userId="7720cf97-c6ae-4bac-a435-f995da81a4ba" providerId="ADAL" clId="{C010483D-60BC-418A-BCA3-6A1F85EBD2EA}" dt="2022-05-06T09:21:22.359" v="1717" actId="478"/>
-          <ac:spMkLst>
-            <pc:docMk/>
-            <pc:sldMk cId="1575568240" sldId="257"/>
-            <ac:spMk id="14" creationId="{9235CBCA-E9D4-45C1-8DFE-2A5CD2761BA8}"/>
-          </ac:spMkLst>
-        </pc:spChg>
-        <pc:spChg chg="del">
-          <ac:chgData name="Esenwein Benjamin (inf20074)" userId="7720cf97-c6ae-4bac-a435-f995da81a4ba" providerId="ADAL" clId="{C010483D-60BC-418A-BCA3-6A1F85EBD2EA}" dt="2022-05-06T09:21:22.359" v="1717" actId="478"/>
-          <ac:spMkLst>
-            <pc:docMk/>
-            <pc:sldMk cId="1575568240" sldId="257"/>
-            <ac:spMk id="15" creationId="{07A668D7-1DA3-45CA-9217-9E0ADBF4AA4D}"/>
-          </ac:spMkLst>
-        </pc:spChg>
-        <pc:spChg chg="del">
-          <ac:chgData name="Esenwein Benjamin (inf20074)" userId="7720cf97-c6ae-4bac-a435-f995da81a4ba" providerId="ADAL" clId="{C010483D-60BC-418A-BCA3-6A1F85EBD2EA}" dt="2022-05-06T09:21:22.359" v="1717" actId="478"/>
-          <ac:spMkLst>
-            <pc:docMk/>
-            <pc:sldMk cId="1575568240" sldId="257"/>
-            <ac:spMk id="16" creationId="{D3F36C19-9615-4DEA-94E5-5C44F53D0942}"/>
-          </ac:spMkLst>
-        </pc:spChg>
-        <pc:spChg chg="del">
-          <ac:chgData name="Esenwein Benjamin (inf20074)" userId="7720cf97-c6ae-4bac-a435-f995da81a4ba" providerId="ADAL" clId="{C010483D-60BC-418A-BCA3-6A1F85EBD2EA}" dt="2022-05-06T09:21:22.359" v="1717" actId="478"/>
-          <ac:spMkLst>
-            <pc:docMk/>
-            <pc:sldMk cId="1575568240" sldId="257"/>
-            <ac:spMk id="17" creationId="{B2D777E6-BD25-4B35-9FAA-989F9B8468DC}"/>
-          </ac:spMkLst>
-        </pc:spChg>
-        <pc:spChg chg="del">
-          <ac:chgData name="Esenwein Benjamin (inf20074)" userId="7720cf97-c6ae-4bac-a435-f995da81a4ba" providerId="ADAL" clId="{C010483D-60BC-418A-BCA3-6A1F85EBD2EA}" dt="2022-05-06T09:21:22.359" v="1717" actId="478"/>
-          <ac:spMkLst>
-            <pc:docMk/>
-            <pc:sldMk cId="1575568240" sldId="257"/>
-            <ac:spMk id="18" creationId="{27FD9119-6CC2-49A2-8AA8-7817F2AC84BD}"/>
-          </ac:spMkLst>
-        </pc:spChg>
       </pc:sldChg>
-      <pc:sldChg chg="addSp delSp modSp mod modNotesTx">
-        <pc:chgData name="Esenwein Benjamin (inf20074)" userId="7720cf97-c6ae-4bac-a435-f995da81a4ba" providerId="ADAL" clId="{C010483D-60BC-418A-BCA3-6A1F85EBD2EA}" dt="2022-05-09T13:30:56.408" v="9079" actId="20577"/>
+      <pc:sldChg chg="modNotesTx">
+        <pc:chgData name="Esenwein Benjamin (inf20074)" userId="7720cf97-c6ae-4bac-a435-f995da81a4ba" providerId="ADAL" clId="{45329EE9-6700-46EC-9065-79240C04B1DC}" dt="2022-05-12T18:13:48.681" v="19" actId="20577"/>
         <pc:sldMkLst>
           <pc:docMk/>
           <pc:sldMk cId="719139584" sldId="258"/>
         </pc:sldMkLst>
-        <pc:spChg chg="add mod">
-          <ac:chgData name="Esenwein Benjamin (inf20074)" userId="7720cf97-c6ae-4bac-a435-f995da81a4ba" providerId="ADAL" clId="{C010483D-60BC-418A-BCA3-6A1F85EBD2EA}" dt="2022-05-09T13:12:30.473" v="8990" actId="1038"/>
-          <ac:spMkLst>
-            <pc:docMk/>
-            <pc:sldMk cId="719139584" sldId="258"/>
-            <ac:spMk id="7" creationId="{B101FD60-7954-8617-4028-D523C3F99221}"/>
-          </ac:spMkLst>
-        </pc:spChg>
-        <pc:spChg chg="add mod">
-          <ac:chgData name="Esenwein Benjamin (inf20074)" userId="7720cf97-c6ae-4bac-a435-f995da81a4ba" providerId="ADAL" clId="{C010483D-60BC-418A-BCA3-6A1F85EBD2EA}" dt="2022-05-09T13:24:36.324" v="9066" actId="1076"/>
-          <ac:spMkLst>
-            <pc:docMk/>
-            <pc:sldMk cId="719139584" sldId="258"/>
-            <ac:spMk id="8" creationId="{D2AAE30E-638D-BF7C-0B77-4D2C88B01E28}"/>
-          </ac:spMkLst>
-        </pc:spChg>
-        <pc:spChg chg="del">
-          <ac:chgData name="Esenwein Benjamin (inf20074)" userId="7720cf97-c6ae-4bac-a435-f995da81a4ba" providerId="ADAL" clId="{C010483D-60BC-418A-BCA3-6A1F85EBD2EA}" dt="2022-05-06T09:21:16.831" v="1716" actId="478"/>
-          <ac:spMkLst>
-            <pc:docMk/>
-            <pc:sldMk cId="719139584" sldId="258"/>
-            <ac:spMk id="9" creationId="{BEC9ECC9-4211-476A-81B4-8185174D826A}"/>
-          </ac:spMkLst>
-        </pc:spChg>
-        <pc:spChg chg="del">
-          <ac:chgData name="Esenwein Benjamin (inf20074)" userId="7720cf97-c6ae-4bac-a435-f995da81a4ba" providerId="ADAL" clId="{C010483D-60BC-418A-BCA3-6A1F85EBD2EA}" dt="2022-05-06T09:21:16.831" v="1716" actId="478"/>
-          <ac:spMkLst>
-            <pc:docMk/>
-            <pc:sldMk cId="719139584" sldId="258"/>
-            <ac:spMk id="10" creationId="{9BC203D4-27A5-498F-BD18-FA5D28D9870B}"/>
-          </ac:spMkLst>
-        </pc:spChg>
-        <pc:spChg chg="del">
-          <ac:chgData name="Esenwein Benjamin (inf20074)" userId="7720cf97-c6ae-4bac-a435-f995da81a4ba" providerId="ADAL" clId="{C010483D-60BC-418A-BCA3-6A1F85EBD2EA}" dt="2022-05-06T09:21:16.831" v="1716" actId="478"/>
-          <ac:spMkLst>
-            <pc:docMk/>
-            <pc:sldMk cId="719139584" sldId="258"/>
-            <ac:spMk id="11" creationId="{C592ABF4-CEDC-4628-9F7B-83CCA72E3EEE}"/>
-          </ac:spMkLst>
-        </pc:spChg>
-        <pc:spChg chg="del">
-          <ac:chgData name="Esenwein Benjamin (inf20074)" userId="7720cf97-c6ae-4bac-a435-f995da81a4ba" providerId="ADAL" clId="{C010483D-60BC-418A-BCA3-6A1F85EBD2EA}" dt="2022-05-06T09:21:16.831" v="1716" actId="478"/>
-          <ac:spMkLst>
-            <pc:docMk/>
-            <pc:sldMk cId="719139584" sldId="258"/>
-            <ac:spMk id="12" creationId="{0939BD5A-5FE2-444A-ACF8-D050C8E064BC}"/>
-          </ac:spMkLst>
-        </pc:spChg>
-        <pc:spChg chg="del">
-          <ac:chgData name="Esenwein Benjamin (inf20074)" userId="7720cf97-c6ae-4bac-a435-f995da81a4ba" providerId="ADAL" clId="{C010483D-60BC-418A-BCA3-6A1F85EBD2EA}" dt="2022-05-06T09:21:16.831" v="1716" actId="478"/>
-          <ac:spMkLst>
-            <pc:docMk/>
-            <pc:sldMk cId="719139584" sldId="258"/>
-            <ac:spMk id="13" creationId="{DD63B2AE-C1B5-4451-B3C5-8543168935BF}"/>
-          </ac:spMkLst>
-        </pc:spChg>
-        <pc:spChg chg="del">
-          <ac:chgData name="Esenwein Benjamin (inf20074)" userId="7720cf97-c6ae-4bac-a435-f995da81a4ba" providerId="ADAL" clId="{C010483D-60BC-418A-BCA3-6A1F85EBD2EA}" dt="2022-05-06T09:21:16.831" v="1716" actId="478"/>
-          <ac:spMkLst>
-            <pc:docMk/>
-            <pc:sldMk cId="719139584" sldId="258"/>
-            <ac:spMk id="14" creationId="{578BD130-2B86-452B-A497-7F6322A84756}"/>
-          </ac:spMkLst>
-        </pc:spChg>
-        <pc:spChg chg="del">
-          <ac:chgData name="Esenwein Benjamin (inf20074)" userId="7720cf97-c6ae-4bac-a435-f995da81a4ba" providerId="ADAL" clId="{C010483D-60BC-418A-BCA3-6A1F85EBD2EA}" dt="2022-05-06T09:21:16.831" v="1716" actId="478"/>
-          <ac:spMkLst>
-            <pc:docMk/>
-            <pc:sldMk cId="719139584" sldId="258"/>
-            <ac:spMk id="15" creationId="{1DD9A950-E8F2-4681-B140-33159C406AAB}"/>
-          </ac:spMkLst>
-        </pc:spChg>
-        <pc:spChg chg="del">
-          <ac:chgData name="Esenwein Benjamin (inf20074)" userId="7720cf97-c6ae-4bac-a435-f995da81a4ba" providerId="ADAL" clId="{C010483D-60BC-418A-BCA3-6A1F85EBD2EA}" dt="2022-05-06T09:21:16.831" v="1716" actId="478"/>
-          <ac:spMkLst>
-            <pc:docMk/>
-            <pc:sldMk cId="719139584" sldId="258"/>
-            <ac:spMk id="17" creationId="{101D8872-045F-4854-98A2-E0CA3B940FE3}"/>
-          </ac:spMkLst>
-        </pc:spChg>
-        <pc:spChg chg="del">
-          <ac:chgData name="Esenwein Benjamin (inf20074)" userId="7720cf97-c6ae-4bac-a435-f995da81a4ba" providerId="ADAL" clId="{C010483D-60BC-418A-BCA3-6A1F85EBD2EA}" dt="2022-05-06T09:21:16.831" v="1716" actId="478"/>
-          <ac:spMkLst>
-            <pc:docMk/>
-            <pc:sldMk cId="719139584" sldId="258"/>
-            <ac:spMk id="18" creationId="{78F100DB-A976-49DE-A569-2E98ADDC27E3}"/>
-          </ac:spMkLst>
-        </pc:spChg>
-        <pc:spChg chg="del">
-          <ac:chgData name="Esenwein Benjamin (inf20074)" userId="7720cf97-c6ae-4bac-a435-f995da81a4ba" providerId="ADAL" clId="{C010483D-60BC-418A-BCA3-6A1F85EBD2EA}" dt="2022-05-06T09:21:16.831" v="1716" actId="478"/>
-          <ac:spMkLst>
-            <pc:docMk/>
-            <pc:sldMk cId="719139584" sldId="258"/>
-            <ac:spMk id="19" creationId="{90691A9C-183C-4D16-A251-02B94D6CCBD1}"/>
-          </ac:spMkLst>
-        </pc:spChg>
-        <pc:spChg chg="del">
-          <ac:chgData name="Esenwein Benjamin (inf20074)" userId="7720cf97-c6ae-4bac-a435-f995da81a4ba" providerId="ADAL" clId="{C010483D-60BC-418A-BCA3-6A1F85EBD2EA}" dt="2022-05-06T09:21:16.831" v="1716" actId="478"/>
-          <ac:spMkLst>
-            <pc:docMk/>
-            <pc:sldMk cId="719139584" sldId="258"/>
-            <ac:spMk id="20" creationId="{91D2FAC1-CE8B-4738-9296-4CB614522BC7}"/>
-          </ac:spMkLst>
-        </pc:spChg>
-        <pc:graphicFrameChg chg="mod modGraphic">
-          <ac:chgData name="Esenwein Benjamin (inf20074)" userId="7720cf97-c6ae-4bac-a435-f995da81a4ba" providerId="ADAL" clId="{C010483D-60BC-418A-BCA3-6A1F85EBD2EA}" dt="2022-05-06T08:05:04.783" v="860" actId="3626"/>
-          <ac:graphicFrameMkLst>
-            <pc:docMk/>
-            <pc:sldMk cId="719139584" sldId="258"/>
-            <ac:graphicFrameMk id="4" creationId="{A368CB9D-E35A-44A3-927D-593C6BE5804F}"/>
-          </ac:graphicFrameMkLst>
-        </pc:graphicFrameChg>
       </pc:sldChg>
-      <pc:sldChg chg="mod ord modShow">
-        <pc:chgData name="Esenwein Benjamin (inf20074)" userId="7720cf97-c6ae-4bac-a435-f995da81a4ba" providerId="ADAL" clId="{C010483D-60BC-418A-BCA3-6A1F85EBD2EA}" dt="2022-05-06T09:22:32.033" v="1727"/>
+      <pc:sldChg chg="modNotesTx">
+        <pc:chgData name="Esenwein Benjamin (inf20074)" userId="7720cf97-c6ae-4bac-a435-f995da81a4ba" providerId="ADAL" clId="{45329EE9-6700-46EC-9065-79240C04B1DC}" dt="2022-05-12T18:13:22.659" v="8" actId="20577"/>
         <pc:sldMkLst>
           <pc:docMk/>
           <pc:sldMk cId="452856955" sldId="259"/>
         </pc:sldMkLst>
       </pc:sldChg>
-      <pc:sldChg chg="addSp delSp modSp mod modNotesTx">
-        <pc:chgData name="Esenwein Benjamin (inf20074)" userId="7720cf97-c6ae-4bac-a435-f995da81a4ba" providerId="ADAL" clId="{C010483D-60BC-418A-BCA3-6A1F85EBD2EA}" dt="2022-05-09T13:13:03.905" v="9001"/>
+      <pc:sldChg chg="modNotesTx">
+        <pc:chgData name="Esenwein Benjamin (inf20074)" userId="7720cf97-c6ae-4bac-a435-f995da81a4ba" providerId="ADAL" clId="{45329EE9-6700-46EC-9065-79240C04B1DC}" dt="2022-05-12T18:13:07.761" v="1" actId="20577"/>
         <pc:sldMkLst>
           <pc:docMk/>
           <pc:sldMk cId="4147236091" sldId="262"/>
         </pc:sldMkLst>
-        <pc:spChg chg="mod">
-          <ac:chgData name="Esenwein Benjamin (inf20074)" userId="7720cf97-c6ae-4bac-a435-f995da81a4ba" providerId="ADAL" clId="{C010483D-60BC-418A-BCA3-6A1F85EBD2EA}" dt="2022-05-06T09:01:28.347" v="968" actId="20577"/>
-          <ac:spMkLst>
-            <pc:docMk/>
-            <pc:sldMk cId="4147236091" sldId="262"/>
-            <ac:spMk id="2" creationId="{1747C8D8-D661-4E78-B917-32AB748623DB}"/>
-          </ac:spMkLst>
-        </pc:spChg>
-        <pc:spChg chg="add mod">
-          <ac:chgData name="Esenwein Benjamin (inf20074)" userId="7720cf97-c6ae-4bac-a435-f995da81a4ba" providerId="ADAL" clId="{C010483D-60BC-418A-BCA3-6A1F85EBD2EA}" dt="2022-05-06T09:01:10.330" v="948" actId="478"/>
-          <ac:spMkLst>
-            <pc:docMk/>
-            <pc:sldMk cId="4147236091" sldId="262"/>
-            <ac:spMk id="5" creationId="{7A0777AF-A178-3FDE-D69E-ADE3275EE46B}"/>
-          </ac:spMkLst>
-        </pc:spChg>
-        <pc:spChg chg="add mod">
-          <ac:chgData name="Esenwein Benjamin (inf20074)" userId="7720cf97-c6ae-4bac-a435-f995da81a4ba" providerId="ADAL" clId="{C010483D-60BC-418A-BCA3-6A1F85EBD2EA}" dt="2022-05-09T13:13:03.905" v="9001"/>
-          <ac:spMkLst>
-            <pc:docMk/>
-            <pc:sldMk cId="4147236091" sldId="262"/>
-            <ac:spMk id="7" creationId="{1D255F4E-2CE7-7A52-7E6E-8E308F4E704E}"/>
-          </ac:spMkLst>
-        </pc:spChg>
-        <pc:spChg chg="del">
-          <ac:chgData name="Esenwein Benjamin (inf20074)" userId="7720cf97-c6ae-4bac-a435-f995da81a4ba" providerId="ADAL" clId="{C010483D-60BC-418A-BCA3-6A1F85EBD2EA}" dt="2022-05-06T09:01:10.330" v="948" actId="478"/>
-          <ac:spMkLst>
-            <pc:docMk/>
-            <pc:sldMk cId="4147236091" sldId="262"/>
-            <ac:spMk id="12" creationId="{87AD0200-DD05-49D8-A458-EA41761A8DE1}"/>
-          </ac:spMkLst>
-        </pc:spChg>
-        <pc:spChg chg="mod">
-          <ac:chgData name="Esenwein Benjamin (inf20074)" userId="7720cf97-c6ae-4bac-a435-f995da81a4ba" providerId="ADAL" clId="{C010483D-60BC-418A-BCA3-6A1F85EBD2EA}" dt="2022-05-06T09:42:02.714" v="2105" actId="14100"/>
-          <ac:spMkLst>
-            <pc:docMk/>
-            <pc:sldMk cId="4147236091" sldId="262"/>
-            <ac:spMk id="16" creationId="{12363D4A-CAB6-4CBB-9AD8-9EF204BD3C15}"/>
-          </ac:spMkLst>
-        </pc:spChg>
-        <pc:graphicFrameChg chg="del">
-          <ac:chgData name="Esenwein Benjamin (inf20074)" userId="7720cf97-c6ae-4bac-a435-f995da81a4ba" providerId="ADAL" clId="{C010483D-60BC-418A-BCA3-6A1F85EBD2EA}" dt="2022-05-06T09:01:10.330" v="948" actId="478"/>
-          <ac:graphicFrameMkLst>
-            <pc:docMk/>
-            <pc:sldMk cId="4147236091" sldId="262"/>
-            <ac:graphicFrameMk id="13" creationId="{86E52FFC-05E8-46A6-B4A1-33E2B7A7C8B4}"/>
-          </ac:graphicFrameMkLst>
-        </pc:graphicFrameChg>
-        <pc:picChg chg="del">
-          <ac:chgData name="Esenwein Benjamin (inf20074)" userId="7720cf97-c6ae-4bac-a435-f995da81a4ba" providerId="ADAL" clId="{C010483D-60BC-418A-BCA3-6A1F85EBD2EA}" dt="2022-05-06T09:01:10.330" v="948" actId="478"/>
-          <ac:picMkLst>
-            <pc:docMk/>
-            <pc:sldMk cId="4147236091" sldId="262"/>
-            <ac:picMk id="9" creationId="{C75CF267-E927-4BB0-BA73-A7F230D085F1}"/>
-          </ac:picMkLst>
-        </pc:picChg>
-        <pc:picChg chg="del">
-          <ac:chgData name="Esenwein Benjamin (inf20074)" userId="7720cf97-c6ae-4bac-a435-f995da81a4ba" providerId="ADAL" clId="{C010483D-60BC-418A-BCA3-6A1F85EBD2EA}" dt="2022-05-06T09:01:10.330" v="948" actId="478"/>
-          <ac:picMkLst>
-            <pc:docMk/>
-            <pc:sldMk cId="4147236091" sldId="262"/>
-            <ac:picMk id="11" creationId="{A9ED0D2B-E1E9-433D-A571-67069977AB7B}"/>
-          </ac:picMkLst>
-        </pc:picChg>
       </pc:sldChg>
-      <pc:sldChg chg="addSp delSp modSp mod ord modNotesTx">
-        <pc:chgData name="Esenwein Benjamin (inf20074)" userId="7720cf97-c6ae-4bac-a435-f995da81a4ba" providerId="ADAL" clId="{C010483D-60BC-418A-BCA3-6A1F85EBD2EA}" dt="2022-05-09T14:11:36.090" v="9114" actId="20577"/>
+      <pc:sldChg chg="modNotesTx">
+        <pc:chgData name="Esenwein Benjamin (inf20074)" userId="7720cf97-c6ae-4bac-a435-f995da81a4ba" providerId="ADAL" clId="{45329EE9-6700-46EC-9065-79240C04B1DC}" dt="2022-05-12T18:13:05.390" v="0" actId="20577"/>
         <pc:sldMkLst>
           <pc:docMk/>
           <pc:sldMk cId="3942132956" sldId="263"/>
         </pc:sldMkLst>
-        <pc:spChg chg="mod">
-          <ac:chgData name="Esenwein Benjamin (inf20074)" userId="7720cf97-c6ae-4bac-a435-f995da81a4ba" providerId="ADAL" clId="{C010483D-60BC-418A-BCA3-6A1F85EBD2EA}" dt="2022-05-06T09:25:17.625" v="1779" actId="20577"/>
-          <ac:spMkLst>
-            <pc:docMk/>
-            <pc:sldMk cId="3942132956" sldId="263"/>
-            <ac:spMk id="2" creationId="{DA9BDA2B-56A2-491C-9E03-6C9A0F6F509F}"/>
-          </ac:spMkLst>
-        </pc:spChg>
-        <pc:spChg chg="del mod">
-          <ac:chgData name="Esenwein Benjamin (inf20074)" userId="7720cf97-c6ae-4bac-a435-f995da81a4ba" providerId="ADAL" clId="{C010483D-60BC-418A-BCA3-6A1F85EBD2EA}" dt="2022-05-06T09:25:27.591" v="1781" actId="478"/>
-          <ac:spMkLst>
-            <pc:docMk/>
-            <pc:sldMk cId="3942132956" sldId="263"/>
-            <ac:spMk id="3" creationId="{8ECD18E5-590E-4C0D-B1EF-55B4404B39CD}"/>
-          </ac:spMkLst>
-        </pc:spChg>
-        <pc:spChg chg="add mod">
-          <ac:chgData name="Esenwein Benjamin (inf20074)" userId="7720cf97-c6ae-4bac-a435-f995da81a4ba" providerId="ADAL" clId="{C010483D-60BC-418A-BCA3-6A1F85EBD2EA}" dt="2022-05-06T09:28:45.495" v="1837" actId="164"/>
-          <ac:spMkLst>
-            <pc:docMk/>
-            <pc:sldMk cId="3942132956" sldId="263"/>
-            <ac:spMk id="6" creationId="{26A101C3-6236-8BA4-6E58-5FB84A880796}"/>
-          </ac:spMkLst>
-        </pc:spChg>
-        <pc:spChg chg="mod">
-          <ac:chgData name="Esenwein Benjamin (inf20074)" userId="7720cf97-c6ae-4bac-a435-f995da81a4ba" providerId="ADAL" clId="{C010483D-60BC-418A-BCA3-6A1F85EBD2EA}" dt="2022-05-06T09:44:04.108" v="2140" actId="20577"/>
-          <ac:spMkLst>
-            <pc:docMk/>
-            <pc:sldMk cId="3942132956" sldId="263"/>
-            <ac:spMk id="7" creationId="{FC78B868-2DAB-42D6-8796-474CB0AE7293}"/>
-          </ac:spMkLst>
-        </pc:spChg>
-        <pc:spChg chg="mod">
-          <ac:chgData name="Esenwein Benjamin (inf20074)" userId="7720cf97-c6ae-4bac-a435-f995da81a4ba" providerId="ADAL" clId="{C010483D-60BC-418A-BCA3-6A1F85EBD2EA}" dt="2022-05-06T09:41:43.590" v="2101" actId="14100"/>
-          <ac:spMkLst>
-            <pc:docMk/>
-            <pc:sldMk cId="3942132956" sldId="263"/>
-            <ac:spMk id="14" creationId="{8380E80B-C7B9-41FF-A254-76BDCDFFB7C4}"/>
-          </ac:spMkLst>
-        </pc:spChg>
-        <pc:spChg chg="add mod">
-          <ac:chgData name="Esenwein Benjamin (inf20074)" userId="7720cf97-c6ae-4bac-a435-f995da81a4ba" providerId="ADAL" clId="{C010483D-60BC-418A-BCA3-6A1F85EBD2EA}" dt="2022-05-09T13:16:53.034" v="9024" actId="404"/>
-          <ac:spMkLst>
-            <pc:docMk/>
-            <pc:sldMk cId="3942132956" sldId="263"/>
-            <ac:spMk id="17" creationId="{494170F8-96C7-2559-C2EB-043153DD042D}"/>
-          </ac:spMkLst>
-        </pc:spChg>
-        <pc:spChg chg="add mod">
-          <ac:chgData name="Esenwein Benjamin (inf20074)" userId="7720cf97-c6ae-4bac-a435-f995da81a4ba" providerId="ADAL" clId="{C010483D-60BC-418A-BCA3-6A1F85EBD2EA}" dt="2022-05-06T09:28:37.203" v="1836" actId="164"/>
-          <ac:spMkLst>
-            <pc:docMk/>
-            <pc:sldMk cId="3942132956" sldId="263"/>
-            <ac:spMk id="20" creationId="{D9F8DAAB-5F34-0845-2C22-4D4A8F906EDD}"/>
-          </ac:spMkLst>
-        </pc:spChg>
-        <pc:spChg chg="add mod">
-          <ac:chgData name="Esenwein Benjamin (inf20074)" userId="7720cf97-c6ae-4bac-a435-f995da81a4ba" providerId="ADAL" clId="{C010483D-60BC-418A-BCA3-6A1F85EBD2EA}" dt="2022-05-09T13:13:02.508" v="9000"/>
-          <ac:spMkLst>
-            <pc:docMk/>
-            <pc:sldMk cId="3942132956" sldId="263"/>
-            <ac:spMk id="22" creationId="{8AC06CFC-476A-431E-1D7D-BEDF8AD8E661}"/>
-          </ac:spMkLst>
-        </pc:spChg>
-        <pc:grpChg chg="add mod">
-          <ac:chgData name="Esenwein Benjamin (inf20074)" userId="7720cf97-c6ae-4bac-a435-f995da81a4ba" providerId="ADAL" clId="{C010483D-60BC-418A-BCA3-6A1F85EBD2EA}" dt="2022-05-06T09:28:57.503" v="1839" actId="1076"/>
-          <ac:grpSpMkLst>
-            <pc:docMk/>
-            <pc:sldMk cId="3942132956" sldId="263"/>
-            <ac:grpSpMk id="19" creationId="{34EAB275-5219-B58D-133B-3507ED96D75A}"/>
-          </ac:grpSpMkLst>
-        </pc:grpChg>
-        <pc:grpChg chg="add mod">
-          <ac:chgData name="Esenwein Benjamin (inf20074)" userId="7720cf97-c6ae-4bac-a435-f995da81a4ba" providerId="ADAL" clId="{C010483D-60BC-418A-BCA3-6A1F85EBD2EA}" dt="2022-05-06T09:29:01.200" v="1840" actId="1076"/>
-          <ac:grpSpMkLst>
-            <pc:docMk/>
-            <pc:sldMk cId="3942132956" sldId="263"/>
-            <ac:grpSpMk id="21" creationId="{0E3464DC-800E-0107-6EA0-CD60F8C40726}"/>
-          </ac:grpSpMkLst>
-        </pc:grpChg>
-        <pc:picChg chg="add del">
-          <ac:chgData name="Esenwein Benjamin (inf20074)" userId="7720cf97-c6ae-4bac-a435-f995da81a4ba" providerId="ADAL" clId="{C010483D-60BC-418A-BCA3-6A1F85EBD2EA}" dt="2022-05-06T09:27:21.979" v="1810" actId="478"/>
-          <ac:picMkLst>
-            <pc:docMk/>
-            <pc:sldMk cId="3942132956" sldId="263"/>
-            <ac:picMk id="8" creationId="{2C22DC6C-B2A3-787C-2B42-6B0B2D7DCA62}"/>
-          </ac:picMkLst>
-        </pc:picChg>
-        <pc:picChg chg="add mod">
-          <ac:chgData name="Esenwein Benjamin (inf20074)" userId="7720cf97-c6ae-4bac-a435-f995da81a4ba" providerId="ADAL" clId="{C010483D-60BC-418A-BCA3-6A1F85EBD2EA}" dt="2022-05-09T13:16:08.133" v="9020" actId="1076"/>
-          <ac:picMkLst>
-            <pc:docMk/>
-            <pc:sldMk cId="3942132956" sldId="263"/>
-            <ac:picMk id="8" creationId="{45B2FA95-9644-DF5A-5622-020C432B0379}"/>
-          </ac:picMkLst>
-        </pc:picChg>
-        <pc:picChg chg="del mod">
-          <ac:chgData name="Esenwein Benjamin (inf20074)" userId="7720cf97-c6ae-4bac-a435-f995da81a4ba" providerId="ADAL" clId="{C010483D-60BC-418A-BCA3-6A1F85EBD2EA}" dt="2022-05-09T13:15:34.892" v="9009" actId="478"/>
-          <ac:picMkLst>
-            <pc:docMk/>
-            <pc:sldMk cId="3942132956" sldId="263"/>
-            <ac:picMk id="9" creationId="{AA1634B9-D634-4C9B-A8EA-8EAADF776B20}"/>
-          </ac:picMkLst>
-        </pc:picChg>
-        <pc:picChg chg="mod">
-          <ac:chgData name="Esenwein Benjamin (inf20074)" userId="7720cf97-c6ae-4bac-a435-f995da81a4ba" providerId="ADAL" clId="{C010483D-60BC-418A-BCA3-6A1F85EBD2EA}" dt="2022-05-06T09:28:37.203" v="1836" actId="164"/>
-          <ac:picMkLst>
-            <pc:docMk/>
-            <pc:sldMk cId="3942132956" sldId="263"/>
-            <ac:picMk id="10" creationId="{5E607E01-D6E5-413B-B7FB-B23E944BF295}"/>
-          </ac:picMkLst>
-        </pc:picChg>
-        <pc:picChg chg="mod">
-          <ac:chgData name="Esenwein Benjamin (inf20074)" userId="7720cf97-c6ae-4bac-a435-f995da81a4ba" providerId="ADAL" clId="{C010483D-60BC-418A-BCA3-6A1F85EBD2EA}" dt="2022-05-06T09:28:45.495" v="1837" actId="164"/>
-          <ac:picMkLst>
-            <pc:docMk/>
-            <pc:sldMk cId="3942132956" sldId="263"/>
-            <ac:picMk id="12" creationId="{8FBA7D60-6CC6-40A9-926E-775EAA84B231}"/>
-          </ac:picMkLst>
-        </pc:picChg>
-        <pc:picChg chg="add mod">
-          <ac:chgData name="Esenwein Benjamin (inf20074)" userId="7720cf97-c6ae-4bac-a435-f995da81a4ba" providerId="ADAL" clId="{C010483D-60BC-418A-BCA3-6A1F85EBD2EA}" dt="2022-05-06T09:29:06.237" v="1842" actId="1076"/>
-          <ac:picMkLst>
-            <pc:docMk/>
-            <pc:sldMk cId="3942132956" sldId="263"/>
-            <ac:picMk id="18" creationId="{5DA8DC25-82B6-4D9C-015B-96D14881ADA3}"/>
-          </ac:picMkLst>
-        </pc:picChg>
-        <pc:picChg chg="mod">
-          <ac:chgData name="Esenwein Benjamin (inf20074)" userId="7720cf97-c6ae-4bac-a435-f995da81a4ba" providerId="ADAL" clId="{C010483D-60BC-418A-BCA3-6A1F85EBD2EA}" dt="2022-05-06T09:29:03.905" v="1841" actId="1076"/>
-          <ac:picMkLst>
-            <pc:docMk/>
-            <pc:sldMk cId="3942132956" sldId="263"/>
-            <ac:picMk id="1026" creationId="{C2E1D524-5056-4A41-BAC7-0E98E5E375D4}"/>
-          </ac:picMkLst>
-        </pc:picChg>
       </pc:sldChg>
-      <pc:sldChg chg="addSp delSp modSp mod modNotesTx">
-        <pc:chgData name="Esenwein Benjamin (inf20074)" userId="7720cf97-c6ae-4bac-a435-f995da81a4ba" providerId="ADAL" clId="{C010483D-60BC-418A-BCA3-6A1F85EBD2EA}" dt="2022-05-09T13:13:05.746" v="9003"/>
+      <pc:sldChg chg="modNotesTx">
+        <pc:chgData name="Esenwein Benjamin (inf20074)" userId="7720cf97-c6ae-4bac-a435-f995da81a4ba" providerId="ADAL" clId="{45329EE9-6700-46EC-9065-79240C04B1DC}" dt="2022-05-12T18:13:11.978" v="3" actId="20577"/>
         <pc:sldMkLst>
           <pc:docMk/>
           <pc:sldMk cId="3108174479" sldId="264"/>
         </pc:sldMkLst>
-        <pc:spChg chg="mod">
-          <ac:chgData name="Esenwein Benjamin (inf20074)" userId="7720cf97-c6ae-4bac-a435-f995da81a4ba" providerId="ADAL" clId="{C010483D-60BC-418A-BCA3-6A1F85EBD2EA}" dt="2022-05-06T09:02:23.871" v="997" actId="20577"/>
-          <ac:spMkLst>
-            <pc:docMk/>
-            <pc:sldMk cId="3108174479" sldId="264"/>
-            <ac:spMk id="2" creationId="{098C8E74-948A-4D59-9E4F-8E3EE0B24F04}"/>
-          </ac:spMkLst>
-        </pc:spChg>
-        <pc:spChg chg="add mod">
-          <ac:chgData name="Esenwein Benjamin (inf20074)" userId="7720cf97-c6ae-4bac-a435-f995da81a4ba" providerId="ADAL" clId="{C010483D-60BC-418A-BCA3-6A1F85EBD2EA}" dt="2022-05-06T09:03:16.932" v="1059"/>
-          <ac:spMkLst>
-            <pc:docMk/>
-            <pc:sldMk cId="3108174479" sldId="264"/>
-            <ac:spMk id="5" creationId="{15BE68AF-C0B5-FF02-2953-71974A7B6126}"/>
-          </ac:spMkLst>
-        </pc:spChg>
-        <pc:spChg chg="add mod">
-          <ac:chgData name="Esenwein Benjamin (inf20074)" userId="7720cf97-c6ae-4bac-a435-f995da81a4ba" providerId="ADAL" clId="{C010483D-60BC-418A-BCA3-6A1F85EBD2EA}" dt="2022-05-09T13:13:05.746" v="9003"/>
-          <ac:spMkLst>
-            <pc:docMk/>
-            <pc:sldMk cId="3108174479" sldId="264"/>
-            <ac:spMk id="8" creationId="{CB355358-CDE6-B251-676C-CC275F327344}"/>
-          </ac:spMkLst>
-        </pc:spChg>
-        <pc:spChg chg="del">
-          <ac:chgData name="Esenwein Benjamin (inf20074)" userId="7720cf97-c6ae-4bac-a435-f995da81a4ba" providerId="ADAL" clId="{C010483D-60BC-418A-BCA3-6A1F85EBD2EA}" dt="2022-05-06T09:22:08.655" v="1724" actId="478"/>
-          <ac:spMkLst>
-            <pc:docMk/>
-            <pc:sldMk cId="3108174479" sldId="264"/>
-            <ac:spMk id="8" creationId="{DE20D7D9-ADD6-46E6-94A2-F5082BE29DC5}"/>
-          </ac:spMkLst>
-        </pc:spChg>
-        <pc:spChg chg="mod">
-          <ac:chgData name="Esenwein Benjamin (inf20074)" userId="7720cf97-c6ae-4bac-a435-f995da81a4ba" providerId="ADAL" clId="{C010483D-60BC-418A-BCA3-6A1F85EBD2EA}" dt="2022-05-06T09:42:07.537" v="2107" actId="20577"/>
-          <ac:spMkLst>
-            <pc:docMk/>
-            <pc:sldMk cId="3108174479" sldId="264"/>
-            <ac:spMk id="9" creationId="{ADA79FBD-3096-4E28-AB98-7B2BD912675D}"/>
-          </ac:spMkLst>
-        </pc:spChg>
-        <pc:spChg chg="del">
-          <ac:chgData name="Esenwein Benjamin (inf20074)" userId="7720cf97-c6ae-4bac-a435-f995da81a4ba" providerId="ADAL" clId="{C010483D-60BC-418A-BCA3-6A1F85EBD2EA}" dt="2022-05-06T09:22:08.655" v="1724" actId="478"/>
-          <ac:spMkLst>
-            <pc:docMk/>
-            <pc:sldMk cId="3108174479" sldId="264"/>
-            <ac:spMk id="10" creationId="{9AC20EBF-5404-49CB-AA24-598A015B3747}"/>
-          </ac:spMkLst>
-        </pc:spChg>
-        <pc:picChg chg="del">
-          <ac:chgData name="Esenwein Benjamin (inf20074)" userId="7720cf97-c6ae-4bac-a435-f995da81a4ba" providerId="ADAL" clId="{C010483D-60BC-418A-BCA3-6A1F85EBD2EA}" dt="2022-05-06T09:02:00.822" v="969" actId="478"/>
-          <ac:picMkLst>
-            <pc:docMk/>
-            <pc:sldMk cId="3108174479" sldId="264"/>
-            <ac:picMk id="7" creationId="{A9E99026-33F4-4AA7-BE43-9FCB7BB779AA}"/>
-          </ac:picMkLst>
-        </pc:picChg>
-        <pc:picChg chg="add mod">
-          <ac:chgData name="Esenwein Benjamin (inf20074)" userId="7720cf97-c6ae-4bac-a435-f995da81a4ba" providerId="ADAL" clId="{C010483D-60BC-418A-BCA3-6A1F85EBD2EA}" dt="2022-05-06T09:03:19.421" v="1060"/>
-          <ac:picMkLst>
-            <pc:docMk/>
-            <pc:sldMk cId="3108174479" sldId="264"/>
-            <ac:picMk id="11" creationId="{F674A010-6528-70A1-E3F4-725A9CA40C50}"/>
-          </ac:picMkLst>
-        </pc:picChg>
       </pc:sldChg>
-      <pc:sldChg chg="del">
-        <pc:chgData name="Esenwein Benjamin (inf20074)" userId="7720cf97-c6ae-4bac-a435-f995da81a4ba" providerId="ADAL" clId="{C010483D-60BC-418A-BCA3-6A1F85EBD2EA}" dt="2022-05-06T09:22:38.704" v="1728" actId="47"/>
-        <pc:sldMkLst>
-          <pc:docMk/>
-          <pc:sldMk cId="943001127" sldId="265"/>
-        </pc:sldMkLst>
-      </pc:sldChg>
-      <pc:sldChg chg="addSp delSp modSp mod modNotesTx">
-        <pc:chgData name="Esenwein Benjamin (inf20074)" userId="7720cf97-c6ae-4bac-a435-f995da81a4ba" providerId="ADAL" clId="{C010483D-60BC-418A-BCA3-6A1F85EBD2EA}" dt="2022-05-09T14:12:59.519" v="9130" actId="20577"/>
+      <pc:sldChg chg="modNotesTx">
+        <pc:chgData name="Esenwein Benjamin (inf20074)" userId="7720cf97-c6ae-4bac-a435-f995da81a4ba" providerId="ADAL" clId="{45329EE9-6700-46EC-9065-79240C04B1DC}" dt="2022-05-12T18:13:14.075" v="4" actId="20577"/>
         <pc:sldMkLst>
           <pc:docMk/>
           <pc:sldMk cId="3111845278" sldId="267"/>
         </pc:sldMkLst>
-        <pc:spChg chg="mod">
-          <ac:chgData name="Esenwein Benjamin (inf20074)" userId="7720cf97-c6ae-4bac-a435-f995da81a4ba" providerId="ADAL" clId="{C010483D-60BC-418A-BCA3-6A1F85EBD2EA}" dt="2022-05-06T09:03:28.374" v="1071" actId="20577"/>
-          <ac:spMkLst>
-            <pc:docMk/>
-            <pc:sldMk cId="3111845278" sldId="267"/>
-            <ac:spMk id="2" creationId="{D7130879-2349-44F2-9B21-A942E12F574C}"/>
-          </ac:spMkLst>
-        </pc:spChg>
-        <pc:spChg chg="mod">
-          <ac:chgData name="Esenwein Benjamin (inf20074)" userId="7720cf97-c6ae-4bac-a435-f995da81a4ba" providerId="ADAL" clId="{C010483D-60BC-418A-BCA3-6A1F85EBD2EA}" dt="2022-05-09T14:12:59.519" v="9130" actId="20577"/>
-          <ac:spMkLst>
-            <pc:docMk/>
-            <pc:sldMk cId="3111845278" sldId="267"/>
-            <ac:spMk id="3" creationId="{A160F1B4-1AA9-4CEB-BFE1-686D0FA4E1B5}"/>
-          </ac:spMkLst>
-        </pc:spChg>
-        <pc:spChg chg="add del mod">
-          <ac:chgData name="Esenwein Benjamin (inf20074)" userId="7720cf97-c6ae-4bac-a435-f995da81a4ba" providerId="ADAL" clId="{C010483D-60BC-418A-BCA3-6A1F85EBD2EA}" dt="2022-05-06T09:08:06.166" v="1088" actId="478"/>
-          <ac:spMkLst>
-            <pc:docMk/>
-            <pc:sldMk cId="3111845278" sldId="267"/>
-            <ac:spMk id="5" creationId="{676B07F2-55A0-B240-C829-F84239B0E48C}"/>
-          </ac:spMkLst>
-        </pc:spChg>
-        <pc:spChg chg="add mod">
-          <ac:chgData name="Esenwein Benjamin (inf20074)" userId="7720cf97-c6ae-4bac-a435-f995da81a4ba" providerId="ADAL" clId="{C010483D-60BC-418A-BCA3-6A1F85EBD2EA}" dt="2022-05-09T13:13:06.886" v="9004"/>
-          <ac:spMkLst>
-            <pc:docMk/>
-            <pc:sldMk cId="3111845278" sldId="267"/>
-            <ac:spMk id="8" creationId="{E1280B48-0AB3-6A4F-0941-6BCBEA5BAAD2}"/>
-          </ac:spMkLst>
-        </pc:spChg>
-        <pc:spChg chg="mod">
-          <ac:chgData name="Esenwein Benjamin (inf20074)" userId="7720cf97-c6ae-4bac-a435-f995da81a4ba" providerId="ADAL" clId="{C010483D-60BC-418A-BCA3-6A1F85EBD2EA}" dt="2022-05-06T09:42:13.164" v="2109" actId="20577"/>
-          <ac:spMkLst>
-            <pc:docMk/>
-            <pc:sldMk cId="3111845278" sldId="267"/>
-            <ac:spMk id="9" creationId="{B7EAAD7A-D146-4D4A-AF76-1BF183A9ACC3}"/>
-          </ac:spMkLst>
-        </pc:spChg>
-        <pc:picChg chg="del">
-          <ac:chgData name="Esenwein Benjamin (inf20074)" userId="7720cf97-c6ae-4bac-a435-f995da81a4ba" providerId="ADAL" clId="{C010483D-60BC-418A-BCA3-6A1F85EBD2EA}" dt="2022-05-06T09:03:21.914" v="1061" actId="478"/>
-          <ac:picMkLst>
-            <pc:docMk/>
-            <pc:sldMk cId="3111845278" sldId="267"/>
-            <ac:picMk id="8" creationId="{E3CAA7F0-A921-49C7-8D0C-768B1F5592CD}"/>
-          </ac:picMkLst>
-        </pc:picChg>
       </pc:sldChg>
-      <pc:sldChg chg="modSp mod modNotesTx">
-        <pc:chgData name="Esenwein Benjamin (inf20074)" userId="7720cf97-c6ae-4bac-a435-f995da81a4ba" providerId="ADAL" clId="{C010483D-60BC-418A-BCA3-6A1F85EBD2EA}" dt="2022-05-09T13:10:29.220" v="8979" actId="20577"/>
+      <pc:sldChg chg="modNotesTx">
+        <pc:chgData name="Esenwein Benjamin (inf20074)" userId="7720cf97-c6ae-4bac-a435-f995da81a4ba" providerId="ADAL" clId="{45329EE9-6700-46EC-9065-79240C04B1DC}" dt="2022-05-12T18:13:20.879" v="7" actId="20577"/>
         <pc:sldMkLst>
           <pc:docMk/>
           <pc:sldMk cId="408674404" sldId="268"/>
         </pc:sldMkLst>
-        <pc:spChg chg="mod">
-          <ac:chgData name="Esenwein Benjamin (inf20074)" userId="7720cf97-c6ae-4bac-a435-f995da81a4ba" providerId="ADAL" clId="{C010483D-60BC-418A-BCA3-6A1F85EBD2EA}" dt="2022-04-29T14:43:08.848" v="8"/>
-          <ac:spMkLst>
-            <pc:docMk/>
-            <pc:sldMk cId="408674404" sldId="268"/>
-            <ac:spMk id="3" creationId="{EA356760-99B3-4061-95B7-F0DFCD7C51E9}"/>
-          </ac:spMkLst>
-        </pc:spChg>
       </pc:sldChg>
-      <pc:sldChg chg="modSp del mod modShow">
-        <pc:chgData name="Esenwein Benjamin (inf20074)" userId="7720cf97-c6ae-4bac-a435-f995da81a4ba" providerId="ADAL" clId="{C010483D-60BC-418A-BCA3-6A1F85EBD2EA}" dt="2022-05-06T09:22:18.856" v="1725" actId="2696"/>
-        <pc:sldMkLst>
-          <pc:docMk/>
-          <pc:sldMk cId="4239830214" sldId="271"/>
-        </pc:sldMkLst>
-        <pc:graphicFrameChg chg="mod">
-          <ac:chgData name="Esenwein Benjamin (inf20074)" userId="7720cf97-c6ae-4bac-a435-f995da81a4ba" providerId="ADAL" clId="{C010483D-60BC-418A-BCA3-6A1F85EBD2EA}" dt="2022-05-04T15:04:41.408" v="197" actId="20577"/>
-          <ac:graphicFrameMkLst>
-            <pc:docMk/>
-            <pc:sldMk cId="4239830214" sldId="271"/>
-            <ac:graphicFrameMk id="7" creationId="{8F3C9722-F46A-4C89-8618-92AE70556025}"/>
-          </ac:graphicFrameMkLst>
-        </pc:graphicFrameChg>
-      </pc:sldChg>
-      <pc:sldChg chg="addSp delSp modSp mod">
-        <pc:chgData name="Esenwein Benjamin (inf20074)" userId="7720cf97-c6ae-4bac-a435-f995da81a4ba" providerId="ADAL" clId="{C010483D-60BC-418A-BCA3-6A1F85EBD2EA}" dt="2022-05-09T13:12:59.841" v="8997"/>
-        <pc:sldMkLst>
-          <pc:docMk/>
-          <pc:sldMk cId="1256033996" sldId="272"/>
-        </pc:sldMkLst>
-        <pc:spChg chg="del">
-          <ac:chgData name="Esenwein Benjamin (inf20074)" userId="7720cf97-c6ae-4bac-a435-f995da81a4ba" providerId="ADAL" clId="{C010483D-60BC-418A-BCA3-6A1F85EBD2EA}" dt="2022-05-06T09:21:52.124" v="1723" actId="478"/>
-          <ac:spMkLst>
-            <pc:docMk/>
-            <pc:sldMk cId="1256033996" sldId="272"/>
-            <ac:spMk id="7" creationId="{AA5EE8F0-FC60-4D7F-86F3-7A49C737DDED}"/>
-          </ac:spMkLst>
-        </pc:spChg>
-        <pc:spChg chg="add mod">
-          <ac:chgData name="Esenwein Benjamin (inf20074)" userId="7720cf97-c6ae-4bac-a435-f995da81a4ba" providerId="ADAL" clId="{C010483D-60BC-418A-BCA3-6A1F85EBD2EA}" dt="2022-05-09T13:12:59.841" v="8997"/>
-          <ac:spMkLst>
-            <pc:docMk/>
-            <pc:sldMk cId="1256033996" sldId="272"/>
-            <ac:spMk id="7" creationId="{E8DD321E-9693-EA9C-4861-DD525239D550}"/>
-          </ac:spMkLst>
-        </pc:spChg>
-        <pc:spChg chg="del">
-          <ac:chgData name="Esenwein Benjamin (inf20074)" userId="7720cf97-c6ae-4bac-a435-f995da81a4ba" providerId="ADAL" clId="{C010483D-60BC-418A-BCA3-6A1F85EBD2EA}" dt="2022-05-06T09:21:52.124" v="1723" actId="478"/>
-          <ac:spMkLst>
-            <pc:docMk/>
-            <pc:sldMk cId="1256033996" sldId="272"/>
-            <ac:spMk id="10" creationId="{E69DD1C9-2B33-4DCC-B4D3-77F14063339E}"/>
-          </ac:spMkLst>
-        </pc:spChg>
-        <pc:spChg chg="del">
-          <ac:chgData name="Esenwein Benjamin (inf20074)" userId="7720cf97-c6ae-4bac-a435-f995da81a4ba" providerId="ADAL" clId="{C010483D-60BC-418A-BCA3-6A1F85EBD2EA}" dt="2022-05-06T09:21:52.124" v="1723" actId="478"/>
-          <ac:spMkLst>
-            <pc:docMk/>
-            <pc:sldMk cId="1256033996" sldId="272"/>
-            <ac:spMk id="11" creationId="{786167EF-794B-41F1-B090-CCD6CD4EA0F0}"/>
-          </ac:spMkLst>
-        </pc:spChg>
-        <pc:spChg chg="del">
-          <ac:chgData name="Esenwein Benjamin (inf20074)" userId="7720cf97-c6ae-4bac-a435-f995da81a4ba" providerId="ADAL" clId="{C010483D-60BC-418A-BCA3-6A1F85EBD2EA}" dt="2022-05-06T09:21:52.124" v="1723" actId="478"/>
-          <ac:spMkLst>
-            <pc:docMk/>
-            <pc:sldMk cId="1256033996" sldId="272"/>
-            <ac:spMk id="12" creationId="{4881C562-1A3C-44F7-A83C-4A8A676C8599}"/>
-          </ac:spMkLst>
-        </pc:spChg>
-        <pc:spChg chg="del">
-          <ac:chgData name="Esenwein Benjamin (inf20074)" userId="7720cf97-c6ae-4bac-a435-f995da81a4ba" providerId="ADAL" clId="{C010483D-60BC-418A-BCA3-6A1F85EBD2EA}" dt="2022-05-06T09:21:52.124" v="1723" actId="478"/>
-          <ac:spMkLst>
-            <pc:docMk/>
-            <pc:sldMk cId="1256033996" sldId="272"/>
-            <ac:spMk id="13" creationId="{5EB17F7C-757F-444B-A280-3E5862DE5F37}"/>
-          </ac:spMkLst>
-        </pc:spChg>
-        <pc:spChg chg="del">
-          <ac:chgData name="Esenwein Benjamin (inf20074)" userId="7720cf97-c6ae-4bac-a435-f995da81a4ba" providerId="ADAL" clId="{C010483D-60BC-418A-BCA3-6A1F85EBD2EA}" dt="2022-05-06T09:21:52.124" v="1723" actId="478"/>
-          <ac:spMkLst>
-            <pc:docMk/>
-            <pc:sldMk cId="1256033996" sldId="272"/>
-            <ac:spMk id="14" creationId="{2C2C7C17-2BB7-45AA-849B-7D2A3E4A0427}"/>
-          </ac:spMkLst>
-        </pc:spChg>
-        <pc:spChg chg="mod">
-          <ac:chgData name="Esenwein Benjamin (inf20074)" userId="7720cf97-c6ae-4bac-a435-f995da81a4ba" providerId="ADAL" clId="{C010483D-60BC-418A-BCA3-6A1F85EBD2EA}" dt="2022-05-06T09:41:19.305" v="2091" actId="20577"/>
-          <ac:spMkLst>
-            <pc:docMk/>
-            <pc:sldMk cId="1256033996" sldId="272"/>
-            <ac:spMk id="15" creationId="{50892EB0-0956-4B5B-807D-921735153831}"/>
-          </ac:spMkLst>
-        </pc:spChg>
-      </pc:sldChg>
-      <pc:sldChg chg="add del ord">
-        <pc:chgData name="Esenwein Benjamin (inf20074)" userId="7720cf97-c6ae-4bac-a435-f995da81a4ba" providerId="ADAL" clId="{C010483D-60BC-418A-BCA3-6A1F85EBD2EA}" dt="2022-05-06T09:22:55.496" v="1733"/>
-        <pc:sldMkLst>
-          <pc:docMk/>
-          <pc:sldMk cId="2321171521" sldId="273"/>
-        </pc:sldMkLst>
-      </pc:sldChg>
-      <pc:sldChg chg="addSp delSp modSp del mod modShow">
-        <pc:chgData name="Esenwein Benjamin (inf20074)" userId="7720cf97-c6ae-4bac-a435-f995da81a4ba" providerId="ADAL" clId="{C010483D-60BC-418A-BCA3-6A1F85EBD2EA}" dt="2022-05-06T09:22:41.770" v="1729" actId="47"/>
-        <pc:sldMkLst>
-          <pc:docMk/>
-          <pc:sldMk cId="4064143564" sldId="274"/>
-        </pc:sldMkLst>
-        <pc:spChg chg="add mod">
-          <ac:chgData name="Esenwein Benjamin (inf20074)" userId="7720cf97-c6ae-4bac-a435-f995da81a4ba" providerId="ADAL" clId="{C010483D-60BC-418A-BCA3-6A1F85EBD2EA}" dt="2022-05-04T15:43:10.503" v="809" actId="1038"/>
-          <ac:spMkLst>
-            <pc:docMk/>
-            <pc:sldMk cId="4064143564" sldId="274"/>
-            <ac:spMk id="6" creationId="{141B0027-A499-739B-82A9-A5793A19A18F}"/>
-          </ac:spMkLst>
-        </pc:spChg>
-        <pc:spChg chg="mod">
-          <ac:chgData name="Esenwein Benjamin (inf20074)" userId="7720cf97-c6ae-4bac-a435-f995da81a4ba" providerId="ADAL" clId="{C010483D-60BC-418A-BCA3-6A1F85EBD2EA}" dt="2022-05-04T15:42:40.065" v="787" actId="1076"/>
-          <ac:spMkLst>
-            <pc:docMk/>
-            <pc:sldMk cId="4064143564" sldId="274"/>
-            <ac:spMk id="18" creationId="{14FCC5EB-6E84-40F7-85F9-89A7EB345E16}"/>
-          </ac:spMkLst>
-        </pc:spChg>
-        <pc:spChg chg="add mod">
-          <ac:chgData name="Esenwein Benjamin (inf20074)" userId="7720cf97-c6ae-4bac-a435-f995da81a4ba" providerId="ADAL" clId="{C010483D-60BC-418A-BCA3-6A1F85EBD2EA}" dt="2022-05-04T15:42:59.331" v="792" actId="1037"/>
-          <ac:spMkLst>
-            <pc:docMk/>
-            <pc:sldMk cId="4064143564" sldId="274"/>
-            <ac:spMk id="32" creationId="{49882013-076F-ED97-E8AA-AE7AC7914239}"/>
-          </ac:spMkLst>
-        </pc:spChg>
-        <pc:spChg chg="add del mod">
-          <ac:chgData name="Esenwein Benjamin (inf20074)" userId="7720cf97-c6ae-4bac-a435-f995da81a4ba" providerId="ADAL" clId="{C010483D-60BC-418A-BCA3-6A1F85EBD2EA}" dt="2022-05-04T15:36:36.924" v="733" actId="478"/>
-          <ac:spMkLst>
-            <pc:docMk/>
-            <pc:sldMk cId="4064143564" sldId="274"/>
-            <ac:spMk id="34" creationId="{CCFCC154-02B8-BAA2-ACD5-5D1F8E0AA2FB}"/>
-          </ac:spMkLst>
-        </pc:spChg>
-        <pc:spChg chg="add mod">
-          <ac:chgData name="Esenwein Benjamin (inf20074)" userId="7720cf97-c6ae-4bac-a435-f995da81a4ba" providerId="ADAL" clId="{C010483D-60BC-418A-BCA3-6A1F85EBD2EA}" dt="2022-05-04T15:38:47.671" v="772" actId="1036"/>
-          <ac:spMkLst>
-            <pc:docMk/>
-            <pc:sldMk cId="4064143564" sldId="274"/>
-            <ac:spMk id="35" creationId="{BCA55338-11FD-F365-4FD5-B2C7E63DD38A}"/>
-          </ac:spMkLst>
-        </pc:spChg>
-        <pc:spChg chg="add mod">
-          <ac:chgData name="Esenwein Benjamin (inf20074)" userId="7720cf97-c6ae-4bac-a435-f995da81a4ba" providerId="ADAL" clId="{C010483D-60BC-418A-BCA3-6A1F85EBD2EA}" dt="2022-05-04T15:38:26.382" v="770" actId="1036"/>
-          <ac:spMkLst>
-            <pc:docMk/>
-            <pc:sldMk cId="4064143564" sldId="274"/>
-            <ac:spMk id="36" creationId="{9D806C20-7BEB-5BD9-C612-91F3D7CEBD8A}"/>
-          </ac:spMkLst>
-        </pc:spChg>
-        <pc:picChg chg="mod">
-          <ac:chgData name="Esenwein Benjamin (inf20074)" userId="7720cf97-c6ae-4bac-a435-f995da81a4ba" providerId="ADAL" clId="{C010483D-60BC-418A-BCA3-6A1F85EBD2EA}" dt="2022-05-04T15:43:24.194" v="810" actId="1076"/>
-          <ac:picMkLst>
-            <pc:docMk/>
-            <pc:sldMk cId="4064143564" sldId="274"/>
-            <ac:picMk id="9" creationId="{1B52F9BE-19CF-4E19-8409-44D0A9AC220C}"/>
-          </ac:picMkLst>
-        </pc:picChg>
-        <pc:picChg chg="mod">
-          <ac:chgData name="Esenwein Benjamin (inf20074)" userId="7720cf97-c6ae-4bac-a435-f995da81a4ba" providerId="ADAL" clId="{C010483D-60BC-418A-BCA3-6A1F85EBD2EA}" dt="2022-05-04T15:34:01.877" v="699" actId="1076"/>
-          <ac:picMkLst>
-            <pc:docMk/>
-            <pc:sldMk cId="4064143564" sldId="274"/>
-            <ac:picMk id="28" creationId="{CFFA21A8-69E6-48E9-8557-91ED33C9AB8A}"/>
-          </ac:picMkLst>
-        </pc:picChg>
-        <pc:cxnChg chg="mod">
-          <ac:chgData name="Esenwein Benjamin (inf20074)" userId="7720cf97-c6ae-4bac-a435-f995da81a4ba" providerId="ADAL" clId="{C010483D-60BC-418A-BCA3-6A1F85EBD2EA}" dt="2022-05-04T15:42:40.065" v="787" actId="1076"/>
-          <ac:cxnSpMkLst>
-            <pc:docMk/>
-            <pc:sldMk cId="4064143564" sldId="274"/>
-            <ac:cxnSpMk id="21" creationId="{15E7D1D0-E3E7-4A61-A076-3D40F9EAFB17}"/>
-          </ac:cxnSpMkLst>
-        </pc:cxnChg>
-        <pc:cxnChg chg="mod">
-          <ac:chgData name="Esenwein Benjamin (inf20074)" userId="7720cf97-c6ae-4bac-a435-f995da81a4ba" providerId="ADAL" clId="{C010483D-60BC-418A-BCA3-6A1F85EBD2EA}" dt="2022-05-04T15:33:42.441" v="696" actId="1076"/>
-          <ac:cxnSpMkLst>
-            <pc:docMk/>
-            <pc:sldMk cId="4064143564" sldId="274"/>
-            <ac:cxnSpMk id="22" creationId="{62F8220F-80C6-4E72-B2C5-80FBA93C6E2A}"/>
-          </ac:cxnSpMkLst>
-        </pc:cxnChg>
-        <pc:cxnChg chg="add mod">
-          <ac:chgData name="Esenwein Benjamin (inf20074)" userId="7720cf97-c6ae-4bac-a435-f995da81a4ba" providerId="ADAL" clId="{C010483D-60BC-418A-BCA3-6A1F85EBD2EA}" dt="2022-05-04T15:42:53.185" v="788" actId="14100"/>
-          <ac:cxnSpMkLst>
-            <pc:docMk/>
-            <pc:sldMk cId="4064143564" sldId="274"/>
-            <ac:cxnSpMk id="29" creationId="{5B231BBF-39A8-D82F-BAFF-24260BAE1D73}"/>
-          </ac:cxnSpMkLst>
-        </pc:cxnChg>
-      </pc:sldChg>
-      <pc:sldChg chg="addSp delSp modSp mod modNotesTx">
-        <pc:chgData name="Esenwein Benjamin (inf20074)" userId="7720cf97-c6ae-4bac-a435-f995da81a4ba" providerId="ADAL" clId="{C010483D-60BC-418A-BCA3-6A1F85EBD2EA}" dt="2022-05-09T13:12:55.472" v="8993"/>
-        <pc:sldMkLst>
-          <pc:docMk/>
-          <pc:sldMk cId="3906682851" sldId="275"/>
-        </pc:sldMkLst>
-        <pc:spChg chg="mod">
-          <ac:chgData name="Esenwein Benjamin (inf20074)" userId="7720cf97-c6ae-4bac-a435-f995da81a4ba" providerId="ADAL" clId="{C010483D-60BC-418A-BCA3-6A1F85EBD2EA}" dt="2022-05-06T08:06:06.200" v="881" actId="20577"/>
-          <ac:spMkLst>
-            <pc:docMk/>
-            <pc:sldMk cId="3906682851" sldId="275"/>
-            <ac:spMk id="2" creationId="{41BEF49C-9A74-47E5-BEA8-0F56E53ACD27}"/>
-          </ac:spMkLst>
-        </pc:spChg>
-        <pc:spChg chg="del mod">
-          <ac:chgData name="Esenwein Benjamin (inf20074)" userId="7720cf97-c6ae-4bac-a435-f995da81a4ba" providerId="ADAL" clId="{C010483D-60BC-418A-BCA3-6A1F85EBD2EA}" dt="2022-05-06T08:05:30.421" v="861" actId="21"/>
-          <ac:spMkLst>
-            <pc:docMk/>
-            <pc:sldMk cId="3906682851" sldId="275"/>
-            <ac:spMk id="3" creationId="{BC18DBFF-01AE-421A-9F18-50499284929B}"/>
-          </ac:spMkLst>
-        </pc:spChg>
-        <pc:spChg chg="add del mod">
-          <ac:chgData name="Esenwein Benjamin (inf20074)" userId="7720cf97-c6ae-4bac-a435-f995da81a4ba" providerId="ADAL" clId="{C010483D-60BC-418A-BCA3-6A1F85EBD2EA}" dt="2022-05-06T08:05:58.494" v="866" actId="478"/>
-          <ac:spMkLst>
-            <pc:docMk/>
-            <pc:sldMk cId="3906682851" sldId="275"/>
-            <ac:spMk id="6" creationId="{DF4A74F2-F934-426B-A48E-2A1327DA25F6}"/>
-          </ac:spMkLst>
-        </pc:spChg>
-        <pc:spChg chg="add mod">
-          <ac:chgData name="Esenwein Benjamin (inf20074)" userId="7720cf97-c6ae-4bac-a435-f995da81a4ba" providerId="ADAL" clId="{C010483D-60BC-418A-BCA3-6A1F85EBD2EA}" dt="2022-05-09T13:12:55.472" v="8993"/>
-          <ac:spMkLst>
-            <pc:docMk/>
-            <pc:sldMk cId="3906682851" sldId="275"/>
-            <ac:spMk id="8" creationId="{897F5192-41FF-FFD4-7564-FC8A1A561E47}"/>
-          </ac:spMkLst>
-        </pc:spChg>
-        <pc:spChg chg="del">
-          <ac:chgData name="Esenwein Benjamin (inf20074)" userId="7720cf97-c6ae-4bac-a435-f995da81a4ba" providerId="ADAL" clId="{C010483D-60BC-418A-BCA3-6A1F85EBD2EA}" dt="2022-05-06T09:21:32.104" v="1719" actId="478"/>
-          <ac:spMkLst>
-            <pc:docMk/>
-            <pc:sldMk cId="3906682851" sldId="275"/>
-            <ac:spMk id="17" creationId="{E6E5A29A-75DA-40A7-9FF3-18AE87E100B5}"/>
-          </ac:spMkLst>
-        </pc:spChg>
-        <pc:spChg chg="del">
-          <ac:chgData name="Esenwein Benjamin (inf20074)" userId="7720cf97-c6ae-4bac-a435-f995da81a4ba" providerId="ADAL" clId="{C010483D-60BC-418A-BCA3-6A1F85EBD2EA}" dt="2022-05-06T09:21:32.104" v="1719" actId="478"/>
-          <ac:spMkLst>
-            <pc:docMk/>
-            <pc:sldMk cId="3906682851" sldId="275"/>
-            <ac:spMk id="25" creationId="{23F06576-B842-4374-AA79-71D1BE837003}"/>
-          </ac:spMkLst>
-        </pc:spChg>
-        <pc:spChg chg="del">
-          <ac:chgData name="Esenwein Benjamin (inf20074)" userId="7720cf97-c6ae-4bac-a435-f995da81a4ba" providerId="ADAL" clId="{C010483D-60BC-418A-BCA3-6A1F85EBD2EA}" dt="2022-05-06T09:21:32.104" v="1719" actId="478"/>
-          <ac:spMkLst>
-            <pc:docMk/>
-            <pc:sldMk cId="3906682851" sldId="275"/>
-            <ac:spMk id="26" creationId="{F2B79D3E-7830-48CE-9FAA-564ED3B2E51D}"/>
-          </ac:spMkLst>
-        </pc:spChg>
-        <pc:spChg chg="del">
-          <ac:chgData name="Esenwein Benjamin (inf20074)" userId="7720cf97-c6ae-4bac-a435-f995da81a4ba" providerId="ADAL" clId="{C010483D-60BC-418A-BCA3-6A1F85EBD2EA}" dt="2022-05-06T09:21:32.104" v="1719" actId="478"/>
-          <ac:spMkLst>
-            <pc:docMk/>
-            <pc:sldMk cId="3906682851" sldId="275"/>
-            <ac:spMk id="27" creationId="{D6B9F240-DA94-4F81-86C5-79DB5752BFA7}"/>
-          </ac:spMkLst>
-        </pc:spChg>
-        <pc:spChg chg="del">
-          <ac:chgData name="Esenwein Benjamin (inf20074)" userId="7720cf97-c6ae-4bac-a435-f995da81a4ba" providerId="ADAL" clId="{C010483D-60BC-418A-BCA3-6A1F85EBD2EA}" dt="2022-05-06T09:21:32.104" v="1719" actId="478"/>
-          <ac:spMkLst>
-            <pc:docMk/>
-            <pc:sldMk cId="3906682851" sldId="275"/>
-            <ac:spMk id="28" creationId="{D3FA81CC-9F07-45C8-9344-9369B58B01CF}"/>
-          </ac:spMkLst>
-        </pc:spChg>
-        <pc:spChg chg="del">
-          <ac:chgData name="Esenwein Benjamin (inf20074)" userId="7720cf97-c6ae-4bac-a435-f995da81a4ba" providerId="ADAL" clId="{C010483D-60BC-418A-BCA3-6A1F85EBD2EA}" dt="2022-05-06T09:21:32.104" v="1719" actId="478"/>
-          <ac:spMkLst>
-            <pc:docMk/>
-            <pc:sldMk cId="3906682851" sldId="275"/>
-            <ac:spMk id="29" creationId="{E92F2DA4-5AEB-4D5B-9968-94A4CEFDB893}"/>
-          </ac:spMkLst>
-        </pc:spChg>
-        <pc:spChg chg="del">
-          <ac:chgData name="Esenwein Benjamin (inf20074)" userId="7720cf97-c6ae-4bac-a435-f995da81a4ba" providerId="ADAL" clId="{C010483D-60BC-418A-BCA3-6A1F85EBD2EA}" dt="2022-05-06T09:21:32.104" v="1719" actId="478"/>
-          <ac:spMkLst>
-            <pc:docMk/>
-            <pc:sldMk cId="3906682851" sldId="275"/>
-            <ac:spMk id="30" creationId="{4E218B74-5243-415B-9655-E58BE56AEFC7}"/>
-          </ac:spMkLst>
-        </pc:spChg>
-        <pc:spChg chg="del">
-          <ac:chgData name="Esenwein Benjamin (inf20074)" userId="7720cf97-c6ae-4bac-a435-f995da81a4ba" providerId="ADAL" clId="{C010483D-60BC-418A-BCA3-6A1F85EBD2EA}" dt="2022-05-06T09:21:32.104" v="1719" actId="478"/>
-          <ac:spMkLst>
-            <pc:docMk/>
-            <pc:sldMk cId="3906682851" sldId="275"/>
-            <ac:spMk id="31" creationId="{19D9E93B-98EB-420F-9357-38A238F52743}"/>
-          </ac:spMkLst>
-        </pc:spChg>
-        <pc:spChg chg="add mod">
-          <ac:chgData name="Esenwein Benjamin (inf20074)" userId="7720cf97-c6ae-4bac-a435-f995da81a4ba" providerId="ADAL" clId="{C010483D-60BC-418A-BCA3-6A1F85EBD2EA}" dt="2022-05-06T08:05:58.869" v="867"/>
-          <ac:spMkLst>
-            <pc:docMk/>
-            <pc:sldMk cId="3906682851" sldId="275"/>
-            <ac:spMk id="35" creationId="{B98E4440-3252-7FB7-0787-04D32F0488E1}"/>
-          </ac:spMkLst>
-        </pc:spChg>
-        <pc:graphicFrameChg chg="add mod">
-          <ac:chgData name="Esenwein Benjamin (inf20074)" userId="7720cf97-c6ae-4bac-a435-f995da81a4ba" providerId="ADAL" clId="{C010483D-60BC-418A-BCA3-6A1F85EBD2EA}" dt="2022-05-06T08:05:58.869" v="867"/>
-          <ac:graphicFrameMkLst>
-            <pc:docMk/>
-            <pc:sldMk cId="3906682851" sldId="275"/>
-            <ac:graphicFrameMk id="24" creationId="{E72A703E-01C1-E617-C6E0-0D18545B6045}"/>
-          </ac:graphicFrameMkLst>
-        </pc:graphicFrameChg>
-        <pc:picChg chg="add del mod">
-          <ac:chgData name="Esenwein Benjamin (inf20074)" userId="7720cf97-c6ae-4bac-a435-f995da81a4ba" providerId="ADAL" clId="{C010483D-60BC-418A-BCA3-6A1F85EBD2EA}" dt="2022-05-04T15:21:06.117" v="563" actId="478"/>
-          <ac:picMkLst>
-            <pc:docMk/>
-            <pc:sldMk cId="3906682851" sldId="275"/>
-            <ac:picMk id="6" creationId="{BA80565D-A7AD-87B7-5120-060540284A8E}"/>
-          </ac:picMkLst>
-        </pc:picChg>
-        <pc:picChg chg="add del mod">
-          <ac:chgData name="Esenwein Benjamin (inf20074)" userId="7720cf97-c6ae-4bac-a435-f995da81a4ba" providerId="ADAL" clId="{C010483D-60BC-418A-BCA3-6A1F85EBD2EA}" dt="2022-05-04T15:21:07.105" v="564" actId="478"/>
-          <ac:picMkLst>
-            <pc:docMk/>
-            <pc:sldMk cId="3906682851" sldId="275"/>
-            <ac:picMk id="9" creationId="{7BD0705F-8E47-5B0F-D598-959A279AE164}"/>
-          </ac:picMkLst>
-        </pc:picChg>
-        <pc:picChg chg="add del mod">
-          <ac:chgData name="Esenwein Benjamin (inf20074)" userId="7720cf97-c6ae-4bac-a435-f995da81a4ba" providerId="ADAL" clId="{C010483D-60BC-418A-BCA3-6A1F85EBD2EA}" dt="2022-05-06T08:05:30.421" v="861" actId="21"/>
-          <ac:picMkLst>
-            <pc:docMk/>
-            <pc:sldMk cId="3906682851" sldId="275"/>
-            <ac:picMk id="12" creationId="{AAD097C6-574B-E3A7-F56C-D049D984F37F}"/>
-          </ac:picMkLst>
-        </pc:picChg>
-        <pc:picChg chg="add del mod">
-          <ac:chgData name="Esenwein Benjamin (inf20074)" userId="7720cf97-c6ae-4bac-a435-f995da81a4ba" providerId="ADAL" clId="{C010483D-60BC-418A-BCA3-6A1F85EBD2EA}" dt="2022-05-06T08:05:30.421" v="861" actId="21"/>
-          <ac:picMkLst>
-            <pc:docMk/>
-            <pc:sldMk cId="3906682851" sldId="275"/>
-            <ac:picMk id="14" creationId="{5D19CC2E-5F38-05D0-FF6C-B641D9895162}"/>
-          </ac:picMkLst>
-        </pc:picChg>
-        <pc:picChg chg="add del mod modCrop">
-          <ac:chgData name="Esenwein Benjamin (inf20074)" userId="7720cf97-c6ae-4bac-a435-f995da81a4ba" providerId="ADAL" clId="{C010483D-60BC-418A-BCA3-6A1F85EBD2EA}" dt="2022-05-06T08:05:30.421" v="861" actId="21"/>
-          <ac:picMkLst>
-            <pc:docMk/>
-            <pc:sldMk cId="3906682851" sldId="275"/>
-            <ac:picMk id="33" creationId="{4EB0DD32-9C7F-7BE7-F872-4DA8E5FFF42C}"/>
-          </ac:picMkLst>
-        </pc:picChg>
-        <pc:picChg chg="add del mod">
-          <ac:chgData name="Esenwein Benjamin (inf20074)" userId="7720cf97-c6ae-4bac-a435-f995da81a4ba" providerId="ADAL" clId="{C010483D-60BC-418A-BCA3-6A1F85EBD2EA}" dt="2022-05-06T08:05:30.421" v="861" actId="21"/>
-          <ac:picMkLst>
-            <pc:docMk/>
-            <pc:sldMk cId="3906682851" sldId="275"/>
-            <ac:picMk id="34" creationId="{455BB65E-01F4-AF97-B6AA-757D06C748BD}"/>
-          </ac:picMkLst>
-        </pc:picChg>
-        <pc:cxnChg chg="add del mod">
-          <ac:chgData name="Esenwein Benjamin (inf20074)" userId="7720cf97-c6ae-4bac-a435-f995da81a4ba" providerId="ADAL" clId="{C010483D-60BC-418A-BCA3-6A1F85EBD2EA}" dt="2022-05-06T08:05:30.421" v="861" actId="21"/>
-          <ac:cxnSpMkLst>
-            <pc:docMk/>
-            <pc:sldMk cId="3906682851" sldId="275"/>
-            <ac:cxnSpMk id="36" creationId="{2BEC0E9A-915B-85BC-7F0A-8688CCC63C4A}"/>
-          </ac:cxnSpMkLst>
-        </pc:cxnChg>
-        <pc:cxnChg chg="add del mod">
-          <ac:chgData name="Esenwein Benjamin (inf20074)" userId="7720cf97-c6ae-4bac-a435-f995da81a4ba" providerId="ADAL" clId="{C010483D-60BC-418A-BCA3-6A1F85EBD2EA}" dt="2022-05-06T08:05:30.421" v="861" actId="21"/>
-          <ac:cxnSpMkLst>
-            <pc:docMk/>
-            <pc:sldMk cId="3906682851" sldId="275"/>
-            <ac:cxnSpMk id="38" creationId="{D984BDD5-AA21-55E4-A4A4-DBE2D5D6E2AF}"/>
-          </ac:cxnSpMkLst>
-        </pc:cxnChg>
-        <pc:cxnChg chg="add del mod">
-          <ac:chgData name="Esenwein Benjamin (inf20074)" userId="7720cf97-c6ae-4bac-a435-f995da81a4ba" providerId="ADAL" clId="{C010483D-60BC-418A-BCA3-6A1F85EBD2EA}" dt="2022-05-06T08:05:30.421" v="861" actId="21"/>
-          <ac:cxnSpMkLst>
-            <pc:docMk/>
-            <pc:sldMk cId="3906682851" sldId="275"/>
-            <ac:cxnSpMk id="40" creationId="{FB2252EB-A3CE-5780-EFA3-C567FE299522}"/>
-          </ac:cxnSpMkLst>
-        </pc:cxnChg>
-      </pc:sldChg>
-      <pc:sldChg chg="addSp modSp mod modNotesTx">
-        <pc:chgData name="Esenwein Benjamin (inf20074)" userId="7720cf97-c6ae-4bac-a435-f995da81a4ba" providerId="ADAL" clId="{C010483D-60BC-418A-BCA3-6A1F85EBD2EA}" dt="2022-05-09T13:13:00.501" v="8998"/>
-        <pc:sldMkLst>
-          <pc:docMk/>
-          <pc:sldMk cId="2378724020" sldId="276"/>
-        </pc:sldMkLst>
-        <pc:spChg chg="mod">
-          <ac:chgData name="Esenwein Benjamin (inf20074)" userId="7720cf97-c6ae-4bac-a435-f995da81a4ba" providerId="ADAL" clId="{C010483D-60BC-418A-BCA3-6A1F85EBD2EA}" dt="2022-05-06T09:41:23.436" v="2093" actId="20577"/>
-          <ac:spMkLst>
-            <pc:docMk/>
-            <pc:sldMk cId="2378724020" sldId="276"/>
-            <ac:spMk id="15" creationId="{50892EB0-0956-4B5B-807D-921735153831}"/>
-          </ac:spMkLst>
-        </pc:spChg>
-        <pc:spChg chg="add mod">
-          <ac:chgData name="Esenwein Benjamin (inf20074)" userId="7720cf97-c6ae-4bac-a435-f995da81a4ba" providerId="ADAL" clId="{C010483D-60BC-418A-BCA3-6A1F85EBD2EA}" dt="2022-05-09T13:13:00.501" v="8998"/>
-          <ac:spMkLst>
-            <pc:docMk/>
-            <pc:sldMk cId="2378724020" sldId="276"/>
-            <ac:spMk id="36" creationId="{4C798D80-A283-97FF-8EAA-E80B5823FAD7}"/>
-          </ac:spMkLst>
-        </pc:spChg>
-      </pc:sldChg>
-      <pc:sldChg chg="addSp modSp mod modNotesTx">
-        <pc:chgData name="Esenwein Benjamin (inf20074)" userId="7720cf97-c6ae-4bac-a435-f995da81a4ba" providerId="ADAL" clId="{C010483D-60BC-418A-BCA3-6A1F85EBD2EA}" dt="2022-05-09T13:13:01.787" v="8999"/>
-        <pc:sldMkLst>
-          <pc:docMk/>
-          <pc:sldMk cId="2104648763" sldId="277"/>
-        </pc:sldMkLst>
-        <pc:spChg chg="add mod">
-          <ac:chgData name="Esenwein Benjamin (inf20074)" userId="7720cf97-c6ae-4bac-a435-f995da81a4ba" providerId="ADAL" clId="{C010483D-60BC-418A-BCA3-6A1F85EBD2EA}" dt="2022-05-09T13:13:01.787" v="8999"/>
-          <ac:spMkLst>
-            <pc:docMk/>
-            <pc:sldMk cId="2104648763" sldId="277"/>
-            <ac:spMk id="7" creationId="{27DEBCB1-7284-D60D-1194-1E90B25BE383}"/>
-          </ac:spMkLst>
-        </pc:spChg>
-        <pc:spChg chg="mod">
-          <ac:chgData name="Esenwein Benjamin (inf20074)" userId="7720cf97-c6ae-4bac-a435-f995da81a4ba" providerId="ADAL" clId="{C010483D-60BC-418A-BCA3-6A1F85EBD2EA}" dt="2022-05-06T09:41:32.193" v="2097" actId="14100"/>
-          <ac:spMkLst>
-            <pc:docMk/>
-            <pc:sldMk cId="2104648763" sldId="277"/>
-            <ac:spMk id="34" creationId="{2EAA6503-B614-452E-865F-8F28FAD17DC3}"/>
-          </ac:spMkLst>
-        </pc:spChg>
-      </pc:sldChg>
-      <pc:sldChg chg="addSp delSp modSp add mod modNotesTx">
-        <pc:chgData name="Esenwein Benjamin (inf20074)" userId="7720cf97-c6ae-4bac-a435-f995da81a4ba" providerId="ADAL" clId="{C010483D-60BC-418A-BCA3-6A1F85EBD2EA}" dt="2022-05-09T13:12:57.517" v="8995"/>
-        <pc:sldMkLst>
-          <pc:docMk/>
-          <pc:sldMk cId="393263840" sldId="278"/>
-        </pc:sldMkLst>
-        <pc:spChg chg="mod">
-          <ac:chgData name="Esenwein Benjamin (inf20074)" userId="7720cf97-c6ae-4bac-a435-f995da81a4ba" providerId="ADAL" clId="{C010483D-60BC-418A-BCA3-6A1F85EBD2EA}" dt="2022-05-04T16:12:19.017" v="838" actId="20577"/>
-          <ac:spMkLst>
-            <pc:docMk/>
-            <pc:sldMk cId="393263840" sldId="278"/>
-            <ac:spMk id="2" creationId="{1848D95F-1980-426E-9C4C-B2B524762F9F}"/>
-          </ac:spMkLst>
-        </pc:spChg>
-        <pc:spChg chg="del">
-          <ac:chgData name="Esenwein Benjamin (inf20074)" userId="7720cf97-c6ae-4bac-a435-f995da81a4ba" providerId="ADAL" clId="{C010483D-60BC-418A-BCA3-6A1F85EBD2EA}" dt="2022-05-04T16:11:38.772" v="816" actId="478"/>
-          <ac:spMkLst>
-            <pc:docMk/>
-            <pc:sldMk cId="393263840" sldId="278"/>
-            <ac:spMk id="6" creationId="{141B0027-A499-739B-82A9-A5793A19A18F}"/>
-          </ac:spMkLst>
-        </pc:spChg>
-        <pc:spChg chg="del">
-          <ac:chgData name="Esenwein Benjamin (inf20074)" userId="7720cf97-c6ae-4bac-a435-f995da81a4ba" providerId="ADAL" clId="{C010483D-60BC-418A-BCA3-6A1F85EBD2EA}" dt="2022-05-06T09:21:42.635" v="1721" actId="478"/>
-          <ac:spMkLst>
-            <pc:docMk/>
-            <pc:sldMk cId="393263840" sldId="278"/>
-            <ac:spMk id="8" creationId="{5B764A9E-1860-4FBF-82A5-AEB3615DCD65}"/>
-          </ac:spMkLst>
-        </pc:spChg>
-        <pc:spChg chg="add mod">
-          <ac:chgData name="Esenwein Benjamin (inf20074)" userId="7720cf97-c6ae-4bac-a435-f995da81a4ba" providerId="ADAL" clId="{C010483D-60BC-418A-BCA3-6A1F85EBD2EA}" dt="2022-05-09T13:12:57.517" v="8995"/>
-          <ac:spMkLst>
-            <pc:docMk/>
-            <pc:sldMk cId="393263840" sldId="278"/>
-            <ac:spMk id="8" creationId="{758580C5-0172-17C4-2123-ED3C99E636AF}"/>
-          </ac:spMkLst>
-        </pc:spChg>
-        <pc:spChg chg="del">
-          <ac:chgData name="Esenwein Benjamin (inf20074)" userId="7720cf97-c6ae-4bac-a435-f995da81a4ba" providerId="ADAL" clId="{C010483D-60BC-418A-BCA3-6A1F85EBD2EA}" dt="2022-05-06T09:21:42.635" v="1721" actId="478"/>
-          <ac:spMkLst>
-            <pc:docMk/>
-            <pc:sldMk cId="393263840" sldId="278"/>
-            <ac:spMk id="10" creationId="{CD099C78-05A7-4EFB-82BF-A6FD90D072D6}"/>
-          </ac:spMkLst>
-        </pc:spChg>
-        <pc:spChg chg="del">
-          <ac:chgData name="Esenwein Benjamin (inf20074)" userId="7720cf97-c6ae-4bac-a435-f995da81a4ba" providerId="ADAL" clId="{C010483D-60BC-418A-BCA3-6A1F85EBD2EA}" dt="2022-05-06T09:21:42.635" v="1721" actId="478"/>
-          <ac:spMkLst>
-            <pc:docMk/>
-            <pc:sldMk cId="393263840" sldId="278"/>
-            <ac:spMk id="11" creationId="{7F7B855E-308E-4C8C-A8AE-AAE79BAAC72C}"/>
-          </ac:spMkLst>
-        </pc:spChg>
-        <pc:spChg chg="del">
-          <ac:chgData name="Esenwein Benjamin (inf20074)" userId="7720cf97-c6ae-4bac-a435-f995da81a4ba" providerId="ADAL" clId="{C010483D-60BC-418A-BCA3-6A1F85EBD2EA}" dt="2022-05-06T09:21:42.635" v="1721" actId="478"/>
-          <ac:spMkLst>
-            <pc:docMk/>
-            <pc:sldMk cId="393263840" sldId="278"/>
-            <ac:spMk id="13" creationId="{1EB5949F-77BF-4A2C-8224-50FACB1A6AC6}"/>
-          </ac:spMkLst>
-        </pc:spChg>
-        <pc:spChg chg="del">
-          <ac:chgData name="Esenwein Benjamin (inf20074)" userId="7720cf97-c6ae-4bac-a435-f995da81a4ba" providerId="ADAL" clId="{C010483D-60BC-418A-BCA3-6A1F85EBD2EA}" dt="2022-05-06T09:21:42.635" v="1721" actId="478"/>
-          <ac:spMkLst>
-            <pc:docMk/>
-            <pc:sldMk cId="393263840" sldId="278"/>
-            <ac:spMk id="14" creationId="{8C6FBB95-9612-4C9E-803E-D7C034AE8133}"/>
-          </ac:spMkLst>
-        </pc:spChg>
-        <pc:spChg chg="del">
-          <ac:chgData name="Esenwein Benjamin (inf20074)" userId="7720cf97-c6ae-4bac-a435-f995da81a4ba" providerId="ADAL" clId="{C010483D-60BC-418A-BCA3-6A1F85EBD2EA}" dt="2022-05-06T09:21:42.635" v="1721" actId="478"/>
-          <ac:spMkLst>
-            <pc:docMk/>
-            <pc:sldMk cId="393263840" sldId="278"/>
-            <ac:spMk id="15" creationId="{B11C4652-3554-4227-A056-000CBC867DB1}"/>
-          </ac:spMkLst>
-        </pc:spChg>
-        <pc:spChg chg="del">
-          <ac:chgData name="Esenwein Benjamin (inf20074)" userId="7720cf97-c6ae-4bac-a435-f995da81a4ba" providerId="ADAL" clId="{C010483D-60BC-418A-BCA3-6A1F85EBD2EA}" dt="2022-05-06T09:21:42.635" v="1721" actId="478"/>
-          <ac:spMkLst>
-            <pc:docMk/>
-            <pc:sldMk cId="393263840" sldId="278"/>
-            <ac:spMk id="16" creationId="{7376AA6A-6198-41B8-9A31-B74F35A58511}"/>
-          </ac:spMkLst>
-        </pc:spChg>
-        <pc:spChg chg="mod">
-          <ac:chgData name="Esenwein Benjamin (inf20074)" userId="7720cf97-c6ae-4bac-a435-f995da81a4ba" providerId="ADAL" clId="{C010483D-60BC-418A-BCA3-6A1F85EBD2EA}" dt="2022-05-06T09:41:08.194" v="2087" actId="20577"/>
-          <ac:spMkLst>
-            <pc:docMk/>
-            <pc:sldMk cId="393263840" sldId="278"/>
-            <ac:spMk id="17" creationId="{60A174DC-6910-4C61-83ED-35D3EE9EE679}"/>
-          </ac:spMkLst>
-        </pc:spChg>
-        <pc:spChg chg="del">
-          <ac:chgData name="Esenwein Benjamin (inf20074)" userId="7720cf97-c6ae-4bac-a435-f995da81a4ba" providerId="ADAL" clId="{C010483D-60BC-418A-BCA3-6A1F85EBD2EA}" dt="2022-05-04T16:11:38.772" v="816" actId="478"/>
-          <ac:spMkLst>
-            <pc:docMk/>
-            <pc:sldMk cId="393263840" sldId="278"/>
-            <ac:spMk id="18" creationId="{14FCC5EB-6E84-40F7-85F9-89A7EB345E16}"/>
-          </ac:spMkLst>
-        </pc:spChg>
-        <pc:spChg chg="del">
-          <ac:chgData name="Esenwein Benjamin (inf20074)" userId="7720cf97-c6ae-4bac-a435-f995da81a4ba" providerId="ADAL" clId="{C010483D-60BC-418A-BCA3-6A1F85EBD2EA}" dt="2022-05-04T16:11:38.772" v="816" actId="478"/>
-          <ac:spMkLst>
-            <pc:docMk/>
-            <pc:sldMk cId="393263840" sldId="278"/>
-            <ac:spMk id="19" creationId="{C8EC3EB2-8074-411E-8567-FBACDD10A994}"/>
-          </ac:spMkLst>
-        </pc:spChg>
-        <pc:spChg chg="del">
-          <ac:chgData name="Esenwein Benjamin (inf20074)" userId="7720cf97-c6ae-4bac-a435-f995da81a4ba" providerId="ADAL" clId="{C010483D-60BC-418A-BCA3-6A1F85EBD2EA}" dt="2022-05-04T16:11:38.772" v="816" actId="478"/>
-          <ac:spMkLst>
-            <pc:docMk/>
-            <pc:sldMk cId="393263840" sldId="278"/>
-            <ac:spMk id="20" creationId="{9748CD91-246F-4AAF-BF57-A355114465F5}"/>
-          </ac:spMkLst>
-        </pc:spChg>
-        <pc:spChg chg="add del">
-          <ac:chgData name="Esenwein Benjamin (inf20074)" userId="7720cf97-c6ae-4bac-a435-f995da81a4ba" providerId="ADAL" clId="{C010483D-60BC-418A-BCA3-6A1F85EBD2EA}" dt="2022-05-04T16:11:45.180" v="819" actId="22"/>
-          <ac:spMkLst>
-            <pc:docMk/>
-            <pc:sldMk cId="393263840" sldId="278"/>
-            <ac:spMk id="30" creationId="{50A86340-C7F4-E51B-773A-E3DBA5734DD8}"/>
-          </ac:spMkLst>
-        </pc:spChg>
-        <pc:spChg chg="del">
-          <ac:chgData name="Esenwein Benjamin (inf20074)" userId="7720cf97-c6ae-4bac-a435-f995da81a4ba" providerId="ADAL" clId="{C010483D-60BC-418A-BCA3-6A1F85EBD2EA}" dt="2022-05-04T16:11:38.772" v="816" actId="478"/>
-          <ac:spMkLst>
-            <pc:docMk/>
-            <pc:sldMk cId="393263840" sldId="278"/>
-            <ac:spMk id="32" creationId="{49882013-076F-ED97-E8AA-AE7AC7914239}"/>
-          </ac:spMkLst>
-        </pc:spChg>
-        <pc:spChg chg="del">
-          <ac:chgData name="Esenwein Benjamin (inf20074)" userId="7720cf97-c6ae-4bac-a435-f995da81a4ba" providerId="ADAL" clId="{C010483D-60BC-418A-BCA3-6A1F85EBD2EA}" dt="2022-05-04T16:11:38.772" v="816" actId="478"/>
-          <ac:spMkLst>
-            <pc:docMk/>
-            <pc:sldMk cId="393263840" sldId="278"/>
-            <ac:spMk id="35" creationId="{BCA55338-11FD-F365-4FD5-B2C7E63DD38A}"/>
-          </ac:spMkLst>
-        </pc:spChg>
-        <pc:spChg chg="del">
-          <ac:chgData name="Esenwein Benjamin (inf20074)" userId="7720cf97-c6ae-4bac-a435-f995da81a4ba" providerId="ADAL" clId="{C010483D-60BC-418A-BCA3-6A1F85EBD2EA}" dt="2022-05-04T16:11:38.772" v="816" actId="478"/>
-          <ac:spMkLst>
-            <pc:docMk/>
-            <pc:sldMk cId="393263840" sldId="278"/>
-            <ac:spMk id="36" creationId="{9D806C20-7BEB-5BD9-C612-91F3D7CEBD8A}"/>
-          </ac:spMkLst>
-        </pc:spChg>
-        <pc:picChg chg="del">
-          <ac:chgData name="Esenwein Benjamin (inf20074)" userId="7720cf97-c6ae-4bac-a435-f995da81a4ba" providerId="ADAL" clId="{C010483D-60BC-418A-BCA3-6A1F85EBD2EA}" dt="2022-05-04T16:11:38.772" v="816" actId="478"/>
-          <ac:picMkLst>
-            <pc:docMk/>
-            <pc:sldMk cId="393263840" sldId="278"/>
-            <ac:picMk id="9" creationId="{1B52F9BE-19CF-4E19-8409-44D0A9AC220C}"/>
-          </ac:picMkLst>
-        </pc:picChg>
-        <pc:picChg chg="add del mod">
-          <ac:chgData name="Esenwein Benjamin (inf20074)" userId="7720cf97-c6ae-4bac-a435-f995da81a4ba" providerId="ADAL" clId="{C010483D-60BC-418A-BCA3-6A1F85EBD2EA}" dt="2022-05-04T16:13:49.597" v="843" actId="478"/>
-          <ac:picMkLst>
-            <pc:docMk/>
-            <pc:sldMk cId="393263840" sldId="278"/>
-            <ac:picMk id="12" creationId="{A24D9A98-73DF-9640-607A-DB3A70B265B1}"/>
-          </ac:picMkLst>
-        </pc:picChg>
-        <pc:picChg chg="add del mod">
-          <ac:chgData name="Esenwein Benjamin (inf20074)" userId="7720cf97-c6ae-4bac-a435-f995da81a4ba" providerId="ADAL" clId="{C010483D-60BC-418A-BCA3-6A1F85EBD2EA}" dt="2022-05-04T16:15:41.144" v="849" actId="478"/>
-          <ac:picMkLst>
-            <pc:docMk/>
-            <pc:sldMk cId="393263840" sldId="278"/>
-            <ac:picMk id="25" creationId="{375FC2CA-7E30-325B-152C-C4D80EB82B8E}"/>
-          </ac:picMkLst>
-        </pc:picChg>
-        <pc:picChg chg="del">
-          <ac:chgData name="Esenwein Benjamin (inf20074)" userId="7720cf97-c6ae-4bac-a435-f995da81a4ba" providerId="ADAL" clId="{C010483D-60BC-418A-BCA3-6A1F85EBD2EA}" dt="2022-05-04T16:11:40.651" v="817" actId="478"/>
-          <ac:picMkLst>
-            <pc:docMk/>
-            <pc:sldMk cId="393263840" sldId="278"/>
-            <ac:picMk id="26" creationId="{70CE5B13-DB37-4A40-861A-B13E092D1838}"/>
-          </ac:picMkLst>
-        </pc:picChg>
-        <pc:picChg chg="add del mod">
-          <ac:chgData name="Esenwein Benjamin (inf20074)" userId="7720cf97-c6ae-4bac-a435-f995da81a4ba" providerId="ADAL" clId="{C010483D-60BC-418A-BCA3-6A1F85EBD2EA}" dt="2022-05-04T16:02:06.040" v="815"/>
-          <ac:picMkLst>
-            <pc:docMk/>
-            <pc:sldMk cId="393263840" sldId="278"/>
-            <ac:picMk id="27" creationId="{2276C8BD-576E-F5E7-DE28-5FDCE62765D1}"/>
-          </ac:picMkLst>
-        </pc:picChg>
-        <pc:picChg chg="del">
-          <ac:chgData name="Esenwein Benjamin (inf20074)" userId="7720cf97-c6ae-4bac-a435-f995da81a4ba" providerId="ADAL" clId="{C010483D-60BC-418A-BCA3-6A1F85EBD2EA}" dt="2022-05-04T16:11:38.772" v="816" actId="478"/>
-          <ac:picMkLst>
-            <pc:docMk/>
-            <pc:sldMk cId="393263840" sldId="278"/>
-            <ac:picMk id="28" creationId="{CFFA21A8-69E6-48E9-8557-91ED33C9AB8A}"/>
-          </ac:picMkLst>
-        </pc:picChg>
-        <pc:picChg chg="add mod">
-          <ac:chgData name="Esenwein Benjamin (inf20074)" userId="7720cf97-c6ae-4bac-a435-f995da81a4ba" providerId="ADAL" clId="{C010483D-60BC-418A-BCA3-6A1F85EBD2EA}" dt="2022-05-06T08:13:03.435" v="931" actId="14826"/>
-          <ac:picMkLst>
-            <pc:docMk/>
-            <pc:sldMk cId="393263840" sldId="278"/>
-            <ac:picMk id="33" creationId="{DA851B9E-6190-9C64-D8AF-06F1BA75DF92}"/>
-          </ac:picMkLst>
-        </pc:picChg>
-        <pc:cxnChg chg="del mod">
-          <ac:chgData name="Esenwein Benjamin (inf20074)" userId="7720cf97-c6ae-4bac-a435-f995da81a4ba" providerId="ADAL" clId="{C010483D-60BC-418A-BCA3-6A1F85EBD2EA}" dt="2022-05-04T16:11:38.772" v="816" actId="478"/>
-          <ac:cxnSpMkLst>
-            <pc:docMk/>
-            <pc:sldMk cId="393263840" sldId="278"/>
-            <ac:cxnSpMk id="21" creationId="{15E7D1D0-E3E7-4A61-A076-3D40F9EAFB17}"/>
-          </ac:cxnSpMkLst>
-        </pc:cxnChg>
-        <pc:cxnChg chg="del">
-          <ac:chgData name="Esenwein Benjamin (inf20074)" userId="7720cf97-c6ae-4bac-a435-f995da81a4ba" providerId="ADAL" clId="{C010483D-60BC-418A-BCA3-6A1F85EBD2EA}" dt="2022-05-04T16:11:38.772" v="816" actId="478"/>
-          <ac:cxnSpMkLst>
-            <pc:docMk/>
-            <pc:sldMk cId="393263840" sldId="278"/>
-            <ac:cxnSpMk id="22" creationId="{62F8220F-80C6-4E72-B2C5-80FBA93C6E2A}"/>
-          </ac:cxnSpMkLst>
-        </pc:cxnChg>
-        <pc:cxnChg chg="del">
-          <ac:chgData name="Esenwein Benjamin (inf20074)" userId="7720cf97-c6ae-4bac-a435-f995da81a4ba" providerId="ADAL" clId="{C010483D-60BC-418A-BCA3-6A1F85EBD2EA}" dt="2022-05-04T16:11:38.772" v="816" actId="478"/>
-          <ac:cxnSpMkLst>
-            <pc:docMk/>
-            <pc:sldMk cId="393263840" sldId="278"/>
-            <ac:cxnSpMk id="23" creationId="{825BB289-1100-4EE1-9ACF-5EC5FF6DC2BF}"/>
-          </ac:cxnSpMkLst>
-        </pc:cxnChg>
-        <pc:cxnChg chg="del mod">
-          <ac:chgData name="Esenwein Benjamin (inf20074)" userId="7720cf97-c6ae-4bac-a435-f995da81a4ba" providerId="ADAL" clId="{C010483D-60BC-418A-BCA3-6A1F85EBD2EA}" dt="2022-05-04T16:11:38.772" v="816" actId="478"/>
-          <ac:cxnSpMkLst>
-            <pc:docMk/>
-            <pc:sldMk cId="393263840" sldId="278"/>
-            <ac:cxnSpMk id="29" creationId="{5B231BBF-39A8-D82F-BAFF-24260BAE1D73}"/>
-          </ac:cxnSpMkLst>
-        </pc:cxnChg>
-      </pc:sldChg>
-      <pc:sldChg chg="addSp delSp modSp add mod modAnim modNotesTx">
-        <pc:chgData name="Esenwein Benjamin (inf20074)" userId="7720cf97-c6ae-4bac-a435-f995da81a4ba" providerId="ADAL" clId="{C010483D-60BC-418A-BCA3-6A1F85EBD2EA}" dt="2022-05-09T13:21:51.542" v="9058"/>
-        <pc:sldMkLst>
-          <pc:docMk/>
-          <pc:sldMk cId="2648086358" sldId="279"/>
-        </pc:sldMkLst>
-        <pc:spChg chg="mod">
-          <ac:chgData name="Esenwein Benjamin (inf20074)" userId="7720cf97-c6ae-4bac-a435-f995da81a4ba" providerId="ADAL" clId="{C010483D-60BC-418A-BCA3-6A1F85EBD2EA}" dt="2022-05-06T08:06:19.762" v="902" actId="20577"/>
-          <ac:spMkLst>
-            <pc:docMk/>
-            <pc:sldMk cId="2648086358" sldId="279"/>
-            <ac:spMk id="2" creationId="{A0A64D99-EE90-4A04-BD26-4BA773F38F9F}"/>
-          </ac:spMkLst>
-        </pc:spChg>
-        <pc:spChg chg="del">
-          <ac:chgData name="Esenwein Benjamin (inf20074)" userId="7720cf97-c6ae-4bac-a435-f995da81a4ba" providerId="ADAL" clId="{C010483D-60BC-418A-BCA3-6A1F85EBD2EA}" dt="2022-05-06T08:05:41.977" v="863" actId="478"/>
-          <ac:spMkLst>
-            <pc:docMk/>
-            <pc:sldMk cId="2648086358" sldId="279"/>
-            <ac:spMk id="4" creationId="{715BBC7D-9FBF-4837-A895-6981C3B9692B}"/>
-          </ac:spMkLst>
-        </pc:spChg>
-        <pc:spChg chg="add del mod">
-          <ac:chgData name="Esenwein Benjamin (inf20074)" userId="7720cf97-c6ae-4bac-a435-f995da81a4ba" providerId="ADAL" clId="{C010483D-60BC-418A-BCA3-6A1F85EBD2EA}" dt="2022-05-06T08:05:44.858" v="864" actId="478"/>
-          <ac:spMkLst>
-            <pc:docMk/>
-            <pc:sldMk cId="2648086358" sldId="279"/>
-            <ac:spMk id="6" creationId="{380465A8-D6AF-6F4C-5DB6-6982751A41DD}"/>
-          </ac:spMkLst>
-        </pc:spChg>
-        <pc:spChg chg="del">
-          <ac:chgData name="Esenwein Benjamin (inf20074)" userId="7720cf97-c6ae-4bac-a435-f995da81a4ba" providerId="ADAL" clId="{C010483D-60BC-418A-BCA3-6A1F85EBD2EA}" dt="2022-05-06T09:21:27.688" v="1718" actId="478"/>
-          <ac:spMkLst>
-            <pc:docMk/>
-            <pc:sldMk cId="2648086358" sldId="279"/>
-            <ac:spMk id="9" creationId="{8D690BA4-A659-42B1-8FD6-E6020B72838E}"/>
-          </ac:spMkLst>
-        </pc:spChg>
-        <pc:spChg chg="del">
-          <ac:chgData name="Esenwein Benjamin (inf20074)" userId="7720cf97-c6ae-4bac-a435-f995da81a4ba" providerId="ADAL" clId="{C010483D-60BC-418A-BCA3-6A1F85EBD2EA}" dt="2022-05-06T09:21:27.688" v="1718" actId="478"/>
-          <ac:spMkLst>
-            <pc:docMk/>
-            <pc:sldMk cId="2648086358" sldId="279"/>
-            <ac:spMk id="11" creationId="{F5164AF3-C6B2-4BEF-B378-BD3DA4E9ED17}"/>
-          </ac:spMkLst>
-        </pc:spChg>
-        <pc:spChg chg="del">
-          <ac:chgData name="Esenwein Benjamin (inf20074)" userId="7720cf97-c6ae-4bac-a435-f995da81a4ba" providerId="ADAL" clId="{C010483D-60BC-418A-BCA3-6A1F85EBD2EA}" dt="2022-05-06T09:21:27.688" v="1718" actId="478"/>
-          <ac:spMkLst>
-            <pc:docMk/>
-            <pc:sldMk cId="2648086358" sldId="279"/>
-            <ac:spMk id="12" creationId="{35436D9A-BF09-486E-ACF5-9949DDBF1CE8}"/>
-          </ac:spMkLst>
-        </pc:spChg>
-        <pc:spChg chg="del">
-          <ac:chgData name="Esenwein Benjamin (inf20074)" userId="7720cf97-c6ae-4bac-a435-f995da81a4ba" providerId="ADAL" clId="{C010483D-60BC-418A-BCA3-6A1F85EBD2EA}" dt="2022-05-06T09:21:27.688" v="1718" actId="478"/>
-          <ac:spMkLst>
-            <pc:docMk/>
-            <pc:sldMk cId="2648086358" sldId="279"/>
-            <ac:spMk id="13" creationId="{C5AFFF4A-B4E2-406A-85AC-113D32FC1F06}"/>
-          </ac:spMkLst>
-        </pc:spChg>
-        <pc:spChg chg="del">
-          <ac:chgData name="Esenwein Benjamin (inf20074)" userId="7720cf97-c6ae-4bac-a435-f995da81a4ba" providerId="ADAL" clId="{C010483D-60BC-418A-BCA3-6A1F85EBD2EA}" dt="2022-05-06T09:21:27.688" v="1718" actId="478"/>
-          <ac:spMkLst>
-            <pc:docMk/>
-            <pc:sldMk cId="2648086358" sldId="279"/>
-            <ac:spMk id="14" creationId="{649358AC-9FA9-4204-9584-3E3C202353FF}"/>
-          </ac:spMkLst>
-        </pc:spChg>
-        <pc:spChg chg="add mod">
-          <ac:chgData name="Esenwein Benjamin (inf20074)" userId="7720cf97-c6ae-4bac-a435-f995da81a4ba" providerId="ADAL" clId="{C010483D-60BC-418A-BCA3-6A1F85EBD2EA}" dt="2022-05-09T13:12:54.501" v="8992"/>
-          <ac:spMkLst>
-            <pc:docMk/>
-            <pc:sldMk cId="2648086358" sldId="279"/>
-            <ac:spMk id="14" creationId="{66E6F976-359F-9ECE-CE53-A1E1DDD369BD}"/>
-          </ac:spMkLst>
-        </pc:spChg>
-        <pc:spChg chg="del">
-          <ac:chgData name="Esenwein Benjamin (inf20074)" userId="7720cf97-c6ae-4bac-a435-f995da81a4ba" providerId="ADAL" clId="{C010483D-60BC-418A-BCA3-6A1F85EBD2EA}" dt="2022-05-06T09:21:27.688" v="1718" actId="478"/>
-          <ac:spMkLst>
-            <pc:docMk/>
-            <pc:sldMk cId="2648086358" sldId="279"/>
-            <ac:spMk id="15" creationId="{6C5E2977-923D-465F-B12A-725EC970800C}"/>
-          </ac:spMkLst>
-        </pc:spChg>
-        <pc:spChg chg="del">
-          <ac:chgData name="Esenwein Benjamin (inf20074)" userId="7720cf97-c6ae-4bac-a435-f995da81a4ba" providerId="ADAL" clId="{C010483D-60BC-418A-BCA3-6A1F85EBD2EA}" dt="2022-05-06T09:21:27.688" v="1718" actId="478"/>
-          <ac:spMkLst>
-            <pc:docMk/>
-            <pc:sldMk cId="2648086358" sldId="279"/>
-            <ac:spMk id="16" creationId="{33FFEEB0-D889-4A73-B5AC-08DA523D1CC0}"/>
-          </ac:spMkLst>
-        </pc:spChg>
-        <pc:spChg chg="del">
-          <ac:chgData name="Esenwein Benjamin (inf20074)" userId="7720cf97-c6ae-4bac-a435-f995da81a4ba" providerId="ADAL" clId="{C010483D-60BC-418A-BCA3-6A1F85EBD2EA}" dt="2022-05-06T09:21:27.688" v="1718" actId="478"/>
-          <ac:spMkLst>
-            <pc:docMk/>
-            <pc:sldMk cId="2648086358" sldId="279"/>
-            <ac:spMk id="17" creationId="{C50C0AC1-851B-433F-B965-6C77E7F63904}"/>
-          </ac:spMkLst>
-        </pc:spChg>
-        <pc:spChg chg="del">
-          <ac:chgData name="Esenwein Benjamin (inf20074)" userId="7720cf97-c6ae-4bac-a435-f995da81a4ba" providerId="ADAL" clId="{C010483D-60BC-418A-BCA3-6A1F85EBD2EA}" dt="2022-05-06T09:21:27.688" v="1718" actId="478"/>
-          <ac:spMkLst>
-            <pc:docMk/>
-            <pc:sldMk cId="2648086358" sldId="279"/>
-            <ac:spMk id="18" creationId="{EBC11378-34FA-4165-825A-AD6ADF1E4845}"/>
-          </ac:spMkLst>
-        </pc:spChg>
-        <pc:spChg chg="add mod">
-          <ac:chgData name="Esenwein Benjamin (inf20074)" userId="7720cf97-c6ae-4bac-a435-f995da81a4ba" providerId="ADAL" clId="{C010483D-60BC-418A-BCA3-6A1F85EBD2EA}" dt="2022-05-06T08:05:45.275" v="865"/>
-          <ac:spMkLst>
-            <pc:docMk/>
-            <pc:sldMk cId="2648086358" sldId="279"/>
-            <ac:spMk id="20" creationId="{1E5A665E-6A79-0FE8-81E5-D5ADB4243333}"/>
-          </ac:spMkLst>
-        </pc:spChg>
-        <pc:graphicFrameChg chg="del">
-          <ac:chgData name="Esenwein Benjamin (inf20074)" userId="7720cf97-c6ae-4bac-a435-f995da81a4ba" providerId="ADAL" clId="{C010483D-60BC-418A-BCA3-6A1F85EBD2EA}" dt="2022-05-06T08:05:41.977" v="863" actId="478"/>
-          <ac:graphicFrameMkLst>
-            <pc:docMk/>
-            <pc:sldMk cId="2648086358" sldId="279"/>
-            <ac:graphicFrameMk id="7" creationId="{8F3C9722-F46A-4C89-8618-92AE70556025}"/>
-          </ac:graphicFrameMkLst>
-        </pc:graphicFrameChg>
-        <pc:picChg chg="add mod">
-          <ac:chgData name="Esenwein Benjamin (inf20074)" userId="7720cf97-c6ae-4bac-a435-f995da81a4ba" providerId="ADAL" clId="{C010483D-60BC-418A-BCA3-6A1F85EBD2EA}" dt="2022-05-06T08:05:45.275" v="865"/>
-          <ac:picMkLst>
-            <pc:docMk/>
-            <pc:sldMk cId="2648086358" sldId="279"/>
-            <ac:picMk id="21" creationId="{6EBC86AA-642A-7916-1017-2E4000B926E7}"/>
-          </ac:picMkLst>
-        </pc:picChg>
-        <pc:picChg chg="add mod">
-          <ac:chgData name="Esenwein Benjamin (inf20074)" userId="7720cf97-c6ae-4bac-a435-f995da81a4ba" providerId="ADAL" clId="{C010483D-60BC-418A-BCA3-6A1F85EBD2EA}" dt="2022-05-06T08:05:45.275" v="865"/>
-          <ac:picMkLst>
-            <pc:docMk/>
-            <pc:sldMk cId="2648086358" sldId="279"/>
-            <ac:picMk id="22" creationId="{EB382922-2A0D-ADB1-CF8F-CF72337B4EEE}"/>
-          </ac:picMkLst>
-        </pc:picChg>
-        <pc:picChg chg="add mod">
-          <ac:chgData name="Esenwein Benjamin (inf20074)" userId="7720cf97-c6ae-4bac-a435-f995da81a4ba" providerId="ADAL" clId="{C010483D-60BC-418A-BCA3-6A1F85EBD2EA}" dt="2022-05-06T08:05:45.275" v="865"/>
-          <ac:picMkLst>
-            <pc:docMk/>
-            <pc:sldMk cId="2648086358" sldId="279"/>
-            <ac:picMk id="23" creationId="{835D5A61-A1CF-D563-E474-99AD9FAA0162}"/>
-          </ac:picMkLst>
-        </pc:picChg>
-        <pc:picChg chg="add mod">
-          <ac:chgData name="Esenwein Benjamin (inf20074)" userId="7720cf97-c6ae-4bac-a435-f995da81a4ba" providerId="ADAL" clId="{C010483D-60BC-418A-BCA3-6A1F85EBD2EA}" dt="2022-05-06T08:05:45.275" v="865"/>
-          <ac:picMkLst>
-            <pc:docMk/>
-            <pc:sldMk cId="2648086358" sldId="279"/>
-            <ac:picMk id="24" creationId="{D2EE299F-FF3C-FD1C-4D8B-3CDCA40D05DD}"/>
-          </ac:picMkLst>
-        </pc:picChg>
-        <pc:cxnChg chg="add mod">
-          <ac:chgData name="Esenwein Benjamin (inf20074)" userId="7720cf97-c6ae-4bac-a435-f995da81a4ba" providerId="ADAL" clId="{C010483D-60BC-418A-BCA3-6A1F85EBD2EA}" dt="2022-05-06T08:05:45.275" v="865"/>
-          <ac:cxnSpMkLst>
-            <pc:docMk/>
-            <pc:sldMk cId="2648086358" sldId="279"/>
-            <ac:cxnSpMk id="25" creationId="{C25DCC90-51C2-E254-DF2C-F3DD177C69EB}"/>
-          </ac:cxnSpMkLst>
-        </pc:cxnChg>
-        <pc:cxnChg chg="add mod">
-          <ac:chgData name="Esenwein Benjamin (inf20074)" userId="7720cf97-c6ae-4bac-a435-f995da81a4ba" providerId="ADAL" clId="{C010483D-60BC-418A-BCA3-6A1F85EBD2EA}" dt="2022-05-06T08:05:45.275" v="865"/>
-          <ac:cxnSpMkLst>
-            <pc:docMk/>
-            <pc:sldMk cId="2648086358" sldId="279"/>
-            <ac:cxnSpMk id="26" creationId="{A0BF6BF8-0B18-3DA8-2255-95FDB8276851}"/>
-          </ac:cxnSpMkLst>
-        </pc:cxnChg>
-        <pc:cxnChg chg="add mod">
-          <ac:chgData name="Esenwein Benjamin (inf20074)" userId="7720cf97-c6ae-4bac-a435-f995da81a4ba" providerId="ADAL" clId="{C010483D-60BC-418A-BCA3-6A1F85EBD2EA}" dt="2022-05-06T08:05:45.275" v="865"/>
-          <ac:cxnSpMkLst>
-            <pc:docMk/>
-            <pc:sldMk cId="2648086358" sldId="279"/>
-            <ac:cxnSpMk id="27" creationId="{3C9B35DB-6C36-9ACD-4B56-063A91560C9D}"/>
-          </ac:cxnSpMkLst>
-        </pc:cxnChg>
-      </pc:sldChg>
-      <pc:sldChg chg="addSp delSp modSp add mod modNotesTx">
-        <pc:chgData name="Esenwein Benjamin (inf20074)" userId="7720cf97-c6ae-4bac-a435-f995da81a4ba" providerId="ADAL" clId="{C010483D-60BC-418A-BCA3-6A1F85EBD2EA}" dt="2022-05-09T13:12:56.531" v="8994"/>
-        <pc:sldMkLst>
-          <pc:docMk/>
-          <pc:sldMk cId="614259539" sldId="280"/>
-        </pc:sldMkLst>
-        <pc:spChg chg="del">
-          <ac:chgData name="Esenwein Benjamin (inf20074)" userId="7720cf97-c6ae-4bac-a435-f995da81a4ba" providerId="ADAL" clId="{C010483D-60BC-418A-BCA3-6A1F85EBD2EA}" dt="2022-05-06T08:29:12.175" v="934" actId="478"/>
-          <ac:spMkLst>
-            <pc:docMk/>
-            <pc:sldMk cId="614259539" sldId="280"/>
-            <ac:spMk id="6" creationId="{141B0027-A499-739B-82A9-A5793A19A18F}"/>
-          </ac:spMkLst>
-        </pc:spChg>
-        <pc:spChg chg="add mod">
-          <ac:chgData name="Esenwein Benjamin (inf20074)" userId="7720cf97-c6ae-4bac-a435-f995da81a4ba" providerId="ADAL" clId="{C010483D-60BC-418A-BCA3-6A1F85EBD2EA}" dt="2022-05-09T13:12:56.531" v="8994"/>
-          <ac:spMkLst>
-            <pc:docMk/>
-            <pc:sldMk cId="614259539" sldId="280"/>
-            <ac:spMk id="8" creationId="{15E8FB8A-84A4-84A9-2DB7-AD4922201AFF}"/>
-          </ac:spMkLst>
-        </pc:spChg>
-        <pc:spChg chg="del">
-          <ac:chgData name="Esenwein Benjamin (inf20074)" userId="7720cf97-c6ae-4bac-a435-f995da81a4ba" providerId="ADAL" clId="{C010483D-60BC-418A-BCA3-6A1F85EBD2EA}" dt="2022-05-06T09:21:38.006" v="1720" actId="478"/>
-          <ac:spMkLst>
-            <pc:docMk/>
-            <pc:sldMk cId="614259539" sldId="280"/>
-            <ac:spMk id="8" creationId="{5B764A9E-1860-4FBF-82A5-AEB3615DCD65}"/>
-          </ac:spMkLst>
-        </pc:spChg>
-        <pc:spChg chg="del">
-          <ac:chgData name="Esenwein Benjamin (inf20074)" userId="7720cf97-c6ae-4bac-a435-f995da81a4ba" providerId="ADAL" clId="{C010483D-60BC-418A-BCA3-6A1F85EBD2EA}" dt="2022-05-06T09:21:38.006" v="1720" actId="478"/>
-          <ac:spMkLst>
-            <pc:docMk/>
-            <pc:sldMk cId="614259539" sldId="280"/>
-            <ac:spMk id="10" creationId="{CD099C78-05A7-4EFB-82BF-A6FD90D072D6}"/>
-          </ac:spMkLst>
-        </pc:spChg>
-        <pc:spChg chg="del">
-          <ac:chgData name="Esenwein Benjamin (inf20074)" userId="7720cf97-c6ae-4bac-a435-f995da81a4ba" providerId="ADAL" clId="{C010483D-60BC-418A-BCA3-6A1F85EBD2EA}" dt="2022-05-06T09:21:38.006" v="1720" actId="478"/>
-          <ac:spMkLst>
-            <pc:docMk/>
-            <pc:sldMk cId="614259539" sldId="280"/>
-            <ac:spMk id="11" creationId="{7F7B855E-308E-4C8C-A8AE-AAE79BAAC72C}"/>
-          </ac:spMkLst>
-        </pc:spChg>
-        <pc:spChg chg="del">
-          <ac:chgData name="Esenwein Benjamin (inf20074)" userId="7720cf97-c6ae-4bac-a435-f995da81a4ba" providerId="ADAL" clId="{C010483D-60BC-418A-BCA3-6A1F85EBD2EA}" dt="2022-05-06T09:21:38.006" v="1720" actId="478"/>
-          <ac:spMkLst>
-            <pc:docMk/>
-            <pc:sldMk cId="614259539" sldId="280"/>
-            <ac:spMk id="13" creationId="{1EB5949F-77BF-4A2C-8224-50FACB1A6AC6}"/>
-          </ac:spMkLst>
-        </pc:spChg>
-        <pc:spChg chg="del">
-          <ac:chgData name="Esenwein Benjamin (inf20074)" userId="7720cf97-c6ae-4bac-a435-f995da81a4ba" providerId="ADAL" clId="{C010483D-60BC-418A-BCA3-6A1F85EBD2EA}" dt="2022-05-06T09:21:38.006" v="1720" actId="478"/>
-          <ac:spMkLst>
-            <pc:docMk/>
-            <pc:sldMk cId="614259539" sldId="280"/>
-            <ac:spMk id="14" creationId="{8C6FBB95-9612-4C9E-803E-D7C034AE8133}"/>
-          </ac:spMkLst>
-        </pc:spChg>
-        <pc:spChg chg="del">
-          <ac:chgData name="Esenwein Benjamin (inf20074)" userId="7720cf97-c6ae-4bac-a435-f995da81a4ba" providerId="ADAL" clId="{C010483D-60BC-418A-BCA3-6A1F85EBD2EA}" dt="2022-05-06T09:21:38.006" v="1720" actId="478"/>
-          <ac:spMkLst>
-            <pc:docMk/>
-            <pc:sldMk cId="614259539" sldId="280"/>
-            <ac:spMk id="15" creationId="{B11C4652-3554-4227-A056-000CBC867DB1}"/>
-          </ac:spMkLst>
-        </pc:spChg>
-        <pc:spChg chg="del">
-          <ac:chgData name="Esenwein Benjamin (inf20074)" userId="7720cf97-c6ae-4bac-a435-f995da81a4ba" providerId="ADAL" clId="{C010483D-60BC-418A-BCA3-6A1F85EBD2EA}" dt="2022-05-06T09:21:38.006" v="1720" actId="478"/>
-          <ac:spMkLst>
-            <pc:docMk/>
-            <pc:sldMk cId="614259539" sldId="280"/>
-            <ac:spMk id="16" creationId="{7376AA6A-6198-41B8-9A31-B74F35A58511}"/>
-          </ac:spMkLst>
-        </pc:spChg>
-        <pc:spChg chg="del">
-          <ac:chgData name="Esenwein Benjamin (inf20074)" userId="7720cf97-c6ae-4bac-a435-f995da81a4ba" providerId="ADAL" clId="{C010483D-60BC-418A-BCA3-6A1F85EBD2EA}" dt="2022-05-06T08:29:12.175" v="934" actId="478"/>
-          <ac:spMkLst>
-            <pc:docMk/>
-            <pc:sldMk cId="614259539" sldId="280"/>
-            <ac:spMk id="18" creationId="{14FCC5EB-6E84-40F7-85F9-89A7EB345E16}"/>
-          </ac:spMkLst>
-        </pc:spChg>
-        <pc:spChg chg="del">
-          <ac:chgData name="Esenwein Benjamin (inf20074)" userId="7720cf97-c6ae-4bac-a435-f995da81a4ba" providerId="ADAL" clId="{C010483D-60BC-418A-BCA3-6A1F85EBD2EA}" dt="2022-05-06T08:29:12.175" v="934" actId="478"/>
-          <ac:spMkLst>
-            <pc:docMk/>
-            <pc:sldMk cId="614259539" sldId="280"/>
-            <ac:spMk id="19" creationId="{C8EC3EB2-8074-411E-8567-FBACDD10A994}"/>
-          </ac:spMkLst>
-        </pc:spChg>
-        <pc:spChg chg="del">
-          <ac:chgData name="Esenwein Benjamin (inf20074)" userId="7720cf97-c6ae-4bac-a435-f995da81a4ba" providerId="ADAL" clId="{C010483D-60BC-418A-BCA3-6A1F85EBD2EA}" dt="2022-05-06T08:29:12.175" v="934" actId="478"/>
-          <ac:spMkLst>
-            <pc:docMk/>
-            <pc:sldMk cId="614259539" sldId="280"/>
-            <ac:spMk id="20" creationId="{9748CD91-246F-4AAF-BF57-A355114465F5}"/>
-          </ac:spMkLst>
-        </pc:spChg>
-        <pc:spChg chg="del">
-          <ac:chgData name="Esenwein Benjamin (inf20074)" userId="7720cf97-c6ae-4bac-a435-f995da81a4ba" providerId="ADAL" clId="{C010483D-60BC-418A-BCA3-6A1F85EBD2EA}" dt="2022-05-06T08:29:12.175" v="934" actId="478"/>
-          <ac:spMkLst>
-            <pc:docMk/>
-            <pc:sldMk cId="614259539" sldId="280"/>
-            <ac:spMk id="32" creationId="{49882013-076F-ED97-E8AA-AE7AC7914239}"/>
-          </ac:spMkLst>
-        </pc:spChg>
-        <pc:spChg chg="del">
-          <ac:chgData name="Esenwein Benjamin (inf20074)" userId="7720cf97-c6ae-4bac-a435-f995da81a4ba" providerId="ADAL" clId="{C010483D-60BC-418A-BCA3-6A1F85EBD2EA}" dt="2022-05-06T08:29:12.175" v="934" actId="478"/>
-          <ac:spMkLst>
-            <pc:docMk/>
-            <pc:sldMk cId="614259539" sldId="280"/>
-            <ac:spMk id="35" creationId="{BCA55338-11FD-F365-4FD5-B2C7E63DD38A}"/>
-          </ac:spMkLst>
-        </pc:spChg>
-        <pc:spChg chg="del">
-          <ac:chgData name="Esenwein Benjamin (inf20074)" userId="7720cf97-c6ae-4bac-a435-f995da81a4ba" providerId="ADAL" clId="{C010483D-60BC-418A-BCA3-6A1F85EBD2EA}" dt="2022-05-06T08:29:12.175" v="934" actId="478"/>
-          <ac:spMkLst>
-            <pc:docMk/>
-            <pc:sldMk cId="614259539" sldId="280"/>
-            <ac:spMk id="36" creationId="{9D806C20-7BEB-5BD9-C612-91F3D7CEBD8A}"/>
-          </ac:spMkLst>
-        </pc:spChg>
-        <pc:picChg chg="add mod">
-          <ac:chgData name="Esenwein Benjamin (inf20074)" userId="7720cf97-c6ae-4bac-a435-f995da81a4ba" providerId="ADAL" clId="{C010483D-60BC-418A-BCA3-6A1F85EBD2EA}" dt="2022-05-06T08:29:25.858" v="941" actId="1076"/>
-          <ac:picMkLst>
-            <pc:docMk/>
-            <pc:sldMk cId="614259539" sldId="280"/>
-            <ac:picMk id="5" creationId="{511A81EF-85CD-0B4E-8FAF-5920536E5CAF}"/>
-          </ac:picMkLst>
-        </pc:picChg>
-        <pc:picChg chg="del">
-          <ac:chgData name="Esenwein Benjamin (inf20074)" userId="7720cf97-c6ae-4bac-a435-f995da81a4ba" providerId="ADAL" clId="{C010483D-60BC-418A-BCA3-6A1F85EBD2EA}" dt="2022-05-06T08:29:12.175" v="934" actId="478"/>
-          <ac:picMkLst>
-            <pc:docMk/>
-            <pc:sldMk cId="614259539" sldId="280"/>
-            <ac:picMk id="9" creationId="{1B52F9BE-19CF-4E19-8409-44D0A9AC220C}"/>
-          </ac:picMkLst>
-        </pc:picChg>
-        <pc:picChg chg="del">
-          <ac:chgData name="Esenwein Benjamin (inf20074)" userId="7720cf97-c6ae-4bac-a435-f995da81a4ba" providerId="ADAL" clId="{C010483D-60BC-418A-BCA3-6A1F85EBD2EA}" dt="2022-05-06T08:29:13.599" v="935" actId="478"/>
-          <ac:picMkLst>
-            <pc:docMk/>
-            <pc:sldMk cId="614259539" sldId="280"/>
-            <ac:picMk id="26" creationId="{70CE5B13-DB37-4A40-861A-B13E092D1838}"/>
-          </ac:picMkLst>
-        </pc:picChg>
-        <pc:picChg chg="del">
-          <ac:chgData name="Esenwein Benjamin (inf20074)" userId="7720cf97-c6ae-4bac-a435-f995da81a4ba" providerId="ADAL" clId="{C010483D-60BC-418A-BCA3-6A1F85EBD2EA}" dt="2022-05-06T08:29:12.175" v="934" actId="478"/>
-          <ac:picMkLst>
-            <pc:docMk/>
-            <pc:sldMk cId="614259539" sldId="280"/>
-            <ac:picMk id="28" creationId="{CFFA21A8-69E6-48E9-8557-91ED33C9AB8A}"/>
-          </ac:picMkLst>
-        </pc:picChg>
-        <pc:cxnChg chg="del mod">
-          <ac:chgData name="Esenwein Benjamin (inf20074)" userId="7720cf97-c6ae-4bac-a435-f995da81a4ba" providerId="ADAL" clId="{C010483D-60BC-418A-BCA3-6A1F85EBD2EA}" dt="2022-05-06T08:29:12.175" v="934" actId="478"/>
-          <ac:cxnSpMkLst>
-            <pc:docMk/>
-            <pc:sldMk cId="614259539" sldId="280"/>
-            <ac:cxnSpMk id="21" creationId="{15E7D1D0-E3E7-4A61-A076-3D40F9EAFB17}"/>
-          </ac:cxnSpMkLst>
-        </pc:cxnChg>
-        <pc:cxnChg chg="del">
-          <ac:chgData name="Esenwein Benjamin (inf20074)" userId="7720cf97-c6ae-4bac-a435-f995da81a4ba" providerId="ADAL" clId="{C010483D-60BC-418A-BCA3-6A1F85EBD2EA}" dt="2022-05-06T08:29:12.175" v="934" actId="478"/>
-          <ac:cxnSpMkLst>
-            <pc:docMk/>
-            <pc:sldMk cId="614259539" sldId="280"/>
-            <ac:cxnSpMk id="22" creationId="{62F8220F-80C6-4E72-B2C5-80FBA93C6E2A}"/>
-          </ac:cxnSpMkLst>
-        </pc:cxnChg>
-        <pc:cxnChg chg="del">
-          <ac:chgData name="Esenwein Benjamin (inf20074)" userId="7720cf97-c6ae-4bac-a435-f995da81a4ba" providerId="ADAL" clId="{C010483D-60BC-418A-BCA3-6A1F85EBD2EA}" dt="2022-05-06T08:29:12.175" v="934" actId="478"/>
-          <ac:cxnSpMkLst>
-            <pc:docMk/>
-            <pc:sldMk cId="614259539" sldId="280"/>
-            <ac:cxnSpMk id="23" creationId="{825BB289-1100-4EE1-9ACF-5EC5FF6DC2BF}"/>
-          </ac:cxnSpMkLst>
-        </pc:cxnChg>
-        <pc:cxnChg chg="del mod">
-          <ac:chgData name="Esenwein Benjamin (inf20074)" userId="7720cf97-c6ae-4bac-a435-f995da81a4ba" providerId="ADAL" clId="{C010483D-60BC-418A-BCA3-6A1F85EBD2EA}" dt="2022-05-06T08:29:12.175" v="934" actId="478"/>
-          <ac:cxnSpMkLst>
-            <pc:docMk/>
-            <pc:sldMk cId="614259539" sldId="280"/>
-            <ac:cxnSpMk id="29" creationId="{5B231BBF-39A8-D82F-BAFF-24260BAE1D73}"/>
-          </ac:cxnSpMkLst>
-        </pc:cxnChg>
-      </pc:sldChg>
-      <pc:sldChg chg="addSp delSp modSp add mod modNotesTx">
-        <pc:chgData name="Esenwein Benjamin (inf20074)" userId="7720cf97-c6ae-4bac-a435-f995da81a4ba" providerId="ADAL" clId="{C010483D-60BC-418A-BCA3-6A1F85EBD2EA}" dt="2022-05-09T13:12:58.542" v="8996"/>
-        <pc:sldMkLst>
-          <pc:docMk/>
-          <pc:sldMk cId="1574959243" sldId="281"/>
-        </pc:sldMkLst>
-        <pc:spChg chg="add mod">
-          <ac:chgData name="Esenwein Benjamin (inf20074)" userId="7720cf97-c6ae-4bac-a435-f995da81a4ba" providerId="ADAL" clId="{C010483D-60BC-418A-BCA3-6A1F85EBD2EA}" dt="2022-05-06T09:34:13.693" v="2085" actId="20577"/>
-          <ac:spMkLst>
-            <pc:docMk/>
-            <pc:sldMk cId="1574959243" sldId="281"/>
-            <ac:spMk id="6" creationId="{D0009224-A145-AC54-2B1B-7342FC63B30A}"/>
-          </ac:spMkLst>
-        </pc:spChg>
-        <pc:spChg chg="del">
-          <ac:chgData name="Esenwein Benjamin (inf20074)" userId="7720cf97-c6ae-4bac-a435-f995da81a4ba" providerId="ADAL" clId="{C010483D-60BC-418A-BCA3-6A1F85EBD2EA}" dt="2022-05-06T09:21:47.171" v="1722" actId="478"/>
-          <ac:spMkLst>
-            <pc:docMk/>
-            <pc:sldMk cId="1574959243" sldId="281"/>
-            <ac:spMk id="8" creationId="{5B764A9E-1860-4FBF-82A5-AEB3615DCD65}"/>
-          </ac:spMkLst>
-        </pc:spChg>
-        <pc:spChg chg="add mod">
-          <ac:chgData name="Esenwein Benjamin (inf20074)" userId="7720cf97-c6ae-4bac-a435-f995da81a4ba" providerId="ADAL" clId="{C010483D-60BC-418A-BCA3-6A1F85EBD2EA}" dt="2022-05-09T13:12:58.542" v="8996"/>
-          <ac:spMkLst>
-            <pc:docMk/>
-            <pc:sldMk cId="1574959243" sldId="281"/>
-            <ac:spMk id="8" creationId="{AE57E93B-166D-6902-DFEF-7EE9261644A3}"/>
-          </ac:spMkLst>
-        </pc:spChg>
-        <pc:spChg chg="del">
-          <ac:chgData name="Esenwein Benjamin (inf20074)" userId="7720cf97-c6ae-4bac-a435-f995da81a4ba" providerId="ADAL" clId="{C010483D-60BC-418A-BCA3-6A1F85EBD2EA}" dt="2022-05-06T09:21:47.171" v="1722" actId="478"/>
-          <ac:spMkLst>
-            <pc:docMk/>
-            <pc:sldMk cId="1574959243" sldId="281"/>
-            <ac:spMk id="10" creationId="{CD099C78-05A7-4EFB-82BF-A6FD90D072D6}"/>
-          </ac:spMkLst>
-        </pc:spChg>
-        <pc:spChg chg="del">
-          <ac:chgData name="Esenwein Benjamin (inf20074)" userId="7720cf97-c6ae-4bac-a435-f995da81a4ba" providerId="ADAL" clId="{C010483D-60BC-418A-BCA3-6A1F85EBD2EA}" dt="2022-05-06T09:21:47.171" v="1722" actId="478"/>
-          <ac:spMkLst>
-            <pc:docMk/>
-            <pc:sldMk cId="1574959243" sldId="281"/>
-            <ac:spMk id="11" creationId="{7F7B855E-308E-4C8C-A8AE-AAE79BAAC72C}"/>
-          </ac:spMkLst>
-        </pc:spChg>
-        <pc:spChg chg="del">
-          <ac:chgData name="Esenwein Benjamin (inf20074)" userId="7720cf97-c6ae-4bac-a435-f995da81a4ba" providerId="ADAL" clId="{C010483D-60BC-418A-BCA3-6A1F85EBD2EA}" dt="2022-05-06T09:21:47.171" v="1722" actId="478"/>
-          <ac:spMkLst>
-            <pc:docMk/>
-            <pc:sldMk cId="1574959243" sldId="281"/>
-            <ac:spMk id="13" creationId="{1EB5949F-77BF-4A2C-8224-50FACB1A6AC6}"/>
-          </ac:spMkLst>
-        </pc:spChg>
-        <pc:spChg chg="del">
-          <ac:chgData name="Esenwein Benjamin (inf20074)" userId="7720cf97-c6ae-4bac-a435-f995da81a4ba" providerId="ADAL" clId="{C010483D-60BC-418A-BCA3-6A1F85EBD2EA}" dt="2022-05-06T09:21:47.171" v="1722" actId="478"/>
-          <ac:spMkLst>
-            <pc:docMk/>
-            <pc:sldMk cId="1574959243" sldId="281"/>
-            <ac:spMk id="14" creationId="{8C6FBB95-9612-4C9E-803E-D7C034AE8133}"/>
-          </ac:spMkLst>
-        </pc:spChg>
-        <pc:spChg chg="del">
-          <ac:chgData name="Esenwein Benjamin (inf20074)" userId="7720cf97-c6ae-4bac-a435-f995da81a4ba" providerId="ADAL" clId="{C010483D-60BC-418A-BCA3-6A1F85EBD2EA}" dt="2022-05-06T09:21:47.171" v="1722" actId="478"/>
-          <ac:spMkLst>
-            <pc:docMk/>
-            <pc:sldMk cId="1574959243" sldId="281"/>
-            <ac:spMk id="15" creationId="{B11C4652-3554-4227-A056-000CBC867DB1}"/>
-          </ac:spMkLst>
-        </pc:spChg>
-        <pc:spChg chg="del">
-          <ac:chgData name="Esenwein Benjamin (inf20074)" userId="7720cf97-c6ae-4bac-a435-f995da81a4ba" providerId="ADAL" clId="{C010483D-60BC-418A-BCA3-6A1F85EBD2EA}" dt="2022-05-06T09:21:47.171" v="1722" actId="478"/>
-          <ac:spMkLst>
-            <pc:docMk/>
-            <pc:sldMk cId="1574959243" sldId="281"/>
-            <ac:spMk id="16" creationId="{7376AA6A-6198-41B8-9A31-B74F35A58511}"/>
-          </ac:spMkLst>
-        </pc:spChg>
-        <pc:spChg chg="mod">
-          <ac:chgData name="Esenwein Benjamin (inf20074)" userId="7720cf97-c6ae-4bac-a435-f995da81a4ba" providerId="ADAL" clId="{C010483D-60BC-418A-BCA3-6A1F85EBD2EA}" dt="2022-05-06T09:41:13.071" v="2089" actId="20577"/>
-          <ac:spMkLst>
-            <pc:docMk/>
-            <pc:sldMk cId="1574959243" sldId="281"/>
-            <ac:spMk id="17" creationId="{60A174DC-6910-4C61-83ED-35D3EE9EE679}"/>
-          </ac:spMkLst>
-        </pc:spChg>
-        <pc:picChg chg="add mod">
-          <ac:chgData name="Esenwein Benjamin (inf20074)" userId="7720cf97-c6ae-4bac-a435-f995da81a4ba" providerId="ADAL" clId="{C010483D-60BC-418A-BCA3-6A1F85EBD2EA}" dt="2022-05-06T08:50:11.245" v="947" actId="1076"/>
-          <ac:picMkLst>
-            <pc:docMk/>
-            <pc:sldMk cId="1574959243" sldId="281"/>
-            <ac:picMk id="5" creationId="{E2BCD433-5A19-D853-B58F-0DFB157AA6B6}"/>
-          </ac:picMkLst>
-        </pc:picChg>
-        <pc:picChg chg="del">
-          <ac:chgData name="Esenwein Benjamin (inf20074)" userId="7720cf97-c6ae-4bac-a435-f995da81a4ba" providerId="ADAL" clId="{C010483D-60BC-418A-BCA3-6A1F85EBD2EA}" dt="2022-05-06T08:49:54.184" v="943" actId="478"/>
-          <ac:picMkLst>
-            <pc:docMk/>
-            <pc:sldMk cId="1574959243" sldId="281"/>
-            <ac:picMk id="33" creationId="{DA851B9E-6190-9C64-D8AF-06F1BA75DF92}"/>
-          </ac:picMkLst>
-        </pc:picChg>
-      </pc:sldChg>
-      <pc:sldChg chg="addSp delSp modSp add mod modNotesTx">
-        <pc:chgData name="Esenwein Benjamin (inf20074)" userId="7720cf97-c6ae-4bac-a435-f995da81a4ba" providerId="ADAL" clId="{C010483D-60BC-418A-BCA3-6A1F85EBD2EA}" dt="2022-05-09T13:25:02.126" v="9070" actId="1076"/>
-        <pc:sldMkLst>
-          <pc:docMk/>
-          <pc:sldMk cId="3642239420" sldId="282"/>
-        </pc:sldMkLst>
-        <pc:spChg chg="mod">
-          <ac:chgData name="Esenwein Benjamin (inf20074)" userId="7720cf97-c6ae-4bac-a435-f995da81a4ba" providerId="ADAL" clId="{C010483D-60BC-418A-BCA3-6A1F85EBD2EA}" dt="2022-05-06T09:08:56.505" v="1094" actId="20577"/>
-          <ac:spMkLst>
-            <pc:docMk/>
-            <pc:sldMk cId="3642239420" sldId="282"/>
-            <ac:spMk id="2" creationId="{D7130879-2349-44F2-9B21-A942E12F574C}"/>
-          </ac:spMkLst>
-        </pc:spChg>
-        <pc:spChg chg="del mod">
-          <ac:chgData name="Esenwein Benjamin (inf20074)" userId="7720cf97-c6ae-4bac-a435-f995da81a4ba" providerId="ADAL" clId="{C010483D-60BC-418A-BCA3-6A1F85EBD2EA}" dt="2022-05-06T09:09:48.367" v="1099" actId="1032"/>
-          <ac:spMkLst>
-            <pc:docMk/>
-            <pc:sldMk cId="3642239420" sldId="282"/>
-            <ac:spMk id="3" creationId="{A160F1B4-1AA9-4CEB-BFE1-686D0FA4E1B5}"/>
-          </ac:spMkLst>
-        </pc:spChg>
-        <pc:spChg chg="add mod">
-          <ac:chgData name="Esenwein Benjamin (inf20074)" userId="7720cf97-c6ae-4bac-a435-f995da81a4ba" providerId="ADAL" clId="{C010483D-60BC-418A-BCA3-6A1F85EBD2EA}" dt="2022-05-09T13:13:08.341" v="9005"/>
-          <ac:spMkLst>
-            <pc:docMk/>
-            <pc:sldMk cId="3642239420" sldId="282"/>
-            <ac:spMk id="8" creationId="{4993B63E-3231-AAC3-1DC1-963FDA71442C}"/>
-          </ac:spMkLst>
-        </pc:spChg>
-        <pc:spChg chg="mod">
-          <ac:chgData name="Esenwein Benjamin (inf20074)" userId="7720cf97-c6ae-4bac-a435-f995da81a4ba" providerId="ADAL" clId="{C010483D-60BC-418A-BCA3-6A1F85EBD2EA}" dt="2022-05-06T09:42:18.869" v="2111" actId="20577"/>
-          <ac:spMkLst>
-            <pc:docMk/>
-            <pc:sldMk cId="3642239420" sldId="282"/>
-            <ac:spMk id="9" creationId="{B7EAAD7A-D146-4D4A-AF76-1BF183A9ACC3}"/>
-          </ac:spMkLst>
-        </pc:spChg>
-        <pc:spChg chg="add del mod">
-          <ac:chgData name="Esenwein Benjamin (inf20074)" userId="7720cf97-c6ae-4bac-a435-f995da81a4ba" providerId="ADAL" clId="{C010483D-60BC-418A-BCA3-6A1F85EBD2EA}" dt="2022-05-09T13:23:52.300" v="9061" actId="478"/>
-          <ac:spMkLst>
-            <pc:docMk/>
-            <pc:sldMk cId="3642239420" sldId="282"/>
-            <ac:spMk id="10" creationId="{7A1D1E01-7D35-8D93-8F95-C87D95F95EED}"/>
-          </ac:spMkLst>
-        </pc:spChg>
-        <pc:spChg chg="add del mod">
-          <ac:chgData name="Esenwein Benjamin (inf20074)" userId="7720cf97-c6ae-4bac-a435-f995da81a4ba" providerId="ADAL" clId="{C010483D-60BC-418A-BCA3-6A1F85EBD2EA}" dt="2022-05-09T13:24:46.397" v="9068" actId="478"/>
-          <ac:spMkLst>
-            <pc:docMk/>
-            <pc:sldMk cId="3642239420" sldId="282"/>
-            <ac:spMk id="11" creationId="{DBFB8978-C551-2E22-631B-0CA2F7E11A9D}"/>
-          </ac:spMkLst>
-        </pc:spChg>
-        <pc:spChg chg="add mod">
-          <ac:chgData name="Esenwein Benjamin (inf20074)" userId="7720cf97-c6ae-4bac-a435-f995da81a4ba" providerId="ADAL" clId="{C010483D-60BC-418A-BCA3-6A1F85EBD2EA}" dt="2022-05-09T13:25:02.126" v="9070" actId="1076"/>
-          <ac:spMkLst>
-            <pc:docMk/>
-            <pc:sldMk cId="3642239420" sldId="282"/>
-            <ac:spMk id="12" creationId="{239C9921-30D4-C5BA-59B8-DDC93DF5712A}"/>
-          </ac:spMkLst>
-        </pc:spChg>
-        <pc:graphicFrameChg chg="add mod modGraphic">
-          <ac:chgData name="Esenwein Benjamin (inf20074)" userId="7720cf97-c6ae-4bac-a435-f995da81a4ba" providerId="ADAL" clId="{C010483D-60BC-418A-BCA3-6A1F85EBD2EA}" dt="2022-05-06T09:13:40.889" v="1311" actId="207"/>
-          <ac:graphicFrameMkLst>
-            <pc:docMk/>
-            <pc:sldMk cId="3642239420" sldId="282"/>
-            <ac:graphicFrameMk id="5" creationId="{C53CD7C0-CED3-BF0A-AEC4-A8A8D44CAE97}"/>
-          </ac:graphicFrameMkLst>
-        </pc:graphicFrameChg>
-      </pc:sldChg>
-      <pc:sldChg chg="addSp modSp modNotesTx">
-        <pc:chgData name="Esenwein Benjamin (inf20074)" userId="7720cf97-c6ae-4bac-a435-f995da81a4ba" providerId="ADAL" clId="{C010483D-60BC-418A-BCA3-6A1F85EBD2EA}" dt="2022-05-09T13:13:04.579" v="9002"/>
-        <pc:sldMkLst>
-          <pc:docMk/>
-          <pc:sldMk cId="165153229" sldId="283"/>
-        </pc:sldMkLst>
-        <pc:spChg chg="add mod">
-          <ac:chgData name="Esenwein Benjamin (inf20074)" userId="7720cf97-c6ae-4bac-a435-f995da81a4ba" providerId="ADAL" clId="{C010483D-60BC-418A-BCA3-6A1F85EBD2EA}" dt="2022-05-09T13:13:04.579" v="9002"/>
-          <ac:spMkLst>
-            <pc:docMk/>
-            <pc:sldMk cId="165153229" sldId="283"/>
-            <ac:spMk id="13" creationId="{FFC48C0D-E4F1-8212-8D49-F86F5886DF45}"/>
-          </ac:spMkLst>
-        </pc:spChg>
-      </pc:sldChg>
-    </pc:docChg>
-  </pc:docChgLst>
-  <pc:docChgLst>
-    <pc:chgData name="Plaschko Yannis (inf20093)" userId="S::inf20093@lehre.dhbw-stuttgart.de::f4d33fb3-2c8f-4127-90f7-f67e7a622ff7" providerId="AD" clId="Web-{2E079C23-D097-A176-1A23-0A7B8CFB2DD9}"/>
-    <pc:docChg chg="modSld">
-      <pc:chgData name="Plaschko Yannis (inf20093)" userId="S::inf20093@lehre.dhbw-stuttgart.de::f4d33fb3-2c8f-4127-90f7-f67e7a622ff7" providerId="AD" clId="Web-{2E079C23-D097-A176-1A23-0A7B8CFB2DD9}" dt="2022-05-06T09:40:17.076" v="618"/>
-      <pc:docMkLst>
-        <pc:docMk/>
-      </pc:docMkLst>
-      <pc:sldChg chg="addSp delSp modSp modNotes">
-        <pc:chgData name="Plaschko Yannis (inf20093)" userId="S::inf20093@lehre.dhbw-stuttgart.de::f4d33fb3-2c8f-4127-90f7-f67e7a622ff7" providerId="AD" clId="Web-{2E079C23-D097-A176-1A23-0A7B8CFB2DD9}" dt="2022-05-06T09:40:17.076" v="618"/>
-        <pc:sldMkLst>
-          <pc:docMk/>
-          <pc:sldMk cId="4147236091" sldId="262"/>
-        </pc:sldMkLst>
-        <pc:spChg chg="add del">
-          <ac:chgData name="Plaschko Yannis (inf20093)" userId="S::inf20093@lehre.dhbw-stuttgart.de::f4d33fb3-2c8f-4127-90f7-f67e7a622ff7" providerId="AD" clId="Web-{2E079C23-D097-A176-1A23-0A7B8CFB2DD9}" dt="2022-05-06T09:04:04.546" v="77"/>
-          <ac:spMkLst>
-            <pc:docMk/>
-            <pc:sldMk cId="4147236091" sldId="262"/>
-            <ac:spMk id="3" creationId="{921DF704-2D7D-1F5D-5C2F-B8BD06D6F00A}"/>
-          </ac:spMkLst>
-        </pc:spChg>
-        <pc:spChg chg="mod">
-          <ac:chgData name="Plaschko Yannis (inf20093)" userId="S::inf20093@lehre.dhbw-stuttgart.de::f4d33fb3-2c8f-4127-90f7-f67e7a622ff7" providerId="AD" clId="Web-{2E079C23-D097-A176-1A23-0A7B8CFB2DD9}" dt="2022-05-06T09:12:45.623" v="189" actId="20577"/>
-          <ac:spMkLst>
-            <pc:docMk/>
-            <pc:sldMk cId="4147236091" sldId="262"/>
-            <ac:spMk id="5" creationId="{7A0777AF-A178-3FDE-D69E-ADE3275EE46B}"/>
-          </ac:spMkLst>
-        </pc:spChg>
-        <pc:spChg chg="del">
-          <ac:chgData name="Plaschko Yannis (inf20093)" userId="S::inf20093@lehre.dhbw-stuttgart.de::f4d33fb3-2c8f-4127-90f7-f67e7a622ff7" providerId="AD" clId="Web-{2E079C23-D097-A176-1A23-0A7B8CFB2DD9}" dt="2022-05-06T09:21:30.388" v="193"/>
-          <ac:spMkLst>
-            <pc:docMk/>
-            <pc:sldMk cId="4147236091" sldId="262"/>
-            <ac:spMk id="15" creationId="{209566E8-9D98-465B-BE0F-01BCCF75D1EA}"/>
-          </ac:spMkLst>
-        </pc:spChg>
-        <pc:spChg chg="del">
-          <ac:chgData name="Plaschko Yannis (inf20093)" userId="S::inf20093@lehre.dhbw-stuttgart.de::f4d33fb3-2c8f-4127-90f7-f67e7a622ff7" providerId="AD" clId="Web-{2E079C23-D097-A176-1A23-0A7B8CFB2DD9}" dt="2022-05-06T09:21:34.545" v="196"/>
-          <ac:spMkLst>
-            <pc:docMk/>
-            <pc:sldMk cId="4147236091" sldId="262"/>
-            <ac:spMk id="17" creationId="{4CFD39F8-4CBB-4EE4-8478-BADE98CF2E40}"/>
-          </ac:spMkLst>
-        </pc:spChg>
-        <pc:spChg chg="del">
-          <ac:chgData name="Plaschko Yannis (inf20093)" userId="S::inf20093@lehre.dhbw-stuttgart.de::f4d33fb3-2c8f-4127-90f7-f67e7a622ff7" providerId="AD" clId="Web-{2E079C23-D097-A176-1A23-0A7B8CFB2DD9}" dt="2022-05-06T09:21:34.529" v="195"/>
-          <ac:spMkLst>
-            <pc:docMk/>
-            <pc:sldMk cId="4147236091" sldId="262"/>
-            <ac:spMk id="18" creationId="{65F52A42-A9AF-4503-8AF2-4EC1BBF45A1B}"/>
-          </ac:spMkLst>
-        </pc:spChg>
-        <pc:spChg chg="del">
-          <ac:chgData name="Plaschko Yannis (inf20093)" userId="S::inf20093@lehre.dhbw-stuttgart.de::f4d33fb3-2c8f-4127-90f7-f67e7a622ff7" providerId="AD" clId="Web-{2E079C23-D097-A176-1A23-0A7B8CFB2DD9}" dt="2022-05-06T09:21:34.529" v="194"/>
-          <ac:spMkLst>
-            <pc:docMk/>
-            <pc:sldMk cId="4147236091" sldId="262"/>
-            <ac:spMk id="20" creationId="{CDFA100E-A128-4646-A86D-500F8424EF60}"/>
-          </ac:spMkLst>
-        </pc:spChg>
-      </pc:sldChg>
-      <pc:sldChg chg="delSp">
-        <pc:chgData name="Plaschko Yannis (inf20093)" userId="S::inf20093@lehre.dhbw-stuttgart.de::f4d33fb3-2c8f-4127-90f7-f67e7a622ff7" providerId="AD" clId="Web-{2E079C23-D097-A176-1A23-0A7B8CFB2DD9}" dt="2022-05-06T09:21:24.560" v="192"/>
-        <pc:sldMkLst>
-          <pc:docMk/>
-          <pc:sldMk cId="3942132956" sldId="263"/>
-        </pc:sldMkLst>
-        <pc:spChg chg="del">
-          <ac:chgData name="Plaschko Yannis (inf20093)" userId="S::inf20093@lehre.dhbw-stuttgart.de::f4d33fb3-2c8f-4127-90f7-f67e7a622ff7" providerId="AD" clId="Web-{2E079C23-D097-A176-1A23-0A7B8CFB2DD9}" dt="2022-05-06T09:21:21.966" v="191"/>
-          <ac:spMkLst>
-            <pc:docMk/>
-            <pc:sldMk cId="3942132956" sldId="263"/>
-            <ac:spMk id="13" creationId="{510F2CD5-8D4D-4B3E-A766-46C21EBB3180}"/>
-          </ac:spMkLst>
-        </pc:spChg>
-        <pc:spChg chg="del">
-          <ac:chgData name="Plaschko Yannis (inf20093)" userId="S::inf20093@lehre.dhbw-stuttgart.de::f4d33fb3-2c8f-4127-90f7-f67e7a622ff7" providerId="AD" clId="Web-{2E079C23-D097-A176-1A23-0A7B8CFB2DD9}" dt="2022-05-06T09:21:24.560" v="192"/>
-          <ac:spMkLst>
-            <pc:docMk/>
-            <pc:sldMk cId="3942132956" sldId="263"/>
-            <ac:spMk id="15" creationId="{E349ECFE-6CEA-4AB3-9828-2FBEEFC29540}"/>
-          </ac:spMkLst>
-        </pc:spChg>
-        <pc:spChg chg="del">
-          <ac:chgData name="Plaschko Yannis (inf20093)" userId="S::inf20093@lehre.dhbw-stuttgart.de::f4d33fb3-2c8f-4127-90f7-f67e7a622ff7" providerId="AD" clId="Web-{2E079C23-D097-A176-1A23-0A7B8CFB2DD9}" dt="2022-05-06T09:21:20.263" v="190"/>
-          <ac:spMkLst>
-            <pc:docMk/>
-            <pc:sldMk cId="3942132956" sldId="263"/>
-            <ac:spMk id="16" creationId="{CCDE6B28-49C9-4EFD-B8A1-4ACBED39E3FC}"/>
-          </ac:spMkLst>
-        </pc:spChg>
-      </pc:sldChg>
-      <pc:sldChg chg="delSp">
-        <pc:chgData name="Plaschko Yannis (inf20093)" userId="S::inf20093@lehre.dhbw-stuttgart.de::f4d33fb3-2c8f-4127-90f7-f67e7a622ff7" providerId="AD" clId="Web-{2E079C23-D097-A176-1A23-0A7B8CFB2DD9}" dt="2022-05-06T09:22:03.811" v="216"/>
-        <pc:sldMkLst>
-          <pc:docMk/>
-          <pc:sldMk cId="3111845278" sldId="267"/>
-        </pc:sldMkLst>
-        <pc:spChg chg="del">
-          <ac:chgData name="Plaschko Yannis (inf20093)" userId="S::inf20093@lehre.dhbw-stuttgart.de::f4d33fb3-2c8f-4127-90f7-f67e7a622ff7" providerId="AD" clId="Web-{2E079C23-D097-A176-1A23-0A7B8CFB2DD9}" dt="2022-05-06T09:22:03.811" v="215"/>
-          <ac:spMkLst>
-            <pc:docMk/>
-            <pc:sldMk cId="3111845278" sldId="267"/>
-            <ac:spMk id="12" creationId="{715D1EF5-4E95-4320-B597-5C70A266DEA2}"/>
-          </ac:spMkLst>
-        </pc:spChg>
-        <pc:spChg chg="del">
-          <ac:chgData name="Plaschko Yannis (inf20093)" userId="S::inf20093@lehre.dhbw-stuttgart.de::f4d33fb3-2c8f-4127-90f7-f67e7a622ff7" providerId="AD" clId="Web-{2E079C23-D097-A176-1A23-0A7B8CFB2DD9}" dt="2022-05-06T09:22:03.811" v="216"/>
-          <ac:spMkLst>
-            <pc:docMk/>
-            <pc:sldMk cId="3111845278" sldId="267"/>
-            <ac:spMk id="19" creationId="{4833E1EC-80B5-44CE-BC19-C048774253D5}"/>
-          </ac:spMkLst>
-        </pc:spChg>
-      </pc:sldChg>
-      <pc:sldChg chg="delSp">
-        <pc:chgData name="Plaschko Yannis (inf20093)" userId="S::inf20093@lehre.dhbw-stuttgart.de::f4d33fb3-2c8f-4127-90f7-f67e7a622ff7" providerId="AD" clId="Web-{2E079C23-D097-A176-1A23-0A7B8CFB2DD9}" dt="2022-05-06T09:21:40.904" v="201"/>
-        <pc:sldMkLst>
-          <pc:docMk/>
-          <pc:sldMk cId="2321171521" sldId="273"/>
-        </pc:sldMkLst>
-        <pc:spChg chg="del">
-          <ac:chgData name="Plaschko Yannis (inf20093)" userId="S::inf20093@lehre.dhbw-stuttgart.de::f4d33fb3-2c8f-4127-90f7-f67e7a622ff7" providerId="AD" clId="Web-{2E079C23-D097-A176-1A23-0A7B8CFB2DD9}" dt="2022-05-06T09:21:40.889" v="197"/>
-          <ac:spMkLst>
-            <pc:docMk/>
-            <pc:sldMk cId="2321171521" sldId="273"/>
-            <ac:spMk id="28" creationId="{8F02DE3A-7630-45A1-AA53-B3F96052A8C4}"/>
-          </ac:spMkLst>
-        </pc:spChg>
-        <pc:spChg chg="del">
-          <ac:chgData name="Plaschko Yannis (inf20093)" userId="S::inf20093@lehre.dhbw-stuttgart.de::f4d33fb3-2c8f-4127-90f7-f67e7a622ff7" providerId="AD" clId="Web-{2E079C23-D097-A176-1A23-0A7B8CFB2DD9}" dt="2022-05-06T09:21:40.904" v="201"/>
-          <ac:spMkLst>
-            <pc:docMk/>
-            <pc:sldMk cId="2321171521" sldId="273"/>
-            <ac:spMk id="30" creationId="{DBE68B4A-A9D1-4E0A-A22A-AE958825147D}"/>
-          </ac:spMkLst>
-        </pc:spChg>
-        <pc:spChg chg="del">
-          <ac:chgData name="Plaschko Yannis (inf20093)" userId="S::inf20093@lehre.dhbw-stuttgart.de::f4d33fb3-2c8f-4127-90f7-f67e7a622ff7" providerId="AD" clId="Web-{2E079C23-D097-A176-1A23-0A7B8CFB2DD9}" dt="2022-05-06T09:21:40.904" v="200"/>
-          <ac:spMkLst>
-            <pc:docMk/>
-            <pc:sldMk cId="2321171521" sldId="273"/>
-            <ac:spMk id="31" creationId="{3F4A46D4-675F-4FA3-A15E-340C6B6519AB}"/>
-          </ac:spMkLst>
-        </pc:spChg>
-        <pc:spChg chg="del">
-          <ac:chgData name="Plaschko Yannis (inf20093)" userId="S::inf20093@lehre.dhbw-stuttgart.de::f4d33fb3-2c8f-4127-90f7-f67e7a622ff7" providerId="AD" clId="Web-{2E079C23-D097-A176-1A23-0A7B8CFB2DD9}" dt="2022-05-06T09:21:40.904" v="199"/>
-          <ac:spMkLst>
-            <pc:docMk/>
-            <pc:sldMk cId="2321171521" sldId="273"/>
-            <ac:spMk id="32" creationId="{7737097B-5D95-4F57-B602-C1B2B0EF19C8}"/>
-          </ac:spMkLst>
-        </pc:spChg>
-        <pc:spChg chg="del">
-          <ac:chgData name="Plaschko Yannis (inf20093)" userId="S::inf20093@lehre.dhbw-stuttgart.de::f4d33fb3-2c8f-4127-90f7-f67e7a622ff7" providerId="AD" clId="Web-{2E079C23-D097-A176-1A23-0A7B8CFB2DD9}" dt="2022-05-06T09:21:40.889" v="198"/>
-          <ac:spMkLst>
-            <pc:docMk/>
-            <pc:sldMk cId="2321171521" sldId="273"/>
-            <ac:spMk id="33" creationId="{12954FAD-D7FA-41A7-BF61-2E34BCA604C8}"/>
-          </ac:spMkLst>
-        </pc:spChg>
-      </pc:sldChg>
-      <pc:sldChg chg="delSp">
-        <pc:chgData name="Plaschko Yannis (inf20093)" userId="S::inf20093@lehre.dhbw-stuttgart.de::f4d33fb3-2c8f-4127-90f7-f67e7a622ff7" providerId="AD" clId="Web-{2E079C23-D097-A176-1A23-0A7B8CFB2DD9}" dt="2022-05-06T09:21:49.389" v="212"/>
-        <pc:sldMkLst>
-          <pc:docMk/>
-          <pc:sldMk cId="2378724020" sldId="276"/>
-        </pc:sldMkLst>
-        <pc:spChg chg="del">
-          <ac:chgData name="Plaschko Yannis (inf20093)" userId="S::inf20093@lehre.dhbw-stuttgart.de::f4d33fb3-2c8f-4127-90f7-f67e7a622ff7" providerId="AD" clId="Web-{2E079C23-D097-A176-1A23-0A7B8CFB2DD9}" dt="2022-05-06T09:21:49.389" v="207"/>
-          <ac:spMkLst>
-            <pc:docMk/>
-            <pc:sldMk cId="2378724020" sldId="276"/>
-            <ac:spMk id="7" creationId="{AA5EE8F0-FC60-4D7F-86F3-7A49C737DDED}"/>
-          </ac:spMkLst>
-        </pc:spChg>
-        <pc:spChg chg="del">
-          <ac:chgData name="Plaschko Yannis (inf20093)" userId="S::inf20093@lehre.dhbw-stuttgart.de::f4d33fb3-2c8f-4127-90f7-f67e7a622ff7" providerId="AD" clId="Web-{2E079C23-D097-A176-1A23-0A7B8CFB2DD9}" dt="2022-05-06T09:21:49.389" v="212"/>
-          <ac:spMkLst>
-            <pc:docMk/>
-            <pc:sldMk cId="2378724020" sldId="276"/>
-            <ac:spMk id="10" creationId="{E69DD1C9-2B33-4DCC-B4D3-77F14063339E}"/>
-          </ac:spMkLst>
-        </pc:spChg>
-        <pc:spChg chg="del">
-          <ac:chgData name="Plaschko Yannis (inf20093)" userId="S::inf20093@lehre.dhbw-stuttgart.de::f4d33fb3-2c8f-4127-90f7-f67e7a622ff7" providerId="AD" clId="Web-{2E079C23-D097-A176-1A23-0A7B8CFB2DD9}" dt="2022-05-06T09:21:49.389" v="211"/>
-          <ac:spMkLst>
-            <pc:docMk/>
-            <pc:sldMk cId="2378724020" sldId="276"/>
-            <ac:spMk id="11" creationId="{786167EF-794B-41F1-B090-CCD6CD4EA0F0}"/>
-          </ac:spMkLst>
-        </pc:spChg>
-        <pc:spChg chg="del">
-          <ac:chgData name="Plaschko Yannis (inf20093)" userId="S::inf20093@lehre.dhbw-stuttgart.de::f4d33fb3-2c8f-4127-90f7-f67e7a622ff7" providerId="AD" clId="Web-{2E079C23-D097-A176-1A23-0A7B8CFB2DD9}" dt="2022-05-06T09:21:49.389" v="210"/>
-          <ac:spMkLst>
-            <pc:docMk/>
-            <pc:sldMk cId="2378724020" sldId="276"/>
-            <ac:spMk id="12" creationId="{4881C562-1A3C-44F7-A83C-4A8A676C8599}"/>
-          </ac:spMkLst>
-        </pc:spChg>
-        <pc:spChg chg="del">
-          <ac:chgData name="Plaschko Yannis (inf20093)" userId="S::inf20093@lehre.dhbw-stuttgart.de::f4d33fb3-2c8f-4127-90f7-f67e7a622ff7" providerId="AD" clId="Web-{2E079C23-D097-A176-1A23-0A7B8CFB2DD9}" dt="2022-05-06T09:21:49.389" v="209"/>
-          <ac:spMkLst>
-            <pc:docMk/>
-            <pc:sldMk cId="2378724020" sldId="276"/>
-            <ac:spMk id="13" creationId="{5EB17F7C-757F-444B-A280-3E5862DE5F37}"/>
-          </ac:spMkLst>
-        </pc:spChg>
-        <pc:spChg chg="del">
-          <ac:chgData name="Plaschko Yannis (inf20093)" userId="S::inf20093@lehre.dhbw-stuttgart.de::f4d33fb3-2c8f-4127-90f7-f67e7a622ff7" providerId="AD" clId="Web-{2E079C23-D097-A176-1A23-0A7B8CFB2DD9}" dt="2022-05-06T09:21:49.389" v="208"/>
-          <ac:spMkLst>
-            <pc:docMk/>
-            <pc:sldMk cId="2378724020" sldId="276"/>
-            <ac:spMk id="14" creationId="{2C2C7C17-2BB7-45AA-849B-7D2A3E4A0427}"/>
-          </ac:spMkLst>
-        </pc:spChg>
-      </pc:sldChg>
-      <pc:sldChg chg="delSp">
-        <pc:chgData name="Plaschko Yannis (inf20093)" userId="S::inf20093@lehre.dhbw-stuttgart.de::f4d33fb3-2c8f-4127-90f7-f67e7a622ff7" providerId="AD" clId="Web-{2E079C23-D097-A176-1A23-0A7B8CFB2DD9}" dt="2022-05-06T09:21:44.764" v="206"/>
-        <pc:sldMkLst>
-          <pc:docMk/>
-          <pc:sldMk cId="2104648763" sldId="277"/>
-        </pc:sldMkLst>
-        <pc:spChg chg="del">
-          <ac:chgData name="Plaschko Yannis (inf20093)" userId="S::inf20093@lehre.dhbw-stuttgart.de::f4d33fb3-2c8f-4127-90f7-f67e7a622ff7" providerId="AD" clId="Web-{2E079C23-D097-A176-1A23-0A7B8CFB2DD9}" dt="2022-05-06T09:21:44.764" v="202"/>
-          <ac:spMkLst>
-            <pc:docMk/>
-            <pc:sldMk cId="2104648763" sldId="277"/>
-            <ac:spMk id="28" creationId="{8F02DE3A-7630-45A1-AA53-B3F96052A8C4}"/>
-          </ac:spMkLst>
-        </pc:spChg>
-        <pc:spChg chg="del">
-          <ac:chgData name="Plaschko Yannis (inf20093)" userId="S::inf20093@lehre.dhbw-stuttgart.de::f4d33fb3-2c8f-4127-90f7-f67e7a622ff7" providerId="AD" clId="Web-{2E079C23-D097-A176-1A23-0A7B8CFB2DD9}" dt="2022-05-06T09:21:44.764" v="206"/>
-          <ac:spMkLst>
-            <pc:docMk/>
-            <pc:sldMk cId="2104648763" sldId="277"/>
-            <ac:spMk id="30" creationId="{DBE68B4A-A9D1-4E0A-A22A-AE958825147D}"/>
-          </ac:spMkLst>
-        </pc:spChg>
-        <pc:spChg chg="del">
-          <ac:chgData name="Plaschko Yannis (inf20093)" userId="S::inf20093@lehre.dhbw-stuttgart.de::f4d33fb3-2c8f-4127-90f7-f67e7a622ff7" providerId="AD" clId="Web-{2E079C23-D097-A176-1A23-0A7B8CFB2DD9}" dt="2022-05-06T09:21:44.764" v="205"/>
-          <ac:spMkLst>
-            <pc:docMk/>
-            <pc:sldMk cId="2104648763" sldId="277"/>
-            <ac:spMk id="31" creationId="{3F4A46D4-675F-4FA3-A15E-340C6B6519AB}"/>
-          </ac:spMkLst>
-        </pc:spChg>
-        <pc:spChg chg="del">
-          <ac:chgData name="Plaschko Yannis (inf20093)" userId="S::inf20093@lehre.dhbw-stuttgart.de::f4d33fb3-2c8f-4127-90f7-f67e7a622ff7" providerId="AD" clId="Web-{2E079C23-D097-A176-1A23-0A7B8CFB2DD9}" dt="2022-05-06T09:21:44.764" v="204"/>
-          <ac:spMkLst>
-            <pc:docMk/>
-            <pc:sldMk cId="2104648763" sldId="277"/>
-            <ac:spMk id="32" creationId="{7737097B-5D95-4F57-B602-C1B2B0EF19C8}"/>
-          </ac:spMkLst>
-        </pc:spChg>
-        <pc:spChg chg="del">
-          <ac:chgData name="Plaschko Yannis (inf20093)" userId="S::inf20093@lehre.dhbw-stuttgart.de::f4d33fb3-2c8f-4127-90f7-f67e7a622ff7" providerId="AD" clId="Web-{2E079C23-D097-A176-1A23-0A7B8CFB2DD9}" dt="2022-05-06T09:21:44.764" v="203"/>
-          <ac:spMkLst>
-            <pc:docMk/>
-            <pc:sldMk cId="2104648763" sldId="277"/>
-            <ac:spMk id="33" creationId="{12954FAD-D7FA-41A7-BF61-2E34BCA604C8}"/>
-          </ac:spMkLst>
-        </pc:spChg>
-      </pc:sldChg>
-      <pc:sldChg chg="delSp">
-        <pc:chgData name="Plaschko Yannis (inf20093)" userId="S::inf20093@lehre.dhbw-stuttgart.de::f4d33fb3-2c8f-4127-90f7-f67e7a622ff7" providerId="AD" clId="Web-{2E079C23-D097-A176-1A23-0A7B8CFB2DD9}" dt="2022-05-06T09:22:01.217" v="214"/>
-        <pc:sldMkLst>
-          <pc:docMk/>
-          <pc:sldMk cId="3642239420" sldId="282"/>
-        </pc:sldMkLst>
-        <pc:spChg chg="del">
-          <ac:chgData name="Plaschko Yannis (inf20093)" userId="S::inf20093@lehre.dhbw-stuttgart.de::f4d33fb3-2c8f-4127-90f7-f67e7a622ff7" providerId="AD" clId="Web-{2E079C23-D097-A176-1A23-0A7B8CFB2DD9}" dt="2022-05-06T09:22:01.217" v="213"/>
-          <ac:spMkLst>
-            <pc:docMk/>
-            <pc:sldMk cId="3642239420" sldId="282"/>
-            <ac:spMk id="12" creationId="{715D1EF5-4E95-4320-B597-5C70A266DEA2}"/>
-          </ac:spMkLst>
-        </pc:spChg>
-        <pc:spChg chg="del">
-          <ac:chgData name="Plaschko Yannis (inf20093)" userId="S::inf20093@lehre.dhbw-stuttgart.de::f4d33fb3-2c8f-4127-90f7-f67e7a622ff7" providerId="AD" clId="Web-{2E079C23-D097-A176-1A23-0A7B8CFB2DD9}" dt="2022-05-06T09:22:01.217" v="214"/>
-          <ac:spMkLst>
-            <pc:docMk/>
-            <pc:sldMk cId="3642239420" sldId="282"/>
-            <ac:spMk id="19" creationId="{4833E1EC-80B5-44CE-BC19-C048774253D5}"/>
-          </ac:spMkLst>
-        </pc:spChg>
-      </pc:sldChg>
-    </pc:docChg>
-  </pc:docChgLst>
-  <pc:docChgLst>
-    <pc:chgData name="Benjamin Esenwein" userId="7720cf97-c6ae-4bac-a435-f995da81a4ba" providerId="ADAL" clId="{2B7C4747-E09D-9B4C-A129-252B7E70EAE5}"/>
-    <pc:docChg chg="modSld">
-      <pc:chgData name="Benjamin Esenwein" userId="7720cf97-c6ae-4bac-a435-f995da81a4ba" providerId="ADAL" clId="{2B7C4747-E09D-9B4C-A129-252B7E70EAE5}" dt="2022-05-11T10:22:31.306" v="206" actId="20577"/>
-      <pc:docMkLst>
-        <pc:docMk/>
-      </pc:docMkLst>
       <pc:sldChg chg="modNotesTx">
-        <pc:chgData name="Benjamin Esenwein" userId="7720cf97-c6ae-4bac-a435-f995da81a4ba" providerId="ADAL" clId="{2B7C4747-E09D-9B4C-A129-252B7E70EAE5}" dt="2022-05-11T10:22:31.306" v="206" actId="20577"/>
-        <pc:sldMkLst>
-          <pc:docMk/>
-          <pc:sldMk cId="3642239420" sldId="282"/>
-        </pc:sldMkLst>
-      </pc:sldChg>
-    </pc:docChg>
-  </pc:docChgLst>
-  <pc:docChgLst>
-    <pc:chgData name="Meier Maximilian (inf20084)" userId="18929341-7633-4fcc-b461-3886afb7e358" providerId="ADAL" clId="{45ACEE99-466E-4A56-BB8A-88779F9863B8}"/>
-    <pc:docChg chg="custSel modSld">
-      <pc:chgData name="Meier Maximilian (inf20084)" userId="18929341-7633-4fcc-b461-3886afb7e358" providerId="ADAL" clId="{45ACEE99-466E-4A56-BB8A-88779F9863B8}" dt="2022-05-11T18:36:49.861" v="2304" actId="113"/>
-      <pc:docMkLst>
-        <pc:docMk/>
-      </pc:docMkLst>
-      <pc:sldChg chg="modNotesTx">
-        <pc:chgData name="Meier Maximilian (inf20084)" userId="18929341-7633-4fcc-b461-3886afb7e358" providerId="ADAL" clId="{45ACEE99-466E-4A56-BB8A-88779F9863B8}" dt="2022-05-09T13:02:39.382" v="2287" actId="20577"/>
+        <pc:chgData name="Esenwein Benjamin (inf20074)" userId="7720cf97-c6ae-4bac-a435-f995da81a4ba" providerId="ADAL" clId="{45329EE9-6700-46EC-9065-79240C04B1DC}" dt="2022-05-12T18:13:33.769" v="12" actId="20577"/>
         <pc:sldMkLst>
           <pc:docMk/>
           <pc:sldMk cId="1256033996" sldId="272"/>
         </pc:sldMkLst>
       </pc:sldChg>
       <pc:sldChg chg="modNotesTx">
-        <pc:chgData name="Meier Maximilian (inf20084)" userId="18929341-7633-4fcc-b461-3886afb7e358" providerId="ADAL" clId="{45ACEE99-466E-4A56-BB8A-88779F9863B8}" dt="2022-05-09T13:02:46.633" v="2298" actId="20577"/>
+        <pc:chgData name="Esenwein Benjamin (inf20074)" userId="7720cf97-c6ae-4bac-a435-f995da81a4ba" providerId="ADAL" clId="{45329EE9-6700-46EC-9065-79240C04B1DC}" dt="2022-05-12T18:13:29.349" v="10" actId="20577"/>
+        <pc:sldMkLst>
+          <pc:docMk/>
+          <pc:sldMk cId="2321171521" sldId="273"/>
+        </pc:sldMkLst>
+      </pc:sldChg>
+      <pc:sldChg chg="modNotesTx">
+        <pc:chgData name="Esenwein Benjamin (inf20074)" userId="7720cf97-c6ae-4bac-a435-f995da81a4ba" providerId="ADAL" clId="{45329EE9-6700-46EC-9065-79240C04B1DC}" dt="2022-05-12T18:13:41.565" v="16" actId="20577"/>
+        <pc:sldMkLst>
+          <pc:docMk/>
+          <pc:sldMk cId="3906682851" sldId="275"/>
+        </pc:sldMkLst>
+      </pc:sldChg>
+      <pc:sldChg chg="modNotesTx">
+        <pc:chgData name="Esenwein Benjamin (inf20074)" userId="7720cf97-c6ae-4bac-a435-f995da81a4ba" providerId="ADAL" clId="{45329EE9-6700-46EC-9065-79240C04B1DC}" dt="2022-05-12T18:13:31.849" v="11" actId="20577"/>
         <pc:sldMkLst>
           <pc:docMk/>
           <pc:sldMk cId="2378724020" sldId="276"/>
         </pc:sldMkLst>
       </pc:sldChg>
       <pc:sldChg chg="modNotesTx">
-        <pc:chgData name="Meier Maximilian (inf20084)" userId="18929341-7633-4fcc-b461-3886afb7e358" providerId="ADAL" clId="{45ACEE99-466E-4A56-BB8A-88779F9863B8}" dt="2022-05-09T12:54:56.833" v="2221" actId="20577"/>
+        <pc:chgData name="Esenwein Benjamin (inf20074)" userId="7720cf97-c6ae-4bac-a435-f995da81a4ba" providerId="ADAL" clId="{45329EE9-6700-46EC-9065-79240C04B1DC}" dt="2022-05-12T18:13:27.322" v="9" actId="20577"/>
         <pc:sldMkLst>
           <pc:docMk/>
           <pc:sldMk cId="2104648763" sldId="277"/>
         </pc:sldMkLst>
       </pc:sldChg>
       <pc:sldChg chg="modNotesTx">
-        <pc:chgData name="Meier Maximilian (inf20084)" userId="18929341-7633-4fcc-b461-3886afb7e358" providerId="ADAL" clId="{45ACEE99-466E-4A56-BB8A-88779F9863B8}" dt="2022-05-09T13:02:21.605" v="2269" actId="113"/>
+        <pc:chgData name="Esenwein Benjamin (inf20074)" userId="7720cf97-c6ae-4bac-a435-f995da81a4ba" providerId="ADAL" clId="{45329EE9-6700-46EC-9065-79240C04B1DC}" dt="2022-05-12T18:13:37.575" v="14" actId="20577"/>
         <pc:sldMkLst>
           <pc:docMk/>
           <pc:sldMk cId="393263840" sldId="278"/>
         </pc:sldMkLst>
       </pc:sldChg>
       <pc:sldChg chg="modNotesTx">
-        <pc:chgData name="Meier Maximilian (inf20084)" userId="18929341-7633-4fcc-b461-3886afb7e358" providerId="ADAL" clId="{45ACEE99-466E-4A56-BB8A-88779F9863B8}" dt="2022-05-11T18:36:49.861" v="2304" actId="113"/>
+        <pc:chgData name="Esenwein Benjamin (inf20074)" userId="7720cf97-c6ae-4bac-a435-f995da81a4ba" providerId="ADAL" clId="{45329EE9-6700-46EC-9065-79240C04B1DC}" dt="2022-05-12T18:13:44.315" v="17" actId="20577"/>
+        <pc:sldMkLst>
+          <pc:docMk/>
+          <pc:sldMk cId="2648086358" sldId="279"/>
+        </pc:sldMkLst>
+      </pc:sldChg>
+      <pc:sldChg chg="modNotesTx">
+        <pc:chgData name="Esenwein Benjamin (inf20074)" userId="7720cf97-c6ae-4bac-a435-f995da81a4ba" providerId="ADAL" clId="{45329EE9-6700-46EC-9065-79240C04B1DC}" dt="2022-05-12T18:13:39.616" v="15" actId="20577"/>
         <pc:sldMkLst>
           <pc:docMk/>
           <pc:sldMk cId="614259539" sldId="280"/>
         </pc:sldMkLst>
       </pc:sldChg>
       <pc:sldChg chg="modNotesTx">
-        <pc:chgData name="Meier Maximilian (inf20084)" userId="18929341-7633-4fcc-b461-3886afb7e358" providerId="ADAL" clId="{45ACEE99-466E-4A56-BB8A-88779F9863B8}" dt="2022-05-09T13:02:27.485" v="2271" actId="20577"/>
-        <pc:sldMkLst>
-          <pc:docMk/>
-          <pc:sldMk cId="1574959243" sldId="281"/>
-        </pc:sldMkLst>
-      </pc:sldChg>
-      <pc:sldChg chg="modSp mod">
-        <pc:chgData name="Meier Maximilian (inf20084)" userId="18929341-7633-4fcc-b461-3886afb7e358" providerId="ADAL" clId="{45ACEE99-466E-4A56-BB8A-88779F9863B8}" dt="2022-05-09T12:27:57.084" v="418" actId="20577"/>
-        <pc:sldMkLst>
-          <pc:docMk/>
-          <pc:sldMk cId="2628852825" sldId="284"/>
-        </pc:sldMkLst>
-        <pc:spChg chg="mod">
-          <ac:chgData name="Meier Maximilian (inf20084)" userId="18929341-7633-4fcc-b461-3886afb7e358" providerId="ADAL" clId="{45ACEE99-466E-4A56-BB8A-88779F9863B8}" dt="2022-05-09T12:27:57.084" v="418" actId="20577"/>
-          <ac:spMkLst>
-            <pc:docMk/>
-            <pc:sldMk cId="2628852825" sldId="284"/>
-            <ac:spMk id="2" creationId="{D7130879-2349-44F2-9B21-A942E12F574C}"/>
-          </ac:spMkLst>
-        </pc:spChg>
-        <pc:spChg chg="mod">
-          <ac:chgData name="Meier Maximilian (inf20084)" userId="18929341-7633-4fcc-b461-3886afb7e358" providerId="ADAL" clId="{45ACEE99-466E-4A56-BB8A-88779F9863B8}" dt="2022-05-09T12:26:48.617" v="402" actId="20577"/>
-          <ac:spMkLst>
-            <pc:docMk/>
-            <pc:sldMk cId="2628852825" sldId="284"/>
-            <ac:spMk id="5" creationId="{C4D08AD4-79F3-4FD8-931D-6EE0272372F0}"/>
-          </ac:spMkLst>
-        </pc:spChg>
-      </pc:sldChg>
-    </pc:docChg>
-  </pc:docChgLst>
-  <pc:docChgLst>
-    <pc:chgData name="Meier Maximilian (inf20084)" userId="18929341-7633-4fcc-b461-3886afb7e358" providerId="ADAL" clId="{77B75BB7-7822-4AAC-BF4F-AB70BD85F32A}"/>
-    <pc:docChg chg="undo custSel addSld delSld modSld">
-      <pc:chgData name="Meier Maximilian (inf20084)" userId="18929341-7633-4fcc-b461-3886afb7e358" providerId="ADAL" clId="{77B75BB7-7822-4AAC-BF4F-AB70BD85F32A}" dt="2022-05-11T19:03:01.835" v="34" actId="20577"/>
-      <pc:docMkLst>
-        <pc:docMk/>
-      </pc:docMkLst>
-      <pc:sldChg chg="modNotesTx">
-        <pc:chgData name="Meier Maximilian (inf20084)" userId="18929341-7633-4fcc-b461-3886afb7e358" providerId="ADAL" clId="{77B75BB7-7822-4AAC-BF4F-AB70BD85F32A}" dt="2022-05-11T19:03:01.835" v="34" actId="20577"/>
-        <pc:sldMkLst>
-          <pc:docMk/>
-          <pc:sldMk cId="2505959144" sldId="256"/>
-        </pc:sldMkLst>
-      </pc:sldChg>
-      <pc:sldChg chg="modNotesTx">
-        <pc:chgData name="Meier Maximilian (inf20084)" userId="18929341-7633-4fcc-b461-3886afb7e358" providerId="ADAL" clId="{77B75BB7-7822-4AAC-BF4F-AB70BD85F32A}" dt="2022-05-11T19:01:54.942" v="11" actId="20577"/>
-        <pc:sldMkLst>
-          <pc:docMk/>
-          <pc:sldMk cId="1575568240" sldId="257"/>
-        </pc:sldMkLst>
-      </pc:sldChg>
-      <pc:sldChg chg="delCm modNotesTx">
-        <pc:chgData name="Meier Maximilian (inf20084)" userId="18929341-7633-4fcc-b461-3886afb7e358" providerId="ADAL" clId="{77B75BB7-7822-4AAC-BF4F-AB70BD85F32A}" dt="2022-05-11T19:01:52.527" v="10" actId="20577"/>
-        <pc:sldMkLst>
-          <pc:docMk/>
-          <pc:sldMk cId="719139584" sldId="258"/>
-        </pc:sldMkLst>
-      </pc:sldChg>
-      <pc:sldChg chg="del">
-        <pc:chgData name="Meier Maximilian (inf20084)" userId="18929341-7633-4fcc-b461-3886afb7e358" providerId="ADAL" clId="{77B75BB7-7822-4AAC-BF4F-AB70BD85F32A}" dt="2022-05-11T18:57:16.788" v="0" actId="2696"/>
-        <pc:sldMkLst>
-          <pc:docMk/>
-          <pc:sldMk cId="452856955" sldId="259"/>
-        </pc:sldMkLst>
-      </pc:sldChg>
-      <pc:sldChg chg="delCm modNotesTx">
-        <pc:chgData name="Meier Maximilian (inf20084)" userId="18929341-7633-4fcc-b461-3886afb7e358" providerId="ADAL" clId="{77B75BB7-7822-4AAC-BF4F-AB70BD85F32A}" dt="2022-05-11T19:02:41.448" v="28" actId="20577"/>
-        <pc:sldMkLst>
-          <pc:docMk/>
-          <pc:sldMk cId="4147236091" sldId="262"/>
-        </pc:sldMkLst>
-      </pc:sldChg>
-      <pc:sldChg chg="delCm modNotesTx">
-        <pc:chgData name="Meier Maximilian (inf20084)" userId="18929341-7633-4fcc-b461-3886afb7e358" providerId="ADAL" clId="{77B75BB7-7822-4AAC-BF4F-AB70BD85F32A}" dt="2022-05-11T19:02:38.797" v="27" actId="20577"/>
-        <pc:sldMkLst>
-          <pc:docMk/>
-          <pc:sldMk cId="3942132956" sldId="263"/>
-        </pc:sldMkLst>
-      </pc:sldChg>
-      <pc:sldChg chg="modNotesTx">
-        <pc:chgData name="Meier Maximilian (inf20084)" userId="18929341-7633-4fcc-b461-3886afb7e358" providerId="ADAL" clId="{77B75BB7-7822-4AAC-BF4F-AB70BD85F32A}" dt="2022-05-11T19:02:46.060" v="30" actId="20577"/>
-        <pc:sldMkLst>
-          <pc:docMk/>
-          <pc:sldMk cId="3108174479" sldId="264"/>
-        </pc:sldMkLst>
-      </pc:sldChg>
-      <pc:sldChg chg="modNotesTx">
-        <pc:chgData name="Meier Maximilian (inf20084)" userId="18929341-7633-4fcc-b461-3886afb7e358" providerId="ADAL" clId="{77B75BB7-7822-4AAC-BF4F-AB70BD85F32A}" dt="2022-05-11T19:02:47.798" v="31" actId="20577"/>
-        <pc:sldMkLst>
-          <pc:docMk/>
-          <pc:sldMk cId="3111845278" sldId="267"/>
-        </pc:sldMkLst>
-      </pc:sldChg>
-      <pc:sldChg chg="modNotesTx">
-        <pc:chgData name="Meier Maximilian (inf20084)" userId="18929341-7633-4fcc-b461-3886afb7e358" providerId="ADAL" clId="{77B75BB7-7822-4AAC-BF4F-AB70BD85F32A}" dt="2022-05-11T19:02:53.166" v="33" actId="20577"/>
-        <pc:sldMkLst>
-          <pc:docMk/>
-          <pc:sldMk cId="408674404" sldId="268"/>
-        </pc:sldMkLst>
-      </pc:sldChg>
-      <pc:sldChg chg="delCm modNotesTx">
-        <pc:chgData name="Meier Maximilian (inf20084)" userId="18929341-7633-4fcc-b461-3886afb7e358" providerId="ADAL" clId="{77B75BB7-7822-4AAC-BF4F-AB70BD85F32A}" dt="2022-05-11T19:02:26.272" v="23" actId="20577"/>
-        <pc:sldMkLst>
-          <pc:docMk/>
-          <pc:sldMk cId="1256033996" sldId="272"/>
-        </pc:sldMkLst>
-      </pc:sldChg>
-      <pc:sldChg chg="del">
-        <pc:chgData name="Meier Maximilian (inf20084)" userId="18929341-7633-4fcc-b461-3886afb7e358" providerId="ADAL" clId="{77B75BB7-7822-4AAC-BF4F-AB70BD85F32A}" dt="2022-05-11T18:57:21.631" v="2" actId="2696"/>
-        <pc:sldMkLst>
-          <pc:docMk/>
-          <pc:sldMk cId="2321171521" sldId="273"/>
-        </pc:sldMkLst>
-      </pc:sldChg>
-      <pc:sldChg chg="modNotesTx">
-        <pc:chgData name="Meier Maximilian (inf20084)" userId="18929341-7633-4fcc-b461-3886afb7e358" providerId="ADAL" clId="{77B75BB7-7822-4AAC-BF4F-AB70BD85F32A}" dt="2022-05-11T19:02:07.066" v="15" actId="20577"/>
-        <pc:sldMkLst>
-          <pc:docMk/>
-          <pc:sldMk cId="3906682851" sldId="275"/>
-        </pc:sldMkLst>
-      </pc:sldChg>
-      <pc:sldChg chg="modNotesTx">
-        <pc:chgData name="Meier Maximilian (inf20084)" userId="18929341-7633-4fcc-b461-3886afb7e358" providerId="ADAL" clId="{77B75BB7-7822-4AAC-BF4F-AB70BD85F32A}" dt="2022-05-11T19:02:30.547" v="24" actId="20577"/>
-        <pc:sldMkLst>
-          <pc:docMk/>
-          <pc:sldMk cId="2378724020" sldId="276"/>
-        </pc:sldMkLst>
-      </pc:sldChg>
-      <pc:sldChg chg="modNotesTx">
-        <pc:chgData name="Meier Maximilian (inf20084)" userId="18929341-7633-4fcc-b461-3886afb7e358" providerId="ADAL" clId="{77B75BB7-7822-4AAC-BF4F-AB70BD85F32A}" dt="2022-05-11T19:02:36.284" v="26" actId="20577"/>
-        <pc:sldMkLst>
-          <pc:docMk/>
-          <pc:sldMk cId="2104648763" sldId="277"/>
-        </pc:sldMkLst>
-      </pc:sldChg>
-      <pc:sldChg chg="add del modNotesTx">
-        <pc:chgData name="Meier Maximilian (inf20084)" userId="18929341-7633-4fcc-b461-3886afb7e358" providerId="ADAL" clId="{77B75BB7-7822-4AAC-BF4F-AB70BD85F32A}" dt="2022-05-11T19:02:19.526" v="21" actId="5793"/>
-        <pc:sldMkLst>
-          <pc:docMk/>
-          <pc:sldMk cId="393263840" sldId="278"/>
-        </pc:sldMkLst>
-      </pc:sldChg>
-      <pc:sldChg chg="modNotesTx">
-        <pc:chgData name="Meier Maximilian (inf20084)" userId="18929341-7633-4fcc-b461-3886afb7e358" providerId="ADAL" clId="{77B75BB7-7822-4AAC-BF4F-AB70BD85F32A}" dt="2022-05-11T19:01:57.996" v="12" actId="20577"/>
-        <pc:sldMkLst>
-          <pc:docMk/>
-          <pc:sldMk cId="2648086358" sldId="279"/>
-        </pc:sldMkLst>
-      </pc:sldChg>
-      <pc:sldChg chg="modNotesTx">
-        <pc:chgData name="Meier Maximilian (inf20084)" userId="18929341-7633-4fcc-b461-3886afb7e358" providerId="ADAL" clId="{77B75BB7-7822-4AAC-BF4F-AB70BD85F32A}" dt="2022-05-11T19:02:09.992" v="16" actId="20577"/>
-        <pc:sldMkLst>
-          <pc:docMk/>
-          <pc:sldMk cId="614259539" sldId="280"/>
-        </pc:sldMkLst>
-      </pc:sldChg>
-      <pc:sldChg chg="modNotesTx">
-        <pc:chgData name="Meier Maximilian (inf20084)" userId="18929341-7633-4fcc-b461-3886afb7e358" providerId="ADAL" clId="{77B75BB7-7822-4AAC-BF4F-AB70BD85F32A}" dt="2022-05-11T19:02:23.574" v="22" actId="20577"/>
+        <pc:chgData name="Esenwein Benjamin (inf20074)" userId="7720cf97-c6ae-4bac-a435-f995da81a4ba" providerId="ADAL" clId="{45329EE9-6700-46EC-9065-79240C04B1DC}" dt="2022-05-12T18:13:35.840" v="13" actId="20577"/>
         <pc:sldMkLst>
           <pc:docMk/>
           <pc:sldMk cId="1574959243" sldId="281"/>
         </pc:sldMkLst>
       </pc:sldChg>
       <pc:sldChg chg="modNotesTx">
-        <pc:chgData name="Meier Maximilian (inf20084)" userId="18929341-7633-4fcc-b461-3886afb7e358" providerId="ADAL" clId="{77B75BB7-7822-4AAC-BF4F-AB70BD85F32A}" dt="2022-05-11T19:02:50.748" v="32" actId="20577"/>
+        <pc:chgData name="Esenwein Benjamin (inf20074)" userId="7720cf97-c6ae-4bac-a435-f995da81a4ba" providerId="ADAL" clId="{45329EE9-6700-46EC-9065-79240C04B1DC}" dt="2022-05-12T18:13:18.946" v="6" actId="20577"/>
         <pc:sldMkLst>
           <pc:docMk/>
           <pc:sldMk cId="3642239420" sldId="282"/>
         </pc:sldMkLst>
       </pc:sldChg>
       <pc:sldChg chg="modNotesTx">
-        <pc:chgData name="Meier Maximilian (inf20084)" userId="18929341-7633-4fcc-b461-3886afb7e358" providerId="ADAL" clId="{77B75BB7-7822-4AAC-BF4F-AB70BD85F32A}" dt="2022-05-11T19:02:43.874" v="29" actId="20577"/>
+        <pc:chgData name="Esenwein Benjamin (inf20074)" userId="7720cf97-c6ae-4bac-a435-f995da81a4ba" providerId="ADAL" clId="{45329EE9-6700-46EC-9065-79240C04B1DC}" dt="2022-05-12T18:13:10.133" v="2" actId="20577"/>
         <pc:sldMkLst>
           <pc:docMk/>
           <pc:sldMk cId="165153229" sldId="283"/>
         </pc:sldMkLst>
       </pc:sldChg>
-      <pc:sldChg chg="del">
-        <pc:chgData name="Meier Maximilian (inf20084)" userId="18929341-7633-4fcc-b461-3886afb7e358" providerId="ADAL" clId="{77B75BB7-7822-4AAC-BF4F-AB70BD85F32A}" dt="2022-05-11T18:57:19.003" v="1" actId="2696"/>
+      <pc:sldChg chg="modNotesTx">
+        <pc:chgData name="Esenwein Benjamin (inf20074)" userId="7720cf97-c6ae-4bac-a435-f995da81a4ba" providerId="ADAL" clId="{45329EE9-6700-46EC-9065-79240C04B1DC}" dt="2022-05-12T18:13:16.611" v="5" actId="20577"/>
         <pc:sldMkLst>
           <pc:docMk/>
           <pc:sldMk cId="2628852825" sldId="284"/>
@@ -2677,692 +305,127 @@
       </pc:sldChg>
     </pc:docChg>
   </pc:docChgLst>
-  <pc:docChgLst>
-    <pc:chgData name="Lucas Kaczynski" userId="708919b4-25d7-44a9-b300-2323f832514c" providerId="ADAL" clId="{AF9CAFC3-B7B0-462A-8080-455BF6740E08}"/>
-    <pc:docChg chg="undo custSel addSld modSld sldOrd">
-      <pc:chgData name="Lucas Kaczynski" userId="708919b4-25d7-44a9-b300-2323f832514c" providerId="ADAL" clId="{AF9CAFC3-B7B0-462A-8080-455BF6740E08}" dt="2022-05-09T14:07:47.732" v="1452" actId="207"/>
-      <pc:docMkLst>
-        <pc:docMk/>
-      </pc:docMkLst>
-      <pc:sldChg chg="modSp mod">
-        <pc:chgData name="Lucas Kaczynski" userId="708919b4-25d7-44a9-b300-2323f832514c" providerId="ADAL" clId="{AF9CAFC3-B7B0-462A-8080-455BF6740E08}" dt="2022-05-09T12:20:35.301" v="557" actId="14100"/>
-        <pc:sldMkLst>
-          <pc:docMk/>
-          <pc:sldMk cId="2505959144" sldId="256"/>
-        </pc:sldMkLst>
-        <pc:spChg chg="mod">
-          <ac:chgData name="Lucas Kaczynski" userId="708919b4-25d7-44a9-b300-2323f832514c" providerId="ADAL" clId="{AF9CAFC3-B7B0-462A-8080-455BF6740E08}" dt="2022-05-09T12:20:35.301" v="557" actId="14100"/>
-          <ac:spMkLst>
-            <pc:docMk/>
-            <pc:sldMk cId="2505959144" sldId="256"/>
-            <ac:spMk id="2" creationId="{FEA21FFC-A6C3-4E95-94C4-C1E4C4F6F8D3}"/>
-          </ac:spMkLst>
-        </pc:spChg>
-      </pc:sldChg>
-      <pc:sldChg chg="modSp mod">
-        <pc:chgData name="Lucas Kaczynski" userId="708919b4-25d7-44a9-b300-2323f832514c" providerId="ADAL" clId="{AF9CAFC3-B7B0-462A-8080-455BF6740E08}" dt="2022-05-09T12:19:47.453" v="550" actId="20577"/>
-        <pc:sldMkLst>
-          <pc:docMk/>
-          <pc:sldMk cId="1575568240" sldId="257"/>
-        </pc:sldMkLst>
-        <pc:spChg chg="mod">
-          <ac:chgData name="Lucas Kaczynski" userId="708919b4-25d7-44a9-b300-2323f832514c" providerId="ADAL" clId="{AF9CAFC3-B7B0-462A-8080-455BF6740E08}" dt="2022-05-09T12:19:47.453" v="550" actId="20577"/>
-          <ac:spMkLst>
-            <pc:docMk/>
-            <pc:sldMk cId="1575568240" sldId="257"/>
-            <ac:spMk id="3" creationId="{DF539375-44E3-4147-BAE7-6E5166F80167}"/>
-          </ac:spMkLst>
-        </pc:spChg>
-      </pc:sldChg>
-      <pc:sldChg chg="addSp delSp modSp mod modNotesTx">
-        <pc:chgData name="Lucas Kaczynski" userId="708919b4-25d7-44a9-b300-2323f832514c" providerId="ADAL" clId="{AF9CAFC3-B7B0-462A-8080-455BF6740E08}" dt="2022-05-09T14:07:47.732" v="1452" actId="207"/>
-        <pc:sldMkLst>
-          <pc:docMk/>
-          <pc:sldMk cId="3942132956" sldId="263"/>
-        </pc:sldMkLst>
-        <pc:spChg chg="mod">
-          <ac:chgData name="Lucas Kaczynski" userId="708919b4-25d7-44a9-b300-2323f832514c" providerId="ADAL" clId="{AF9CAFC3-B7B0-462A-8080-455BF6740E08}" dt="2022-05-09T12:43:01.329" v="1439" actId="20577"/>
-          <ac:spMkLst>
-            <pc:docMk/>
-            <pc:sldMk cId="3942132956" sldId="263"/>
-            <ac:spMk id="7" creationId="{FC78B868-2DAB-42D6-8796-474CB0AE7293}"/>
-          </ac:spMkLst>
-        </pc:spChg>
-        <pc:picChg chg="add del mod">
-          <ac:chgData name="Lucas Kaczynski" userId="708919b4-25d7-44a9-b300-2323f832514c" providerId="ADAL" clId="{AF9CAFC3-B7B0-462A-8080-455BF6740E08}" dt="2022-05-09T12:44:16.585" v="1443" actId="478"/>
-          <ac:picMkLst>
-            <pc:docMk/>
-            <pc:sldMk cId="3942132956" sldId="263"/>
-            <ac:picMk id="5" creationId="{72BE7B61-7859-458C-AF56-9A5791F62AA4}"/>
-          </ac:picMkLst>
-        </pc:picChg>
-        <pc:picChg chg="add mod">
-          <ac:chgData name="Lucas Kaczynski" userId="708919b4-25d7-44a9-b300-2323f832514c" providerId="ADAL" clId="{AF9CAFC3-B7B0-462A-8080-455BF6740E08}" dt="2022-05-09T12:44:49.397" v="1448" actId="1076"/>
-          <ac:picMkLst>
-            <pc:docMk/>
-            <pc:sldMk cId="3942132956" sldId="263"/>
-            <ac:picMk id="9" creationId="{AA1634B9-D634-4C9B-A8EA-8EAADF776B20}"/>
-          </ac:picMkLst>
-        </pc:picChg>
-      </pc:sldChg>
-      <pc:sldChg chg="mod modShow">
-        <pc:chgData name="Lucas Kaczynski" userId="708919b4-25d7-44a9-b300-2323f832514c" providerId="ADAL" clId="{AF9CAFC3-B7B0-462A-8080-455BF6740E08}" dt="2022-05-04T15:06:29.718" v="61" actId="729"/>
-        <pc:sldMkLst>
-          <pc:docMk/>
-          <pc:sldMk cId="943001127" sldId="265"/>
-        </pc:sldMkLst>
-      </pc:sldChg>
-      <pc:sldChg chg="mod modShow">
-        <pc:chgData name="Lucas Kaczynski" userId="708919b4-25d7-44a9-b300-2323f832514c" providerId="ADAL" clId="{AF9CAFC3-B7B0-462A-8080-455BF6740E08}" dt="2022-05-04T15:13:53.768" v="123" actId="729"/>
-        <pc:sldMkLst>
-          <pc:docMk/>
-          <pc:sldMk cId="2321171521" sldId="273"/>
-        </pc:sldMkLst>
-      </pc:sldChg>
-      <pc:sldChg chg="addSp delSp modSp add mod ord">
-        <pc:chgData name="Lucas Kaczynski" userId="708919b4-25d7-44a9-b300-2323f832514c" providerId="ADAL" clId="{AF9CAFC3-B7B0-462A-8080-455BF6740E08}" dt="2022-05-04T15:17:18.025" v="136" actId="1076"/>
-        <pc:sldMkLst>
-          <pc:docMk/>
-          <pc:sldMk cId="4064143564" sldId="274"/>
-        </pc:sldMkLst>
-        <pc:spChg chg="add del">
-          <ac:chgData name="Lucas Kaczynski" userId="708919b4-25d7-44a9-b300-2323f832514c" providerId="ADAL" clId="{AF9CAFC3-B7B0-462A-8080-455BF6740E08}" dt="2022-05-04T15:11:33.538" v="110" actId="11529"/>
-          <ac:spMkLst>
-            <pc:docMk/>
-            <pc:sldMk cId="4064143564" sldId="274"/>
-            <ac:spMk id="3" creationId="{4A8C1FE0-334A-4395-B4C6-DDEF987F9D57}"/>
-          </ac:spMkLst>
-        </pc:spChg>
-        <pc:spChg chg="add mod">
-          <ac:chgData name="Lucas Kaczynski" userId="708919b4-25d7-44a9-b300-2323f832514c" providerId="ADAL" clId="{AF9CAFC3-B7B0-462A-8080-455BF6740E08}" dt="2022-05-04T15:04:31.115" v="10" actId="207"/>
-          <ac:spMkLst>
-            <pc:docMk/>
-            <pc:sldMk cId="4064143564" sldId="274"/>
-            <ac:spMk id="18" creationId="{14FCC5EB-6E84-40F7-85F9-89A7EB345E16}"/>
-          </ac:spMkLst>
-        </pc:spChg>
-        <pc:spChg chg="add mod">
-          <ac:chgData name="Lucas Kaczynski" userId="708919b4-25d7-44a9-b300-2323f832514c" providerId="ADAL" clId="{AF9CAFC3-B7B0-462A-8080-455BF6740E08}" dt="2022-05-04T15:04:14.431" v="6" actId="207"/>
-          <ac:spMkLst>
-            <pc:docMk/>
-            <pc:sldMk cId="4064143564" sldId="274"/>
-            <ac:spMk id="19" creationId="{C8EC3EB2-8074-411E-8567-FBACDD10A994}"/>
-          </ac:spMkLst>
-        </pc:spChg>
-        <pc:spChg chg="add mod">
-          <ac:chgData name="Lucas Kaczynski" userId="708919b4-25d7-44a9-b300-2323f832514c" providerId="ADAL" clId="{AF9CAFC3-B7B0-462A-8080-455BF6740E08}" dt="2022-05-04T15:04:28.150" v="9" actId="207"/>
-          <ac:spMkLst>
-            <pc:docMk/>
-            <pc:sldMk cId="4064143564" sldId="274"/>
-            <ac:spMk id="20" creationId="{9748CD91-246F-4AAF-BF57-A355114465F5}"/>
-          </ac:spMkLst>
-        </pc:spChg>
-        <pc:spChg chg="add del mod">
-          <ac:chgData name="Lucas Kaczynski" userId="708919b4-25d7-44a9-b300-2323f832514c" providerId="ADAL" clId="{AF9CAFC3-B7B0-462A-8080-455BF6740E08}" dt="2022-05-04T15:16:29.857" v="130" actId="478"/>
-          <ac:spMkLst>
-            <pc:docMk/>
-            <pc:sldMk cId="4064143564" sldId="274"/>
-            <ac:spMk id="24" creationId="{9037C0D7-7CB4-4911-BD56-CC481CB388CE}"/>
-          </ac:spMkLst>
-        </pc:spChg>
-        <pc:picChg chg="del">
-          <ac:chgData name="Lucas Kaczynski" userId="708919b4-25d7-44a9-b300-2323f832514c" providerId="ADAL" clId="{AF9CAFC3-B7B0-462A-8080-455BF6740E08}" dt="2022-05-04T14:48:18.335" v="1" actId="478"/>
-          <ac:picMkLst>
-            <pc:docMk/>
-            <pc:sldMk cId="4064143564" sldId="274"/>
-            <ac:picMk id="5" creationId="{498ADD88-7C60-4287-8469-ED9DD450D546}"/>
-          </ac:picMkLst>
-        </pc:picChg>
-        <pc:picChg chg="add mod">
-          <ac:chgData name="Lucas Kaczynski" userId="708919b4-25d7-44a9-b300-2323f832514c" providerId="ADAL" clId="{AF9CAFC3-B7B0-462A-8080-455BF6740E08}" dt="2022-05-04T15:16:19.242" v="127" actId="1076"/>
-          <ac:picMkLst>
-            <pc:docMk/>
-            <pc:sldMk cId="4064143564" sldId="274"/>
-            <ac:picMk id="9" creationId="{1B52F9BE-19CF-4E19-8409-44D0A9AC220C}"/>
-          </ac:picMkLst>
-        </pc:picChg>
-        <pc:picChg chg="del">
-          <ac:chgData name="Lucas Kaczynski" userId="708919b4-25d7-44a9-b300-2323f832514c" providerId="ADAL" clId="{AF9CAFC3-B7B0-462A-8080-455BF6740E08}" dt="2022-05-04T15:03:57.620" v="2" actId="478"/>
-          <ac:picMkLst>
-            <pc:docMk/>
-            <pc:sldMk cId="4064143564" sldId="274"/>
-            <ac:picMk id="12" creationId="{B5EC90F6-2066-4874-9F3A-A56A104413C9}"/>
-          </ac:picMkLst>
-        </pc:picChg>
-        <pc:picChg chg="add mod">
-          <ac:chgData name="Lucas Kaczynski" userId="708919b4-25d7-44a9-b300-2323f832514c" providerId="ADAL" clId="{AF9CAFC3-B7B0-462A-8080-455BF6740E08}" dt="2022-05-04T15:17:12.885" v="135" actId="1076"/>
-          <ac:picMkLst>
-            <pc:docMk/>
-            <pc:sldMk cId="4064143564" sldId="274"/>
-            <ac:picMk id="26" creationId="{70CE5B13-DB37-4A40-861A-B13E092D1838}"/>
-          </ac:picMkLst>
-        </pc:picChg>
-        <pc:picChg chg="add mod">
-          <ac:chgData name="Lucas Kaczynski" userId="708919b4-25d7-44a9-b300-2323f832514c" providerId="ADAL" clId="{AF9CAFC3-B7B0-462A-8080-455BF6740E08}" dt="2022-05-04T15:17:18.025" v="136" actId="1076"/>
-          <ac:picMkLst>
-            <pc:docMk/>
-            <pc:sldMk cId="4064143564" sldId="274"/>
-            <ac:picMk id="28" creationId="{CFFA21A8-69E6-48E9-8557-91ED33C9AB8A}"/>
-          </ac:picMkLst>
-        </pc:picChg>
-        <pc:cxnChg chg="add mod">
-          <ac:chgData name="Lucas Kaczynski" userId="708919b4-25d7-44a9-b300-2323f832514c" providerId="ADAL" clId="{AF9CAFC3-B7B0-462A-8080-455BF6740E08}" dt="2022-05-04T15:11:18.667" v="108" actId="692"/>
-          <ac:cxnSpMkLst>
-            <pc:docMk/>
-            <pc:sldMk cId="4064143564" sldId="274"/>
-            <ac:cxnSpMk id="21" creationId="{15E7D1D0-E3E7-4A61-A076-3D40F9EAFB17}"/>
-          </ac:cxnSpMkLst>
-        </pc:cxnChg>
-        <pc:cxnChg chg="add mod">
-          <ac:chgData name="Lucas Kaczynski" userId="708919b4-25d7-44a9-b300-2323f832514c" providerId="ADAL" clId="{AF9CAFC3-B7B0-462A-8080-455BF6740E08}" dt="2022-05-04T15:05:01.562" v="46" actId="692"/>
-          <ac:cxnSpMkLst>
-            <pc:docMk/>
-            <pc:sldMk cId="4064143564" sldId="274"/>
-            <ac:cxnSpMk id="22" creationId="{62F8220F-80C6-4E72-B2C5-80FBA93C6E2A}"/>
-          </ac:cxnSpMkLst>
-        </pc:cxnChg>
-        <pc:cxnChg chg="add mod">
-          <ac:chgData name="Lucas Kaczynski" userId="708919b4-25d7-44a9-b300-2323f832514c" providerId="ADAL" clId="{AF9CAFC3-B7B0-462A-8080-455BF6740E08}" dt="2022-05-04T15:04:57.806" v="45" actId="692"/>
-          <ac:cxnSpMkLst>
-            <pc:docMk/>
-            <pc:sldMk cId="4064143564" sldId="274"/>
-            <ac:cxnSpMk id="23" creationId="{825BB289-1100-4EE1-9ACF-5EC5FF6DC2BF}"/>
-          </ac:cxnSpMkLst>
-        </pc:cxnChg>
-      </pc:sldChg>
-      <pc:sldChg chg="addSp delSp modSp add mod ord modShow">
-        <pc:chgData name="Lucas Kaczynski" userId="708919b4-25d7-44a9-b300-2323f832514c" providerId="ADAL" clId="{AF9CAFC3-B7B0-462A-8080-455BF6740E08}" dt="2022-05-04T15:07:14.021" v="75"/>
-        <pc:sldMkLst>
-          <pc:docMk/>
-          <pc:sldMk cId="3906682851" sldId="275"/>
-        </pc:sldMkLst>
-        <pc:spChg chg="mod">
-          <ac:chgData name="Lucas Kaczynski" userId="708919b4-25d7-44a9-b300-2323f832514c" providerId="ADAL" clId="{AF9CAFC3-B7B0-462A-8080-455BF6740E08}" dt="2022-05-04T15:07:09.916" v="73" actId="20577"/>
-          <ac:spMkLst>
-            <pc:docMk/>
-            <pc:sldMk cId="3906682851" sldId="275"/>
-            <ac:spMk id="2" creationId="{41BEF49C-9A74-47E5-BEA8-0F56E53ACD27}"/>
-          </ac:spMkLst>
-        </pc:spChg>
-        <pc:spChg chg="add mod ord">
-          <ac:chgData name="Lucas Kaczynski" userId="708919b4-25d7-44a9-b300-2323f832514c" providerId="ADAL" clId="{AF9CAFC3-B7B0-462A-8080-455BF6740E08}" dt="2022-05-04T15:06:12.536" v="55" actId="167"/>
-          <ac:spMkLst>
-            <pc:docMk/>
-            <pc:sldMk cId="3906682851" sldId="275"/>
-            <ac:spMk id="3" creationId="{BC18DBFF-01AE-421A-9F18-50499284929B}"/>
-          </ac:spMkLst>
-        </pc:spChg>
-        <pc:spChg chg="del mod">
-          <ac:chgData name="Lucas Kaczynski" userId="708919b4-25d7-44a9-b300-2323f832514c" providerId="ADAL" clId="{AF9CAFC3-B7B0-462A-8080-455BF6740E08}" dt="2022-05-04T15:06:17.537" v="58" actId="478"/>
-          <ac:spMkLst>
-            <pc:docMk/>
-            <pc:sldMk cId="3906682851" sldId="275"/>
-            <ac:spMk id="7" creationId="{9BA4BE39-D5CC-4407-B8B9-8C17DDB719B4}"/>
-          </ac:spMkLst>
-        </pc:spChg>
-        <pc:spChg chg="del">
-          <ac:chgData name="Lucas Kaczynski" userId="708919b4-25d7-44a9-b300-2323f832514c" providerId="ADAL" clId="{AF9CAFC3-B7B0-462A-8080-455BF6740E08}" dt="2022-05-04T15:06:20.847" v="60" actId="478"/>
-          <ac:spMkLst>
-            <pc:docMk/>
-            <pc:sldMk cId="3906682851" sldId="275"/>
-            <ac:spMk id="11" creationId="{8C0CABCE-9729-4340-BE4A-358949FD759E}"/>
-          </ac:spMkLst>
-        </pc:spChg>
-        <pc:spChg chg="del">
-          <ac:chgData name="Lucas Kaczynski" userId="708919b4-25d7-44a9-b300-2323f832514c" providerId="ADAL" clId="{AF9CAFC3-B7B0-462A-8080-455BF6740E08}" dt="2022-05-04T15:06:19.425" v="59" actId="478"/>
-          <ac:spMkLst>
-            <pc:docMk/>
-            <pc:sldMk cId="3906682851" sldId="275"/>
-            <ac:spMk id="19" creationId="{92F382EB-2698-4AE3-8689-76B65CE3AAFD}"/>
-          </ac:spMkLst>
-        </pc:spChg>
-        <pc:spChg chg="del">
-          <ac:chgData name="Lucas Kaczynski" userId="708919b4-25d7-44a9-b300-2323f832514c" providerId="ADAL" clId="{AF9CAFC3-B7B0-462A-8080-455BF6740E08}" dt="2022-05-04T15:06:03.644" v="54" actId="478"/>
-          <ac:spMkLst>
-            <pc:docMk/>
-            <pc:sldMk cId="3906682851" sldId="275"/>
-            <ac:spMk id="23" creationId="{17004FF8-7BBD-478D-A1EC-664852512FB2}"/>
-          </ac:spMkLst>
-        </pc:spChg>
-        <pc:grpChg chg="del">
-          <ac:chgData name="Lucas Kaczynski" userId="708919b4-25d7-44a9-b300-2323f832514c" providerId="ADAL" clId="{AF9CAFC3-B7B0-462A-8080-455BF6740E08}" dt="2022-05-04T15:06:13.798" v="56" actId="478"/>
-          <ac:grpSpMkLst>
-            <pc:docMk/>
-            <pc:sldMk cId="3906682851" sldId="275"/>
-            <ac:grpSpMk id="24" creationId="{E43CD1C5-71EC-4B1C-BB00-55F5529E774E}"/>
-          </ac:grpSpMkLst>
-        </pc:grpChg>
-        <pc:picChg chg="del">
-          <ac:chgData name="Lucas Kaczynski" userId="708919b4-25d7-44a9-b300-2323f832514c" providerId="ADAL" clId="{AF9CAFC3-B7B0-462A-8080-455BF6740E08}" dt="2022-05-04T15:05:55.783" v="53" actId="478"/>
-          <ac:picMkLst>
-            <pc:docMk/>
-            <pc:sldMk cId="3906682851" sldId="275"/>
-            <ac:picMk id="1026" creationId="{A6B07CCD-D2CC-42B8-93BA-AB79E27EC9E7}"/>
-          </ac:picMkLst>
-        </pc:picChg>
-      </pc:sldChg>
-      <pc:sldChg chg="addSp delSp modSp add mod modNotesTx">
-        <pc:chgData name="Lucas Kaczynski" userId="708919b4-25d7-44a9-b300-2323f832514c" providerId="ADAL" clId="{AF9CAFC3-B7B0-462A-8080-455BF6740E08}" dt="2022-05-09T12:38:49.714" v="1422" actId="20577"/>
-        <pc:sldMkLst>
-          <pc:docMk/>
-          <pc:sldMk cId="2378724020" sldId="276"/>
-        </pc:sldMkLst>
-        <pc:spChg chg="mod">
-          <ac:chgData name="Lucas Kaczynski" userId="708919b4-25d7-44a9-b300-2323f832514c" providerId="ADAL" clId="{AF9CAFC3-B7B0-462A-8080-455BF6740E08}" dt="2022-05-04T15:13:29.789" v="115" actId="1076"/>
-          <ac:spMkLst>
-            <pc:docMk/>
-            <pc:sldMk cId="2378724020" sldId="276"/>
-            <ac:spMk id="2" creationId="{6A6CFDC0-5DE2-410C-961A-B89176639397}"/>
-          </ac:spMkLst>
-        </pc:spChg>
-        <pc:spChg chg="add mod">
-          <ac:chgData name="Lucas Kaczynski" userId="708919b4-25d7-44a9-b300-2323f832514c" providerId="ADAL" clId="{AF9CAFC3-B7B0-462A-8080-455BF6740E08}" dt="2022-05-04T15:13:42.749" v="121"/>
-          <ac:spMkLst>
-            <pc:docMk/>
-            <pc:sldMk cId="2378724020" sldId="276"/>
-            <ac:spMk id="16" creationId="{6E195DF1-1F99-4CFF-AB9E-D6C2759A4202}"/>
-          </ac:spMkLst>
-        </pc:spChg>
-        <pc:spChg chg="mod">
-          <ac:chgData name="Lucas Kaczynski" userId="708919b4-25d7-44a9-b300-2323f832514c" providerId="ADAL" clId="{AF9CAFC3-B7B0-462A-8080-455BF6740E08}" dt="2022-05-04T15:13:42.749" v="121"/>
-          <ac:spMkLst>
-            <pc:docMk/>
-            <pc:sldMk cId="2378724020" sldId="276"/>
-            <ac:spMk id="18" creationId="{9CA323E3-F4D0-4DBD-B645-56A12127229A}"/>
-          </ac:spMkLst>
-        </pc:spChg>
-        <pc:spChg chg="mod">
-          <ac:chgData name="Lucas Kaczynski" userId="708919b4-25d7-44a9-b300-2323f832514c" providerId="ADAL" clId="{AF9CAFC3-B7B0-462A-8080-455BF6740E08}" dt="2022-05-04T15:13:42.749" v="121"/>
-          <ac:spMkLst>
-            <pc:docMk/>
-            <pc:sldMk cId="2378724020" sldId="276"/>
-            <ac:spMk id="19" creationId="{2513FB95-A2EE-4773-90E3-A36208D39790}"/>
-          </ac:spMkLst>
-        </pc:spChg>
-        <pc:spChg chg="add mod">
-          <ac:chgData name="Lucas Kaczynski" userId="708919b4-25d7-44a9-b300-2323f832514c" providerId="ADAL" clId="{AF9CAFC3-B7B0-462A-8080-455BF6740E08}" dt="2022-05-04T15:13:42.749" v="121"/>
-          <ac:spMkLst>
-            <pc:docMk/>
-            <pc:sldMk cId="2378724020" sldId="276"/>
-            <ac:spMk id="20" creationId="{0D8727F7-9A6F-4112-9DB5-546098A25595}"/>
-          </ac:spMkLst>
-        </pc:spChg>
-        <pc:spChg chg="mod">
-          <ac:chgData name="Lucas Kaczynski" userId="708919b4-25d7-44a9-b300-2323f832514c" providerId="ADAL" clId="{AF9CAFC3-B7B0-462A-8080-455BF6740E08}" dt="2022-05-04T15:13:42.749" v="121"/>
-          <ac:spMkLst>
-            <pc:docMk/>
-            <pc:sldMk cId="2378724020" sldId="276"/>
-            <ac:spMk id="22" creationId="{438E4974-5BAB-4461-BA59-FB76678032F7}"/>
-          </ac:spMkLst>
-        </pc:spChg>
-        <pc:spChg chg="mod">
-          <ac:chgData name="Lucas Kaczynski" userId="708919b4-25d7-44a9-b300-2323f832514c" providerId="ADAL" clId="{AF9CAFC3-B7B0-462A-8080-455BF6740E08}" dt="2022-05-04T15:13:42.749" v="121"/>
-          <ac:spMkLst>
-            <pc:docMk/>
-            <pc:sldMk cId="2378724020" sldId="276"/>
-            <ac:spMk id="23" creationId="{85C14738-2035-4A08-ACEE-235B761419C0}"/>
-          </ac:spMkLst>
-        </pc:spChg>
-        <pc:spChg chg="add mod">
-          <ac:chgData name="Lucas Kaczynski" userId="708919b4-25d7-44a9-b300-2323f832514c" providerId="ADAL" clId="{AF9CAFC3-B7B0-462A-8080-455BF6740E08}" dt="2022-05-04T15:13:42.749" v="121"/>
-          <ac:spMkLst>
-            <pc:docMk/>
-            <pc:sldMk cId="2378724020" sldId="276"/>
-            <ac:spMk id="24" creationId="{42F9A34E-9F52-4A05-BE12-3F1B7CB51226}"/>
-          </ac:spMkLst>
-        </pc:spChg>
-        <pc:spChg chg="mod">
-          <ac:chgData name="Lucas Kaczynski" userId="708919b4-25d7-44a9-b300-2323f832514c" providerId="ADAL" clId="{AF9CAFC3-B7B0-462A-8080-455BF6740E08}" dt="2022-05-04T15:13:42.749" v="121"/>
-          <ac:spMkLst>
-            <pc:docMk/>
-            <pc:sldMk cId="2378724020" sldId="276"/>
-            <ac:spMk id="26" creationId="{40B7B2B4-E520-4977-BE88-C78420F65946}"/>
-          </ac:spMkLst>
-        </pc:spChg>
-        <pc:spChg chg="mod">
-          <ac:chgData name="Lucas Kaczynski" userId="708919b4-25d7-44a9-b300-2323f832514c" providerId="ADAL" clId="{AF9CAFC3-B7B0-462A-8080-455BF6740E08}" dt="2022-05-04T15:13:42.749" v="121"/>
-          <ac:spMkLst>
-            <pc:docMk/>
-            <pc:sldMk cId="2378724020" sldId="276"/>
-            <ac:spMk id="27" creationId="{AD5D2F99-4098-4BCE-BE03-E09D4D73F936}"/>
-          </ac:spMkLst>
-        </pc:spChg>
-        <pc:spChg chg="add mod">
-          <ac:chgData name="Lucas Kaczynski" userId="708919b4-25d7-44a9-b300-2323f832514c" providerId="ADAL" clId="{AF9CAFC3-B7B0-462A-8080-455BF6740E08}" dt="2022-05-04T15:13:42.749" v="121"/>
-          <ac:spMkLst>
-            <pc:docMk/>
-            <pc:sldMk cId="2378724020" sldId="276"/>
-            <ac:spMk id="28" creationId="{EB9CCD2F-C7A3-4ED6-A830-1005D8987844}"/>
-          </ac:spMkLst>
-        </pc:spChg>
-        <pc:spChg chg="mod">
-          <ac:chgData name="Lucas Kaczynski" userId="708919b4-25d7-44a9-b300-2323f832514c" providerId="ADAL" clId="{AF9CAFC3-B7B0-462A-8080-455BF6740E08}" dt="2022-05-04T15:13:42.749" v="121"/>
-          <ac:spMkLst>
-            <pc:docMk/>
-            <pc:sldMk cId="2378724020" sldId="276"/>
-            <ac:spMk id="30" creationId="{1B278218-DF43-4558-8805-9DAFBEABE4B6}"/>
-          </ac:spMkLst>
-        </pc:spChg>
-        <pc:spChg chg="mod">
-          <ac:chgData name="Lucas Kaczynski" userId="708919b4-25d7-44a9-b300-2323f832514c" providerId="ADAL" clId="{AF9CAFC3-B7B0-462A-8080-455BF6740E08}" dt="2022-05-04T15:28:17.990" v="209" actId="400"/>
-          <ac:spMkLst>
-            <pc:docMk/>
-            <pc:sldMk cId="2378724020" sldId="276"/>
-            <ac:spMk id="31" creationId="{FC555DFB-CBBC-41CC-BCE2-449F5DC86508}"/>
-          </ac:spMkLst>
-        </pc:spChg>
-        <pc:spChg chg="add mod">
-          <ac:chgData name="Lucas Kaczynski" userId="708919b4-25d7-44a9-b300-2323f832514c" providerId="ADAL" clId="{AF9CAFC3-B7B0-462A-8080-455BF6740E08}" dt="2022-05-04T15:13:42.749" v="121"/>
-          <ac:spMkLst>
-            <pc:docMk/>
-            <pc:sldMk cId="2378724020" sldId="276"/>
-            <ac:spMk id="32" creationId="{CAF54C21-1801-4B7D-8619-499781B88714}"/>
-          </ac:spMkLst>
-        </pc:spChg>
-        <pc:spChg chg="mod">
-          <ac:chgData name="Lucas Kaczynski" userId="708919b4-25d7-44a9-b300-2323f832514c" providerId="ADAL" clId="{AF9CAFC3-B7B0-462A-8080-455BF6740E08}" dt="2022-05-04T15:13:42.749" v="121"/>
-          <ac:spMkLst>
-            <pc:docMk/>
-            <pc:sldMk cId="2378724020" sldId="276"/>
-            <ac:spMk id="34" creationId="{8E4389AF-1602-4F7B-BB5A-68B949739C15}"/>
-          </ac:spMkLst>
-        </pc:spChg>
-        <pc:spChg chg="mod">
-          <ac:chgData name="Lucas Kaczynski" userId="708919b4-25d7-44a9-b300-2323f832514c" providerId="ADAL" clId="{AF9CAFC3-B7B0-462A-8080-455BF6740E08}" dt="2022-05-04T15:13:42.749" v="121"/>
-          <ac:spMkLst>
-            <pc:docMk/>
-            <pc:sldMk cId="2378724020" sldId="276"/>
-            <ac:spMk id="35" creationId="{EEA17FF5-6DAF-424D-AF42-820761329F6C}"/>
-          </ac:spMkLst>
-        </pc:spChg>
-        <pc:grpChg chg="add mod">
-          <ac:chgData name="Lucas Kaczynski" userId="708919b4-25d7-44a9-b300-2323f832514c" providerId="ADAL" clId="{AF9CAFC3-B7B0-462A-8080-455BF6740E08}" dt="2022-05-04T15:13:42.749" v="121"/>
-          <ac:grpSpMkLst>
-            <pc:docMk/>
-            <pc:sldMk cId="2378724020" sldId="276"/>
-            <ac:grpSpMk id="17" creationId="{04956F6E-43BD-4198-AAC4-BE2DC7D24382}"/>
-          </ac:grpSpMkLst>
-        </pc:grpChg>
-        <pc:grpChg chg="add mod">
-          <ac:chgData name="Lucas Kaczynski" userId="708919b4-25d7-44a9-b300-2323f832514c" providerId="ADAL" clId="{AF9CAFC3-B7B0-462A-8080-455BF6740E08}" dt="2022-05-04T15:13:42.749" v="121"/>
-          <ac:grpSpMkLst>
-            <pc:docMk/>
-            <pc:sldMk cId="2378724020" sldId="276"/>
-            <ac:grpSpMk id="21" creationId="{8508D922-3896-4B52-802A-E13816AB1F08}"/>
-          </ac:grpSpMkLst>
-        </pc:grpChg>
-        <pc:grpChg chg="add mod">
-          <ac:chgData name="Lucas Kaczynski" userId="708919b4-25d7-44a9-b300-2323f832514c" providerId="ADAL" clId="{AF9CAFC3-B7B0-462A-8080-455BF6740E08}" dt="2022-05-04T15:13:42.749" v="121"/>
-          <ac:grpSpMkLst>
-            <pc:docMk/>
-            <pc:sldMk cId="2378724020" sldId="276"/>
-            <ac:grpSpMk id="25" creationId="{03D501B9-A30E-4CA5-8499-0AE9D841BBE3}"/>
-          </ac:grpSpMkLst>
-        </pc:grpChg>
-        <pc:grpChg chg="add mod">
-          <ac:chgData name="Lucas Kaczynski" userId="708919b4-25d7-44a9-b300-2323f832514c" providerId="ADAL" clId="{AF9CAFC3-B7B0-462A-8080-455BF6740E08}" dt="2022-05-04T15:13:42.749" v="121"/>
-          <ac:grpSpMkLst>
-            <pc:docMk/>
-            <pc:sldMk cId="2378724020" sldId="276"/>
-            <ac:grpSpMk id="29" creationId="{F5A21062-3B4F-4A6E-B730-C505A4D796CD}"/>
-          </ac:grpSpMkLst>
-        </pc:grpChg>
-        <pc:grpChg chg="add mod">
-          <ac:chgData name="Lucas Kaczynski" userId="708919b4-25d7-44a9-b300-2323f832514c" providerId="ADAL" clId="{AF9CAFC3-B7B0-462A-8080-455BF6740E08}" dt="2022-05-04T15:13:42.749" v="121"/>
-          <ac:grpSpMkLst>
-            <pc:docMk/>
-            <pc:sldMk cId="2378724020" sldId="276"/>
-            <ac:grpSpMk id="33" creationId="{9475E9A8-E1F2-495A-BF03-B7C7F4DC431B}"/>
-          </ac:grpSpMkLst>
-        </pc:grpChg>
-        <pc:graphicFrameChg chg="del mod">
-          <ac:chgData name="Lucas Kaczynski" userId="708919b4-25d7-44a9-b300-2323f832514c" providerId="ADAL" clId="{AF9CAFC3-B7B0-462A-8080-455BF6740E08}" dt="2022-05-04T15:13:41.396" v="120" actId="478"/>
-          <ac:graphicFrameMkLst>
-            <pc:docMk/>
-            <pc:sldMk cId="2378724020" sldId="276"/>
-            <ac:graphicFrameMk id="9" creationId="{60A33CBF-DE16-4C1D-BF35-F06D1970B5CF}"/>
-          </ac:graphicFrameMkLst>
-        </pc:graphicFrameChg>
-      </pc:sldChg>
-      <pc:sldChg chg="addSp delSp modSp add mod ord modNotesTx">
-        <pc:chgData name="Lucas Kaczynski" userId="708919b4-25d7-44a9-b300-2323f832514c" providerId="ADAL" clId="{AF9CAFC3-B7B0-462A-8080-455BF6740E08}" dt="2022-05-09T12:36:43.813" v="1253" actId="20577"/>
-        <pc:sldMkLst>
-          <pc:docMk/>
-          <pc:sldMk cId="2104648763" sldId="277"/>
-        </pc:sldMkLst>
-        <pc:spChg chg="mod">
-          <ac:chgData name="Lucas Kaczynski" userId="708919b4-25d7-44a9-b300-2323f832514c" providerId="ADAL" clId="{AF9CAFC3-B7B0-462A-8080-455BF6740E08}" dt="2022-05-04T15:20:02.455" v="142" actId="20577"/>
-          <ac:spMkLst>
-            <pc:docMk/>
-            <pc:sldMk cId="2104648763" sldId="277"/>
-            <ac:spMk id="2" creationId="{6A6CFDC0-5DE2-410C-961A-B89176639397}"/>
-          </ac:spMkLst>
-        </pc:spChg>
-        <pc:spChg chg="del">
-          <ac:chgData name="Lucas Kaczynski" userId="708919b4-25d7-44a9-b300-2323f832514c" providerId="ADAL" clId="{AF9CAFC3-B7B0-462A-8080-455BF6740E08}" dt="2022-05-04T15:35:08.591" v="300" actId="478"/>
-          <ac:spMkLst>
-            <pc:docMk/>
-            <pc:sldMk cId="2104648763" sldId="277"/>
-            <ac:spMk id="7" creationId="{780377B8-6937-4A10-B113-37BF87377B97}"/>
-          </ac:spMkLst>
-        </pc:spChg>
-        <pc:spChg chg="del">
-          <ac:chgData name="Lucas Kaczynski" userId="708919b4-25d7-44a9-b300-2323f832514c" providerId="ADAL" clId="{AF9CAFC3-B7B0-462A-8080-455BF6740E08}" dt="2022-05-04T15:35:08.591" v="300" actId="478"/>
-          <ac:spMkLst>
-            <pc:docMk/>
-            <pc:sldMk cId="2104648763" sldId="277"/>
-            <ac:spMk id="9" creationId="{BA806A11-12F3-448A-9F3D-64B2FAD844AA}"/>
-          </ac:spMkLst>
-        </pc:spChg>
-        <pc:spChg chg="del">
-          <ac:chgData name="Lucas Kaczynski" userId="708919b4-25d7-44a9-b300-2323f832514c" providerId="ADAL" clId="{AF9CAFC3-B7B0-462A-8080-455BF6740E08}" dt="2022-05-04T15:35:08.591" v="300" actId="478"/>
-          <ac:spMkLst>
-            <pc:docMk/>
-            <pc:sldMk cId="2104648763" sldId="277"/>
-            <ac:spMk id="12" creationId="{DB74E022-5806-4D04-8E85-16364B4EE69F}"/>
-          </ac:spMkLst>
-        </pc:spChg>
-        <pc:spChg chg="del">
-          <ac:chgData name="Lucas Kaczynski" userId="708919b4-25d7-44a9-b300-2323f832514c" providerId="ADAL" clId="{AF9CAFC3-B7B0-462A-8080-455BF6740E08}" dt="2022-05-04T15:35:08.591" v="300" actId="478"/>
-          <ac:spMkLst>
-            <pc:docMk/>
-            <pc:sldMk cId="2104648763" sldId="277"/>
-            <ac:spMk id="14" creationId="{953223C7-ED6C-4A32-BD42-B38D3E43D205}"/>
-          </ac:spMkLst>
-        </pc:spChg>
-        <pc:spChg chg="mod">
-          <ac:chgData name="Lucas Kaczynski" userId="708919b4-25d7-44a9-b300-2323f832514c" providerId="ADAL" clId="{AF9CAFC3-B7B0-462A-8080-455BF6740E08}" dt="2022-05-04T15:23:49.528" v="173" actId="20577"/>
-          <ac:spMkLst>
-            <pc:docMk/>
-            <pc:sldMk cId="2104648763" sldId="277"/>
-            <ac:spMk id="19" creationId="{25D5378C-F897-4741-942B-6E04FA679BCD}"/>
-          </ac:spMkLst>
-        </pc:spChg>
-        <pc:spChg chg="mod">
-          <ac:chgData name="Lucas Kaczynski" userId="708919b4-25d7-44a9-b300-2323f832514c" providerId="ADAL" clId="{AF9CAFC3-B7B0-462A-8080-455BF6740E08}" dt="2022-05-04T15:23:43.344" v="162" actId="20577"/>
-          <ac:spMkLst>
-            <pc:docMk/>
-            <pc:sldMk cId="2104648763" sldId="277"/>
-            <ac:spMk id="21" creationId="{00E9A149-4714-4353-BB5C-B910CBF08A43}"/>
-          </ac:spMkLst>
-        </pc:spChg>
-        <pc:spChg chg="mod">
-          <ac:chgData name="Lucas Kaczynski" userId="708919b4-25d7-44a9-b300-2323f832514c" providerId="ADAL" clId="{AF9CAFC3-B7B0-462A-8080-455BF6740E08}" dt="2022-05-04T15:23:37.446" v="153" actId="20577"/>
-          <ac:spMkLst>
-            <pc:docMk/>
-            <pc:sldMk cId="2104648763" sldId="277"/>
-            <ac:spMk id="23" creationId="{1BB51F13-25F7-4E04-AECF-AC39A158E874}"/>
-          </ac:spMkLst>
-        </pc:spChg>
-        <pc:spChg chg="del">
-          <ac:chgData name="Lucas Kaczynski" userId="708919b4-25d7-44a9-b300-2323f832514c" providerId="ADAL" clId="{AF9CAFC3-B7B0-462A-8080-455BF6740E08}" dt="2022-05-04T15:35:08.591" v="300" actId="478"/>
-          <ac:spMkLst>
-            <pc:docMk/>
-            <pc:sldMk cId="2104648763" sldId="277"/>
-            <ac:spMk id="24" creationId="{0F2FB9E3-12BE-4772-A03C-D38F3829E8D5}"/>
-          </ac:spMkLst>
-        </pc:spChg>
-        <pc:grpChg chg="del">
-          <ac:chgData name="Lucas Kaczynski" userId="708919b4-25d7-44a9-b300-2323f832514c" providerId="ADAL" clId="{AF9CAFC3-B7B0-462A-8080-455BF6740E08}" dt="2022-05-04T15:35:08.591" v="300" actId="478"/>
-          <ac:grpSpMkLst>
-            <pc:docMk/>
-            <pc:sldMk cId="2104648763" sldId="277"/>
-            <ac:grpSpMk id="8" creationId="{14C7D399-98CD-4188-92D8-D858A7DF117A}"/>
-          </ac:grpSpMkLst>
-        </pc:grpChg>
-        <pc:grpChg chg="del">
-          <ac:chgData name="Lucas Kaczynski" userId="708919b4-25d7-44a9-b300-2323f832514c" providerId="ADAL" clId="{AF9CAFC3-B7B0-462A-8080-455BF6740E08}" dt="2022-05-04T15:35:08.591" v="300" actId="478"/>
-          <ac:grpSpMkLst>
-            <pc:docMk/>
-            <pc:sldMk cId="2104648763" sldId="277"/>
-            <ac:grpSpMk id="11" creationId="{418262F6-8B29-4DB7-A900-300D5A9F3662}"/>
-          </ac:grpSpMkLst>
-        </pc:grpChg>
-        <pc:grpChg chg="del">
-          <ac:chgData name="Lucas Kaczynski" userId="708919b4-25d7-44a9-b300-2323f832514c" providerId="ADAL" clId="{AF9CAFC3-B7B0-462A-8080-455BF6740E08}" dt="2022-05-04T15:35:08.591" v="300" actId="478"/>
-          <ac:grpSpMkLst>
-            <pc:docMk/>
-            <pc:sldMk cId="2104648763" sldId="277"/>
-            <ac:grpSpMk id="13" creationId="{E74FBD9F-C169-4D83-BFCD-D9CFE733F23D}"/>
-          </ac:grpSpMkLst>
-        </pc:grpChg>
-        <pc:grpChg chg="del">
-          <ac:chgData name="Lucas Kaczynski" userId="708919b4-25d7-44a9-b300-2323f832514c" providerId="ADAL" clId="{AF9CAFC3-B7B0-462A-8080-455BF6740E08}" dt="2022-05-04T15:35:08.591" v="300" actId="478"/>
-          <ac:grpSpMkLst>
-            <pc:docMk/>
-            <pc:sldMk cId="2104648763" sldId="277"/>
-            <ac:grpSpMk id="15" creationId="{655402DF-B7E3-4030-AD0C-810234406D04}"/>
-          </ac:grpSpMkLst>
-        </pc:grpChg>
-        <pc:grpChg chg="del">
-          <ac:chgData name="Lucas Kaczynski" userId="708919b4-25d7-44a9-b300-2323f832514c" providerId="ADAL" clId="{AF9CAFC3-B7B0-462A-8080-455BF6740E08}" dt="2022-05-04T15:35:08.591" v="300" actId="478"/>
-          <ac:grpSpMkLst>
-            <pc:docMk/>
-            <pc:sldMk cId="2104648763" sldId="277"/>
-            <ac:grpSpMk id="25" creationId="{3F11B13D-445B-4BE0-BF9C-1C83EBA1D1F1}"/>
-          </ac:grpSpMkLst>
-        </pc:grpChg>
-        <pc:graphicFrameChg chg="add mod">
-          <ac:chgData name="Lucas Kaczynski" userId="708919b4-25d7-44a9-b300-2323f832514c" providerId="ADAL" clId="{AF9CAFC3-B7B0-462A-8080-455BF6740E08}" dt="2022-05-04T15:35:59.585" v="377" actId="20577"/>
-          <ac:graphicFrameMkLst>
-            <pc:docMk/>
-            <pc:sldMk cId="2104648763" sldId="277"/>
-            <ac:graphicFrameMk id="35" creationId="{E8B4E82C-C82A-49C1-882C-A1FE5480A492}"/>
-          </ac:graphicFrameMkLst>
-        </pc:graphicFrameChg>
-      </pc:sldChg>
-      <pc:sldChg chg="modSp mod">
-        <pc:chgData name="Lucas Kaczynski" userId="708919b4-25d7-44a9-b300-2323f832514c" providerId="ADAL" clId="{AF9CAFC3-B7B0-462A-8080-455BF6740E08}" dt="2022-05-06T09:41:53.421" v="405" actId="1076"/>
-        <pc:sldMkLst>
-          <pc:docMk/>
-          <pc:sldMk cId="614259539" sldId="280"/>
-        </pc:sldMkLst>
-        <pc:picChg chg="mod">
-          <ac:chgData name="Lucas Kaczynski" userId="708919b4-25d7-44a9-b300-2323f832514c" providerId="ADAL" clId="{AF9CAFC3-B7B0-462A-8080-455BF6740E08}" dt="2022-05-06T09:41:53.421" v="405" actId="1076"/>
-          <ac:picMkLst>
-            <pc:docMk/>
-            <pc:sldMk cId="614259539" sldId="280"/>
-            <ac:picMk id="5" creationId="{511A81EF-85CD-0B4E-8FAF-5920536E5CAF}"/>
-          </ac:picMkLst>
-        </pc:picChg>
-      </pc:sldChg>
-      <pc:sldChg chg="addSp delSp modSp add mod">
-        <pc:chgData name="Lucas Kaczynski" userId="708919b4-25d7-44a9-b300-2323f832514c" providerId="ADAL" clId="{AF9CAFC3-B7B0-462A-8080-455BF6740E08}" dt="2022-05-09T12:55:45.455" v="1451" actId="208"/>
-        <pc:sldMkLst>
-          <pc:docMk/>
-          <pc:sldMk cId="165153229" sldId="283"/>
-        </pc:sldMkLst>
-        <pc:spChg chg="mod">
-          <ac:chgData name="Lucas Kaczynski" userId="708919b4-25d7-44a9-b300-2323f832514c" providerId="ADAL" clId="{AF9CAFC3-B7B0-462A-8080-455BF6740E08}" dt="2022-05-09T12:08:28.031" v="466" actId="20577"/>
-          <ac:spMkLst>
-            <pc:docMk/>
-            <pc:sldMk cId="165153229" sldId="283"/>
-            <ac:spMk id="2" creationId="{1747C8D8-D661-4E78-B917-32AB748623DB}"/>
-          </ac:spMkLst>
-        </pc:spChg>
-        <pc:spChg chg="del mod">
-          <ac:chgData name="Lucas Kaczynski" userId="708919b4-25d7-44a9-b300-2323f832514c" providerId="ADAL" clId="{AF9CAFC3-B7B0-462A-8080-455BF6740E08}" dt="2022-05-09T12:11:21.813" v="468" actId="478"/>
-          <ac:spMkLst>
-            <pc:docMk/>
-            <pc:sldMk cId="165153229" sldId="283"/>
-            <ac:spMk id="5" creationId="{7A0777AF-A178-3FDE-D69E-ADE3275EE46B}"/>
-          </ac:spMkLst>
-        </pc:spChg>
-        <pc:spChg chg="add mod">
-          <ac:chgData name="Lucas Kaczynski" userId="708919b4-25d7-44a9-b300-2323f832514c" providerId="ADAL" clId="{AF9CAFC3-B7B0-462A-8080-455BF6740E08}" dt="2022-05-09T12:55:34.950" v="1449" actId="208"/>
-          <ac:spMkLst>
-            <pc:docMk/>
-            <pc:sldMk cId="165153229" sldId="283"/>
-            <ac:spMk id="9" creationId="{BFF6EB97-D69B-40C5-8390-9D94D55745FB}"/>
-          </ac:spMkLst>
-        </pc:spChg>
-        <pc:spChg chg="add mod">
-          <ac:chgData name="Lucas Kaczynski" userId="708919b4-25d7-44a9-b300-2323f832514c" providerId="ADAL" clId="{AF9CAFC3-B7B0-462A-8080-455BF6740E08}" dt="2022-05-09T12:55:45.455" v="1451" actId="208"/>
-          <ac:spMkLst>
-            <pc:docMk/>
-            <pc:sldMk cId="165153229" sldId="283"/>
-            <ac:spMk id="12" creationId="{10FFF9C8-FBA3-4220-8F2E-7418A091BC2F}"/>
-          </ac:spMkLst>
-        </pc:spChg>
-        <pc:picChg chg="add mod">
-          <ac:chgData name="Lucas Kaczynski" userId="708919b4-25d7-44a9-b300-2323f832514c" providerId="ADAL" clId="{AF9CAFC3-B7B0-462A-8080-455BF6740E08}" dt="2022-05-09T12:14:27.697" v="493" actId="1076"/>
-          <ac:picMkLst>
-            <pc:docMk/>
-            <pc:sldMk cId="165153229" sldId="283"/>
-            <ac:picMk id="6" creationId="{9AE34761-553D-49B6-9695-840386D0394B}"/>
-          </ac:picMkLst>
-        </pc:picChg>
-        <pc:picChg chg="add mod">
-          <ac:chgData name="Lucas Kaczynski" userId="708919b4-25d7-44a9-b300-2323f832514c" providerId="ADAL" clId="{AF9CAFC3-B7B0-462A-8080-455BF6740E08}" dt="2022-05-09T12:14:27.697" v="493" actId="1076"/>
-          <ac:picMkLst>
-            <pc:docMk/>
-            <pc:sldMk cId="165153229" sldId="283"/>
-            <ac:picMk id="8" creationId="{6FB05487-710D-4271-BB0D-090372EE2971}"/>
-          </ac:picMkLst>
-        </pc:picChg>
-        <pc:cxnChg chg="add mod">
-          <ac:chgData name="Lucas Kaczynski" userId="708919b4-25d7-44a9-b300-2323f832514c" providerId="ADAL" clId="{AF9CAFC3-B7B0-462A-8080-455BF6740E08}" dt="2022-05-09T12:55:41.510" v="1450" actId="208"/>
-          <ac:cxnSpMkLst>
-            <pc:docMk/>
-            <pc:sldMk cId="165153229" sldId="283"/>
-            <ac:cxnSpMk id="11" creationId="{606026FA-5649-4D46-9964-60A624606487}"/>
-          </ac:cxnSpMkLst>
-        </pc:cxnChg>
-      </pc:sldChg>
-      <pc:sldChg chg="addSp delSp modSp add mod modShow">
-        <pc:chgData name="Lucas Kaczynski" userId="708919b4-25d7-44a9-b300-2323f832514c" providerId="ADAL" clId="{AF9CAFC3-B7B0-462A-8080-455BF6740E08}" dt="2022-05-09T12:21:11.525" v="582" actId="20577"/>
-        <pc:sldMkLst>
-          <pc:docMk/>
-          <pc:sldMk cId="2628852825" sldId="284"/>
-        </pc:sldMkLst>
-        <pc:spChg chg="mod">
-          <ac:chgData name="Lucas Kaczynski" userId="708919b4-25d7-44a9-b300-2323f832514c" providerId="ADAL" clId="{AF9CAFC3-B7B0-462A-8080-455BF6740E08}" dt="2022-05-09T12:20:55.756" v="568" actId="20577"/>
-          <ac:spMkLst>
-            <pc:docMk/>
-            <pc:sldMk cId="2628852825" sldId="284"/>
-            <ac:spMk id="2" creationId="{D7130879-2349-44F2-9B21-A942E12F574C}"/>
-          </ac:spMkLst>
-        </pc:spChg>
-        <pc:spChg chg="del mod">
-          <ac:chgData name="Lucas Kaczynski" userId="708919b4-25d7-44a9-b300-2323f832514c" providerId="ADAL" clId="{AF9CAFC3-B7B0-462A-8080-455BF6740E08}" dt="2022-05-09T12:21:01.048" v="570" actId="478"/>
-          <ac:spMkLst>
-            <pc:docMk/>
-            <pc:sldMk cId="2628852825" sldId="284"/>
-            <ac:spMk id="3" creationId="{A160F1B4-1AA9-4CEB-BFE1-686D0FA4E1B5}"/>
-          </ac:spMkLst>
-        </pc:spChg>
-        <pc:spChg chg="add mod">
-          <ac:chgData name="Lucas Kaczynski" userId="708919b4-25d7-44a9-b300-2323f832514c" providerId="ADAL" clId="{AF9CAFC3-B7B0-462A-8080-455BF6740E08}" dt="2022-05-09T12:21:11.525" v="582" actId="20577"/>
-          <ac:spMkLst>
-            <pc:docMk/>
-            <pc:sldMk cId="2628852825" sldId="284"/>
-            <ac:spMk id="5" creationId="{C4D08AD4-79F3-4FD8-931D-6EE0272372F0}"/>
-          </ac:spMkLst>
-        </pc:spChg>
-      </pc:sldChg>
-    </pc:docChg>
-  </pc:docChgLst>
 </pc:chgInfo>
+</file>
+
+<file path=ppt/comments/comment1.xml><?xml version="1.0" encoding="utf-8"?>
+<p:cmLst xmlns:a="http://schemas.openxmlformats.org/drawingml/2006/main" xmlns:r="http://schemas.openxmlformats.org/officeDocument/2006/relationships" xmlns:p="http://schemas.openxmlformats.org/presentationml/2006/main">
+  <p:cm authorId="1" dt="2021-11-12T10:29:11.466" idx="2">
+    <p:pos x="10" y="10"/>
+    <p:text>Bilder</p:text>
+    <p:extLst>
+      <p:ext uri="{C676402C-5697-4E1C-873F-D02D1690AC5C}">
+        <p15:threadingInfo xmlns:p15="http://schemas.microsoft.com/office/powerpoint/2012/main" timeZoneBias="-60"/>
+      </p:ext>
+    </p:extLst>
+  </p:cm>
+</p:cmLst>
+</file>
+
+<file path=ppt/comments/comment2.xml><?xml version="1.0" encoding="utf-8"?>
+<p:cmLst xmlns:a="http://schemas.openxmlformats.org/drawingml/2006/main" xmlns:r="http://schemas.openxmlformats.org/officeDocument/2006/relationships" xmlns:p="http://schemas.openxmlformats.org/presentationml/2006/main">
+  <p:cm authorId="1" dt="2021-11-12T10:31:40.013" idx="9">
+    <p:pos x="10" y="10"/>
+    <p:text>Wording /F10/ Modularisierung der base64 Funktion</p:text>
+    <p:extLst>
+      <p:ext uri="{C676402C-5697-4E1C-873F-D02D1690AC5C}">
+        <p15:threadingInfo xmlns:p15="http://schemas.microsoft.com/office/powerpoint/2012/main" timeZoneBias="-60"/>
+      </p:ext>
+    </p:extLst>
+  </p:cm>
+  <p:cm authorId="1" dt="2021-11-12T10:32:11.923" idx="10">
+    <p:pos x="106" y="106"/>
+    <p:text>Implementierung des Testserver am Anfang (Timeline)</p:text>
+    <p:extLst>
+      <p:ext uri="{C676402C-5697-4E1C-873F-D02D1690AC5C}">
+        <p15:threadingInfo xmlns:p15="http://schemas.microsoft.com/office/powerpoint/2012/main" timeZoneBias="-60"/>
+      </p:ext>
+    </p:extLst>
+  </p:cm>
+</p:cmLst>
+</file>
+
+<file path=ppt/comments/comment3.xml><?xml version="1.0" encoding="utf-8"?>
+<p:cmLst xmlns:a="http://schemas.openxmlformats.org/drawingml/2006/main" xmlns:r="http://schemas.openxmlformats.org/officeDocument/2006/relationships" xmlns:p="http://schemas.openxmlformats.org/presentationml/2006/main">
+  <p:cm authorId="1" dt="2021-11-12T10:32:47.712" idx="11">
+    <p:pos x="10" y="10"/>
+    <p:text>Nicht Funktionale Anforderungen ist ungleich Optionale Anforderungen</p:text>
+    <p:extLst>
+      <p:ext uri="{C676402C-5697-4E1C-873F-D02D1690AC5C}">
+        <p15:threadingInfo xmlns:p15="http://schemas.microsoft.com/office/powerpoint/2012/main" timeZoneBias="-60"/>
+      </p:ext>
+    </p:extLst>
+  </p:cm>
+</p:cmLst>
+</file>
+
+<file path=ppt/comments/comment4.xml><?xml version="1.0" encoding="utf-8"?>
+<p:cmLst xmlns:a="http://schemas.openxmlformats.org/drawingml/2006/main" xmlns:r="http://schemas.openxmlformats.org/officeDocument/2006/relationships" xmlns:p="http://schemas.openxmlformats.org/presentationml/2006/main">
+  <p:cm authorId="1" dt="2021-11-12T10:34:01.007" idx="15">
+    <p:pos x="10" y="10"/>
+    <p:text>Reihenfolge wegen Demoserver sollte Teil von Punkt 2 sein</p:text>
+    <p:extLst>
+      <p:ext uri="{C676402C-5697-4E1C-873F-D02D1690AC5C}">
+        <p15:threadingInfo xmlns:p15="http://schemas.microsoft.com/office/powerpoint/2012/main" timeZoneBias="-60"/>
+      </p:ext>
+    </p:extLst>
+  </p:cm>
+  <p:cm authorId="1" dt="2021-11-12T10:34:34.235" idx="16">
+    <p:pos x="106" y="106"/>
+    <p:text>Demoserver: "Eigentlich ganz Simpel"</p:text>
+    <p:extLst>
+      <p:ext uri="{C676402C-5697-4E1C-873F-D02D1690AC5C}">
+        <p15:threadingInfo xmlns:p15="http://schemas.microsoft.com/office/powerpoint/2012/main" timeZoneBias="-60"/>
+      </p:ext>
+    </p:extLst>
+  </p:cm>
+</p:cmLst>
+</file>
+
+<file path=ppt/comments/comment5.xml><?xml version="1.0" encoding="utf-8"?>
+<p:cmLst xmlns:a="http://schemas.openxmlformats.org/drawingml/2006/main" xmlns:r="http://schemas.openxmlformats.org/officeDocument/2006/relationships" xmlns:p="http://schemas.openxmlformats.org/presentationml/2006/main">
+  <p:cm authorId="1" dt="2021-11-12T10:33:08.123" idx="12">
+    <p:pos x="10" y="10"/>
+    <p:text>Sponsor suchen</p:text>
+    <p:extLst>
+      <p:ext uri="{C676402C-5697-4E1C-873F-D02D1690AC5C}">
+        <p15:threadingInfo xmlns:p15="http://schemas.microsoft.com/office/powerpoint/2012/main" timeZoneBias="-60"/>
+      </p:ext>
+    </p:extLst>
+  </p:cm>
+  <p:cm authorId="1" dt="2021-11-12T10:33:26.472" idx="14">
+    <p:pos x="106" y="106"/>
+    <p:text>Typische Freelancer Stundensätze</p:text>
+    <p:extLst>
+      <p:ext uri="{C676402C-5697-4E1C-873F-D02D1690AC5C}">
+        <p15:threadingInfo xmlns:p15="http://schemas.microsoft.com/office/powerpoint/2012/main" timeZoneBias="-60"/>
+      </p:ext>
+    </p:extLst>
+  </p:cm>
+</p:cmLst>
+</file>
+
+<file path=ppt/comments/comment6.xml><?xml version="1.0" encoding="utf-8"?>
+<p:cmLst xmlns:a="http://schemas.openxmlformats.org/drawingml/2006/main" xmlns:r="http://schemas.openxmlformats.org/officeDocument/2006/relationships" xmlns:p="http://schemas.openxmlformats.org/presentationml/2006/main">
+  <p:cm authorId="1" dt="2021-11-12T10:29:27.835" idx="3">
+    <p:pos x="10" y="10"/>
+    <p:text>link auf Hauptseite von lwIP</p:text>
+    <p:extLst>
+      <p:ext uri="{C676402C-5697-4E1C-873F-D02D1690AC5C}">
+        <p15:threadingInfo xmlns:p15="http://schemas.microsoft.com/office/powerpoint/2012/main" timeZoneBias="-60"/>
+      </p:ext>
+    </p:extLst>
+  </p:cm>
+  <p:cm authorId="1" dt="2021-11-12T10:30:26.061" idx="6">
+    <p:pos x="106" y="106"/>
+    <p:text>roter pfeil auf http darum geht es</p:text>
+    <p:extLst>
+      <p:ext uri="{C676402C-5697-4E1C-873F-D02D1690AC5C}">
+        <p15:threadingInfo xmlns:p15="http://schemas.microsoft.com/office/powerpoint/2012/main" timeZoneBias="-60"/>
+      </p:ext>
+    </p:extLst>
+  </p:cm>
+</p:cmLst>
 </file>
 
 <file path=ppt/diagrams/colors1.xml><?xml version="1.0" encoding="utf-8"?>
@@ -15086,7 +12149,7 @@
           <a:p>
             <a:fld id="{70B9A339-94E4-4615-AD4D-B38FA65957D7}" type="datetimeFigureOut">
               <a:rPr lang="de-DE" smtClean="0"/>
-              <a:t>11.05.2022</a:t>
+              <a:t>12.05.2022</a:t>
             </a:fld>
             <a:endParaRPr lang="de-DE"/>
           </a:p>
@@ -15635,7 +12698,7 @@
     </p:spTree>
     <p:extLst>
       <p:ext uri="{BB962C8B-B14F-4D97-AF65-F5344CB8AC3E}">
-        <p14:creationId xmlns:p14="http://schemas.microsoft.com/office/powerpoint/2010/main" val="3856901072"/>
+        <p14:creationId xmlns:p14="http://schemas.microsoft.com/office/powerpoint/2010/main" val="226260722"/>
       </p:ext>
     </p:extLst>
   </p:cSld>
@@ -15689,11 +12752,26 @@
           <a:bodyPr/>
           <a:lstStyle/>
           <a:p>
-            <a:pPr marL="0" indent="0">
+            <a:pPr marL="0" lvl="0" indent="0" algn="just">
+              <a:spcBef>
+                <a:spcPts val="1200"/>
+              </a:spcBef>
+              <a:spcAft>
+                <a:spcPts val="600"/>
+              </a:spcAft>
+              <a:buSzPts val="1200"/>
+              <a:buFont typeface="+mj-lt"/>
               <a:buNone/>
+              <a:tabLst>
+                <a:tab pos="431800" algn="l"/>
+                <a:tab pos="540385" algn="l"/>
+                <a:tab pos="571500" algn="l"/>
+              </a:tabLst>
             </a:pPr>
-            <a:endParaRPr lang="de-DE" dirty="0">
-              <a:cs typeface="Calibri"/>
+            <a:endParaRPr lang="de-DE" sz="1400" b="0" dirty="0">
+              <a:effectLst/>
+              <a:latin typeface="Verdana" panose="020B0604030504040204" pitchFamily="34" charset="0"/>
+              <a:cs typeface="Symbol" panose="05050102010706020507" pitchFamily="18" charset="2"/>
             </a:endParaRPr>
           </a:p>
         </p:txBody>
@@ -15724,7 +12802,7 @@
     </p:spTree>
     <p:extLst>
       <p:ext uri="{BB962C8B-B14F-4D97-AF65-F5344CB8AC3E}">
-        <p14:creationId xmlns:p14="http://schemas.microsoft.com/office/powerpoint/2010/main" val="1482774608"/>
+        <p14:creationId xmlns:p14="http://schemas.microsoft.com/office/powerpoint/2010/main" val="3856901072"/>
       </p:ext>
     </p:extLst>
   </p:cSld>
@@ -15778,8 +12856,10 @@
           <a:bodyPr/>
           <a:lstStyle/>
           <a:p>
+            <a:pPr marL="0" indent="0">
+              <a:buNone/>
+            </a:pPr>
             <a:endParaRPr lang="de-DE" dirty="0">
-              <a:ea typeface="Calibri"/>
               <a:cs typeface="Calibri"/>
             </a:endParaRPr>
           </a:p>
@@ -15811,7 +12891,7 @@
     </p:spTree>
     <p:extLst>
       <p:ext uri="{BB962C8B-B14F-4D97-AF65-F5344CB8AC3E}">
-        <p14:creationId xmlns:p14="http://schemas.microsoft.com/office/powerpoint/2010/main" val="1969499695"/>
+        <p14:creationId xmlns:p14="http://schemas.microsoft.com/office/powerpoint/2010/main" val="1482774608"/>
       </p:ext>
     </p:extLst>
   </p:cSld>
@@ -15898,7 +12978,7 @@
     </p:spTree>
     <p:extLst>
       <p:ext uri="{BB962C8B-B14F-4D97-AF65-F5344CB8AC3E}">
-        <p14:creationId xmlns:p14="http://schemas.microsoft.com/office/powerpoint/2010/main" val="970666943"/>
+        <p14:creationId xmlns:p14="http://schemas.microsoft.com/office/powerpoint/2010/main" val="1969499695"/>
       </p:ext>
     </p:extLst>
   </p:cSld>
@@ -15985,7 +13065,7 @@
     </p:spTree>
     <p:extLst>
       <p:ext uri="{BB962C8B-B14F-4D97-AF65-F5344CB8AC3E}">
-        <p14:creationId xmlns:p14="http://schemas.microsoft.com/office/powerpoint/2010/main" val="4018418856"/>
+        <p14:creationId xmlns:p14="http://schemas.microsoft.com/office/powerpoint/2010/main" val="970666943"/>
       </p:ext>
     </p:extLst>
   </p:cSld>
@@ -16039,7 +13119,10 @@
           <a:bodyPr/>
           <a:lstStyle/>
           <a:p>
-            <a:endParaRPr lang="de-DE" dirty="0"/>
+            <a:endParaRPr lang="de-DE" dirty="0">
+              <a:ea typeface="Calibri"/>
+              <a:cs typeface="Calibri"/>
+            </a:endParaRPr>
           </a:p>
         </p:txBody>
       </p:sp>
@@ -16069,7 +13152,7 @@
     </p:spTree>
     <p:extLst>
       <p:ext uri="{BB962C8B-B14F-4D97-AF65-F5344CB8AC3E}">
-        <p14:creationId xmlns:p14="http://schemas.microsoft.com/office/powerpoint/2010/main" val="2239305556"/>
+        <p14:creationId xmlns:p14="http://schemas.microsoft.com/office/powerpoint/2010/main" val="4018418856"/>
       </p:ext>
     </p:extLst>
   </p:cSld>
@@ -16123,10 +13206,6 @@
           <a:bodyPr/>
           <a:lstStyle/>
           <a:p>
-            <a:pPr marL="0" indent="0">
-              <a:buFont typeface="Arial" panose="020B0604020202020204" pitchFamily="34" charset="0"/>
-              <a:buNone/>
-            </a:pPr>
             <a:endParaRPr lang="de-DE" dirty="0"/>
           </a:p>
         </p:txBody>
@@ -16157,7 +13236,7 @@
     </p:spTree>
     <p:extLst>
       <p:ext uri="{BB962C8B-B14F-4D97-AF65-F5344CB8AC3E}">
-        <p14:creationId xmlns:p14="http://schemas.microsoft.com/office/powerpoint/2010/main" val="1389313624"/>
+        <p14:creationId xmlns:p14="http://schemas.microsoft.com/office/powerpoint/2010/main" val="2239305556"/>
       </p:ext>
     </p:extLst>
   </p:cSld>
@@ -16241,7 +13320,95 @@
     </p:spTree>
     <p:extLst>
       <p:ext uri="{BB962C8B-B14F-4D97-AF65-F5344CB8AC3E}">
-        <p14:creationId xmlns:p14="http://schemas.microsoft.com/office/powerpoint/2010/main" val="680048075"/>
+        <p14:creationId xmlns:p14="http://schemas.microsoft.com/office/powerpoint/2010/main" val="2836801911"/>
+      </p:ext>
+    </p:extLst>
+  </p:cSld>
+  <p:clrMapOvr>
+    <a:masterClrMapping/>
+  </p:clrMapOvr>
+</p:notes>
+</file>
+
+<file path=ppt/notesSlides/notesSlide19.xml><?xml version="1.0" encoding="utf-8"?>
+<p:notes xmlns:a="http://schemas.openxmlformats.org/drawingml/2006/main" xmlns:r="http://schemas.openxmlformats.org/officeDocument/2006/relationships" xmlns:p="http://schemas.openxmlformats.org/presentationml/2006/main">
+  <p:cSld>
+    <p:spTree>
+      <p:nvGrpSpPr>
+        <p:cNvPr id="1" name=""/>
+        <p:cNvGrpSpPr/>
+        <p:nvPr/>
+      </p:nvGrpSpPr>
+      <p:grpSpPr>
+        <a:xfrm>
+          <a:off x="0" y="0"/>
+          <a:ext cx="0" cy="0"/>
+          <a:chOff x="0" y="0"/>
+          <a:chExt cx="0" cy="0"/>
+        </a:xfrm>
+      </p:grpSpPr>
+      <p:sp>
+        <p:nvSpPr>
+          <p:cNvPr id="2" name="Folienbildplatzhalter 1"/>
+          <p:cNvSpPr>
+            <a:spLocks noGrp="1" noRot="1" noChangeAspect="1"/>
+          </p:cNvSpPr>
+          <p:nvPr>
+            <p:ph type="sldImg"/>
+          </p:nvPr>
+        </p:nvSpPr>
+        <p:spPr/>
+      </p:sp>
+      <p:sp>
+        <p:nvSpPr>
+          <p:cNvPr id="3" name="Notizenplatzhalter 2"/>
+          <p:cNvSpPr>
+            <a:spLocks noGrp="1"/>
+          </p:cNvSpPr>
+          <p:nvPr>
+            <p:ph type="body" idx="1"/>
+          </p:nvPr>
+        </p:nvSpPr>
+        <p:spPr/>
+        <p:txBody>
+          <a:bodyPr/>
+          <a:lstStyle/>
+          <a:p>
+            <a:pPr marL="0" indent="0">
+              <a:buFont typeface="Arial" panose="020B0604020202020204" pitchFamily="34" charset="0"/>
+              <a:buNone/>
+            </a:pPr>
+            <a:endParaRPr lang="de-DE" dirty="0"/>
+          </a:p>
+        </p:txBody>
+      </p:sp>
+      <p:sp>
+        <p:nvSpPr>
+          <p:cNvPr id="4" name="Foliennummernplatzhalter 3"/>
+          <p:cNvSpPr>
+            <a:spLocks noGrp="1"/>
+          </p:cNvSpPr>
+          <p:nvPr>
+            <p:ph type="sldNum" sz="quarter" idx="5"/>
+          </p:nvPr>
+        </p:nvSpPr>
+        <p:spPr/>
+        <p:txBody>
+          <a:bodyPr/>
+          <a:lstStyle/>
+          <a:p>
+            <a:fld id="{098C85B6-32DF-4EE2-B408-03269F24A19A}" type="slidenum">
+              <a:rPr lang="de-DE" smtClean="0"/>
+              <a:t>19</a:t>
+            </a:fld>
+            <a:endParaRPr lang="de-DE"/>
+          </a:p>
+        </p:txBody>
+      </p:sp>
+    </p:spTree>
+    <p:extLst>
+      <p:ext uri="{BB962C8B-B14F-4D97-AF65-F5344CB8AC3E}">
+        <p14:creationId xmlns:p14="http://schemas.microsoft.com/office/powerpoint/2010/main" val="1389313624"/>
       </p:ext>
     </p:extLst>
   </p:cSld>
@@ -16326,6 +13493,182 @@
     <p:extLst>
       <p:ext uri="{BB962C8B-B14F-4D97-AF65-F5344CB8AC3E}">
         <p14:creationId xmlns:p14="http://schemas.microsoft.com/office/powerpoint/2010/main" val="1343260468"/>
+      </p:ext>
+    </p:extLst>
+  </p:cSld>
+  <p:clrMapOvr>
+    <a:masterClrMapping/>
+  </p:clrMapOvr>
+</p:notes>
+</file>
+
+<file path=ppt/notesSlides/notesSlide20.xml><?xml version="1.0" encoding="utf-8"?>
+<p:notes xmlns:a="http://schemas.openxmlformats.org/drawingml/2006/main" xmlns:r="http://schemas.openxmlformats.org/officeDocument/2006/relationships" xmlns:p="http://schemas.openxmlformats.org/presentationml/2006/main">
+  <p:cSld>
+    <p:spTree>
+      <p:nvGrpSpPr>
+        <p:cNvPr id="1" name=""/>
+        <p:cNvGrpSpPr/>
+        <p:nvPr/>
+      </p:nvGrpSpPr>
+      <p:grpSpPr>
+        <a:xfrm>
+          <a:off x="0" y="0"/>
+          <a:ext cx="0" cy="0"/>
+          <a:chOff x="0" y="0"/>
+          <a:chExt cx="0" cy="0"/>
+        </a:xfrm>
+      </p:grpSpPr>
+      <p:sp>
+        <p:nvSpPr>
+          <p:cNvPr id="2" name="Folienbildplatzhalter 1"/>
+          <p:cNvSpPr>
+            <a:spLocks noGrp="1" noRot="1" noChangeAspect="1"/>
+          </p:cNvSpPr>
+          <p:nvPr>
+            <p:ph type="sldImg"/>
+          </p:nvPr>
+        </p:nvSpPr>
+        <p:spPr/>
+      </p:sp>
+      <p:sp>
+        <p:nvSpPr>
+          <p:cNvPr id="3" name="Notizenplatzhalter 2"/>
+          <p:cNvSpPr>
+            <a:spLocks noGrp="1"/>
+          </p:cNvSpPr>
+          <p:nvPr>
+            <p:ph type="body" idx="1"/>
+          </p:nvPr>
+        </p:nvSpPr>
+        <p:spPr/>
+        <p:txBody>
+          <a:bodyPr/>
+          <a:lstStyle/>
+          <a:p>
+            <a:endParaRPr lang="de-DE" dirty="0"/>
+          </a:p>
+        </p:txBody>
+      </p:sp>
+      <p:sp>
+        <p:nvSpPr>
+          <p:cNvPr id="4" name="Foliennummernplatzhalter 3"/>
+          <p:cNvSpPr>
+            <a:spLocks noGrp="1"/>
+          </p:cNvSpPr>
+          <p:nvPr>
+            <p:ph type="sldNum" sz="quarter" idx="5"/>
+          </p:nvPr>
+        </p:nvSpPr>
+        <p:spPr/>
+        <p:txBody>
+          <a:bodyPr/>
+          <a:lstStyle/>
+          <a:p>
+            <a:fld id="{098C85B6-32DF-4EE2-B408-03269F24A19A}" type="slidenum">
+              <a:rPr lang="de-DE" smtClean="0"/>
+              <a:t>20</a:t>
+            </a:fld>
+            <a:endParaRPr lang="de-DE"/>
+          </a:p>
+        </p:txBody>
+      </p:sp>
+    </p:spTree>
+    <p:extLst>
+      <p:ext uri="{BB962C8B-B14F-4D97-AF65-F5344CB8AC3E}">
+        <p14:creationId xmlns:p14="http://schemas.microsoft.com/office/powerpoint/2010/main" val="680048075"/>
+      </p:ext>
+    </p:extLst>
+  </p:cSld>
+  <p:clrMapOvr>
+    <a:masterClrMapping/>
+  </p:clrMapOvr>
+</p:notes>
+</file>
+
+<file path=ppt/notesSlides/notesSlide21.xml><?xml version="1.0" encoding="utf-8"?>
+<p:notes xmlns:a="http://schemas.openxmlformats.org/drawingml/2006/main" xmlns:r="http://schemas.openxmlformats.org/officeDocument/2006/relationships" xmlns:p="http://schemas.openxmlformats.org/presentationml/2006/main">
+  <p:cSld>
+    <p:spTree>
+      <p:nvGrpSpPr>
+        <p:cNvPr id="1" name=""/>
+        <p:cNvGrpSpPr/>
+        <p:nvPr/>
+      </p:nvGrpSpPr>
+      <p:grpSpPr>
+        <a:xfrm>
+          <a:off x="0" y="0"/>
+          <a:ext cx="0" cy="0"/>
+          <a:chOff x="0" y="0"/>
+          <a:chExt cx="0" cy="0"/>
+        </a:xfrm>
+      </p:grpSpPr>
+      <p:sp>
+        <p:nvSpPr>
+          <p:cNvPr id="2" name="Folienbildplatzhalter 1"/>
+          <p:cNvSpPr>
+            <a:spLocks noGrp="1" noRot="1" noChangeAspect="1"/>
+          </p:cNvSpPr>
+          <p:nvPr>
+            <p:ph type="sldImg"/>
+          </p:nvPr>
+        </p:nvSpPr>
+        <p:spPr/>
+      </p:sp>
+      <p:sp>
+        <p:nvSpPr>
+          <p:cNvPr id="3" name="Notizenplatzhalter 2"/>
+          <p:cNvSpPr>
+            <a:spLocks noGrp="1"/>
+          </p:cNvSpPr>
+          <p:nvPr>
+            <p:ph type="body" idx="1"/>
+          </p:nvPr>
+        </p:nvSpPr>
+        <p:spPr/>
+        <p:txBody>
+          <a:bodyPr/>
+          <a:lstStyle/>
+          <a:p>
+            <a:pPr algn="just"/>
+            <a:endParaRPr lang="de-DE" sz="1800" dirty="0">
+              <a:solidFill>
+                <a:srgbClr val="000000"/>
+              </a:solidFill>
+              <a:effectLst/>
+              <a:latin typeface="Calibri" panose="020F0502020204030204" pitchFamily="34" charset="0"/>
+              <a:ea typeface="Times New Roman" panose="02020603050405020304" pitchFamily="18" charset="0"/>
+            </a:endParaRPr>
+          </a:p>
+        </p:txBody>
+      </p:sp>
+      <p:sp>
+        <p:nvSpPr>
+          <p:cNvPr id="4" name="Foliennummernplatzhalter 3"/>
+          <p:cNvSpPr>
+            <a:spLocks noGrp="1"/>
+          </p:cNvSpPr>
+          <p:nvPr>
+            <p:ph type="sldNum" sz="quarter" idx="5"/>
+          </p:nvPr>
+        </p:nvSpPr>
+        <p:spPr/>
+        <p:txBody>
+          <a:bodyPr/>
+          <a:lstStyle/>
+          <a:p>
+            <a:fld id="{098C85B6-32DF-4EE2-B408-03269F24A19A}" type="slidenum">
+              <a:rPr lang="de-DE" smtClean="0"/>
+              <a:t>21</a:t>
+            </a:fld>
+            <a:endParaRPr lang="de-DE"/>
+          </a:p>
+        </p:txBody>
+      </p:sp>
+    </p:spTree>
+    <p:extLst>
+      <p:ext uri="{BB962C8B-B14F-4D97-AF65-F5344CB8AC3E}">
+        <p14:creationId xmlns:p14="http://schemas.microsoft.com/office/powerpoint/2010/main" val="1799381096"/>
       </p:ext>
     </p:extLst>
   </p:cSld>
@@ -16553,10 +13896,6 @@
           <a:bodyPr/>
           <a:lstStyle/>
           <a:p>
-            <a:pPr marL="0" indent="0">
-              <a:buFont typeface="Arial" panose="020B0604020202020204" pitchFamily="34" charset="0"/>
-              <a:buNone/>
-            </a:pPr>
             <a:endParaRPr lang="en-US" sz="1800" b="0" i="0" dirty="0">
               <a:effectLst/>
             </a:endParaRPr>
@@ -17125,7 +14464,7 @@
           <a:p>
             <a:fld id="{DAE98948-80CE-43AE-99C2-97A06E8A32E8}" type="datetimeFigureOut">
               <a:rPr lang="de-DE" smtClean="0"/>
-              <a:t>11.05.2022</a:t>
+              <a:t>12.05.2022</a:t>
             </a:fld>
             <a:endParaRPr lang="de-DE"/>
           </a:p>
@@ -17335,7 +14674,7 @@
           <a:p>
             <a:fld id="{DAE98948-80CE-43AE-99C2-97A06E8A32E8}" type="datetimeFigureOut">
               <a:rPr lang="de-DE" smtClean="0"/>
-              <a:t>11.05.2022</a:t>
+              <a:t>12.05.2022</a:t>
             </a:fld>
             <a:endParaRPr lang="de-DE"/>
           </a:p>
@@ -17555,7 +14894,7 @@
           <a:p>
             <a:fld id="{DAE98948-80CE-43AE-99C2-97A06E8A32E8}" type="datetimeFigureOut">
               <a:rPr lang="de-DE" smtClean="0"/>
-              <a:t>11.05.2022</a:t>
+              <a:t>12.05.2022</a:t>
             </a:fld>
             <a:endParaRPr lang="de-DE"/>
           </a:p>
@@ -17765,7 +15104,7 @@
           <a:p>
             <a:fld id="{DAE98948-80CE-43AE-99C2-97A06E8A32E8}" type="datetimeFigureOut">
               <a:rPr lang="de-DE" smtClean="0"/>
-              <a:t>11.05.2022</a:t>
+              <a:t>12.05.2022</a:t>
             </a:fld>
             <a:endParaRPr lang="de-DE"/>
           </a:p>
@@ -18052,7 +15391,7 @@
           <a:p>
             <a:fld id="{DAE98948-80CE-43AE-99C2-97A06E8A32E8}" type="datetimeFigureOut">
               <a:rPr lang="de-DE" smtClean="0"/>
-              <a:t>11.05.2022</a:t>
+              <a:t>12.05.2022</a:t>
             </a:fld>
             <a:endParaRPr lang="de-DE"/>
           </a:p>
@@ -18329,7 +15668,7 @@
           <a:p>
             <a:fld id="{DAE98948-80CE-43AE-99C2-97A06E8A32E8}" type="datetimeFigureOut">
               <a:rPr lang="de-DE" smtClean="0"/>
-              <a:t>11.05.2022</a:t>
+              <a:t>12.05.2022</a:t>
             </a:fld>
             <a:endParaRPr lang="de-DE"/>
           </a:p>
@@ -18753,7 +16092,7 @@
           <a:p>
             <a:fld id="{DAE98948-80CE-43AE-99C2-97A06E8A32E8}" type="datetimeFigureOut">
               <a:rPr lang="de-DE" smtClean="0"/>
-              <a:t>11.05.2022</a:t>
+              <a:t>12.05.2022</a:t>
             </a:fld>
             <a:endParaRPr lang="de-DE"/>
           </a:p>
@@ -18906,7 +16245,7 @@
           <a:p>
             <a:fld id="{DAE98948-80CE-43AE-99C2-97A06E8A32E8}" type="datetimeFigureOut">
               <a:rPr lang="de-DE" smtClean="0"/>
-              <a:t>11.05.2022</a:t>
+              <a:t>12.05.2022</a:t>
             </a:fld>
             <a:endParaRPr lang="de-DE"/>
           </a:p>
@@ -19031,7 +16370,7 @@
           <a:p>
             <a:fld id="{DAE98948-80CE-43AE-99C2-97A06E8A32E8}" type="datetimeFigureOut">
               <a:rPr lang="de-DE" smtClean="0"/>
-              <a:t>11.05.2022</a:t>
+              <a:t>12.05.2022</a:t>
             </a:fld>
             <a:endParaRPr lang="de-DE"/>
           </a:p>
@@ -19354,7 +16693,7 @@
           <a:p>
             <a:fld id="{DAE98948-80CE-43AE-99C2-97A06E8A32E8}" type="datetimeFigureOut">
               <a:rPr lang="de-DE" smtClean="0"/>
-              <a:t>11.05.2022</a:t>
+              <a:t>12.05.2022</a:t>
             </a:fld>
             <a:endParaRPr lang="de-DE"/>
           </a:p>
@@ -19654,7 +16993,7 @@
           <a:p>
             <a:fld id="{DAE98948-80CE-43AE-99C2-97A06E8A32E8}" type="datetimeFigureOut">
               <a:rPr lang="de-DE" smtClean="0"/>
-              <a:t>11.05.2022</a:t>
+              <a:t>12.05.2022</a:t>
             </a:fld>
             <a:endParaRPr lang="de-DE"/>
           </a:p>
@@ -19907,7 +17246,7 @@
           <a:p>
             <a:fld id="{DAE98948-80CE-43AE-99C2-97A06E8A32E8}" type="datetimeFigureOut">
               <a:rPr lang="de-DE" smtClean="0"/>
-              <a:t>11.05.2022</a:t>
+              <a:t>12.05.2022</a:t>
             </a:fld>
             <a:endParaRPr lang="de-DE"/>
           </a:p>
@@ -21490,7 +18829,7 @@
             <a:p>
               <a:pPr lvl="0"/>
               <a:r>
-                <a:rPr lang="de-DE" sz="1400">
+                <a:rPr lang="de-DE" sz="1400" b="1">
                   <a:solidFill>
                     <a:schemeClr val="tx1"/>
                   </a:solidFill>
@@ -21671,7 +19010,7 @@
             <a:p>
               <a:pPr lvl="0"/>
               <a:r>
-                <a:rPr lang="de-DE" sz="1400">
+                <a:rPr lang="de-DE" sz="1400" b="1">
                   <a:solidFill>
                     <a:schemeClr val="tx1"/>
                   </a:solidFill>
@@ -21852,7 +19191,7 @@
             <a:p>
               <a:pPr lvl="0"/>
               <a:r>
-                <a:rPr lang="de-DE" sz="1400">
+                <a:rPr lang="de-DE" sz="1400" b="1">
                   <a:solidFill>
                     <a:schemeClr val="tx1"/>
                   </a:solidFill>
@@ -22033,7 +19372,7 @@
             <a:p>
               <a:pPr lvl="0"/>
               <a:r>
-                <a:rPr lang="de-DE" sz="1400" strike="sngStrike">
+                <a:rPr lang="de-DE" sz="1400" b="1" strike="sngStrike">
                   <a:solidFill>
                     <a:schemeClr val="tx1"/>
                   </a:solidFill>
@@ -22041,7 +19380,7 @@
                 <a:t>/NF40/ Bestehen des </a:t>
               </a:r>
               <a:r>
-                <a:rPr lang="de-DE" sz="1400" strike="sngStrike" err="1">
+                <a:rPr lang="de-DE" sz="1400" b="1" strike="sngStrike" err="1">
                   <a:solidFill>
                     <a:schemeClr val="tx1"/>
                   </a:solidFill>
@@ -22049,7 +19388,7 @@
                 <a:t>Approval</a:t>
               </a:r>
               <a:r>
-                <a:rPr lang="de-DE" sz="1400" strike="sngStrike">
+                <a:rPr lang="de-DE" sz="1400" b="1" strike="sngStrike">
                   <a:solidFill>
                     <a:schemeClr val="tx1"/>
                   </a:solidFill>
@@ -22057,7 +19396,7 @@
                 <a:t> </a:t>
               </a:r>
               <a:r>
-                <a:rPr lang="de-DE" sz="1400" strike="sngStrike" err="1">
+                <a:rPr lang="de-DE" sz="1400" b="1" strike="sngStrike" err="1">
                   <a:solidFill>
                     <a:schemeClr val="tx1"/>
                   </a:solidFill>
@@ -22065,7 +19404,7 @@
                 <a:t>Process</a:t>
               </a:r>
               <a:r>
-                <a:rPr lang="de-DE" sz="1400">
+                <a:rPr lang="de-DE" sz="1400" b="1">
                   <a:solidFill>
                     <a:schemeClr val="tx1"/>
                   </a:solidFill>
@@ -22246,7 +19585,7 @@
             <a:p>
               <a:pPr lvl="0"/>
               <a:r>
-                <a:rPr lang="de-DE" sz="1400">
+                <a:rPr lang="de-DE" sz="1400" b="1">
                   <a:solidFill>
                     <a:schemeClr val="tx1"/>
                   </a:solidFill>
@@ -22254,7 +19593,7 @@
                 <a:t>/NF50/   </a:t>
               </a:r>
               <a:r>
-                <a:rPr lang="de-DE" sz="1400" err="1">
+                <a:rPr lang="de-DE" sz="1400" b="1" err="1">
                   <a:solidFill>
                     <a:schemeClr val="tx1"/>
                   </a:solidFill>
@@ -22262,26 +19601,13 @@
                 <a:t>Executable</a:t>
               </a:r>
               <a:r>
-                <a:rPr lang="de-DE" sz="1400">
+                <a:rPr lang="de-DE" sz="1400" b="1">
                   <a:solidFill>
                     <a:schemeClr val="tx1"/>
                   </a:solidFill>
                 </a:rPr>
-                <a:t> </a:t>
+                <a:t> Program</a:t>
               </a:r>
-              <a:r>
-                <a:rPr lang="de-DE" sz="1400" err="1">
-                  <a:solidFill>
-                    <a:schemeClr val="tx1"/>
-                  </a:solidFill>
-                </a:rPr>
-                <a:t>Program</a:t>
-              </a:r>
-              <a:endParaRPr lang="de-DE" sz="1400">
-                <a:solidFill>
-                  <a:schemeClr val="tx1"/>
-                </a:solidFill>
-              </a:endParaRPr>
             </a:p>
           </p:txBody>
         </p:sp>
@@ -22364,6 +19690,1168 @@
 </file>
 
 <file path=ppt/slides/slide11.xml><?xml version="1.0" encoding="utf-8"?>
+<p:sld xmlns:a="http://schemas.openxmlformats.org/drawingml/2006/main" xmlns:r="http://schemas.openxmlformats.org/officeDocument/2006/relationships" xmlns:p="http://schemas.openxmlformats.org/presentationml/2006/main" show="0">
+  <p:cSld>
+    <p:spTree>
+      <p:nvGrpSpPr>
+        <p:cNvPr id="1" name=""/>
+        <p:cNvGrpSpPr/>
+        <p:nvPr/>
+      </p:nvGrpSpPr>
+      <p:grpSpPr>
+        <a:xfrm>
+          <a:off x="0" y="0"/>
+          <a:ext cx="0" cy="0"/>
+          <a:chOff x="0" y="0"/>
+          <a:chExt cx="0" cy="0"/>
+        </a:xfrm>
+      </p:grpSpPr>
+      <p:sp>
+        <p:nvSpPr>
+          <p:cNvPr id="2" name="Titel 1">
+            <a:extLst>
+              <a:ext uri="{FF2B5EF4-FFF2-40B4-BE49-F238E27FC236}">
+                <a16:creationId xmlns:a16="http://schemas.microsoft.com/office/drawing/2014/main" id="{6A6CFDC0-5DE2-410C-961A-B89176639397}"/>
+              </a:ext>
+            </a:extLst>
+          </p:cNvPr>
+          <p:cNvSpPr>
+            <a:spLocks noGrp="1"/>
+          </p:cNvSpPr>
+          <p:nvPr>
+            <p:ph type="title"/>
+          </p:nvPr>
+        </p:nvSpPr>
+        <p:spPr>
+          <a:xfrm>
+            <a:off x="838200" y="365125"/>
+            <a:ext cx="10601960" cy="1325563"/>
+          </a:xfrm>
+        </p:spPr>
+        <p:txBody>
+          <a:bodyPr>
+            <a:noAutofit/>
+          </a:bodyPr>
+          <a:lstStyle/>
+          <a:p>
+            <a:r>
+              <a:rPr lang="de-DE" sz="5200" b="1"/>
+              <a:t>NICHTFUNKTIONALE ANFORDERUNGEN</a:t>
+            </a:r>
+          </a:p>
+        </p:txBody>
+      </p:sp>
+      <p:sp>
+        <p:nvSpPr>
+          <p:cNvPr id="4" name="Textfeld 3">
+            <a:extLst>
+              <a:ext uri="{FF2B5EF4-FFF2-40B4-BE49-F238E27FC236}">
+                <a16:creationId xmlns:a16="http://schemas.microsoft.com/office/drawing/2014/main" id="{56001663-622C-4C67-88DB-B8EC87D385FB}"/>
+              </a:ext>
+            </a:extLst>
+          </p:cNvPr>
+          <p:cNvSpPr txBox="1"/>
+          <p:nvPr/>
+        </p:nvSpPr>
+        <p:spPr>
+          <a:xfrm>
+            <a:off x="11335355" y="6488668"/>
+            <a:ext cx="856645" cy="369332"/>
+          </a:xfrm>
+          <a:prstGeom prst="rect">
+            <a:avLst/>
+          </a:prstGeom>
+          <a:noFill/>
+        </p:spPr>
+        <p:txBody>
+          <a:bodyPr wrap="none" rtlCol="0">
+            <a:spAutoFit/>
+          </a:bodyPr>
+          <a:lstStyle/>
+          <a:p>
+            <a:r>
+              <a:rPr lang="de-DE">
+                <a:solidFill>
+                  <a:schemeClr val="bg1">
+                    <a:lumMod val="50000"/>
+                  </a:schemeClr>
+                </a:solidFill>
+              </a:rPr>
+              <a:t>Team 4</a:t>
+            </a:r>
+          </a:p>
+        </p:txBody>
+      </p:sp>
+      <p:cxnSp>
+        <p:nvCxnSpPr>
+          <p:cNvPr id="6" name="Gerader Verbinder 5">
+            <a:extLst>
+              <a:ext uri="{FF2B5EF4-FFF2-40B4-BE49-F238E27FC236}">
+                <a16:creationId xmlns:a16="http://schemas.microsoft.com/office/drawing/2014/main" id="{6E25CDE1-697B-4F40-9BC5-079FB0A625C9}"/>
+              </a:ext>
+            </a:extLst>
+          </p:cNvPr>
+          <p:cNvCxnSpPr>
+            <a:cxnSpLocks/>
+          </p:cNvCxnSpPr>
+          <p:nvPr/>
+        </p:nvCxnSpPr>
+        <p:spPr>
+          <a:xfrm flipV="1">
+            <a:off x="838199" y="545090"/>
+            <a:ext cx="0" cy="900000"/>
+          </a:xfrm>
+          <a:prstGeom prst="line">
+            <a:avLst/>
+          </a:prstGeom>
+          <a:ln w="38100" cap="rnd">
+            <a:solidFill>
+              <a:srgbClr val="ED7D31"/>
+            </a:solidFill>
+          </a:ln>
+        </p:spPr>
+        <p:style>
+          <a:lnRef idx="1">
+            <a:schemeClr val="accent1"/>
+          </a:lnRef>
+          <a:fillRef idx="0">
+            <a:schemeClr val="accent1"/>
+          </a:fillRef>
+          <a:effectRef idx="0">
+            <a:schemeClr val="accent1"/>
+          </a:effectRef>
+          <a:fontRef idx="minor">
+            <a:schemeClr val="tx1"/>
+          </a:fontRef>
+        </p:style>
+      </p:cxnSp>
+      <p:sp>
+        <p:nvSpPr>
+          <p:cNvPr id="7" name="Rectangle 6">
+            <a:extLst>
+              <a:ext uri="{FF2B5EF4-FFF2-40B4-BE49-F238E27FC236}">
+                <a16:creationId xmlns:a16="http://schemas.microsoft.com/office/drawing/2014/main" id="{780377B8-6937-4A10-B113-37BF87377B97}"/>
+              </a:ext>
+            </a:extLst>
+          </p:cNvPr>
+          <p:cNvSpPr/>
+          <p:nvPr/>
+        </p:nvSpPr>
+        <p:spPr>
+          <a:xfrm>
+            <a:off x="838199" y="2163450"/>
+            <a:ext cx="9270000" cy="450001"/>
+          </a:xfrm>
+          <a:prstGeom prst="rect">
+            <a:avLst/>
+          </a:prstGeom>
+          <a:ln w="19050">
+            <a:solidFill>
+              <a:schemeClr val="accent2"/>
+            </a:solidFill>
+          </a:ln>
+        </p:spPr>
+        <p:style>
+          <a:lnRef idx="2">
+            <a:scrgbClr r="0" g="0" b="0"/>
+          </a:lnRef>
+          <a:fillRef idx="1">
+            <a:schemeClr val="lt1">
+              <a:alpha val="90000"/>
+              <a:hueOff val="0"/>
+              <a:satOff val="0"/>
+              <a:lumOff val="0"/>
+              <a:alphaOff val="0"/>
+            </a:schemeClr>
+          </a:fillRef>
+          <a:effectRef idx="0">
+            <a:schemeClr val="lt1">
+              <a:alpha val="90000"/>
+              <a:hueOff val="0"/>
+              <a:satOff val="0"/>
+              <a:lumOff val="0"/>
+              <a:alphaOff val="0"/>
+            </a:schemeClr>
+          </a:effectRef>
+          <a:fontRef idx="minor">
+            <a:schemeClr val="dk1">
+              <a:hueOff val="0"/>
+              <a:satOff val="0"/>
+              <a:lumOff val="0"/>
+              <a:alphaOff val="0"/>
+            </a:schemeClr>
+          </a:fontRef>
+        </p:style>
+      </p:sp>
+      <p:grpSp>
+        <p:nvGrpSpPr>
+          <p:cNvPr id="8" name="Group 7">
+            <a:extLst>
+              <a:ext uri="{FF2B5EF4-FFF2-40B4-BE49-F238E27FC236}">
+                <a16:creationId xmlns:a16="http://schemas.microsoft.com/office/drawing/2014/main" id="{14C7D399-98CD-4188-92D8-D858A7DF117A}"/>
+              </a:ext>
+            </a:extLst>
+          </p:cNvPr>
+          <p:cNvGrpSpPr/>
+          <p:nvPr/>
+        </p:nvGrpSpPr>
+        <p:grpSpPr>
+          <a:xfrm>
+            <a:off x="1301699" y="1840476"/>
+            <a:ext cx="7005600" cy="529200"/>
+            <a:chOff x="463500" y="960576"/>
+            <a:chExt cx="6489000" cy="678960"/>
+          </a:xfrm>
+        </p:grpSpPr>
+        <p:sp>
+          <p:nvSpPr>
+            <p:cNvPr id="22" name="Rectangle: Rounded Corners 21">
+              <a:extLst>
+                <a:ext uri="{FF2B5EF4-FFF2-40B4-BE49-F238E27FC236}">
+                  <a16:creationId xmlns:a16="http://schemas.microsoft.com/office/drawing/2014/main" id="{CB05061E-4470-45FD-8DBA-B178A8E11FA5}"/>
+                </a:ext>
+              </a:extLst>
+            </p:cNvPr>
+            <p:cNvSpPr/>
+            <p:nvPr/>
+          </p:nvSpPr>
+          <p:spPr>
+            <a:xfrm>
+              <a:off x="463500" y="960576"/>
+              <a:ext cx="6489000" cy="678960"/>
+            </a:xfrm>
+            <a:prstGeom prst="roundRect">
+              <a:avLst/>
+            </a:prstGeom>
+            <a:solidFill>
+              <a:schemeClr val="bg1"/>
+            </a:solidFill>
+            <a:ln w="38100">
+              <a:solidFill>
+                <a:schemeClr val="accent2"/>
+              </a:solidFill>
+            </a:ln>
+          </p:spPr>
+          <p:style>
+            <a:lnRef idx="2">
+              <a:scrgbClr r="0" g="0" b="0"/>
+            </a:lnRef>
+            <a:fillRef idx="1">
+              <a:scrgbClr r="0" g="0" b="0"/>
+            </a:fillRef>
+            <a:effectRef idx="0">
+              <a:schemeClr val="accent1">
+                <a:hueOff val="0"/>
+                <a:satOff val="0"/>
+                <a:lumOff val="0"/>
+                <a:alphaOff val="0"/>
+              </a:schemeClr>
+            </a:effectRef>
+            <a:fontRef idx="minor">
+              <a:schemeClr val="lt1"/>
+            </a:fontRef>
+          </p:style>
+        </p:sp>
+        <p:sp>
+          <p:nvSpPr>
+            <p:cNvPr id="23" name="Rectangle: Rounded Corners 5">
+              <a:extLst>
+                <a:ext uri="{FF2B5EF4-FFF2-40B4-BE49-F238E27FC236}">
+                  <a16:creationId xmlns:a16="http://schemas.microsoft.com/office/drawing/2014/main" id="{1BB51F13-25F7-4E04-AECF-AC39A158E874}"/>
+                </a:ext>
+              </a:extLst>
+            </p:cNvPr>
+            <p:cNvSpPr txBox="1"/>
+            <p:nvPr/>
+          </p:nvSpPr>
+          <p:spPr>
+            <a:xfrm>
+              <a:off x="496644" y="993720"/>
+              <a:ext cx="6422712" cy="612672"/>
+            </a:xfrm>
+            <a:prstGeom prst="rect">
+              <a:avLst/>
+            </a:prstGeom>
+          </p:spPr>
+          <p:style>
+            <a:lnRef idx="0">
+              <a:scrgbClr r="0" g="0" b="0"/>
+            </a:lnRef>
+            <a:fillRef idx="0">
+              <a:scrgbClr r="0" g="0" b="0"/>
+            </a:fillRef>
+            <a:effectRef idx="0">
+              <a:scrgbClr r="0" g="0" b="0"/>
+            </a:effectRef>
+            <a:fontRef idx="minor">
+              <a:schemeClr val="lt1"/>
+            </a:fontRef>
+          </p:style>
+          <p:txBody>
+            <a:bodyPr spcFirstLastPara="0" vert="horz" wrap="square" lIns="245269" tIns="0" rIns="245269" bIns="0" numCol="1" spcCol="1270" anchor="ctr" anchorCtr="0">
+              <a:noAutofit/>
+            </a:bodyPr>
+            <a:lstStyle/>
+            <a:p>
+              <a:pPr lvl="0"/>
+              <a:r>
+                <a:rPr lang="de-DE" sz="1400">
+                  <a:solidFill>
+                    <a:schemeClr val="tx1"/>
+                  </a:solidFill>
+                </a:rPr>
+                <a:t>/NF10/   Zusätzlich geschriebener Code sollte bei einem Minimum gehalten werden</a:t>
+              </a:r>
+            </a:p>
+          </p:txBody>
+        </p:sp>
+      </p:grpSp>
+      <p:sp>
+        <p:nvSpPr>
+          <p:cNvPr id="9" name="Rectangle 8">
+            <a:extLst>
+              <a:ext uri="{FF2B5EF4-FFF2-40B4-BE49-F238E27FC236}">
+                <a16:creationId xmlns:a16="http://schemas.microsoft.com/office/drawing/2014/main" id="{BA806A11-12F3-448A-9F3D-64B2FAD844AA}"/>
+              </a:ext>
+            </a:extLst>
+          </p:cNvPr>
+          <p:cNvSpPr/>
+          <p:nvPr/>
+        </p:nvSpPr>
+        <p:spPr>
+          <a:xfrm>
+            <a:off x="838199" y="3077132"/>
+            <a:ext cx="9270000" cy="450001"/>
+          </a:xfrm>
+          <a:prstGeom prst="rect">
+            <a:avLst/>
+          </a:prstGeom>
+          <a:ln w="19050">
+            <a:solidFill>
+              <a:schemeClr val="accent2"/>
+            </a:solidFill>
+          </a:ln>
+        </p:spPr>
+        <p:style>
+          <a:lnRef idx="2">
+            <a:scrgbClr r="0" g="0" b="0"/>
+          </a:lnRef>
+          <a:fillRef idx="1">
+            <a:schemeClr val="lt1">
+              <a:alpha val="90000"/>
+              <a:hueOff val="0"/>
+              <a:satOff val="0"/>
+              <a:lumOff val="0"/>
+              <a:alphaOff val="0"/>
+            </a:schemeClr>
+          </a:fillRef>
+          <a:effectRef idx="0">
+            <a:schemeClr val="lt1">
+              <a:alpha val="90000"/>
+              <a:hueOff val="0"/>
+              <a:satOff val="0"/>
+              <a:lumOff val="0"/>
+              <a:alphaOff val="0"/>
+            </a:schemeClr>
+          </a:effectRef>
+          <a:fontRef idx="minor">
+            <a:schemeClr val="dk1">
+              <a:hueOff val="0"/>
+              <a:satOff val="0"/>
+              <a:lumOff val="0"/>
+              <a:alphaOff val="0"/>
+            </a:schemeClr>
+          </a:fontRef>
+        </p:style>
+      </p:sp>
+      <p:grpSp>
+        <p:nvGrpSpPr>
+          <p:cNvPr id="11" name="Group 10">
+            <a:extLst>
+              <a:ext uri="{FF2B5EF4-FFF2-40B4-BE49-F238E27FC236}">
+                <a16:creationId xmlns:a16="http://schemas.microsoft.com/office/drawing/2014/main" id="{418262F6-8B29-4DB7-A900-300D5A9F3662}"/>
+              </a:ext>
+            </a:extLst>
+          </p:cNvPr>
+          <p:cNvGrpSpPr/>
+          <p:nvPr/>
+        </p:nvGrpSpPr>
+        <p:grpSpPr>
+          <a:xfrm>
+            <a:off x="1287010" y="2737652"/>
+            <a:ext cx="7005600" cy="529200"/>
+            <a:chOff x="448811" y="1857752"/>
+            <a:chExt cx="6489000" cy="678960"/>
+          </a:xfrm>
+        </p:grpSpPr>
+        <p:sp>
+          <p:nvSpPr>
+            <p:cNvPr id="20" name="Rectangle: Rounded Corners 19">
+              <a:extLst>
+                <a:ext uri="{FF2B5EF4-FFF2-40B4-BE49-F238E27FC236}">
+                  <a16:creationId xmlns:a16="http://schemas.microsoft.com/office/drawing/2014/main" id="{9532341A-36E8-4B48-98CB-3AC1A7F805AD}"/>
+                </a:ext>
+              </a:extLst>
+            </p:cNvPr>
+            <p:cNvSpPr/>
+            <p:nvPr/>
+          </p:nvSpPr>
+          <p:spPr>
+            <a:xfrm>
+              <a:off x="448811" y="1857752"/>
+              <a:ext cx="6489000" cy="678960"/>
+            </a:xfrm>
+            <a:prstGeom prst="roundRect">
+              <a:avLst/>
+            </a:prstGeom>
+            <a:solidFill>
+              <a:schemeClr val="bg1"/>
+            </a:solidFill>
+            <a:ln w="38100">
+              <a:solidFill>
+                <a:schemeClr val="accent2"/>
+              </a:solidFill>
+            </a:ln>
+          </p:spPr>
+          <p:style>
+            <a:lnRef idx="2">
+              <a:scrgbClr r="0" g="0" b="0"/>
+            </a:lnRef>
+            <a:fillRef idx="1">
+              <a:scrgbClr r="0" g="0" b="0"/>
+            </a:fillRef>
+            <a:effectRef idx="0">
+              <a:schemeClr val="accent1">
+                <a:hueOff val="0"/>
+                <a:satOff val="0"/>
+                <a:lumOff val="0"/>
+                <a:alphaOff val="0"/>
+              </a:schemeClr>
+            </a:effectRef>
+            <a:fontRef idx="minor">
+              <a:schemeClr val="lt1"/>
+            </a:fontRef>
+          </p:style>
+        </p:sp>
+        <p:sp>
+          <p:nvSpPr>
+            <p:cNvPr id="21" name="Rectangle: Rounded Corners 8">
+              <a:extLst>
+                <a:ext uri="{FF2B5EF4-FFF2-40B4-BE49-F238E27FC236}">
+                  <a16:creationId xmlns:a16="http://schemas.microsoft.com/office/drawing/2014/main" id="{00E9A149-4714-4353-BB5C-B910CBF08A43}"/>
+                </a:ext>
+              </a:extLst>
+            </p:cNvPr>
+            <p:cNvSpPr txBox="1"/>
+            <p:nvPr/>
+          </p:nvSpPr>
+          <p:spPr>
+            <a:xfrm>
+              <a:off x="481955" y="1890896"/>
+              <a:ext cx="6422712" cy="612672"/>
+            </a:xfrm>
+            <a:prstGeom prst="rect">
+              <a:avLst/>
+            </a:prstGeom>
+          </p:spPr>
+          <p:style>
+            <a:lnRef idx="0">
+              <a:scrgbClr r="0" g="0" b="0"/>
+            </a:lnRef>
+            <a:fillRef idx="0">
+              <a:scrgbClr r="0" g="0" b="0"/>
+            </a:fillRef>
+            <a:effectRef idx="0">
+              <a:scrgbClr r="0" g="0" b="0"/>
+            </a:effectRef>
+            <a:fontRef idx="minor">
+              <a:schemeClr val="lt1"/>
+            </a:fontRef>
+          </p:style>
+          <p:txBody>
+            <a:bodyPr spcFirstLastPara="0" vert="horz" wrap="square" lIns="245269" tIns="0" rIns="245269" bIns="0" numCol="1" spcCol="1270" anchor="ctr" anchorCtr="0">
+              <a:noAutofit/>
+            </a:bodyPr>
+            <a:lstStyle/>
+            <a:p>
+              <a:pPr lvl="0"/>
+              <a:r>
+                <a:rPr lang="de-DE" sz="1400">
+                  <a:solidFill>
+                    <a:schemeClr val="tx1"/>
+                  </a:solidFill>
+                </a:rPr>
+                <a:t>/NF20/   Effizienter Code</a:t>
+              </a:r>
+            </a:p>
+          </p:txBody>
+        </p:sp>
+      </p:grpSp>
+      <p:sp>
+        <p:nvSpPr>
+          <p:cNvPr id="12" name="Rectangle 11">
+            <a:extLst>
+              <a:ext uri="{FF2B5EF4-FFF2-40B4-BE49-F238E27FC236}">
+                <a16:creationId xmlns:a16="http://schemas.microsoft.com/office/drawing/2014/main" id="{DB74E022-5806-4D04-8E85-16364B4EE69F}"/>
+              </a:ext>
+            </a:extLst>
+          </p:cNvPr>
+          <p:cNvSpPr/>
+          <p:nvPr/>
+        </p:nvSpPr>
+        <p:spPr>
+          <a:xfrm>
+            <a:off x="838199" y="3990813"/>
+            <a:ext cx="9270000" cy="450001"/>
+          </a:xfrm>
+          <a:prstGeom prst="rect">
+            <a:avLst/>
+          </a:prstGeom>
+          <a:ln w="19050">
+            <a:solidFill>
+              <a:schemeClr val="accent2"/>
+            </a:solidFill>
+          </a:ln>
+        </p:spPr>
+        <p:style>
+          <a:lnRef idx="2">
+            <a:scrgbClr r="0" g="0" b="0"/>
+          </a:lnRef>
+          <a:fillRef idx="1">
+            <a:schemeClr val="lt1">
+              <a:alpha val="90000"/>
+              <a:hueOff val="0"/>
+              <a:satOff val="0"/>
+              <a:lumOff val="0"/>
+              <a:alphaOff val="0"/>
+            </a:schemeClr>
+          </a:fillRef>
+          <a:effectRef idx="0">
+            <a:schemeClr val="lt1">
+              <a:alpha val="90000"/>
+              <a:hueOff val="0"/>
+              <a:satOff val="0"/>
+              <a:lumOff val="0"/>
+              <a:alphaOff val="0"/>
+            </a:schemeClr>
+          </a:effectRef>
+          <a:fontRef idx="minor">
+            <a:schemeClr val="dk1">
+              <a:hueOff val="0"/>
+              <a:satOff val="0"/>
+              <a:lumOff val="0"/>
+              <a:alphaOff val="0"/>
+            </a:schemeClr>
+          </a:fontRef>
+        </p:style>
+      </p:sp>
+      <p:grpSp>
+        <p:nvGrpSpPr>
+          <p:cNvPr id="13" name="Group 12">
+            <a:extLst>
+              <a:ext uri="{FF2B5EF4-FFF2-40B4-BE49-F238E27FC236}">
+                <a16:creationId xmlns:a16="http://schemas.microsoft.com/office/drawing/2014/main" id="{E74FBD9F-C169-4D83-BFCD-D9CFE733F23D}"/>
+              </a:ext>
+            </a:extLst>
+          </p:cNvPr>
+          <p:cNvGrpSpPr/>
+          <p:nvPr/>
+        </p:nvGrpSpPr>
+        <p:grpSpPr>
+          <a:xfrm>
+            <a:off x="1287010" y="3666175"/>
+            <a:ext cx="7005600" cy="529200"/>
+            <a:chOff x="448811" y="2786275"/>
+            <a:chExt cx="6489000" cy="678960"/>
+          </a:xfrm>
+        </p:grpSpPr>
+        <p:sp>
+          <p:nvSpPr>
+            <p:cNvPr id="18" name="Rectangle: Rounded Corners 17">
+              <a:extLst>
+                <a:ext uri="{FF2B5EF4-FFF2-40B4-BE49-F238E27FC236}">
+                  <a16:creationId xmlns:a16="http://schemas.microsoft.com/office/drawing/2014/main" id="{5D9E1BA4-2EDE-4AAB-9CF7-AD446675F8B2}"/>
+                </a:ext>
+              </a:extLst>
+            </p:cNvPr>
+            <p:cNvSpPr/>
+            <p:nvPr/>
+          </p:nvSpPr>
+          <p:spPr>
+            <a:xfrm>
+              <a:off x="448811" y="2786275"/>
+              <a:ext cx="6489000" cy="678960"/>
+            </a:xfrm>
+            <a:prstGeom prst="roundRect">
+              <a:avLst/>
+            </a:prstGeom>
+            <a:solidFill>
+              <a:schemeClr val="bg1"/>
+            </a:solidFill>
+            <a:ln w="38100">
+              <a:solidFill>
+                <a:srgbClr val="ED7D31"/>
+              </a:solidFill>
+            </a:ln>
+          </p:spPr>
+          <p:style>
+            <a:lnRef idx="2">
+              <a:scrgbClr r="0" g="0" b="0"/>
+            </a:lnRef>
+            <a:fillRef idx="1">
+              <a:scrgbClr r="0" g="0" b="0"/>
+            </a:fillRef>
+            <a:effectRef idx="0">
+              <a:schemeClr val="accent1">
+                <a:hueOff val="0"/>
+                <a:satOff val="0"/>
+                <a:lumOff val="0"/>
+                <a:alphaOff val="0"/>
+              </a:schemeClr>
+            </a:effectRef>
+            <a:fontRef idx="minor">
+              <a:schemeClr val="lt1"/>
+            </a:fontRef>
+          </p:style>
+        </p:sp>
+        <p:sp>
+          <p:nvSpPr>
+            <p:cNvPr id="19" name="Rectangle: Rounded Corners 11">
+              <a:extLst>
+                <a:ext uri="{FF2B5EF4-FFF2-40B4-BE49-F238E27FC236}">
+                  <a16:creationId xmlns:a16="http://schemas.microsoft.com/office/drawing/2014/main" id="{25D5378C-F897-4741-942B-6E04FA679BCD}"/>
+                </a:ext>
+              </a:extLst>
+            </p:cNvPr>
+            <p:cNvSpPr txBox="1"/>
+            <p:nvPr/>
+          </p:nvSpPr>
+          <p:spPr>
+            <a:xfrm>
+              <a:off x="481955" y="2819419"/>
+              <a:ext cx="6422712" cy="612672"/>
+            </a:xfrm>
+            <a:prstGeom prst="rect">
+              <a:avLst/>
+            </a:prstGeom>
+          </p:spPr>
+          <p:style>
+            <a:lnRef idx="0">
+              <a:scrgbClr r="0" g="0" b="0"/>
+            </a:lnRef>
+            <a:fillRef idx="0">
+              <a:scrgbClr r="0" g="0" b="0"/>
+            </a:fillRef>
+            <a:effectRef idx="0">
+              <a:scrgbClr r="0" g="0" b="0"/>
+            </a:effectRef>
+            <a:fontRef idx="minor">
+              <a:schemeClr val="lt1"/>
+            </a:fontRef>
+          </p:style>
+          <p:txBody>
+            <a:bodyPr spcFirstLastPara="0" vert="horz" wrap="square" lIns="245269" tIns="0" rIns="245269" bIns="0" numCol="1" spcCol="1270" anchor="ctr" anchorCtr="0">
+              <a:noAutofit/>
+            </a:bodyPr>
+            <a:lstStyle/>
+            <a:p>
+              <a:pPr lvl="0"/>
+              <a:r>
+                <a:rPr lang="de-DE" sz="1400">
+                  <a:solidFill>
+                    <a:schemeClr val="tx1"/>
+                  </a:solidFill>
+                </a:rPr>
+                <a:t>/NF30/   Intuitive GUI für Test-Client</a:t>
+              </a:r>
+            </a:p>
+          </p:txBody>
+        </p:sp>
+      </p:grpSp>
+      <p:sp>
+        <p:nvSpPr>
+          <p:cNvPr id="14" name="Rectangle 13">
+            <a:extLst>
+              <a:ext uri="{FF2B5EF4-FFF2-40B4-BE49-F238E27FC236}">
+                <a16:creationId xmlns:a16="http://schemas.microsoft.com/office/drawing/2014/main" id="{953223C7-ED6C-4A32-BD42-B38D3E43D205}"/>
+              </a:ext>
+            </a:extLst>
+          </p:cNvPr>
+          <p:cNvSpPr/>
+          <p:nvPr/>
+        </p:nvSpPr>
+        <p:spPr>
+          <a:xfrm>
+            <a:off x="838199" y="4904494"/>
+            <a:ext cx="9270000" cy="450001"/>
+          </a:xfrm>
+          <a:prstGeom prst="rect">
+            <a:avLst/>
+          </a:prstGeom>
+          <a:ln w="19050">
+            <a:solidFill>
+              <a:schemeClr val="accent2"/>
+            </a:solidFill>
+          </a:ln>
+        </p:spPr>
+        <p:style>
+          <a:lnRef idx="2">
+            <a:scrgbClr r="0" g="0" b="0"/>
+          </a:lnRef>
+          <a:fillRef idx="1">
+            <a:schemeClr val="lt1">
+              <a:alpha val="90000"/>
+              <a:hueOff val="0"/>
+              <a:satOff val="0"/>
+              <a:lumOff val="0"/>
+              <a:alphaOff val="0"/>
+            </a:schemeClr>
+          </a:fillRef>
+          <a:effectRef idx="0">
+            <a:schemeClr val="lt1">
+              <a:alpha val="90000"/>
+              <a:hueOff val="0"/>
+              <a:satOff val="0"/>
+              <a:lumOff val="0"/>
+              <a:alphaOff val="0"/>
+            </a:schemeClr>
+          </a:effectRef>
+          <a:fontRef idx="minor">
+            <a:schemeClr val="dk1">
+              <a:hueOff val="0"/>
+              <a:satOff val="0"/>
+              <a:lumOff val="0"/>
+              <a:alphaOff val="0"/>
+            </a:schemeClr>
+          </a:fontRef>
+        </p:style>
+      </p:sp>
+      <p:grpSp>
+        <p:nvGrpSpPr>
+          <p:cNvPr id="15" name="Group 14">
+            <a:extLst>
+              <a:ext uri="{FF2B5EF4-FFF2-40B4-BE49-F238E27FC236}">
+                <a16:creationId xmlns:a16="http://schemas.microsoft.com/office/drawing/2014/main" id="{655402DF-B7E3-4030-AD0C-810234406D04}"/>
+              </a:ext>
+            </a:extLst>
+          </p:cNvPr>
+          <p:cNvGrpSpPr/>
+          <p:nvPr/>
+        </p:nvGrpSpPr>
+        <p:grpSpPr>
+          <a:xfrm>
+            <a:off x="1301699" y="4565014"/>
+            <a:ext cx="7005600" cy="529200"/>
+            <a:chOff x="463500" y="3685114"/>
+            <a:chExt cx="6489000" cy="678960"/>
+          </a:xfrm>
+        </p:grpSpPr>
+        <p:sp>
+          <p:nvSpPr>
+            <p:cNvPr id="16" name="Rectangle: Rounded Corners 15">
+              <a:extLst>
+                <a:ext uri="{FF2B5EF4-FFF2-40B4-BE49-F238E27FC236}">
+                  <a16:creationId xmlns:a16="http://schemas.microsoft.com/office/drawing/2014/main" id="{BCFC777F-4958-4B14-9822-F1258377C393}"/>
+                </a:ext>
+              </a:extLst>
+            </p:cNvPr>
+            <p:cNvSpPr/>
+            <p:nvPr/>
+          </p:nvSpPr>
+          <p:spPr>
+            <a:xfrm>
+              <a:off x="463500" y="3685114"/>
+              <a:ext cx="6489000" cy="678960"/>
+            </a:xfrm>
+            <a:prstGeom prst="roundRect">
+              <a:avLst/>
+            </a:prstGeom>
+            <a:solidFill>
+              <a:schemeClr val="bg1"/>
+            </a:solidFill>
+            <a:ln w="38100">
+              <a:solidFill>
+                <a:schemeClr val="accent2"/>
+              </a:solidFill>
+            </a:ln>
+          </p:spPr>
+          <p:style>
+            <a:lnRef idx="2">
+              <a:scrgbClr r="0" g="0" b="0"/>
+            </a:lnRef>
+            <a:fillRef idx="1">
+              <a:scrgbClr r="0" g="0" b="0"/>
+            </a:fillRef>
+            <a:effectRef idx="0">
+              <a:schemeClr val="accent1">
+                <a:hueOff val="0"/>
+                <a:satOff val="0"/>
+                <a:lumOff val="0"/>
+                <a:alphaOff val="0"/>
+              </a:schemeClr>
+            </a:effectRef>
+            <a:fontRef idx="minor">
+              <a:schemeClr val="lt1"/>
+            </a:fontRef>
+          </p:style>
+        </p:sp>
+        <p:sp>
+          <p:nvSpPr>
+            <p:cNvPr id="17" name="Rectangle: Rounded Corners 14">
+              <a:extLst>
+                <a:ext uri="{FF2B5EF4-FFF2-40B4-BE49-F238E27FC236}">
+                  <a16:creationId xmlns:a16="http://schemas.microsoft.com/office/drawing/2014/main" id="{20D11541-F398-49FF-97C0-4CAAE3FBCFAD}"/>
+                </a:ext>
+              </a:extLst>
+            </p:cNvPr>
+            <p:cNvSpPr txBox="1"/>
+            <p:nvPr/>
+          </p:nvSpPr>
+          <p:spPr>
+            <a:xfrm>
+              <a:off x="496644" y="3718258"/>
+              <a:ext cx="6422712" cy="612672"/>
+            </a:xfrm>
+            <a:prstGeom prst="rect">
+              <a:avLst/>
+            </a:prstGeom>
+          </p:spPr>
+          <p:style>
+            <a:lnRef idx="0">
+              <a:scrgbClr r="0" g="0" b="0"/>
+            </a:lnRef>
+            <a:fillRef idx="0">
+              <a:scrgbClr r="0" g="0" b="0"/>
+            </a:fillRef>
+            <a:effectRef idx="0">
+              <a:scrgbClr r="0" g="0" b="0"/>
+            </a:effectRef>
+            <a:fontRef idx="minor">
+              <a:schemeClr val="lt1"/>
+            </a:fontRef>
+          </p:style>
+          <p:txBody>
+            <a:bodyPr spcFirstLastPara="0" vert="horz" wrap="square" lIns="245269" tIns="0" rIns="245269" bIns="0" numCol="1" spcCol="1270" anchor="ctr" anchorCtr="0">
+              <a:noAutofit/>
+            </a:bodyPr>
+            <a:lstStyle/>
+            <a:p>
+              <a:pPr lvl="0"/>
+              <a:r>
+                <a:rPr lang="de-DE" sz="1400">
+                  <a:solidFill>
+                    <a:schemeClr val="tx1"/>
+                  </a:solidFill>
+                </a:rPr>
+                <a:t>/NF40/   Bestehen des </a:t>
+              </a:r>
+              <a:r>
+                <a:rPr lang="de-DE" sz="1400" err="1">
+                  <a:solidFill>
+                    <a:schemeClr val="tx1"/>
+                  </a:solidFill>
+                </a:rPr>
+                <a:t>Approval</a:t>
+              </a:r>
+              <a:r>
+                <a:rPr lang="de-DE" sz="1400">
+                  <a:solidFill>
+                    <a:schemeClr val="tx1"/>
+                  </a:solidFill>
+                </a:rPr>
+                <a:t> </a:t>
+              </a:r>
+              <a:r>
+                <a:rPr lang="de-DE" sz="1400" err="1">
+                  <a:solidFill>
+                    <a:schemeClr val="tx1"/>
+                  </a:solidFill>
+                </a:rPr>
+                <a:t>Process</a:t>
+              </a:r>
+              <a:endParaRPr lang="de-DE" sz="1400">
+                <a:solidFill>
+                  <a:schemeClr val="tx1"/>
+                </a:solidFill>
+              </a:endParaRPr>
+            </a:p>
+          </p:txBody>
+        </p:sp>
+      </p:grpSp>
+      <p:sp>
+        <p:nvSpPr>
+          <p:cNvPr id="24" name="Rectangle 23">
+            <a:extLst>
+              <a:ext uri="{FF2B5EF4-FFF2-40B4-BE49-F238E27FC236}">
+                <a16:creationId xmlns:a16="http://schemas.microsoft.com/office/drawing/2014/main" id="{0F2FB9E3-12BE-4772-A03C-D38F3829E8D5}"/>
+              </a:ext>
+            </a:extLst>
+          </p:cNvPr>
+          <p:cNvSpPr/>
+          <p:nvPr/>
+        </p:nvSpPr>
+        <p:spPr>
+          <a:xfrm>
+            <a:off x="838199" y="5818175"/>
+            <a:ext cx="9270000" cy="450001"/>
+          </a:xfrm>
+          <a:prstGeom prst="rect">
+            <a:avLst/>
+          </a:prstGeom>
+          <a:ln w="19050">
+            <a:solidFill>
+              <a:schemeClr val="accent2"/>
+            </a:solidFill>
+          </a:ln>
+        </p:spPr>
+        <p:style>
+          <a:lnRef idx="2">
+            <a:scrgbClr r="0" g="0" b="0"/>
+          </a:lnRef>
+          <a:fillRef idx="1">
+            <a:schemeClr val="lt1">
+              <a:alpha val="90000"/>
+              <a:hueOff val="0"/>
+              <a:satOff val="0"/>
+              <a:lumOff val="0"/>
+              <a:alphaOff val="0"/>
+            </a:schemeClr>
+          </a:fillRef>
+          <a:effectRef idx="0">
+            <a:schemeClr val="lt1">
+              <a:alpha val="90000"/>
+              <a:hueOff val="0"/>
+              <a:satOff val="0"/>
+              <a:lumOff val="0"/>
+              <a:alphaOff val="0"/>
+            </a:schemeClr>
+          </a:effectRef>
+          <a:fontRef idx="minor">
+            <a:schemeClr val="dk1">
+              <a:hueOff val="0"/>
+              <a:satOff val="0"/>
+              <a:lumOff val="0"/>
+              <a:alphaOff val="0"/>
+            </a:schemeClr>
+          </a:fontRef>
+        </p:style>
+      </p:sp>
+      <p:grpSp>
+        <p:nvGrpSpPr>
+          <p:cNvPr id="25" name="Group 24">
+            <a:extLst>
+              <a:ext uri="{FF2B5EF4-FFF2-40B4-BE49-F238E27FC236}">
+                <a16:creationId xmlns:a16="http://schemas.microsoft.com/office/drawing/2014/main" id="{3F11B13D-445B-4BE0-BF9C-1C83EBA1D1F1}"/>
+              </a:ext>
+            </a:extLst>
+          </p:cNvPr>
+          <p:cNvGrpSpPr/>
+          <p:nvPr/>
+        </p:nvGrpSpPr>
+        <p:grpSpPr>
+          <a:xfrm>
+            <a:off x="1301699" y="5478695"/>
+            <a:ext cx="7005600" cy="529200"/>
+            <a:chOff x="463500" y="3685114"/>
+            <a:chExt cx="6489000" cy="678960"/>
+          </a:xfrm>
+        </p:grpSpPr>
+        <p:sp>
+          <p:nvSpPr>
+            <p:cNvPr id="26" name="Rectangle: Rounded Corners 25">
+              <a:extLst>
+                <a:ext uri="{FF2B5EF4-FFF2-40B4-BE49-F238E27FC236}">
+                  <a16:creationId xmlns:a16="http://schemas.microsoft.com/office/drawing/2014/main" id="{38D4877B-9ED9-42B4-81CE-56FBF44FB187}"/>
+                </a:ext>
+              </a:extLst>
+            </p:cNvPr>
+            <p:cNvSpPr/>
+            <p:nvPr/>
+          </p:nvSpPr>
+          <p:spPr>
+            <a:xfrm>
+              <a:off x="463500" y="3685114"/>
+              <a:ext cx="6489000" cy="678960"/>
+            </a:xfrm>
+            <a:prstGeom prst="roundRect">
+              <a:avLst/>
+            </a:prstGeom>
+            <a:solidFill>
+              <a:schemeClr val="bg1"/>
+            </a:solidFill>
+            <a:ln w="38100">
+              <a:solidFill>
+                <a:schemeClr val="accent2"/>
+              </a:solidFill>
+            </a:ln>
+          </p:spPr>
+          <p:style>
+            <a:lnRef idx="2">
+              <a:scrgbClr r="0" g="0" b="0"/>
+            </a:lnRef>
+            <a:fillRef idx="1">
+              <a:scrgbClr r="0" g="0" b="0"/>
+            </a:fillRef>
+            <a:effectRef idx="0">
+              <a:schemeClr val="accent1">
+                <a:hueOff val="0"/>
+                <a:satOff val="0"/>
+                <a:lumOff val="0"/>
+                <a:alphaOff val="0"/>
+              </a:schemeClr>
+            </a:effectRef>
+            <a:fontRef idx="minor">
+              <a:schemeClr val="lt1"/>
+            </a:fontRef>
+          </p:style>
+        </p:sp>
+        <p:sp>
+          <p:nvSpPr>
+            <p:cNvPr id="27" name="Rectangle: Rounded Corners 14">
+              <a:extLst>
+                <a:ext uri="{FF2B5EF4-FFF2-40B4-BE49-F238E27FC236}">
+                  <a16:creationId xmlns:a16="http://schemas.microsoft.com/office/drawing/2014/main" id="{DC222731-7028-4167-B872-8A6E127EF1D7}"/>
+                </a:ext>
+              </a:extLst>
+            </p:cNvPr>
+            <p:cNvSpPr txBox="1"/>
+            <p:nvPr/>
+          </p:nvSpPr>
+          <p:spPr>
+            <a:xfrm>
+              <a:off x="496644" y="3718258"/>
+              <a:ext cx="6422712" cy="612672"/>
+            </a:xfrm>
+            <a:prstGeom prst="rect">
+              <a:avLst/>
+            </a:prstGeom>
+          </p:spPr>
+          <p:style>
+            <a:lnRef idx="0">
+              <a:scrgbClr r="0" g="0" b="0"/>
+            </a:lnRef>
+            <a:fillRef idx="0">
+              <a:scrgbClr r="0" g="0" b="0"/>
+            </a:fillRef>
+            <a:effectRef idx="0">
+              <a:scrgbClr r="0" g="0" b="0"/>
+            </a:effectRef>
+            <a:fontRef idx="minor">
+              <a:schemeClr val="lt1"/>
+            </a:fontRef>
+          </p:style>
+          <p:txBody>
+            <a:bodyPr spcFirstLastPara="0" vert="horz" wrap="square" lIns="245269" tIns="0" rIns="245269" bIns="0" numCol="1" spcCol="1270" anchor="ctr" anchorCtr="0">
+              <a:noAutofit/>
+            </a:bodyPr>
+            <a:lstStyle/>
+            <a:p>
+              <a:pPr lvl="0"/>
+              <a:r>
+                <a:rPr lang="de-DE" sz="1400">
+                  <a:solidFill>
+                    <a:schemeClr val="tx1"/>
+                  </a:solidFill>
+                </a:rPr>
+                <a:t>/NF50/   </a:t>
+              </a:r>
+              <a:r>
+                <a:rPr lang="de-DE" sz="1400" err="1">
+                  <a:solidFill>
+                    <a:schemeClr val="tx1"/>
+                  </a:solidFill>
+                </a:rPr>
+                <a:t>Executable</a:t>
+              </a:r>
+              <a:r>
+                <a:rPr lang="de-DE" sz="1400">
+                  <a:solidFill>
+                    <a:schemeClr val="tx1"/>
+                  </a:solidFill>
+                </a:rPr>
+                <a:t> </a:t>
+              </a:r>
+              <a:r>
+                <a:rPr lang="de-DE" sz="1400" err="1">
+                  <a:solidFill>
+                    <a:schemeClr val="tx1"/>
+                  </a:solidFill>
+                </a:rPr>
+                <a:t>Program</a:t>
+              </a:r>
+              <a:endParaRPr lang="de-DE" sz="1400">
+                <a:solidFill>
+                  <a:schemeClr val="tx1"/>
+                </a:solidFill>
+              </a:endParaRPr>
+            </a:p>
+          </p:txBody>
+        </p:sp>
+      </p:grpSp>
+      <p:sp>
+        <p:nvSpPr>
+          <p:cNvPr id="34" name="Textfeld 33">
+            <a:extLst>
+              <a:ext uri="{FF2B5EF4-FFF2-40B4-BE49-F238E27FC236}">
+                <a16:creationId xmlns:a16="http://schemas.microsoft.com/office/drawing/2014/main" id="{2EAA6503-B614-452E-865F-8F28FAD17DC3}"/>
+              </a:ext>
+            </a:extLst>
+          </p:cNvPr>
+          <p:cNvSpPr txBox="1"/>
+          <p:nvPr/>
+        </p:nvSpPr>
+        <p:spPr>
+          <a:xfrm>
+            <a:off x="11761361" y="-636"/>
+            <a:ext cx="430639" cy="369332"/>
+          </a:xfrm>
+          <a:prstGeom prst="rect">
+            <a:avLst/>
+          </a:prstGeom>
+          <a:noFill/>
+        </p:spPr>
+        <p:txBody>
+          <a:bodyPr wrap="square" lIns="91440" tIns="45720" rIns="91440" bIns="45720" rtlCol="0" anchor="t">
+            <a:spAutoFit/>
+          </a:bodyPr>
+          <a:lstStyle/>
+          <a:p>
+            <a:r>
+              <a:rPr lang="de-DE">
+                <a:ea typeface="Calibri"/>
+                <a:cs typeface="Calibri"/>
+              </a:rPr>
+              <a:t>10</a:t>
+            </a:r>
+          </a:p>
+        </p:txBody>
+      </p:sp>
+    </p:spTree>
+    <p:extLst>
+      <p:ext uri="{BB962C8B-B14F-4D97-AF65-F5344CB8AC3E}">
+        <p14:creationId xmlns:p14="http://schemas.microsoft.com/office/powerpoint/2010/main" val="2321171521"/>
+      </p:ext>
+    </p:extLst>
+  </p:cSld>
+  <p:clrMapOvr>
+    <a:masterClrMapping/>
+  </p:clrMapOvr>
+  <mc:AlternateContent xmlns:mc="http://schemas.openxmlformats.org/markup-compatibility/2006" xmlns:p159="http://schemas.microsoft.com/office/powerpoint/2015/09/main">
+    <mc:Choice Requires="p159">
+      <p:transition xmlns:p14="http://schemas.microsoft.com/office/powerpoint/2010/main" spd="slow" p14:dur="2000">
+        <p159:morph option="byObject"/>
+      </p:transition>
+    </mc:Choice>
+    <mc:Fallback xmlns="">
+      <p:transition spd="slow">
+        <p:fade/>
+      </p:transition>
+    </mc:Fallback>
+  </mc:AlternateContent>
+</p:sld>
+</file>
+
+<file path=ppt/slides/slide12.xml><?xml version="1.0" encoding="utf-8"?>
 <p:sld xmlns:a="http://schemas.openxmlformats.org/drawingml/2006/main" xmlns:r="http://schemas.openxmlformats.org/officeDocument/2006/relationships" xmlns:p="http://schemas.openxmlformats.org/presentationml/2006/main">
   <p:cSld>
     <p:spTree>
@@ -22639,7 +21127,7 @@
 </p:sld>
 </file>
 
-<file path=ppt/slides/slide12.xml><?xml version="1.0" encoding="utf-8"?>
+<file path=ppt/slides/slide13.xml><?xml version="1.0" encoding="utf-8"?>
 <p:sld xmlns:a="http://schemas.openxmlformats.org/drawingml/2006/main" xmlns:r="http://schemas.openxmlformats.org/officeDocument/2006/relationships" xmlns:p="http://schemas.openxmlformats.org/presentationml/2006/main">
   <p:cSld>
     <p:spTree>
@@ -23551,7 +22039,7 @@
 </p:sld>
 </file>
 
-<file path=ppt/slides/slide13.xml><?xml version="1.0" encoding="utf-8"?>
+<file path=ppt/slides/slide14.xml><?xml version="1.0" encoding="utf-8"?>
 <p:sld xmlns:a="http://schemas.openxmlformats.org/drawingml/2006/main" xmlns:r="http://schemas.openxmlformats.org/officeDocument/2006/relationships" xmlns:p="http://schemas.openxmlformats.org/presentationml/2006/main">
   <p:cSld>
     <p:spTree>
@@ -23774,7 +22262,7 @@
                 <a:ea typeface="+mn-lt"/>
                 <a:cs typeface="+mn-lt"/>
               </a:rPr>
-              <a:t> nicht möglich</a:t>
+              <a:t> möglich</a:t>
             </a:r>
             <a:endParaRPr lang="de-DE">
               <a:ea typeface="Calibri"/>
@@ -23835,7 +22323,7 @@
                 <a:ea typeface="Calibri"/>
                 <a:cs typeface="Calibri"/>
               </a:rPr>
-              <a:t>Verifikation er Lauffähigkeit</a:t>
+              <a:t>Verifikation der Lauffähigkeit</a:t>
             </a:r>
           </a:p>
           <a:p>
@@ -23927,7 +22415,7 @@
 </p:sld>
 </file>
 
-<file path=ppt/slides/slide14.xml><?xml version="1.0" encoding="utf-8"?>
+<file path=ppt/slides/slide15.xml><?xml version="1.0" encoding="utf-8"?>
 <p:sld xmlns:a="http://schemas.openxmlformats.org/drawingml/2006/main" xmlns:r="http://schemas.openxmlformats.org/officeDocument/2006/relationships" xmlns:p="http://schemas.openxmlformats.org/presentationml/2006/main">
   <p:cSld>
     <p:spTree>
@@ -24106,7 +22594,19 @@
           <p:nvPr/>
         </p:nvPicPr>
         <p:blipFill>
-          <a:blip r:embed="rId3"/>
+          <a:blip r:embed="rId3">
+            <a:extLst>
+              <a:ext uri="{BEBA8EAE-BF5A-486C-A8C5-ECC9F3942E4B}">
+                <a14:imgProps xmlns:a14="http://schemas.microsoft.com/office/drawing/2010/main">
+                  <a14:imgLayer r:embed="rId4">
+                    <a14:imgEffect>
+                      <a14:sharpenSoften amount="50000"/>
+                    </a14:imgEffect>
+                  </a14:imgLayer>
+                </a14:imgProps>
+              </a:ext>
+            </a:extLst>
+          </a:blip>
           <a:stretch>
             <a:fillRect/>
           </a:stretch>
@@ -24136,7 +22636,19 @@
           <p:nvPr/>
         </p:nvPicPr>
         <p:blipFill>
-          <a:blip r:embed="rId4"/>
+          <a:blip r:embed="rId5">
+            <a:extLst>
+              <a:ext uri="{BEBA8EAE-BF5A-486C-A8C5-ECC9F3942E4B}">
+                <a14:imgProps xmlns:a14="http://schemas.microsoft.com/office/drawing/2010/main">
+                  <a14:imgLayer r:embed="rId6">
+                    <a14:imgEffect>
+                      <a14:sharpenSoften amount="50000"/>
+                    </a14:imgEffect>
+                  </a14:imgLayer>
+                </a14:imgProps>
+              </a:ext>
+            </a:extLst>
+          </a:blip>
           <a:stretch>
             <a:fillRect/>
           </a:stretch>
@@ -24376,7 +22888,7 @@
 </p:sld>
 </file>
 
-<file path=ppt/slides/slide15.xml><?xml version="1.0" encoding="utf-8"?>
+<file path=ppt/slides/slide16.xml><?xml version="1.0" encoding="utf-8"?>
 <p:sld xmlns:a="http://schemas.openxmlformats.org/drawingml/2006/main" xmlns:r="http://schemas.openxmlformats.org/officeDocument/2006/relationships" xmlns:p="http://schemas.openxmlformats.org/presentationml/2006/main">
   <p:cSld>
     <p:spTree>
@@ -24620,7 +23132,7 @@
                 <a14:imgProps xmlns:a14="http://schemas.microsoft.com/office/drawing/2010/main">
                   <a14:imgLayer r:embed="rId4">
                     <a14:imgEffect>
-                      <a14:sharpenSoften amount="-12000"/>
+                      <a14:sharpenSoften amount="25000"/>
                     </a14:imgEffect>
                   </a14:imgLayer>
                 </a14:imgProps>
@@ -24718,7 +23230,7 @@
 </p:sld>
 </file>
 
-<file path=ppt/slides/slide16.xml><?xml version="1.0" encoding="utf-8"?>
+<file path=ppt/slides/slide17.xml><?xml version="1.0" encoding="utf-8"?>
 <p:sld xmlns:a="http://schemas.openxmlformats.org/drawingml/2006/main" xmlns:r="http://schemas.openxmlformats.org/officeDocument/2006/relationships" xmlns:p="http://schemas.openxmlformats.org/presentationml/2006/main">
   <p:cSld>
     <p:spTree>
@@ -25019,8 +23531,8 @@
 </p:sld>
 </file>
 
-<file path=ppt/slides/slide17.xml><?xml version="1.0" encoding="utf-8"?>
-<p:sld xmlns:a="http://schemas.openxmlformats.org/drawingml/2006/main" xmlns:r="http://schemas.openxmlformats.org/officeDocument/2006/relationships" xmlns:p="http://schemas.openxmlformats.org/presentationml/2006/main">
+<file path=ppt/slides/slide18.xml><?xml version="1.0" encoding="utf-8"?>
+<p:sld xmlns:a="http://schemas.openxmlformats.org/drawingml/2006/main" xmlns:r="http://schemas.openxmlformats.org/officeDocument/2006/relationships" xmlns:p="http://schemas.openxmlformats.org/presentationml/2006/main" show="0">
   <p:cSld>
     <p:spTree>
       <p:nvGrpSpPr>
@@ -25060,43 +23572,16 @@
           <a:lstStyle/>
           <a:p>
             <a:r>
+              <a:rPr lang="de-DE" sz="5400" b="1" err="1"/>
+              <a:t>To</a:t>
+            </a:r>
+            <a:r>
               <a:rPr lang="de-DE" sz="5400" b="1"/>
-              <a:t>FAZIT</a:t>
+              <a:t>-Do bei Live Demo</a:t>
             </a:r>
           </a:p>
         </p:txBody>
       </p:sp>
-      <p:graphicFrame>
-        <p:nvGraphicFramePr>
-          <p:cNvPr id="5" name="Inhaltsplatzhalter 4">
-            <a:extLst>
-              <a:ext uri="{FF2B5EF4-FFF2-40B4-BE49-F238E27FC236}">
-                <a16:creationId xmlns:a16="http://schemas.microsoft.com/office/drawing/2014/main" id="{C53CD7C0-CED3-BF0A-AEC4-A8A8D44CAE97}"/>
-              </a:ext>
-            </a:extLst>
-          </p:cNvPr>
-          <p:cNvGraphicFramePr>
-            <a:graphicFrameLocks noGrp="1"/>
-          </p:cNvGraphicFramePr>
-          <p:nvPr>
-            <p:ph idx="1"/>
-            <p:extLst>
-              <p:ext uri="{D42A27DB-BD31-4B8C-83A1-F6EECF244321}">
-                <p14:modId xmlns:p14="http://schemas.microsoft.com/office/powerpoint/2010/main" val="3634150160"/>
-              </p:ext>
-            </p:extLst>
-          </p:nvPr>
-        </p:nvGraphicFramePr>
-        <p:xfrm>
-          <a:off x="838200" y="1825625"/>
-          <a:ext cx="10515600" cy="4351338"/>
-        </p:xfrm>
-        <a:graphic>
-          <a:graphicData uri="http://schemas.openxmlformats.org/drawingml/2006/diagram">
-            <dgm:relIds xmlns:dgm="http://schemas.openxmlformats.org/drawingml/2006/diagram" xmlns:r="http://schemas.openxmlformats.org/officeDocument/2006/relationships" r:dm="rId3" r:lo="rId4" r:qs="rId5" r:cs="rId6"/>
-          </a:graphicData>
-        </a:graphic>
-      </p:graphicFrame>
       <p:sp>
         <p:nvSpPr>
           <p:cNvPr id="4" name="Textfeld 3">
@@ -25211,6 +23696,375 @@
           <a:p>
             <a:r>
               <a:rPr lang="de-DE"/>
+              <a:t>16</a:t>
+            </a:r>
+          </a:p>
+        </p:txBody>
+      </p:sp>
+      <p:sp>
+        <p:nvSpPr>
+          <p:cNvPr id="5" name="Textfeld 4">
+            <a:extLst>
+              <a:ext uri="{FF2B5EF4-FFF2-40B4-BE49-F238E27FC236}">
+                <a16:creationId xmlns:a16="http://schemas.microsoft.com/office/drawing/2014/main" id="{C4D08AD4-79F3-4FD8-931D-6EE0272372F0}"/>
+              </a:ext>
+            </a:extLst>
+          </p:cNvPr>
+          <p:cNvSpPr txBox="1"/>
+          <p:nvPr/>
+        </p:nvSpPr>
+        <p:spPr>
+          <a:xfrm>
+            <a:off x="838199" y="1941342"/>
+            <a:ext cx="10497156" cy="2862322"/>
+          </a:xfrm>
+          <a:prstGeom prst="rect">
+            <a:avLst/>
+          </a:prstGeom>
+          <a:noFill/>
+        </p:spPr>
+        <p:txBody>
+          <a:bodyPr wrap="square" rtlCol="0">
+            <a:spAutoFit/>
+          </a:bodyPr>
+          <a:lstStyle/>
+          <a:p>
+            <a:r>
+              <a:rPr lang="de-DE"/>
+              <a:t>Textfeld</a:t>
+            </a:r>
+          </a:p>
+          <a:p>
+            <a:pPr marL="285750" indent="-285750">
+              <a:buFont typeface="Arial" panose="020B0604020202020204" pitchFamily="34" charset="0"/>
+              <a:buChar char="•"/>
+            </a:pPr>
+            <a:r>
+              <a:rPr lang="de-DE" err="1"/>
+              <a:t>lwIP</a:t>
+            </a:r>
+            <a:r>
+              <a:rPr lang="de-DE"/>
+              <a:t> starten &amp; Netzwerkadapter auswählen</a:t>
+            </a:r>
+          </a:p>
+          <a:p>
+            <a:pPr marL="285750" indent="-285750">
+              <a:buFont typeface="Arial" panose="020B0604020202020204" pitchFamily="34" charset="0"/>
+              <a:buChar char="•"/>
+            </a:pPr>
+            <a:r>
+              <a:rPr lang="de-DE"/>
+              <a:t>Zeigen dass </a:t>
+            </a:r>
+            <a:r>
+              <a:rPr lang="de-DE" err="1"/>
+              <a:t>lwIP</a:t>
+            </a:r>
+            <a:r>
+              <a:rPr lang="de-DE"/>
+              <a:t> eine IP Adresse bekommt</a:t>
+            </a:r>
+          </a:p>
+          <a:p>
+            <a:pPr marL="285750" indent="-285750">
+              <a:buFont typeface="Arial" panose="020B0604020202020204" pitchFamily="34" charset="0"/>
+              <a:buChar char="•"/>
+            </a:pPr>
+            <a:r>
+              <a:rPr lang="de-DE" err="1"/>
+              <a:t>lwIP</a:t>
+            </a:r>
+            <a:r>
+              <a:rPr lang="de-DE"/>
+              <a:t> root Seite im Browser öffnen </a:t>
+            </a:r>
+          </a:p>
+          <a:p>
+            <a:pPr marL="285750" indent="-285750">
+              <a:buFont typeface="Arial" panose="020B0604020202020204" pitchFamily="34" charset="0"/>
+              <a:buChar char="•"/>
+            </a:pPr>
+            <a:r>
+              <a:rPr lang="de-DE"/>
+              <a:t>/</a:t>
+            </a:r>
+            <a:r>
+              <a:rPr lang="de-DE" err="1"/>
+              <a:t>identification</a:t>
+            </a:r>
+            <a:r>
+              <a:rPr lang="de-DE"/>
+              <a:t> </a:t>
+            </a:r>
+            <a:r>
+              <a:rPr lang="de-DE" err="1"/>
+              <a:t>Endpoint</a:t>
+            </a:r>
+            <a:r>
+              <a:rPr lang="de-DE"/>
+              <a:t> aufrufen über Test Button</a:t>
+            </a:r>
+          </a:p>
+          <a:p>
+            <a:pPr marL="285750" indent="-285750">
+              <a:buFont typeface="Arial" panose="020B0604020202020204" pitchFamily="34" charset="0"/>
+              <a:buChar char="•"/>
+            </a:pPr>
+            <a:r>
+              <a:rPr lang="de-DE"/>
+              <a:t>JSON Objekt validieren: </a:t>
+            </a:r>
+            <a:r>
+              <a:rPr lang="de-DE">
+                <a:hlinkClick r:id="rId3"/>
+              </a:rPr>
+              <a:t>https://jsonchecker.com/</a:t>
+            </a:r>
+            <a:r>
+              <a:rPr lang="de-DE"/>
+              <a:t> </a:t>
+            </a:r>
+          </a:p>
+          <a:p>
+            <a:pPr marL="285750" indent="-285750">
+              <a:buFont typeface="Arial" panose="020B0604020202020204" pitchFamily="34" charset="0"/>
+              <a:buChar char="•"/>
+            </a:pPr>
+            <a:r>
+              <a:rPr lang="de-DE" err="1"/>
+              <a:t>lwIPopts.h</a:t>
+            </a:r>
+            <a:r>
+              <a:rPr lang="de-DE"/>
+              <a:t> zeigen um Einstellungsmöglichkeiten zu demonstrieren (IP-Adresse, Subnetzmaske, AUTO-IP &amp; -DHCP, etc.)</a:t>
+            </a:r>
+          </a:p>
+          <a:p>
+            <a:endParaRPr lang="de-DE"/>
+          </a:p>
+          <a:p>
+            <a:endParaRPr lang="de-DE"/>
+          </a:p>
+        </p:txBody>
+      </p:sp>
+    </p:spTree>
+    <p:extLst>
+      <p:ext uri="{BB962C8B-B14F-4D97-AF65-F5344CB8AC3E}">
+        <p14:creationId xmlns:p14="http://schemas.microsoft.com/office/powerpoint/2010/main" val="2628852825"/>
+      </p:ext>
+    </p:extLst>
+  </p:cSld>
+  <p:clrMapOvr>
+    <a:masterClrMapping/>
+  </p:clrMapOvr>
+  <mc:AlternateContent xmlns:mc="http://schemas.openxmlformats.org/markup-compatibility/2006" xmlns:p159="http://schemas.microsoft.com/office/powerpoint/2015/09/main">
+    <mc:Choice Requires="p159">
+      <p:transition xmlns:p14="http://schemas.microsoft.com/office/powerpoint/2010/main" spd="slow" p14:dur="2000">
+        <p159:morph option="byObject"/>
+      </p:transition>
+    </mc:Choice>
+    <mc:Fallback xmlns="">
+      <p:transition spd="slow">
+        <p:fade/>
+      </p:transition>
+    </mc:Fallback>
+  </mc:AlternateContent>
+</p:sld>
+</file>
+
+<file path=ppt/slides/slide19.xml><?xml version="1.0" encoding="utf-8"?>
+<p:sld xmlns:a="http://schemas.openxmlformats.org/drawingml/2006/main" xmlns:r="http://schemas.openxmlformats.org/officeDocument/2006/relationships" xmlns:p="http://schemas.openxmlformats.org/presentationml/2006/main">
+  <p:cSld>
+    <p:spTree>
+      <p:nvGrpSpPr>
+        <p:cNvPr id="1" name=""/>
+        <p:cNvGrpSpPr/>
+        <p:nvPr/>
+      </p:nvGrpSpPr>
+      <p:grpSpPr>
+        <a:xfrm>
+          <a:off x="0" y="0"/>
+          <a:ext cx="0" cy="0"/>
+          <a:chOff x="0" y="0"/>
+          <a:chExt cx="0" cy="0"/>
+        </a:xfrm>
+      </p:grpSpPr>
+      <p:sp>
+        <p:nvSpPr>
+          <p:cNvPr id="2" name="Titel 1">
+            <a:extLst>
+              <a:ext uri="{FF2B5EF4-FFF2-40B4-BE49-F238E27FC236}">
+                <a16:creationId xmlns:a16="http://schemas.microsoft.com/office/drawing/2014/main" id="{D7130879-2349-44F2-9B21-A942E12F574C}"/>
+              </a:ext>
+            </a:extLst>
+          </p:cNvPr>
+          <p:cNvSpPr>
+            <a:spLocks noGrp="1"/>
+          </p:cNvSpPr>
+          <p:nvPr>
+            <p:ph type="title"/>
+          </p:nvPr>
+        </p:nvSpPr>
+        <p:spPr/>
+        <p:txBody>
+          <a:bodyPr>
+            <a:normAutofit/>
+          </a:bodyPr>
+          <a:lstStyle/>
+          <a:p>
+            <a:r>
+              <a:rPr lang="de-DE" sz="5400" b="1"/>
+              <a:t>FAZIT</a:t>
+            </a:r>
+          </a:p>
+        </p:txBody>
+      </p:sp>
+      <p:graphicFrame>
+        <p:nvGraphicFramePr>
+          <p:cNvPr id="5" name="Inhaltsplatzhalter 4">
+            <a:extLst>
+              <a:ext uri="{FF2B5EF4-FFF2-40B4-BE49-F238E27FC236}">
+                <a16:creationId xmlns:a16="http://schemas.microsoft.com/office/drawing/2014/main" id="{C53CD7C0-CED3-BF0A-AEC4-A8A8D44CAE97}"/>
+              </a:ext>
+            </a:extLst>
+          </p:cNvPr>
+          <p:cNvGraphicFramePr>
+            <a:graphicFrameLocks noGrp="1"/>
+          </p:cNvGraphicFramePr>
+          <p:nvPr>
+            <p:ph idx="1"/>
+            <p:extLst>
+              <p:ext uri="{D42A27DB-BD31-4B8C-83A1-F6EECF244321}">
+                <p14:modId xmlns:p14="http://schemas.microsoft.com/office/powerpoint/2010/main" val="3634150160"/>
+              </p:ext>
+            </p:extLst>
+          </p:nvPr>
+        </p:nvGraphicFramePr>
+        <p:xfrm>
+          <a:off x="838200" y="1825625"/>
+          <a:ext cx="10515600" cy="4351338"/>
+        </p:xfrm>
+        <a:graphic>
+          <a:graphicData uri="http://schemas.openxmlformats.org/drawingml/2006/diagram">
+            <dgm:relIds xmlns:dgm="http://schemas.openxmlformats.org/drawingml/2006/diagram" xmlns:r="http://schemas.openxmlformats.org/officeDocument/2006/relationships" r:dm="rId3" r:lo="rId4" r:qs="rId5" r:cs="rId6"/>
+          </a:graphicData>
+        </a:graphic>
+      </p:graphicFrame>
+      <p:sp>
+        <p:nvSpPr>
+          <p:cNvPr id="4" name="Textfeld 3">
+            <a:extLst>
+              <a:ext uri="{FF2B5EF4-FFF2-40B4-BE49-F238E27FC236}">
+                <a16:creationId xmlns:a16="http://schemas.microsoft.com/office/drawing/2014/main" id="{6BA2AE8F-6BF5-4518-877D-452D7875A0B8}"/>
+              </a:ext>
+            </a:extLst>
+          </p:cNvPr>
+          <p:cNvSpPr txBox="1"/>
+          <p:nvPr/>
+        </p:nvSpPr>
+        <p:spPr>
+          <a:xfrm>
+            <a:off x="11335355" y="6488668"/>
+            <a:ext cx="856645" cy="369332"/>
+          </a:xfrm>
+          <a:prstGeom prst="rect">
+            <a:avLst/>
+          </a:prstGeom>
+          <a:noFill/>
+        </p:spPr>
+        <p:txBody>
+          <a:bodyPr wrap="none" rtlCol="0">
+            <a:spAutoFit/>
+          </a:bodyPr>
+          <a:lstStyle/>
+          <a:p>
+            <a:r>
+              <a:rPr lang="de-DE">
+                <a:solidFill>
+                  <a:schemeClr val="bg1">
+                    <a:lumMod val="50000"/>
+                  </a:schemeClr>
+                </a:solidFill>
+              </a:rPr>
+              <a:t>Team 4</a:t>
+            </a:r>
+          </a:p>
+        </p:txBody>
+      </p:sp>
+      <p:cxnSp>
+        <p:nvCxnSpPr>
+          <p:cNvPr id="7" name="Gerader Verbinder 6">
+            <a:extLst>
+              <a:ext uri="{FF2B5EF4-FFF2-40B4-BE49-F238E27FC236}">
+                <a16:creationId xmlns:a16="http://schemas.microsoft.com/office/drawing/2014/main" id="{8B2F45AF-92A3-4F90-889A-B2E52CEC67D7}"/>
+              </a:ext>
+            </a:extLst>
+          </p:cNvPr>
+          <p:cNvCxnSpPr>
+            <a:cxnSpLocks/>
+          </p:cNvCxnSpPr>
+          <p:nvPr/>
+        </p:nvCxnSpPr>
+        <p:spPr>
+          <a:xfrm flipV="1">
+            <a:off x="838199" y="545090"/>
+            <a:ext cx="0" cy="900000"/>
+          </a:xfrm>
+          <a:prstGeom prst="line">
+            <a:avLst/>
+          </a:prstGeom>
+          <a:ln w="38100" cap="rnd">
+            <a:solidFill>
+              <a:srgbClr val="ED7D31"/>
+            </a:solidFill>
+          </a:ln>
+        </p:spPr>
+        <p:style>
+          <a:lnRef idx="1">
+            <a:schemeClr val="accent1"/>
+          </a:lnRef>
+          <a:fillRef idx="0">
+            <a:schemeClr val="accent1"/>
+          </a:fillRef>
+          <a:effectRef idx="0">
+            <a:schemeClr val="accent1"/>
+          </a:effectRef>
+          <a:fontRef idx="minor">
+            <a:schemeClr val="tx1"/>
+          </a:fontRef>
+        </p:style>
+      </p:cxnSp>
+      <p:sp>
+        <p:nvSpPr>
+          <p:cNvPr id="9" name="Textfeld 8">
+            <a:extLst>
+              <a:ext uri="{FF2B5EF4-FFF2-40B4-BE49-F238E27FC236}">
+                <a16:creationId xmlns:a16="http://schemas.microsoft.com/office/drawing/2014/main" id="{B7EAAD7A-D146-4D4A-AF76-1BF183A9ACC3}"/>
+              </a:ext>
+            </a:extLst>
+          </p:cNvPr>
+          <p:cNvSpPr txBox="1"/>
+          <p:nvPr/>
+        </p:nvSpPr>
+        <p:spPr>
+          <a:xfrm>
+            <a:off x="11745686" y="-636"/>
+            <a:ext cx="446314" cy="369332"/>
+          </a:xfrm>
+          <a:prstGeom prst="rect">
+            <a:avLst/>
+          </a:prstGeom>
+          <a:noFill/>
+        </p:spPr>
+        <p:txBody>
+          <a:bodyPr wrap="square" lIns="91440" tIns="45720" rIns="91440" bIns="45720" rtlCol="0" anchor="t">
+            <a:spAutoFit/>
+          </a:bodyPr>
+          <a:lstStyle/>
+          <a:p>
+            <a:r>
+              <a:rPr lang="de-DE"/>
               <a:t>17</a:t>
             </a:r>
           </a:p>
@@ -25324,841 +24178,6 @@
     <p:extLst>
       <p:ext uri="{BB962C8B-B14F-4D97-AF65-F5344CB8AC3E}">
         <p14:creationId xmlns:p14="http://schemas.microsoft.com/office/powerpoint/2010/main" val="3642239420"/>
-      </p:ext>
-    </p:extLst>
-  </p:cSld>
-  <p:clrMapOvr>
-    <a:masterClrMapping/>
-  </p:clrMapOvr>
-  <mc:AlternateContent xmlns:mc="http://schemas.openxmlformats.org/markup-compatibility/2006" xmlns:p159="http://schemas.microsoft.com/office/powerpoint/2015/09/main">
-    <mc:Choice Requires="p159">
-      <p:transition xmlns:p14="http://schemas.microsoft.com/office/powerpoint/2010/main" spd="slow" p14:dur="2000">
-        <p159:morph option="byObject"/>
-      </p:transition>
-    </mc:Choice>
-    <mc:Fallback xmlns="">
-      <p:transition spd="slow">
-        <p:fade/>
-      </p:transition>
-    </mc:Fallback>
-  </mc:AlternateContent>
-</p:sld>
-</file>
-
-<file path=ppt/slides/slide18.xml><?xml version="1.0" encoding="utf-8"?>
-<p:sld xmlns:a="http://schemas.openxmlformats.org/drawingml/2006/main" xmlns:r="http://schemas.openxmlformats.org/officeDocument/2006/relationships" xmlns:p="http://schemas.openxmlformats.org/presentationml/2006/main">
-  <p:cSld>
-    <p:bg>
-      <p:bgPr>
-        <a:solidFill>
-          <a:schemeClr val="bg1"/>
-        </a:solidFill>
-        <a:effectLst/>
-      </p:bgPr>
-    </p:bg>
-    <p:spTree>
-      <p:nvGrpSpPr>
-        <p:cNvPr id="1" name=""/>
-        <p:cNvGrpSpPr/>
-        <p:nvPr/>
-      </p:nvGrpSpPr>
-      <p:grpSpPr>
-        <a:xfrm>
-          <a:off x="0" y="0"/>
-          <a:ext cx="0" cy="0"/>
-          <a:chOff x="0" y="0"/>
-          <a:chExt cx="0" cy="0"/>
-        </a:xfrm>
-      </p:grpSpPr>
-      <p:sp useBgFill="1">
-        <p:nvSpPr>
-          <p:cNvPr id="8" name="Rectangle 7">
-            <a:extLst>
-              <a:ext uri="{FF2B5EF4-FFF2-40B4-BE49-F238E27FC236}">
-                <a16:creationId xmlns:a16="http://schemas.microsoft.com/office/drawing/2014/main" id="{458C1BCA-247F-4480-B78C-924FEBA5CD65}"/>
-              </a:ext>
-              <a:ext uri="{C183D7F6-B498-43B3-948B-1728B52AA6E4}">
-                <adec:decorative xmlns:adec="http://schemas.microsoft.com/office/drawing/2017/decorative" val="1"/>
-              </a:ext>
-            </a:extLst>
-          </p:cNvPr>
-          <p:cNvSpPr>
-            <a:spLocks noGrp="1" noRot="1" noChangeAspect="1" noMove="1" noResize="1" noEditPoints="1" noAdjustHandles="1" noChangeArrowheads="1" noChangeShapeType="1" noTextEdit="1"/>
-          </p:cNvSpPr>
-          <p:nvPr>
-            <p:extLst>
-              <p:ext uri="{386F3935-93C4-4BCD-93E2-E3B085C9AB24}">
-                <p16:designElem xmlns:p16="http://schemas.microsoft.com/office/powerpoint/2015/main" val="1"/>
-              </p:ext>
-            </p:extLst>
-          </p:nvPr>
-        </p:nvSpPr>
-        <p:spPr>
-          <a:xfrm>
-            <a:off x="0" y="0"/>
-            <a:ext cx="12192000" cy="6858000"/>
-          </a:xfrm>
-          <a:prstGeom prst="rect">
-            <a:avLst/>
-          </a:prstGeom>
-          <a:ln>
-            <a:noFill/>
-          </a:ln>
-        </p:spPr>
-        <p:style>
-          <a:lnRef idx="2">
-            <a:schemeClr val="accent1">
-              <a:shade val="50000"/>
-            </a:schemeClr>
-          </a:lnRef>
-          <a:fillRef idx="1">
-            <a:schemeClr val="accent1"/>
-          </a:fillRef>
-          <a:effectRef idx="0">
-            <a:schemeClr val="accent1"/>
-          </a:effectRef>
-          <a:fontRef idx="minor">
-            <a:schemeClr val="lt1"/>
-          </a:fontRef>
-        </p:style>
-        <p:txBody>
-          <a:bodyPr rtlCol="0" anchor="ctr"/>
-          <a:lstStyle/>
-          <a:p>
-            <a:pPr algn="ctr"/>
-            <a:endParaRPr lang="en-US"/>
-          </a:p>
-        </p:txBody>
-      </p:sp>
-      <p:sp>
-        <p:nvSpPr>
-          <p:cNvPr id="2" name="Titel 1">
-            <a:extLst>
-              <a:ext uri="{FF2B5EF4-FFF2-40B4-BE49-F238E27FC236}">
-                <a16:creationId xmlns:a16="http://schemas.microsoft.com/office/drawing/2014/main" id="{FEA21FFC-A6C3-4E95-94C4-C1E4C4F6F8D3}"/>
-              </a:ext>
-            </a:extLst>
-          </p:cNvPr>
-          <p:cNvSpPr>
-            <a:spLocks noGrp="1"/>
-          </p:cNvSpPr>
-          <p:nvPr>
-            <p:ph type="ctrTitle"/>
-          </p:nvPr>
-        </p:nvSpPr>
-        <p:spPr>
-          <a:xfrm>
-            <a:off x="7534655" y="993913"/>
-            <a:ext cx="4013877" cy="4021637"/>
-          </a:xfrm>
-        </p:spPr>
-        <p:txBody>
-          <a:bodyPr>
-            <a:normAutofit/>
-          </a:bodyPr>
-          <a:lstStyle/>
-          <a:p>
-            <a:pPr algn="l"/>
-            <a:r>
-              <a:rPr lang="de-DE" sz="6200" err="1"/>
-              <a:t>Websockets</a:t>
-            </a:r>
-            <a:r>
-              <a:rPr lang="de-DE" sz="6200"/>
-              <a:t> im </a:t>
-            </a:r>
-            <a:r>
-              <a:rPr lang="de-DE" sz="6200" err="1"/>
-              <a:t>LwIP</a:t>
-            </a:r>
-            <a:r>
-              <a:rPr lang="de-DE" sz="6200"/>
-              <a:t> HTTP Server</a:t>
-            </a:r>
-          </a:p>
-        </p:txBody>
-      </p:sp>
-      <p:sp>
-        <p:nvSpPr>
-          <p:cNvPr id="3" name="Untertitel 2">
-            <a:extLst>
-              <a:ext uri="{FF2B5EF4-FFF2-40B4-BE49-F238E27FC236}">
-                <a16:creationId xmlns:a16="http://schemas.microsoft.com/office/drawing/2014/main" id="{EA356760-99B3-4061-95B7-F0DFCD7C51E9}"/>
-              </a:ext>
-            </a:extLst>
-          </p:cNvPr>
-          <p:cNvSpPr>
-            <a:spLocks noGrp="1"/>
-          </p:cNvSpPr>
-          <p:nvPr>
-            <p:ph type="subTitle" idx="1"/>
-          </p:nvPr>
-        </p:nvSpPr>
-        <p:spPr>
-          <a:xfrm>
-            <a:off x="7534654" y="5015551"/>
-            <a:ext cx="4013872" cy="1069441"/>
-          </a:xfrm>
-        </p:spPr>
-        <p:txBody>
-          <a:bodyPr anchor="t">
-            <a:normAutofit/>
-          </a:bodyPr>
-          <a:lstStyle/>
-          <a:p>
-            <a:pPr algn="l"/>
-            <a:r>
-              <a:rPr lang="de-DE"/>
-              <a:t>Team 4</a:t>
-            </a:r>
-          </a:p>
-          <a:p>
-            <a:pPr algn="r"/>
-            <a:r>
-              <a:rPr lang="de-DE"/>
-              <a:t>13.05.2022</a:t>
-            </a:r>
-          </a:p>
-        </p:txBody>
-      </p:sp>
-      <p:sp>
-        <p:nvSpPr>
-          <p:cNvPr id="10" name="Freeform: Shape 9">
-            <a:extLst>
-              <a:ext uri="{FF2B5EF4-FFF2-40B4-BE49-F238E27FC236}">
-                <a16:creationId xmlns:a16="http://schemas.microsoft.com/office/drawing/2014/main" id="{B8E37057-BDB6-4452-836A-27973D54F2D8}"/>
-              </a:ext>
-              <a:ext uri="{C183D7F6-B498-43B3-948B-1728B52AA6E4}">
-                <adec:decorative xmlns:adec="http://schemas.microsoft.com/office/drawing/2017/decorative" val="1"/>
-              </a:ext>
-            </a:extLst>
-          </p:cNvPr>
-          <p:cNvSpPr>
-            <a:spLocks noGrp="1" noRot="1" noChangeAspect="1" noMove="1" noResize="1" noEditPoints="1" noAdjustHandles="1" noChangeArrowheads="1" noChangeShapeType="1" noTextEdit="1"/>
-          </p:cNvSpPr>
-          <p:nvPr>
-            <p:extLst>
-              <p:ext uri="{386F3935-93C4-4BCD-93E2-E3B085C9AB24}">
-                <p16:designElem xmlns:p16="http://schemas.microsoft.com/office/powerpoint/2015/main" val="1"/>
-              </p:ext>
-            </p:extLst>
-          </p:nvPr>
-        </p:nvSpPr>
-        <p:spPr>
-          <a:xfrm>
-            <a:off x="0" y="0"/>
-            <a:ext cx="5471106" cy="4631426"/>
-          </a:xfrm>
-          <a:custGeom>
-            <a:avLst/>
-            <a:gdLst>
-              <a:gd name="connsiteX0" fmla="*/ 0 w 5471106"/>
-              <a:gd name="connsiteY0" fmla="*/ 3301451 h 4631426"/>
-              <a:gd name="connsiteX1" fmla="*/ 125703 w 5471106"/>
-              <a:gd name="connsiteY1" fmla="*/ 3469551 h 4631426"/>
-              <a:gd name="connsiteX2" fmla="*/ 584138 w 5471106"/>
-              <a:gd name="connsiteY2" fmla="*/ 3917166 h 4631426"/>
-              <a:gd name="connsiteX3" fmla="*/ 716463 w 5471106"/>
-              <a:gd name="connsiteY3" fmla="*/ 4010064 h 4631426"/>
-              <a:gd name="connsiteX4" fmla="*/ 705202 w 5471106"/>
-              <a:gd name="connsiteY4" fmla="*/ 4016176 h 4631426"/>
-              <a:gd name="connsiteX5" fmla="*/ 671370 w 5471106"/>
-              <a:gd name="connsiteY5" fmla="*/ 4044091 h 4631426"/>
-              <a:gd name="connsiteX6" fmla="*/ 656526 w 5471106"/>
-              <a:gd name="connsiteY6" fmla="*/ 4066106 h 4631426"/>
-              <a:gd name="connsiteX7" fmla="*/ 534490 w 5471106"/>
-              <a:gd name="connsiteY7" fmla="*/ 3980431 h 4631426"/>
-              <a:gd name="connsiteX8" fmla="*/ 63650 w 5471106"/>
-              <a:gd name="connsiteY8" fmla="*/ 3520703 h 4631426"/>
-              <a:gd name="connsiteX9" fmla="*/ 0 w 5471106"/>
-              <a:gd name="connsiteY9" fmla="*/ 3435586 h 4631426"/>
-              <a:gd name="connsiteX10" fmla="*/ 4933182 w 5471106"/>
-              <a:gd name="connsiteY10" fmla="*/ 0 h 4631426"/>
-              <a:gd name="connsiteX11" fmla="*/ 5027180 w 5471106"/>
-              <a:gd name="connsiteY11" fmla="*/ 0 h 4631426"/>
-              <a:gd name="connsiteX12" fmla="*/ 5102720 w 5471106"/>
-              <a:gd name="connsiteY12" fmla="*/ 124342 h 4631426"/>
-              <a:gd name="connsiteX13" fmla="*/ 5471106 w 5471106"/>
-              <a:gd name="connsiteY13" fmla="*/ 1579210 h 4631426"/>
-              <a:gd name="connsiteX14" fmla="*/ 2418889 w 5471106"/>
-              <a:gd name="connsiteY14" fmla="*/ 4631426 h 4631426"/>
-              <a:gd name="connsiteX15" fmla="*/ 1095627 w 5471106"/>
-              <a:gd name="connsiteY15" fmla="*/ 4330445 h 4631426"/>
-              <a:gd name="connsiteX16" fmla="*/ 1039194 w 5471106"/>
-              <a:gd name="connsiteY16" fmla="*/ 4301325 h 4631426"/>
-              <a:gd name="connsiteX17" fmla="*/ 1043650 w 5471106"/>
-              <a:gd name="connsiteY17" fmla="*/ 4294717 h 4631426"/>
-              <a:gd name="connsiteX18" fmla="*/ 1056970 w 5471106"/>
-              <a:gd name="connsiteY18" fmla="*/ 4251806 h 4631426"/>
-              <a:gd name="connsiteX19" fmla="*/ 1060016 w 5471106"/>
-              <a:gd name="connsiteY19" fmla="*/ 4221593 h 4631426"/>
-              <a:gd name="connsiteX20" fmla="*/ 1130491 w 5471106"/>
-              <a:gd name="connsiteY20" fmla="*/ 4257958 h 4631426"/>
-              <a:gd name="connsiteX21" fmla="*/ 2418889 w 5471106"/>
-              <a:gd name="connsiteY21" fmla="*/ 4551009 h 4631426"/>
-              <a:gd name="connsiteX22" fmla="*/ 5390689 w 5471106"/>
-              <a:gd name="connsiteY22" fmla="*/ 1579210 h 4631426"/>
-              <a:gd name="connsiteX23" fmla="*/ 5032009 w 5471106"/>
-              <a:gd name="connsiteY23" fmla="*/ 162673 h 4631426"/>
-            </a:gdLst>
-            <a:ahLst/>
-            <a:cxnLst>
-              <a:cxn ang="0">
-                <a:pos x="connsiteX0" y="connsiteY0"/>
-              </a:cxn>
-              <a:cxn ang="0">
-                <a:pos x="connsiteX1" y="connsiteY1"/>
-              </a:cxn>
-              <a:cxn ang="0">
-                <a:pos x="connsiteX2" y="connsiteY2"/>
-              </a:cxn>
-              <a:cxn ang="0">
-                <a:pos x="connsiteX3" y="connsiteY3"/>
-              </a:cxn>
-              <a:cxn ang="0">
-                <a:pos x="connsiteX4" y="connsiteY4"/>
-              </a:cxn>
-              <a:cxn ang="0">
-                <a:pos x="connsiteX5" y="connsiteY5"/>
-              </a:cxn>
-              <a:cxn ang="0">
-                <a:pos x="connsiteX6" y="connsiteY6"/>
-              </a:cxn>
-              <a:cxn ang="0">
-                <a:pos x="connsiteX7" y="connsiteY7"/>
-              </a:cxn>
-              <a:cxn ang="0">
-                <a:pos x="connsiteX8" y="connsiteY8"/>
-              </a:cxn>
-              <a:cxn ang="0">
-                <a:pos x="connsiteX9" y="connsiteY9"/>
-              </a:cxn>
-              <a:cxn ang="0">
-                <a:pos x="connsiteX10" y="connsiteY10"/>
-              </a:cxn>
-              <a:cxn ang="0">
-                <a:pos x="connsiteX11" y="connsiteY11"/>
-              </a:cxn>
-              <a:cxn ang="0">
-                <a:pos x="connsiteX12" y="connsiteY12"/>
-              </a:cxn>
-              <a:cxn ang="0">
-                <a:pos x="connsiteX13" y="connsiteY13"/>
-              </a:cxn>
-              <a:cxn ang="0">
-                <a:pos x="connsiteX14" y="connsiteY14"/>
-              </a:cxn>
-              <a:cxn ang="0">
-                <a:pos x="connsiteX15" y="connsiteY15"/>
-              </a:cxn>
-              <a:cxn ang="0">
-                <a:pos x="connsiteX16" y="connsiteY16"/>
-              </a:cxn>
-              <a:cxn ang="0">
-                <a:pos x="connsiteX17" y="connsiteY17"/>
-              </a:cxn>
-              <a:cxn ang="0">
-                <a:pos x="connsiteX18" y="connsiteY18"/>
-              </a:cxn>
-              <a:cxn ang="0">
-                <a:pos x="connsiteX19" y="connsiteY19"/>
-              </a:cxn>
-              <a:cxn ang="0">
-                <a:pos x="connsiteX20" y="connsiteY20"/>
-              </a:cxn>
-              <a:cxn ang="0">
-                <a:pos x="connsiteX21" y="connsiteY21"/>
-              </a:cxn>
-              <a:cxn ang="0">
-                <a:pos x="connsiteX22" y="connsiteY22"/>
-              </a:cxn>
-              <a:cxn ang="0">
-                <a:pos x="connsiteX23" y="connsiteY23"/>
-              </a:cxn>
-            </a:cxnLst>
-            <a:rect l="l" t="t" r="r" b="b"/>
-            <a:pathLst>
-              <a:path w="5471106" h="4631426">
-                <a:moveTo>
-                  <a:pt x="0" y="3301451"/>
-                </a:moveTo>
-                <a:lnTo>
-                  <a:pt x="125703" y="3469551"/>
-                </a:lnTo>
-                <a:cubicBezTo>
-                  <a:pt x="261971" y="3634670"/>
-                  <a:pt x="415728" y="3784820"/>
-                  <a:pt x="584138" y="3917166"/>
-                </a:cubicBezTo>
-                <a:lnTo>
-                  <a:pt x="716463" y="4010064"/>
-                </a:lnTo>
-                <a:lnTo>
-                  <a:pt x="705202" y="4016176"/>
-                </a:lnTo>
-                <a:cubicBezTo>
-                  <a:pt x="693040" y="4024393"/>
-                  <a:pt x="681712" y="4033748"/>
-                  <a:pt x="671370" y="4044091"/>
-                </a:cubicBezTo>
-                <a:lnTo>
-                  <a:pt x="656526" y="4066106"/>
-                </a:lnTo>
-                <a:lnTo>
-                  <a:pt x="534490" y="3980431"/>
-                </a:lnTo>
-                <a:cubicBezTo>
-                  <a:pt x="361523" y="3844503"/>
-                  <a:pt x="203605" y="3690290"/>
-                  <a:pt x="63650" y="3520703"/>
-                </a:cubicBezTo>
-                <a:lnTo>
-                  <a:pt x="0" y="3435586"/>
-                </a:lnTo>
-                <a:close/>
-                <a:moveTo>
-                  <a:pt x="4933182" y="0"/>
-                </a:moveTo>
-                <a:lnTo>
-                  <a:pt x="5027180" y="0"/>
-                </a:lnTo>
-                <a:lnTo>
-                  <a:pt x="5102720" y="124342"/>
-                </a:lnTo>
-                <a:cubicBezTo>
-                  <a:pt x="5337656" y="556821"/>
-                  <a:pt x="5471106" y="1052431"/>
-                  <a:pt x="5471106" y="1579210"/>
-                </a:cubicBezTo>
-                <a:cubicBezTo>
-                  <a:pt x="5471106" y="3264903"/>
-                  <a:pt x="4104582" y="4631426"/>
-                  <a:pt x="2418889" y="4631426"/>
-                </a:cubicBezTo>
-                <a:cubicBezTo>
-                  <a:pt x="1944788" y="4631426"/>
-                  <a:pt x="1495934" y="4523332"/>
-                  <a:pt x="1095627" y="4330445"/>
-                </a:cubicBezTo>
-                <a:lnTo>
-                  <a:pt x="1039194" y="4301325"/>
-                </a:lnTo>
-                <a:lnTo>
-                  <a:pt x="1043650" y="4294717"/>
-                </a:lnTo>
-                <a:cubicBezTo>
-                  <a:pt x="1049433" y="4281042"/>
-                  <a:pt x="1053925" y="4266687"/>
-                  <a:pt x="1056970" y="4251806"/>
-                </a:cubicBezTo>
-                <a:lnTo>
-                  <a:pt x="1060016" y="4221593"/>
-                </a:lnTo>
-                <a:lnTo>
-                  <a:pt x="1130491" y="4257958"/>
-                </a:lnTo>
-                <a:cubicBezTo>
-                  <a:pt x="1520251" y="4445763"/>
-                  <a:pt x="1957279" y="4551009"/>
-                  <a:pt x="2418889" y="4551009"/>
-                </a:cubicBezTo>
-                <a:cubicBezTo>
-                  <a:pt x="4060169" y="4551009"/>
-                  <a:pt x="5390689" y="3220490"/>
-                  <a:pt x="5390689" y="1579210"/>
-                </a:cubicBezTo>
-                <a:cubicBezTo>
-                  <a:pt x="5390689" y="1066310"/>
-                  <a:pt x="5260755" y="583758"/>
-                  <a:pt x="5032009" y="162673"/>
-                </a:cubicBezTo>
-                <a:close/>
-              </a:path>
-            </a:pathLst>
-          </a:custGeom>
-          <a:solidFill>
-            <a:schemeClr val="tx1">
-              <a:lumMod val="50000"/>
-              <a:lumOff val="50000"/>
-              <a:alpha val="60000"/>
-            </a:schemeClr>
-          </a:solidFill>
-          <a:ln>
-            <a:noFill/>
-          </a:ln>
-        </p:spPr>
-        <p:style>
-          <a:lnRef idx="2">
-            <a:schemeClr val="accent1">
-              <a:shade val="50000"/>
-            </a:schemeClr>
-          </a:lnRef>
-          <a:fillRef idx="1">
-            <a:schemeClr val="accent1"/>
-          </a:fillRef>
-          <a:effectRef idx="0">
-            <a:schemeClr val="accent1"/>
-          </a:effectRef>
-          <a:fontRef idx="minor">
-            <a:schemeClr val="lt1"/>
-          </a:fontRef>
-        </p:style>
-        <p:txBody>
-          <a:bodyPr wrap="square" rtlCol="0" anchor="ctr">
-            <a:noAutofit/>
-          </a:bodyPr>
-          <a:lstStyle/>
-          <a:p>
-            <a:pPr algn="ctr"/>
-            <a:endParaRPr lang="en-US"/>
-          </a:p>
-        </p:txBody>
-      </p:sp>
-      <p:sp>
-        <p:nvSpPr>
-          <p:cNvPr id="12" name="Freeform: Shape 11">
-            <a:extLst>
-              <a:ext uri="{FF2B5EF4-FFF2-40B4-BE49-F238E27FC236}">
-                <a16:creationId xmlns:a16="http://schemas.microsoft.com/office/drawing/2014/main" id="{11A3A707-72D6-4BAB-8187-F8204F4EDC6B}"/>
-              </a:ext>
-              <a:ext uri="{C183D7F6-B498-43B3-948B-1728B52AA6E4}">
-                <adec:decorative xmlns:adec="http://schemas.microsoft.com/office/drawing/2017/decorative" val="1"/>
-              </a:ext>
-            </a:extLst>
-          </p:cNvPr>
-          <p:cNvSpPr>
-            <a:spLocks noGrp="1" noRot="1" noChangeAspect="1" noMove="1" noResize="1" noEditPoints="1" noAdjustHandles="1" noChangeArrowheads="1" noChangeShapeType="1" noTextEdit="1"/>
-          </p:cNvSpPr>
-          <p:nvPr>
-            <p:extLst>
-              <p:ext uri="{386F3935-93C4-4BCD-93E2-E3B085C9AB24}">
-                <p16:designElem xmlns:p16="http://schemas.microsoft.com/office/powerpoint/2015/main" val="1"/>
-              </p:ext>
-            </p:extLst>
-          </p:nvPr>
-        </p:nvSpPr>
-        <p:spPr>
-          <a:xfrm>
-            <a:off x="3288530" y="1774620"/>
-            <a:ext cx="3780042" cy="3780042"/>
-          </a:xfrm>
-          <a:custGeom>
-            <a:avLst/>
-            <a:gdLst>
-              <a:gd name="connsiteX0" fmla="*/ 2054781 w 4109561"/>
-              <a:gd name="connsiteY0" fmla="*/ 0 h 4109561"/>
-              <a:gd name="connsiteX1" fmla="*/ 4109561 w 4109561"/>
-              <a:gd name="connsiteY1" fmla="*/ 2054781 h 4109561"/>
-              <a:gd name="connsiteX2" fmla="*/ 2054781 w 4109561"/>
-              <a:gd name="connsiteY2" fmla="*/ 4109561 h 4109561"/>
-              <a:gd name="connsiteX3" fmla="*/ 0 w 4109561"/>
-              <a:gd name="connsiteY3" fmla="*/ 2054781 h 4109561"/>
-              <a:gd name="connsiteX4" fmla="*/ 2054781 w 4109561"/>
-              <a:gd name="connsiteY4" fmla="*/ 0 h 4109561"/>
-            </a:gdLst>
-            <a:ahLst/>
-            <a:cxnLst>
-              <a:cxn ang="0">
-                <a:pos x="connsiteX0" y="connsiteY0"/>
-              </a:cxn>
-              <a:cxn ang="0">
-                <a:pos x="connsiteX1" y="connsiteY1"/>
-              </a:cxn>
-              <a:cxn ang="0">
-                <a:pos x="connsiteX2" y="connsiteY2"/>
-              </a:cxn>
-              <a:cxn ang="0">
-                <a:pos x="connsiteX3" y="connsiteY3"/>
-              </a:cxn>
-              <a:cxn ang="0">
-                <a:pos x="connsiteX4" y="connsiteY4"/>
-              </a:cxn>
-            </a:cxnLst>
-            <a:rect l="l" t="t" r="r" b="b"/>
-            <a:pathLst>
-              <a:path w="4109561" h="4109561">
-                <a:moveTo>
-                  <a:pt x="2054781" y="0"/>
-                </a:moveTo>
-                <a:cubicBezTo>
-                  <a:pt x="3189605" y="0"/>
-                  <a:pt x="4109561" y="919957"/>
-                  <a:pt x="4109561" y="2054781"/>
-                </a:cubicBezTo>
-                <a:cubicBezTo>
-                  <a:pt x="4109561" y="3189605"/>
-                  <a:pt x="3189605" y="4109561"/>
-                  <a:pt x="2054781" y="4109561"/>
-                </a:cubicBezTo>
-                <a:cubicBezTo>
-                  <a:pt x="919957" y="4109561"/>
-                  <a:pt x="0" y="3189605"/>
-                  <a:pt x="0" y="2054781"/>
-                </a:cubicBezTo>
-                <a:cubicBezTo>
-                  <a:pt x="0" y="919957"/>
-                  <a:pt x="919957" y="0"/>
-                  <a:pt x="2054781" y="0"/>
-                </a:cubicBezTo>
-                <a:close/>
-              </a:path>
-            </a:pathLst>
-          </a:custGeom>
-          <a:solidFill>
-            <a:schemeClr val="bg1">
-              <a:alpha val="25000"/>
-            </a:schemeClr>
-          </a:solidFill>
-          <a:ln w="22225">
-            <a:solidFill>
-              <a:schemeClr val="tx1">
-                <a:lumMod val="75000"/>
-                <a:lumOff val="25000"/>
-              </a:schemeClr>
-            </a:solidFill>
-          </a:ln>
-        </p:spPr>
-        <p:style>
-          <a:lnRef idx="2">
-            <a:schemeClr val="accent1">
-              <a:shade val="50000"/>
-            </a:schemeClr>
-          </a:lnRef>
-          <a:fillRef idx="1">
-            <a:schemeClr val="accent1"/>
-          </a:fillRef>
-          <a:effectRef idx="0">
-            <a:schemeClr val="accent1"/>
-          </a:effectRef>
-          <a:fontRef idx="minor">
-            <a:schemeClr val="lt1"/>
-          </a:fontRef>
-        </p:style>
-        <p:txBody>
-          <a:bodyPr wrap="square" rtlCol="0" anchor="ctr">
-            <a:noAutofit/>
-          </a:bodyPr>
-          <a:lstStyle/>
-          <a:p>
-            <a:pPr algn="ctr"/>
-            <a:endParaRPr lang="en-US"/>
-          </a:p>
-        </p:txBody>
-      </p:sp>
-      <p:sp>
-        <p:nvSpPr>
-          <p:cNvPr id="14" name="Oval 13" hidden="1">
-            <a:extLst>
-              <a:ext uri="{FF2B5EF4-FFF2-40B4-BE49-F238E27FC236}">
-                <a16:creationId xmlns:a16="http://schemas.microsoft.com/office/drawing/2014/main" id="{C983411D-901F-4574-9926-33415AA921FF}"/>
-              </a:ext>
-              <a:ext uri="{C183D7F6-B498-43B3-948B-1728B52AA6E4}">
-                <adec:decorative xmlns:adec="http://schemas.microsoft.com/office/drawing/2017/decorative" val="1"/>
-              </a:ext>
-            </a:extLst>
-          </p:cNvPr>
-          <p:cNvSpPr>
-            <a:spLocks noGrp="1" noRot="1" noChangeAspect="1" noMove="1" noResize="1" noEditPoints="1" noAdjustHandles="1" noChangeArrowheads="1" noChangeShapeType="1" noTextEdit="1"/>
-          </p:cNvSpPr>
-          <p:nvPr>
-            <p:extLst>
-              <p:ext uri="{386F3935-93C4-4BCD-93E2-E3B085C9AB24}">
-                <p16:designElem xmlns:p16="http://schemas.microsoft.com/office/powerpoint/2015/main" val="1"/>
-              </p:ext>
-            </p:extLst>
-          </p:nvPr>
-        </p:nvSpPr>
-        <p:spPr>
-          <a:xfrm>
-            <a:off x="7013450" y="1713004"/>
-            <a:ext cx="365760" cy="365760"/>
-          </a:xfrm>
-          <a:prstGeom prst="ellipse">
-            <a:avLst/>
-          </a:prstGeom>
-          <a:solidFill>
-            <a:schemeClr val="accent6">
-              <a:alpha val="90000"/>
-            </a:schemeClr>
-          </a:solidFill>
-          <a:ln>
-            <a:noFill/>
-          </a:ln>
-        </p:spPr>
-        <p:style>
-          <a:lnRef idx="2">
-            <a:schemeClr val="accent1">
-              <a:shade val="50000"/>
-            </a:schemeClr>
-          </a:lnRef>
-          <a:fillRef idx="1">
-            <a:schemeClr val="accent1"/>
-          </a:fillRef>
-          <a:effectRef idx="0">
-            <a:schemeClr val="accent1"/>
-          </a:effectRef>
-          <a:fontRef idx="minor">
-            <a:schemeClr val="lt1"/>
-          </a:fontRef>
-        </p:style>
-        <p:txBody>
-          <a:bodyPr rtlCol="0" anchor="ctr"/>
-          <a:lstStyle/>
-          <a:p>
-            <a:pPr algn="ctr"/>
-            <a:endParaRPr lang="en-US"/>
-          </a:p>
-        </p:txBody>
-      </p:sp>
-      <p:sp>
-        <p:nvSpPr>
-          <p:cNvPr id="4" name="Ellipse 3">
-            <a:extLst>
-              <a:ext uri="{FF2B5EF4-FFF2-40B4-BE49-F238E27FC236}">
-                <a16:creationId xmlns:a16="http://schemas.microsoft.com/office/drawing/2014/main" id="{4C155EFA-025E-411E-B149-1F267B975FB5}"/>
-              </a:ext>
-            </a:extLst>
-          </p:cNvPr>
-          <p:cNvSpPr/>
-          <p:nvPr/>
-        </p:nvSpPr>
-        <p:spPr>
-          <a:xfrm>
-            <a:off x="7013449" y="1713004"/>
-            <a:ext cx="365761" cy="365760"/>
-          </a:xfrm>
-          <a:prstGeom prst="ellipse">
-            <a:avLst/>
-          </a:prstGeom>
-          <a:solidFill>
-            <a:srgbClr val="ED7D31"/>
-          </a:solidFill>
-          <a:ln>
-            <a:noFill/>
-          </a:ln>
-        </p:spPr>
-        <p:style>
-          <a:lnRef idx="2">
-            <a:schemeClr val="accent1">
-              <a:shade val="50000"/>
-            </a:schemeClr>
-          </a:lnRef>
-          <a:fillRef idx="1">
-            <a:schemeClr val="accent1"/>
-          </a:fillRef>
-          <a:effectRef idx="0">
-            <a:schemeClr val="accent1"/>
-          </a:effectRef>
-          <a:fontRef idx="minor">
-            <a:schemeClr val="lt1"/>
-          </a:fontRef>
-        </p:style>
-        <p:txBody>
-          <a:bodyPr rtlCol="0" anchor="ctr"/>
-          <a:lstStyle/>
-          <a:p>
-            <a:pPr algn="ctr"/>
-            <a:endParaRPr lang="de-DE"/>
-          </a:p>
-        </p:txBody>
-      </p:sp>
-      <p:cxnSp>
-        <p:nvCxnSpPr>
-          <p:cNvPr id="6" name="Gerader Verbinder 5">
-            <a:extLst>
-              <a:ext uri="{FF2B5EF4-FFF2-40B4-BE49-F238E27FC236}">
-                <a16:creationId xmlns:a16="http://schemas.microsoft.com/office/drawing/2014/main" id="{37572286-AC26-4A95-9729-80EF7C66611F}"/>
-              </a:ext>
-            </a:extLst>
-          </p:cNvPr>
-          <p:cNvCxnSpPr/>
-          <p:nvPr/>
-        </p:nvCxnSpPr>
-        <p:spPr>
-          <a:xfrm>
-            <a:off x="7610764" y="4997077"/>
-            <a:ext cx="900000" cy="0"/>
-          </a:xfrm>
-          <a:prstGeom prst="line">
-            <a:avLst/>
-          </a:prstGeom>
-          <a:ln w="38100" cap="rnd">
-            <a:solidFill>
-              <a:srgbClr val="ED7D31"/>
-            </a:solidFill>
-          </a:ln>
-        </p:spPr>
-        <p:style>
-          <a:lnRef idx="1">
-            <a:schemeClr val="accent1"/>
-          </a:lnRef>
-          <a:fillRef idx="0">
-            <a:schemeClr val="accent1"/>
-          </a:fillRef>
-          <a:effectRef idx="0">
-            <a:schemeClr val="accent1"/>
-          </a:effectRef>
-          <a:fontRef idx="minor">
-            <a:schemeClr val="tx1"/>
-          </a:fontRef>
-        </p:style>
-      </p:cxnSp>
-      <p:sp>
-        <p:nvSpPr>
-          <p:cNvPr id="11" name="Ellipse 10">
-            <a:extLst>
-              <a:ext uri="{FF2B5EF4-FFF2-40B4-BE49-F238E27FC236}">
-                <a16:creationId xmlns:a16="http://schemas.microsoft.com/office/drawing/2014/main" id="{0BE4B811-E571-4A24-840B-9C321B8128B4}"/>
-              </a:ext>
-            </a:extLst>
-          </p:cNvPr>
-          <p:cNvSpPr/>
-          <p:nvPr/>
-        </p:nvSpPr>
-        <p:spPr>
-          <a:xfrm>
-            <a:off x="605760" y="3967581"/>
-            <a:ext cx="468000" cy="468000"/>
-          </a:xfrm>
-          <a:prstGeom prst="ellipse">
-            <a:avLst/>
-          </a:prstGeom>
-          <a:solidFill>
-            <a:srgbClr val="ED7D31"/>
-          </a:solidFill>
-          <a:ln>
-            <a:noFill/>
-          </a:ln>
-        </p:spPr>
-        <p:style>
-          <a:lnRef idx="2">
-            <a:schemeClr val="accent1">
-              <a:shade val="50000"/>
-            </a:schemeClr>
-          </a:lnRef>
-          <a:fillRef idx="1">
-            <a:schemeClr val="accent1"/>
-          </a:fillRef>
-          <a:effectRef idx="0">
-            <a:schemeClr val="accent1"/>
-          </a:effectRef>
-          <a:fontRef idx="minor">
-            <a:schemeClr val="lt1"/>
-          </a:fontRef>
-        </p:style>
-        <p:txBody>
-          <a:bodyPr rtlCol="0" anchor="ctr"/>
-          <a:lstStyle/>
-          <a:p>
-            <a:pPr algn="ctr"/>
-            <a:endParaRPr lang="de-DE"/>
-          </a:p>
-        </p:txBody>
-      </p:sp>
-    </p:spTree>
-    <p:extLst>
-      <p:ext uri="{BB962C8B-B14F-4D97-AF65-F5344CB8AC3E}">
-        <p14:creationId xmlns:p14="http://schemas.microsoft.com/office/powerpoint/2010/main" val="408674404"/>
       </p:ext>
     </p:extLst>
   </p:cSld>
@@ -26234,7 +24253,7 @@
           <a:lstStyle/>
           <a:p>
             <a:r>
-              <a:rPr lang="en-US" sz="5400" b="1" kern="1200" dirty="0">
+              <a:rPr lang="en-US" sz="5400" b="1" kern="1200">
                 <a:solidFill>
                   <a:schemeClr val="tx1"/>
                 </a:solidFill>
@@ -26590,7 +24609,7 @@
                     <a:lstStyle/>
                     <a:p>
                       <a:r>
-                        <a:rPr lang="de-DE" sz="1800" b="1" dirty="0"/>
+                        <a:rPr lang="de-DE" sz="1800" b="1"/>
                         <a:t>inf20093@lehre.dhbw-stuttgart.de</a:t>
                       </a:r>
                     </a:p>
@@ -26713,7 +24732,7 @@
                     <a:lstStyle/>
                     <a:p>
                       <a:r>
-                        <a:rPr lang="de-DE" sz="1800" b="0" dirty="0"/>
+                        <a:rPr lang="de-DE" sz="1800" b="0"/>
                         <a:t>inf20085@lehre.dhbw-stuttgart.de</a:t>
                       </a:r>
                     </a:p>
@@ -26957,6 +24976,1891 @@
     <p:extLst>
       <p:ext uri="{BB962C8B-B14F-4D97-AF65-F5344CB8AC3E}">
         <p14:creationId xmlns:p14="http://schemas.microsoft.com/office/powerpoint/2010/main" val="719139584"/>
+      </p:ext>
+    </p:extLst>
+  </p:cSld>
+  <p:clrMapOvr>
+    <a:masterClrMapping/>
+  </p:clrMapOvr>
+  <mc:AlternateContent xmlns:mc="http://schemas.openxmlformats.org/markup-compatibility/2006" xmlns:p159="http://schemas.microsoft.com/office/powerpoint/2015/09/main">
+    <mc:Choice Requires="p159">
+      <p:transition xmlns:p14="http://schemas.microsoft.com/office/powerpoint/2010/main" spd="slow" p14:dur="2000">
+        <p159:morph option="byObject"/>
+      </p:transition>
+    </mc:Choice>
+    <mc:Fallback xmlns="">
+      <p:transition spd="slow">
+        <p:fade/>
+      </p:transition>
+    </mc:Fallback>
+  </mc:AlternateContent>
+</p:sld>
+</file>
+
+<file path=ppt/slides/slide20.xml><?xml version="1.0" encoding="utf-8"?>
+<p:sld xmlns:a="http://schemas.openxmlformats.org/drawingml/2006/main" xmlns:r="http://schemas.openxmlformats.org/officeDocument/2006/relationships" xmlns:p="http://schemas.openxmlformats.org/presentationml/2006/main">
+  <p:cSld>
+    <p:bg>
+      <p:bgPr>
+        <a:solidFill>
+          <a:schemeClr val="bg1"/>
+        </a:solidFill>
+        <a:effectLst/>
+      </p:bgPr>
+    </p:bg>
+    <p:spTree>
+      <p:nvGrpSpPr>
+        <p:cNvPr id="1" name=""/>
+        <p:cNvGrpSpPr/>
+        <p:nvPr/>
+      </p:nvGrpSpPr>
+      <p:grpSpPr>
+        <a:xfrm>
+          <a:off x="0" y="0"/>
+          <a:ext cx="0" cy="0"/>
+          <a:chOff x="0" y="0"/>
+          <a:chExt cx="0" cy="0"/>
+        </a:xfrm>
+      </p:grpSpPr>
+      <p:sp useBgFill="1">
+        <p:nvSpPr>
+          <p:cNvPr id="8" name="Rectangle 7">
+            <a:extLst>
+              <a:ext uri="{FF2B5EF4-FFF2-40B4-BE49-F238E27FC236}">
+                <a16:creationId xmlns:a16="http://schemas.microsoft.com/office/drawing/2014/main" id="{458C1BCA-247F-4480-B78C-924FEBA5CD65}"/>
+              </a:ext>
+              <a:ext uri="{C183D7F6-B498-43B3-948B-1728B52AA6E4}">
+                <adec:decorative xmlns:adec="http://schemas.microsoft.com/office/drawing/2017/decorative" val="1"/>
+              </a:ext>
+            </a:extLst>
+          </p:cNvPr>
+          <p:cNvSpPr>
+            <a:spLocks noGrp="1" noRot="1" noChangeAspect="1" noMove="1" noResize="1" noEditPoints="1" noAdjustHandles="1" noChangeArrowheads="1" noChangeShapeType="1" noTextEdit="1"/>
+          </p:cNvSpPr>
+          <p:nvPr>
+            <p:extLst>
+              <p:ext uri="{386F3935-93C4-4BCD-93E2-E3B085C9AB24}">
+                <p16:designElem xmlns:p16="http://schemas.microsoft.com/office/powerpoint/2015/main" val="1"/>
+              </p:ext>
+            </p:extLst>
+          </p:nvPr>
+        </p:nvSpPr>
+        <p:spPr>
+          <a:xfrm>
+            <a:off x="0" y="0"/>
+            <a:ext cx="12192000" cy="6858000"/>
+          </a:xfrm>
+          <a:prstGeom prst="rect">
+            <a:avLst/>
+          </a:prstGeom>
+          <a:ln>
+            <a:noFill/>
+          </a:ln>
+        </p:spPr>
+        <p:style>
+          <a:lnRef idx="2">
+            <a:schemeClr val="accent1">
+              <a:shade val="50000"/>
+            </a:schemeClr>
+          </a:lnRef>
+          <a:fillRef idx="1">
+            <a:schemeClr val="accent1"/>
+          </a:fillRef>
+          <a:effectRef idx="0">
+            <a:schemeClr val="accent1"/>
+          </a:effectRef>
+          <a:fontRef idx="minor">
+            <a:schemeClr val="lt1"/>
+          </a:fontRef>
+        </p:style>
+        <p:txBody>
+          <a:bodyPr rtlCol="0" anchor="ctr"/>
+          <a:lstStyle/>
+          <a:p>
+            <a:pPr algn="ctr"/>
+            <a:endParaRPr lang="en-US"/>
+          </a:p>
+        </p:txBody>
+      </p:sp>
+      <p:sp>
+        <p:nvSpPr>
+          <p:cNvPr id="2" name="Titel 1">
+            <a:extLst>
+              <a:ext uri="{FF2B5EF4-FFF2-40B4-BE49-F238E27FC236}">
+                <a16:creationId xmlns:a16="http://schemas.microsoft.com/office/drawing/2014/main" id="{FEA21FFC-A6C3-4E95-94C4-C1E4C4F6F8D3}"/>
+              </a:ext>
+            </a:extLst>
+          </p:cNvPr>
+          <p:cNvSpPr>
+            <a:spLocks noGrp="1"/>
+          </p:cNvSpPr>
+          <p:nvPr>
+            <p:ph type="ctrTitle"/>
+          </p:nvPr>
+        </p:nvSpPr>
+        <p:spPr>
+          <a:xfrm>
+            <a:off x="7534655" y="993913"/>
+            <a:ext cx="4013877" cy="4021637"/>
+          </a:xfrm>
+        </p:spPr>
+        <p:txBody>
+          <a:bodyPr>
+            <a:normAutofit/>
+          </a:bodyPr>
+          <a:lstStyle/>
+          <a:p>
+            <a:pPr algn="l"/>
+            <a:r>
+              <a:rPr lang="de-DE" sz="6200" err="1"/>
+              <a:t>Websockets</a:t>
+            </a:r>
+            <a:r>
+              <a:rPr lang="de-DE" sz="6200"/>
+              <a:t> im </a:t>
+            </a:r>
+            <a:r>
+              <a:rPr lang="de-DE" sz="6200" err="1"/>
+              <a:t>LwIP</a:t>
+            </a:r>
+            <a:r>
+              <a:rPr lang="de-DE" sz="6200"/>
+              <a:t> HTTP Server</a:t>
+            </a:r>
+          </a:p>
+        </p:txBody>
+      </p:sp>
+      <p:sp>
+        <p:nvSpPr>
+          <p:cNvPr id="3" name="Untertitel 2">
+            <a:extLst>
+              <a:ext uri="{FF2B5EF4-FFF2-40B4-BE49-F238E27FC236}">
+                <a16:creationId xmlns:a16="http://schemas.microsoft.com/office/drawing/2014/main" id="{EA356760-99B3-4061-95B7-F0DFCD7C51E9}"/>
+              </a:ext>
+            </a:extLst>
+          </p:cNvPr>
+          <p:cNvSpPr>
+            <a:spLocks noGrp="1"/>
+          </p:cNvSpPr>
+          <p:nvPr>
+            <p:ph type="subTitle" idx="1"/>
+          </p:nvPr>
+        </p:nvSpPr>
+        <p:spPr>
+          <a:xfrm>
+            <a:off x="7534654" y="5015551"/>
+            <a:ext cx="4013872" cy="1069441"/>
+          </a:xfrm>
+        </p:spPr>
+        <p:txBody>
+          <a:bodyPr anchor="t">
+            <a:normAutofit/>
+          </a:bodyPr>
+          <a:lstStyle/>
+          <a:p>
+            <a:pPr algn="l"/>
+            <a:r>
+              <a:rPr lang="de-DE"/>
+              <a:t>Team 4</a:t>
+            </a:r>
+          </a:p>
+          <a:p>
+            <a:pPr algn="r"/>
+            <a:r>
+              <a:rPr lang="de-DE"/>
+              <a:t>13.05.2022</a:t>
+            </a:r>
+          </a:p>
+        </p:txBody>
+      </p:sp>
+      <p:sp>
+        <p:nvSpPr>
+          <p:cNvPr id="10" name="Freeform: Shape 9">
+            <a:extLst>
+              <a:ext uri="{FF2B5EF4-FFF2-40B4-BE49-F238E27FC236}">
+                <a16:creationId xmlns:a16="http://schemas.microsoft.com/office/drawing/2014/main" id="{B8E37057-BDB6-4452-836A-27973D54F2D8}"/>
+              </a:ext>
+              <a:ext uri="{C183D7F6-B498-43B3-948B-1728B52AA6E4}">
+                <adec:decorative xmlns:adec="http://schemas.microsoft.com/office/drawing/2017/decorative" val="1"/>
+              </a:ext>
+            </a:extLst>
+          </p:cNvPr>
+          <p:cNvSpPr>
+            <a:spLocks noGrp="1" noRot="1" noChangeAspect="1" noMove="1" noResize="1" noEditPoints="1" noAdjustHandles="1" noChangeArrowheads="1" noChangeShapeType="1" noTextEdit="1"/>
+          </p:cNvSpPr>
+          <p:nvPr>
+            <p:extLst>
+              <p:ext uri="{386F3935-93C4-4BCD-93E2-E3B085C9AB24}">
+                <p16:designElem xmlns:p16="http://schemas.microsoft.com/office/powerpoint/2015/main" val="1"/>
+              </p:ext>
+            </p:extLst>
+          </p:nvPr>
+        </p:nvSpPr>
+        <p:spPr>
+          <a:xfrm>
+            <a:off x="0" y="0"/>
+            <a:ext cx="5471106" cy="4631426"/>
+          </a:xfrm>
+          <a:custGeom>
+            <a:avLst/>
+            <a:gdLst>
+              <a:gd name="connsiteX0" fmla="*/ 0 w 5471106"/>
+              <a:gd name="connsiteY0" fmla="*/ 3301451 h 4631426"/>
+              <a:gd name="connsiteX1" fmla="*/ 125703 w 5471106"/>
+              <a:gd name="connsiteY1" fmla="*/ 3469551 h 4631426"/>
+              <a:gd name="connsiteX2" fmla="*/ 584138 w 5471106"/>
+              <a:gd name="connsiteY2" fmla="*/ 3917166 h 4631426"/>
+              <a:gd name="connsiteX3" fmla="*/ 716463 w 5471106"/>
+              <a:gd name="connsiteY3" fmla="*/ 4010064 h 4631426"/>
+              <a:gd name="connsiteX4" fmla="*/ 705202 w 5471106"/>
+              <a:gd name="connsiteY4" fmla="*/ 4016176 h 4631426"/>
+              <a:gd name="connsiteX5" fmla="*/ 671370 w 5471106"/>
+              <a:gd name="connsiteY5" fmla="*/ 4044091 h 4631426"/>
+              <a:gd name="connsiteX6" fmla="*/ 656526 w 5471106"/>
+              <a:gd name="connsiteY6" fmla="*/ 4066106 h 4631426"/>
+              <a:gd name="connsiteX7" fmla="*/ 534490 w 5471106"/>
+              <a:gd name="connsiteY7" fmla="*/ 3980431 h 4631426"/>
+              <a:gd name="connsiteX8" fmla="*/ 63650 w 5471106"/>
+              <a:gd name="connsiteY8" fmla="*/ 3520703 h 4631426"/>
+              <a:gd name="connsiteX9" fmla="*/ 0 w 5471106"/>
+              <a:gd name="connsiteY9" fmla="*/ 3435586 h 4631426"/>
+              <a:gd name="connsiteX10" fmla="*/ 4933182 w 5471106"/>
+              <a:gd name="connsiteY10" fmla="*/ 0 h 4631426"/>
+              <a:gd name="connsiteX11" fmla="*/ 5027180 w 5471106"/>
+              <a:gd name="connsiteY11" fmla="*/ 0 h 4631426"/>
+              <a:gd name="connsiteX12" fmla="*/ 5102720 w 5471106"/>
+              <a:gd name="connsiteY12" fmla="*/ 124342 h 4631426"/>
+              <a:gd name="connsiteX13" fmla="*/ 5471106 w 5471106"/>
+              <a:gd name="connsiteY13" fmla="*/ 1579210 h 4631426"/>
+              <a:gd name="connsiteX14" fmla="*/ 2418889 w 5471106"/>
+              <a:gd name="connsiteY14" fmla="*/ 4631426 h 4631426"/>
+              <a:gd name="connsiteX15" fmla="*/ 1095627 w 5471106"/>
+              <a:gd name="connsiteY15" fmla="*/ 4330445 h 4631426"/>
+              <a:gd name="connsiteX16" fmla="*/ 1039194 w 5471106"/>
+              <a:gd name="connsiteY16" fmla="*/ 4301325 h 4631426"/>
+              <a:gd name="connsiteX17" fmla="*/ 1043650 w 5471106"/>
+              <a:gd name="connsiteY17" fmla="*/ 4294717 h 4631426"/>
+              <a:gd name="connsiteX18" fmla="*/ 1056970 w 5471106"/>
+              <a:gd name="connsiteY18" fmla="*/ 4251806 h 4631426"/>
+              <a:gd name="connsiteX19" fmla="*/ 1060016 w 5471106"/>
+              <a:gd name="connsiteY19" fmla="*/ 4221593 h 4631426"/>
+              <a:gd name="connsiteX20" fmla="*/ 1130491 w 5471106"/>
+              <a:gd name="connsiteY20" fmla="*/ 4257958 h 4631426"/>
+              <a:gd name="connsiteX21" fmla="*/ 2418889 w 5471106"/>
+              <a:gd name="connsiteY21" fmla="*/ 4551009 h 4631426"/>
+              <a:gd name="connsiteX22" fmla="*/ 5390689 w 5471106"/>
+              <a:gd name="connsiteY22" fmla="*/ 1579210 h 4631426"/>
+              <a:gd name="connsiteX23" fmla="*/ 5032009 w 5471106"/>
+              <a:gd name="connsiteY23" fmla="*/ 162673 h 4631426"/>
+            </a:gdLst>
+            <a:ahLst/>
+            <a:cxnLst>
+              <a:cxn ang="0">
+                <a:pos x="connsiteX0" y="connsiteY0"/>
+              </a:cxn>
+              <a:cxn ang="0">
+                <a:pos x="connsiteX1" y="connsiteY1"/>
+              </a:cxn>
+              <a:cxn ang="0">
+                <a:pos x="connsiteX2" y="connsiteY2"/>
+              </a:cxn>
+              <a:cxn ang="0">
+                <a:pos x="connsiteX3" y="connsiteY3"/>
+              </a:cxn>
+              <a:cxn ang="0">
+                <a:pos x="connsiteX4" y="connsiteY4"/>
+              </a:cxn>
+              <a:cxn ang="0">
+                <a:pos x="connsiteX5" y="connsiteY5"/>
+              </a:cxn>
+              <a:cxn ang="0">
+                <a:pos x="connsiteX6" y="connsiteY6"/>
+              </a:cxn>
+              <a:cxn ang="0">
+                <a:pos x="connsiteX7" y="connsiteY7"/>
+              </a:cxn>
+              <a:cxn ang="0">
+                <a:pos x="connsiteX8" y="connsiteY8"/>
+              </a:cxn>
+              <a:cxn ang="0">
+                <a:pos x="connsiteX9" y="connsiteY9"/>
+              </a:cxn>
+              <a:cxn ang="0">
+                <a:pos x="connsiteX10" y="connsiteY10"/>
+              </a:cxn>
+              <a:cxn ang="0">
+                <a:pos x="connsiteX11" y="connsiteY11"/>
+              </a:cxn>
+              <a:cxn ang="0">
+                <a:pos x="connsiteX12" y="connsiteY12"/>
+              </a:cxn>
+              <a:cxn ang="0">
+                <a:pos x="connsiteX13" y="connsiteY13"/>
+              </a:cxn>
+              <a:cxn ang="0">
+                <a:pos x="connsiteX14" y="connsiteY14"/>
+              </a:cxn>
+              <a:cxn ang="0">
+                <a:pos x="connsiteX15" y="connsiteY15"/>
+              </a:cxn>
+              <a:cxn ang="0">
+                <a:pos x="connsiteX16" y="connsiteY16"/>
+              </a:cxn>
+              <a:cxn ang="0">
+                <a:pos x="connsiteX17" y="connsiteY17"/>
+              </a:cxn>
+              <a:cxn ang="0">
+                <a:pos x="connsiteX18" y="connsiteY18"/>
+              </a:cxn>
+              <a:cxn ang="0">
+                <a:pos x="connsiteX19" y="connsiteY19"/>
+              </a:cxn>
+              <a:cxn ang="0">
+                <a:pos x="connsiteX20" y="connsiteY20"/>
+              </a:cxn>
+              <a:cxn ang="0">
+                <a:pos x="connsiteX21" y="connsiteY21"/>
+              </a:cxn>
+              <a:cxn ang="0">
+                <a:pos x="connsiteX22" y="connsiteY22"/>
+              </a:cxn>
+              <a:cxn ang="0">
+                <a:pos x="connsiteX23" y="connsiteY23"/>
+              </a:cxn>
+            </a:cxnLst>
+            <a:rect l="l" t="t" r="r" b="b"/>
+            <a:pathLst>
+              <a:path w="5471106" h="4631426">
+                <a:moveTo>
+                  <a:pt x="0" y="3301451"/>
+                </a:moveTo>
+                <a:lnTo>
+                  <a:pt x="125703" y="3469551"/>
+                </a:lnTo>
+                <a:cubicBezTo>
+                  <a:pt x="261971" y="3634670"/>
+                  <a:pt x="415728" y="3784820"/>
+                  <a:pt x="584138" y="3917166"/>
+                </a:cubicBezTo>
+                <a:lnTo>
+                  <a:pt x="716463" y="4010064"/>
+                </a:lnTo>
+                <a:lnTo>
+                  <a:pt x="705202" y="4016176"/>
+                </a:lnTo>
+                <a:cubicBezTo>
+                  <a:pt x="693040" y="4024393"/>
+                  <a:pt x="681712" y="4033748"/>
+                  <a:pt x="671370" y="4044091"/>
+                </a:cubicBezTo>
+                <a:lnTo>
+                  <a:pt x="656526" y="4066106"/>
+                </a:lnTo>
+                <a:lnTo>
+                  <a:pt x="534490" y="3980431"/>
+                </a:lnTo>
+                <a:cubicBezTo>
+                  <a:pt x="361523" y="3844503"/>
+                  <a:pt x="203605" y="3690290"/>
+                  <a:pt x="63650" y="3520703"/>
+                </a:cubicBezTo>
+                <a:lnTo>
+                  <a:pt x="0" y="3435586"/>
+                </a:lnTo>
+                <a:close/>
+                <a:moveTo>
+                  <a:pt x="4933182" y="0"/>
+                </a:moveTo>
+                <a:lnTo>
+                  <a:pt x="5027180" y="0"/>
+                </a:lnTo>
+                <a:lnTo>
+                  <a:pt x="5102720" y="124342"/>
+                </a:lnTo>
+                <a:cubicBezTo>
+                  <a:pt x="5337656" y="556821"/>
+                  <a:pt x="5471106" y="1052431"/>
+                  <a:pt x="5471106" y="1579210"/>
+                </a:cubicBezTo>
+                <a:cubicBezTo>
+                  <a:pt x="5471106" y="3264903"/>
+                  <a:pt x="4104582" y="4631426"/>
+                  <a:pt x="2418889" y="4631426"/>
+                </a:cubicBezTo>
+                <a:cubicBezTo>
+                  <a:pt x="1944788" y="4631426"/>
+                  <a:pt x="1495934" y="4523332"/>
+                  <a:pt x="1095627" y="4330445"/>
+                </a:cubicBezTo>
+                <a:lnTo>
+                  <a:pt x="1039194" y="4301325"/>
+                </a:lnTo>
+                <a:lnTo>
+                  <a:pt x="1043650" y="4294717"/>
+                </a:lnTo>
+                <a:cubicBezTo>
+                  <a:pt x="1049433" y="4281042"/>
+                  <a:pt x="1053925" y="4266687"/>
+                  <a:pt x="1056970" y="4251806"/>
+                </a:cubicBezTo>
+                <a:lnTo>
+                  <a:pt x="1060016" y="4221593"/>
+                </a:lnTo>
+                <a:lnTo>
+                  <a:pt x="1130491" y="4257958"/>
+                </a:lnTo>
+                <a:cubicBezTo>
+                  <a:pt x="1520251" y="4445763"/>
+                  <a:pt x="1957279" y="4551009"/>
+                  <a:pt x="2418889" y="4551009"/>
+                </a:cubicBezTo>
+                <a:cubicBezTo>
+                  <a:pt x="4060169" y="4551009"/>
+                  <a:pt x="5390689" y="3220490"/>
+                  <a:pt x="5390689" y="1579210"/>
+                </a:cubicBezTo>
+                <a:cubicBezTo>
+                  <a:pt x="5390689" y="1066310"/>
+                  <a:pt x="5260755" y="583758"/>
+                  <a:pt x="5032009" y="162673"/>
+                </a:cubicBezTo>
+                <a:close/>
+              </a:path>
+            </a:pathLst>
+          </a:custGeom>
+          <a:solidFill>
+            <a:schemeClr val="tx1">
+              <a:lumMod val="50000"/>
+              <a:lumOff val="50000"/>
+              <a:alpha val="60000"/>
+            </a:schemeClr>
+          </a:solidFill>
+          <a:ln>
+            <a:noFill/>
+          </a:ln>
+        </p:spPr>
+        <p:style>
+          <a:lnRef idx="2">
+            <a:schemeClr val="accent1">
+              <a:shade val="50000"/>
+            </a:schemeClr>
+          </a:lnRef>
+          <a:fillRef idx="1">
+            <a:schemeClr val="accent1"/>
+          </a:fillRef>
+          <a:effectRef idx="0">
+            <a:schemeClr val="accent1"/>
+          </a:effectRef>
+          <a:fontRef idx="minor">
+            <a:schemeClr val="lt1"/>
+          </a:fontRef>
+        </p:style>
+        <p:txBody>
+          <a:bodyPr wrap="square" rtlCol="0" anchor="ctr">
+            <a:noAutofit/>
+          </a:bodyPr>
+          <a:lstStyle/>
+          <a:p>
+            <a:pPr algn="ctr"/>
+            <a:endParaRPr lang="en-US"/>
+          </a:p>
+        </p:txBody>
+      </p:sp>
+      <p:sp>
+        <p:nvSpPr>
+          <p:cNvPr id="12" name="Freeform: Shape 11">
+            <a:extLst>
+              <a:ext uri="{FF2B5EF4-FFF2-40B4-BE49-F238E27FC236}">
+                <a16:creationId xmlns:a16="http://schemas.microsoft.com/office/drawing/2014/main" id="{11A3A707-72D6-4BAB-8187-F8204F4EDC6B}"/>
+              </a:ext>
+              <a:ext uri="{C183D7F6-B498-43B3-948B-1728B52AA6E4}">
+                <adec:decorative xmlns:adec="http://schemas.microsoft.com/office/drawing/2017/decorative" val="1"/>
+              </a:ext>
+            </a:extLst>
+          </p:cNvPr>
+          <p:cNvSpPr>
+            <a:spLocks noGrp="1" noRot="1" noChangeAspect="1" noMove="1" noResize="1" noEditPoints="1" noAdjustHandles="1" noChangeArrowheads="1" noChangeShapeType="1" noTextEdit="1"/>
+          </p:cNvSpPr>
+          <p:nvPr>
+            <p:extLst>
+              <p:ext uri="{386F3935-93C4-4BCD-93E2-E3B085C9AB24}">
+                <p16:designElem xmlns:p16="http://schemas.microsoft.com/office/powerpoint/2015/main" val="1"/>
+              </p:ext>
+            </p:extLst>
+          </p:nvPr>
+        </p:nvSpPr>
+        <p:spPr>
+          <a:xfrm>
+            <a:off x="3288530" y="1774620"/>
+            <a:ext cx="3780042" cy="3780042"/>
+          </a:xfrm>
+          <a:custGeom>
+            <a:avLst/>
+            <a:gdLst>
+              <a:gd name="connsiteX0" fmla="*/ 2054781 w 4109561"/>
+              <a:gd name="connsiteY0" fmla="*/ 0 h 4109561"/>
+              <a:gd name="connsiteX1" fmla="*/ 4109561 w 4109561"/>
+              <a:gd name="connsiteY1" fmla="*/ 2054781 h 4109561"/>
+              <a:gd name="connsiteX2" fmla="*/ 2054781 w 4109561"/>
+              <a:gd name="connsiteY2" fmla="*/ 4109561 h 4109561"/>
+              <a:gd name="connsiteX3" fmla="*/ 0 w 4109561"/>
+              <a:gd name="connsiteY3" fmla="*/ 2054781 h 4109561"/>
+              <a:gd name="connsiteX4" fmla="*/ 2054781 w 4109561"/>
+              <a:gd name="connsiteY4" fmla="*/ 0 h 4109561"/>
+            </a:gdLst>
+            <a:ahLst/>
+            <a:cxnLst>
+              <a:cxn ang="0">
+                <a:pos x="connsiteX0" y="connsiteY0"/>
+              </a:cxn>
+              <a:cxn ang="0">
+                <a:pos x="connsiteX1" y="connsiteY1"/>
+              </a:cxn>
+              <a:cxn ang="0">
+                <a:pos x="connsiteX2" y="connsiteY2"/>
+              </a:cxn>
+              <a:cxn ang="0">
+                <a:pos x="connsiteX3" y="connsiteY3"/>
+              </a:cxn>
+              <a:cxn ang="0">
+                <a:pos x="connsiteX4" y="connsiteY4"/>
+              </a:cxn>
+            </a:cxnLst>
+            <a:rect l="l" t="t" r="r" b="b"/>
+            <a:pathLst>
+              <a:path w="4109561" h="4109561">
+                <a:moveTo>
+                  <a:pt x="2054781" y="0"/>
+                </a:moveTo>
+                <a:cubicBezTo>
+                  <a:pt x="3189605" y="0"/>
+                  <a:pt x="4109561" y="919957"/>
+                  <a:pt x="4109561" y="2054781"/>
+                </a:cubicBezTo>
+                <a:cubicBezTo>
+                  <a:pt x="4109561" y="3189605"/>
+                  <a:pt x="3189605" y="4109561"/>
+                  <a:pt x="2054781" y="4109561"/>
+                </a:cubicBezTo>
+                <a:cubicBezTo>
+                  <a:pt x="919957" y="4109561"/>
+                  <a:pt x="0" y="3189605"/>
+                  <a:pt x="0" y="2054781"/>
+                </a:cubicBezTo>
+                <a:cubicBezTo>
+                  <a:pt x="0" y="919957"/>
+                  <a:pt x="919957" y="0"/>
+                  <a:pt x="2054781" y="0"/>
+                </a:cubicBezTo>
+                <a:close/>
+              </a:path>
+            </a:pathLst>
+          </a:custGeom>
+          <a:solidFill>
+            <a:schemeClr val="bg1">
+              <a:alpha val="25000"/>
+            </a:schemeClr>
+          </a:solidFill>
+          <a:ln w="22225">
+            <a:solidFill>
+              <a:schemeClr val="tx1">
+                <a:lumMod val="75000"/>
+                <a:lumOff val="25000"/>
+              </a:schemeClr>
+            </a:solidFill>
+          </a:ln>
+        </p:spPr>
+        <p:style>
+          <a:lnRef idx="2">
+            <a:schemeClr val="accent1">
+              <a:shade val="50000"/>
+            </a:schemeClr>
+          </a:lnRef>
+          <a:fillRef idx="1">
+            <a:schemeClr val="accent1"/>
+          </a:fillRef>
+          <a:effectRef idx="0">
+            <a:schemeClr val="accent1"/>
+          </a:effectRef>
+          <a:fontRef idx="minor">
+            <a:schemeClr val="lt1"/>
+          </a:fontRef>
+        </p:style>
+        <p:txBody>
+          <a:bodyPr wrap="square" rtlCol="0" anchor="ctr">
+            <a:noAutofit/>
+          </a:bodyPr>
+          <a:lstStyle/>
+          <a:p>
+            <a:pPr algn="ctr"/>
+            <a:endParaRPr lang="en-US"/>
+          </a:p>
+        </p:txBody>
+      </p:sp>
+      <p:sp>
+        <p:nvSpPr>
+          <p:cNvPr id="14" name="Oval 13" hidden="1">
+            <a:extLst>
+              <a:ext uri="{FF2B5EF4-FFF2-40B4-BE49-F238E27FC236}">
+                <a16:creationId xmlns:a16="http://schemas.microsoft.com/office/drawing/2014/main" id="{C983411D-901F-4574-9926-33415AA921FF}"/>
+              </a:ext>
+              <a:ext uri="{C183D7F6-B498-43B3-948B-1728B52AA6E4}">
+                <adec:decorative xmlns:adec="http://schemas.microsoft.com/office/drawing/2017/decorative" val="1"/>
+              </a:ext>
+            </a:extLst>
+          </p:cNvPr>
+          <p:cNvSpPr>
+            <a:spLocks noGrp="1" noRot="1" noChangeAspect="1" noMove="1" noResize="1" noEditPoints="1" noAdjustHandles="1" noChangeArrowheads="1" noChangeShapeType="1" noTextEdit="1"/>
+          </p:cNvSpPr>
+          <p:nvPr>
+            <p:extLst>
+              <p:ext uri="{386F3935-93C4-4BCD-93E2-E3B085C9AB24}">
+                <p16:designElem xmlns:p16="http://schemas.microsoft.com/office/powerpoint/2015/main" val="1"/>
+              </p:ext>
+            </p:extLst>
+          </p:nvPr>
+        </p:nvSpPr>
+        <p:spPr>
+          <a:xfrm>
+            <a:off x="7013450" y="1713004"/>
+            <a:ext cx="365760" cy="365760"/>
+          </a:xfrm>
+          <a:prstGeom prst="ellipse">
+            <a:avLst/>
+          </a:prstGeom>
+          <a:solidFill>
+            <a:schemeClr val="accent6">
+              <a:alpha val="90000"/>
+            </a:schemeClr>
+          </a:solidFill>
+          <a:ln>
+            <a:noFill/>
+          </a:ln>
+        </p:spPr>
+        <p:style>
+          <a:lnRef idx="2">
+            <a:schemeClr val="accent1">
+              <a:shade val="50000"/>
+            </a:schemeClr>
+          </a:lnRef>
+          <a:fillRef idx="1">
+            <a:schemeClr val="accent1"/>
+          </a:fillRef>
+          <a:effectRef idx="0">
+            <a:schemeClr val="accent1"/>
+          </a:effectRef>
+          <a:fontRef idx="minor">
+            <a:schemeClr val="lt1"/>
+          </a:fontRef>
+        </p:style>
+        <p:txBody>
+          <a:bodyPr rtlCol="0" anchor="ctr"/>
+          <a:lstStyle/>
+          <a:p>
+            <a:pPr algn="ctr"/>
+            <a:endParaRPr lang="en-US"/>
+          </a:p>
+        </p:txBody>
+      </p:sp>
+      <p:sp>
+        <p:nvSpPr>
+          <p:cNvPr id="4" name="Ellipse 3">
+            <a:extLst>
+              <a:ext uri="{FF2B5EF4-FFF2-40B4-BE49-F238E27FC236}">
+                <a16:creationId xmlns:a16="http://schemas.microsoft.com/office/drawing/2014/main" id="{4C155EFA-025E-411E-B149-1F267B975FB5}"/>
+              </a:ext>
+            </a:extLst>
+          </p:cNvPr>
+          <p:cNvSpPr/>
+          <p:nvPr/>
+        </p:nvSpPr>
+        <p:spPr>
+          <a:xfrm>
+            <a:off x="7013449" y="1713004"/>
+            <a:ext cx="365761" cy="365760"/>
+          </a:xfrm>
+          <a:prstGeom prst="ellipse">
+            <a:avLst/>
+          </a:prstGeom>
+          <a:solidFill>
+            <a:srgbClr val="ED7D31"/>
+          </a:solidFill>
+          <a:ln>
+            <a:noFill/>
+          </a:ln>
+        </p:spPr>
+        <p:style>
+          <a:lnRef idx="2">
+            <a:schemeClr val="accent1">
+              <a:shade val="50000"/>
+            </a:schemeClr>
+          </a:lnRef>
+          <a:fillRef idx="1">
+            <a:schemeClr val="accent1"/>
+          </a:fillRef>
+          <a:effectRef idx="0">
+            <a:schemeClr val="accent1"/>
+          </a:effectRef>
+          <a:fontRef idx="minor">
+            <a:schemeClr val="lt1"/>
+          </a:fontRef>
+        </p:style>
+        <p:txBody>
+          <a:bodyPr rtlCol="0" anchor="ctr"/>
+          <a:lstStyle/>
+          <a:p>
+            <a:pPr algn="ctr"/>
+            <a:endParaRPr lang="de-DE"/>
+          </a:p>
+        </p:txBody>
+      </p:sp>
+      <p:cxnSp>
+        <p:nvCxnSpPr>
+          <p:cNvPr id="6" name="Gerader Verbinder 5">
+            <a:extLst>
+              <a:ext uri="{FF2B5EF4-FFF2-40B4-BE49-F238E27FC236}">
+                <a16:creationId xmlns:a16="http://schemas.microsoft.com/office/drawing/2014/main" id="{37572286-AC26-4A95-9729-80EF7C66611F}"/>
+              </a:ext>
+            </a:extLst>
+          </p:cNvPr>
+          <p:cNvCxnSpPr/>
+          <p:nvPr/>
+        </p:nvCxnSpPr>
+        <p:spPr>
+          <a:xfrm>
+            <a:off x="7610764" y="4997077"/>
+            <a:ext cx="900000" cy="0"/>
+          </a:xfrm>
+          <a:prstGeom prst="line">
+            <a:avLst/>
+          </a:prstGeom>
+          <a:ln w="38100" cap="rnd">
+            <a:solidFill>
+              <a:srgbClr val="ED7D31"/>
+            </a:solidFill>
+          </a:ln>
+        </p:spPr>
+        <p:style>
+          <a:lnRef idx="1">
+            <a:schemeClr val="accent1"/>
+          </a:lnRef>
+          <a:fillRef idx="0">
+            <a:schemeClr val="accent1"/>
+          </a:fillRef>
+          <a:effectRef idx="0">
+            <a:schemeClr val="accent1"/>
+          </a:effectRef>
+          <a:fontRef idx="minor">
+            <a:schemeClr val="tx1"/>
+          </a:fontRef>
+        </p:style>
+      </p:cxnSp>
+      <p:sp>
+        <p:nvSpPr>
+          <p:cNvPr id="11" name="Ellipse 10">
+            <a:extLst>
+              <a:ext uri="{FF2B5EF4-FFF2-40B4-BE49-F238E27FC236}">
+                <a16:creationId xmlns:a16="http://schemas.microsoft.com/office/drawing/2014/main" id="{0BE4B811-E571-4A24-840B-9C321B8128B4}"/>
+              </a:ext>
+            </a:extLst>
+          </p:cNvPr>
+          <p:cNvSpPr/>
+          <p:nvPr/>
+        </p:nvSpPr>
+        <p:spPr>
+          <a:xfrm>
+            <a:off x="605760" y="3967581"/>
+            <a:ext cx="468000" cy="468000"/>
+          </a:xfrm>
+          <a:prstGeom prst="ellipse">
+            <a:avLst/>
+          </a:prstGeom>
+          <a:solidFill>
+            <a:srgbClr val="ED7D31"/>
+          </a:solidFill>
+          <a:ln>
+            <a:noFill/>
+          </a:ln>
+        </p:spPr>
+        <p:style>
+          <a:lnRef idx="2">
+            <a:schemeClr val="accent1">
+              <a:shade val="50000"/>
+            </a:schemeClr>
+          </a:lnRef>
+          <a:fillRef idx="1">
+            <a:schemeClr val="accent1"/>
+          </a:fillRef>
+          <a:effectRef idx="0">
+            <a:schemeClr val="accent1"/>
+          </a:effectRef>
+          <a:fontRef idx="minor">
+            <a:schemeClr val="lt1"/>
+          </a:fontRef>
+        </p:style>
+        <p:txBody>
+          <a:bodyPr rtlCol="0" anchor="ctr"/>
+          <a:lstStyle/>
+          <a:p>
+            <a:pPr algn="ctr"/>
+            <a:endParaRPr lang="de-DE"/>
+          </a:p>
+        </p:txBody>
+      </p:sp>
+    </p:spTree>
+    <p:extLst>
+      <p:ext uri="{BB962C8B-B14F-4D97-AF65-F5344CB8AC3E}">
+        <p14:creationId xmlns:p14="http://schemas.microsoft.com/office/powerpoint/2010/main" val="408674404"/>
+      </p:ext>
+    </p:extLst>
+  </p:cSld>
+  <p:clrMapOvr>
+    <a:masterClrMapping/>
+  </p:clrMapOvr>
+  <mc:AlternateContent xmlns:mc="http://schemas.openxmlformats.org/markup-compatibility/2006" xmlns:p159="http://schemas.microsoft.com/office/powerpoint/2015/09/main">
+    <mc:Choice Requires="p159">
+      <p:transition xmlns:p14="http://schemas.microsoft.com/office/powerpoint/2010/main" spd="slow" p14:dur="2000">
+        <p159:morph option="byObject"/>
+      </p:transition>
+    </mc:Choice>
+    <mc:Fallback xmlns="">
+      <p:transition spd="slow">
+        <p:fade/>
+      </p:transition>
+    </mc:Fallback>
+  </mc:AlternateContent>
+</p:sld>
+</file>
+
+<file path=ppt/slides/slide21.xml><?xml version="1.0" encoding="utf-8"?>
+<p:sld xmlns:a="http://schemas.openxmlformats.org/drawingml/2006/main" xmlns:r="http://schemas.openxmlformats.org/officeDocument/2006/relationships" xmlns:p="http://schemas.openxmlformats.org/presentationml/2006/main" show="0">
+  <p:cSld>
+    <p:spTree>
+      <p:nvGrpSpPr>
+        <p:cNvPr id="1" name=""/>
+        <p:cNvGrpSpPr/>
+        <p:nvPr/>
+      </p:nvGrpSpPr>
+      <p:grpSpPr>
+        <a:xfrm>
+          <a:off x="0" y="0"/>
+          <a:ext cx="0" cy="0"/>
+          <a:chOff x="0" y="0"/>
+          <a:chExt cx="0" cy="0"/>
+        </a:xfrm>
+      </p:grpSpPr>
+      <p:sp>
+        <p:nvSpPr>
+          <p:cNvPr id="2" name="Titel 1">
+            <a:extLst>
+              <a:ext uri="{FF2B5EF4-FFF2-40B4-BE49-F238E27FC236}">
+                <a16:creationId xmlns:a16="http://schemas.microsoft.com/office/drawing/2014/main" id="{41BEF49C-9A74-47E5-BEA8-0F56E53ACD27}"/>
+              </a:ext>
+            </a:extLst>
+          </p:cNvPr>
+          <p:cNvSpPr>
+            <a:spLocks noGrp="1"/>
+          </p:cNvSpPr>
+          <p:nvPr>
+            <p:ph type="title"/>
+          </p:nvPr>
+        </p:nvSpPr>
+        <p:spPr>
+          <a:xfrm>
+            <a:off x="838200" y="365125"/>
+            <a:ext cx="10515600" cy="1325563"/>
+          </a:xfrm>
+        </p:spPr>
+        <p:txBody>
+          <a:bodyPr/>
+          <a:lstStyle/>
+          <a:p>
+            <a:r>
+              <a:rPr lang="de-DE" sz="5400" b="1"/>
+              <a:t>WEBSOCKETS IM LWIP HTTP SERVER </a:t>
+            </a:r>
+          </a:p>
+        </p:txBody>
+      </p:sp>
+      <p:sp>
+        <p:nvSpPr>
+          <p:cNvPr id="4" name="Textfeld 3">
+            <a:extLst>
+              <a:ext uri="{FF2B5EF4-FFF2-40B4-BE49-F238E27FC236}">
+                <a16:creationId xmlns:a16="http://schemas.microsoft.com/office/drawing/2014/main" id="{EFBBD174-C394-4AA1-9756-7422815033CF}"/>
+              </a:ext>
+            </a:extLst>
+          </p:cNvPr>
+          <p:cNvSpPr txBox="1"/>
+          <p:nvPr/>
+        </p:nvSpPr>
+        <p:spPr>
+          <a:xfrm>
+            <a:off x="11335355" y="6488668"/>
+            <a:ext cx="856645" cy="369332"/>
+          </a:xfrm>
+          <a:prstGeom prst="rect">
+            <a:avLst/>
+          </a:prstGeom>
+          <a:noFill/>
+        </p:spPr>
+        <p:txBody>
+          <a:bodyPr wrap="none" rtlCol="0">
+            <a:spAutoFit/>
+          </a:bodyPr>
+          <a:lstStyle/>
+          <a:p>
+            <a:r>
+              <a:rPr lang="de-DE">
+                <a:solidFill>
+                  <a:schemeClr val="bg1">
+                    <a:lumMod val="50000"/>
+                  </a:schemeClr>
+                </a:solidFill>
+              </a:rPr>
+              <a:t>Team 4</a:t>
+            </a:r>
+          </a:p>
+        </p:txBody>
+      </p:sp>
+      <p:pic>
+        <p:nvPicPr>
+          <p:cNvPr id="1026" name="Picture 2">
+            <a:extLst>
+              <a:ext uri="{FF2B5EF4-FFF2-40B4-BE49-F238E27FC236}">
+                <a16:creationId xmlns:a16="http://schemas.microsoft.com/office/drawing/2014/main" id="{A6B07CCD-D2CC-42B8-93BA-AB79E27EC9E7}"/>
+              </a:ext>
+            </a:extLst>
+          </p:cNvPr>
+          <p:cNvPicPr>
+            <a:picLocks noGrp="1" noChangeAspect="1" noChangeArrowheads="1"/>
+          </p:cNvPicPr>
+          <p:nvPr>
+            <p:ph idx="1"/>
+          </p:nvPr>
+        </p:nvPicPr>
+        <p:blipFill>
+          <a:blip r:embed="rId3">
+            <a:extLst>
+              <a:ext uri="{28A0092B-C50C-407E-A947-70E740481C1C}">
+                <a14:useLocalDpi xmlns:a14="http://schemas.microsoft.com/office/drawing/2010/main" val="0"/>
+              </a:ext>
+            </a:extLst>
+          </a:blip>
+          <a:srcRect/>
+          <a:stretch>
+            <a:fillRect/>
+          </a:stretch>
+        </p:blipFill>
+        <p:spPr bwMode="auto">
+          <a:xfrm>
+            <a:off x="838200" y="1690688"/>
+            <a:ext cx="4968655" cy="4351338"/>
+          </a:xfrm>
+          <a:prstGeom prst="rect">
+            <a:avLst/>
+          </a:prstGeom>
+          <a:noFill/>
+          <a:extLst>
+            <a:ext uri="{909E8E84-426E-40DD-AFC4-6F175D3DCCD1}">
+              <a14:hiddenFill xmlns:a14="http://schemas.microsoft.com/office/drawing/2010/main">
+                <a:solidFill>
+                  <a:srgbClr val="FFFFFF"/>
+                </a:solidFill>
+              </a14:hiddenFill>
+            </a:ext>
+          </a:extLst>
+        </p:spPr>
+      </p:pic>
+      <p:sp>
+        <p:nvSpPr>
+          <p:cNvPr id="7" name="Textfeld 6">
+            <a:extLst>
+              <a:ext uri="{FF2B5EF4-FFF2-40B4-BE49-F238E27FC236}">
+                <a16:creationId xmlns:a16="http://schemas.microsoft.com/office/drawing/2014/main" id="{9BA4BE39-D5CC-4407-B8B9-8C17DDB719B4}"/>
+              </a:ext>
+            </a:extLst>
+          </p:cNvPr>
+          <p:cNvSpPr txBox="1"/>
+          <p:nvPr/>
+        </p:nvSpPr>
+        <p:spPr>
+          <a:xfrm>
+            <a:off x="838200" y="5964637"/>
+            <a:ext cx="4968655" cy="230832"/>
+          </a:xfrm>
+          <a:prstGeom prst="rect">
+            <a:avLst/>
+          </a:prstGeom>
+          <a:noFill/>
+        </p:spPr>
+        <p:txBody>
+          <a:bodyPr wrap="square">
+            <a:spAutoFit/>
+          </a:bodyPr>
+          <a:lstStyle/>
+          <a:p>
+            <a:r>
+              <a:rPr lang="de-DE" altLang="zh-CN" sz="900" err="1">
+                <a:hlinkClick r:id="rId4"/>
+              </a:rPr>
+              <a:t>LwIP</a:t>
+            </a:r>
+            <a:r>
+              <a:rPr lang="zh-CN" altLang="de-DE" sz="900">
+                <a:hlinkClick r:id="rId4"/>
+              </a:rPr>
+              <a:t>协议栈粗解 </a:t>
+            </a:r>
+            <a:r>
+              <a:rPr lang="de-DE" altLang="zh-CN" sz="900">
+                <a:hlinkClick r:id="rId4"/>
+              </a:rPr>
+              <a:t>- </a:t>
+            </a:r>
+            <a:r>
+              <a:rPr lang="zh-CN" altLang="de-DE" sz="900">
+                <a:hlinkClick r:id="rId4"/>
+              </a:rPr>
+              <a:t>知乎 </a:t>
+            </a:r>
+            <a:r>
+              <a:rPr lang="de-DE" altLang="zh-CN" sz="900">
+                <a:hlinkClick r:id="rId4"/>
+              </a:rPr>
+              <a:t>(zhihu.com)</a:t>
+            </a:r>
+            <a:endParaRPr lang="de-DE" sz="900"/>
+          </a:p>
+        </p:txBody>
+      </p:sp>
+      <p:sp>
+        <p:nvSpPr>
+          <p:cNvPr id="11" name="Textfeld 10">
+            <a:extLst>
+              <a:ext uri="{FF2B5EF4-FFF2-40B4-BE49-F238E27FC236}">
+                <a16:creationId xmlns:a16="http://schemas.microsoft.com/office/drawing/2014/main" id="{8C0CABCE-9729-4340-BE4A-358949FD759E}"/>
+              </a:ext>
+            </a:extLst>
+          </p:cNvPr>
+          <p:cNvSpPr txBox="1"/>
+          <p:nvPr/>
+        </p:nvSpPr>
+        <p:spPr>
+          <a:xfrm>
+            <a:off x="7040286" y="5964637"/>
+            <a:ext cx="3162691" cy="230832"/>
+          </a:xfrm>
+          <a:prstGeom prst="rect">
+            <a:avLst/>
+          </a:prstGeom>
+          <a:noFill/>
+        </p:spPr>
+        <p:txBody>
+          <a:bodyPr wrap="square">
+            <a:spAutoFit/>
+          </a:bodyPr>
+          <a:lstStyle/>
+          <a:p>
+            <a:r>
+              <a:rPr lang="de-DE" sz="900">
+                <a:hlinkClick r:id="rId5"/>
+              </a:rPr>
+              <a:t>Intel | Rechenzentrumslösungen, IoT und PC-Innovation</a:t>
+            </a:r>
+            <a:endParaRPr lang="de-DE" sz="900"/>
+          </a:p>
+        </p:txBody>
+      </p:sp>
+      <p:sp>
+        <p:nvSpPr>
+          <p:cNvPr id="19" name="Textfeld 18">
+            <a:extLst>
+              <a:ext uri="{FF2B5EF4-FFF2-40B4-BE49-F238E27FC236}">
+                <a16:creationId xmlns:a16="http://schemas.microsoft.com/office/drawing/2014/main" id="{92F382EB-2698-4AE3-8689-76B65CE3AAFD}"/>
+              </a:ext>
+            </a:extLst>
+          </p:cNvPr>
+          <p:cNvSpPr txBox="1"/>
+          <p:nvPr/>
+        </p:nvSpPr>
+        <p:spPr>
+          <a:xfrm>
+            <a:off x="7040285" y="6098776"/>
+            <a:ext cx="3162691" cy="230832"/>
+          </a:xfrm>
+          <a:prstGeom prst="rect">
+            <a:avLst/>
+          </a:prstGeom>
+          <a:noFill/>
+        </p:spPr>
+        <p:txBody>
+          <a:bodyPr wrap="square">
+            <a:spAutoFit/>
+          </a:bodyPr>
+          <a:lstStyle/>
+          <a:p>
+            <a:r>
+              <a:rPr lang="de-DE" sz="900" err="1">
+                <a:hlinkClick r:id="rId6"/>
+              </a:rPr>
+              <a:t>Xilinx</a:t>
+            </a:r>
+            <a:r>
+              <a:rPr lang="de-DE" sz="900">
+                <a:hlinkClick r:id="rId6"/>
+              </a:rPr>
+              <a:t> - </a:t>
+            </a:r>
+            <a:r>
+              <a:rPr lang="de-DE" sz="900" err="1">
+                <a:hlinkClick r:id="rId6"/>
+              </a:rPr>
+              <a:t>Adaptable</a:t>
+            </a:r>
+            <a:r>
+              <a:rPr lang="de-DE" sz="900">
+                <a:hlinkClick r:id="rId6"/>
+              </a:rPr>
+              <a:t>. Intelligent.</a:t>
+            </a:r>
+            <a:endParaRPr lang="de-DE" sz="900"/>
+          </a:p>
+        </p:txBody>
+      </p:sp>
+      <p:grpSp>
+        <p:nvGrpSpPr>
+          <p:cNvPr id="24" name="Gruppieren 23">
+            <a:extLst>
+              <a:ext uri="{FF2B5EF4-FFF2-40B4-BE49-F238E27FC236}">
+                <a16:creationId xmlns:a16="http://schemas.microsoft.com/office/drawing/2014/main" id="{E43CD1C5-71EC-4B1C-BB00-55F5529E774E}"/>
+              </a:ext>
+            </a:extLst>
+          </p:cNvPr>
+          <p:cNvGrpSpPr>
+            <a:grpSpLocks noChangeAspect="1"/>
+          </p:cNvGrpSpPr>
+          <p:nvPr/>
+        </p:nvGrpSpPr>
+        <p:grpSpPr>
+          <a:xfrm>
+            <a:off x="7536043" y="2408568"/>
+            <a:ext cx="2222418" cy="2915578"/>
+            <a:chOff x="6282280" y="3284612"/>
+            <a:chExt cx="2324392" cy="3049357"/>
+          </a:xfrm>
+        </p:grpSpPr>
+        <p:sp>
+          <p:nvSpPr>
+            <p:cNvPr id="22" name="Rechteck: abgerundete Ecken 21">
+              <a:extLst>
+                <a:ext uri="{FF2B5EF4-FFF2-40B4-BE49-F238E27FC236}">
+                  <a16:creationId xmlns:a16="http://schemas.microsoft.com/office/drawing/2014/main" id="{99B19DE3-4C92-477E-9B0A-2347C02709CC}"/>
+                </a:ext>
+              </a:extLst>
+            </p:cNvPr>
+            <p:cNvSpPr/>
+            <p:nvPr/>
+          </p:nvSpPr>
+          <p:spPr>
+            <a:xfrm>
+              <a:off x="6282280" y="3284612"/>
+              <a:ext cx="2324392" cy="3049357"/>
+            </a:xfrm>
+            <a:prstGeom prst="roundRect">
+              <a:avLst/>
+            </a:prstGeom>
+            <a:solidFill>
+              <a:schemeClr val="bg1">
+                <a:lumMod val="75000"/>
+              </a:schemeClr>
+            </a:solidFill>
+            <a:ln>
+              <a:solidFill>
+                <a:srgbClr val="ED7D31"/>
+              </a:solidFill>
+            </a:ln>
+          </p:spPr>
+          <p:style>
+            <a:lnRef idx="2">
+              <a:schemeClr val="accent1">
+                <a:shade val="50000"/>
+              </a:schemeClr>
+            </a:lnRef>
+            <a:fillRef idx="1">
+              <a:schemeClr val="accent1"/>
+            </a:fillRef>
+            <a:effectRef idx="0">
+              <a:schemeClr val="accent1"/>
+            </a:effectRef>
+            <a:fontRef idx="minor">
+              <a:schemeClr val="lt1"/>
+            </a:fontRef>
+          </p:style>
+          <p:txBody>
+            <a:bodyPr rtlCol="0" anchor="ctr"/>
+            <a:lstStyle/>
+            <a:p>
+              <a:pPr algn="ctr"/>
+              <a:endParaRPr lang="de-DE"/>
+            </a:p>
+          </p:txBody>
+        </p:sp>
+        <p:pic>
+          <p:nvPicPr>
+            <p:cNvPr id="15" name="Grafik 14">
+              <a:extLst>
+                <a:ext uri="{FF2B5EF4-FFF2-40B4-BE49-F238E27FC236}">
+                  <a16:creationId xmlns:a16="http://schemas.microsoft.com/office/drawing/2014/main" id="{71614E73-266E-4E12-98E5-0C22AEC230D0}"/>
+                </a:ext>
+              </a:extLst>
+            </p:cNvPr>
+            <p:cNvPicPr>
+              <a:picLocks noChangeAspect="1"/>
+            </p:cNvPicPr>
+            <p:nvPr/>
+          </p:nvPicPr>
+          <p:blipFill>
+            <a:blip r:embed="rId7"/>
+            <a:stretch>
+              <a:fillRect/>
+            </a:stretch>
+          </p:blipFill>
+          <p:spPr>
+            <a:xfrm>
+              <a:off x="6507639" y="5594620"/>
+              <a:ext cx="1988957" cy="384531"/>
+            </a:xfrm>
+            <a:prstGeom prst="rect">
+              <a:avLst/>
+            </a:prstGeom>
+          </p:spPr>
+        </p:pic>
+        <p:pic>
+          <p:nvPicPr>
+            <p:cNvPr id="18" name="Grafik 17">
+              <a:extLst>
+                <a:ext uri="{FF2B5EF4-FFF2-40B4-BE49-F238E27FC236}">
+                  <a16:creationId xmlns:a16="http://schemas.microsoft.com/office/drawing/2014/main" id="{AB65A386-85B3-4A4C-B2F1-388A8E1512F6}"/>
+                </a:ext>
+              </a:extLst>
+            </p:cNvPr>
+            <p:cNvPicPr>
+              <a:picLocks noChangeAspect="1"/>
+            </p:cNvPicPr>
+            <p:nvPr/>
+          </p:nvPicPr>
+          <p:blipFill>
+            <a:blip r:embed="rId8"/>
+            <a:stretch>
+              <a:fillRect/>
+            </a:stretch>
+          </p:blipFill>
+          <p:spPr>
+            <a:xfrm>
+              <a:off x="6541618" y="3594626"/>
+              <a:ext cx="1787064" cy="702912"/>
+            </a:xfrm>
+            <a:prstGeom prst="rect">
+              <a:avLst/>
+            </a:prstGeom>
+          </p:spPr>
+        </p:pic>
+        <p:pic>
+          <p:nvPicPr>
+            <p:cNvPr id="20" name="Grafik 19">
+              <a:extLst>
+                <a:ext uri="{FF2B5EF4-FFF2-40B4-BE49-F238E27FC236}">
+                  <a16:creationId xmlns:a16="http://schemas.microsoft.com/office/drawing/2014/main" id="{7F320540-572A-43E9-979A-D0D7287D4DD1}"/>
+                </a:ext>
+              </a:extLst>
+            </p:cNvPr>
+            <p:cNvPicPr>
+              <a:picLocks noChangeAspect="1"/>
+            </p:cNvPicPr>
+            <p:nvPr/>
+          </p:nvPicPr>
+          <p:blipFill>
+            <a:blip r:embed="rId9"/>
+            <a:stretch>
+              <a:fillRect/>
+            </a:stretch>
+          </p:blipFill>
+          <p:spPr>
+            <a:xfrm>
+              <a:off x="6491976" y="4569841"/>
+              <a:ext cx="1905000" cy="752475"/>
+            </a:xfrm>
+            <a:prstGeom prst="rect">
+              <a:avLst/>
+            </a:prstGeom>
+          </p:spPr>
+        </p:pic>
+      </p:grpSp>
+      <p:sp>
+        <p:nvSpPr>
+          <p:cNvPr id="23" name="Textfeld 22">
+            <a:extLst>
+              <a:ext uri="{FF2B5EF4-FFF2-40B4-BE49-F238E27FC236}">
+                <a16:creationId xmlns:a16="http://schemas.microsoft.com/office/drawing/2014/main" id="{17004FF8-7BBD-478D-A1EC-664852512FB2}"/>
+              </a:ext>
+            </a:extLst>
+          </p:cNvPr>
+          <p:cNvSpPr txBox="1"/>
+          <p:nvPr/>
+        </p:nvSpPr>
+        <p:spPr>
+          <a:xfrm>
+            <a:off x="7040285" y="6248740"/>
+            <a:ext cx="3162691" cy="230832"/>
+          </a:xfrm>
+          <a:prstGeom prst="rect">
+            <a:avLst/>
+          </a:prstGeom>
+          <a:noFill/>
+        </p:spPr>
+        <p:txBody>
+          <a:bodyPr wrap="square">
+            <a:spAutoFit/>
+          </a:bodyPr>
+          <a:lstStyle/>
+          <a:p>
+            <a:r>
+              <a:rPr lang="en-US" sz="900">
+                <a:hlinkClick r:id="rId10"/>
+              </a:rPr>
+              <a:t>Mixed-signal and digital signal processing ICs | Analog Devices</a:t>
+            </a:r>
+            <a:endParaRPr lang="de-DE" sz="900"/>
+          </a:p>
+        </p:txBody>
+      </p:sp>
+      <p:cxnSp>
+        <p:nvCxnSpPr>
+          <p:cNvPr id="16" name="Gerader Verbinder 15">
+            <a:extLst>
+              <a:ext uri="{FF2B5EF4-FFF2-40B4-BE49-F238E27FC236}">
+                <a16:creationId xmlns:a16="http://schemas.microsoft.com/office/drawing/2014/main" id="{07BD3071-2943-427C-A101-4CA434609CDA}"/>
+              </a:ext>
+            </a:extLst>
+          </p:cNvPr>
+          <p:cNvCxnSpPr>
+            <a:cxnSpLocks/>
+          </p:cNvCxnSpPr>
+          <p:nvPr/>
+        </p:nvCxnSpPr>
+        <p:spPr>
+          <a:xfrm flipV="1">
+            <a:off x="838199" y="545090"/>
+            <a:ext cx="0" cy="900000"/>
+          </a:xfrm>
+          <a:prstGeom prst="line">
+            <a:avLst/>
+          </a:prstGeom>
+          <a:ln w="38100" cap="rnd">
+            <a:solidFill>
+              <a:srgbClr val="ED7D31"/>
+            </a:solidFill>
+          </a:ln>
+        </p:spPr>
+        <p:style>
+          <a:lnRef idx="1">
+            <a:schemeClr val="accent1"/>
+          </a:lnRef>
+          <a:fillRef idx="0">
+            <a:schemeClr val="accent1"/>
+          </a:fillRef>
+          <a:effectRef idx="0">
+            <a:schemeClr val="accent1"/>
+          </a:effectRef>
+          <a:fontRef idx="minor">
+            <a:schemeClr val="tx1"/>
+          </a:fontRef>
+        </p:style>
+      </p:cxnSp>
+      <p:sp>
+        <p:nvSpPr>
+          <p:cNvPr id="25" name="Ellipse 11">
+            <a:extLst>
+              <a:ext uri="{FF2B5EF4-FFF2-40B4-BE49-F238E27FC236}">
+                <a16:creationId xmlns:a16="http://schemas.microsoft.com/office/drawing/2014/main" id="{23F06576-B842-4374-AA79-71D1BE837003}"/>
+              </a:ext>
+            </a:extLst>
+          </p:cNvPr>
+          <p:cNvSpPr/>
+          <p:nvPr/>
+        </p:nvSpPr>
+        <p:spPr>
+          <a:xfrm>
+            <a:off x="147455" y="4089600"/>
+            <a:ext cx="468000" cy="468000"/>
+          </a:xfrm>
+          <a:prstGeom prst="ellipse">
+            <a:avLst/>
+          </a:prstGeom>
+          <a:noFill/>
+          <a:ln w="19050">
+            <a:solidFill>
+              <a:schemeClr val="bg1">
+                <a:lumMod val="75000"/>
+              </a:schemeClr>
+            </a:solidFill>
+          </a:ln>
+        </p:spPr>
+        <p:style>
+          <a:lnRef idx="2">
+            <a:schemeClr val="accent1">
+              <a:shade val="50000"/>
+            </a:schemeClr>
+          </a:lnRef>
+          <a:fillRef idx="1">
+            <a:schemeClr val="accent1"/>
+          </a:fillRef>
+          <a:effectRef idx="0">
+            <a:schemeClr val="accent1"/>
+          </a:effectRef>
+          <a:fontRef idx="minor">
+            <a:schemeClr val="lt1"/>
+          </a:fontRef>
+        </p:style>
+        <p:txBody>
+          <a:bodyPr rtlCol="0" anchor="ctr"/>
+          <a:lstStyle/>
+          <a:p>
+            <a:pPr algn="ctr"/>
+            <a:endParaRPr lang="de-DE"/>
+          </a:p>
+        </p:txBody>
+      </p:sp>
+      <p:sp>
+        <p:nvSpPr>
+          <p:cNvPr id="26" name="Ellipse 11">
+            <a:extLst>
+              <a:ext uri="{FF2B5EF4-FFF2-40B4-BE49-F238E27FC236}">
+                <a16:creationId xmlns:a16="http://schemas.microsoft.com/office/drawing/2014/main" id="{F2B79D3E-7830-48CE-9FAA-564ED3B2E51D}"/>
+              </a:ext>
+            </a:extLst>
+          </p:cNvPr>
+          <p:cNvSpPr/>
+          <p:nvPr/>
+        </p:nvSpPr>
+        <p:spPr>
+          <a:xfrm>
+            <a:off x="146350" y="3729600"/>
+            <a:ext cx="468000" cy="468000"/>
+          </a:xfrm>
+          <a:prstGeom prst="ellipse">
+            <a:avLst/>
+          </a:prstGeom>
+          <a:solidFill>
+            <a:schemeClr val="bg1"/>
+          </a:solidFill>
+          <a:ln w="19050">
+            <a:solidFill>
+              <a:schemeClr val="bg1">
+                <a:lumMod val="75000"/>
+              </a:schemeClr>
+            </a:solidFill>
+          </a:ln>
+        </p:spPr>
+        <p:style>
+          <a:lnRef idx="2">
+            <a:schemeClr val="accent1">
+              <a:shade val="50000"/>
+            </a:schemeClr>
+          </a:lnRef>
+          <a:fillRef idx="1">
+            <a:schemeClr val="accent1"/>
+          </a:fillRef>
+          <a:effectRef idx="0">
+            <a:schemeClr val="accent1"/>
+          </a:effectRef>
+          <a:fontRef idx="minor">
+            <a:schemeClr val="lt1"/>
+          </a:fontRef>
+        </p:style>
+        <p:txBody>
+          <a:bodyPr rtlCol="0" anchor="ctr"/>
+          <a:lstStyle/>
+          <a:p>
+            <a:pPr algn="ctr"/>
+            <a:endParaRPr lang="de-DE"/>
+          </a:p>
+        </p:txBody>
+      </p:sp>
+      <p:sp>
+        <p:nvSpPr>
+          <p:cNvPr id="27" name="Ellipse 11">
+            <a:extLst>
+              <a:ext uri="{FF2B5EF4-FFF2-40B4-BE49-F238E27FC236}">
+                <a16:creationId xmlns:a16="http://schemas.microsoft.com/office/drawing/2014/main" id="{D6B9F240-DA94-4F81-86C5-79DB5752BFA7}"/>
+              </a:ext>
+            </a:extLst>
+          </p:cNvPr>
+          <p:cNvSpPr/>
+          <p:nvPr/>
+        </p:nvSpPr>
+        <p:spPr>
+          <a:xfrm>
+            <a:off x="146350" y="3369600"/>
+            <a:ext cx="468000" cy="468000"/>
+          </a:xfrm>
+          <a:prstGeom prst="ellipse">
+            <a:avLst/>
+          </a:prstGeom>
+          <a:solidFill>
+            <a:schemeClr val="bg1"/>
+          </a:solidFill>
+          <a:ln w="19050">
+            <a:solidFill>
+              <a:schemeClr val="bg1">
+                <a:lumMod val="75000"/>
+              </a:schemeClr>
+            </a:solidFill>
+          </a:ln>
+        </p:spPr>
+        <p:style>
+          <a:lnRef idx="2">
+            <a:schemeClr val="accent1">
+              <a:shade val="50000"/>
+            </a:schemeClr>
+          </a:lnRef>
+          <a:fillRef idx="1">
+            <a:schemeClr val="accent1"/>
+          </a:fillRef>
+          <a:effectRef idx="0">
+            <a:schemeClr val="accent1"/>
+          </a:effectRef>
+          <a:fontRef idx="minor">
+            <a:schemeClr val="lt1"/>
+          </a:fontRef>
+        </p:style>
+        <p:txBody>
+          <a:bodyPr rtlCol="0" anchor="ctr"/>
+          <a:lstStyle/>
+          <a:p>
+            <a:pPr algn="ctr"/>
+            <a:endParaRPr lang="de-DE"/>
+          </a:p>
+        </p:txBody>
+      </p:sp>
+      <p:sp>
+        <p:nvSpPr>
+          <p:cNvPr id="28" name="Ellipse 11">
+            <a:extLst>
+              <a:ext uri="{FF2B5EF4-FFF2-40B4-BE49-F238E27FC236}">
+                <a16:creationId xmlns:a16="http://schemas.microsoft.com/office/drawing/2014/main" id="{D3FA81CC-9F07-45C8-9344-9369B58B01CF}"/>
+              </a:ext>
+            </a:extLst>
+          </p:cNvPr>
+          <p:cNvSpPr/>
+          <p:nvPr/>
+        </p:nvSpPr>
+        <p:spPr>
+          <a:xfrm>
+            <a:off x="146350" y="3009600"/>
+            <a:ext cx="468000" cy="468000"/>
+          </a:xfrm>
+          <a:prstGeom prst="ellipse">
+            <a:avLst/>
+          </a:prstGeom>
+          <a:solidFill>
+            <a:schemeClr val="bg1"/>
+          </a:solidFill>
+          <a:ln w="19050">
+            <a:solidFill>
+              <a:schemeClr val="bg1">
+                <a:lumMod val="75000"/>
+              </a:schemeClr>
+            </a:solidFill>
+          </a:ln>
+        </p:spPr>
+        <p:style>
+          <a:lnRef idx="2">
+            <a:schemeClr val="accent1">
+              <a:shade val="50000"/>
+            </a:schemeClr>
+          </a:lnRef>
+          <a:fillRef idx="1">
+            <a:schemeClr val="accent1"/>
+          </a:fillRef>
+          <a:effectRef idx="0">
+            <a:schemeClr val="accent1"/>
+          </a:effectRef>
+          <a:fontRef idx="minor">
+            <a:schemeClr val="lt1"/>
+          </a:fontRef>
+        </p:style>
+        <p:txBody>
+          <a:bodyPr rtlCol="0" anchor="ctr"/>
+          <a:lstStyle/>
+          <a:p>
+            <a:pPr algn="ctr"/>
+            <a:endParaRPr lang="de-DE"/>
+          </a:p>
+        </p:txBody>
+      </p:sp>
+      <p:sp>
+        <p:nvSpPr>
+          <p:cNvPr id="29" name="Ellipse 11">
+            <a:extLst>
+              <a:ext uri="{FF2B5EF4-FFF2-40B4-BE49-F238E27FC236}">
+                <a16:creationId xmlns:a16="http://schemas.microsoft.com/office/drawing/2014/main" id="{E92F2DA4-5AEB-4D5B-9968-94A4CEFDB893}"/>
+              </a:ext>
+            </a:extLst>
+          </p:cNvPr>
+          <p:cNvSpPr/>
+          <p:nvPr/>
+        </p:nvSpPr>
+        <p:spPr>
+          <a:xfrm>
+            <a:off x="147600" y="2649600"/>
+            <a:ext cx="468000" cy="468000"/>
+          </a:xfrm>
+          <a:prstGeom prst="ellipse">
+            <a:avLst/>
+          </a:prstGeom>
+          <a:solidFill>
+            <a:schemeClr val="bg1"/>
+          </a:solidFill>
+          <a:ln w="19050">
+            <a:solidFill>
+              <a:schemeClr val="bg1">
+                <a:lumMod val="75000"/>
+              </a:schemeClr>
+            </a:solidFill>
+          </a:ln>
+        </p:spPr>
+        <p:style>
+          <a:lnRef idx="2">
+            <a:schemeClr val="accent1">
+              <a:shade val="50000"/>
+            </a:schemeClr>
+          </a:lnRef>
+          <a:fillRef idx="1">
+            <a:schemeClr val="accent1"/>
+          </a:fillRef>
+          <a:effectRef idx="0">
+            <a:schemeClr val="accent1"/>
+          </a:effectRef>
+          <a:fontRef idx="minor">
+            <a:schemeClr val="lt1"/>
+          </a:fontRef>
+        </p:style>
+        <p:txBody>
+          <a:bodyPr rtlCol="0" anchor="ctr"/>
+          <a:lstStyle/>
+          <a:p>
+            <a:pPr algn="ctr"/>
+            <a:endParaRPr lang="de-DE"/>
+          </a:p>
+        </p:txBody>
+      </p:sp>
+      <p:sp>
+        <p:nvSpPr>
+          <p:cNvPr id="30" name="Ellipse 11">
+            <a:extLst>
+              <a:ext uri="{FF2B5EF4-FFF2-40B4-BE49-F238E27FC236}">
+                <a16:creationId xmlns:a16="http://schemas.microsoft.com/office/drawing/2014/main" id="{4E218B74-5243-415B-9655-E58BE56AEFC7}"/>
+              </a:ext>
+            </a:extLst>
+          </p:cNvPr>
+          <p:cNvSpPr/>
+          <p:nvPr/>
+        </p:nvSpPr>
+        <p:spPr>
+          <a:xfrm>
+            <a:off x="147600" y="2289600"/>
+            <a:ext cx="468000" cy="468000"/>
+          </a:xfrm>
+          <a:prstGeom prst="ellipse">
+            <a:avLst/>
+          </a:prstGeom>
+          <a:solidFill>
+            <a:schemeClr val="bg1"/>
+          </a:solidFill>
+          <a:ln w="19050">
+            <a:solidFill>
+              <a:schemeClr val="bg1">
+                <a:lumMod val="75000"/>
+              </a:schemeClr>
+            </a:solidFill>
+          </a:ln>
+        </p:spPr>
+        <p:style>
+          <a:lnRef idx="2">
+            <a:schemeClr val="accent1">
+              <a:shade val="50000"/>
+            </a:schemeClr>
+          </a:lnRef>
+          <a:fillRef idx="1">
+            <a:schemeClr val="accent1"/>
+          </a:fillRef>
+          <a:effectRef idx="0">
+            <a:schemeClr val="accent1"/>
+          </a:effectRef>
+          <a:fontRef idx="minor">
+            <a:schemeClr val="lt1"/>
+          </a:fontRef>
+        </p:style>
+        <p:txBody>
+          <a:bodyPr rtlCol="0" anchor="ctr"/>
+          <a:lstStyle/>
+          <a:p>
+            <a:pPr algn="ctr"/>
+            <a:endParaRPr lang="de-DE"/>
+          </a:p>
+        </p:txBody>
+      </p:sp>
+      <p:sp>
+        <p:nvSpPr>
+          <p:cNvPr id="31" name="Ellipse 11">
+            <a:extLst>
+              <a:ext uri="{FF2B5EF4-FFF2-40B4-BE49-F238E27FC236}">
+                <a16:creationId xmlns:a16="http://schemas.microsoft.com/office/drawing/2014/main" id="{19D9E93B-98EB-420F-9357-38A238F52743}"/>
+              </a:ext>
+            </a:extLst>
+          </p:cNvPr>
+          <p:cNvSpPr/>
+          <p:nvPr/>
+        </p:nvSpPr>
+        <p:spPr>
+          <a:xfrm>
+            <a:off x="147600" y="1927991"/>
+            <a:ext cx="468000" cy="468000"/>
+          </a:xfrm>
+          <a:prstGeom prst="ellipse">
+            <a:avLst/>
+          </a:prstGeom>
+          <a:solidFill>
+            <a:schemeClr val="bg1"/>
+          </a:solidFill>
+          <a:ln w="19050">
+            <a:solidFill>
+              <a:schemeClr val="bg1">
+                <a:lumMod val="75000"/>
+              </a:schemeClr>
+            </a:solidFill>
+          </a:ln>
+        </p:spPr>
+        <p:style>
+          <a:lnRef idx="2">
+            <a:schemeClr val="accent1">
+              <a:shade val="50000"/>
+            </a:schemeClr>
+          </a:lnRef>
+          <a:fillRef idx="1">
+            <a:schemeClr val="accent1"/>
+          </a:fillRef>
+          <a:effectRef idx="0">
+            <a:schemeClr val="accent1"/>
+          </a:effectRef>
+          <a:fontRef idx="minor">
+            <a:schemeClr val="lt1"/>
+          </a:fontRef>
+        </p:style>
+        <p:txBody>
+          <a:bodyPr rtlCol="0" anchor="ctr"/>
+          <a:lstStyle/>
+          <a:p>
+            <a:pPr algn="ctr"/>
+            <a:endParaRPr lang="de-DE"/>
+          </a:p>
+        </p:txBody>
+      </p:sp>
+      <p:sp>
+        <p:nvSpPr>
+          <p:cNvPr id="17" name="Ellipse 16">
+            <a:extLst>
+              <a:ext uri="{FF2B5EF4-FFF2-40B4-BE49-F238E27FC236}">
+                <a16:creationId xmlns:a16="http://schemas.microsoft.com/office/drawing/2014/main" id="{E6E5A29A-75DA-40A7-9FF3-18AE87E100B5}"/>
+              </a:ext>
+            </a:extLst>
+          </p:cNvPr>
+          <p:cNvSpPr/>
+          <p:nvPr/>
+        </p:nvSpPr>
+        <p:spPr>
+          <a:xfrm>
+            <a:off x="148560" y="1569600"/>
+            <a:ext cx="468000" cy="468000"/>
+          </a:xfrm>
+          <a:prstGeom prst="ellipse">
+            <a:avLst/>
+          </a:prstGeom>
+          <a:solidFill>
+            <a:srgbClr val="ED7D31"/>
+          </a:solidFill>
+          <a:ln w="19050">
+            <a:solidFill>
+              <a:srgbClr val="ED7D31"/>
+            </a:solidFill>
+          </a:ln>
+        </p:spPr>
+        <p:style>
+          <a:lnRef idx="2">
+            <a:schemeClr val="accent1">
+              <a:shade val="50000"/>
+            </a:schemeClr>
+          </a:lnRef>
+          <a:fillRef idx="1">
+            <a:schemeClr val="accent1"/>
+          </a:fillRef>
+          <a:effectRef idx="0">
+            <a:schemeClr val="accent1"/>
+          </a:effectRef>
+          <a:fontRef idx="minor">
+            <a:schemeClr val="lt1"/>
+          </a:fontRef>
+        </p:style>
+        <p:txBody>
+          <a:bodyPr rtlCol="0" anchor="ctr"/>
+          <a:lstStyle/>
+          <a:p>
+            <a:pPr algn="ctr"/>
+            <a:endParaRPr lang="de-DE"/>
+          </a:p>
+        </p:txBody>
+      </p:sp>
+      <p:sp>
+        <p:nvSpPr>
+          <p:cNvPr id="32" name="Textfeld 31">
+            <a:extLst>
+              <a:ext uri="{FF2B5EF4-FFF2-40B4-BE49-F238E27FC236}">
+                <a16:creationId xmlns:a16="http://schemas.microsoft.com/office/drawing/2014/main" id="{E11E32AB-E8A8-4377-8E2E-A7D50AA8F206}"/>
+              </a:ext>
+            </a:extLst>
+          </p:cNvPr>
+          <p:cNvSpPr txBox="1"/>
+          <p:nvPr/>
+        </p:nvSpPr>
+        <p:spPr>
+          <a:xfrm>
+            <a:off x="11890314" y="-636"/>
+            <a:ext cx="301686" cy="369332"/>
+          </a:xfrm>
+          <a:prstGeom prst="rect">
+            <a:avLst/>
+          </a:prstGeom>
+          <a:noFill/>
+        </p:spPr>
+        <p:txBody>
+          <a:bodyPr wrap="square" rtlCol="0">
+            <a:spAutoFit/>
+          </a:bodyPr>
+          <a:lstStyle/>
+          <a:p>
+            <a:r>
+              <a:rPr lang="de-DE"/>
+              <a:t>4</a:t>
+            </a:r>
+          </a:p>
+        </p:txBody>
+      </p:sp>
+    </p:spTree>
+    <p:extLst>
+      <p:ext uri="{BB962C8B-B14F-4D97-AF65-F5344CB8AC3E}">
+        <p14:creationId xmlns:p14="http://schemas.microsoft.com/office/powerpoint/2010/main" val="452856955"/>
       </p:ext>
     </p:extLst>
   </p:cSld>
